--- a/TODO/spa_presentation.pptx
+++ b/TODO/spa_presentation.pptx
@@ -2,10 +2,10 @@
 <file path=ppt/presentation.xml><?xml version="1.0" encoding="utf-8"?>
 <p:presentation xmlns:a="http://schemas.openxmlformats.org/drawingml/2006/main" xmlns:r="http://schemas.openxmlformats.org/officeDocument/2006/relationships" xmlns:p="http://schemas.openxmlformats.org/presentationml/2006/main" saveSubsetFonts="1" autoCompressPictures="0">
   <p:sldMasterIdLst>
-    <p:sldMasterId id="2147483648" r:id="rId1"/>
+    <p:sldMasterId id="2147483713" r:id="rId1"/>
   </p:sldMasterIdLst>
   <p:notesMasterIdLst>
-    <p:notesMasterId r:id="rId8"/>
+    <p:notesMasterId r:id="rId13"/>
   </p:notesMasterIdLst>
   <p:sldIdLst>
     <p:sldId id="256" r:id="rId2"/>
@@ -14,6 +14,11 @@
     <p:sldId id="259" r:id="rId5"/>
     <p:sldId id="261" r:id="rId6"/>
     <p:sldId id="260" r:id="rId7"/>
+    <p:sldId id="262" r:id="rId8"/>
+    <p:sldId id="264" r:id="rId9"/>
+    <p:sldId id="265" r:id="rId10"/>
+    <p:sldId id="266" r:id="rId11"/>
+    <p:sldId id="263" r:id="rId12"/>
   </p:sldIdLst>
   <p:sldSz cx="12192000" cy="6858000"/>
   <p:notesSz cx="6858000" cy="9144000"/>
@@ -112,6 +117,11 @@
       </a:defRPr>
     </a:lvl9pPr>
   </p:defaultTextStyle>
+  <p:extLst>
+    <p:ext uri="{EFAFB233-063F-42B5-8137-9DF3F51BA10A}">
+      <p15:sldGuideLst xmlns:p15="http://schemas.microsoft.com/office/powerpoint/2012/main"/>
+    </p:ext>
+  </p:extLst>
 </p:presentation>
 </file>
 
@@ -2002,6 +2012,13 @@
         </dgm:presLayoutVars>
       </dgm:prSet>
       <dgm:spPr/>
+      <dgm:t>
+        <a:bodyPr/>
+        <a:lstStyle/>
+        <a:p>
+          <a:endParaRPr lang="en-US"/>
+        </a:p>
+      </dgm:t>
     </dgm:pt>
     <dgm:pt modelId="{86C242F7-D48A-364E-8D64-6171BB996B17}" type="pres">
       <dgm:prSet presAssocID="{20DB5770-B470-0C4C-8921-4B1EF6A3ABFF}" presName="linNode" presStyleCnt="0"/>
@@ -2131,11 +2148,11 @@
     <dgm:cxn modelId="{963394C4-9CAD-7345-AD78-E486230CD093}" type="presOf" srcId="{C8AF0F00-3846-1D4A-99D3-0426FD5FFA24}" destId="{AC74C98F-86C9-B14C-865C-57F64E30ED23}" srcOrd="0" destOrd="0" presId="urn:microsoft.com/office/officeart/2005/8/layout/vList5"/>
     <dgm:cxn modelId="{4CE2BDC1-C67A-E945-AB48-3DF87331A1F6}" srcId="{B095A081-F537-E442-9A4E-CB719E416DDE}" destId="{22BF03BD-11A8-9D4F-B96D-A357ABA3E270}" srcOrd="1" destOrd="0" parTransId="{8946D454-9F52-B942-A92C-1A96ECB527AD}" sibTransId="{3CFA7990-1761-594B-9EAD-F4331C77FC42}"/>
     <dgm:cxn modelId="{63077D88-271D-AF46-9663-EC709A73A728}" type="presOf" srcId="{6CC3F7FE-E00B-FB42-8EC1-E18F70B28F8E}" destId="{554C7D42-C311-564D-AC51-F42FC0F940BD}" srcOrd="0" destOrd="0" presId="urn:microsoft.com/office/officeart/2005/8/layout/vList5"/>
+    <dgm:cxn modelId="{C22CF1FA-3254-AF44-91A8-1D617290C7C0}" type="presOf" srcId="{65BC9861-F1D7-1241-A0C9-CE730CEA64D7}" destId="{136E0478-AC45-FA40-9327-73657BA7AFF7}" srcOrd="0" destOrd="0" presId="urn:microsoft.com/office/officeart/2005/8/layout/vList5"/>
     <dgm:cxn modelId="{5F64ADAD-740F-A04F-B73E-73F0D7D0CAF6}" srcId="{65BC9861-F1D7-1241-A0C9-CE730CEA64D7}" destId="{B095A081-F537-E442-9A4E-CB719E416DDE}" srcOrd="1" destOrd="0" parTransId="{018CA84D-90C7-504B-96E6-2E4A98F7F056}" sibTransId="{834D9F92-67AB-164C-A6B8-FF5DB845ECA7}"/>
-    <dgm:cxn modelId="{C22CF1FA-3254-AF44-91A8-1D617290C7C0}" type="presOf" srcId="{65BC9861-F1D7-1241-A0C9-CE730CEA64D7}" destId="{136E0478-AC45-FA40-9327-73657BA7AFF7}" srcOrd="0" destOrd="0" presId="urn:microsoft.com/office/officeart/2005/8/layout/vList5"/>
     <dgm:cxn modelId="{6061087C-F7D6-784D-AE17-1519A16E54A4}" type="presOf" srcId="{6344BDF4-DABD-6247-A9BB-2D0E3F981334}" destId="{87D34516-CCA5-9D46-8122-FD7C02393A57}" srcOrd="0" destOrd="0" presId="urn:microsoft.com/office/officeart/2005/8/layout/vList5"/>
+    <dgm:cxn modelId="{28A47BF1-0C55-094F-B9D2-B132D5301704}" srcId="{20DB5770-B470-0C4C-8921-4B1EF6A3ABFF}" destId="{7ED10897-17C8-1149-8EEF-EFF5F0FB9864}" srcOrd="2" destOrd="0" parTransId="{3C8D2A55-2C5B-A64A-A09D-E1AB818640A0}" sibTransId="{3E38FEA7-1939-384D-9901-DE6CD6DC9CE6}"/>
     <dgm:cxn modelId="{C0D479E5-C3BC-F544-A5CA-B054767CD933}" type="presOf" srcId="{7ED10897-17C8-1149-8EEF-EFF5F0FB9864}" destId="{554C7D42-C311-564D-AC51-F42FC0F940BD}" srcOrd="0" destOrd="2" presId="urn:microsoft.com/office/officeart/2005/8/layout/vList5"/>
-    <dgm:cxn modelId="{28A47BF1-0C55-094F-B9D2-B132D5301704}" srcId="{20DB5770-B470-0C4C-8921-4B1EF6A3ABFF}" destId="{7ED10897-17C8-1149-8EEF-EFF5F0FB9864}" srcOrd="2" destOrd="0" parTransId="{3C8D2A55-2C5B-A64A-A09D-E1AB818640A0}" sibTransId="{3E38FEA7-1939-384D-9901-DE6CD6DC9CE6}"/>
     <dgm:cxn modelId="{2938D889-64E7-BB42-B434-7E6DBAE2E27E}" srcId="{A884783E-4EAE-F545-98B0-F214C8B00854}" destId="{2E65499C-9BFC-C047-913B-66C57AA3D417}" srcOrd="1" destOrd="0" parTransId="{9A5642F9-9E88-F749-B9FD-4BB16AC91DB0}" sibTransId="{4E4E0531-25FF-584A-ADF3-B5FA222B6E73}"/>
     <dgm:cxn modelId="{3EBFE384-231E-FB4A-A4F9-17EAB8671F53}" srcId="{B095A081-F537-E442-9A4E-CB719E416DDE}" destId="{6344BDF4-DABD-6247-A9BB-2D0E3F981334}" srcOrd="0" destOrd="0" parTransId="{C826A8FE-F607-BE46-A075-7D56CAB6EC94}" sibTransId="{059967F5-0D95-C347-BC55-C8E59B95D6D4}"/>
     <dgm:cxn modelId="{6FDBFC7C-3A94-1F41-9D12-CBE04BEA3F7D}" srcId="{20DB5770-B470-0C4C-8921-4B1EF6A3ABFF}" destId="{67E3424D-0BDD-BB48-9C30-ED4EDFE0AD0E}" srcOrd="1" destOrd="0" parTransId="{43F173C4-D1F9-6547-AD09-5C1971654840}" sibTransId="{602E0F0C-38FE-0D43-B795-8821D0832518}"/>
@@ -2297,6 +2314,13 @@
         </dgm:presLayoutVars>
       </dgm:prSet>
       <dgm:spPr/>
+      <dgm:t>
+        <a:bodyPr/>
+        <a:lstStyle/>
+        <a:p>
+          <a:endParaRPr lang="en-US"/>
+        </a:p>
+      </dgm:t>
     </dgm:pt>
     <dgm:pt modelId="{825D6C7F-8DC0-7449-80EA-854495134436}" type="pres">
       <dgm:prSet presAssocID="{B8E5FB17-990B-D841-9454-F2C99E151904}" presName="dummy" presStyleCnt="0"/>
@@ -2309,10 +2333,24 @@
         </dgm:presLayoutVars>
       </dgm:prSet>
       <dgm:spPr/>
+      <dgm:t>
+        <a:bodyPr/>
+        <a:lstStyle/>
+        <a:p>
+          <a:endParaRPr lang="en-US"/>
+        </a:p>
+      </dgm:t>
     </dgm:pt>
     <dgm:pt modelId="{534E622E-C0C7-EB40-947D-7F2801D84613}" type="pres">
       <dgm:prSet presAssocID="{927A3422-18B9-B94D-8B51-02990FB9D7DD}" presName="sibTrans" presStyleLbl="node1" presStyleIdx="0" presStyleCnt="3"/>
       <dgm:spPr/>
+      <dgm:t>
+        <a:bodyPr/>
+        <a:lstStyle/>
+        <a:p>
+          <a:endParaRPr lang="en-US"/>
+        </a:p>
+      </dgm:t>
     </dgm:pt>
     <dgm:pt modelId="{F81C5C02-40A3-984E-AB01-A1495C438DAD}" type="pres">
       <dgm:prSet presAssocID="{9915A6AA-D24A-074C-9230-43E5F591A2F5}" presName="dummy" presStyleCnt="0"/>
@@ -2336,6 +2374,13 @@
     <dgm:pt modelId="{F97CCB4C-C58B-034C-B458-553BF56CA463}" type="pres">
       <dgm:prSet presAssocID="{765EA2E3-6905-9D43-80FA-C15951A0DF45}" presName="sibTrans" presStyleLbl="node1" presStyleIdx="1" presStyleCnt="3"/>
       <dgm:spPr/>
+      <dgm:t>
+        <a:bodyPr/>
+        <a:lstStyle/>
+        <a:p>
+          <a:endParaRPr lang="en-US"/>
+        </a:p>
+      </dgm:t>
     </dgm:pt>
     <dgm:pt modelId="{F508A446-00BB-C843-B632-E95B00F66A15}" type="pres">
       <dgm:prSet presAssocID="{30029D95-5850-6245-B356-67C89C93D0EC}" presName="dummy" presStyleCnt="0"/>
@@ -2359,19 +2404,26 @@
     <dgm:pt modelId="{8CF23A7B-BDC3-E546-AFBD-B90CF0F5ACB2}" type="pres">
       <dgm:prSet presAssocID="{DD54FCCD-1FBF-8042-8F31-0F3D992DE87D}" presName="sibTrans" presStyleLbl="node1" presStyleIdx="2" presStyleCnt="3"/>
       <dgm:spPr/>
+      <dgm:t>
+        <a:bodyPr/>
+        <a:lstStyle/>
+        <a:p>
+          <a:endParaRPr lang="en-US"/>
+        </a:p>
+      </dgm:t>
     </dgm:pt>
   </dgm:ptLst>
   <dgm:cxnLst>
     <dgm:cxn modelId="{916AFF85-737A-7A43-9B12-B38111BDE2D7}" srcId="{ECC706F3-4B72-174C-905B-CD67B5C28A3C}" destId="{B8E5FB17-990B-D841-9454-F2C99E151904}" srcOrd="0" destOrd="0" parTransId="{92E6926E-F12F-7D4C-B4C9-AD4D8B180DAD}" sibTransId="{927A3422-18B9-B94D-8B51-02990FB9D7DD}"/>
+    <dgm:cxn modelId="{D83FB635-127E-2E43-8513-3A83958FF6D3}" srcId="{ECC706F3-4B72-174C-905B-CD67B5C28A3C}" destId="{30029D95-5850-6245-B356-67C89C93D0EC}" srcOrd="2" destOrd="0" parTransId="{7499B759-9778-AB48-9995-507BF56979E6}" sibTransId="{DD54FCCD-1FBF-8042-8F31-0F3D992DE87D}"/>
+    <dgm:cxn modelId="{614D6329-36ED-9148-946E-FF9BC3E47F0D}" type="presOf" srcId="{765EA2E3-6905-9D43-80FA-C15951A0DF45}" destId="{F97CCB4C-C58B-034C-B458-553BF56CA463}" srcOrd="0" destOrd="0" presId="urn:microsoft.com/office/officeart/2005/8/layout/cycle1"/>
+    <dgm:cxn modelId="{2881ACFF-0592-FB4D-B940-1EDF70C57AE5}" type="presOf" srcId="{B8E5FB17-990B-D841-9454-F2C99E151904}" destId="{37AC3251-7FEB-D346-B27D-A22C4F18D985}" srcOrd="0" destOrd="0" presId="urn:microsoft.com/office/officeart/2005/8/layout/cycle1"/>
+    <dgm:cxn modelId="{F014C18D-15A7-E044-853D-9052CA678A02}" type="presOf" srcId="{9915A6AA-D24A-074C-9230-43E5F591A2F5}" destId="{A1DA10EC-80A5-5B4D-88C5-99FAE1E4CBF6}" srcOrd="0" destOrd="0" presId="urn:microsoft.com/office/officeart/2005/8/layout/cycle1"/>
     <dgm:cxn modelId="{75416BE3-E9D7-5543-9797-27437023615E}" srcId="{ECC706F3-4B72-174C-905B-CD67B5C28A3C}" destId="{9915A6AA-D24A-074C-9230-43E5F591A2F5}" srcOrd="1" destOrd="0" parTransId="{FED73CBE-BB8C-504B-8162-4619B6CBE9E9}" sibTransId="{765EA2E3-6905-9D43-80FA-C15951A0DF45}"/>
     <dgm:cxn modelId="{BFEFC88E-9401-D64C-97BF-2D960E0E3EBA}" type="presOf" srcId="{30029D95-5850-6245-B356-67C89C93D0EC}" destId="{DC1B2B63-6540-474D-88A4-59E6095CBB45}" srcOrd="0" destOrd="0" presId="urn:microsoft.com/office/officeart/2005/8/layout/cycle1"/>
-    <dgm:cxn modelId="{F014C18D-15A7-E044-853D-9052CA678A02}" type="presOf" srcId="{9915A6AA-D24A-074C-9230-43E5F591A2F5}" destId="{A1DA10EC-80A5-5B4D-88C5-99FAE1E4CBF6}" srcOrd="0" destOrd="0" presId="urn:microsoft.com/office/officeart/2005/8/layout/cycle1"/>
     <dgm:cxn modelId="{B201921B-C99E-1941-83F4-DB6130FE3643}" type="presOf" srcId="{DD54FCCD-1FBF-8042-8F31-0F3D992DE87D}" destId="{8CF23A7B-BDC3-E546-AFBD-B90CF0F5ACB2}" srcOrd="0" destOrd="0" presId="urn:microsoft.com/office/officeart/2005/8/layout/cycle1"/>
+    <dgm:cxn modelId="{49940175-6FDD-F846-8FE5-8462651E419F}" type="presOf" srcId="{ECC706F3-4B72-174C-905B-CD67B5C28A3C}" destId="{8530FF5C-34FC-3541-8A85-5A5E5161EDEE}" srcOrd="0" destOrd="0" presId="urn:microsoft.com/office/officeart/2005/8/layout/cycle1"/>
     <dgm:cxn modelId="{38037497-8E5A-3D4A-8287-654645887346}" type="presOf" srcId="{927A3422-18B9-B94D-8B51-02990FB9D7DD}" destId="{534E622E-C0C7-EB40-947D-7F2801D84613}" srcOrd="0" destOrd="0" presId="urn:microsoft.com/office/officeart/2005/8/layout/cycle1"/>
-    <dgm:cxn modelId="{614D6329-36ED-9148-946E-FF9BC3E47F0D}" type="presOf" srcId="{765EA2E3-6905-9D43-80FA-C15951A0DF45}" destId="{F97CCB4C-C58B-034C-B458-553BF56CA463}" srcOrd="0" destOrd="0" presId="urn:microsoft.com/office/officeart/2005/8/layout/cycle1"/>
-    <dgm:cxn modelId="{D83FB635-127E-2E43-8513-3A83958FF6D3}" srcId="{ECC706F3-4B72-174C-905B-CD67B5C28A3C}" destId="{30029D95-5850-6245-B356-67C89C93D0EC}" srcOrd="2" destOrd="0" parTransId="{7499B759-9778-AB48-9995-507BF56979E6}" sibTransId="{DD54FCCD-1FBF-8042-8F31-0F3D992DE87D}"/>
-    <dgm:cxn modelId="{49940175-6FDD-F846-8FE5-8462651E419F}" type="presOf" srcId="{ECC706F3-4B72-174C-905B-CD67B5C28A3C}" destId="{8530FF5C-34FC-3541-8A85-5A5E5161EDEE}" srcOrd="0" destOrd="0" presId="urn:microsoft.com/office/officeart/2005/8/layout/cycle1"/>
-    <dgm:cxn modelId="{2881ACFF-0592-FB4D-B940-1EDF70C57AE5}" type="presOf" srcId="{B8E5FB17-990B-D841-9454-F2C99E151904}" destId="{37AC3251-7FEB-D346-B27D-A22C4F18D985}" srcOrd="0" destOrd="0" presId="urn:microsoft.com/office/officeart/2005/8/layout/cycle1"/>
     <dgm:cxn modelId="{92F7CBD0-F41D-6142-836F-5FD450E90778}" type="presParOf" srcId="{8530FF5C-34FC-3541-8A85-5A5E5161EDEE}" destId="{825D6C7F-8DC0-7449-80EA-854495134436}" srcOrd="0" destOrd="0" presId="urn:microsoft.com/office/officeart/2005/8/layout/cycle1"/>
     <dgm:cxn modelId="{DF40299B-9DC0-384D-B94E-444C6D870E7A}" type="presParOf" srcId="{8530FF5C-34FC-3541-8A85-5A5E5161EDEE}" destId="{37AC3251-7FEB-D346-B27D-A22C4F18D985}" srcOrd="1" destOrd="0" presId="urn:microsoft.com/office/officeart/2005/8/layout/cycle1"/>
     <dgm:cxn modelId="{6C9679FE-5721-504E-B2C3-23EE4A91CB49}" type="presParOf" srcId="{8530FF5C-34FC-3541-8A85-5A5E5161EDEE}" destId="{534E622E-C0C7-EB40-947D-7F2801D84613}" srcOrd="2" destOrd="0" presId="urn:microsoft.com/office/officeart/2005/8/layout/cycle1"/>
@@ -2407,8 +2459,8 @@
       </dsp:nvSpPr>
       <dsp:spPr>
         <a:xfrm rot="5400000">
-          <a:off x="6589693" y="-2661723"/>
-          <a:ext cx="1121829" cy="6729984"/>
+          <a:off x="6839112" y="-2812114"/>
+          <a:ext cx="1037518" cy="6925056"/>
         </a:xfrm>
         <a:prstGeom prst="round2SameRect">
           <a:avLst/>
@@ -2423,7 +2475,7 @@
             <a:alphaOff val="0"/>
           </a:schemeClr>
         </a:solidFill>
-        <a:ln w="6350" cap="flat" cmpd="sng" algn="ctr">
+        <a:ln w="9525" cap="flat" cmpd="sng" algn="ctr">
           <a:solidFill>
             <a:schemeClr val="accent1">
               <a:alpha val="90000"/>
@@ -2435,7 +2487,6 @@
             </a:schemeClr>
           </a:solidFill>
           <a:prstDash val="solid"/>
-          <a:miter lim="800000"/>
         </a:ln>
         <a:effectLst/>
       </dsp:spPr>
@@ -2452,12 +2503,12 @@
         <a:fontRef idx="minor"/>
       </dsp:style>
       <dsp:txBody>
-        <a:bodyPr spcFirstLastPara="0" vert="horz" wrap="square" lIns="76200" tIns="38100" rIns="76200" bIns="38100" numCol="1" spcCol="1270" anchor="ctr" anchorCtr="0">
+        <a:bodyPr spcFirstLastPara="0" vert="horz" wrap="square" lIns="68580" tIns="34290" rIns="68580" bIns="34290" numCol="1" spcCol="1270" anchor="ctr" anchorCtr="0">
           <a:noAutofit/>
         </a:bodyPr>
         <a:lstStyle/>
         <a:p>
-          <a:pPr marL="228600" lvl="1" indent="-228600" algn="l" defTabSz="889000">
+          <a:pPr marL="171450" lvl="1" indent="-171450" algn="l" defTabSz="800100">
             <a:lnSpc>
               <a:spcPct val="90000"/>
             </a:lnSpc>
@@ -2470,13 +2521,13 @@
             <a:buChar char="•"/>
           </a:pPr>
           <a:r>
-            <a:rPr lang="en-US" sz="2000" kern="1200" dirty="0" smtClean="0"/>
+            <a:rPr lang="en-US" sz="1800" kern="1200" dirty="0" smtClean="0"/>
             <a:t>Group of people that aims to win a match</a:t>
           </a:r>
-          <a:endParaRPr lang="en-US" sz="2000" kern="1200" dirty="0"/>
+          <a:endParaRPr lang="en-US" sz="1800" kern="1200" dirty="0"/>
         </a:p>
         <a:p>
-          <a:pPr marL="228600" lvl="1" indent="-228600" algn="l" defTabSz="889000">
+          <a:pPr marL="171450" lvl="1" indent="-171450" algn="l" defTabSz="800100">
             <a:lnSpc>
               <a:spcPct val="90000"/>
             </a:lnSpc>
@@ -2489,13 +2540,13 @@
             <a:buChar char="•"/>
           </a:pPr>
           <a:r>
-            <a:rPr lang="en-US" sz="2000" kern="1200" dirty="0" smtClean="0"/>
+            <a:rPr lang="en-US" sz="1800" kern="1200" dirty="0" smtClean="0"/>
             <a:t>Based on time, team can be strong or weak</a:t>
           </a:r>
-          <a:endParaRPr lang="en-US" sz="2000" kern="1200" dirty="0"/>
+          <a:endParaRPr lang="en-US" sz="1800" kern="1200" dirty="0"/>
         </a:p>
         <a:p>
-          <a:pPr marL="228600" lvl="1" indent="-228600" algn="l" defTabSz="889000">
+          <a:pPr marL="171450" lvl="1" indent="-171450" algn="l" defTabSz="800100">
             <a:lnSpc>
               <a:spcPct val="90000"/>
             </a:lnSpc>
@@ -2507,12 +2558,12 @@
             </a:spcAft>
             <a:buChar char="•"/>
           </a:pPr>
-          <a:endParaRPr lang="en-US" sz="2000" kern="1200" dirty="0"/>
+          <a:endParaRPr lang="en-US" sz="1800" kern="1200" dirty="0"/>
         </a:p>
       </dsp:txBody>
       <dsp:txXfrm rot="-5400000">
-        <a:off x="3785616" y="197117"/>
-        <a:ext cx="6675221" cy="1012303"/>
+        <a:off x="3895344" y="182301"/>
+        <a:ext cx="6874409" cy="936224"/>
       </dsp:txXfrm>
     </dsp:sp>
     <dsp:sp modelId="{BC9D5EF1-53E5-C04C-B53B-A15D0AD7C98A}">
@@ -2522,8 +2573,8 @@
       </dsp:nvSpPr>
       <dsp:spPr>
         <a:xfrm>
-          <a:off x="0" y="2124"/>
-          <a:ext cx="3785616" cy="1402286"/>
+          <a:off x="0" y="1964"/>
+          <a:ext cx="3895344" cy="1296897"/>
         </a:xfrm>
         <a:prstGeom prst="roundRect">
           <a:avLst/>
@@ -2536,31 +2587,20 @@
                 <a:satOff val="0"/>
                 <a:lumOff val="0"/>
                 <a:alphaOff val="0"/>
-                <a:satMod val="103000"/>
-                <a:lumMod val="102000"/>
-                <a:tint val="94000"/>
+                <a:tint val="96000"/>
+                <a:satMod val="100000"/>
+                <a:lumMod val="104000"/>
               </a:schemeClr>
             </a:gs>
-            <a:gs pos="50000">
+            <a:gs pos="78000">
               <a:schemeClr val="accent1">
                 <a:hueOff val="0"/>
                 <a:satOff val="0"/>
                 <a:lumOff val="0"/>
                 <a:alphaOff val="0"/>
+                <a:shade val="100000"/>
                 <a:satMod val="110000"/>
                 <a:lumMod val="100000"/>
-                <a:shade val="100000"/>
-              </a:schemeClr>
-            </a:gs>
-            <a:gs pos="100000">
-              <a:schemeClr val="accent1">
-                <a:hueOff val="0"/>
-                <a:satOff val="0"/>
-                <a:lumOff val="0"/>
-                <a:alphaOff val="0"/>
-                <a:lumMod val="99000"/>
-                <a:satMod val="120000"/>
-                <a:shade val="78000"/>
               </a:schemeClr>
             </a:gs>
           </a:gsLst>
@@ -2570,6 +2610,15 @@
           <a:noFill/>
         </a:ln>
         <a:effectLst/>
+        <a:scene3d>
+          <a:camera prst="orthographicFront">
+            <a:rot lat="0" lon="0" rev="0"/>
+          </a:camera>
+          <a:lightRig rig="threePt" dir="t"/>
+        </a:scene3d>
+        <a:sp3d>
+          <a:bevelT w="25400" h="12700"/>
+        </a:sp3d>
       </dsp:spPr>
       <dsp:style>
         <a:lnRef idx="0">
@@ -2610,8 +2659,8 @@
         </a:p>
       </dsp:txBody>
       <dsp:txXfrm>
-        <a:off x="68454" y="70578"/>
-        <a:ext cx="3648708" cy="1265378"/>
+        <a:off x="63309" y="65273"/>
+        <a:ext cx="3768726" cy="1170279"/>
       </dsp:txXfrm>
     </dsp:sp>
     <dsp:sp modelId="{87D34516-CCA5-9D46-8122-FD7C02393A57}">
@@ -2621,8 +2670,8 @@
       </dsp:nvSpPr>
       <dsp:spPr>
         <a:xfrm rot="5400000">
-          <a:off x="6589693" y="-1189323"/>
-          <a:ext cx="1121829" cy="6729984"/>
+          <a:off x="6839112" y="-1450371"/>
+          <a:ext cx="1037518" cy="6925056"/>
         </a:xfrm>
         <a:prstGeom prst="round2SameRect">
           <a:avLst/>
@@ -2637,7 +2686,7 @@
             <a:alphaOff val="0"/>
           </a:schemeClr>
         </a:solidFill>
-        <a:ln w="6350" cap="flat" cmpd="sng" algn="ctr">
+        <a:ln w="9525" cap="flat" cmpd="sng" algn="ctr">
           <a:solidFill>
             <a:schemeClr val="accent1">
               <a:alpha val="90000"/>
@@ -2649,7 +2698,6 @@
             </a:schemeClr>
           </a:solidFill>
           <a:prstDash val="solid"/>
-          <a:miter lim="800000"/>
         </a:ln>
         <a:effectLst/>
       </dsp:spPr>
@@ -2666,12 +2714,12 @@
         <a:fontRef idx="minor"/>
       </dsp:style>
       <dsp:txBody>
-        <a:bodyPr spcFirstLastPara="0" vert="horz" wrap="square" lIns="76200" tIns="38100" rIns="76200" bIns="38100" numCol="1" spcCol="1270" anchor="ctr" anchorCtr="0">
+        <a:bodyPr spcFirstLastPara="0" vert="horz" wrap="square" lIns="68580" tIns="34290" rIns="68580" bIns="34290" numCol="1" spcCol="1270" anchor="ctr" anchorCtr="0">
           <a:noAutofit/>
         </a:bodyPr>
         <a:lstStyle/>
         <a:p>
-          <a:pPr marL="228600" lvl="1" indent="-228600" algn="l" defTabSz="889000">
+          <a:pPr marL="171450" lvl="1" indent="-171450" algn="l" defTabSz="800100">
             <a:lnSpc>
               <a:spcPct val="90000"/>
             </a:lnSpc>
@@ -2684,17 +2732,17 @@
             <a:buChar char="•"/>
           </a:pPr>
           <a:r>
-            <a:rPr lang="en-US" sz="2000" kern="1200" dirty="0" smtClean="0"/>
+            <a:rPr lang="en-US" sz="1800" kern="1200" dirty="0" smtClean="0"/>
             <a:t>Challenge between two</a:t>
           </a:r>
           <a:r>
-            <a:rPr lang="en-US" sz="2000" kern="1200" baseline="0" dirty="0" smtClean="0"/>
+            <a:rPr lang="en-US" sz="1800" kern="1200" baseline="0" dirty="0" smtClean="0"/>
             <a:t> teams, in which one tries to beat the other</a:t>
           </a:r>
-          <a:endParaRPr lang="en-US" sz="2000" kern="1200" dirty="0"/>
+          <a:endParaRPr lang="en-US" sz="1800" kern="1200" dirty="0"/>
         </a:p>
         <a:p>
-          <a:pPr marL="228600" lvl="1" indent="-228600" algn="l" defTabSz="889000">
+          <a:pPr marL="171450" lvl="1" indent="-171450" algn="l" defTabSz="800100">
             <a:lnSpc>
               <a:spcPct val="90000"/>
             </a:lnSpc>
@@ -2707,15 +2755,15 @@
             <a:buChar char="•"/>
           </a:pPr>
           <a:r>
-            <a:rPr lang="en-US" sz="2000" kern="1200" dirty="0" smtClean="0"/>
+            <a:rPr lang="en-US" sz="1800" kern="1200" dirty="0" smtClean="0"/>
             <a:t>Teams are different, pattern are recurrent</a:t>
           </a:r>
-          <a:endParaRPr lang="en-US" sz="2000" kern="1200" dirty="0"/>
+          <a:endParaRPr lang="en-US" sz="1800" kern="1200" dirty="0"/>
         </a:p>
       </dsp:txBody>
       <dsp:txXfrm rot="-5400000">
-        <a:off x="3785616" y="1669517"/>
-        <a:ext cx="6675221" cy="1012303"/>
+        <a:off x="3895344" y="1544044"/>
+        <a:ext cx="6874409" cy="936224"/>
       </dsp:txXfrm>
     </dsp:sp>
     <dsp:sp modelId="{2D49AC87-8195-7644-BDDE-8343A6EAC65D}">
@@ -2725,8 +2773,8 @@
       </dsp:nvSpPr>
       <dsp:spPr>
         <a:xfrm>
-          <a:off x="0" y="1474525"/>
-          <a:ext cx="3785616" cy="1402286"/>
+          <a:off x="0" y="1363707"/>
+          <a:ext cx="3895344" cy="1296897"/>
         </a:xfrm>
         <a:prstGeom prst="roundRect">
           <a:avLst/>
@@ -2739,31 +2787,20 @@
                 <a:satOff val="0"/>
                 <a:lumOff val="0"/>
                 <a:alphaOff val="0"/>
-                <a:satMod val="103000"/>
-                <a:lumMod val="102000"/>
-                <a:tint val="94000"/>
+                <a:tint val="96000"/>
+                <a:satMod val="100000"/>
+                <a:lumMod val="104000"/>
               </a:schemeClr>
             </a:gs>
-            <a:gs pos="50000">
+            <a:gs pos="78000">
               <a:schemeClr val="accent1">
                 <a:hueOff val="0"/>
                 <a:satOff val="0"/>
                 <a:lumOff val="0"/>
                 <a:alphaOff val="0"/>
+                <a:shade val="100000"/>
                 <a:satMod val="110000"/>
                 <a:lumMod val="100000"/>
-                <a:shade val="100000"/>
-              </a:schemeClr>
-            </a:gs>
-            <a:gs pos="100000">
-              <a:schemeClr val="accent1">
-                <a:hueOff val="0"/>
-                <a:satOff val="0"/>
-                <a:lumOff val="0"/>
-                <a:alphaOff val="0"/>
-                <a:lumMod val="99000"/>
-                <a:satMod val="120000"/>
-                <a:shade val="78000"/>
               </a:schemeClr>
             </a:gs>
           </a:gsLst>
@@ -2773,6 +2810,15 @@
           <a:noFill/>
         </a:ln>
         <a:effectLst/>
+        <a:scene3d>
+          <a:camera prst="orthographicFront">
+            <a:rot lat="0" lon="0" rev="0"/>
+          </a:camera>
+          <a:lightRig rig="threePt" dir="t"/>
+        </a:scene3d>
+        <a:sp3d>
+          <a:bevelT w="25400" h="12700"/>
+        </a:sp3d>
       </dsp:spPr>
       <dsp:style>
         <a:lnRef idx="0">
@@ -2813,8 +2859,8 @@
         </a:p>
       </dsp:txBody>
       <dsp:txXfrm>
-        <a:off x="68454" y="1542979"/>
-        <a:ext cx="3648708" cy="1265378"/>
+        <a:off x="63309" y="1427016"/>
+        <a:ext cx="3768726" cy="1170279"/>
       </dsp:txXfrm>
     </dsp:sp>
     <dsp:sp modelId="{AC74C98F-86C9-B14C-865C-57F64E30ED23}">
@@ -2824,8 +2870,8 @@
       </dsp:nvSpPr>
       <dsp:spPr>
         <a:xfrm rot="5400000">
-          <a:off x="6589693" y="283077"/>
-          <a:ext cx="1121829" cy="6729984"/>
+          <a:off x="6839112" y="-88628"/>
+          <a:ext cx="1037518" cy="6925056"/>
         </a:xfrm>
         <a:prstGeom prst="round2SameRect">
           <a:avLst/>
@@ -2840,7 +2886,7 @@
             <a:alphaOff val="0"/>
           </a:schemeClr>
         </a:solidFill>
-        <a:ln w="6350" cap="flat" cmpd="sng" algn="ctr">
+        <a:ln w="9525" cap="flat" cmpd="sng" algn="ctr">
           <a:solidFill>
             <a:schemeClr val="accent1">
               <a:alpha val="90000"/>
@@ -2852,7 +2898,6 @@
             </a:schemeClr>
           </a:solidFill>
           <a:prstDash val="solid"/>
-          <a:miter lim="800000"/>
         </a:ln>
         <a:effectLst/>
       </dsp:spPr>
@@ -2869,12 +2914,12 @@
         <a:fontRef idx="minor"/>
       </dsp:style>
       <dsp:txBody>
-        <a:bodyPr spcFirstLastPara="0" vert="horz" wrap="square" lIns="76200" tIns="38100" rIns="76200" bIns="38100" numCol="1" spcCol="1270" anchor="ctr" anchorCtr="0">
+        <a:bodyPr spcFirstLastPara="0" vert="horz" wrap="square" lIns="68580" tIns="34290" rIns="68580" bIns="34290" numCol="1" spcCol="1270" anchor="ctr" anchorCtr="0">
           <a:noAutofit/>
         </a:bodyPr>
         <a:lstStyle/>
         <a:p>
-          <a:pPr marL="228600" lvl="1" indent="-228600" algn="l" defTabSz="889000">
+          <a:pPr marL="171450" lvl="1" indent="-171450" algn="l" defTabSz="800100">
             <a:lnSpc>
               <a:spcPct val="90000"/>
             </a:lnSpc>
@@ -2887,13 +2932,13 @@
             <a:buChar char="•"/>
           </a:pPr>
           <a:r>
-            <a:rPr lang="en-US" sz="2000" kern="1200" dirty="0" smtClean="0"/>
+            <a:rPr lang="en-US" sz="1800" kern="1200" dirty="0" smtClean="0"/>
             <a:t>Almost every day, a match is played</a:t>
           </a:r>
-          <a:endParaRPr lang="en-US" sz="2000" kern="1200" dirty="0"/>
+          <a:endParaRPr lang="en-US" sz="1800" kern="1200" dirty="0"/>
         </a:p>
         <a:p>
-          <a:pPr marL="228600" lvl="1" indent="-228600" algn="l" defTabSz="889000">
+          <a:pPr marL="171450" lvl="1" indent="-171450" algn="l" defTabSz="800100">
             <a:lnSpc>
               <a:spcPct val="90000"/>
             </a:lnSpc>
@@ -2906,15 +2951,15 @@
             <a:buChar char="•"/>
           </a:pPr>
           <a:r>
-            <a:rPr lang="en-US" sz="2000" kern="1200" dirty="0" smtClean="0"/>
+            <a:rPr lang="en-US" sz="1800" kern="1200" dirty="0" smtClean="0"/>
             <a:t>It is an opportunity to make money</a:t>
           </a:r>
-          <a:endParaRPr lang="en-US" sz="2000" kern="1200" dirty="0"/>
+          <a:endParaRPr lang="en-US" sz="1800" kern="1200" dirty="0"/>
         </a:p>
       </dsp:txBody>
       <dsp:txXfrm rot="-5400000">
-        <a:off x="3785616" y="3141918"/>
-        <a:ext cx="6675221" cy="1012303"/>
+        <a:off x="3895344" y="2905787"/>
+        <a:ext cx="6874409" cy="936224"/>
       </dsp:txXfrm>
     </dsp:sp>
     <dsp:sp modelId="{B81F2270-56AF-7A4A-AB03-A1BBE0956BF4}">
@@ -2924,8 +2969,8 @@
       </dsp:nvSpPr>
       <dsp:spPr>
         <a:xfrm>
-          <a:off x="0" y="2946926"/>
-          <a:ext cx="3785616" cy="1402286"/>
+          <a:off x="0" y="2725450"/>
+          <a:ext cx="3895344" cy="1296897"/>
         </a:xfrm>
         <a:prstGeom prst="roundRect">
           <a:avLst/>
@@ -2938,31 +2983,20 @@
                 <a:satOff val="0"/>
                 <a:lumOff val="0"/>
                 <a:alphaOff val="0"/>
-                <a:satMod val="103000"/>
-                <a:lumMod val="102000"/>
-                <a:tint val="94000"/>
+                <a:tint val="96000"/>
+                <a:satMod val="100000"/>
+                <a:lumMod val="104000"/>
               </a:schemeClr>
             </a:gs>
-            <a:gs pos="50000">
+            <a:gs pos="78000">
               <a:schemeClr val="accent1">
                 <a:hueOff val="0"/>
                 <a:satOff val="0"/>
                 <a:lumOff val="0"/>
                 <a:alphaOff val="0"/>
+                <a:shade val="100000"/>
                 <a:satMod val="110000"/>
                 <a:lumMod val="100000"/>
-                <a:shade val="100000"/>
-              </a:schemeClr>
-            </a:gs>
-            <a:gs pos="100000">
-              <a:schemeClr val="accent1">
-                <a:hueOff val="0"/>
-                <a:satOff val="0"/>
-                <a:lumOff val="0"/>
-                <a:alphaOff val="0"/>
-                <a:lumMod val="99000"/>
-                <a:satMod val="120000"/>
-                <a:shade val="78000"/>
               </a:schemeClr>
             </a:gs>
           </a:gsLst>
@@ -2972,6 +3006,15 @@
           <a:noFill/>
         </a:ln>
         <a:effectLst/>
+        <a:scene3d>
+          <a:camera prst="orthographicFront">
+            <a:rot lat="0" lon="0" rev="0"/>
+          </a:camera>
+          <a:lightRig rig="threePt" dir="t"/>
+        </a:scene3d>
+        <a:sp3d>
+          <a:bevelT w="25400" h="12700"/>
+        </a:sp3d>
       </dsp:spPr>
       <dsp:style>
         <a:lnRef idx="0">
@@ -3012,8 +3055,8 @@
         </a:p>
       </dsp:txBody>
       <dsp:txXfrm>
-        <a:off x="68454" y="3015380"/>
-        <a:ext cx="3648708" cy="1265378"/>
+        <a:off x="63309" y="2788759"/>
+        <a:ext cx="3768726" cy="1170279"/>
       </dsp:txXfrm>
     </dsp:sp>
   </dsp:spTree>
@@ -3060,12 +3103,12 @@
         <a:fontRef idx="minor"/>
       </dsp:style>
       <dsp:txBody>
-        <a:bodyPr spcFirstLastPara="0" vert="horz" wrap="square" lIns="43180" tIns="43180" rIns="43180" bIns="43180" numCol="1" spcCol="1270" anchor="ctr" anchorCtr="0">
+        <a:bodyPr spcFirstLastPara="0" vert="horz" wrap="square" lIns="35560" tIns="35560" rIns="35560" bIns="35560" numCol="1" spcCol="1270" anchor="ctr" anchorCtr="0">
           <a:noAutofit/>
         </a:bodyPr>
         <a:lstStyle/>
         <a:p>
-          <a:pPr lvl="0" algn="ctr" defTabSz="1511300" rtl="0">
+          <a:pPr lvl="0" algn="ctr" defTabSz="1244600" rtl="0">
             <a:lnSpc>
               <a:spcPct val="90000"/>
             </a:lnSpc>
@@ -3077,10 +3120,10 @@
             </a:spcAft>
           </a:pPr>
           <a:r>
-            <a:rPr lang="en-US" sz="3400" kern="1200" dirty="0" smtClean="0"/>
+            <a:rPr lang="en-US" sz="2800" kern="1200" dirty="0" smtClean="0"/>
             <a:t>SQLite</a:t>
           </a:r>
-          <a:endParaRPr lang="en-US" sz="3400" kern="1200" dirty="0"/>
+          <a:endParaRPr lang="en-US" sz="2800" kern="1200" dirty="0"/>
         </a:p>
       </dsp:txBody>
       <dsp:txXfrm>
@@ -3115,31 +3158,20 @@
                 <a:satOff val="0"/>
                 <a:lumOff val="0"/>
                 <a:alphaOff val="0"/>
-                <a:satMod val="103000"/>
-                <a:lumMod val="102000"/>
-                <a:tint val="94000"/>
+                <a:tint val="96000"/>
+                <a:satMod val="100000"/>
+                <a:lumMod val="104000"/>
               </a:schemeClr>
             </a:gs>
-            <a:gs pos="50000">
+            <a:gs pos="78000">
               <a:schemeClr val="accent1">
                 <a:hueOff val="0"/>
                 <a:satOff val="0"/>
                 <a:lumOff val="0"/>
                 <a:alphaOff val="0"/>
+                <a:shade val="100000"/>
                 <a:satMod val="110000"/>
                 <a:lumMod val="100000"/>
-                <a:shade val="100000"/>
-              </a:schemeClr>
-            </a:gs>
-            <a:gs pos="100000">
-              <a:schemeClr val="accent1">
-                <a:hueOff val="0"/>
-                <a:satOff val="0"/>
-                <a:lumOff val="0"/>
-                <a:alphaOff val="0"/>
-                <a:lumMod val="99000"/>
-                <a:satMod val="120000"/>
-                <a:shade val="78000"/>
               </a:schemeClr>
             </a:gs>
           </a:gsLst>
@@ -3149,6 +3181,15 @@
           <a:noFill/>
         </a:ln>
         <a:effectLst/>
+        <a:scene3d>
+          <a:camera prst="orthographicFront">
+            <a:rot lat="0" lon="0" rev="0"/>
+          </a:camera>
+          <a:lightRig rig="threePt" dir="t"/>
+        </a:scene3d>
+        <a:sp3d>
+          <a:bevelT w="25400" h="12700"/>
+        </a:sp3d>
       </dsp:spPr>
       <dsp:style>
         <a:lnRef idx="0">
@@ -3197,12 +3238,12 @@
         <a:fontRef idx="minor"/>
       </dsp:style>
       <dsp:txBody>
-        <a:bodyPr spcFirstLastPara="0" vert="horz" wrap="square" lIns="43180" tIns="43180" rIns="43180" bIns="43180" numCol="1" spcCol="1270" anchor="ctr" anchorCtr="0">
+        <a:bodyPr spcFirstLastPara="0" vert="horz" wrap="square" lIns="35560" tIns="35560" rIns="35560" bIns="35560" numCol="1" spcCol="1270" anchor="ctr" anchorCtr="0">
           <a:noAutofit/>
         </a:bodyPr>
         <a:lstStyle/>
         <a:p>
-          <a:pPr lvl="0" algn="ctr" defTabSz="1511300" rtl="0">
+          <a:pPr lvl="0" algn="ctr" defTabSz="1244600" rtl="0">
             <a:lnSpc>
               <a:spcPct val="90000"/>
             </a:lnSpc>
@@ -3214,10 +3255,10 @@
             </a:spcAft>
           </a:pPr>
           <a:r>
-            <a:rPr lang="en-US" sz="3400" kern="1200" dirty="0" smtClean="0"/>
+            <a:rPr lang="en-US" sz="2800" kern="1200" dirty="0" smtClean="0"/>
             <a:t>Machine Learning</a:t>
           </a:r>
-          <a:endParaRPr lang="en-US" sz="3400" kern="1200" dirty="0"/>
+          <a:endParaRPr lang="en-US" sz="2800" kern="1200" dirty="0"/>
         </a:p>
       </dsp:txBody>
       <dsp:txXfrm>
@@ -3252,31 +3293,20 @@
                 <a:satOff val="0"/>
                 <a:lumOff val="0"/>
                 <a:alphaOff val="0"/>
-                <a:satMod val="103000"/>
-                <a:lumMod val="102000"/>
-                <a:tint val="94000"/>
+                <a:tint val="96000"/>
+                <a:satMod val="100000"/>
+                <a:lumMod val="104000"/>
               </a:schemeClr>
             </a:gs>
-            <a:gs pos="50000">
+            <a:gs pos="78000">
               <a:schemeClr val="accent1">
                 <a:hueOff val="0"/>
                 <a:satOff val="0"/>
                 <a:lumOff val="0"/>
                 <a:alphaOff val="0"/>
+                <a:shade val="100000"/>
                 <a:satMod val="110000"/>
                 <a:lumMod val="100000"/>
-                <a:shade val="100000"/>
-              </a:schemeClr>
-            </a:gs>
-            <a:gs pos="100000">
-              <a:schemeClr val="accent1">
-                <a:hueOff val="0"/>
-                <a:satOff val="0"/>
-                <a:lumOff val="0"/>
-                <a:alphaOff val="0"/>
-                <a:lumMod val="99000"/>
-                <a:satMod val="120000"/>
-                <a:shade val="78000"/>
               </a:schemeClr>
             </a:gs>
           </a:gsLst>
@@ -3286,6 +3316,15 @@
           <a:noFill/>
         </a:ln>
         <a:effectLst/>
+        <a:scene3d>
+          <a:camera prst="orthographicFront">
+            <a:rot lat="0" lon="0" rev="0"/>
+          </a:camera>
+          <a:lightRig rig="threePt" dir="t"/>
+        </a:scene3d>
+        <a:sp3d>
+          <a:bevelT w="25400" h="12700"/>
+        </a:sp3d>
       </dsp:spPr>
       <dsp:style>
         <a:lnRef idx="0">
@@ -3334,12 +3373,12 @@
         <a:fontRef idx="minor"/>
       </dsp:style>
       <dsp:txBody>
-        <a:bodyPr spcFirstLastPara="0" vert="horz" wrap="square" lIns="43180" tIns="43180" rIns="43180" bIns="43180" numCol="1" spcCol="1270" anchor="ctr" anchorCtr="0">
+        <a:bodyPr spcFirstLastPara="0" vert="horz" wrap="square" lIns="35560" tIns="35560" rIns="35560" bIns="35560" numCol="1" spcCol="1270" anchor="ctr" anchorCtr="0">
           <a:noAutofit/>
         </a:bodyPr>
         <a:lstStyle/>
         <a:p>
-          <a:pPr lvl="0" algn="ctr" defTabSz="1511300" rtl="0">
+          <a:pPr lvl="0" algn="ctr" defTabSz="1244600" rtl="0">
             <a:lnSpc>
               <a:spcPct val="90000"/>
             </a:lnSpc>
@@ -3351,10 +3390,10 @@
             </a:spcAft>
           </a:pPr>
           <a:r>
-            <a:rPr lang="en-US" sz="3400" kern="1200" dirty="0" smtClean="0"/>
+            <a:rPr lang="en-US" sz="2800" kern="1200" dirty="0" smtClean="0"/>
             <a:t>Crawl</a:t>
           </a:r>
-          <a:endParaRPr lang="en-US" sz="3400" kern="1200" dirty="0"/>
+          <a:endParaRPr lang="en-US" sz="2800" kern="1200" dirty="0"/>
         </a:p>
       </dsp:txBody>
       <dsp:txXfrm>
@@ -3389,31 +3428,20 @@
                 <a:satOff val="0"/>
                 <a:lumOff val="0"/>
                 <a:alphaOff val="0"/>
-                <a:satMod val="103000"/>
-                <a:lumMod val="102000"/>
-                <a:tint val="94000"/>
+                <a:tint val="96000"/>
+                <a:satMod val="100000"/>
+                <a:lumMod val="104000"/>
               </a:schemeClr>
             </a:gs>
-            <a:gs pos="50000">
+            <a:gs pos="78000">
               <a:schemeClr val="accent1">
                 <a:hueOff val="0"/>
                 <a:satOff val="0"/>
                 <a:lumOff val="0"/>
                 <a:alphaOff val="0"/>
+                <a:shade val="100000"/>
                 <a:satMod val="110000"/>
                 <a:lumMod val="100000"/>
-                <a:shade val="100000"/>
-              </a:schemeClr>
-            </a:gs>
-            <a:gs pos="100000">
-              <a:schemeClr val="accent1">
-                <a:hueOff val="0"/>
-                <a:satOff val="0"/>
-                <a:lumOff val="0"/>
-                <a:alphaOff val="0"/>
-                <a:lumMod val="99000"/>
-                <a:satMod val="120000"/>
-                <a:shade val="78000"/>
               </a:schemeClr>
             </a:gs>
           </a:gsLst>
@@ -3423,6 +3451,15 @@
           <a:noFill/>
         </a:ln>
         <a:effectLst/>
+        <a:scene3d>
+          <a:camera prst="orthographicFront">
+            <a:rot lat="0" lon="0" rev="0"/>
+          </a:camera>
+          <a:lightRig rig="threePt" dir="t"/>
+        </a:scene3d>
+        <a:sp3d>
+          <a:bevelT w="25400" h="12700"/>
+        </a:sp3d>
       </dsp:spPr>
       <dsp:style>
         <a:lnRef idx="0">
@@ -6024,7 +6061,7 @@
           <a:p>
             <a:fld id="{2CF913E4-21D6-454A-9B7B-BE459B1334D7}" type="datetimeFigureOut">
               <a:rPr lang="en-US" smtClean="0"/>
-              <a:t>2/27/17</a:t>
+              <a:t>3/14/17</a:t>
             </a:fld>
             <a:endParaRPr lang="en-US"/>
           </a:p>
@@ -7060,6 +7097,36 @@
           <a:chExt cx="0" cy="0"/>
         </a:xfrm>
       </p:grpSpPr>
+      <p:pic>
+        <p:nvPicPr>
+          <p:cNvPr id="7" name="Picture 6" descr="C0-HD-BTM.png"/>
+          <p:cNvPicPr>
+            <a:picLocks noChangeAspect="1"/>
+          </p:cNvPicPr>
+          <p:nvPr/>
+        </p:nvPicPr>
+        <p:blipFill>
+          <a:blip r:embed="rId2">
+            <a:extLst>
+              <a:ext uri="{28A0092B-C50C-407E-A947-70E740481C1C}">
+                <a14:useLocalDpi xmlns:a14="http://schemas.microsoft.com/office/drawing/2010/main" val="0"/>
+              </a:ext>
+            </a:extLst>
+          </a:blip>
+          <a:stretch>
+            <a:fillRect/>
+          </a:stretch>
+        </p:blipFill>
+        <p:spPr>
+          <a:xfrm>
+            <a:off x="0" y="4375150"/>
+            <a:ext cx="12192000" cy="2482850"/>
+          </a:xfrm>
+          <a:prstGeom prst="rect">
+            <a:avLst/>
+          </a:prstGeom>
+        </p:spPr>
+      </p:pic>
       <p:sp>
         <p:nvSpPr>
           <p:cNvPr id="2" name="Title 1"/>
@@ -7072,14 +7139,16 @@
         </p:nvSpPr>
         <p:spPr>
           <a:xfrm>
-            <a:off x="1524000" y="1122363"/>
-            <a:ext cx="9144000" cy="2387600"/>
+            <a:off x="1371600" y="1803405"/>
+            <a:ext cx="9448800" cy="1825096"/>
           </a:xfrm>
         </p:spPr>
         <p:txBody>
-          <a:bodyPr anchor="b"/>
+          <a:bodyPr anchor="b">
+            <a:normAutofit/>
+          </a:bodyPr>
           <a:lstStyle>
-            <a:lvl1pPr algn="ctr">
+            <a:lvl1pPr algn="l">
               <a:defRPr sz="6000"/>
             </a:lvl1pPr>
           </a:lstStyle>
@@ -7088,7 +7157,7 @@
               <a:rPr lang="en-US" smtClean="0"/>
               <a:t>Click to edit Master title style</a:t>
             </a:r>
-            <a:endParaRPr lang="en-US"/>
+            <a:endParaRPr lang="en-US" dirty="0"/>
           </a:p>
         </p:txBody>
       </p:sp>
@@ -7104,16 +7173,18 @@
         </p:nvSpPr>
         <p:spPr>
           <a:xfrm>
-            <a:off x="1524000" y="3602038"/>
-            <a:ext cx="9144000" cy="1655762"/>
+            <a:off x="1371600" y="3632201"/>
+            <a:ext cx="9448800" cy="685800"/>
           </a:xfrm>
         </p:spPr>
         <p:txBody>
-          <a:bodyPr/>
+          <a:bodyPr>
+            <a:normAutofit/>
+          </a:bodyPr>
           <a:lstStyle>
-            <a:lvl1pPr marL="0" indent="0" algn="ctr">
-              <a:buNone/>
-              <a:defRPr sz="2400"/>
+            <a:lvl1pPr marL="0" indent="0" algn="l">
+              <a:buNone/>
+              <a:defRPr sz="2000"/>
             </a:lvl1pPr>
             <a:lvl2pPr marL="457200" indent="0" algn="ctr">
               <a:buNone/>
@@ -7153,7 +7224,7 @@
               <a:rPr lang="en-US" smtClean="0"/>
               <a:t>Click to edit Master subtitle style</a:t>
             </a:r>
-            <a:endParaRPr lang="en-US"/>
+            <a:endParaRPr lang="en-US" dirty="0"/>
           </a:p>
         </p:txBody>
       </p:sp>
@@ -7167,14 +7238,19 @@
             <p:ph type="dt" sz="half" idx="10"/>
           </p:nvPr>
         </p:nvSpPr>
-        <p:spPr/>
+        <p:spPr>
+          <a:xfrm>
+            <a:off x="7909561" y="4314328"/>
+            <a:ext cx="2910840" cy="374642"/>
+          </a:xfrm>
+        </p:spPr>
         <p:txBody>
           <a:bodyPr/>
           <a:lstStyle/>
           <a:p>
             <a:fld id="{E244C58A-5871-1749-BADD-ABDAF70FC583}" type="datetimeFigureOut">
               <a:rPr lang="en-US" smtClean="0"/>
-              <a:t>2/27/17</a:t>
+              <a:t>3/14/17</a:t>
             </a:fld>
             <a:endParaRPr lang="en-US"/>
           </a:p>
@@ -7190,7 +7266,12 @@
             <p:ph type="ftr" sz="quarter" idx="11"/>
           </p:nvPr>
         </p:nvSpPr>
-        <p:spPr/>
+        <p:spPr>
+          <a:xfrm>
+            <a:off x="1371600" y="4323845"/>
+            <a:ext cx="6400800" cy="365125"/>
+          </a:xfrm>
+        </p:spPr>
         <p:txBody>
           <a:bodyPr/>
           <a:lstStyle/>
@@ -7209,7 +7290,12 @@
             <p:ph type="sldNum" sz="quarter" idx="12"/>
           </p:nvPr>
         </p:nvSpPr>
-        <p:spPr/>
+        <p:spPr>
+          <a:xfrm>
+            <a:off x="8077200" y="1430866"/>
+            <a:ext cx="2743200" cy="365125"/>
+          </a:xfrm>
+        </p:spPr>
         <p:txBody>
           <a:bodyPr/>
           <a:lstStyle/>
@@ -7223,11 +7309,6 @@
         </p:txBody>
       </p:sp>
     </p:spTree>
-    <p:extLst>
-      <p:ext uri="{BB962C8B-B14F-4D97-AF65-F5344CB8AC3E}">
-        <p14:creationId xmlns:p14="http://schemas.microsoft.com/office/powerpoint/2010/main" val="804028444"/>
-      </p:ext>
-    </p:extLst>
   </p:cSld>
   <p:clrMapOvr>
     <a:masterClrMapping/>
@@ -7236,6 +7317,2568 @@
 </file>
 
 <file path=ppt/slideLayouts/slideLayout10.xml><?xml version="1.0" encoding="utf-8"?>
+<p:sldLayout xmlns:a="http://schemas.openxmlformats.org/drawingml/2006/main" xmlns:r="http://schemas.openxmlformats.org/officeDocument/2006/relationships" xmlns:p="http://schemas.openxmlformats.org/presentationml/2006/main" preserve="1">
+  <p:cSld name="Panoramic Picture with Caption">
+    <p:spTree>
+      <p:nvGrpSpPr>
+        <p:cNvPr id="1" name=""/>
+        <p:cNvGrpSpPr/>
+        <p:nvPr/>
+      </p:nvGrpSpPr>
+      <p:grpSpPr>
+        <a:xfrm>
+          <a:off x="0" y="0"/>
+          <a:ext cx="0" cy="0"/>
+          <a:chOff x="0" y="0"/>
+          <a:chExt cx="0" cy="0"/>
+        </a:xfrm>
+      </p:grpSpPr>
+      <p:sp>
+        <p:nvSpPr>
+          <p:cNvPr id="2" name="Title 1"/>
+          <p:cNvSpPr>
+            <a:spLocks noGrp="1"/>
+          </p:cNvSpPr>
+          <p:nvPr>
+            <p:ph type="title"/>
+          </p:nvPr>
+        </p:nvSpPr>
+        <p:spPr>
+          <a:xfrm>
+            <a:off x="685777" y="4697360"/>
+            <a:ext cx="10822034" cy="819355"/>
+          </a:xfrm>
+        </p:spPr>
+        <p:txBody>
+          <a:bodyPr anchor="b"/>
+          <a:lstStyle>
+            <a:lvl1pPr algn="l">
+              <a:defRPr sz="3200"/>
+            </a:lvl1pPr>
+          </a:lstStyle>
+          <a:p>
+            <a:r>
+              <a:rPr lang="en-US" smtClean="0"/>
+              <a:t>Click to edit Master title style</a:t>
+            </a:r>
+            <a:endParaRPr lang="en-US" dirty="0"/>
+          </a:p>
+        </p:txBody>
+      </p:sp>
+      <p:sp>
+        <p:nvSpPr>
+          <p:cNvPr id="3" name="Picture Placeholder 2"/>
+          <p:cNvSpPr>
+            <a:spLocks noGrp="1" noChangeAspect="1"/>
+          </p:cNvSpPr>
+          <p:nvPr>
+            <p:ph type="pic" idx="1"/>
+          </p:nvPr>
+        </p:nvSpPr>
+        <p:spPr>
+          <a:xfrm>
+            <a:off x="681727" y="941439"/>
+            <a:ext cx="10821840" cy="3478161"/>
+          </a:xfrm>
+        </p:spPr>
+        <p:txBody>
+          <a:bodyPr anchor="t"/>
+          <a:lstStyle>
+            <a:lvl1pPr marL="0" indent="0">
+              <a:buNone/>
+              <a:defRPr sz="3200"/>
+            </a:lvl1pPr>
+            <a:lvl2pPr marL="457200" indent="0">
+              <a:buNone/>
+              <a:defRPr sz="2800"/>
+            </a:lvl2pPr>
+            <a:lvl3pPr marL="914400" indent="0">
+              <a:buNone/>
+              <a:defRPr sz="2400"/>
+            </a:lvl3pPr>
+            <a:lvl4pPr marL="1371600" indent="0">
+              <a:buNone/>
+              <a:defRPr sz="2000"/>
+            </a:lvl4pPr>
+            <a:lvl5pPr marL="1828800" indent="0">
+              <a:buNone/>
+              <a:defRPr sz="2000"/>
+            </a:lvl5pPr>
+            <a:lvl6pPr marL="2286000" indent="0">
+              <a:buNone/>
+              <a:defRPr sz="2000"/>
+            </a:lvl6pPr>
+            <a:lvl7pPr marL="2743200" indent="0">
+              <a:buNone/>
+              <a:defRPr sz="2000"/>
+            </a:lvl7pPr>
+            <a:lvl8pPr marL="3200400" indent="0">
+              <a:buNone/>
+              <a:defRPr sz="2000"/>
+            </a:lvl8pPr>
+            <a:lvl9pPr marL="3657600" indent="0">
+              <a:buNone/>
+              <a:defRPr sz="2000"/>
+            </a:lvl9pPr>
+          </a:lstStyle>
+          <a:p>
+            <a:r>
+              <a:rPr lang="en-US" smtClean="0"/>
+              <a:t>Drag picture to placeholder or click icon to add</a:t>
+            </a:r>
+            <a:endParaRPr lang="en-US" dirty="0"/>
+          </a:p>
+        </p:txBody>
+      </p:sp>
+      <p:sp>
+        <p:nvSpPr>
+          <p:cNvPr id="4" name="Text Placeholder 3"/>
+          <p:cNvSpPr>
+            <a:spLocks noGrp="1"/>
+          </p:cNvSpPr>
+          <p:nvPr>
+            <p:ph type="body" sz="half" idx="2"/>
+          </p:nvPr>
+        </p:nvSpPr>
+        <p:spPr>
+          <a:xfrm>
+            <a:off x="685800" y="5516715"/>
+            <a:ext cx="10820400" cy="701969"/>
+          </a:xfrm>
+        </p:spPr>
+        <p:txBody>
+          <a:bodyPr/>
+          <a:lstStyle>
+            <a:lvl1pPr marL="0" indent="0" algn="l">
+              <a:buNone/>
+              <a:defRPr sz="1600"/>
+            </a:lvl1pPr>
+            <a:lvl2pPr marL="457200" indent="0">
+              <a:buNone/>
+              <a:defRPr sz="1400"/>
+            </a:lvl2pPr>
+            <a:lvl3pPr marL="914400" indent="0">
+              <a:buNone/>
+              <a:defRPr sz="1200"/>
+            </a:lvl3pPr>
+            <a:lvl4pPr marL="1371600" indent="0">
+              <a:buNone/>
+              <a:defRPr sz="1000"/>
+            </a:lvl4pPr>
+            <a:lvl5pPr marL="1828800" indent="0">
+              <a:buNone/>
+              <a:defRPr sz="1000"/>
+            </a:lvl5pPr>
+            <a:lvl6pPr marL="2286000" indent="0">
+              <a:buNone/>
+              <a:defRPr sz="1000"/>
+            </a:lvl6pPr>
+            <a:lvl7pPr marL="2743200" indent="0">
+              <a:buNone/>
+              <a:defRPr sz="1000"/>
+            </a:lvl7pPr>
+            <a:lvl8pPr marL="3200400" indent="0">
+              <a:buNone/>
+              <a:defRPr sz="1000"/>
+            </a:lvl8pPr>
+            <a:lvl9pPr marL="3657600" indent="0">
+              <a:buNone/>
+              <a:defRPr sz="1000"/>
+            </a:lvl9pPr>
+          </a:lstStyle>
+          <a:p>
+            <a:pPr lvl="0"/>
+            <a:r>
+              <a:rPr lang="en-US" smtClean="0"/>
+              <a:t>Click to edit Master text styles</a:t>
+            </a:r>
+          </a:p>
+        </p:txBody>
+      </p:sp>
+      <p:sp>
+        <p:nvSpPr>
+          <p:cNvPr id="5" name="Date Placeholder 4"/>
+          <p:cNvSpPr>
+            <a:spLocks noGrp="1"/>
+          </p:cNvSpPr>
+          <p:nvPr>
+            <p:ph type="dt" sz="half" idx="10"/>
+          </p:nvPr>
+        </p:nvSpPr>
+        <p:spPr/>
+        <p:txBody>
+          <a:bodyPr/>
+          <a:lstStyle/>
+          <a:p>
+            <a:fld id="{E244C58A-5871-1749-BADD-ABDAF70FC583}" type="datetimeFigureOut">
+              <a:rPr lang="en-US" smtClean="0"/>
+              <a:t>3/14/17</a:t>
+            </a:fld>
+            <a:endParaRPr lang="en-US"/>
+          </a:p>
+        </p:txBody>
+      </p:sp>
+      <p:sp>
+        <p:nvSpPr>
+          <p:cNvPr id="6" name="Footer Placeholder 5"/>
+          <p:cNvSpPr>
+            <a:spLocks noGrp="1"/>
+          </p:cNvSpPr>
+          <p:nvPr>
+            <p:ph type="ftr" sz="quarter" idx="11"/>
+          </p:nvPr>
+        </p:nvSpPr>
+        <p:spPr/>
+        <p:txBody>
+          <a:bodyPr/>
+          <a:lstStyle/>
+          <a:p>
+            <a:endParaRPr lang="en-US"/>
+          </a:p>
+        </p:txBody>
+      </p:sp>
+      <p:sp>
+        <p:nvSpPr>
+          <p:cNvPr id="7" name="Slide Number Placeholder 6"/>
+          <p:cNvSpPr>
+            <a:spLocks noGrp="1"/>
+          </p:cNvSpPr>
+          <p:nvPr>
+            <p:ph type="sldNum" sz="quarter" idx="12"/>
+          </p:nvPr>
+        </p:nvSpPr>
+        <p:spPr/>
+        <p:txBody>
+          <a:bodyPr/>
+          <a:lstStyle/>
+          <a:p>
+            <a:fld id="{5B5BCD83-083D-9142-ACFD-4EE40FF4A308}" type="slidenum">
+              <a:rPr lang="en-US" smtClean="0"/>
+              <a:t>‹#›</a:t>
+            </a:fld>
+            <a:endParaRPr lang="en-US"/>
+          </a:p>
+        </p:txBody>
+      </p:sp>
+    </p:spTree>
+  </p:cSld>
+  <p:clrMapOvr>
+    <a:masterClrMapping/>
+  </p:clrMapOvr>
+</p:sldLayout>
+</file>
+
+<file path=ppt/slideLayouts/slideLayout11.xml><?xml version="1.0" encoding="utf-8"?>
+<p:sldLayout xmlns:a="http://schemas.openxmlformats.org/drawingml/2006/main" xmlns:r="http://schemas.openxmlformats.org/officeDocument/2006/relationships" xmlns:p="http://schemas.openxmlformats.org/presentationml/2006/main" showMasterSp="0" preserve="1">
+  <p:cSld name="Title and Caption">
+    <p:spTree>
+      <p:nvGrpSpPr>
+        <p:cNvPr id="1" name=""/>
+        <p:cNvGrpSpPr/>
+        <p:nvPr/>
+      </p:nvGrpSpPr>
+      <p:grpSpPr>
+        <a:xfrm>
+          <a:off x="0" y="0"/>
+          <a:ext cx="0" cy="0"/>
+          <a:chOff x="0" y="0"/>
+          <a:chExt cx="0" cy="0"/>
+        </a:xfrm>
+      </p:grpSpPr>
+      <p:pic>
+        <p:nvPicPr>
+          <p:cNvPr id="8" name="Picture 7" descr="C0-HD-BTM.png"/>
+          <p:cNvPicPr>
+            <a:picLocks noChangeAspect="1"/>
+          </p:cNvPicPr>
+          <p:nvPr/>
+        </p:nvPicPr>
+        <p:blipFill>
+          <a:blip r:embed="rId2">
+            <a:extLst>
+              <a:ext uri="{28A0092B-C50C-407E-A947-70E740481C1C}">
+                <a14:useLocalDpi xmlns:a14="http://schemas.microsoft.com/office/drawing/2010/main" val="0"/>
+              </a:ext>
+            </a:extLst>
+          </a:blip>
+          <a:stretch>
+            <a:fillRect/>
+          </a:stretch>
+        </p:blipFill>
+        <p:spPr>
+          <a:xfrm>
+            <a:off x="0" y="4375150"/>
+            <a:ext cx="12192000" cy="2482850"/>
+          </a:xfrm>
+          <a:prstGeom prst="rect">
+            <a:avLst/>
+          </a:prstGeom>
+        </p:spPr>
+      </p:pic>
+      <p:sp>
+        <p:nvSpPr>
+          <p:cNvPr id="2" name="Title 1"/>
+          <p:cNvSpPr>
+            <a:spLocks noGrp="1"/>
+          </p:cNvSpPr>
+          <p:nvPr>
+            <p:ph type="title"/>
+          </p:nvPr>
+        </p:nvSpPr>
+        <p:spPr>
+          <a:xfrm>
+            <a:off x="685800" y="753532"/>
+            <a:ext cx="10820400" cy="2802467"/>
+          </a:xfrm>
+        </p:spPr>
+        <p:txBody>
+          <a:bodyPr anchor="ctr"/>
+          <a:lstStyle>
+            <a:lvl1pPr algn="l">
+              <a:defRPr sz="3200"/>
+            </a:lvl1pPr>
+          </a:lstStyle>
+          <a:p>
+            <a:r>
+              <a:rPr lang="en-US" smtClean="0"/>
+              <a:t>Click to edit Master title style</a:t>
+            </a:r>
+            <a:endParaRPr lang="en-US" dirty="0"/>
+          </a:p>
+        </p:txBody>
+      </p:sp>
+      <p:sp>
+        <p:nvSpPr>
+          <p:cNvPr id="4" name="Text Placeholder 3"/>
+          <p:cNvSpPr>
+            <a:spLocks noGrp="1"/>
+          </p:cNvSpPr>
+          <p:nvPr>
+            <p:ph type="body" sz="half" idx="2"/>
+          </p:nvPr>
+        </p:nvSpPr>
+        <p:spPr>
+          <a:xfrm>
+            <a:off x="1024467" y="3649133"/>
+            <a:ext cx="10130516" cy="999067"/>
+          </a:xfrm>
+        </p:spPr>
+        <p:txBody>
+          <a:bodyPr anchor="ctr"/>
+          <a:lstStyle>
+            <a:lvl1pPr marL="0" indent="0">
+              <a:buNone/>
+              <a:defRPr sz="1600"/>
+            </a:lvl1pPr>
+            <a:lvl2pPr marL="457200" indent="0">
+              <a:buNone/>
+              <a:defRPr sz="1400"/>
+            </a:lvl2pPr>
+            <a:lvl3pPr marL="914400" indent="0">
+              <a:buNone/>
+              <a:defRPr sz="1200"/>
+            </a:lvl3pPr>
+            <a:lvl4pPr marL="1371600" indent="0">
+              <a:buNone/>
+              <a:defRPr sz="1000"/>
+            </a:lvl4pPr>
+            <a:lvl5pPr marL="1828800" indent="0">
+              <a:buNone/>
+              <a:defRPr sz="1000"/>
+            </a:lvl5pPr>
+            <a:lvl6pPr marL="2286000" indent="0">
+              <a:buNone/>
+              <a:defRPr sz="1000"/>
+            </a:lvl6pPr>
+            <a:lvl7pPr marL="2743200" indent="0">
+              <a:buNone/>
+              <a:defRPr sz="1000"/>
+            </a:lvl7pPr>
+            <a:lvl8pPr marL="3200400" indent="0">
+              <a:buNone/>
+              <a:defRPr sz="1000"/>
+            </a:lvl8pPr>
+            <a:lvl9pPr marL="3657600" indent="0">
+              <a:buNone/>
+              <a:defRPr sz="1000"/>
+            </a:lvl9pPr>
+          </a:lstStyle>
+          <a:p>
+            <a:pPr lvl="0"/>
+            <a:r>
+              <a:rPr lang="en-US" smtClean="0"/>
+              <a:t>Click to edit Master text styles</a:t>
+            </a:r>
+          </a:p>
+        </p:txBody>
+      </p:sp>
+      <p:sp>
+        <p:nvSpPr>
+          <p:cNvPr id="5" name="Date Placeholder 4"/>
+          <p:cNvSpPr>
+            <a:spLocks noGrp="1"/>
+          </p:cNvSpPr>
+          <p:nvPr>
+            <p:ph type="dt" sz="half" idx="10"/>
+          </p:nvPr>
+        </p:nvSpPr>
+        <p:spPr>
+          <a:xfrm>
+            <a:off x="7814452" y="381000"/>
+            <a:ext cx="2910840" cy="365125"/>
+          </a:xfrm>
+        </p:spPr>
+        <p:txBody>
+          <a:bodyPr/>
+          <a:lstStyle>
+            <a:lvl1pPr algn="r">
+              <a:defRPr/>
+            </a:lvl1pPr>
+          </a:lstStyle>
+          <a:p>
+            <a:fld id="{E244C58A-5871-1749-BADD-ABDAF70FC583}" type="datetimeFigureOut">
+              <a:rPr lang="en-US" smtClean="0"/>
+              <a:t>3/14/17</a:t>
+            </a:fld>
+            <a:endParaRPr lang="en-US"/>
+          </a:p>
+        </p:txBody>
+      </p:sp>
+      <p:sp>
+        <p:nvSpPr>
+          <p:cNvPr id="6" name="Footer Placeholder 5"/>
+          <p:cNvSpPr>
+            <a:spLocks noGrp="1"/>
+          </p:cNvSpPr>
+          <p:nvPr>
+            <p:ph type="ftr" sz="quarter" idx="11"/>
+          </p:nvPr>
+        </p:nvSpPr>
+        <p:spPr>
+          <a:xfrm>
+            <a:off x="685800" y="379941"/>
+            <a:ext cx="6991492" cy="365125"/>
+          </a:xfrm>
+        </p:spPr>
+        <p:txBody>
+          <a:bodyPr/>
+          <a:lstStyle/>
+          <a:p>
+            <a:endParaRPr lang="en-US"/>
+          </a:p>
+        </p:txBody>
+      </p:sp>
+      <p:sp>
+        <p:nvSpPr>
+          <p:cNvPr id="7" name="Slide Number Placeholder 6"/>
+          <p:cNvSpPr>
+            <a:spLocks noGrp="1"/>
+          </p:cNvSpPr>
+          <p:nvPr>
+            <p:ph type="sldNum" sz="quarter" idx="12"/>
+          </p:nvPr>
+        </p:nvSpPr>
+        <p:spPr>
+          <a:xfrm>
+            <a:off x="10862452" y="381000"/>
+            <a:ext cx="643748" cy="365125"/>
+          </a:xfrm>
+        </p:spPr>
+        <p:txBody>
+          <a:bodyPr/>
+          <a:lstStyle/>
+          <a:p>
+            <a:fld id="{5B5BCD83-083D-9142-ACFD-4EE40FF4A308}" type="slidenum">
+              <a:rPr lang="en-US" smtClean="0"/>
+              <a:t>‹#›</a:t>
+            </a:fld>
+            <a:endParaRPr lang="en-US"/>
+          </a:p>
+        </p:txBody>
+      </p:sp>
+    </p:spTree>
+  </p:cSld>
+  <p:clrMapOvr>
+    <a:masterClrMapping/>
+  </p:clrMapOvr>
+</p:sldLayout>
+</file>
+
+<file path=ppt/slideLayouts/slideLayout12.xml><?xml version="1.0" encoding="utf-8"?>
+<p:sldLayout xmlns:a="http://schemas.openxmlformats.org/drawingml/2006/main" xmlns:r="http://schemas.openxmlformats.org/officeDocument/2006/relationships" xmlns:p="http://schemas.openxmlformats.org/presentationml/2006/main" showMasterSp="0" preserve="1">
+  <p:cSld name="Quote with Caption">
+    <p:spTree>
+      <p:nvGrpSpPr>
+        <p:cNvPr id="1" name=""/>
+        <p:cNvGrpSpPr/>
+        <p:nvPr/>
+      </p:nvGrpSpPr>
+      <p:grpSpPr>
+        <a:xfrm>
+          <a:off x="0" y="0"/>
+          <a:ext cx="0" cy="0"/>
+          <a:chOff x="0" y="0"/>
+          <a:chExt cx="0" cy="0"/>
+        </a:xfrm>
+      </p:grpSpPr>
+      <p:pic>
+        <p:nvPicPr>
+          <p:cNvPr id="13" name="Picture 12" descr="C0-HD-BTM.png"/>
+          <p:cNvPicPr>
+            <a:picLocks noChangeAspect="1"/>
+          </p:cNvPicPr>
+          <p:nvPr/>
+        </p:nvPicPr>
+        <p:blipFill>
+          <a:blip r:embed="rId2">
+            <a:extLst>
+              <a:ext uri="{28A0092B-C50C-407E-A947-70E740481C1C}">
+                <a14:useLocalDpi xmlns:a14="http://schemas.microsoft.com/office/drawing/2010/main" val="0"/>
+              </a:ext>
+            </a:extLst>
+          </a:blip>
+          <a:stretch>
+            <a:fillRect/>
+          </a:stretch>
+        </p:blipFill>
+        <p:spPr>
+          <a:xfrm>
+            <a:off x="0" y="4375150"/>
+            <a:ext cx="12192000" cy="2482850"/>
+          </a:xfrm>
+          <a:prstGeom prst="rect">
+            <a:avLst/>
+          </a:prstGeom>
+        </p:spPr>
+      </p:pic>
+      <p:sp>
+        <p:nvSpPr>
+          <p:cNvPr id="2" name="Title 1"/>
+          <p:cNvSpPr>
+            <a:spLocks noGrp="1"/>
+          </p:cNvSpPr>
+          <p:nvPr>
+            <p:ph type="title"/>
+          </p:nvPr>
+        </p:nvSpPr>
+        <p:spPr>
+          <a:xfrm>
+            <a:off x="1024467" y="753533"/>
+            <a:ext cx="10151533" cy="2604495"/>
+          </a:xfrm>
+        </p:spPr>
+        <p:txBody>
+          <a:bodyPr anchor="ctr"/>
+          <a:lstStyle>
+            <a:lvl1pPr algn="l">
+              <a:defRPr sz="3200"/>
+            </a:lvl1pPr>
+          </a:lstStyle>
+          <a:p>
+            <a:r>
+              <a:rPr lang="en-US" smtClean="0"/>
+              <a:t>Click to edit Master title style</a:t>
+            </a:r>
+            <a:endParaRPr lang="en-US" dirty="0"/>
+          </a:p>
+        </p:txBody>
+      </p:sp>
+      <p:sp>
+        <p:nvSpPr>
+          <p:cNvPr id="12" name="Text Placeholder 3"/>
+          <p:cNvSpPr>
+            <a:spLocks noGrp="1"/>
+          </p:cNvSpPr>
+          <p:nvPr>
+            <p:ph type="body" sz="half" idx="13"/>
+          </p:nvPr>
+        </p:nvSpPr>
+        <p:spPr>
+          <a:xfrm>
+            <a:off x="1303865" y="3365556"/>
+            <a:ext cx="9592736" cy="444443"/>
+          </a:xfrm>
+        </p:spPr>
+        <p:txBody>
+          <a:bodyPr anchor="t">
+            <a:normAutofit/>
+          </a:bodyPr>
+          <a:lstStyle>
+            <a:lvl1pPr marL="0" indent="0">
+              <a:buNone/>
+              <a:defRPr sz="1400"/>
+            </a:lvl1pPr>
+            <a:lvl2pPr marL="457200" indent="0">
+              <a:buNone/>
+              <a:defRPr sz="1400"/>
+            </a:lvl2pPr>
+            <a:lvl3pPr marL="914400" indent="0">
+              <a:buNone/>
+              <a:defRPr sz="1200"/>
+            </a:lvl3pPr>
+            <a:lvl4pPr marL="1371600" indent="0">
+              <a:buNone/>
+              <a:defRPr sz="1000"/>
+            </a:lvl4pPr>
+            <a:lvl5pPr marL="1828800" indent="0">
+              <a:buNone/>
+              <a:defRPr sz="1000"/>
+            </a:lvl5pPr>
+            <a:lvl6pPr marL="2286000" indent="0">
+              <a:buNone/>
+              <a:defRPr sz="1000"/>
+            </a:lvl6pPr>
+            <a:lvl7pPr marL="2743200" indent="0">
+              <a:buNone/>
+              <a:defRPr sz="1000"/>
+            </a:lvl7pPr>
+            <a:lvl8pPr marL="3200400" indent="0">
+              <a:buNone/>
+              <a:defRPr sz="1000"/>
+            </a:lvl8pPr>
+            <a:lvl9pPr marL="3657600" indent="0">
+              <a:buNone/>
+              <a:defRPr sz="1000"/>
+            </a:lvl9pPr>
+          </a:lstStyle>
+          <a:p>
+            <a:pPr lvl="0"/>
+            <a:r>
+              <a:rPr lang="en-US" smtClean="0"/>
+              <a:t>Click to edit Master text styles</a:t>
+            </a:r>
+          </a:p>
+        </p:txBody>
+      </p:sp>
+      <p:sp>
+        <p:nvSpPr>
+          <p:cNvPr id="4" name="Text Placeholder 3"/>
+          <p:cNvSpPr>
+            <a:spLocks noGrp="1"/>
+          </p:cNvSpPr>
+          <p:nvPr>
+            <p:ph type="body" sz="half" idx="2"/>
+          </p:nvPr>
+        </p:nvSpPr>
+        <p:spPr>
+          <a:xfrm>
+            <a:off x="1024467" y="3959862"/>
+            <a:ext cx="10151533" cy="679871"/>
+          </a:xfrm>
+        </p:spPr>
+        <p:txBody>
+          <a:bodyPr anchor="ctr">
+            <a:normAutofit/>
+          </a:bodyPr>
+          <a:lstStyle>
+            <a:lvl1pPr marL="0" indent="0">
+              <a:buNone/>
+              <a:defRPr sz="1600"/>
+            </a:lvl1pPr>
+            <a:lvl2pPr marL="457200" indent="0">
+              <a:buNone/>
+              <a:defRPr sz="1400"/>
+            </a:lvl2pPr>
+            <a:lvl3pPr marL="914400" indent="0">
+              <a:buNone/>
+              <a:defRPr sz="1200"/>
+            </a:lvl3pPr>
+            <a:lvl4pPr marL="1371600" indent="0">
+              <a:buNone/>
+              <a:defRPr sz="1000"/>
+            </a:lvl4pPr>
+            <a:lvl5pPr marL="1828800" indent="0">
+              <a:buNone/>
+              <a:defRPr sz="1000"/>
+            </a:lvl5pPr>
+            <a:lvl6pPr marL="2286000" indent="0">
+              <a:buNone/>
+              <a:defRPr sz="1000"/>
+            </a:lvl6pPr>
+            <a:lvl7pPr marL="2743200" indent="0">
+              <a:buNone/>
+              <a:defRPr sz="1000"/>
+            </a:lvl7pPr>
+            <a:lvl8pPr marL="3200400" indent="0">
+              <a:buNone/>
+              <a:defRPr sz="1000"/>
+            </a:lvl8pPr>
+            <a:lvl9pPr marL="3657600" indent="0">
+              <a:buNone/>
+              <a:defRPr sz="1000"/>
+            </a:lvl9pPr>
+          </a:lstStyle>
+          <a:p>
+            <a:pPr lvl="0"/>
+            <a:r>
+              <a:rPr lang="en-US" smtClean="0"/>
+              <a:t>Click to edit Master text styles</a:t>
+            </a:r>
+          </a:p>
+        </p:txBody>
+      </p:sp>
+      <p:sp>
+        <p:nvSpPr>
+          <p:cNvPr id="5" name="Date Placeholder 4"/>
+          <p:cNvSpPr>
+            <a:spLocks noGrp="1"/>
+          </p:cNvSpPr>
+          <p:nvPr>
+            <p:ph type="dt" sz="half" idx="10"/>
+          </p:nvPr>
+        </p:nvSpPr>
+        <p:spPr>
+          <a:xfrm>
+            <a:off x="7814452" y="381000"/>
+            <a:ext cx="2910840" cy="365125"/>
+          </a:xfrm>
+        </p:spPr>
+        <p:txBody>
+          <a:bodyPr/>
+          <a:lstStyle>
+            <a:lvl1pPr algn="r">
+              <a:defRPr/>
+            </a:lvl1pPr>
+          </a:lstStyle>
+          <a:p>
+            <a:fld id="{E244C58A-5871-1749-BADD-ABDAF70FC583}" type="datetimeFigureOut">
+              <a:rPr lang="en-US" smtClean="0"/>
+              <a:t>3/14/17</a:t>
+            </a:fld>
+            <a:endParaRPr lang="en-US"/>
+          </a:p>
+        </p:txBody>
+      </p:sp>
+      <p:sp>
+        <p:nvSpPr>
+          <p:cNvPr id="6" name="Footer Placeholder 5"/>
+          <p:cNvSpPr>
+            <a:spLocks noGrp="1"/>
+          </p:cNvSpPr>
+          <p:nvPr>
+            <p:ph type="ftr" sz="quarter" idx="11"/>
+          </p:nvPr>
+        </p:nvSpPr>
+        <p:spPr>
+          <a:xfrm>
+            <a:off x="685800" y="379941"/>
+            <a:ext cx="6991492" cy="365125"/>
+          </a:xfrm>
+        </p:spPr>
+        <p:txBody>
+          <a:bodyPr/>
+          <a:lstStyle/>
+          <a:p>
+            <a:endParaRPr lang="en-US"/>
+          </a:p>
+        </p:txBody>
+      </p:sp>
+      <p:sp>
+        <p:nvSpPr>
+          <p:cNvPr id="7" name="Slide Number Placeholder 6"/>
+          <p:cNvSpPr>
+            <a:spLocks noGrp="1"/>
+          </p:cNvSpPr>
+          <p:nvPr>
+            <p:ph type="sldNum" sz="quarter" idx="12"/>
+          </p:nvPr>
+        </p:nvSpPr>
+        <p:spPr>
+          <a:xfrm>
+            <a:off x="10862452" y="381000"/>
+            <a:ext cx="643748" cy="365125"/>
+          </a:xfrm>
+        </p:spPr>
+        <p:txBody>
+          <a:bodyPr/>
+          <a:lstStyle/>
+          <a:p>
+            <a:fld id="{5B5BCD83-083D-9142-ACFD-4EE40FF4A308}" type="slidenum">
+              <a:rPr lang="en-US" smtClean="0"/>
+              <a:t>‹#›</a:t>
+            </a:fld>
+            <a:endParaRPr lang="en-US"/>
+          </a:p>
+        </p:txBody>
+      </p:sp>
+      <p:sp>
+        <p:nvSpPr>
+          <p:cNvPr id="9" name="TextBox 8"/>
+          <p:cNvSpPr txBox="1"/>
+          <p:nvPr/>
+        </p:nvSpPr>
+        <p:spPr>
+          <a:xfrm>
+            <a:off x="476250" y="933450"/>
+            <a:ext cx="609600" cy="584776"/>
+          </a:xfrm>
+          <a:prstGeom prst="rect">
+            <a:avLst/>
+          </a:prstGeom>
+        </p:spPr>
+        <p:txBody>
+          <a:bodyPr vert="horz" lIns="91440" tIns="45720" rIns="91440" bIns="45720" rtlCol="0" anchor="ctr">
+            <a:noAutofit/>
+          </a:bodyPr>
+          <a:lstStyle>
+            <a:lvl1pPr>
+              <a:spcBef>
+                <a:spcPct val="0"/>
+              </a:spcBef>
+              <a:buNone/>
+              <a:defRPr sz="3200" b="0" cap="all">
+                <a:ln w="3175" cmpd="sng">
+                  <a:noFill/>
+                </a:ln>
+                <a:effectLst>
+                  <a:glow rad="38100">
+                    <a:schemeClr val="bg1">
+                      <a:lumMod val="65000"/>
+                      <a:lumOff val="35000"/>
+                      <a:alpha val="40000"/>
+                    </a:schemeClr>
+                  </a:glow>
+                  <a:outerShdw blurRad="28575" dist="38100" dir="14040000" algn="tl" rotWithShape="0">
+                    <a:srgbClr val="000000">
+                      <a:alpha val="25000"/>
+                    </a:srgbClr>
+                  </a:outerShdw>
+                </a:effectLst>
+              </a:defRPr>
+            </a:lvl1pPr>
+            <a:lvl2pPr>
+              <a:defRPr>
+                <a:solidFill>
+                  <a:schemeClr val="tx2"/>
+                </a:solidFill>
+              </a:defRPr>
+            </a:lvl2pPr>
+            <a:lvl3pPr>
+              <a:defRPr>
+                <a:solidFill>
+                  <a:schemeClr val="tx2"/>
+                </a:solidFill>
+              </a:defRPr>
+            </a:lvl3pPr>
+            <a:lvl4pPr>
+              <a:defRPr>
+                <a:solidFill>
+                  <a:schemeClr val="tx2"/>
+                </a:solidFill>
+              </a:defRPr>
+            </a:lvl4pPr>
+            <a:lvl5pPr>
+              <a:defRPr>
+                <a:solidFill>
+                  <a:schemeClr val="tx2"/>
+                </a:solidFill>
+              </a:defRPr>
+            </a:lvl5pPr>
+            <a:lvl6pPr>
+              <a:defRPr>
+                <a:solidFill>
+                  <a:schemeClr val="tx2"/>
+                </a:solidFill>
+              </a:defRPr>
+            </a:lvl6pPr>
+            <a:lvl7pPr>
+              <a:defRPr>
+                <a:solidFill>
+                  <a:schemeClr val="tx2"/>
+                </a:solidFill>
+              </a:defRPr>
+            </a:lvl7pPr>
+            <a:lvl8pPr>
+              <a:defRPr>
+                <a:solidFill>
+                  <a:schemeClr val="tx2"/>
+                </a:solidFill>
+              </a:defRPr>
+            </a:lvl8pPr>
+            <a:lvl9pPr>
+              <a:defRPr>
+                <a:solidFill>
+                  <a:schemeClr val="tx2"/>
+                </a:solidFill>
+              </a:defRPr>
+            </a:lvl9pPr>
+          </a:lstStyle>
+          <a:p>
+            <a:pPr lvl="0"/>
+            <a:r>
+              <a:rPr lang="en-US" sz="8000" dirty="0">
+                <a:solidFill>
+                  <a:schemeClr val="tx1"/>
+                </a:solidFill>
+                <a:effectLst/>
+              </a:rPr>
+              <a:t>“</a:t>
+            </a:r>
+          </a:p>
+        </p:txBody>
+      </p:sp>
+      <p:sp>
+        <p:nvSpPr>
+          <p:cNvPr id="10" name="TextBox 9"/>
+          <p:cNvSpPr txBox="1"/>
+          <p:nvPr/>
+        </p:nvSpPr>
+        <p:spPr>
+          <a:xfrm>
+            <a:off x="10984230" y="2701290"/>
+            <a:ext cx="609600" cy="584776"/>
+          </a:xfrm>
+          <a:prstGeom prst="rect">
+            <a:avLst/>
+          </a:prstGeom>
+        </p:spPr>
+        <p:txBody>
+          <a:bodyPr vert="horz" lIns="91440" tIns="45720" rIns="91440" bIns="45720" rtlCol="0" anchor="ctr">
+            <a:noAutofit/>
+          </a:bodyPr>
+          <a:lstStyle>
+            <a:lvl1pPr>
+              <a:spcBef>
+                <a:spcPct val="0"/>
+              </a:spcBef>
+              <a:buNone/>
+              <a:defRPr sz="3200" b="0" cap="all">
+                <a:ln w="3175" cmpd="sng">
+                  <a:noFill/>
+                </a:ln>
+                <a:effectLst>
+                  <a:glow rad="38100">
+                    <a:schemeClr val="bg1">
+                      <a:lumMod val="65000"/>
+                      <a:lumOff val="35000"/>
+                      <a:alpha val="40000"/>
+                    </a:schemeClr>
+                  </a:glow>
+                  <a:outerShdw blurRad="28575" dist="38100" dir="14040000" algn="tl" rotWithShape="0">
+                    <a:srgbClr val="000000">
+                      <a:alpha val="25000"/>
+                    </a:srgbClr>
+                  </a:outerShdw>
+                </a:effectLst>
+              </a:defRPr>
+            </a:lvl1pPr>
+            <a:lvl2pPr>
+              <a:defRPr>
+                <a:solidFill>
+                  <a:schemeClr val="tx2"/>
+                </a:solidFill>
+              </a:defRPr>
+            </a:lvl2pPr>
+            <a:lvl3pPr>
+              <a:defRPr>
+                <a:solidFill>
+                  <a:schemeClr val="tx2"/>
+                </a:solidFill>
+              </a:defRPr>
+            </a:lvl3pPr>
+            <a:lvl4pPr>
+              <a:defRPr>
+                <a:solidFill>
+                  <a:schemeClr val="tx2"/>
+                </a:solidFill>
+              </a:defRPr>
+            </a:lvl4pPr>
+            <a:lvl5pPr>
+              <a:defRPr>
+                <a:solidFill>
+                  <a:schemeClr val="tx2"/>
+                </a:solidFill>
+              </a:defRPr>
+            </a:lvl5pPr>
+            <a:lvl6pPr>
+              <a:defRPr>
+                <a:solidFill>
+                  <a:schemeClr val="tx2"/>
+                </a:solidFill>
+              </a:defRPr>
+            </a:lvl6pPr>
+            <a:lvl7pPr>
+              <a:defRPr>
+                <a:solidFill>
+                  <a:schemeClr val="tx2"/>
+                </a:solidFill>
+              </a:defRPr>
+            </a:lvl7pPr>
+            <a:lvl8pPr>
+              <a:defRPr>
+                <a:solidFill>
+                  <a:schemeClr val="tx2"/>
+                </a:solidFill>
+              </a:defRPr>
+            </a:lvl8pPr>
+            <a:lvl9pPr>
+              <a:defRPr>
+                <a:solidFill>
+                  <a:schemeClr val="tx2"/>
+                </a:solidFill>
+              </a:defRPr>
+            </a:lvl9pPr>
+          </a:lstStyle>
+          <a:p>
+            <a:pPr lvl="0" algn="r"/>
+            <a:r>
+              <a:rPr lang="en-US" sz="8000" dirty="0">
+                <a:solidFill>
+                  <a:schemeClr val="tx1"/>
+                </a:solidFill>
+                <a:effectLst/>
+              </a:rPr>
+              <a:t>”</a:t>
+            </a:r>
+          </a:p>
+        </p:txBody>
+      </p:sp>
+    </p:spTree>
+  </p:cSld>
+  <p:clrMapOvr>
+    <a:masterClrMapping/>
+  </p:clrMapOvr>
+</p:sldLayout>
+</file>
+
+<file path=ppt/slideLayouts/slideLayout13.xml><?xml version="1.0" encoding="utf-8"?>
+<p:sldLayout xmlns:a="http://schemas.openxmlformats.org/drawingml/2006/main" xmlns:r="http://schemas.openxmlformats.org/officeDocument/2006/relationships" xmlns:p="http://schemas.openxmlformats.org/presentationml/2006/main" showMasterSp="0" preserve="1">
+  <p:cSld name="Name Card">
+    <p:spTree>
+      <p:nvGrpSpPr>
+        <p:cNvPr id="1" name=""/>
+        <p:cNvGrpSpPr/>
+        <p:nvPr/>
+      </p:nvGrpSpPr>
+      <p:grpSpPr>
+        <a:xfrm>
+          <a:off x="0" y="0"/>
+          <a:ext cx="0" cy="0"/>
+          <a:chOff x="0" y="0"/>
+          <a:chExt cx="0" cy="0"/>
+        </a:xfrm>
+      </p:grpSpPr>
+      <p:pic>
+        <p:nvPicPr>
+          <p:cNvPr id="9" name="Picture 8" descr="C0-HD-BTM.png"/>
+          <p:cNvPicPr>
+            <a:picLocks noChangeAspect="1"/>
+          </p:cNvPicPr>
+          <p:nvPr/>
+        </p:nvPicPr>
+        <p:blipFill>
+          <a:blip r:embed="rId2">
+            <a:extLst>
+              <a:ext uri="{28A0092B-C50C-407E-A947-70E740481C1C}">
+                <a14:useLocalDpi xmlns:a14="http://schemas.microsoft.com/office/drawing/2010/main" val="0"/>
+              </a:ext>
+            </a:extLst>
+          </a:blip>
+          <a:stretch>
+            <a:fillRect/>
+          </a:stretch>
+        </p:blipFill>
+        <p:spPr>
+          <a:xfrm>
+            <a:off x="0" y="4375150"/>
+            <a:ext cx="12192000" cy="2482850"/>
+          </a:xfrm>
+          <a:prstGeom prst="rect">
+            <a:avLst/>
+          </a:prstGeom>
+        </p:spPr>
+      </p:pic>
+      <p:sp>
+        <p:nvSpPr>
+          <p:cNvPr id="2" name="Title 1"/>
+          <p:cNvSpPr>
+            <a:spLocks noGrp="1"/>
+          </p:cNvSpPr>
+          <p:nvPr>
+            <p:ph type="title"/>
+          </p:nvPr>
+        </p:nvSpPr>
+        <p:spPr>
+          <a:xfrm>
+            <a:off x="1024495" y="1124701"/>
+            <a:ext cx="10146186" cy="2511835"/>
+          </a:xfrm>
+        </p:spPr>
+        <p:txBody>
+          <a:bodyPr anchor="b"/>
+          <a:lstStyle>
+            <a:lvl1pPr algn="l">
+              <a:defRPr sz="3200"/>
+            </a:lvl1pPr>
+          </a:lstStyle>
+          <a:p>
+            <a:r>
+              <a:rPr lang="en-US" smtClean="0"/>
+              <a:t>Click to edit Master title style</a:t>
+            </a:r>
+            <a:endParaRPr lang="en-US" dirty="0"/>
+          </a:p>
+        </p:txBody>
+      </p:sp>
+      <p:sp>
+        <p:nvSpPr>
+          <p:cNvPr id="4" name="Text Placeholder 3"/>
+          <p:cNvSpPr>
+            <a:spLocks noGrp="1"/>
+          </p:cNvSpPr>
+          <p:nvPr>
+            <p:ph type="body" sz="half" idx="2"/>
+          </p:nvPr>
+        </p:nvSpPr>
+        <p:spPr>
+          <a:xfrm>
+            <a:off x="1024467" y="3648315"/>
+            <a:ext cx="10144654" cy="999885"/>
+          </a:xfrm>
+        </p:spPr>
+        <p:txBody>
+          <a:bodyPr anchor="t"/>
+          <a:lstStyle>
+            <a:lvl1pPr marL="0" indent="0">
+              <a:buNone/>
+              <a:defRPr sz="1600"/>
+            </a:lvl1pPr>
+            <a:lvl2pPr marL="457200" indent="0">
+              <a:buNone/>
+              <a:defRPr sz="1400"/>
+            </a:lvl2pPr>
+            <a:lvl3pPr marL="914400" indent="0">
+              <a:buNone/>
+              <a:defRPr sz="1200"/>
+            </a:lvl3pPr>
+            <a:lvl4pPr marL="1371600" indent="0">
+              <a:buNone/>
+              <a:defRPr sz="1000"/>
+            </a:lvl4pPr>
+            <a:lvl5pPr marL="1828800" indent="0">
+              <a:buNone/>
+              <a:defRPr sz="1000"/>
+            </a:lvl5pPr>
+            <a:lvl6pPr marL="2286000" indent="0">
+              <a:buNone/>
+              <a:defRPr sz="1000"/>
+            </a:lvl6pPr>
+            <a:lvl7pPr marL="2743200" indent="0">
+              <a:buNone/>
+              <a:defRPr sz="1000"/>
+            </a:lvl7pPr>
+            <a:lvl8pPr marL="3200400" indent="0">
+              <a:buNone/>
+              <a:defRPr sz="1000"/>
+            </a:lvl8pPr>
+            <a:lvl9pPr marL="3657600" indent="0">
+              <a:buNone/>
+              <a:defRPr sz="1000"/>
+            </a:lvl9pPr>
+          </a:lstStyle>
+          <a:p>
+            <a:pPr lvl="0"/>
+            <a:r>
+              <a:rPr lang="en-US" smtClean="0"/>
+              <a:t>Click to edit Master text styles</a:t>
+            </a:r>
+          </a:p>
+        </p:txBody>
+      </p:sp>
+      <p:sp>
+        <p:nvSpPr>
+          <p:cNvPr id="5" name="Date Placeholder 4"/>
+          <p:cNvSpPr>
+            <a:spLocks noGrp="1"/>
+          </p:cNvSpPr>
+          <p:nvPr>
+            <p:ph type="dt" sz="half" idx="10"/>
+          </p:nvPr>
+        </p:nvSpPr>
+        <p:spPr>
+          <a:xfrm>
+            <a:off x="7814452" y="378883"/>
+            <a:ext cx="2910840" cy="365125"/>
+          </a:xfrm>
+        </p:spPr>
+        <p:txBody>
+          <a:bodyPr/>
+          <a:lstStyle>
+            <a:lvl1pPr algn="r">
+              <a:defRPr/>
+            </a:lvl1pPr>
+          </a:lstStyle>
+          <a:p>
+            <a:fld id="{E244C58A-5871-1749-BADD-ABDAF70FC583}" type="datetimeFigureOut">
+              <a:rPr lang="en-US" smtClean="0"/>
+              <a:t>3/14/17</a:t>
+            </a:fld>
+            <a:endParaRPr lang="en-US"/>
+          </a:p>
+        </p:txBody>
+      </p:sp>
+      <p:sp>
+        <p:nvSpPr>
+          <p:cNvPr id="6" name="Footer Placeholder 5"/>
+          <p:cNvSpPr>
+            <a:spLocks noGrp="1"/>
+          </p:cNvSpPr>
+          <p:nvPr>
+            <p:ph type="ftr" sz="quarter" idx="11"/>
+          </p:nvPr>
+        </p:nvSpPr>
+        <p:spPr>
+          <a:xfrm>
+            <a:off x="685800" y="378883"/>
+            <a:ext cx="6991492" cy="365125"/>
+          </a:xfrm>
+        </p:spPr>
+        <p:txBody>
+          <a:bodyPr/>
+          <a:lstStyle/>
+          <a:p>
+            <a:endParaRPr lang="en-US"/>
+          </a:p>
+        </p:txBody>
+      </p:sp>
+      <p:sp>
+        <p:nvSpPr>
+          <p:cNvPr id="7" name="Slide Number Placeholder 6"/>
+          <p:cNvSpPr>
+            <a:spLocks noGrp="1"/>
+          </p:cNvSpPr>
+          <p:nvPr>
+            <p:ph type="sldNum" sz="quarter" idx="12"/>
+          </p:nvPr>
+        </p:nvSpPr>
+        <p:spPr>
+          <a:xfrm>
+            <a:off x="10862452" y="381000"/>
+            <a:ext cx="643748" cy="365125"/>
+          </a:xfrm>
+        </p:spPr>
+        <p:txBody>
+          <a:bodyPr/>
+          <a:lstStyle/>
+          <a:p>
+            <a:fld id="{5B5BCD83-083D-9142-ACFD-4EE40FF4A308}" type="slidenum">
+              <a:rPr lang="en-US" smtClean="0"/>
+              <a:t>‹#›</a:t>
+            </a:fld>
+            <a:endParaRPr lang="en-US"/>
+          </a:p>
+        </p:txBody>
+      </p:sp>
+    </p:spTree>
+  </p:cSld>
+  <p:clrMapOvr>
+    <a:masterClrMapping/>
+  </p:clrMapOvr>
+</p:sldLayout>
+</file>
+
+<file path=ppt/slideLayouts/slideLayout14.xml><?xml version="1.0" encoding="utf-8"?>
+<p:sldLayout xmlns:a="http://schemas.openxmlformats.org/drawingml/2006/main" xmlns:r="http://schemas.openxmlformats.org/officeDocument/2006/relationships" xmlns:p="http://schemas.openxmlformats.org/presentationml/2006/main" preserve="1">
+  <p:cSld name="3 Column">
+    <p:spTree>
+      <p:nvGrpSpPr>
+        <p:cNvPr id="1" name=""/>
+        <p:cNvGrpSpPr/>
+        <p:nvPr/>
+      </p:nvGrpSpPr>
+      <p:grpSpPr>
+        <a:xfrm>
+          <a:off x="0" y="0"/>
+          <a:ext cx="0" cy="0"/>
+          <a:chOff x="0" y="0"/>
+          <a:chExt cx="0" cy="0"/>
+        </a:xfrm>
+      </p:grpSpPr>
+      <p:sp>
+        <p:nvSpPr>
+          <p:cNvPr id="15" name="Title 1"/>
+          <p:cNvSpPr>
+            <a:spLocks noGrp="1"/>
+          </p:cNvSpPr>
+          <p:nvPr>
+            <p:ph type="title"/>
+          </p:nvPr>
+        </p:nvSpPr>
+        <p:spPr>
+          <a:xfrm>
+            <a:off x="2895600" y="761999"/>
+            <a:ext cx="8610599" cy="1303867"/>
+          </a:xfrm>
+        </p:spPr>
+        <p:txBody>
+          <a:bodyPr/>
+          <a:lstStyle/>
+          <a:p>
+            <a:r>
+              <a:rPr lang="en-US" smtClean="0"/>
+              <a:t>Click to edit Master title style</a:t>
+            </a:r>
+            <a:endParaRPr lang="en-US" dirty="0"/>
+          </a:p>
+        </p:txBody>
+      </p:sp>
+      <p:sp>
+        <p:nvSpPr>
+          <p:cNvPr id="7" name="Text Placeholder 2"/>
+          <p:cNvSpPr>
+            <a:spLocks noGrp="1"/>
+          </p:cNvSpPr>
+          <p:nvPr>
+            <p:ph type="body" idx="1"/>
+          </p:nvPr>
+        </p:nvSpPr>
+        <p:spPr>
+          <a:xfrm>
+            <a:off x="685800" y="2202080"/>
+            <a:ext cx="3456432" cy="617320"/>
+          </a:xfrm>
+        </p:spPr>
+        <p:txBody>
+          <a:bodyPr anchor="b">
+            <a:noAutofit/>
+          </a:bodyPr>
+          <a:lstStyle>
+            <a:lvl1pPr marL="0" indent="0">
+              <a:buNone/>
+              <a:defRPr sz="2400" b="0">
+                <a:solidFill>
+                  <a:schemeClr val="tx1"/>
+                </a:solidFill>
+              </a:defRPr>
+            </a:lvl1pPr>
+            <a:lvl2pPr marL="457200" indent="0">
+              <a:buNone/>
+              <a:defRPr sz="2000" b="1"/>
+            </a:lvl2pPr>
+            <a:lvl3pPr marL="914400" indent="0">
+              <a:buNone/>
+              <a:defRPr sz="1800" b="1"/>
+            </a:lvl3pPr>
+            <a:lvl4pPr marL="1371600" indent="0">
+              <a:buNone/>
+              <a:defRPr sz="1600" b="1"/>
+            </a:lvl4pPr>
+            <a:lvl5pPr marL="1828800" indent="0">
+              <a:buNone/>
+              <a:defRPr sz="1600" b="1"/>
+            </a:lvl5pPr>
+            <a:lvl6pPr marL="2286000" indent="0">
+              <a:buNone/>
+              <a:defRPr sz="1600" b="1"/>
+            </a:lvl6pPr>
+            <a:lvl7pPr marL="2743200" indent="0">
+              <a:buNone/>
+              <a:defRPr sz="1600" b="1"/>
+            </a:lvl7pPr>
+            <a:lvl8pPr marL="3200400" indent="0">
+              <a:buNone/>
+              <a:defRPr sz="1600" b="1"/>
+            </a:lvl8pPr>
+            <a:lvl9pPr marL="3657600" indent="0">
+              <a:buNone/>
+              <a:defRPr sz="1600" b="1"/>
+            </a:lvl9pPr>
+          </a:lstStyle>
+          <a:p>
+            <a:pPr lvl="0"/>
+            <a:r>
+              <a:rPr lang="en-US" smtClean="0"/>
+              <a:t>Click to edit Master text styles</a:t>
+            </a:r>
+          </a:p>
+        </p:txBody>
+      </p:sp>
+      <p:sp>
+        <p:nvSpPr>
+          <p:cNvPr id="8" name="Text Placeholder 3"/>
+          <p:cNvSpPr>
+            <a:spLocks noGrp="1"/>
+          </p:cNvSpPr>
+          <p:nvPr>
+            <p:ph type="body" sz="half" idx="15"/>
+          </p:nvPr>
+        </p:nvSpPr>
+        <p:spPr>
+          <a:xfrm>
+            <a:off x="685799" y="2904565"/>
+            <a:ext cx="3456432" cy="3314132"/>
+          </a:xfrm>
+        </p:spPr>
+        <p:txBody>
+          <a:bodyPr anchor="t">
+            <a:normAutofit/>
+          </a:bodyPr>
+          <a:lstStyle>
+            <a:lvl1pPr marL="0" indent="0">
+              <a:buNone/>
+              <a:defRPr sz="1400"/>
+            </a:lvl1pPr>
+            <a:lvl2pPr marL="457200" indent="0">
+              <a:buNone/>
+              <a:defRPr sz="1200"/>
+            </a:lvl2pPr>
+            <a:lvl3pPr marL="914400" indent="0">
+              <a:buNone/>
+              <a:defRPr sz="1000"/>
+            </a:lvl3pPr>
+            <a:lvl4pPr marL="1371600" indent="0">
+              <a:buNone/>
+              <a:defRPr sz="900"/>
+            </a:lvl4pPr>
+            <a:lvl5pPr marL="1828800" indent="0">
+              <a:buNone/>
+              <a:defRPr sz="900"/>
+            </a:lvl5pPr>
+            <a:lvl6pPr marL="2286000" indent="0">
+              <a:buNone/>
+              <a:defRPr sz="900"/>
+            </a:lvl6pPr>
+            <a:lvl7pPr marL="2743200" indent="0">
+              <a:buNone/>
+              <a:defRPr sz="900"/>
+            </a:lvl7pPr>
+            <a:lvl8pPr marL="3200400" indent="0">
+              <a:buNone/>
+              <a:defRPr sz="900"/>
+            </a:lvl8pPr>
+            <a:lvl9pPr marL="3657600" indent="0">
+              <a:buNone/>
+              <a:defRPr sz="900"/>
+            </a:lvl9pPr>
+          </a:lstStyle>
+          <a:p>
+            <a:pPr lvl="0"/>
+            <a:r>
+              <a:rPr lang="en-US" smtClean="0"/>
+              <a:t>Click to edit Master text styles</a:t>
+            </a:r>
+          </a:p>
+        </p:txBody>
+      </p:sp>
+      <p:sp>
+        <p:nvSpPr>
+          <p:cNvPr id="9" name="Text Placeholder 4"/>
+          <p:cNvSpPr>
+            <a:spLocks noGrp="1"/>
+          </p:cNvSpPr>
+          <p:nvPr>
+            <p:ph type="body" sz="quarter" idx="3"/>
+          </p:nvPr>
+        </p:nvSpPr>
+        <p:spPr>
+          <a:xfrm>
+            <a:off x="4368800" y="2201333"/>
+            <a:ext cx="3456432" cy="626534"/>
+          </a:xfrm>
+        </p:spPr>
+        <p:txBody>
+          <a:bodyPr anchor="b">
+            <a:noAutofit/>
+          </a:bodyPr>
+          <a:lstStyle>
+            <a:lvl1pPr marL="0" indent="0">
+              <a:buNone/>
+              <a:defRPr sz="2400" b="0">
+                <a:solidFill>
+                  <a:schemeClr val="tx1"/>
+                </a:solidFill>
+              </a:defRPr>
+            </a:lvl1pPr>
+            <a:lvl2pPr marL="457200" indent="0">
+              <a:buNone/>
+              <a:defRPr sz="2000" b="1"/>
+            </a:lvl2pPr>
+            <a:lvl3pPr marL="914400" indent="0">
+              <a:buNone/>
+              <a:defRPr sz="1800" b="1"/>
+            </a:lvl3pPr>
+            <a:lvl4pPr marL="1371600" indent="0">
+              <a:buNone/>
+              <a:defRPr sz="1600" b="1"/>
+            </a:lvl4pPr>
+            <a:lvl5pPr marL="1828800" indent="0">
+              <a:buNone/>
+              <a:defRPr sz="1600" b="1"/>
+            </a:lvl5pPr>
+            <a:lvl6pPr marL="2286000" indent="0">
+              <a:buNone/>
+              <a:defRPr sz="1600" b="1"/>
+            </a:lvl6pPr>
+            <a:lvl7pPr marL="2743200" indent="0">
+              <a:buNone/>
+              <a:defRPr sz="1600" b="1"/>
+            </a:lvl7pPr>
+            <a:lvl8pPr marL="3200400" indent="0">
+              <a:buNone/>
+              <a:defRPr sz="1600" b="1"/>
+            </a:lvl8pPr>
+            <a:lvl9pPr marL="3657600" indent="0">
+              <a:buNone/>
+              <a:defRPr sz="1600" b="1"/>
+            </a:lvl9pPr>
+          </a:lstStyle>
+          <a:p>
+            <a:pPr lvl="0"/>
+            <a:r>
+              <a:rPr lang="en-US" smtClean="0"/>
+              <a:t>Click to edit Master text styles</a:t>
+            </a:r>
+          </a:p>
+        </p:txBody>
+      </p:sp>
+      <p:sp>
+        <p:nvSpPr>
+          <p:cNvPr id="10" name="Text Placeholder 3"/>
+          <p:cNvSpPr>
+            <a:spLocks noGrp="1"/>
+          </p:cNvSpPr>
+          <p:nvPr>
+            <p:ph type="body" sz="half" idx="16"/>
+          </p:nvPr>
+        </p:nvSpPr>
+        <p:spPr>
+          <a:xfrm>
+            <a:off x="4366858" y="2904067"/>
+            <a:ext cx="3456432" cy="3314618"/>
+          </a:xfrm>
+        </p:spPr>
+        <p:txBody>
+          <a:bodyPr anchor="t">
+            <a:normAutofit/>
+          </a:bodyPr>
+          <a:lstStyle>
+            <a:lvl1pPr marL="0" indent="0">
+              <a:buNone/>
+              <a:defRPr sz="1400"/>
+            </a:lvl1pPr>
+            <a:lvl2pPr marL="457200" indent="0">
+              <a:buNone/>
+              <a:defRPr sz="1200"/>
+            </a:lvl2pPr>
+            <a:lvl3pPr marL="914400" indent="0">
+              <a:buNone/>
+              <a:defRPr sz="1000"/>
+            </a:lvl3pPr>
+            <a:lvl4pPr marL="1371600" indent="0">
+              <a:buNone/>
+              <a:defRPr sz="900"/>
+            </a:lvl4pPr>
+            <a:lvl5pPr marL="1828800" indent="0">
+              <a:buNone/>
+              <a:defRPr sz="900"/>
+            </a:lvl5pPr>
+            <a:lvl6pPr marL="2286000" indent="0">
+              <a:buNone/>
+              <a:defRPr sz="900"/>
+            </a:lvl6pPr>
+            <a:lvl7pPr marL="2743200" indent="0">
+              <a:buNone/>
+              <a:defRPr sz="900"/>
+            </a:lvl7pPr>
+            <a:lvl8pPr marL="3200400" indent="0">
+              <a:buNone/>
+              <a:defRPr sz="900"/>
+            </a:lvl8pPr>
+            <a:lvl9pPr marL="3657600" indent="0">
+              <a:buNone/>
+              <a:defRPr sz="900"/>
+            </a:lvl9pPr>
+          </a:lstStyle>
+          <a:p>
+            <a:pPr lvl="0"/>
+            <a:r>
+              <a:rPr lang="en-US" smtClean="0"/>
+              <a:t>Click to edit Master text styles</a:t>
+            </a:r>
+          </a:p>
+        </p:txBody>
+      </p:sp>
+      <p:sp>
+        <p:nvSpPr>
+          <p:cNvPr id="11" name="Text Placeholder 4"/>
+          <p:cNvSpPr>
+            <a:spLocks noGrp="1"/>
+          </p:cNvSpPr>
+          <p:nvPr>
+            <p:ph type="body" sz="quarter" idx="13"/>
+          </p:nvPr>
+        </p:nvSpPr>
+        <p:spPr>
+          <a:xfrm>
+            <a:off x="8051800" y="2192866"/>
+            <a:ext cx="3456432" cy="626534"/>
+          </a:xfrm>
+        </p:spPr>
+        <p:txBody>
+          <a:bodyPr anchor="b">
+            <a:noAutofit/>
+          </a:bodyPr>
+          <a:lstStyle>
+            <a:lvl1pPr marL="0" indent="0">
+              <a:buNone/>
+              <a:defRPr sz="2400" b="0">
+                <a:solidFill>
+                  <a:schemeClr val="tx1"/>
+                </a:solidFill>
+              </a:defRPr>
+            </a:lvl1pPr>
+            <a:lvl2pPr marL="457200" indent="0">
+              <a:buNone/>
+              <a:defRPr sz="2000" b="1"/>
+            </a:lvl2pPr>
+            <a:lvl3pPr marL="914400" indent="0">
+              <a:buNone/>
+              <a:defRPr sz="1800" b="1"/>
+            </a:lvl3pPr>
+            <a:lvl4pPr marL="1371600" indent="0">
+              <a:buNone/>
+              <a:defRPr sz="1600" b="1"/>
+            </a:lvl4pPr>
+            <a:lvl5pPr marL="1828800" indent="0">
+              <a:buNone/>
+              <a:defRPr sz="1600" b="1"/>
+            </a:lvl5pPr>
+            <a:lvl6pPr marL="2286000" indent="0">
+              <a:buNone/>
+              <a:defRPr sz="1600" b="1"/>
+            </a:lvl6pPr>
+            <a:lvl7pPr marL="2743200" indent="0">
+              <a:buNone/>
+              <a:defRPr sz="1600" b="1"/>
+            </a:lvl7pPr>
+            <a:lvl8pPr marL="3200400" indent="0">
+              <a:buNone/>
+              <a:defRPr sz="1600" b="1"/>
+            </a:lvl8pPr>
+            <a:lvl9pPr marL="3657600" indent="0">
+              <a:buNone/>
+              <a:defRPr sz="1600" b="1"/>
+            </a:lvl9pPr>
+          </a:lstStyle>
+          <a:p>
+            <a:pPr lvl="0"/>
+            <a:r>
+              <a:rPr lang="en-US" smtClean="0"/>
+              <a:t>Click to edit Master text styles</a:t>
+            </a:r>
+          </a:p>
+        </p:txBody>
+      </p:sp>
+      <p:sp>
+        <p:nvSpPr>
+          <p:cNvPr id="12" name="Text Placeholder 3"/>
+          <p:cNvSpPr>
+            <a:spLocks noGrp="1"/>
+          </p:cNvSpPr>
+          <p:nvPr>
+            <p:ph type="body" sz="half" idx="17"/>
+          </p:nvPr>
+        </p:nvSpPr>
+        <p:spPr>
+          <a:xfrm>
+            <a:off x="8051801" y="2904565"/>
+            <a:ext cx="3456432" cy="3314132"/>
+          </a:xfrm>
+        </p:spPr>
+        <p:txBody>
+          <a:bodyPr anchor="t">
+            <a:normAutofit/>
+          </a:bodyPr>
+          <a:lstStyle>
+            <a:lvl1pPr marL="0" indent="0">
+              <a:buNone/>
+              <a:defRPr sz="1400"/>
+            </a:lvl1pPr>
+            <a:lvl2pPr marL="457200" indent="0">
+              <a:buNone/>
+              <a:defRPr sz="1200"/>
+            </a:lvl2pPr>
+            <a:lvl3pPr marL="914400" indent="0">
+              <a:buNone/>
+              <a:defRPr sz="1000"/>
+            </a:lvl3pPr>
+            <a:lvl4pPr marL="1371600" indent="0">
+              <a:buNone/>
+              <a:defRPr sz="900"/>
+            </a:lvl4pPr>
+            <a:lvl5pPr marL="1828800" indent="0">
+              <a:buNone/>
+              <a:defRPr sz="900"/>
+            </a:lvl5pPr>
+            <a:lvl6pPr marL="2286000" indent="0">
+              <a:buNone/>
+              <a:defRPr sz="900"/>
+            </a:lvl6pPr>
+            <a:lvl7pPr marL="2743200" indent="0">
+              <a:buNone/>
+              <a:defRPr sz="900"/>
+            </a:lvl7pPr>
+            <a:lvl8pPr marL="3200400" indent="0">
+              <a:buNone/>
+              <a:defRPr sz="900"/>
+            </a:lvl8pPr>
+            <a:lvl9pPr marL="3657600" indent="0">
+              <a:buNone/>
+              <a:defRPr sz="900"/>
+            </a:lvl9pPr>
+          </a:lstStyle>
+          <a:p>
+            <a:pPr lvl="0"/>
+            <a:r>
+              <a:rPr lang="en-US" smtClean="0"/>
+              <a:t>Click to edit Master text styles</a:t>
+            </a:r>
+          </a:p>
+        </p:txBody>
+      </p:sp>
+      <p:sp>
+        <p:nvSpPr>
+          <p:cNvPr id="3" name="Date Placeholder 2"/>
+          <p:cNvSpPr>
+            <a:spLocks noGrp="1"/>
+          </p:cNvSpPr>
+          <p:nvPr>
+            <p:ph type="dt" sz="half" idx="10"/>
+          </p:nvPr>
+        </p:nvSpPr>
+        <p:spPr/>
+        <p:txBody>
+          <a:bodyPr/>
+          <a:lstStyle/>
+          <a:p>
+            <a:fld id="{E244C58A-5871-1749-BADD-ABDAF70FC583}" type="datetimeFigureOut">
+              <a:rPr lang="en-US" smtClean="0"/>
+              <a:t>3/14/17</a:t>
+            </a:fld>
+            <a:endParaRPr lang="en-US"/>
+          </a:p>
+        </p:txBody>
+      </p:sp>
+      <p:sp>
+        <p:nvSpPr>
+          <p:cNvPr id="4" name="Footer Placeholder 3"/>
+          <p:cNvSpPr>
+            <a:spLocks noGrp="1"/>
+          </p:cNvSpPr>
+          <p:nvPr>
+            <p:ph type="ftr" sz="quarter" idx="11"/>
+          </p:nvPr>
+        </p:nvSpPr>
+        <p:spPr/>
+        <p:txBody>
+          <a:bodyPr/>
+          <a:lstStyle/>
+          <a:p>
+            <a:endParaRPr lang="en-US"/>
+          </a:p>
+        </p:txBody>
+      </p:sp>
+      <p:sp>
+        <p:nvSpPr>
+          <p:cNvPr id="5" name="Slide Number Placeholder 4"/>
+          <p:cNvSpPr>
+            <a:spLocks noGrp="1"/>
+          </p:cNvSpPr>
+          <p:nvPr>
+            <p:ph type="sldNum" sz="quarter" idx="12"/>
+          </p:nvPr>
+        </p:nvSpPr>
+        <p:spPr/>
+        <p:txBody>
+          <a:bodyPr/>
+          <a:lstStyle/>
+          <a:p>
+            <a:fld id="{5B5BCD83-083D-9142-ACFD-4EE40FF4A308}" type="slidenum">
+              <a:rPr lang="en-US" smtClean="0"/>
+              <a:t>‹#›</a:t>
+            </a:fld>
+            <a:endParaRPr lang="en-US"/>
+          </a:p>
+        </p:txBody>
+      </p:sp>
+    </p:spTree>
+  </p:cSld>
+  <p:clrMapOvr>
+    <a:masterClrMapping/>
+  </p:clrMapOvr>
+</p:sldLayout>
+</file>
+
+<file path=ppt/slideLayouts/slideLayout15.xml><?xml version="1.0" encoding="utf-8"?>
+<p:sldLayout xmlns:a="http://schemas.openxmlformats.org/drawingml/2006/main" xmlns:r="http://schemas.openxmlformats.org/officeDocument/2006/relationships" xmlns:p="http://schemas.openxmlformats.org/presentationml/2006/main" preserve="1">
+  <p:cSld name="3 Picture Column">
+    <p:spTree>
+      <p:nvGrpSpPr>
+        <p:cNvPr id="1" name=""/>
+        <p:cNvGrpSpPr/>
+        <p:nvPr/>
+      </p:nvGrpSpPr>
+      <p:grpSpPr>
+        <a:xfrm>
+          <a:off x="0" y="0"/>
+          <a:ext cx="0" cy="0"/>
+          <a:chOff x="0" y="0"/>
+          <a:chExt cx="0" cy="0"/>
+        </a:xfrm>
+      </p:grpSpPr>
+      <p:sp>
+        <p:nvSpPr>
+          <p:cNvPr id="30" name="Title 1"/>
+          <p:cNvSpPr>
+            <a:spLocks noGrp="1"/>
+          </p:cNvSpPr>
+          <p:nvPr>
+            <p:ph type="title"/>
+          </p:nvPr>
+        </p:nvSpPr>
+        <p:spPr>
+          <a:xfrm>
+            <a:off x="2895600" y="762000"/>
+            <a:ext cx="8610599" cy="1295400"/>
+          </a:xfrm>
+        </p:spPr>
+        <p:txBody>
+          <a:bodyPr/>
+          <a:lstStyle/>
+          <a:p>
+            <a:r>
+              <a:rPr lang="en-US" smtClean="0"/>
+              <a:t>Click to edit Master title style</a:t>
+            </a:r>
+            <a:endParaRPr lang="en-US" dirty="0"/>
+          </a:p>
+        </p:txBody>
+      </p:sp>
+      <p:sp>
+        <p:nvSpPr>
+          <p:cNvPr id="19" name="Text Placeholder 2"/>
+          <p:cNvSpPr>
+            <a:spLocks noGrp="1"/>
+          </p:cNvSpPr>
+          <p:nvPr>
+            <p:ph type="body" idx="1"/>
+          </p:nvPr>
+        </p:nvSpPr>
+        <p:spPr>
+          <a:xfrm>
+            <a:off x="688618" y="4191000"/>
+            <a:ext cx="3451582" cy="682765"/>
+          </a:xfrm>
+        </p:spPr>
+        <p:txBody>
+          <a:bodyPr anchor="b">
+            <a:noAutofit/>
+          </a:bodyPr>
+          <a:lstStyle>
+            <a:lvl1pPr marL="0" indent="0">
+              <a:buNone/>
+              <a:defRPr sz="2400" b="0">
+                <a:solidFill>
+                  <a:schemeClr val="tx1"/>
+                </a:solidFill>
+              </a:defRPr>
+            </a:lvl1pPr>
+            <a:lvl2pPr marL="457200" indent="0">
+              <a:buNone/>
+              <a:defRPr sz="2000" b="1"/>
+            </a:lvl2pPr>
+            <a:lvl3pPr marL="914400" indent="0">
+              <a:buNone/>
+              <a:defRPr sz="1800" b="1"/>
+            </a:lvl3pPr>
+            <a:lvl4pPr marL="1371600" indent="0">
+              <a:buNone/>
+              <a:defRPr sz="1600" b="1"/>
+            </a:lvl4pPr>
+            <a:lvl5pPr marL="1828800" indent="0">
+              <a:buNone/>
+              <a:defRPr sz="1600" b="1"/>
+            </a:lvl5pPr>
+            <a:lvl6pPr marL="2286000" indent="0">
+              <a:buNone/>
+              <a:defRPr sz="1600" b="1"/>
+            </a:lvl6pPr>
+            <a:lvl7pPr marL="2743200" indent="0">
+              <a:buNone/>
+              <a:defRPr sz="1600" b="1"/>
+            </a:lvl7pPr>
+            <a:lvl8pPr marL="3200400" indent="0">
+              <a:buNone/>
+              <a:defRPr sz="1600" b="1"/>
+            </a:lvl8pPr>
+            <a:lvl9pPr marL="3657600" indent="0">
+              <a:buNone/>
+              <a:defRPr sz="1600" b="1"/>
+            </a:lvl9pPr>
+          </a:lstStyle>
+          <a:p>
+            <a:pPr lvl="0"/>
+            <a:r>
+              <a:rPr lang="en-US" smtClean="0"/>
+              <a:t>Click to edit Master text styles</a:t>
+            </a:r>
+          </a:p>
+        </p:txBody>
+      </p:sp>
+      <p:sp>
+        <p:nvSpPr>
+          <p:cNvPr id="20" name="Picture Placeholder 2"/>
+          <p:cNvSpPr>
+            <a:spLocks noGrp="1" noChangeAspect="1"/>
+          </p:cNvSpPr>
+          <p:nvPr>
+            <p:ph type="pic" idx="15"/>
+          </p:nvPr>
+        </p:nvSpPr>
+        <p:spPr>
+          <a:xfrm>
+            <a:off x="688618" y="2362200"/>
+            <a:ext cx="3451582" cy="1524000"/>
+          </a:xfrm>
+          <a:prstGeom prst="roundRect">
+            <a:avLst>
+              <a:gd name="adj" fmla="val 0"/>
+            </a:avLst>
+          </a:prstGeom>
+          <a:effectLst>
+            <a:outerShdw blurRad="50800" dist="50800" dir="5400000" algn="tl" rotWithShape="0">
+              <a:srgbClr val="000000">
+                <a:alpha val="43000"/>
+              </a:srgbClr>
+            </a:outerShdw>
+          </a:effectLst>
+        </p:spPr>
+        <p:txBody>
+          <a:bodyPr anchor="t">
+            <a:normAutofit/>
+          </a:bodyPr>
+          <a:lstStyle>
+            <a:lvl1pPr marL="0" indent="0" algn="ctr">
+              <a:buNone/>
+              <a:defRPr sz="1600"/>
+            </a:lvl1pPr>
+            <a:lvl2pPr marL="457200" indent="0">
+              <a:buNone/>
+              <a:defRPr sz="1600"/>
+            </a:lvl2pPr>
+            <a:lvl3pPr marL="914400" indent="0">
+              <a:buNone/>
+              <a:defRPr sz="1600"/>
+            </a:lvl3pPr>
+            <a:lvl4pPr marL="1371600" indent="0">
+              <a:buNone/>
+              <a:defRPr sz="1600"/>
+            </a:lvl4pPr>
+            <a:lvl5pPr marL="1828800" indent="0">
+              <a:buNone/>
+              <a:defRPr sz="1600"/>
+            </a:lvl5pPr>
+            <a:lvl6pPr marL="2286000" indent="0">
+              <a:buNone/>
+              <a:defRPr sz="1600"/>
+            </a:lvl6pPr>
+            <a:lvl7pPr marL="2743200" indent="0">
+              <a:buNone/>
+              <a:defRPr sz="1600"/>
+            </a:lvl7pPr>
+            <a:lvl8pPr marL="3200400" indent="0">
+              <a:buNone/>
+              <a:defRPr sz="1600"/>
+            </a:lvl8pPr>
+            <a:lvl9pPr marL="3657600" indent="0">
+              <a:buNone/>
+              <a:defRPr sz="1600"/>
+            </a:lvl9pPr>
+          </a:lstStyle>
+          <a:p>
+            <a:r>
+              <a:rPr lang="en-US" smtClean="0"/>
+              <a:t>Drag picture to placeholder or click icon to add</a:t>
+            </a:r>
+            <a:endParaRPr lang="en-US" dirty="0"/>
+          </a:p>
+        </p:txBody>
+      </p:sp>
+      <p:sp>
+        <p:nvSpPr>
+          <p:cNvPr id="21" name="Text Placeholder 3"/>
+          <p:cNvSpPr>
+            <a:spLocks noGrp="1"/>
+          </p:cNvSpPr>
+          <p:nvPr>
+            <p:ph type="body" sz="half" idx="18"/>
+          </p:nvPr>
+        </p:nvSpPr>
+        <p:spPr>
+          <a:xfrm>
+            <a:off x="688618" y="4873764"/>
+            <a:ext cx="3451582" cy="1344921"/>
+          </a:xfrm>
+        </p:spPr>
+        <p:txBody>
+          <a:bodyPr anchor="t">
+            <a:normAutofit/>
+          </a:bodyPr>
+          <a:lstStyle>
+            <a:lvl1pPr marL="0" indent="0">
+              <a:buNone/>
+              <a:defRPr sz="1400"/>
+            </a:lvl1pPr>
+            <a:lvl2pPr marL="457200" indent="0">
+              <a:buNone/>
+              <a:defRPr sz="1200"/>
+            </a:lvl2pPr>
+            <a:lvl3pPr marL="914400" indent="0">
+              <a:buNone/>
+              <a:defRPr sz="1000"/>
+            </a:lvl3pPr>
+            <a:lvl4pPr marL="1371600" indent="0">
+              <a:buNone/>
+              <a:defRPr sz="900"/>
+            </a:lvl4pPr>
+            <a:lvl5pPr marL="1828800" indent="0">
+              <a:buNone/>
+              <a:defRPr sz="900"/>
+            </a:lvl5pPr>
+            <a:lvl6pPr marL="2286000" indent="0">
+              <a:buNone/>
+              <a:defRPr sz="900"/>
+            </a:lvl6pPr>
+            <a:lvl7pPr marL="2743200" indent="0">
+              <a:buNone/>
+              <a:defRPr sz="900"/>
+            </a:lvl7pPr>
+            <a:lvl8pPr marL="3200400" indent="0">
+              <a:buNone/>
+              <a:defRPr sz="900"/>
+            </a:lvl8pPr>
+            <a:lvl9pPr marL="3657600" indent="0">
+              <a:buNone/>
+              <a:defRPr sz="900"/>
+            </a:lvl9pPr>
+          </a:lstStyle>
+          <a:p>
+            <a:pPr lvl="0"/>
+            <a:r>
+              <a:rPr lang="en-US" smtClean="0"/>
+              <a:t>Click to edit Master text styles</a:t>
+            </a:r>
+          </a:p>
+        </p:txBody>
+      </p:sp>
+      <p:sp>
+        <p:nvSpPr>
+          <p:cNvPr id="22" name="Text Placeholder 4"/>
+          <p:cNvSpPr>
+            <a:spLocks noGrp="1"/>
+          </p:cNvSpPr>
+          <p:nvPr>
+            <p:ph type="body" sz="quarter" idx="3"/>
+          </p:nvPr>
+        </p:nvSpPr>
+        <p:spPr>
+          <a:xfrm>
+            <a:off x="4374263" y="4191000"/>
+            <a:ext cx="3448935" cy="682765"/>
+          </a:xfrm>
+        </p:spPr>
+        <p:txBody>
+          <a:bodyPr anchor="b">
+            <a:noAutofit/>
+          </a:bodyPr>
+          <a:lstStyle>
+            <a:lvl1pPr marL="0" indent="0">
+              <a:buNone/>
+              <a:defRPr sz="2400" b="0">
+                <a:solidFill>
+                  <a:schemeClr val="tx1"/>
+                </a:solidFill>
+              </a:defRPr>
+            </a:lvl1pPr>
+            <a:lvl2pPr marL="457200" indent="0">
+              <a:buNone/>
+              <a:defRPr sz="2000" b="1"/>
+            </a:lvl2pPr>
+            <a:lvl3pPr marL="914400" indent="0">
+              <a:buNone/>
+              <a:defRPr sz="1800" b="1"/>
+            </a:lvl3pPr>
+            <a:lvl4pPr marL="1371600" indent="0">
+              <a:buNone/>
+              <a:defRPr sz="1600" b="1"/>
+            </a:lvl4pPr>
+            <a:lvl5pPr marL="1828800" indent="0">
+              <a:buNone/>
+              <a:defRPr sz="1600" b="1"/>
+            </a:lvl5pPr>
+            <a:lvl6pPr marL="2286000" indent="0">
+              <a:buNone/>
+              <a:defRPr sz="1600" b="1"/>
+            </a:lvl6pPr>
+            <a:lvl7pPr marL="2743200" indent="0">
+              <a:buNone/>
+              <a:defRPr sz="1600" b="1"/>
+            </a:lvl7pPr>
+            <a:lvl8pPr marL="3200400" indent="0">
+              <a:buNone/>
+              <a:defRPr sz="1600" b="1"/>
+            </a:lvl8pPr>
+            <a:lvl9pPr marL="3657600" indent="0">
+              <a:buNone/>
+              <a:defRPr sz="1600" b="1"/>
+            </a:lvl9pPr>
+          </a:lstStyle>
+          <a:p>
+            <a:pPr lvl="0"/>
+            <a:r>
+              <a:rPr lang="en-US" smtClean="0"/>
+              <a:t>Click to edit Master text styles</a:t>
+            </a:r>
+          </a:p>
+        </p:txBody>
+      </p:sp>
+      <p:sp>
+        <p:nvSpPr>
+          <p:cNvPr id="23" name="Picture Placeholder 2"/>
+          <p:cNvSpPr>
+            <a:spLocks noGrp="1" noChangeAspect="1"/>
+          </p:cNvSpPr>
+          <p:nvPr>
+            <p:ph type="pic" idx="21"/>
+          </p:nvPr>
+        </p:nvSpPr>
+        <p:spPr>
+          <a:xfrm>
+            <a:off x="4374263" y="2362200"/>
+            <a:ext cx="3448936" cy="1524000"/>
+          </a:xfrm>
+          <a:prstGeom prst="roundRect">
+            <a:avLst>
+              <a:gd name="adj" fmla="val 0"/>
+            </a:avLst>
+          </a:prstGeom>
+          <a:effectLst>
+            <a:outerShdw blurRad="50800" dist="50800" dir="5400000" algn="tl" rotWithShape="0">
+              <a:srgbClr val="000000">
+                <a:alpha val="43000"/>
+              </a:srgbClr>
+            </a:outerShdw>
+          </a:effectLst>
+        </p:spPr>
+        <p:txBody>
+          <a:bodyPr anchor="t">
+            <a:normAutofit/>
+          </a:bodyPr>
+          <a:lstStyle>
+            <a:lvl1pPr marL="0" indent="0" algn="ctr">
+              <a:buNone/>
+              <a:defRPr sz="1600"/>
+            </a:lvl1pPr>
+            <a:lvl2pPr marL="457200" indent="0">
+              <a:buNone/>
+              <a:defRPr sz="1600"/>
+            </a:lvl2pPr>
+            <a:lvl3pPr marL="914400" indent="0">
+              <a:buNone/>
+              <a:defRPr sz="1600"/>
+            </a:lvl3pPr>
+            <a:lvl4pPr marL="1371600" indent="0">
+              <a:buNone/>
+              <a:defRPr sz="1600"/>
+            </a:lvl4pPr>
+            <a:lvl5pPr marL="1828800" indent="0">
+              <a:buNone/>
+              <a:defRPr sz="1600"/>
+            </a:lvl5pPr>
+            <a:lvl6pPr marL="2286000" indent="0">
+              <a:buNone/>
+              <a:defRPr sz="1600"/>
+            </a:lvl6pPr>
+            <a:lvl7pPr marL="2743200" indent="0">
+              <a:buNone/>
+              <a:defRPr sz="1600"/>
+            </a:lvl7pPr>
+            <a:lvl8pPr marL="3200400" indent="0">
+              <a:buNone/>
+              <a:defRPr sz="1600"/>
+            </a:lvl8pPr>
+            <a:lvl9pPr marL="3657600" indent="0">
+              <a:buNone/>
+              <a:defRPr sz="1600"/>
+            </a:lvl9pPr>
+          </a:lstStyle>
+          <a:p>
+            <a:r>
+              <a:rPr lang="en-US" smtClean="0"/>
+              <a:t>Drag picture to placeholder or click icon to add</a:t>
+            </a:r>
+            <a:endParaRPr lang="en-US" dirty="0"/>
+          </a:p>
+        </p:txBody>
+      </p:sp>
+      <p:sp>
+        <p:nvSpPr>
+          <p:cNvPr id="24" name="Text Placeholder 3"/>
+          <p:cNvSpPr>
+            <a:spLocks noGrp="1"/>
+          </p:cNvSpPr>
+          <p:nvPr>
+            <p:ph type="body" sz="half" idx="19"/>
+          </p:nvPr>
+        </p:nvSpPr>
+        <p:spPr>
+          <a:xfrm>
+            <a:off x="4374264" y="4873763"/>
+            <a:ext cx="3448935" cy="1344921"/>
+          </a:xfrm>
+        </p:spPr>
+        <p:txBody>
+          <a:bodyPr anchor="t">
+            <a:normAutofit/>
+          </a:bodyPr>
+          <a:lstStyle>
+            <a:lvl1pPr marL="0" indent="0">
+              <a:buNone/>
+              <a:defRPr sz="1400"/>
+            </a:lvl1pPr>
+            <a:lvl2pPr marL="457200" indent="0">
+              <a:buNone/>
+              <a:defRPr sz="1200"/>
+            </a:lvl2pPr>
+            <a:lvl3pPr marL="914400" indent="0">
+              <a:buNone/>
+              <a:defRPr sz="1000"/>
+            </a:lvl3pPr>
+            <a:lvl4pPr marL="1371600" indent="0">
+              <a:buNone/>
+              <a:defRPr sz="900"/>
+            </a:lvl4pPr>
+            <a:lvl5pPr marL="1828800" indent="0">
+              <a:buNone/>
+              <a:defRPr sz="900"/>
+            </a:lvl5pPr>
+            <a:lvl6pPr marL="2286000" indent="0">
+              <a:buNone/>
+              <a:defRPr sz="900"/>
+            </a:lvl6pPr>
+            <a:lvl7pPr marL="2743200" indent="0">
+              <a:buNone/>
+              <a:defRPr sz="900"/>
+            </a:lvl7pPr>
+            <a:lvl8pPr marL="3200400" indent="0">
+              <a:buNone/>
+              <a:defRPr sz="900"/>
+            </a:lvl8pPr>
+            <a:lvl9pPr marL="3657600" indent="0">
+              <a:buNone/>
+              <a:defRPr sz="900"/>
+            </a:lvl9pPr>
+          </a:lstStyle>
+          <a:p>
+            <a:pPr lvl="0"/>
+            <a:r>
+              <a:rPr lang="en-US" smtClean="0"/>
+              <a:t>Click to edit Master text styles</a:t>
+            </a:r>
+          </a:p>
+        </p:txBody>
+      </p:sp>
+      <p:sp>
+        <p:nvSpPr>
+          <p:cNvPr id="25" name="Text Placeholder 4"/>
+          <p:cNvSpPr>
+            <a:spLocks noGrp="1"/>
+          </p:cNvSpPr>
+          <p:nvPr>
+            <p:ph type="body" sz="quarter" idx="13"/>
+          </p:nvPr>
+        </p:nvSpPr>
+        <p:spPr>
+          <a:xfrm>
+            <a:off x="8049731" y="4191000"/>
+            <a:ext cx="3456469" cy="682765"/>
+          </a:xfrm>
+        </p:spPr>
+        <p:txBody>
+          <a:bodyPr anchor="b">
+            <a:noAutofit/>
+          </a:bodyPr>
+          <a:lstStyle>
+            <a:lvl1pPr marL="0" indent="0">
+              <a:buNone/>
+              <a:defRPr sz="2400" b="0">
+                <a:solidFill>
+                  <a:schemeClr val="tx1"/>
+                </a:solidFill>
+              </a:defRPr>
+            </a:lvl1pPr>
+            <a:lvl2pPr marL="457200" indent="0">
+              <a:buNone/>
+              <a:defRPr sz="2000" b="1"/>
+            </a:lvl2pPr>
+            <a:lvl3pPr marL="914400" indent="0">
+              <a:buNone/>
+              <a:defRPr sz="1800" b="1"/>
+            </a:lvl3pPr>
+            <a:lvl4pPr marL="1371600" indent="0">
+              <a:buNone/>
+              <a:defRPr sz="1600" b="1"/>
+            </a:lvl4pPr>
+            <a:lvl5pPr marL="1828800" indent="0">
+              <a:buNone/>
+              <a:defRPr sz="1600" b="1"/>
+            </a:lvl5pPr>
+            <a:lvl6pPr marL="2286000" indent="0">
+              <a:buNone/>
+              <a:defRPr sz="1600" b="1"/>
+            </a:lvl6pPr>
+            <a:lvl7pPr marL="2743200" indent="0">
+              <a:buNone/>
+              <a:defRPr sz="1600" b="1"/>
+            </a:lvl7pPr>
+            <a:lvl8pPr marL="3200400" indent="0">
+              <a:buNone/>
+              <a:defRPr sz="1600" b="1"/>
+            </a:lvl8pPr>
+            <a:lvl9pPr marL="3657600" indent="0">
+              <a:buNone/>
+              <a:defRPr sz="1600" b="1"/>
+            </a:lvl9pPr>
+          </a:lstStyle>
+          <a:p>
+            <a:pPr lvl="0"/>
+            <a:r>
+              <a:rPr lang="en-US" smtClean="0"/>
+              <a:t>Click to edit Master text styles</a:t>
+            </a:r>
+          </a:p>
+        </p:txBody>
+      </p:sp>
+      <p:sp>
+        <p:nvSpPr>
+          <p:cNvPr id="26" name="Picture Placeholder 2"/>
+          <p:cNvSpPr>
+            <a:spLocks noGrp="1" noChangeAspect="1"/>
+          </p:cNvSpPr>
+          <p:nvPr>
+            <p:ph type="pic" idx="22"/>
+          </p:nvPr>
+        </p:nvSpPr>
+        <p:spPr>
+          <a:xfrm>
+            <a:off x="8049855" y="2362200"/>
+            <a:ext cx="3447878" cy="1524000"/>
+          </a:xfrm>
+          <a:prstGeom prst="roundRect">
+            <a:avLst>
+              <a:gd name="adj" fmla="val 0"/>
+            </a:avLst>
+          </a:prstGeom>
+          <a:effectLst>
+            <a:outerShdw blurRad="50800" dist="50800" dir="5400000" algn="tl" rotWithShape="0">
+              <a:srgbClr val="000000">
+                <a:alpha val="43000"/>
+              </a:srgbClr>
+            </a:outerShdw>
+          </a:effectLst>
+        </p:spPr>
+        <p:txBody>
+          <a:bodyPr anchor="t">
+            <a:normAutofit/>
+          </a:bodyPr>
+          <a:lstStyle>
+            <a:lvl1pPr marL="0" indent="0" algn="ctr">
+              <a:buNone/>
+              <a:defRPr sz="1600"/>
+            </a:lvl1pPr>
+            <a:lvl2pPr marL="457200" indent="0">
+              <a:buNone/>
+              <a:defRPr sz="1600"/>
+            </a:lvl2pPr>
+            <a:lvl3pPr marL="914400" indent="0">
+              <a:buNone/>
+              <a:defRPr sz="1600"/>
+            </a:lvl3pPr>
+            <a:lvl4pPr marL="1371600" indent="0">
+              <a:buNone/>
+              <a:defRPr sz="1600"/>
+            </a:lvl4pPr>
+            <a:lvl5pPr marL="1828800" indent="0">
+              <a:buNone/>
+              <a:defRPr sz="1600"/>
+            </a:lvl5pPr>
+            <a:lvl6pPr marL="2286000" indent="0">
+              <a:buNone/>
+              <a:defRPr sz="1600"/>
+            </a:lvl6pPr>
+            <a:lvl7pPr marL="2743200" indent="0">
+              <a:buNone/>
+              <a:defRPr sz="1600"/>
+            </a:lvl7pPr>
+            <a:lvl8pPr marL="3200400" indent="0">
+              <a:buNone/>
+              <a:defRPr sz="1600"/>
+            </a:lvl8pPr>
+            <a:lvl9pPr marL="3657600" indent="0">
+              <a:buNone/>
+              <a:defRPr sz="1600"/>
+            </a:lvl9pPr>
+          </a:lstStyle>
+          <a:p>
+            <a:r>
+              <a:rPr lang="en-US" smtClean="0"/>
+              <a:t>Drag picture to placeholder or click icon to add</a:t>
+            </a:r>
+            <a:endParaRPr lang="en-US" dirty="0"/>
+          </a:p>
+        </p:txBody>
+      </p:sp>
+      <p:sp>
+        <p:nvSpPr>
+          <p:cNvPr id="27" name="Text Placeholder 3"/>
+          <p:cNvSpPr>
+            <a:spLocks noGrp="1"/>
+          </p:cNvSpPr>
+          <p:nvPr>
+            <p:ph type="body" sz="half" idx="20"/>
+          </p:nvPr>
+        </p:nvSpPr>
+        <p:spPr>
+          <a:xfrm>
+            <a:off x="8049731" y="4873761"/>
+            <a:ext cx="3452445" cy="1344921"/>
+          </a:xfrm>
+        </p:spPr>
+        <p:txBody>
+          <a:bodyPr anchor="t">
+            <a:normAutofit/>
+          </a:bodyPr>
+          <a:lstStyle>
+            <a:lvl1pPr marL="0" indent="0">
+              <a:buNone/>
+              <a:defRPr sz="1400"/>
+            </a:lvl1pPr>
+            <a:lvl2pPr marL="457200" indent="0">
+              <a:buNone/>
+              <a:defRPr sz="1200"/>
+            </a:lvl2pPr>
+            <a:lvl3pPr marL="914400" indent="0">
+              <a:buNone/>
+              <a:defRPr sz="1000"/>
+            </a:lvl3pPr>
+            <a:lvl4pPr marL="1371600" indent="0">
+              <a:buNone/>
+              <a:defRPr sz="900"/>
+            </a:lvl4pPr>
+            <a:lvl5pPr marL="1828800" indent="0">
+              <a:buNone/>
+              <a:defRPr sz="900"/>
+            </a:lvl5pPr>
+            <a:lvl6pPr marL="2286000" indent="0">
+              <a:buNone/>
+              <a:defRPr sz="900"/>
+            </a:lvl6pPr>
+            <a:lvl7pPr marL="2743200" indent="0">
+              <a:buNone/>
+              <a:defRPr sz="900"/>
+            </a:lvl7pPr>
+            <a:lvl8pPr marL="3200400" indent="0">
+              <a:buNone/>
+              <a:defRPr sz="900"/>
+            </a:lvl8pPr>
+            <a:lvl9pPr marL="3657600" indent="0">
+              <a:buNone/>
+              <a:defRPr sz="900"/>
+            </a:lvl9pPr>
+          </a:lstStyle>
+          <a:p>
+            <a:pPr lvl="0"/>
+            <a:r>
+              <a:rPr lang="en-US" smtClean="0"/>
+              <a:t>Click to edit Master text styles</a:t>
+            </a:r>
+          </a:p>
+        </p:txBody>
+      </p:sp>
+      <p:sp>
+        <p:nvSpPr>
+          <p:cNvPr id="3" name="Date Placeholder 2"/>
+          <p:cNvSpPr>
+            <a:spLocks noGrp="1"/>
+          </p:cNvSpPr>
+          <p:nvPr>
+            <p:ph type="dt" sz="half" idx="10"/>
+          </p:nvPr>
+        </p:nvSpPr>
+        <p:spPr/>
+        <p:txBody>
+          <a:bodyPr/>
+          <a:lstStyle/>
+          <a:p>
+            <a:fld id="{E244C58A-5871-1749-BADD-ABDAF70FC583}" type="datetimeFigureOut">
+              <a:rPr lang="en-US" smtClean="0"/>
+              <a:t>3/14/17</a:t>
+            </a:fld>
+            <a:endParaRPr lang="en-US"/>
+          </a:p>
+        </p:txBody>
+      </p:sp>
+      <p:sp>
+        <p:nvSpPr>
+          <p:cNvPr id="4" name="Footer Placeholder 3"/>
+          <p:cNvSpPr>
+            <a:spLocks noGrp="1"/>
+          </p:cNvSpPr>
+          <p:nvPr>
+            <p:ph type="ftr" sz="quarter" idx="11"/>
+          </p:nvPr>
+        </p:nvSpPr>
+        <p:spPr/>
+        <p:txBody>
+          <a:bodyPr/>
+          <a:lstStyle/>
+          <a:p>
+            <a:endParaRPr lang="en-US"/>
+          </a:p>
+        </p:txBody>
+      </p:sp>
+      <p:sp>
+        <p:nvSpPr>
+          <p:cNvPr id="5" name="Slide Number Placeholder 4"/>
+          <p:cNvSpPr>
+            <a:spLocks noGrp="1"/>
+          </p:cNvSpPr>
+          <p:nvPr>
+            <p:ph type="sldNum" sz="quarter" idx="12"/>
+          </p:nvPr>
+        </p:nvSpPr>
+        <p:spPr/>
+        <p:txBody>
+          <a:bodyPr/>
+          <a:lstStyle/>
+          <a:p>
+            <a:fld id="{5B5BCD83-083D-9142-ACFD-4EE40FF4A308}" type="slidenum">
+              <a:rPr lang="en-US" smtClean="0"/>
+              <a:t>‹#›</a:t>
+            </a:fld>
+            <a:endParaRPr lang="en-US"/>
+          </a:p>
+        </p:txBody>
+      </p:sp>
+    </p:spTree>
+  </p:cSld>
+  <p:clrMapOvr>
+    <a:masterClrMapping/>
+  </p:clrMapOvr>
+</p:sldLayout>
+</file>
+
+<file path=ppt/slideLayouts/slideLayout16.xml><?xml version="1.0" encoding="utf-8"?>
 <p:sldLayout xmlns:a="http://schemas.openxmlformats.org/drawingml/2006/main" xmlns:r="http://schemas.openxmlformats.org/officeDocument/2006/relationships" xmlns:p="http://schemas.openxmlformats.org/presentationml/2006/main" type="vertTx" preserve="1">
   <p:cSld name="Title and Vertical Text">
     <p:spTree>
@@ -7271,7 +9914,7 @@
               <a:rPr lang="en-US" smtClean="0"/>
               <a:t>Click to edit Master title style</a:t>
             </a:r>
-            <a:endParaRPr lang="en-US"/>
+            <a:endParaRPr lang="en-US" dirty="0"/>
           </a:p>
         </p:txBody>
       </p:sp>
@@ -7285,7 +9928,12 @@
             <p:ph type="body" orient="vert" idx="1"/>
           </p:nvPr>
         </p:nvSpPr>
-        <p:spPr/>
+        <p:spPr>
+          <a:xfrm>
+            <a:off x="685800" y="2194559"/>
+            <a:ext cx="10820400" cy="4024125"/>
+          </a:xfrm>
+        </p:spPr>
         <p:txBody>
           <a:bodyPr vert="eaVert"/>
           <a:lstStyle/>
@@ -7323,7 +9971,7 @@
               <a:rPr lang="en-US" smtClean="0"/>
               <a:t>Fifth level</a:t>
             </a:r>
-            <a:endParaRPr lang="en-US"/>
+            <a:endParaRPr lang="en-US" dirty="0"/>
           </a:p>
         </p:txBody>
       </p:sp>
@@ -7344,7 +9992,7 @@
           <a:p>
             <a:fld id="{E244C58A-5871-1749-BADD-ABDAF70FC583}" type="datetimeFigureOut">
               <a:rPr lang="en-US" smtClean="0"/>
-              <a:t>2/27/17</a:t>
+              <a:t>3/14/17</a:t>
             </a:fld>
             <a:endParaRPr lang="en-US"/>
           </a:p>
@@ -7393,11 +10041,6 @@
         </p:txBody>
       </p:sp>
     </p:spTree>
-    <p:extLst>
-      <p:ext uri="{BB962C8B-B14F-4D97-AF65-F5344CB8AC3E}">
-        <p14:creationId xmlns:p14="http://schemas.microsoft.com/office/powerpoint/2010/main" val="428645908"/>
-      </p:ext>
-    </p:extLst>
   </p:cSld>
   <p:clrMapOvr>
     <a:masterClrMapping/>
@@ -7405,8 +10048,8 @@
 </p:sldLayout>
 </file>
 
-<file path=ppt/slideLayouts/slideLayout11.xml><?xml version="1.0" encoding="utf-8"?>
-<p:sldLayout xmlns:a="http://schemas.openxmlformats.org/drawingml/2006/main" xmlns:r="http://schemas.openxmlformats.org/officeDocument/2006/relationships" xmlns:p="http://schemas.openxmlformats.org/presentationml/2006/main" type="vertTitleAndTx" preserve="1">
+<file path=ppt/slideLayouts/slideLayout17.xml><?xml version="1.0" encoding="utf-8"?>
+<p:sldLayout xmlns:a="http://schemas.openxmlformats.org/drawingml/2006/main" xmlns:r="http://schemas.openxmlformats.org/officeDocument/2006/relationships" xmlns:p="http://schemas.openxmlformats.org/presentationml/2006/main" showMasterSp="0" type="vertTitleAndTx" preserve="1">
   <p:cSld name="Vertical Title and Text">
     <p:spTree>
       <p:nvGrpSpPr>
@@ -7422,6 +10065,36 @@
           <a:chExt cx="0" cy="0"/>
         </a:xfrm>
       </p:grpSpPr>
+      <p:pic>
+        <p:nvPicPr>
+          <p:cNvPr id="8" name="Picture 7" descr="C0-HD-BTM.png"/>
+          <p:cNvPicPr>
+            <a:picLocks noChangeAspect="1"/>
+          </p:cNvPicPr>
+          <p:nvPr/>
+        </p:nvPicPr>
+        <p:blipFill>
+          <a:blip r:embed="rId2">
+            <a:extLst>
+              <a:ext uri="{28A0092B-C50C-407E-A947-70E740481C1C}">
+                <a14:useLocalDpi xmlns:a14="http://schemas.microsoft.com/office/drawing/2010/main" val="0"/>
+              </a:ext>
+            </a:extLst>
+          </a:blip>
+          <a:stretch>
+            <a:fillRect/>
+          </a:stretch>
+        </p:blipFill>
+        <p:spPr>
+          <a:xfrm>
+            <a:off x="0" y="4375150"/>
+            <a:ext cx="12192000" cy="2482850"/>
+          </a:xfrm>
+          <a:prstGeom prst="rect">
+            <a:avLst/>
+          </a:prstGeom>
+        </p:spPr>
+      </p:pic>
       <p:sp>
         <p:nvSpPr>
           <p:cNvPr id="2" name="Vertical Title 1"/>
@@ -7434,19 +10107,23 @@
         </p:nvSpPr>
         <p:spPr>
           <a:xfrm>
-            <a:off x="8724900" y="365125"/>
-            <a:ext cx="2628900" cy="5811838"/>
+            <a:off x="9448800" y="745066"/>
+            <a:ext cx="2057400" cy="3903133"/>
           </a:xfrm>
         </p:spPr>
         <p:txBody>
           <a:bodyPr vert="eaVert"/>
-          <a:lstStyle/>
+          <a:lstStyle>
+            <a:lvl1pPr algn="l">
+              <a:defRPr/>
+            </a:lvl1pPr>
+          </a:lstStyle>
           <a:p>
             <a:r>
               <a:rPr lang="en-US" smtClean="0"/>
               <a:t>Click to edit Master title style</a:t>
             </a:r>
-            <a:endParaRPr lang="en-US"/>
+            <a:endParaRPr lang="en-US" dirty="0"/>
           </a:p>
         </p:txBody>
       </p:sp>
@@ -7462,8 +10139,8 @@
         </p:nvSpPr>
         <p:spPr>
           <a:xfrm>
-            <a:off x="838200" y="365125"/>
-            <a:ext cx="7734300" cy="5811838"/>
+            <a:off x="1024466" y="745067"/>
+            <a:ext cx="8204201" cy="3903133"/>
           </a:xfrm>
         </p:spPr>
         <p:txBody>
@@ -7503,7 +10180,7 @@
               <a:rPr lang="en-US" smtClean="0"/>
               <a:t>Fifth level</a:t>
             </a:r>
-            <a:endParaRPr lang="en-US"/>
+            <a:endParaRPr lang="en-US" dirty="0"/>
           </a:p>
         </p:txBody>
       </p:sp>
@@ -7517,14 +10194,23 @@
             <p:ph type="dt" sz="half" idx="10"/>
           </p:nvPr>
         </p:nvSpPr>
-        <p:spPr/>
+        <p:spPr>
+          <a:xfrm>
+            <a:off x="7814452" y="379941"/>
+            <a:ext cx="2910840" cy="365125"/>
+          </a:xfrm>
+        </p:spPr>
         <p:txBody>
           <a:bodyPr/>
-          <a:lstStyle/>
+          <a:lstStyle>
+            <a:lvl1pPr algn="r">
+              <a:defRPr/>
+            </a:lvl1pPr>
+          </a:lstStyle>
           <a:p>
             <a:fld id="{E244C58A-5871-1749-BADD-ABDAF70FC583}" type="datetimeFigureOut">
               <a:rPr lang="en-US" smtClean="0"/>
-              <a:t>2/27/17</a:t>
+              <a:t>3/14/17</a:t>
             </a:fld>
             <a:endParaRPr lang="en-US"/>
           </a:p>
@@ -7540,7 +10226,12 @@
             <p:ph type="ftr" sz="quarter" idx="11"/>
           </p:nvPr>
         </p:nvSpPr>
-        <p:spPr/>
+        <p:spPr>
+          <a:xfrm>
+            <a:off x="685800" y="381000"/>
+            <a:ext cx="6991492" cy="365125"/>
+          </a:xfrm>
+        </p:spPr>
         <p:txBody>
           <a:bodyPr/>
           <a:lstStyle/>
@@ -7559,7 +10250,12 @@
             <p:ph type="sldNum" sz="quarter" idx="12"/>
           </p:nvPr>
         </p:nvSpPr>
-        <p:spPr/>
+        <p:spPr>
+          <a:xfrm>
+            <a:off x="10862452" y="381000"/>
+            <a:ext cx="643748" cy="365125"/>
+          </a:xfrm>
+        </p:spPr>
         <p:txBody>
           <a:bodyPr/>
           <a:lstStyle/>
@@ -7573,11 +10269,6 @@
         </p:txBody>
       </p:sp>
     </p:spTree>
-    <p:extLst>
-      <p:ext uri="{BB962C8B-B14F-4D97-AF65-F5344CB8AC3E}">
-        <p14:creationId xmlns:p14="http://schemas.microsoft.com/office/powerpoint/2010/main" val="1591623718"/>
-      </p:ext>
-    </p:extLst>
   </p:cSld>
   <p:clrMapOvr>
     <a:masterClrMapping/>
@@ -7621,7 +10312,7 @@
               <a:rPr lang="en-US" smtClean="0"/>
               <a:t>Click to edit Master title style</a:t>
             </a:r>
-            <a:endParaRPr lang="en-US"/>
+            <a:endParaRPr lang="en-US" dirty="0"/>
           </a:p>
         </p:txBody>
       </p:sp>
@@ -7673,7 +10364,7 @@
               <a:rPr lang="en-US" smtClean="0"/>
               <a:t>Fifth level</a:t>
             </a:r>
-            <a:endParaRPr lang="en-US"/>
+            <a:endParaRPr lang="en-US" dirty="0"/>
           </a:p>
         </p:txBody>
       </p:sp>
@@ -7694,7 +10385,7 @@
           <a:p>
             <a:fld id="{E244C58A-5871-1749-BADD-ABDAF70FC583}" type="datetimeFigureOut">
               <a:rPr lang="en-US" smtClean="0"/>
-              <a:t>2/27/17</a:t>
+              <a:t>3/14/17</a:t>
             </a:fld>
             <a:endParaRPr lang="en-US"/>
           </a:p>
@@ -7743,11 +10434,6 @@
         </p:txBody>
       </p:sp>
     </p:spTree>
-    <p:extLst>
-      <p:ext uri="{BB962C8B-B14F-4D97-AF65-F5344CB8AC3E}">
-        <p14:creationId xmlns:p14="http://schemas.microsoft.com/office/powerpoint/2010/main" val="1338951384"/>
-      </p:ext>
-    </p:extLst>
   </p:cSld>
   <p:clrMapOvr>
     <a:masterClrMapping/>
@@ -7756,7 +10442,7 @@
 </file>
 
 <file path=ppt/slideLayouts/slideLayout3.xml><?xml version="1.0" encoding="utf-8"?>
-<p:sldLayout xmlns:a="http://schemas.openxmlformats.org/drawingml/2006/main" xmlns:r="http://schemas.openxmlformats.org/officeDocument/2006/relationships" xmlns:p="http://schemas.openxmlformats.org/presentationml/2006/main" type="secHead" preserve="1">
+<p:sldLayout xmlns:a="http://schemas.openxmlformats.org/drawingml/2006/main" xmlns:r="http://schemas.openxmlformats.org/officeDocument/2006/relationships" xmlns:p="http://schemas.openxmlformats.org/presentationml/2006/main" showMasterSp="0" type="secHead" preserve="1">
   <p:cSld name="Section Header">
     <p:spTree>
       <p:nvGrpSpPr>
@@ -7772,6 +10458,36 @@
           <a:chExt cx="0" cy="0"/>
         </a:xfrm>
       </p:grpSpPr>
+      <p:pic>
+        <p:nvPicPr>
+          <p:cNvPr id="9" name="Picture 8" descr="C0-HD-BTM.png"/>
+          <p:cNvPicPr>
+            <a:picLocks noChangeAspect="1"/>
+          </p:cNvPicPr>
+          <p:nvPr/>
+        </p:nvPicPr>
+        <p:blipFill>
+          <a:blip r:embed="rId2">
+            <a:extLst>
+              <a:ext uri="{28A0092B-C50C-407E-A947-70E740481C1C}">
+                <a14:useLocalDpi xmlns:a14="http://schemas.microsoft.com/office/drawing/2010/main" val="0"/>
+              </a:ext>
+            </a:extLst>
+          </a:blip>
+          <a:stretch>
+            <a:fillRect/>
+          </a:stretch>
+        </p:blipFill>
+        <p:spPr>
+          <a:xfrm>
+            <a:off x="0" y="4375150"/>
+            <a:ext cx="12192000" cy="2482850"/>
+          </a:xfrm>
+          <a:prstGeom prst="rect">
+            <a:avLst/>
+          </a:prstGeom>
+        </p:spPr>
+      </p:pic>
       <p:sp>
         <p:nvSpPr>
           <p:cNvPr id="2" name="Title 1"/>
@@ -7784,15 +10500,17 @@
         </p:nvSpPr>
         <p:spPr>
           <a:xfrm>
-            <a:off x="831850" y="1709738"/>
-            <a:ext cx="10515600" cy="2852737"/>
+            <a:off x="685800" y="753533"/>
+            <a:ext cx="10820399" cy="2801935"/>
           </a:xfrm>
         </p:spPr>
         <p:txBody>
-          <a:bodyPr anchor="b"/>
+          <a:bodyPr anchor="b">
+            <a:normAutofit/>
+          </a:bodyPr>
           <a:lstStyle>
-            <a:lvl1pPr>
-              <a:defRPr sz="6000"/>
+            <a:lvl1pPr algn="r">
+              <a:defRPr sz="4000"/>
             </a:lvl1pPr>
           </a:lstStyle>
           <a:p>
@@ -7800,7 +10518,7 @@
               <a:rPr lang="en-US" smtClean="0"/>
               <a:t>Click to edit Master title style</a:t>
             </a:r>
-            <a:endParaRPr lang="en-US"/>
+            <a:endParaRPr lang="en-US" dirty="0"/>
           </a:p>
         </p:txBody>
       </p:sp>
@@ -7816,16 +10534,18 @@
         </p:nvSpPr>
         <p:spPr>
           <a:xfrm>
-            <a:off x="831850" y="4589463"/>
-            <a:ext cx="10515600" cy="1500187"/>
+            <a:off x="1024467" y="3641725"/>
+            <a:ext cx="10490200" cy="955675"/>
           </a:xfrm>
         </p:spPr>
         <p:txBody>
-          <a:bodyPr/>
+          <a:bodyPr>
+            <a:normAutofit/>
+          </a:bodyPr>
           <a:lstStyle>
-            <a:lvl1pPr marL="0" indent="0">
-              <a:buNone/>
-              <a:defRPr sz="2400">
+            <a:lvl1pPr marL="0" indent="0" algn="r">
+              <a:buNone/>
+              <a:defRPr sz="2200">
                 <a:solidFill>
                   <a:schemeClr val="tx1">
                     <a:tint val="75000"/>
@@ -7933,14 +10653,23 @@
             <p:ph type="dt" sz="half" idx="10"/>
           </p:nvPr>
         </p:nvSpPr>
-        <p:spPr/>
+        <p:spPr>
+          <a:xfrm>
+            <a:off x="7814452" y="381000"/>
+            <a:ext cx="2910840" cy="365125"/>
+          </a:xfrm>
+        </p:spPr>
         <p:txBody>
           <a:bodyPr/>
-          <a:lstStyle/>
+          <a:lstStyle>
+            <a:lvl1pPr algn="r">
+              <a:defRPr/>
+            </a:lvl1pPr>
+          </a:lstStyle>
           <a:p>
             <a:fld id="{E244C58A-5871-1749-BADD-ABDAF70FC583}" type="datetimeFigureOut">
               <a:rPr lang="en-US" smtClean="0"/>
-              <a:t>2/27/17</a:t>
+              <a:t>3/14/17</a:t>
             </a:fld>
             <a:endParaRPr lang="en-US"/>
           </a:p>
@@ -7956,7 +10685,12 @@
             <p:ph type="ftr" sz="quarter" idx="11"/>
           </p:nvPr>
         </p:nvSpPr>
-        <p:spPr/>
+        <p:spPr>
+          <a:xfrm>
+            <a:off x="685800" y="381001"/>
+            <a:ext cx="6991492" cy="364065"/>
+          </a:xfrm>
+        </p:spPr>
         <p:txBody>
           <a:bodyPr/>
           <a:lstStyle/>
@@ -7975,7 +10709,12 @@
             <p:ph type="sldNum" sz="quarter" idx="12"/>
           </p:nvPr>
         </p:nvSpPr>
-        <p:spPr/>
+        <p:spPr>
+          <a:xfrm>
+            <a:off x="10862452" y="381000"/>
+            <a:ext cx="643748" cy="365125"/>
+          </a:xfrm>
+        </p:spPr>
         <p:txBody>
           <a:bodyPr/>
           <a:lstStyle/>
@@ -7989,11 +10728,6 @@
         </p:txBody>
       </p:sp>
     </p:spTree>
-    <p:extLst>
-      <p:ext uri="{BB962C8B-B14F-4D97-AF65-F5344CB8AC3E}">
-        <p14:creationId xmlns:p14="http://schemas.microsoft.com/office/powerpoint/2010/main" val="274773975"/>
-      </p:ext>
-    </p:extLst>
   </p:cSld>
   <p:clrMapOvr>
     <a:masterClrMapping/>
@@ -8037,7 +10771,7 @@
               <a:rPr lang="en-US" smtClean="0"/>
               <a:t>Click to edit Master title style</a:t>
             </a:r>
-            <a:endParaRPr lang="en-US"/>
+            <a:endParaRPr lang="en-US" dirty="0"/>
           </a:p>
         </p:txBody>
       </p:sp>
@@ -8053,8 +10787,8 @@
         </p:nvSpPr>
         <p:spPr>
           <a:xfrm>
-            <a:off x="838200" y="1825625"/>
-            <a:ext cx="5181600" cy="4351338"/>
+            <a:off x="685800" y="2194559"/>
+            <a:ext cx="5334000" cy="4024125"/>
           </a:xfrm>
         </p:spPr>
         <p:txBody>
@@ -8094,7 +10828,7 @@
               <a:rPr lang="en-US" smtClean="0"/>
               <a:t>Fifth level</a:t>
             </a:r>
-            <a:endParaRPr lang="en-US"/>
+            <a:endParaRPr lang="en-US" dirty="0"/>
           </a:p>
         </p:txBody>
       </p:sp>
@@ -8110,8 +10844,8 @@
         </p:nvSpPr>
         <p:spPr>
           <a:xfrm>
-            <a:off x="6172200" y="1825625"/>
-            <a:ext cx="5181600" cy="4351338"/>
+            <a:off x="6172200" y="2194559"/>
+            <a:ext cx="5334000" cy="4024125"/>
           </a:xfrm>
         </p:spPr>
         <p:txBody>
@@ -8151,7 +10885,7 @@
               <a:rPr lang="en-US" smtClean="0"/>
               <a:t>Fifth level</a:t>
             </a:r>
-            <a:endParaRPr lang="en-US"/>
+            <a:endParaRPr lang="en-US" dirty="0"/>
           </a:p>
         </p:txBody>
       </p:sp>
@@ -8172,7 +10906,7 @@
           <a:p>
             <a:fld id="{E244C58A-5871-1749-BADD-ABDAF70FC583}" type="datetimeFigureOut">
               <a:rPr lang="en-US" smtClean="0"/>
-              <a:t>2/27/17</a:t>
+              <a:t>3/14/17</a:t>
             </a:fld>
             <a:endParaRPr lang="en-US"/>
           </a:p>
@@ -8221,11 +10955,6 @@
         </p:txBody>
       </p:sp>
     </p:spTree>
-    <p:extLst>
-      <p:ext uri="{BB962C8B-B14F-4D97-AF65-F5344CB8AC3E}">
-        <p14:creationId xmlns:p14="http://schemas.microsoft.com/office/powerpoint/2010/main" val="1036356775"/>
-      </p:ext>
-    </p:extLst>
   </p:cSld>
   <p:clrMapOvr>
     <a:masterClrMapping/>
@@ -8262,8 +10991,8 @@
         </p:nvSpPr>
         <p:spPr>
           <a:xfrm>
-            <a:off x="839788" y="365125"/>
-            <a:ext cx="10515600" cy="1325563"/>
+            <a:off x="2895600" y="762000"/>
+            <a:ext cx="8610600" cy="1295400"/>
           </a:xfrm>
         </p:spPr>
         <p:txBody>
@@ -8274,7 +11003,7 @@
               <a:rPr lang="en-US" smtClean="0"/>
               <a:t>Click to edit Master title style</a:t>
             </a:r>
-            <a:endParaRPr lang="en-US"/>
+            <a:endParaRPr lang="en-US" dirty="0"/>
           </a:p>
         </p:txBody>
       </p:sp>
@@ -8290,16 +11019,22 @@
         </p:nvSpPr>
         <p:spPr>
           <a:xfrm>
-            <a:off x="839788" y="1681163"/>
-            <a:ext cx="5157787" cy="823912"/>
+            <a:off x="914409" y="2183802"/>
+            <a:ext cx="5079991" cy="823912"/>
           </a:xfrm>
         </p:spPr>
         <p:txBody>
-          <a:bodyPr anchor="b"/>
+          <a:bodyPr anchor="b">
+            <a:normAutofit/>
+          </a:bodyPr>
           <a:lstStyle>
             <a:lvl1pPr marL="0" indent="0">
               <a:buNone/>
-              <a:defRPr sz="2400" b="1"/>
+              <a:defRPr sz="2800" b="0">
+                <a:solidFill>
+                  <a:schemeClr val="tx1"/>
+                </a:solidFill>
+              </a:defRPr>
             </a:lvl1pPr>
             <a:lvl2pPr marL="457200" indent="0">
               <a:buNone/>
@@ -8355,8 +11090,8 @@
         </p:nvSpPr>
         <p:spPr>
           <a:xfrm>
-            <a:off x="839788" y="2505075"/>
-            <a:ext cx="5157787" cy="3684588"/>
+            <a:off x="685800" y="3132666"/>
+            <a:ext cx="5311775" cy="3086019"/>
           </a:xfrm>
         </p:spPr>
         <p:txBody>
@@ -8396,7 +11131,7 @@
               <a:rPr lang="en-US" smtClean="0"/>
               <a:t>Fifth level</a:t>
             </a:r>
-            <a:endParaRPr lang="en-US"/>
+            <a:endParaRPr lang="en-US" dirty="0"/>
           </a:p>
         </p:txBody>
       </p:sp>
@@ -8412,16 +11147,22 @@
         </p:nvSpPr>
         <p:spPr>
           <a:xfrm>
-            <a:off x="6172200" y="1681163"/>
-            <a:ext cx="5183188" cy="823912"/>
+            <a:off x="6400800" y="2183802"/>
+            <a:ext cx="5105400" cy="823912"/>
           </a:xfrm>
         </p:spPr>
         <p:txBody>
-          <a:bodyPr anchor="b"/>
+          <a:bodyPr anchor="b">
+            <a:normAutofit/>
+          </a:bodyPr>
           <a:lstStyle>
             <a:lvl1pPr marL="0" indent="0">
               <a:buNone/>
-              <a:defRPr sz="2400" b="1"/>
+              <a:defRPr sz="2800" b="0">
+                <a:solidFill>
+                  <a:schemeClr val="tx1"/>
+                </a:solidFill>
+              </a:defRPr>
             </a:lvl1pPr>
             <a:lvl2pPr marL="457200" indent="0">
               <a:buNone/>
@@ -8477,8 +11218,8 @@
         </p:nvSpPr>
         <p:spPr>
           <a:xfrm>
-            <a:off x="6172200" y="2505075"/>
-            <a:ext cx="5183188" cy="3684588"/>
+            <a:off x="6172200" y="3132666"/>
+            <a:ext cx="5334000" cy="3086019"/>
           </a:xfrm>
         </p:spPr>
         <p:txBody>
@@ -8518,7 +11259,7 @@
               <a:rPr lang="en-US" smtClean="0"/>
               <a:t>Fifth level</a:t>
             </a:r>
-            <a:endParaRPr lang="en-US"/>
+            <a:endParaRPr lang="en-US" dirty="0"/>
           </a:p>
         </p:txBody>
       </p:sp>
@@ -8539,7 +11280,7 @@
           <a:p>
             <a:fld id="{E244C58A-5871-1749-BADD-ABDAF70FC583}" type="datetimeFigureOut">
               <a:rPr lang="en-US" smtClean="0"/>
-              <a:t>2/27/17</a:t>
+              <a:t>3/14/17</a:t>
             </a:fld>
             <a:endParaRPr lang="en-US"/>
           </a:p>
@@ -8588,11 +11329,6 @@
         </p:txBody>
       </p:sp>
     </p:spTree>
-    <p:extLst>
-      <p:ext uri="{BB962C8B-B14F-4D97-AF65-F5344CB8AC3E}">
-        <p14:creationId xmlns:p14="http://schemas.microsoft.com/office/powerpoint/2010/main" val="1955940255"/>
-      </p:ext>
-    </p:extLst>
   </p:cSld>
   <p:clrMapOvr>
     <a:masterClrMapping/>
@@ -8636,7 +11372,7 @@
               <a:rPr lang="en-US" smtClean="0"/>
               <a:t>Click to edit Master title style</a:t>
             </a:r>
-            <a:endParaRPr lang="en-US"/>
+            <a:endParaRPr lang="en-US" dirty="0"/>
           </a:p>
         </p:txBody>
       </p:sp>
@@ -8657,7 +11393,7 @@
           <a:p>
             <a:fld id="{E244C58A-5871-1749-BADD-ABDAF70FC583}" type="datetimeFigureOut">
               <a:rPr lang="en-US" smtClean="0"/>
-              <a:t>2/27/17</a:t>
+              <a:t>3/14/17</a:t>
             </a:fld>
             <a:endParaRPr lang="en-US"/>
           </a:p>
@@ -8706,11 +11442,6 @@
         </p:txBody>
       </p:sp>
     </p:spTree>
-    <p:extLst>
-      <p:ext uri="{BB962C8B-B14F-4D97-AF65-F5344CB8AC3E}">
-        <p14:creationId xmlns:p14="http://schemas.microsoft.com/office/powerpoint/2010/main" val="1955681156"/>
-      </p:ext>
-    </p:extLst>
   </p:cSld>
   <p:clrMapOvr>
     <a:masterClrMapping/>
@@ -8752,7 +11483,7 @@
           <a:p>
             <a:fld id="{E244C58A-5871-1749-BADD-ABDAF70FC583}" type="datetimeFigureOut">
               <a:rPr lang="en-US" smtClean="0"/>
-              <a:t>2/27/17</a:t>
+              <a:t>3/14/17</a:t>
             </a:fld>
             <a:endParaRPr lang="en-US"/>
           </a:p>
@@ -8801,11 +11532,6 @@
         </p:txBody>
       </p:sp>
     </p:spTree>
-    <p:extLst>
-      <p:ext uri="{BB962C8B-B14F-4D97-AF65-F5344CB8AC3E}">
-        <p14:creationId xmlns:p14="http://schemas.microsoft.com/office/powerpoint/2010/main" val="1895971557"/>
-      </p:ext>
-    </p:extLst>
   </p:cSld>
   <p:clrMapOvr>
     <a:masterClrMapping/>
@@ -8842,14 +11568,14 @@
         </p:nvSpPr>
         <p:spPr>
           <a:xfrm>
-            <a:off x="839788" y="457200"/>
-            <a:ext cx="3932237" cy="1600200"/>
+            <a:off x="685800" y="1524000"/>
+            <a:ext cx="4114800" cy="1600200"/>
           </a:xfrm>
         </p:spPr>
         <p:txBody>
           <a:bodyPr anchor="b"/>
           <a:lstStyle>
-            <a:lvl1pPr>
+            <a:lvl1pPr algn="l">
               <a:defRPr sz="3200"/>
             </a:lvl1pPr>
           </a:lstStyle>
@@ -8858,7 +11584,7 @@
               <a:rPr lang="en-US" smtClean="0"/>
               <a:t>Click to edit Master title style</a:t>
             </a:r>
-            <a:endParaRPr lang="en-US"/>
+            <a:endParaRPr lang="en-US" dirty="0"/>
           </a:p>
         </p:txBody>
       </p:sp>
@@ -8874,41 +11600,13 @@
         </p:nvSpPr>
         <p:spPr>
           <a:xfrm>
-            <a:off x="5183188" y="987425"/>
-            <a:ext cx="6172200" cy="4873625"/>
+            <a:off x="4995582" y="746759"/>
+            <a:ext cx="6510618" cy="5471925"/>
           </a:xfrm>
         </p:spPr>
         <p:txBody>
-          <a:bodyPr/>
-          <a:lstStyle>
-            <a:lvl1pPr>
-              <a:defRPr sz="3200"/>
-            </a:lvl1pPr>
-            <a:lvl2pPr>
-              <a:defRPr sz="2800"/>
-            </a:lvl2pPr>
-            <a:lvl3pPr>
-              <a:defRPr sz="2400"/>
-            </a:lvl3pPr>
-            <a:lvl4pPr>
-              <a:defRPr sz="2000"/>
-            </a:lvl4pPr>
-            <a:lvl5pPr>
-              <a:defRPr sz="2000"/>
-            </a:lvl5pPr>
-            <a:lvl6pPr>
-              <a:defRPr sz="2000"/>
-            </a:lvl6pPr>
-            <a:lvl7pPr>
-              <a:defRPr sz="2000"/>
-            </a:lvl7pPr>
-            <a:lvl8pPr>
-              <a:defRPr sz="2000"/>
-            </a:lvl8pPr>
-            <a:lvl9pPr>
-              <a:defRPr sz="2000"/>
-            </a:lvl9pPr>
-          </a:lstStyle>
+          <a:bodyPr anchor="ctr"/>
+          <a:lstStyle/>
           <a:p>
             <a:pPr lvl="0"/>
             <a:r>
@@ -8943,7 +11641,7 @@
               <a:rPr lang="en-US" smtClean="0"/>
               <a:t>Fifth level</a:t>
             </a:r>
-            <a:endParaRPr lang="en-US"/>
+            <a:endParaRPr lang="en-US" dirty="0"/>
           </a:p>
         </p:txBody>
       </p:sp>
@@ -8959,8 +11657,8 @@
         </p:nvSpPr>
         <p:spPr>
           <a:xfrm>
-            <a:off x="839788" y="2057400"/>
-            <a:ext cx="3932237" cy="3811588"/>
+            <a:off x="685800" y="3124199"/>
+            <a:ext cx="4114800" cy="3094485"/>
           </a:xfrm>
         </p:spPr>
         <p:txBody>
@@ -9029,7 +11727,7 @@
           <a:p>
             <a:fld id="{E244C58A-5871-1749-BADD-ABDAF70FC583}" type="datetimeFigureOut">
               <a:rPr lang="en-US" smtClean="0"/>
-              <a:t>2/27/17</a:t>
+              <a:t>3/14/17</a:t>
             </a:fld>
             <a:endParaRPr lang="en-US"/>
           </a:p>
@@ -9078,11 +11776,6 @@
         </p:txBody>
       </p:sp>
     </p:spTree>
-    <p:extLst>
-      <p:ext uri="{BB962C8B-B14F-4D97-AF65-F5344CB8AC3E}">
-        <p14:creationId xmlns:p14="http://schemas.microsoft.com/office/powerpoint/2010/main" val="1231604313"/>
-      </p:ext>
-    </p:extLst>
   </p:cSld>
   <p:clrMapOvr>
     <a:masterClrMapping/>
@@ -9119,14 +11812,14 @@
         </p:nvSpPr>
         <p:spPr>
           <a:xfrm>
-            <a:off x="839788" y="457200"/>
-            <a:ext cx="3932237" cy="1600200"/>
+            <a:off x="685800" y="1524000"/>
+            <a:ext cx="6873240" cy="1600200"/>
           </a:xfrm>
         </p:spPr>
         <p:txBody>
           <a:bodyPr anchor="b"/>
           <a:lstStyle>
-            <a:lvl1pPr>
+            <a:lvl1pPr algn="l">
               <a:defRPr sz="3200"/>
             </a:lvl1pPr>
           </a:lstStyle>
@@ -9135,7 +11828,7 @@
               <a:rPr lang="en-US" smtClean="0"/>
               <a:t>Click to edit Master title style</a:t>
             </a:r>
-            <a:endParaRPr lang="en-US"/>
+            <a:endParaRPr lang="en-US" dirty="0"/>
           </a:p>
         </p:txBody>
       </p:sp>
@@ -9143,7 +11836,7 @@
         <p:nvSpPr>
           <p:cNvPr id="3" name="Picture Placeholder 2"/>
           <p:cNvSpPr>
-            <a:spLocks noGrp="1"/>
+            <a:spLocks noGrp="1" noChangeAspect="1"/>
           </p:cNvSpPr>
           <p:nvPr>
             <p:ph type="pic" idx="1"/>
@@ -9151,12 +11844,12 @@
         </p:nvSpPr>
         <p:spPr>
           <a:xfrm>
-            <a:off x="5183188" y="987425"/>
-            <a:ext cx="6172200" cy="4873625"/>
+            <a:off x="7861238" y="751241"/>
+            <a:ext cx="3644962" cy="5467443"/>
           </a:xfrm>
         </p:spPr>
         <p:txBody>
-          <a:bodyPr/>
+          <a:bodyPr anchor="t"/>
           <a:lstStyle>
             <a:lvl1pPr marL="0" indent="0">
               <a:buNone/>
@@ -9196,7 +11889,11 @@
             </a:lvl9pPr>
           </a:lstStyle>
           <a:p>
-            <a:endParaRPr lang="en-US"/>
+            <a:r>
+              <a:rPr lang="en-US" smtClean="0"/>
+              <a:t>Drag picture to placeholder or click icon to add</a:t>
+            </a:r>
+            <a:endParaRPr lang="en-US" dirty="0"/>
           </a:p>
         </p:txBody>
       </p:sp>
@@ -9212,8 +11909,8 @@
         </p:nvSpPr>
         <p:spPr>
           <a:xfrm>
-            <a:off x="839788" y="2057400"/>
-            <a:ext cx="3932237" cy="3811588"/>
+            <a:off x="685800" y="3124199"/>
+            <a:ext cx="6873240" cy="3094485"/>
           </a:xfrm>
         </p:spPr>
         <p:txBody>
@@ -9282,7 +11979,7 @@
           <a:p>
             <a:fld id="{E244C58A-5871-1749-BADD-ABDAF70FC583}" type="datetimeFigureOut">
               <a:rPr lang="en-US" smtClean="0"/>
-              <a:t>2/27/17</a:t>
+              <a:t>3/14/17</a:t>
             </a:fld>
             <a:endParaRPr lang="en-US"/>
           </a:p>
@@ -9331,11 +12028,6 @@
         </p:txBody>
       </p:sp>
     </p:spTree>
-    <p:extLst>
-      <p:ext uri="{BB962C8B-B14F-4D97-AF65-F5344CB8AC3E}">
-        <p14:creationId xmlns:p14="http://schemas.microsoft.com/office/powerpoint/2010/main" val="2126298805"/>
-      </p:ext>
-    </p:extLst>
   </p:cSld>
   <p:clrMapOvr>
     <a:masterClrMapping/>
@@ -9365,6 +12057,36 @@
           <a:chExt cx="0" cy="0"/>
         </a:xfrm>
       </p:grpSpPr>
+      <p:pic>
+        <p:nvPicPr>
+          <p:cNvPr id="7" name="Picture 6" descr="C0-HD-TOP.png"/>
+          <p:cNvPicPr>
+            <a:picLocks noChangeAspect="1"/>
+          </p:cNvPicPr>
+          <p:nvPr/>
+        </p:nvPicPr>
+        <p:blipFill>
+          <a:blip r:embed="rId19">
+            <a:extLst>
+              <a:ext uri="{28A0092B-C50C-407E-A947-70E740481C1C}">
+                <a14:useLocalDpi xmlns:a14="http://schemas.microsoft.com/office/drawing/2010/main" val="0"/>
+              </a:ext>
+            </a:extLst>
+          </a:blip>
+          <a:stretch>
+            <a:fillRect/>
+          </a:stretch>
+        </p:blipFill>
+        <p:spPr>
+          <a:xfrm>
+            <a:off x="0" y="0"/>
+            <a:ext cx="12192000" cy="1441450"/>
+          </a:xfrm>
+          <a:prstGeom prst="rect">
+            <a:avLst/>
+          </a:prstGeom>
+        </p:spPr>
+      </p:pic>
       <p:sp>
         <p:nvSpPr>
           <p:cNvPr id="2" name="Title Placeholder 1"/>
@@ -9377,8 +12099,8 @@
         </p:nvSpPr>
         <p:spPr>
           <a:xfrm>
-            <a:off x="838200" y="365125"/>
-            <a:ext cx="10515600" cy="1325563"/>
+            <a:off x="2895600" y="764373"/>
+            <a:ext cx="8610600" cy="1293028"/>
           </a:xfrm>
           <a:prstGeom prst="rect">
             <a:avLst/>
@@ -9394,7 +12116,7 @@
               <a:rPr lang="en-US" smtClean="0"/>
               <a:t>Click to edit Master title style</a:t>
             </a:r>
-            <a:endParaRPr lang="en-US"/>
+            <a:endParaRPr lang="en-US" dirty="0"/>
           </a:p>
         </p:txBody>
       </p:sp>
@@ -9410,8 +12132,8 @@
         </p:nvSpPr>
         <p:spPr>
           <a:xfrm>
-            <a:off x="838200" y="1825625"/>
-            <a:ext cx="10515600" cy="4351338"/>
+            <a:off x="685800" y="2194560"/>
+            <a:ext cx="10820400" cy="4024125"/>
           </a:xfrm>
           <a:prstGeom prst="rect">
             <a:avLst/>
@@ -9456,7 +12178,7 @@
               <a:rPr lang="en-US" smtClean="0"/>
               <a:t>Fifth level</a:t>
             </a:r>
-            <a:endParaRPr lang="en-US"/>
+            <a:endParaRPr lang="en-US" dirty="0"/>
           </a:p>
         </p:txBody>
       </p:sp>
@@ -9472,8 +12194,8 @@
         </p:nvSpPr>
         <p:spPr>
           <a:xfrm>
-            <a:off x="838200" y="6356350"/>
-            <a:ext cx="2743200" cy="365125"/>
+            <a:off x="8595360" y="6356350"/>
+            <a:ext cx="2910840" cy="365125"/>
           </a:xfrm>
           <a:prstGeom prst="rect">
             <a:avLst/>
@@ -9482,8 +12204,8 @@
         <p:txBody>
           <a:bodyPr vert="horz" lIns="91440" tIns="45720" rIns="91440" bIns="45720" rtlCol="0" anchor="ctr"/>
           <a:lstStyle>
-            <a:lvl1pPr algn="l">
-              <a:defRPr sz="1200">
+            <a:lvl1pPr algn="r">
+              <a:defRPr sz="1050">
                 <a:solidFill>
                   <a:schemeClr val="tx1">
                     <a:tint val="75000"/>
@@ -9495,7 +12217,7 @@
           <a:p>
             <a:fld id="{E244C58A-5871-1749-BADD-ABDAF70FC583}" type="datetimeFigureOut">
               <a:rPr lang="en-US" smtClean="0"/>
-              <a:t>2/27/17</a:t>
+              <a:t>3/14/17</a:t>
             </a:fld>
             <a:endParaRPr lang="en-US"/>
           </a:p>
@@ -9513,8 +12235,8 @@
         </p:nvSpPr>
         <p:spPr>
           <a:xfrm>
-            <a:off x="4038600" y="6356350"/>
-            <a:ext cx="4114800" cy="365125"/>
+            <a:off x="685800" y="6355845"/>
+            <a:ext cx="7772400" cy="365125"/>
           </a:xfrm>
           <a:prstGeom prst="rect">
             <a:avLst/>
@@ -9523,8 +12245,8 @@
         <p:txBody>
           <a:bodyPr vert="horz" lIns="91440" tIns="45720" rIns="91440" bIns="45720" rtlCol="0" anchor="ctr"/>
           <a:lstStyle>
-            <a:lvl1pPr algn="ctr">
-              <a:defRPr sz="1200">
+            <a:lvl1pPr algn="l">
+              <a:defRPr sz="1050">
                 <a:solidFill>
                   <a:schemeClr val="tx1">
                     <a:tint val="75000"/>
@@ -9550,7 +12272,7 @@
         </p:nvSpPr>
         <p:spPr>
           <a:xfrm>
-            <a:off x="8610600" y="6356350"/>
+            <a:off x="8763000" y="381000"/>
             <a:ext cx="2743200" cy="365125"/>
           </a:xfrm>
           <a:prstGeom prst="rect">
@@ -9561,7 +12283,7 @@
           <a:bodyPr vert="horz" lIns="91440" tIns="45720" rIns="91440" bIns="45720" rtlCol="0" anchor="ctr"/>
           <a:lstStyle>
             <a:lvl1pPr algn="r">
-              <a:defRPr sz="1200">
+              <a:defRPr sz="1050">
                 <a:solidFill>
                   <a:schemeClr val="tx1">
                     <a:tint val="75000"/>
@@ -9582,27 +12304,33 @@
     </p:spTree>
     <p:extLst>
       <p:ext uri="{BB962C8B-B14F-4D97-AF65-F5344CB8AC3E}">
-        <p14:creationId xmlns:p14="http://schemas.microsoft.com/office/powerpoint/2010/main" val="406749835"/>
+        <p14:creationId xmlns:p14="http://schemas.microsoft.com/office/powerpoint/2010/main" val="542422068"/>
       </p:ext>
     </p:extLst>
   </p:cSld>
-  <p:clrMap bg1="lt1" tx1="dk1" bg2="lt2" tx2="dk2" accent1="accent1" accent2="accent2" accent3="accent3" accent4="accent4" accent5="accent5" accent6="accent6" hlink="hlink" folHlink="folHlink"/>
+  <p:clrMap bg1="dk1" tx1="lt1" bg2="dk2" tx2="lt2" accent1="accent1" accent2="accent2" accent3="accent3" accent4="accent4" accent5="accent5" accent6="accent6" hlink="hlink" folHlink="folHlink"/>
   <p:sldLayoutIdLst>
-    <p:sldLayoutId id="2147483649" r:id="rId1"/>
-    <p:sldLayoutId id="2147483650" r:id="rId2"/>
-    <p:sldLayoutId id="2147483651" r:id="rId3"/>
-    <p:sldLayoutId id="2147483652" r:id="rId4"/>
-    <p:sldLayoutId id="2147483653" r:id="rId5"/>
-    <p:sldLayoutId id="2147483654" r:id="rId6"/>
-    <p:sldLayoutId id="2147483655" r:id="rId7"/>
-    <p:sldLayoutId id="2147483656" r:id="rId8"/>
-    <p:sldLayoutId id="2147483657" r:id="rId9"/>
-    <p:sldLayoutId id="2147483658" r:id="rId10"/>
-    <p:sldLayoutId id="2147483659" r:id="rId11"/>
+    <p:sldLayoutId id="2147483714" r:id="rId1"/>
+    <p:sldLayoutId id="2147483715" r:id="rId2"/>
+    <p:sldLayoutId id="2147483716" r:id="rId3"/>
+    <p:sldLayoutId id="2147483717" r:id="rId4"/>
+    <p:sldLayoutId id="2147483718" r:id="rId5"/>
+    <p:sldLayoutId id="2147483719" r:id="rId6"/>
+    <p:sldLayoutId id="2147483720" r:id="rId7"/>
+    <p:sldLayoutId id="2147483721" r:id="rId8"/>
+    <p:sldLayoutId id="2147483722" r:id="rId9"/>
+    <p:sldLayoutId id="2147483723" r:id="rId10"/>
+    <p:sldLayoutId id="2147483724" r:id="rId11"/>
+    <p:sldLayoutId id="2147483725" r:id="rId12"/>
+    <p:sldLayoutId id="2147483726" r:id="rId13"/>
+    <p:sldLayoutId id="2147483727" r:id="rId14"/>
+    <p:sldLayoutId id="2147483728" r:id="rId15"/>
+    <p:sldLayoutId id="2147483729" r:id="rId16"/>
+    <p:sldLayoutId id="2147483730" r:id="rId17"/>
   </p:sldLayoutIdLst>
   <p:txStyles>
     <p:titleStyle>
-      <a:lvl1pPr algn="l" defTabSz="914400" rtl="0" eaLnBrk="1" latinLnBrk="0" hangingPunct="1">
+      <a:lvl1pPr algn="r" defTabSz="914400" rtl="0" eaLnBrk="1" latinLnBrk="0" hangingPunct="1">
         <a:lnSpc>
           <a:spcPct val="90000"/>
         </a:lnSpc>
@@ -9610,7 +12338,7 @@
           <a:spcPct val="0"/>
         </a:spcBef>
         <a:buNone/>
-        <a:defRPr sz="4400" kern="1200">
+        <a:defRPr sz="4000" kern="1200" cap="all" baseline="0">
           <a:solidFill>
             <a:schemeClr val="tx1"/>
           </a:solidFill>
@@ -9628,9 +12356,9 @@
         <a:spcBef>
           <a:spcPts val="1000"/>
         </a:spcBef>
-        <a:buFont typeface="Arial"/>
+        <a:buFont typeface="Arial" panose="020B0604020202020204" pitchFamily="34" charset="0"/>
         <a:buChar char="•"/>
-        <a:defRPr sz="2800" kern="1200">
+        <a:defRPr sz="2200" kern="1200">
           <a:solidFill>
             <a:schemeClr val="tx1"/>
           </a:solidFill>
@@ -9646,9 +12374,9 @@
         <a:spcBef>
           <a:spcPts val="500"/>
         </a:spcBef>
-        <a:buFont typeface="Arial"/>
+        <a:buFont typeface="Arial" panose="020B0604020202020204" pitchFamily="34" charset="0"/>
         <a:buChar char="•"/>
-        <a:defRPr sz="2400" kern="1200">
+        <a:defRPr sz="2000" kern="1200">
           <a:solidFill>
             <a:schemeClr val="tx1"/>
           </a:solidFill>
@@ -9664,9 +12392,9 @@
         <a:spcBef>
           <a:spcPts val="500"/>
         </a:spcBef>
-        <a:buFont typeface="Arial"/>
+        <a:buFont typeface="Arial" panose="020B0604020202020204" pitchFamily="34" charset="0"/>
         <a:buChar char="•"/>
-        <a:defRPr sz="2000" kern="1200">
+        <a:defRPr sz="1800" kern="1200">
           <a:solidFill>
             <a:schemeClr val="tx1"/>
           </a:solidFill>
@@ -9682,9 +12410,9 @@
         <a:spcBef>
           <a:spcPts val="500"/>
         </a:spcBef>
-        <a:buFont typeface="Arial"/>
+        <a:buFont typeface="Arial" panose="020B0604020202020204" pitchFamily="34" charset="0"/>
         <a:buChar char="•"/>
-        <a:defRPr sz="1800" kern="1200">
+        <a:defRPr sz="1600" kern="1200">
           <a:solidFill>
             <a:schemeClr val="tx1"/>
           </a:solidFill>
@@ -9700,9 +12428,9 @@
         <a:spcBef>
           <a:spcPts val="500"/>
         </a:spcBef>
-        <a:buFont typeface="Arial"/>
+        <a:buFont typeface="Arial" panose="020B0604020202020204" pitchFamily="34" charset="0"/>
         <a:buChar char="•"/>
-        <a:defRPr sz="1800" kern="1200">
+        <a:defRPr sz="1600" kern="1200">
           <a:solidFill>
             <a:schemeClr val="tx1"/>
           </a:solidFill>
@@ -9718,9 +12446,9 @@
         <a:spcBef>
           <a:spcPts val="500"/>
         </a:spcBef>
-        <a:buFont typeface="Arial"/>
+        <a:buFont typeface="Arial" panose="020B0604020202020204" pitchFamily="34" charset="0"/>
         <a:buChar char="•"/>
-        <a:defRPr sz="1800" kern="1200">
+        <a:defRPr sz="1600" kern="1200">
           <a:solidFill>
             <a:schemeClr val="tx1"/>
           </a:solidFill>
@@ -9736,9 +12464,9 @@
         <a:spcBef>
           <a:spcPts val="500"/>
         </a:spcBef>
-        <a:buFont typeface="Arial"/>
+        <a:buFont typeface="Arial" panose="020B0604020202020204" pitchFamily="34" charset="0"/>
         <a:buChar char="•"/>
-        <a:defRPr sz="1800" kern="1200">
+        <a:defRPr sz="1600" kern="1200">
           <a:solidFill>
             <a:schemeClr val="tx1"/>
           </a:solidFill>
@@ -9754,9 +12482,9 @@
         <a:spcBef>
           <a:spcPts val="500"/>
         </a:spcBef>
-        <a:buFont typeface="Arial"/>
+        <a:buFont typeface="Arial" panose="020B0604020202020204" pitchFamily="34" charset="0"/>
         <a:buChar char="•"/>
-        <a:defRPr sz="1800" kern="1200">
+        <a:defRPr sz="1600" kern="1200">
           <a:solidFill>
             <a:schemeClr val="tx1"/>
           </a:solidFill>
@@ -9772,9 +12500,9 @@
         <a:spcBef>
           <a:spcPts val="500"/>
         </a:spcBef>
-        <a:buFont typeface="Arial"/>
+        <a:buFont typeface="Arial" panose="020B0604020202020204" pitchFamily="34" charset="0"/>
         <a:buChar char="•"/>
-        <a:defRPr sz="1800" kern="1200">
+        <a:defRPr sz="1600" kern="1200">
           <a:solidFill>
             <a:schemeClr val="tx1"/>
           </a:solidFill>
@@ -9959,6 +12687,217 @@
 </p:sld>
 </file>
 
+<file path=ppt/slides/slide10.xml><?xml version="1.0" encoding="utf-8"?>
+<p:sld xmlns:a="http://schemas.openxmlformats.org/drawingml/2006/main" xmlns:r="http://schemas.openxmlformats.org/officeDocument/2006/relationships" xmlns:p="http://schemas.openxmlformats.org/presentationml/2006/main">
+  <p:cSld>
+    <p:spTree>
+      <p:nvGrpSpPr>
+        <p:cNvPr id="1" name=""/>
+        <p:cNvGrpSpPr/>
+        <p:nvPr/>
+      </p:nvGrpSpPr>
+      <p:grpSpPr>
+        <a:xfrm>
+          <a:off x="0" y="0"/>
+          <a:ext cx="0" cy="0"/>
+          <a:chOff x="0" y="0"/>
+          <a:chExt cx="0" cy="0"/>
+        </a:xfrm>
+      </p:grpSpPr>
+      <p:sp>
+        <p:nvSpPr>
+          <p:cNvPr id="2" name="Title 1"/>
+          <p:cNvSpPr>
+            <a:spLocks noGrp="1"/>
+          </p:cNvSpPr>
+          <p:nvPr>
+            <p:ph type="title"/>
+          </p:nvPr>
+        </p:nvSpPr>
+        <p:spPr/>
+        <p:txBody>
+          <a:bodyPr/>
+          <a:lstStyle/>
+          <a:p>
+            <a:endParaRPr lang="en-US" dirty="0"/>
+          </a:p>
+        </p:txBody>
+      </p:sp>
+      <p:sp>
+        <p:nvSpPr>
+          <p:cNvPr id="3" name="Content Placeholder 2"/>
+          <p:cNvSpPr>
+            <a:spLocks noGrp="1"/>
+          </p:cNvSpPr>
+          <p:nvPr>
+            <p:ph idx="1"/>
+          </p:nvPr>
+        </p:nvSpPr>
+        <p:spPr/>
+        <p:txBody>
+          <a:bodyPr/>
+          <a:lstStyle/>
+          <a:p>
+            <a:r>
+              <a:rPr lang="en-GB" dirty="0"/>
+              <a:t>Problems:</a:t>
+            </a:r>
+          </a:p>
+          <a:p>
+            <a:pPr lvl="1"/>
+            <a:r>
+              <a:rPr lang="en-GB" dirty="0"/>
+              <a:t>Bigger window allow to predict lesser matches.</a:t>
+            </a:r>
+          </a:p>
+          <a:p>
+            <a:pPr lvl="1"/>
+            <a:r>
+              <a:rPr lang="en-GB" dirty="0"/>
+              <a:t>Accuracy of smaller windows cannot be </a:t>
+            </a:r>
+            <a:r>
+              <a:rPr lang="en-GB" dirty="0" smtClean="0"/>
+              <a:t>comparable with </a:t>
+            </a:r>
+            <a:r>
+              <a:rPr lang="en-GB" smtClean="0"/>
+              <a:t>the one’s from bigger </a:t>
+            </a:r>
+            <a:r>
+              <a:rPr lang="en-GB" dirty="0" smtClean="0"/>
+              <a:t>(N vs n, N &gt;&gt; n ).</a:t>
+            </a:r>
+            <a:endParaRPr lang="en-GB" dirty="0"/>
+          </a:p>
+          <a:p>
+            <a:pPr lvl="1"/>
+            <a:endParaRPr lang="en-GB" dirty="0"/>
+          </a:p>
+          <a:p>
+            <a:r>
+              <a:rPr lang="en-GB" dirty="0"/>
+              <a:t>Solution:</a:t>
+            </a:r>
+          </a:p>
+          <a:p>
+            <a:pPr lvl="1"/>
+            <a:r>
+              <a:rPr lang="en-GB" dirty="0"/>
+              <a:t>Consider only valuable windows</a:t>
+            </a:r>
+          </a:p>
+          <a:p>
+            <a:pPr lvl="1"/>
+            <a:r>
+              <a:rPr lang="en-GB" dirty="0"/>
+              <a:t>Try to predict the same matches for every predictor</a:t>
+            </a:r>
+          </a:p>
+          <a:p>
+            <a:endParaRPr lang="en-US" dirty="0"/>
+          </a:p>
+        </p:txBody>
+      </p:sp>
+    </p:spTree>
+    <p:extLst>
+      <p:ext uri="{BB962C8B-B14F-4D97-AF65-F5344CB8AC3E}">
+        <p14:creationId xmlns:p14="http://schemas.microsoft.com/office/powerpoint/2010/main" val="1988644092"/>
+      </p:ext>
+    </p:extLst>
+  </p:cSld>
+  <p:clrMapOvr>
+    <a:masterClrMapping/>
+  </p:clrMapOvr>
+</p:sld>
+</file>
+
+<file path=ppt/slides/slide11.xml><?xml version="1.0" encoding="utf-8"?>
+<p:sld xmlns:a="http://schemas.openxmlformats.org/drawingml/2006/main" xmlns:r="http://schemas.openxmlformats.org/officeDocument/2006/relationships" xmlns:p="http://schemas.openxmlformats.org/presentationml/2006/main">
+  <p:cSld>
+    <p:spTree>
+      <p:nvGrpSpPr>
+        <p:cNvPr id="1" name=""/>
+        <p:cNvGrpSpPr/>
+        <p:nvPr/>
+      </p:nvGrpSpPr>
+      <p:grpSpPr>
+        <a:xfrm>
+          <a:off x="0" y="0"/>
+          <a:ext cx="0" cy="0"/>
+          <a:chOff x="0" y="0"/>
+          <a:chExt cx="0" cy="0"/>
+        </a:xfrm>
+      </p:grpSpPr>
+      <p:sp>
+        <p:nvSpPr>
+          <p:cNvPr id="2" name="Title 1"/>
+          <p:cNvSpPr>
+            <a:spLocks noGrp="1"/>
+          </p:cNvSpPr>
+          <p:nvPr>
+            <p:ph type="title"/>
+          </p:nvPr>
+        </p:nvSpPr>
+        <p:spPr/>
+        <p:txBody>
+          <a:bodyPr/>
+          <a:lstStyle/>
+          <a:p>
+            <a:r>
+              <a:rPr lang="en-US" dirty="0" smtClean="0"/>
+              <a:t>Look at the next match</a:t>
+            </a:r>
+            <a:r>
+              <a:rPr lang="mr-IN" dirty="0" smtClean="0"/>
+              <a:t>…</a:t>
+            </a:r>
+            <a:endParaRPr lang="en-US" dirty="0"/>
+          </a:p>
+        </p:txBody>
+      </p:sp>
+      <p:pic>
+        <p:nvPicPr>
+          <p:cNvPr id="4" name="Content Placeholder 3"/>
+          <p:cNvPicPr>
+            <a:picLocks noGrp="1" noChangeAspect="1"/>
+          </p:cNvPicPr>
+          <p:nvPr>
+            <p:ph idx="1"/>
+          </p:nvPr>
+        </p:nvPicPr>
+        <p:blipFill>
+          <a:blip r:embed="rId2">
+            <a:extLst>
+              <a:ext uri="{28A0092B-C50C-407E-A947-70E740481C1C}">
+                <a14:useLocalDpi xmlns:a14="http://schemas.microsoft.com/office/drawing/2010/main" val="0"/>
+              </a:ext>
+            </a:extLst>
+          </a:blip>
+          <a:stretch>
+            <a:fillRect/>
+          </a:stretch>
+        </p:blipFill>
+        <p:spPr>
+          <a:xfrm>
+            <a:off x="2984418" y="2193925"/>
+            <a:ext cx="6223164" cy="4024313"/>
+          </a:xfrm>
+        </p:spPr>
+      </p:pic>
+    </p:spTree>
+    <p:extLst>
+      <p:ext uri="{BB962C8B-B14F-4D97-AF65-F5344CB8AC3E}">
+        <p14:creationId xmlns:p14="http://schemas.microsoft.com/office/powerpoint/2010/main" val="489163557"/>
+      </p:ext>
+    </p:extLst>
+  </p:cSld>
+  <p:clrMapOvr>
+    <a:masterClrMapping/>
+  </p:clrMapOvr>
+</p:sld>
+</file>
+
 <file path=ppt/slides/slide2.xml><?xml version="1.0" encoding="utf-8"?>
 <p:sld xmlns:a="http://schemas.openxmlformats.org/drawingml/2006/main" xmlns:r="http://schemas.openxmlformats.org/officeDocument/2006/relationships" xmlns:p="http://schemas.openxmlformats.org/presentationml/2006/main">
   <p:cSld>
@@ -10012,19 +12951,19 @@
         <p:spPr/>
         <p:txBody>
           <a:bodyPr>
-            <a:normAutofit fontScale="92500" lnSpcReduction="10000"/>
+            <a:normAutofit lnSpcReduction="10000"/>
           </a:bodyPr>
           <a:lstStyle/>
           <a:p>
             <a:r>
               <a:rPr lang="en-AU" dirty="0" smtClean="0"/>
-              <a:t>(WHY) Introduction: goal of the application</a:t>
+              <a:t>Introduction: goal of the application</a:t>
             </a:r>
           </a:p>
           <a:p>
             <a:r>
               <a:rPr lang="en-AU" dirty="0" smtClean="0"/>
-              <a:t>(WHAT) Games, bet-odds, teams… </a:t>
+              <a:t>Games, bet-odds, teams… </a:t>
             </a:r>
           </a:p>
           <a:p>
@@ -10039,7 +12978,7 @@
               <a:rPr lang="en-AU" dirty="0" smtClean="0">
                 <a:sym typeface="Wingdings"/>
               </a:rPr>
-              <a:t>(WHO) application modules and what  they deal with</a:t>
+              <a:t>Application modules and what they deal with</a:t>
             </a:r>
           </a:p>
           <a:p>
@@ -10082,7 +13021,7 @@
           <a:p>
             <a:r>
               <a:rPr lang="en-AU" dirty="0" smtClean="0"/>
-              <a:t>(HOW) representation, algorithm </a:t>
+              <a:t>Representation, algorithm </a:t>
             </a:r>
             <a:r>
               <a:rPr lang="en-AU" dirty="0" smtClean="0">
@@ -10114,7 +13053,7 @@
               <a:rPr lang="en-AU" dirty="0" smtClean="0">
                 <a:sym typeface="Wingdings"/>
               </a:rPr>
-              <a:t>(WHERE) just an (temporary) internet connection on your laptop</a:t>
+              <a:t>RUN: need just a (temporary) internet connection on your laptop</a:t>
             </a:r>
           </a:p>
           <a:p>
@@ -10175,7 +13114,7 @@
           <a:p>
             <a:r>
               <a:rPr lang="en-US" dirty="0" smtClean="0"/>
-              <a:t>WHY: Goal </a:t>
+              <a:t>Football, Winning &amp; Money</a:t>
             </a:r>
             <a:endParaRPr lang="en-US" dirty="0"/>
           </a:p>
@@ -10205,8 +13144,8 @@
         </p:blipFill>
         <p:spPr>
           <a:xfrm>
-            <a:off x="5753631" y="2211948"/>
-            <a:ext cx="5957356" cy="3352800"/>
+            <a:off x="6029383" y="2057401"/>
+            <a:ext cx="5476817" cy="3082353"/>
           </a:xfrm>
         </p:spPr>
       </p:pic>
@@ -10218,8 +13157,8 @@
         </p:nvSpPr>
         <p:spPr>
           <a:xfrm>
-            <a:off x="838199" y="1441525"/>
-            <a:ext cx="4633914" cy="4893647"/>
+            <a:off x="361910" y="2057401"/>
+            <a:ext cx="5067379" cy="4154984"/>
           </a:xfrm>
           <a:prstGeom prst="rect">
             <a:avLst/>
@@ -10244,19 +13183,13 @@
               <a:rPr lang="en-US" sz="2400" dirty="0" smtClean="0"/>
               <a:t> - [Alan Shearer]</a:t>
             </a:r>
+            <a:endParaRPr lang="en-US" sz="2400" dirty="0"/>
           </a:p>
           <a:p>
             <a:pPr marL="285750" indent="-285750">
               <a:buFont typeface="Arial" charset="0"/>
               <a:buChar char="•"/>
             </a:pPr>
-            <a:endParaRPr lang="en-US" sz="2400" dirty="0"/>
-          </a:p>
-          <a:p>
-            <a:pPr marL="285750" indent="-285750">
-              <a:buFont typeface="Arial" charset="0"/>
-              <a:buChar char="•"/>
-            </a:pPr>
             <a:r>
               <a:rPr lang="en-US" sz="2400" i="1" dirty="0" smtClean="0"/>
               <a:t>“</a:t>
@@ -10281,12 +13214,6 @@
               <a:rPr lang="en-US" sz="2400" dirty="0" smtClean="0"/>
               <a:t>]</a:t>
             </a:r>
-          </a:p>
-          <a:p>
-            <a:pPr marL="285750" indent="-285750">
-              <a:buFont typeface="Arial" charset="0"/>
-              <a:buChar char="•"/>
-            </a:pPr>
             <a:endParaRPr lang="en-US" sz="2400" dirty="0"/>
           </a:p>
           <a:p>
@@ -10353,7 +13280,7 @@
           <a:p>
             <a:r>
               <a:rPr lang="en-AU" dirty="0" smtClean="0"/>
-              <a:t>WHAT: Domain</a:t>
+              <a:t>Domain</a:t>
             </a:r>
             <a:endParaRPr lang="en-US" dirty="0"/>
           </a:p>
@@ -10375,8 +13302,8 @@
           </p:nvPr>
         </p:nvGraphicFramePr>
         <p:xfrm>
-          <a:off x="838200" y="1825625"/>
-          <a:ext cx="10515600" cy="4351338"/>
+          <a:off x="685800" y="2193925"/>
+          <a:ext cx="10820400" cy="4024313"/>
         </p:xfrm>
         <a:graphic>
           <a:graphicData uri="http://schemas.openxmlformats.org/drawingml/2006/diagram">
@@ -10435,7 +13362,7 @@
               <a:rPr lang="en-AU" dirty="0" smtClean="0">
                 <a:sym typeface="Wingdings"/>
               </a:rPr>
-              <a:t>WHO: Modules</a:t>
+              <a:t>Modules</a:t>
             </a:r>
             <a:endParaRPr lang="en-US" dirty="0"/>
           </a:p>
@@ -10451,13 +13378,13 @@
             <p:ph idx="1"/>
             <p:extLst>
               <p:ext uri="{D42A27DB-BD31-4B8C-83A1-F6EECF244321}">
-                <p14:modId xmlns:p14="http://schemas.microsoft.com/office/powerpoint/2010/main" val="1176745177"/>
+                <p14:modId xmlns:p14="http://schemas.microsoft.com/office/powerpoint/2010/main" val="512953197"/>
               </p:ext>
             </p:extLst>
           </p:nvPr>
         </p:nvGraphicFramePr>
         <p:xfrm>
-          <a:off x="5929313" y="1111250"/>
+          <a:off x="6038851" y="1690686"/>
           <a:ext cx="5467349" cy="4351338"/>
         </p:xfrm>
         <a:graphic>
@@ -10600,7 +13527,563 @@
           <a:p>
             <a:r>
               <a:rPr lang="en-AU" dirty="0" smtClean="0"/>
-              <a:t>HOW: Prediction</a:t>
+              <a:t>Prediction</a:t>
+            </a:r>
+            <a:endParaRPr lang="en-US" dirty="0"/>
+          </a:p>
+        </p:txBody>
+      </p:sp>
+      <p:sp>
+        <p:nvSpPr>
+          <p:cNvPr id="3" name="Content Placeholder 2"/>
+          <p:cNvSpPr>
+            <a:spLocks noGrp="1"/>
+          </p:cNvSpPr>
+          <p:nvPr>
+            <p:ph idx="1"/>
+          </p:nvPr>
+        </p:nvSpPr>
+        <p:spPr/>
+        <p:txBody>
+          <a:bodyPr>
+            <a:normAutofit/>
+          </a:bodyPr>
+          <a:lstStyle/>
+          <a:p>
+            <a:r>
+              <a:rPr lang="en-AU" dirty="0" smtClean="0"/>
+              <a:t>Machine Learning Algorithm Input. Match representations:</a:t>
+            </a:r>
+          </a:p>
+          <a:p>
+            <a:endParaRPr lang="en-AU" dirty="0" smtClean="0"/>
+          </a:p>
+          <a:p>
+            <a:pPr marL="914400" lvl="1" indent="-457200">
+              <a:buFont typeface="+mj-lt"/>
+              <a:buAutoNum type="arabicPeriod"/>
+            </a:pPr>
+            <a:r>
+              <a:rPr lang="en-AU" i="1" u="sng" dirty="0" smtClean="0"/>
+              <a:t>Team Form</a:t>
+            </a:r>
+            <a:r>
+              <a:rPr lang="en-AU" dirty="0" smtClean="0"/>
+              <a:t>: combination of points gathered by the teams</a:t>
+            </a:r>
+          </a:p>
+          <a:p>
+            <a:pPr marL="914400" lvl="1" indent="-457200">
+              <a:buFont typeface="+mj-lt"/>
+              <a:buAutoNum type="arabicPeriod"/>
+            </a:pPr>
+            <a:r>
+              <a:rPr lang="en-AU" i="1" u="sng" dirty="0" smtClean="0"/>
+              <a:t>Team Home Away Form</a:t>
+            </a:r>
+            <a:r>
+              <a:rPr lang="en-AU" dirty="0" smtClean="0"/>
+              <a:t>: combination of points gathered by the teams, considering matches played at home and away.</a:t>
+            </a:r>
+          </a:p>
+          <a:p>
+            <a:pPr marL="914400" lvl="1" indent="-457200">
+              <a:buFont typeface="+mj-lt"/>
+              <a:buAutoNum type="arabicPeriod"/>
+            </a:pPr>
+            <a:r>
+              <a:rPr lang="en-AU" i="1" u="sng" dirty="0" smtClean="0"/>
+              <a:t>Match Statistics</a:t>
+            </a:r>
+            <a:r>
+              <a:rPr lang="en-AU" dirty="0" smtClean="0"/>
+              <a:t>: combination of previous match statistics performed by teams.</a:t>
+            </a:r>
+          </a:p>
+          <a:p>
+            <a:pPr marL="914400" lvl="1" indent="-457200">
+              <a:buFont typeface="+mj-lt"/>
+              <a:buAutoNum type="arabicPeriod"/>
+            </a:pPr>
+            <a:r>
+              <a:rPr lang="en-AU" i="1" u="sng" dirty="0" err="1" smtClean="0"/>
+              <a:t>Kekko</a:t>
+            </a:r>
+            <a:r>
+              <a:rPr lang="en-AU" i="1" u="sng" dirty="0" smtClean="0"/>
+              <a:t> input</a:t>
+            </a:r>
+            <a:r>
+              <a:rPr lang="en-AU" dirty="0" smtClean="0"/>
+              <a:t>: features an human uses to gather information before placing a bet.</a:t>
+            </a:r>
+          </a:p>
+          <a:p>
+            <a:pPr marL="914400" lvl="1" indent="-457200">
+              <a:buFont typeface="+mj-lt"/>
+              <a:buAutoNum type="arabicPeriod"/>
+            </a:pPr>
+            <a:r>
+              <a:rPr lang="en-AU" i="1" u="sng" dirty="0" smtClean="0"/>
+              <a:t>Poisson input</a:t>
+            </a:r>
+            <a:r>
+              <a:rPr lang="en-AU" dirty="0" smtClean="0"/>
+              <a:t>: home strength and away strength </a:t>
+            </a:r>
+            <a:r>
+              <a:rPr lang="en-AU" dirty="0" smtClean="0">
+                <a:sym typeface="Wingdings"/>
+              </a:rPr>
+              <a:t>(average goal a team will score)</a:t>
+            </a:r>
+            <a:endParaRPr lang="en-AU" i="1" u="sng" dirty="0" smtClean="0"/>
+          </a:p>
+        </p:txBody>
+      </p:sp>
+    </p:spTree>
+    <p:extLst>
+      <p:ext uri="{BB962C8B-B14F-4D97-AF65-F5344CB8AC3E}">
+        <p14:creationId xmlns:p14="http://schemas.microsoft.com/office/powerpoint/2010/main" val="729867512"/>
+      </p:ext>
+    </p:extLst>
+  </p:cSld>
+  <p:clrMapOvr>
+    <a:masterClrMapping/>
+  </p:clrMapOvr>
+</p:sld>
+</file>
+
+<file path=ppt/slides/slide7.xml><?xml version="1.0" encoding="utf-8"?>
+<p:sld xmlns:a="http://schemas.openxmlformats.org/drawingml/2006/main" xmlns:r="http://schemas.openxmlformats.org/officeDocument/2006/relationships" xmlns:p="http://schemas.openxmlformats.org/presentationml/2006/main">
+  <p:cSld>
+    <p:spTree>
+      <p:nvGrpSpPr>
+        <p:cNvPr id="1" name=""/>
+        <p:cNvGrpSpPr/>
+        <p:nvPr/>
+      </p:nvGrpSpPr>
+      <p:grpSpPr>
+        <a:xfrm>
+          <a:off x="0" y="0"/>
+          <a:ext cx="0" cy="0"/>
+          <a:chOff x="0" y="0"/>
+          <a:chExt cx="0" cy="0"/>
+        </a:xfrm>
+      </p:grpSpPr>
+      <p:sp>
+        <p:nvSpPr>
+          <p:cNvPr id="2" name="Title 1"/>
+          <p:cNvSpPr>
+            <a:spLocks noGrp="1"/>
+          </p:cNvSpPr>
+          <p:nvPr>
+            <p:ph type="title"/>
+          </p:nvPr>
+        </p:nvSpPr>
+        <p:spPr/>
+        <p:txBody>
+          <a:bodyPr/>
+          <a:lstStyle/>
+          <a:p>
+            <a:r>
+              <a:rPr lang="en-US" dirty="0" smtClean="0"/>
+              <a:t>prediction</a:t>
+            </a:r>
+            <a:endParaRPr lang="en-US" dirty="0"/>
+          </a:p>
+        </p:txBody>
+      </p:sp>
+      <p:sp>
+        <p:nvSpPr>
+          <p:cNvPr id="3" name="Content Placeholder 2"/>
+          <p:cNvSpPr>
+            <a:spLocks noGrp="1"/>
+          </p:cNvSpPr>
+          <p:nvPr>
+            <p:ph idx="1"/>
+          </p:nvPr>
+        </p:nvSpPr>
+        <p:spPr/>
+        <p:txBody>
+          <a:bodyPr>
+            <a:normAutofit/>
+          </a:bodyPr>
+          <a:lstStyle/>
+          <a:p>
+            <a:r>
+              <a:rPr lang="en-AU" dirty="0"/>
+              <a:t>Machine Learning Algorithm:</a:t>
+            </a:r>
+          </a:p>
+          <a:p>
+            <a:pPr lvl="1"/>
+            <a:r>
+              <a:rPr lang="en-AU" i="1" u="sng" dirty="0" err="1"/>
+              <a:t>Knn</a:t>
+            </a:r>
+            <a:endParaRPr lang="en-AU" i="1" u="sng" dirty="0"/>
+          </a:p>
+          <a:p>
+            <a:pPr lvl="1"/>
+            <a:r>
+              <a:rPr lang="en-AU" i="1" u="sng" dirty="0"/>
+              <a:t>SVM multiclass</a:t>
+            </a:r>
+          </a:p>
+          <a:p>
+            <a:pPr lvl="1"/>
+            <a:r>
+              <a:rPr lang="en-AU" i="1" u="sng" dirty="0"/>
+              <a:t>Random Forest</a:t>
+            </a:r>
+          </a:p>
+          <a:p>
+            <a:pPr lvl="1"/>
+            <a:r>
+              <a:rPr lang="en-AU" i="1" u="sng" dirty="0"/>
+              <a:t>“</a:t>
+            </a:r>
+            <a:r>
+              <a:rPr lang="en-AU" i="1" u="sng" dirty="0" smtClean="0"/>
+              <a:t>Poisson</a:t>
+            </a:r>
+            <a:r>
+              <a:rPr lang="en-AU" i="1" u="sng" dirty="0" smtClean="0"/>
+              <a:t>”</a:t>
+            </a:r>
+          </a:p>
+          <a:p>
+            <a:pPr lvl="1"/>
+            <a:endParaRPr lang="en-AU" i="1" u="sng" dirty="0" smtClean="0"/>
+          </a:p>
+          <a:p>
+            <a:pPr lvl="1"/>
+            <a:endParaRPr lang="en-AU" i="1" u="sng" dirty="0"/>
+          </a:p>
+          <a:p>
+            <a:r>
+              <a:rPr lang="en-AU" dirty="0" smtClean="0"/>
+              <a:t>Train Window: how much a match in the past matters?</a:t>
+            </a:r>
+          </a:p>
+          <a:p>
+            <a:pPr lvl="1"/>
+            <a:r>
+              <a:rPr lang="en-AU" dirty="0" smtClean="0"/>
+              <a:t>Number of previous stages to include in the training [</a:t>
+            </a:r>
+            <a:r>
+              <a:rPr lang="is-IS" i="1" dirty="0"/>
+              <a:t>9,11,19,35,71,105,141,175,211,245,281</a:t>
+            </a:r>
+            <a:r>
+              <a:rPr lang="en-AU" dirty="0" smtClean="0"/>
+              <a:t>]</a:t>
+            </a:r>
+            <a:endParaRPr lang="en-AU" dirty="0"/>
+          </a:p>
+        </p:txBody>
+      </p:sp>
+    </p:spTree>
+    <p:extLst>
+      <p:ext uri="{BB962C8B-B14F-4D97-AF65-F5344CB8AC3E}">
+        <p14:creationId xmlns:p14="http://schemas.microsoft.com/office/powerpoint/2010/main" val="1763790687"/>
+      </p:ext>
+    </p:extLst>
+  </p:cSld>
+  <p:clrMapOvr>
+    <a:masterClrMapping/>
+  </p:clrMapOvr>
+</p:sld>
+</file>
+
+<file path=ppt/slides/slide8.xml><?xml version="1.0" encoding="utf-8"?>
+<p:sld xmlns:a="http://schemas.openxmlformats.org/drawingml/2006/main" xmlns:r="http://schemas.openxmlformats.org/officeDocument/2006/relationships" xmlns:p="http://schemas.openxmlformats.org/presentationml/2006/main">
+  <p:cSld>
+    <p:spTree>
+      <p:nvGrpSpPr>
+        <p:cNvPr id="1" name=""/>
+        <p:cNvGrpSpPr/>
+        <p:nvPr/>
+      </p:nvGrpSpPr>
+      <p:grpSpPr>
+        <a:xfrm>
+          <a:off x="0" y="0"/>
+          <a:ext cx="0" cy="0"/>
+          <a:chOff x="0" y="0"/>
+          <a:chExt cx="0" cy="0"/>
+        </a:xfrm>
+      </p:grpSpPr>
+      <p:sp>
+        <p:nvSpPr>
+          <p:cNvPr id="2" name="Title 1"/>
+          <p:cNvSpPr>
+            <a:spLocks noGrp="1"/>
+          </p:cNvSpPr>
+          <p:nvPr>
+            <p:ph type="title"/>
+          </p:nvPr>
+        </p:nvSpPr>
+        <p:spPr/>
+        <p:txBody>
+          <a:bodyPr/>
+          <a:lstStyle/>
+          <a:p>
+            <a:r>
+              <a:rPr lang="en-US" dirty="0" smtClean="0"/>
+              <a:t>Looking for the best</a:t>
+            </a:r>
+            <a:endParaRPr lang="en-US" dirty="0"/>
+          </a:p>
+        </p:txBody>
+      </p:sp>
+      <mc:AlternateContent xmlns:mc="http://schemas.openxmlformats.org/markup-compatibility/2006">
+        <mc:Choice xmlns:a14="http://schemas.microsoft.com/office/drawing/2010/main" Requires="a14">
+          <p:sp>
+            <p:nvSpPr>
+              <p:cNvPr id="3" name="Content Placeholder 2"/>
+              <p:cNvSpPr>
+                <a:spLocks noGrp="1"/>
+              </p:cNvSpPr>
+              <p:nvPr>
+                <p:ph idx="1"/>
+              </p:nvPr>
+            </p:nvSpPr>
+            <p:spPr/>
+            <p:txBody>
+              <a:bodyPr/>
+              <a:lstStyle/>
+              <a:p>
+                <a:r>
+                  <a:rPr lang="en-US" dirty="0" smtClean="0"/>
+                  <a:t>5 input types</a:t>
+                </a:r>
+              </a:p>
+              <a:p>
+                <a:r>
+                  <a:rPr lang="en-US" dirty="0" smtClean="0"/>
+                  <a:t>4 representations for 2 inputs</a:t>
+                </a:r>
+              </a:p>
+              <a:p>
+                <a:r>
+                  <a:rPr lang="en-US" dirty="0" smtClean="0"/>
+                  <a:t>3 ML algorithms</a:t>
+                </a:r>
+              </a:p>
+              <a:p>
+                <a:r>
+                  <a:rPr lang="en-US" dirty="0" smtClean="0"/>
+                  <a:t>1 Hybrid</a:t>
+                </a:r>
+              </a:p>
+              <a:p>
+                <a:r>
+                  <a:rPr lang="en-US" dirty="0" smtClean="0"/>
+                  <a:t>11 different time windows</a:t>
+                </a:r>
+              </a:p>
+              <a:p>
+                <a:endParaRPr lang="en-US" dirty="0"/>
+              </a:p>
+              <a:p>
+                <a:pPr>
+                  <a:buFont typeface="Wingdings" charset="2"/>
+                  <a:buChar char="à"/>
+                </a:pPr>
+                <a14:m>
+                  <m:oMath xmlns:m="http://schemas.openxmlformats.org/officeDocument/2006/math">
+                    <m:r>
+                      <a:rPr lang="it-IT" b="0" i="1" smtClean="0">
+                        <a:latin typeface="Cambria Math" charset="0"/>
+                        <a:sym typeface="Wingdings"/>
+                      </a:rPr>
+                      <m:t>11</m:t>
+                    </m:r>
+                    <m:r>
+                      <a:rPr lang="it-IT" b="0" i="1" smtClean="0">
+                        <a:latin typeface="Cambria Math" charset="0"/>
+                        <a:ea typeface="Cambria Math" charset="0"/>
+                        <a:cs typeface="Cambria Math" charset="0"/>
+                        <a:sym typeface="Wingdings"/>
+                      </a:rPr>
+                      <m:t>×</m:t>
+                    </m:r>
+                    <m:d>
+                      <m:dPr>
+                        <m:ctrlPr>
+                          <a:rPr lang="it-IT" b="0" i="1" smtClean="0">
+                            <a:latin typeface="Cambria Math" charset="0"/>
+                            <a:ea typeface="Cambria Math" charset="0"/>
+                            <a:cs typeface="Cambria Math" charset="0"/>
+                            <a:sym typeface="Wingdings"/>
+                          </a:rPr>
+                        </m:ctrlPr>
+                      </m:dPr>
+                      <m:e>
+                        <m:r>
+                          <a:rPr lang="it-IT" b="0" i="1" smtClean="0">
+                            <a:latin typeface="Cambria Math" charset="0"/>
+                            <a:ea typeface="Cambria Math" charset="0"/>
+                            <a:cs typeface="Cambria Math" charset="0"/>
+                            <a:sym typeface="Wingdings"/>
+                          </a:rPr>
+                          <m:t>3</m:t>
+                        </m:r>
+                        <m:r>
+                          <a:rPr lang="it-IT" i="1">
+                            <a:latin typeface="Cambria Math" charset="0"/>
+                            <a:ea typeface="Cambria Math" charset="0"/>
+                            <a:cs typeface="Cambria Math" charset="0"/>
+                            <a:sym typeface="Wingdings"/>
+                          </a:rPr>
+                          <m:t>×</m:t>
+                        </m:r>
+                        <m:d>
+                          <m:dPr>
+                            <m:ctrlPr>
+                              <a:rPr lang="it-IT" b="0" i="1" smtClean="0">
+                                <a:latin typeface="Cambria Math" charset="0"/>
+                                <a:ea typeface="Cambria Math" charset="0"/>
+                                <a:cs typeface="Cambria Math" charset="0"/>
+                                <a:sym typeface="Wingdings"/>
+                              </a:rPr>
+                            </m:ctrlPr>
+                          </m:dPr>
+                          <m:e>
+                            <m:r>
+                              <a:rPr lang="it-IT" b="0" i="1" smtClean="0">
+                                <a:latin typeface="Cambria Math" charset="0"/>
+                                <a:ea typeface="Cambria Math" charset="0"/>
+                                <a:cs typeface="Cambria Math" charset="0"/>
+                                <a:sym typeface="Wingdings"/>
+                              </a:rPr>
+                              <m:t>3+2</m:t>
+                            </m:r>
+                            <m:r>
+                              <a:rPr lang="it-IT" i="1">
+                                <a:latin typeface="Cambria Math" charset="0"/>
+                                <a:ea typeface="Cambria Math" charset="0"/>
+                                <a:cs typeface="Cambria Math" charset="0"/>
+                                <a:sym typeface="Wingdings"/>
+                              </a:rPr>
+                              <m:t>×</m:t>
+                            </m:r>
+                            <m:r>
+                              <a:rPr lang="it-IT" b="0" i="1" smtClean="0">
+                                <a:latin typeface="Cambria Math" charset="0"/>
+                                <a:ea typeface="Cambria Math" charset="0"/>
+                                <a:cs typeface="Cambria Math" charset="0"/>
+                                <a:sym typeface="Wingdings"/>
+                              </a:rPr>
+                              <m:t>4</m:t>
+                            </m:r>
+                          </m:e>
+                        </m:d>
+                      </m:e>
+                    </m:d>
+                    <m:r>
+                      <a:rPr lang="it-IT" b="0" i="1" smtClean="0">
+                        <a:latin typeface="Cambria Math" charset="0"/>
+                        <a:ea typeface="Cambria Math" charset="0"/>
+                        <a:cs typeface="Cambria Math" charset="0"/>
+                        <a:sym typeface="Wingdings"/>
+                      </a:rPr>
+                      <m:t>+1)=275</m:t>
+                    </m:r>
+                  </m:oMath>
+                </a14:m>
+                <a:r>
+                  <a:rPr lang="en-US" dirty="0" smtClean="0"/>
+                  <a:t> possible settings</a:t>
+                </a:r>
+              </a:p>
+            </p:txBody>
+          </p:sp>
+        </mc:Choice>
+        <mc:Fallback>
+          <p:sp>
+            <p:nvSpPr>
+              <p:cNvPr id="3" name="Content Placeholder 2"/>
+              <p:cNvSpPr>
+                <a:spLocks noGrp="1" noRot="1" noChangeAspect="1" noMove="1" noResize="1" noEditPoints="1" noAdjustHandles="1" noChangeArrowheads="1" noChangeShapeType="1" noTextEdit="1"/>
+              </p:cNvSpPr>
+              <p:nvPr>
+                <p:ph idx="1"/>
+              </p:nvPr>
+            </p:nvSpPr>
+            <p:spPr>
+              <a:blipFill rotWithShape="0">
+                <a:blip r:embed="rId2"/>
+                <a:stretch>
+                  <a:fillRect l="-676" t="-1818"/>
+                </a:stretch>
+              </a:blipFill>
+            </p:spPr>
+            <p:txBody>
+              <a:bodyPr/>
+              <a:lstStyle/>
+              <a:p>
+                <a:r>
+                  <a:rPr lang="en-US">
+                    <a:noFill/>
+                  </a:rPr>
+                  <a:t> </a:t>
+                </a:r>
+              </a:p>
+            </p:txBody>
+          </p:sp>
+        </mc:Fallback>
+      </mc:AlternateContent>
+    </p:spTree>
+    <p:extLst>
+      <p:ext uri="{BB962C8B-B14F-4D97-AF65-F5344CB8AC3E}">
+        <p14:creationId xmlns:p14="http://schemas.microsoft.com/office/powerpoint/2010/main" val="342448663"/>
+      </p:ext>
+    </p:extLst>
+  </p:cSld>
+  <p:clrMapOvr>
+    <a:masterClrMapping/>
+  </p:clrMapOvr>
+</p:sld>
+</file>
+
+<file path=ppt/slides/slide9.xml><?xml version="1.0" encoding="utf-8"?>
+<p:sld xmlns:a="http://schemas.openxmlformats.org/drawingml/2006/main" xmlns:r="http://schemas.openxmlformats.org/officeDocument/2006/relationships" xmlns:p="http://schemas.openxmlformats.org/presentationml/2006/main">
+  <p:cSld>
+    <p:spTree>
+      <p:nvGrpSpPr>
+        <p:cNvPr id="1" name=""/>
+        <p:cNvGrpSpPr/>
+        <p:nvPr/>
+      </p:nvGrpSpPr>
+      <p:grpSpPr>
+        <a:xfrm>
+          <a:off x="0" y="0"/>
+          <a:ext cx="0" cy="0"/>
+          <a:chOff x="0" y="0"/>
+          <a:chExt cx="0" cy="0"/>
+        </a:xfrm>
+      </p:grpSpPr>
+      <p:sp>
+        <p:nvSpPr>
+          <p:cNvPr id="2" name="Title 1"/>
+          <p:cNvSpPr>
+            <a:spLocks noGrp="1"/>
+          </p:cNvSpPr>
+          <p:nvPr>
+            <p:ph type="title"/>
+          </p:nvPr>
+        </p:nvSpPr>
+        <p:spPr/>
+        <p:txBody>
+          <a:bodyPr/>
+          <a:lstStyle/>
+          <a:p>
+            <a:r>
+              <a:rPr lang="en-US" dirty="0" smtClean="0"/>
+              <a:t>Start from the easiest</a:t>
             </a:r>
             <a:endParaRPr lang="en-US" dirty="0"/>
           </a:p>
@@ -10622,87 +14105,40 @@
           <a:lstStyle/>
           <a:p>
             <a:r>
-              <a:rPr lang="en-AU" dirty="0" smtClean="0"/>
-              <a:t>Machine Learning Algorithm Input. Match representations:</a:t>
-            </a:r>
-          </a:p>
-          <a:p>
-            <a:pPr marL="914400" lvl="1" indent="-457200">
-              <a:buFont typeface="+mj-lt"/>
-              <a:buAutoNum type="arabicPeriod"/>
-            </a:pPr>
-            <a:r>
-              <a:rPr lang="en-AU" i="1" u="sng" dirty="0" smtClean="0"/>
-              <a:t>Team Form</a:t>
-            </a:r>
-            <a:r>
-              <a:rPr lang="en-AU" dirty="0" smtClean="0"/>
-              <a:t>: combination of points gathered by the teams</a:t>
-            </a:r>
-          </a:p>
-          <a:p>
-            <a:pPr marL="914400" lvl="1" indent="-457200">
-              <a:buFont typeface="+mj-lt"/>
-              <a:buAutoNum type="arabicPeriod"/>
-            </a:pPr>
-            <a:r>
-              <a:rPr lang="en-AU" i="1" u="sng" dirty="0" smtClean="0"/>
-              <a:t>Team Home Away Form</a:t>
-            </a:r>
-            <a:r>
-              <a:rPr lang="en-AU" dirty="0" smtClean="0"/>
-              <a:t>: combination of points gathered by the teams, considering matches played at home and away.</a:t>
-            </a:r>
-          </a:p>
-          <a:p>
-            <a:pPr marL="914400" lvl="1" indent="-457200">
-              <a:buFont typeface="+mj-lt"/>
-              <a:buAutoNum type="arabicPeriod"/>
-            </a:pPr>
-            <a:r>
-              <a:rPr lang="en-AU" i="1" u="sng" dirty="0" smtClean="0"/>
-              <a:t>Match Statistics</a:t>
-            </a:r>
-            <a:r>
-              <a:rPr lang="en-AU" dirty="0" smtClean="0"/>
-              <a:t>: combination of previous match statistics performed by teams </a:t>
-            </a:r>
-          </a:p>
-          <a:p>
-            <a:pPr marL="457200" indent="-457200">
-              <a:buFont typeface="+mj-lt"/>
-              <a:buAutoNum type="arabicPeriod"/>
-            </a:pPr>
-            <a:endParaRPr lang="en-AU" dirty="0"/>
-          </a:p>
-          <a:p>
-            <a:r>
-              <a:rPr lang="en-AU" dirty="0" smtClean="0"/>
-              <a:t>Machine Learning Algorithm:</a:t>
-            </a:r>
-          </a:p>
-          <a:p>
-            <a:pPr lvl="1"/>
-            <a:r>
-              <a:rPr lang="en-AU" dirty="0" err="1" smtClean="0"/>
-              <a:t>Knn</a:t>
-            </a:r>
-            <a:endParaRPr lang="en-AU" dirty="0" smtClean="0"/>
-          </a:p>
-          <a:p>
-            <a:pPr lvl="1"/>
-            <a:r>
-              <a:rPr lang="en-AU" smtClean="0"/>
-              <a:t>SVM multiclass</a:t>
-            </a:r>
-            <a:endParaRPr lang="en-AU" dirty="0" smtClean="0"/>
+              <a:rPr lang="en-US" i="1" u="sng" dirty="0" smtClean="0"/>
+              <a:t>Team form</a:t>
+            </a:r>
+            <a:r>
+              <a:rPr lang="en-US" dirty="0" smtClean="0"/>
+              <a:t>,  </a:t>
+            </a:r>
+            <a:r>
+              <a:rPr lang="en-US" i="1" u="sng" dirty="0" smtClean="0"/>
+              <a:t>Representaion1</a:t>
+            </a:r>
+            <a:r>
+              <a:rPr lang="en-US" dirty="0" smtClean="0"/>
+              <a:t> : </a:t>
+            </a:r>
+            <a:r>
+              <a:rPr lang="en-GB" dirty="0"/>
+              <a:t>numeric values of the team forms, normalized to interval [0, 3].</a:t>
+            </a:r>
+            <a:r>
+              <a:rPr lang="en-GB" dirty="0"/>
+              <a:t> </a:t>
+            </a:r>
+            <a:endParaRPr lang="en-GB" dirty="0" smtClean="0"/>
+          </a:p>
+          <a:p>
+            <a:endParaRPr lang="en-GB" dirty="0"/>
           </a:p>
         </p:txBody>
       </p:sp>
     </p:spTree>
     <p:extLst>
       <p:ext uri="{BB962C8B-B14F-4D97-AF65-F5344CB8AC3E}">
-        <p14:creationId xmlns:p14="http://schemas.microsoft.com/office/powerpoint/2010/main" val="729867512"/>
+        <p14:creationId xmlns:p14="http://schemas.microsoft.com/office/powerpoint/2010/main" val="621503846"/>
       </p:ext>
     </p:extLst>
   </p:cSld>
@@ -10713,9 +14149,9 @@
 </file>
 
 <file path=ppt/theme/theme1.xml><?xml version="1.0" encoding="utf-8"?>
-<a:theme xmlns:a="http://schemas.openxmlformats.org/drawingml/2006/main" name="Office Theme">
+<a:theme xmlns:a="http://schemas.openxmlformats.org/drawingml/2006/main" name="Vapor Trail">
   <a:themeElements>
-    <a:clrScheme name="Office">
+    <a:clrScheme name="Vapor Trail">
       <a:dk1>
         <a:sysClr val="windowText" lastClr="000000"/>
       </a:dk1>
@@ -10723,44 +14159,44 @@
         <a:sysClr val="window" lastClr="FFFFFF"/>
       </a:lt1>
       <a:dk2>
-        <a:srgbClr val="44546A"/>
+        <a:srgbClr val="454545"/>
       </a:dk2>
       <a:lt2>
-        <a:srgbClr val="E7E6E6"/>
+        <a:srgbClr val="DADADA"/>
       </a:lt2>
       <a:accent1>
-        <a:srgbClr val="4472C4"/>
+        <a:srgbClr val="DF2E28"/>
       </a:accent1>
       <a:accent2>
-        <a:srgbClr val="ED7D31"/>
+        <a:srgbClr val="FE801A"/>
       </a:accent2>
       <a:accent3>
-        <a:srgbClr val="A5A5A5"/>
+        <a:srgbClr val="E9BF35"/>
       </a:accent3>
       <a:accent4>
-        <a:srgbClr val="FFC000"/>
+        <a:srgbClr val="81BB42"/>
       </a:accent4>
       <a:accent5>
-        <a:srgbClr val="5B9BD5"/>
+        <a:srgbClr val="32C7A9"/>
       </a:accent5>
       <a:accent6>
-        <a:srgbClr val="70AD47"/>
+        <a:srgbClr val="4A9BDC"/>
       </a:accent6>
       <a:hlink>
-        <a:srgbClr val="0563C1"/>
+        <a:srgbClr val="F0532B"/>
       </a:hlink>
       <a:folHlink>
-        <a:srgbClr val="954F72"/>
+        <a:srgbClr val="F38B53"/>
       </a:folHlink>
     </a:clrScheme>
-    <a:fontScheme name="Office">
+    <a:fontScheme name="Vapor Trail">
       <a:majorFont>
-        <a:latin typeface="Calibri Light" panose="020F0302020204030204"/>
+        <a:latin typeface="Century Gothic" panose="020B0502020202020204"/>
         <a:ea typeface=""/>
         <a:cs typeface=""/>
-        <a:font script="Jpan" typeface="Yu Gothic Light"/>
+        <a:font script="Jpan" typeface="ＭＳ Ｐゴシック"/>
         <a:font script="Hang" typeface="맑은 고딕"/>
-        <a:font script="Hans" typeface="DengXian Light"/>
+        <a:font script="Hans" typeface="宋体"/>
         <a:font script="Hant" typeface="新細明體"/>
         <a:font script="Arab" typeface="Times New Roman"/>
         <a:font script="Hebr" typeface="Times New Roman"/>
@@ -10790,12 +14226,12 @@
         <a:font script="Geor" typeface="Sylfaen"/>
       </a:majorFont>
       <a:minorFont>
-        <a:latin typeface="Calibri" panose="020F0502020204030204"/>
+        <a:latin typeface="Century Gothic" panose="020B0502020202020204"/>
         <a:ea typeface=""/>
         <a:cs typeface=""/>
-        <a:font script="Jpan" typeface="Yu Gothic"/>
+        <a:font script="Jpan" typeface="ＭＳ Ｐゴシック"/>
         <a:font script="Hang" typeface="맑은 고딕"/>
-        <a:font script="Hans" typeface="DengXian"/>
+        <a:font script="Hans" typeface="宋体"/>
         <a:font script="Hant" typeface="新細明體"/>
         <a:font script="Arab" typeface="Arial"/>
         <a:font script="Hebr" typeface="Arial"/>
@@ -10825,7 +14261,7 @@
         <a:font script="Geor" typeface="Sylfaen"/>
       </a:minorFont>
     </a:fontScheme>
-    <a:fmtScheme name="Office">
+    <a:fmtScheme name="Vapor Trail">
       <a:fillStyleLst>
         <a:solidFill>
           <a:schemeClr val="phClr"/>
@@ -10834,23 +14270,24 @@
           <a:gsLst>
             <a:gs pos="0">
               <a:schemeClr val="phClr">
+                <a:tint val="69000"/>
+                <a:alpha val="100000"/>
+                <a:satMod val="109000"/>
                 <a:lumMod val="110000"/>
-                <a:satMod val="105000"/>
-                <a:tint val="67000"/>
               </a:schemeClr>
             </a:gs>
-            <a:gs pos="50000">
+            <a:gs pos="52000">
               <a:schemeClr val="phClr">
-                <a:lumMod val="105000"/>
-                <a:satMod val="103000"/>
-                <a:tint val="73000"/>
+                <a:tint val="74000"/>
+                <a:satMod val="100000"/>
+                <a:lumMod val="104000"/>
               </a:schemeClr>
             </a:gs>
             <a:gs pos="100000">
               <a:schemeClr val="phClr">
-                <a:lumMod val="105000"/>
-                <a:satMod val="109000"/>
-                <a:tint val="81000"/>
+                <a:tint val="78000"/>
+                <a:satMod val="100000"/>
+                <a:lumMod val="100000"/>
               </a:schemeClr>
             </a:gs>
           </a:gsLst>
@@ -10860,23 +14297,16 @@
           <a:gsLst>
             <a:gs pos="0">
               <a:schemeClr val="phClr">
-                <a:satMod val="103000"/>
-                <a:lumMod val="102000"/>
-                <a:tint val="94000"/>
+                <a:tint val="96000"/>
+                <a:satMod val="100000"/>
+                <a:lumMod val="104000"/>
               </a:schemeClr>
             </a:gs>
-            <a:gs pos="50000">
+            <a:gs pos="78000">
               <a:schemeClr val="phClr">
+                <a:shade val="100000"/>
                 <a:satMod val="110000"/>
                 <a:lumMod val="100000"/>
-                <a:shade val="100000"/>
-              </a:schemeClr>
-            </a:gs>
-            <a:gs pos="100000">
-              <a:schemeClr val="phClr">
-                <a:lumMod val="99000"/>
-                <a:satMod val="120000"/>
-                <a:shade val="78000"/>
               </a:schemeClr>
             </a:gs>
           </a:gsLst>
@@ -10884,26 +14314,23 @@
         </a:gradFill>
       </a:fillStyleLst>
       <a:lnStyleLst>
-        <a:ln w="6350" cap="flat" cmpd="sng" algn="ctr">
+        <a:ln w="9525" cap="flat" cmpd="sng" algn="ctr">
           <a:solidFill>
             <a:schemeClr val="phClr"/>
           </a:solidFill>
           <a:prstDash val="solid"/>
-          <a:miter lim="800000"/>
         </a:ln>
         <a:ln w="12700" cap="flat" cmpd="sng" algn="ctr">
           <a:solidFill>
             <a:schemeClr val="phClr"/>
           </a:solidFill>
           <a:prstDash val="solid"/>
-          <a:miter lim="800000"/>
         </a:ln>
         <a:ln w="19050" cap="flat" cmpd="sng" algn="ctr">
           <a:solidFill>
             <a:schemeClr val="phClr"/>
           </a:solidFill>
           <a:prstDash val="solid"/>
-          <a:miter lim="800000"/>
         </a:ln>
       </a:lnStyleLst>
       <a:effectStyleLst>
@@ -10912,15 +14339,33 @@
         </a:effectStyle>
         <a:effectStyle>
           <a:effectLst/>
+          <a:scene3d>
+            <a:camera prst="orthographicFront">
+              <a:rot lat="0" lon="0" rev="0"/>
+            </a:camera>
+            <a:lightRig rig="threePt" dir="t"/>
+          </a:scene3d>
+          <a:sp3d>
+            <a:bevelT w="25400" h="12700"/>
+          </a:sp3d>
         </a:effectStyle>
         <a:effectStyle>
           <a:effectLst>
             <a:outerShdw blurRad="57150" dist="19050" dir="5400000" algn="ctr" rotWithShape="0">
               <a:srgbClr val="000000">
-                <a:alpha val="63000"/>
+                <a:alpha val="48000"/>
               </a:srgbClr>
             </a:outerShdw>
           </a:effectLst>
+          <a:scene3d>
+            <a:camera prst="orthographicFront">
+              <a:rot lat="0" lon="0" rev="0"/>
+            </a:camera>
+            <a:lightRig rig="threePt" dir="t"/>
+          </a:scene3d>
+          <a:sp3d>
+            <a:bevelT w="50800" h="25400"/>
+          </a:sp3d>
         </a:effectStyle>
       </a:effectStyleLst>
       <a:bgFillStyleLst>
@@ -10938,16 +14383,16 @@
             <a:gs pos="0">
               <a:schemeClr val="phClr">
                 <a:tint val="93000"/>
+                <a:shade val="98000"/>
                 <a:satMod val="150000"/>
-                <a:shade val="98000"/>
                 <a:lumMod val="102000"/>
               </a:schemeClr>
             </a:gs>
             <a:gs pos="50000">
               <a:schemeClr val="phClr">
                 <a:tint val="98000"/>
+                <a:shade val="90000"/>
                 <a:satMod val="130000"/>
-                <a:shade val="90000"/>
                 <a:lumMod val="103000"/>
               </a:schemeClr>
             </a:gs>
@@ -10967,7 +14412,7 @@
   <a:extraClrSchemeLst/>
   <a:extLst>
     <a:ext uri="{05A4C25C-085E-4340-85A3-A5531E510DB2}">
-      <thm15:themeFamily xmlns:thm15="http://schemas.microsoft.com/office/thememl/2012/main" name="Office Theme" id="{62F939B6-93AF-4DB8-9C6B-D6C7DFDC589F}" vid="{4A3C46E8-61CC-4603-A589-7422A47A8E4A}"/>
+      <thm15:themeFamily xmlns:thm15="http://schemas.microsoft.com/office/thememl/2012/main" name="Vapor Trail" id="{4FDF2955-7D9C-493C-B9F9-C205151B46CD}" vid="{8F31A783-2159-4870-BC29-2BA7D038EA44}"/>
     </a:ext>
   </a:extLst>
 </a:theme>

--- a/TODO/spa_presentation.pptx
+++ b/TODO/spa_presentation.pptx
@@ -12758,15 +12758,7 @@
             </a:r>
             <a:r>
               <a:rPr lang="en-GB" dirty="0" smtClean="0"/>
-              <a:t>comparable with </a:t>
-            </a:r>
-            <a:r>
-              <a:rPr lang="en-GB" smtClean="0"/>
-              <a:t>the one’s from bigger </a:t>
-            </a:r>
-            <a:r>
-              <a:rPr lang="en-GB" dirty="0" smtClean="0"/>
-              <a:t>(N vs n, N &gt;&gt; n ).</a:t>
+              <a:t>comparable with the one’s from bigger (N vs n, N &gt;&gt; n ).</a:t>
             </a:r>
             <a:endParaRPr lang="en-GB" dirty="0"/>
           </a:p>

--- a/TODO/spa_presentation.pptx
+++ b/TODO/spa_presentation.pptx
@@ -12747,7 +12747,15 @@
             <a:pPr lvl="1"/>
             <a:r>
               <a:rPr lang="en-GB" dirty="0"/>
-              <a:t>Bigger window allow to predict lesser matches.</a:t>
+              <a:t>Bigger </a:t>
+            </a:r>
+            <a:r>
+              <a:rPr lang="en-GB" dirty="0" smtClean="0"/>
+              <a:t>windows seems to be more precise, but they </a:t>
+            </a:r>
+            <a:r>
+              <a:rPr lang="en-GB" dirty="0"/>
+              <a:t>allow to predict lesser matches.</a:t>
             </a:r>
           </a:p>
           <a:p>
@@ -12776,8 +12784,13 @@
             <a:pPr lvl="1"/>
             <a:r>
               <a:rPr lang="en-GB" dirty="0"/>
-              <a:t>Consider only valuable windows</a:t>
-            </a:r>
+              <a:t>Consider only valuable </a:t>
+            </a:r>
+            <a:r>
+              <a:rPr lang="en-GB" dirty="0" smtClean="0"/>
+              <a:t>windows</a:t>
+            </a:r>
+            <a:endParaRPr lang="en-GB" dirty="0"/>
           </a:p>
           <a:p>
             <a:pPr lvl="1"/>
@@ -13738,11 +13751,7 @@
             </a:r>
             <a:r>
               <a:rPr lang="en-AU" i="1" u="sng" dirty="0" smtClean="0"/>
-              <a:t>Poisson</a:t>
-            </a:r>
-            <a:r>
-              <a:rPr lang="en-AU" i="1" u="sng" dirty="0" smtClean="0"/>
-              <a:t>”</a:t>
+              <a:t>Poisson”</a:t>
             </a:r>
           </a:p>
           <a:p>
@@ -13830,8 +13839,8 @@
           </a:p>
         </p:txBody>
       </p:sp>
-      <mc:AlternateContent xmlns:mc="http://schemas.openxmlformats.org/markup-compatibility/2006">
-        <mc:Choice xmlns:a14="http://schemas.microsoft.com/office/drawing/2010/main" Requires="a14">
+      <mc:AlternateContent xmlns:mc="http://schemas.openxmlformats.org/markup-compatibility/2006" xmlns:a14="http://schemas.microsoft.com/office/drawing/2010/main">
+        <mc:Choice Requires="a14">
           <p:sp>
             <p:nvSpPr>
               <p:cNvPr id="3" name="Content Placeholder 2"/>
@@ -13994,7 +14003,7 @@
             </p:txBody>
           </p:sp>
         </mc:Choice>
-        <mc:Fallback>
+        <mc:Fallback xmlns="">
           <p:sp>
             <p:nvSpPr>
               <p:cNvPr id="3" name="Content Placeholder 2"/>
@@ -14114,11 +14123,7 @@
             </a:r>
             <a:r>
               <a:rPr lang="en-GB" dirty="0"/>
-              <a:t>numeric values of the team forms, normalized to interval [0, 3].</a:t>
-            </a:r>
-            <a:r>
-              <a:rPr lang="en-GB" dirty="0"/>
-              <a:t> </a:t>
+              <a:t>numeric values of the team forms, normalized to interval [0, 3]. </a:t>
             </a:r>
             <a:endParaRPr lang="en-GB" dirty="0" smtClean="0"/>
           </a:p>

--- a/TODO/spa_presentation.pptx
+++ b/TODO/spa_presentation.pptx
@@ -123,6 +123,3335 @@
     </p:ext>
   </p:extLst>
 </p:presentation>
+</file>
+
+<file path=ppt/charts/chart1.xml><?xml version="1.0" encoding="utf-8"?>
+<c:chartSpace xmlns:c="http://schemas.openxmlformats.org/drawingml/2006/chart" xmlns:a="http://schemas.openxmlformats.org/drawingml/2006/main" xmlns:r="http://schemas.openxmlformats.org/officeDocument/2006/relationships">
+  <c:date1904 val="0"/>
+  <c:lang val="en-US"/>
+  <c:roundedCorners val="0"/>
+  <mc:AlternateContent xmlns:mc="http://schemas.openxmlformats.org/markup-compatibility/2006">
+    <mc:Choice xmlns:c14="http://schemas.microsoft.com/office/drawing/2007/8/2/chart" Requires="c14">
+      <c14:style val="102"/>
+    </mc:Choice>
+    <mc:Fallback>
+      <c:style val="2"/>
+    </mc:Fallback>
+  </mc:AlternateContent>
+  <c:chart>
+    <c:title>
+      <c:tx>
+        <c:rich>
+          <a:bodyPr rot="0" spcFirstLastPara="1" vertOverflow="ellipsis" vert="horz" wrap="square" anchor="ctr" anchorCtr="1"/>
+          <a:lstStyle/>
+          <a:p>
+            <a:pPr>
+              <a:defRPr sz="1400" b="0" i="0" u="none" strike="noStrike" kern="1200" spc="0" baseline="0">
+                <a:solidFill>
+                  <a:schemeClr val="tx1">
+                    <a:lumMod val="65000"/>
+                    <a:lumOff val="35000"/>
+                  </a:schemeClr>
+                </a:solidFill>
+                <a:latin typeface="+mn-lt"/>
+                <a:ea typeface="+mn-ea"/>
+                <a:cs typeface="+mn-cs"/>
+              </a:defRPr>
+            </a:pPr>
+            <a:r>
+              <a:rPr lang="en-US"/>
+              <a:t>Accuracy</a:t>
+            </a:r>
+          </a:p>
+        </c:rich>
+      </c:tx>
+      <c:layout/>
+      <c:overlay val="0"/>
+      <c:spPr>
+        <a:noFill/>
+        <a:ln>
+          <a:noFill/>
+        </a:ln>
+        <a:effectLst/>
+      </c:spPr>
+      <c:txPr>
+        <a:bodyPr rot="0" spcFirstLastPara="1" vertOverflow="ellipsis" vert="horz" wrap="square" anchor="ctr" anchorCtr="1"/>
+        <a:lstStyle/>
+        <a:p>
+          <a:pPr>
+            <a:defRPr sz="1400" b="0" i="0" u="none" strike="noStrike" kern="1200" spc="0" baseline="0">
+              <a:solidFill>
+                <a:schemeClr val="tx1">
+                  <a:lumMod val="65000"/>
+                  <a:lumOff val="35000"/>
+                </a:schemeClr>
+              </a:solidFill>
+              <a:latin typeface="+mn-lt"/>
+              <a:ea typeface="+mn-ea"/>
+              <a:cs typeface="+mn-cs"/>
+            </a:defRPr>
+          </a:pPr>
+          <a:endParaRPr lang="en-US"/>
+        </a:p>
+      </c:txPr>
+    </c:title>
+    <c:autoTitleDeleted val="0"/>
+    <c:plotArea>
+      <c:layout/>
+      <c:barChart>
+        <c:barDir val="col"/>
+        <c:grouping val="clustered"/>
+        <c:varyColors val="0"/>
+        <c:ser>
+          <c:idx val="0"/>
+          <c:order val="0"/>
+          <c:tx>
+            <c:strRef>
+              <c:f>Window_Input_ML!$B$4</c:f>
+              <c:strCache>
+                <c:ptCount val="1"/>
+                <c:pt idx="0">
+                  <c:v>Sklearn_KNN</c:v>
+                </c:pt>
+              </c:strCache>
+            </c:strRef>
+          </c:tx>
+          <c:spPr>
+            <a:solidFill>
+              <a:schemeClr val="accent2"/>
+            </a:solidFill>
+            <a:ln>
+              <a:noFill/>
+            </a:ln>
+            <a:effectLst/>
+          </c:spPr>
+          <c:invertIfNegative val="0"/>
+          <c:cat>
+            <c:numRef>
+              <c:f>Window_Input_ML!$A$26:$A$36</c:f>
+              <c:numCache>
+                <c:formatCode>General</c:formatCode>
+                <c:ptCount val="11"/>
+                <c:pt idx="0">
+                  <c:v>9.0</c:v>
+                </c:pt>
+                <c:pt idx="1">
+                  <c:v>11.0</c:v>
+                </c:pt>
+                <c:pt idx="2">
+                  <c:v>19.0</c:v>
+                </c:pt>
+                <c:pt idx="3">
+                  <c:v>35.0</c:v>
+                </c:pt>
+                <c:pt idx="4">
+                  <c:v>71.0</c:v>
+                </c:pt>
+                <c:pt idx="5">
+                  <c:v>105.0</c:v>
+                </c:pt>
+                <c:pt idx="6">
+                  <c:v>141.0</c:v>
+                </c:pt>
+                <c:pt idx="7">
+                  <c:v>175.0</c:v>
+                </c:pt>
+                <c:pt idx="8">
+                  <c:v>211.0</c:v>
+                </c:pt>
+                <c:pt idx="9">
+                  <c:v>245.0</c:v>
+                </c:pt>
+                <c:pt idx="10">
+                  <c:v>281.0</c:v>
+                </c:pt>
+              </c:numCache>
+            </c:numRef>
+          </c:cat>
+          <c:val>
+            <c:numRef>
+              <c:f>Window_Input_ML!$F$4:$F$14</c:f>
+              <c:numCache>
+                <c:formatCode>General</c:formatCode>
+                <c:ptCount val="11"/>
+                <c:pt idx="0">
+                  <c:v>0.464</c:v>
+                </c:pt>
+                <c:pt idx="1">
+                  <c:v>0.438</c:v>
+                </c:pt>
+                <c:pt idx="2">
+                  <c:v>0.458</c:v>
+                </c:pt>
+                <c:pt idx="3">
+                  <c:v>0.465</c:v>
+                </c:pt>
+                <c:pt idx="4">
+                  <c:v>0.487</c:v>
+                </c:pt>
+                <c:pt idx="5">
+                  <c:v>0.491</c:v>
+                </c:pt>
+                <c:pt idx="6">
+                  <c:v>0.503</c:v>
+                </c:pt>
+                <c:pt idx="7">
+                  <c:v>0.501</c:v>
+                </c:pt>
+                <c:pt idx="8">
+                  <c:v>0.491</c:v>
+                </c:pt>
+                <c:pt idx="9">
+                  <c:v>0.579</c:v>
+                </c:pt>
+                <c:pt idx="10">
+                  <c:v>0.0</c:v>
+                </c:pt>
+              </c:numCache>
+            </c:numRef>
+          </c:val>
+        </c:ser>
+        <c:ser>
+          <c:idx val="1"/>
+          <c:order val="1"/>
+          <c:tx>
+            <c:strRef>
+              <c:f>Window_Input_ML!$B$15</c:f>
+              <c:strCache>
+                <c:ptCount val="1"/>
+                <c:pt idx="0">
+                  <c:v>Sklearn_RandomForest</c:v>
+                </c:pt>
+              </c:strCache>
+            </c:strRef>
+          </c:tx>
+          <c:spPr>
+            <a:solidFill>
+              <a:schemeClr val="accent4"/>
+            </a:solidFill>
+            <a:ln>
+              <a:noFill/>
+            </a:ln>
+            <a:effectLst/>
+          </c:spPr>
+          <c:invertIfNegative val="0"/>
+          <c:cat>
+            <c:numRef>
+              <c:f>Window_Input_ML!$A$26:$A$36</c:f>
+              <c:numCache>
+                <c:formatCode>General</c:formatCode>
+                <c:ptCount val="11"/>
+                <c:pt idx="0">
+                  <c:v>9.0</c:v>
+                </c:pt>
+                <c:pt idx="1">
+                  <c:v>11.0</c:v>
+                </c:pt>
+                <c:pt idx="2">
+                  <c:v>19.0</c:v>
+                </c:pt>
+                <c:pt idx="3">
+                  <c:v>35.0</c:v>
+                </c:pt>
+                <c:pt idx="4">
+                  <c:v>71.0</c:v>
+                </c:pt>
+                <c:pt idx="5">
+                  <c:v>105.0</c:v>
+                </c:pt>
+                <c:pt idx="6">
+                  <c:v>141.0</c:v>
+                </c:pt>
+                <c:pt idx="7">
+                  <c:v>175.0</c:v>
+                </c:pt>
+                <c:pt idx="8">
+                  <c:v>211.0</c:v>
+                </c:pt>
+                <c:pt idx="9">
+                  <c:v>245.0</c:v>
+                </c:pt>
+                <c:pt idx="10">
+                  <c:v>281.0</c:v>
+                </c:pt>
+              </c:numCache>
+            </c:numRef>
+          </c:cat>
+          <c:val>
+            <c:numRef>
+              <c:f>Window_Input_ML!$F$15:$F$25</c:f>
+              <c:numCache>
+                <c:formatCode>General</c:formatCode>
+                <c:ptCount val="11"/>
+                <c:pt idx="0">
+                  <c:v>0.398</c:v>
+                </c:pt>
+                <c:pt idx="1">
+                  <c:v>0.413</c:v>
+                </c:pt>
+                <c:pt idx="2">
+                  <c:v>0.411</c:v>
+                </c:pt>
+                <c:pt idx="3">
+                  <c:v>0.411</c:v>
+                </c:pt>
+                <c:pt idx="4">
+                  <c:v>0.447</c:v>
+                </c:pt>
+                <c:pt idx="5">
+                  <c:v>0.4</c:v>
+                </c:pt>
+                <c:pt idx="6">
+                  <c:v>0.448</c:v>
+                </c:pt>
+                <c:pt idx="7">
+                  <c:v>0.414</c:v>
+                </c:pt>
+                <c:pt idx="8">
+                  <c:v>0.357</c:v>
+                </c:pt>
+                <c:pt idx="9">
+                  <c:v>0.459</c:v>
+                </c:pt>
+                <c:pt idx="10">
+                  <c:v>0.537</c:v>
+                </c:pt>
+              </c:numCache>
+            </c:numRef>
+          </c:val>
+        </c:ser>
+        <c:ser>
+          <c:idx val="2"/>
+          <c:order val="2"/>
+          <c:tx>
+            <c:strRef>
+              <c:f>Window_Input_ML!$B$26</c:f>
+              <c:strCache>
+                <c:ptCount val="1"/>
+                <c:pt idx="0">
+                  <c:v>Sklearn_SVM</c:v>
+                </c:pt>
+              </c:strCache>
+            </c:strRef>
+          </c:tx>
+          <c:spPr>
+            <a:solidFill>
+              <a:schemeClr val="accent6"/>
+            </a:solidFill>
+            <a:ln>
+              <a:noFill/>
+            </a:ln>
+            <a:effectLst/>
+          </c:spPr>
+          <c:invertIfNegative val="0"/>
+          <c:cat>
+            <c:numRef>
+              <c:f>Window_Input_ML!$A$26:$A$36</c:f>
+              <c:numCache>
+                <c:formatCode>General</c:formatCode>
+                <c:ptCount val="11"/>
+                <c:pt idx="0">
+                  <c:v>9.0</c:v>
+                </c:pt>
+                <c:pt idx="1">
+                  <c:v>11.0</c:v>
+                </c:pt>
+                <c:pt idx="2">
+                  <c:v>19.0</c:v>
+                </c:pt>
+                <c:pt idx="3">
+                  <c:v>35.0</c:v>
+                </c:pt>
+                <c:pt idx="4">
+                  <c:v>71.0</c:v>
+                </c:pt>
+                <c:pt idx="5">
+                  <c:v>105.0</c:v>
+                </c:pt>
+                <c:pt idx="6">
+                  <c:v>141.0</c:v>
+                </c:pt>
+                <c:pt idx="7">
+                  <c:v>175.0</c:v>
+                </c:pt>
+                <c:pt idx="8">
+                  <c:v>211.0</c:v>
+                </c:pt>
+                <c:pt idx="9">
+                  <c:v>245.0</c:v>
+                </c:pt>
+                <c:pt idx="10">
+                  <c:v>281.0</c:v>
+                </c:pt>
+              </c:numCache>
+            </c:numRef>
+          </c:cat>
+          <c:val>
+            <c:numRef>
+              <c:f>Window_Input_ML!$F$26:$F$36</c:f>
+              <c:numCache>
+                <c:formatCode>General</c:formatCode>
+                <c:ptCount val="11"/>
+                <c:pt idx="0">
+                  <c:v>0.453</c:v>
+                </c:pt>
+                <c:pt idx="1">
+                  <c:v>0.456</c:v>
+                </c:pt>
+                <c:pt idx="2">
+                  <c:v>0.474</c:v>
+                </c:pt>
+                <c:pt idx="3">
+                  <c:v>0.497</c:v>
+                </c:pt>
+                <c:pt idx="4">
+                  <c:v>0.491</c:v>
+                </c:pt>
+                <c:pt idx="5">
+                  <c:v>0.504</c:v>
+                </c:pt>
+                <c:pt idx="6">
+                  <c:v>0.515</c:v>
+                </c:pt>
+                <c:pt idx="7">
+                  <c:v>0.507</c:v>
+                </c:pt>
+                <c:pt idx="8">
+                  <c:v>0.511</c:v>
+                </c:pt>
+                <c:pt idx="9">
+                  <c:v>0.536</c:v>
+                </c:pt>
+                <c:pt idx="10">
+                  <c:v>0.564</c:v>
+                </c:pt>
+              </c:numCache>
+            </c:numRef>
+          </c:val>
+        </c:ser>
+        <c:dLbls>
+          <c:showLegendKey val="0"/>
+          <c:showVal val="0"/>
+          <c:showCatName val="0"/>
+          <c:showSerName val="0"/>
+          <c:showPercent val="0"/>
+          <c:showBubbleSize val="0"/>
+        </c:dLbls>
+        <c:gapWidth val="219"/>
+        <c:overlap val="-27"/>
+        <c:axId val="-1106739488"/>
+        <c:axId val="-1106737712"/>
+      </c:barChart>
+      <c:catAx>
+        <c:axId val="-1106739488"/>
+        <c:scaling>
+          <c:orientation val="minMax"/>
+        </c:scaling>
+        <c:delete val="0"/>
+        <c:axPos val="b"/>
+        <c:numFmt formatCode="General" sourceLinked="1"/>
+        <c:majorTickMark val="none"/>
+        <c:minorTickMark val="none"/>
+        <c:tickLblPos val="nextTo"/>
+        <c:spPr>
+          <a:noFill/>
+          <a:ln w="9525" cap="flat" cmpd="sng" algn="ctr">
+            <a:solidFill>
+              <a:schemeClr val="tx1">
+                <a:lumMod val="15000"/>
+                <a:lumOff val="85000"/>
+              </a:schemeClr>
+            </a:solidFill>
+            <a:round/>
+          </a:ln>
+          <a:effectLst/>
+        </c:spPr>
+        <c:txPr>
+          <a:bodyPr rot="-60000000" spcFirstLastPara="1" vertOverflow="ellipsis" vert="horz" wrap="square" anchor="ctr" anchorCtr="1"/>
+          <a:lstStyle/>
+          <a:p>
+            <a:pPr>
+              <a:defRPr sz="900" b="0" i="0" u="none" strike="noStrike" kern="1200" baseline="0">
+                <a:solidFill>
+                  <a:schemeClr val="tx1">
+                    <a:lumMod val="65000"/>
+                    <a:lumOff val="35000"/>
+                  </a:schemeClr>
+                </a:solidFill>
+                <a:latin typeface="+mn-lt"/>
+                <a:ea typeface="+mn-ea"/>
+                <a:cs typeface="+mn-cs"/>
+              </a:defRPr>
+            </a:pPr>
+            <a:endParaRPr lang="en-US"/>
+          </a:p>
+        </c:txPr>
+        <c:crossAx val="-1106737712"/>
+        <c:crosses val="autoZero"/>
+        <c:auto val="1"/>
+        <c:lblAlgn val="ctr"/>
+        <c:lblOffset val="100"/>
+        <c:noMultiLvlLbl val="0"/>
+      </c:catAx>
+      <c:valAx>
+        <c:axId val="-1106737712"/>
+        <c:scaling>
+          <c:orientation val="minMax"/>
+        </c:scaling>
+        <c:delete val="0"/>
+        <c:axPos val="l"/>
+        <c:majorGridlines>
+          <c:spPr>
+            <a:ln w="9525" cap="flat" cmpd="sng" algn="ctr">
+              <a:solidFill>
+                <a:schemeClr val="tx1">
+                  <a:lumMod val="15000"/>
+                  <a:lumOff val="85000"/>
+                </a:schemeClr>
+              </a:solidFill>
+              <a:round/>
+            </a:ln>
+            <a:effectLst/>
+          </c:spPr>
+        </c:majorGridlines>
+        <c:numFmt formatCode="General" sourceLinked="0"/>
+        <c:majorTickMark val="none"/>
+        <c:minorTickMark val="none"/>
+        <c:tickLblPos val="nextTo"/>
+        <c:spPr>
+          <a:noFill/>
+          <a:ln>
+            <a:noFill/>
+          </a:ln>
+          <a:effectLst/>
+        </c:spPr>
+        <c:txPr>
+          <a:bodyPr rot="-60000000" spcFirstLastPara="1" vertOverflow="ellipsis" vert="horz" wrap="square" anchor="ctr" anchorCtr="1"/>
+          <a:lstStyle/>
+          <a:p>
+            <a:pPr>
+              <a:defRPr sz="900" b="0" i="0" u="none" strike="noStrike" kern="1200" baseline="0">
+                <a:solidFill>
+                  <a:schemeClr val="tx1">
+                    <a:lumMod val="65000"/>
+                    <a:lumOff val="35000"/>
+                  </a:schemeClr>
+                </a:solidFill>
+                <a:latin typeface="+mn-lt"/>
+                <a:ea typeface="+mn-ea"/>
+                <a:cs typeface="+mn-cs"/>
+              </a:defRPr>
+            </a:pPr>
+            <a:endParaRPr lang="en-US"/>
+          </a:p>
+        </c:txPr>
+        <c:crossAx val="-1106739488"/>
+        <c:crosses val="autoZero"/>
+        <c:crossBetween val="between"/>
+      </c:valAx>
+      <c:spPr>
+        <a:noFill/>
+        <a:ln>
+          <a:noFill/>
+        </a:ln>
+        <a:effectLst/>
+      </c:spPr>
+    </c:plotArea>
+    <c:plotVisOnly val="1"/>
+    <c:dispBlanksAs val="gap"/>
+    <c:showDLblsOverMax val="0"/>
+  </c:chart>
+  <c:spPr>
+    <a:noFill/>
+    <a:ln>
+      <a:noFill/>
+    </a:ln>
+    <a:effectLst/>
+  </c:spPr>
+  <c:txPr>
+    <a:bodyPr/>
+    <a:lstStyle/>
+    <a:p>
+      <a:pPr>
+        <a:defRPr/>
+      </a:pPr>
+      <a:endParaRPr lang="en-US"/>
+    </a:p>
+  </c:txPr>
+  <c:externalData r:id="rId3">
+    <c:autoUpdate val="0"/>
+  </c:externalData>
+</c:chartSpace>
+</file>
+
+<file path=ppt/charts/chart2.xml><?xml version="1.0" encoding="utf-8"?>
+<c:chartSpace xmlns:c="http://schemas.openxmlformats.org/drawingml/2006/chart" xmlns:a="http://schemas.openxmlformats.org/drawingml/2006/main" xmlns:r="http://schemas.openxmlformats.org/officeDocument/2006/relationships">
+  <c:date1904 val="0"/>
+  <c:lang val="en-US"/>
+  <c:roundedCorners val="0"/>
+  <mc:AlternateContent xmlns:mc="http://schemas.openxmlformats.org/markup-compatibility/2006">
+    <mc:Choice xmlns:c14="http://schemas.microsoft.com/office/drawing/2007/8/2/chart" Requires="c14">
+      <c14:style val="102"/>
+    </mc:Choice>
+    <mc:Fallback>
+      <c:style val="2"/>
+    </mc:Fallback>
+  </mc:AlternateContent>
+  <c:chart>
+    <c:title>
+      <c:tx>
+        <c:rich>
+          <a:bodyPr rot="0" spcFirstLastPara="1" vertOverflow="ellipsis" vert="horz" wrap="square" anchor="ctr" anchorCtr="1"/>
+          <a:lstStyle/>
+          <a:p>
+            <a:pPr>
+              <a:defRPr sz="1400" b="0" i="0" u="none" strike="noStrike" kern="1200" spc="0" baseline="0">
+                <a:solidFill>
+                  <a:schemeClr val="tx1">
+                    <a:lumMod val="65000"/>
+                    <a:lumOff val="35000"/>
+                  </a:schemeClr>
+                </a:solidFill>
+                <a:latin typeface="+mn-lt"/>
+                <a:ea typeface="+mn-ea"/>
+                <a:cs typeface="+mn-cs"/>
+              </a:defRPr>
+            </a:pPr>
+            <a:r>
+              <a:rPr lang="en-US"/>
+              <a:t>Seconds x prediction</a:t>
+            </a:r>
+          </a:p>
+        </c:rich>
+      </c:tx>
+      <c:layout/>
+      <c:overlay val="0"/>
+      <c:spPr>
+        <a:noFill/>
+        <a:ln>
+          <a:noFill/>
+        </a:ln>
+        <a:effectLst/>
+      </c:spPr>
+      <c:txPr>
+        <a:bodyPr rot="0" spcFirstLastPara="1" vertOverflow="ellipsis" vert="horz" wrap="square" anchor="ctr" anchorCtr="1"/>
+        <a:lstStyle/>
+        <a:p>
+          <a:pPr>
+            <a:defRPr sz="1400" b="0" i="0" u="none" strike="noStrike" kern="1200" spc="0" baseline="0">
+              <a:solidFill>
+                <a:schemeClr val="tx1">
+                  <a:lumMod val="65000"/>
+                  <a:lumOff val="35000"/>
+                </a:schemeClr>
+              </a:solidFill>
+              <a:latin typeface="+mn-lt"/>
+              <a:ea typeface="+mn-ea"/>
+              <a:cs typeface="+mn-cs"/>
+            </a:defRPr>
+          </a:pPr>
+          <a:endParaRPr lang="en-US"/>
+        </a:p>
+      </c:txPr>
+    </c:title>
+    <c:autoTitleDeleted val="0"/>
+    <c:plotArea>
+      <c:layout/>
+      <c:barChart>
+        <c:barDir val="col"/>
+        <c:grouping val="clustered"/>
+        <c:varyColors val="0"/>
+        <c:ser>
+          <c:idx val="0"/>
+          <c:order val="0"/>
+          <c:tx>
+            <c:strRef>
+              <c:f>Window_Input_ML!$B$4</c:f>
+              <c:strCache>
+                <c:ptCount val="1"/>
+                <c:pt idx="0">
+                  <c:v>Sklearn_KNN</c:v>
+                </c:pt>
+              </c:strCache>
+            </c:strRef>
+          </c:tx>
+          <c:spPr>
+            <a:solidFill>
+              <a:schemeClr val="accent2"/>
+            </a:solidFill>
+            <a:ln>
+              <a:noFill/>
+            </a:ln>
+            <a:effectLst/>
+          </c:spPr>
+          <c:invertIfNegative val="0"/>
+          <c:cat>
+            <c:numRef>
+              <c:f>Window_Input_ML!$A$26:$A$36</c:f>
+              <c:numCache>
+                <c:formatCode>General</c:formatCode>
+                <c:ptCount val="11"/>
+                <c:pt idx="0">
+                  <c:v>9.0</c:v>
+                </c:pt>
+                <c:pt idx="1">
+                  <c:v>11.0</c:v>
+                </c:pt>
+                <c:pt idx="2">
+                  <c:v>19.0</c:v>
+                </c:pt>
+                <c:pt idx="3">
+                  <c:v>35.0</c:v>
+                </c:pt>
+                <c:pt idx="4">
+                  <c:v>71.0</c:v>
+                </c:pt>
+                <c:pt idx="5">
+                  <c:v>105.0</c:v>
+                </c:pt>
+                <c:pt idx="6">
+                  <c:v>141.0</c:v>
+                </c:pt>
+                <c:pt idx="7">
+                  <c:v>175.0</c:v>
+                </c:pt>
+                <c:pt idx="8">
+                  <c:v>211.0</c:v>
+                </c:pt>
+                <c:pt idx="9">
+                  <c:v>245.0</c:v>
+                </c:pt>
+                <c:pt idx="10">
+                  <c:v>281.0</c:v>
+                </c:pt>
+              </c:numCache>
+            </c:numRef>
+          </c:cat>
+          <c:val>
+            <c:numRef>
+              <c:f>Window_Input_ML!$G$4:$G$14</c:f>
+              <c:numCache>
+                <c:formatCode>General</c:formatCode>
+                <c:ptCount val="11"/>
+                <c:pt idx="0">
+                  <c:v>0.342</c:v>
+                </c:pt>
+                <c:pt idx="1">
+                  <c:v>0.157</c:v>
+                </c:pt>
+                <c:pt idx="2">
+                  <c:v>0.286</c:v>
+                </c:pt>
+                <c:pt idx="3">
+                  <c:v>0.643</c:v>
+                </c:pt>
+                <c:pt idx="4">
+                  <c:v>1.922</c:v>
+                </c:pt>
+                <c:pt idx="5">
+                  <c:v>3.717</c:v>
+                </c:pt>
+                <c:pt idx="6">
+                  <c:v>5.874</c:v>
+                </c:pt>
+                <c:pt idx="7">
+                  <c:v>7.925</c:v>
+                </c:pt>
+                <c:pt idx="8">
+                  <c:v>11.109</c:v>
+                </c:pt>
+                <c:pt idx="9">
+                  <c:v>18.636</c:v>
+                </c:pt>
+                <c:pt idx="10">
+                  <c:v>0.0</c:v>
+                </c:pt>
+              </c:numCache>
+            </c:numRef>
+          </c:val>
+        </c:ser>
+        <c:ser>
+          <c:idx val="1"/>
+          <c:order val="1"/>
+          <c:tx>
+            <c:strRef>
+              <c:f>Window_Input_ML!$B$15</c:f>
+              <c:strCache>
+                <c:ptCount val="1"/>
+                <c:pt idx="0">
+                  <c:v>Sklearn_RandomForest</c:v>
+                </c:pt>
+              </c:strCache>
+            </c:strRef>
+          </c:tx>
+          <c:spPr>
+            <a:solidFill>
+              <a:schemeClr val="accent4"/>
+            </a:solidFill>
+            <a:ln>
+              <a:noFill/>
+            </a:ln>
+            <a:effectLst/>
+          </c:spPr>
+          <c:invertIfNegative val="0"/>
+          <c:cat>
+            <c:numRef>
+              <c:f>Window_Input_ML!$A$26:$A$36</c:f>
+              <c:numCache>
+                <c:formatCode>General</c:formatCode>
+                <c:ptCount val="11"/>
+                <c:pt idx="0">
+                  <c:v>9.0</c:v>
+                </c:pt>
+                <c:pt idx="1">
+                  <c:v>11.0</c:v>
+                </c:pt>
+                <c:pt idx="2">
+                  <c:v>19.0</c:v>
+                </c:pt>
+                <c:pt idx="3">
+                  <c:v>35.0</c:v>
+                </c:pt>
+                <c:pt idx="4">
+                  <c:v>71.0</c:v>
+                </c:pt>
+                <c:pt idx="5">
+                  <c:v>105.0</c:v>
+                </c:pt>
+                <c:pt idx="6">
+                  <c:v>141.0</c:v>
+                </c:pt>
+                <c:pt idx="7">
+                  <c:v>175.0</c:v>
+                </c:pt>
+                <c:pt idx="8">
+                  <c:v>211.0</c:v>
+                </c:pt>
+                <c:pt idx="9">
+                  <c:v>245.0</c:v>
+                </c:pt>
+                <c:pt idx="10">
+                  <c:v>281.0</c:v>
+                </c:pt>
+              </c:numCache>
+            </c:numRef>
+          </c:cat>
+          <c:val>
+            <c:numRef>
+              <c:f>Window_Input_ML!$G$15:$G$25</c:f>
+              <c:numCache>
+                <c:formatCode>General</c:formatCode>
+                <c:ptCount val="11"/>
+                <c:pt idx="0">
+                  <c:v>0.148</c:v>
+                </c:pt>
+                <c:pt idx="1">
+                  <c:v>0.153</c:v>
+                </c:pt>
+                <c:pt idx="2">
+                  <c:v>0.306</c:v>
+                </c:pt>
+                <c:pt idx="3">
+                  <c:v>0.715</c:v>
+                </c:pt>
+                <c:pt idx="4">
+                  <c:v>2.17</c:v>
+                </c:pt>
+                <c:pt idx="5">
+                  <c:v>4.204</c:v>
+                </c:pt>
+                <c:pt idx="6">
+                  <c:v>6.111</c:v>
+                </c:pt>
+                <c:pt idx="7">
+                  <c:v>7.829</c:v>
+                </c:pt>
+                <c:pt idx="8">
+                  <c:v>10.055</c:v>
+                </c:pt>
+                <c:pt idx="9">
+                  <c:v>12.705</c:v>
+                </c:pt>
+                <c:pt idx="10">
+                  <c:v>22.228</c:v>
+                </c:pt>
+              </c:numCache>
+            </c:numRef>
+          </c:val>
+        </c:ser>
+        <c:ser>
+          <c:idx val="2"/>
+          <c:order val="2"/>
+          <c:tx>
+            <c:strRef>
+              <c:f>Window_Input_ML!$B$26</c:f>
+              <c:strCache>
+                <c:ptCount val="1"/>
+                <c:pt idx="0">
+                  <c:v>Sklearn_SVM</c:v>
+                </c:pt>
+              </c:strCache>
+            </c:strRef>
+          </c:tx>
+          <c:spPr>
+            <a:solidFill>
+              <a:schemeClr val="accent6"/>
+            </a:solidFill>
+            <a:ln>
+              <a:noFill/>
+            </a:ln>
+            <a:effectLst/>
+          </c:spPr>
+          <c:invertIfNegative val="0"/>
+          <c:cat>
+            <c:numRef>
+              <c:f>Window_Input_ML!$A$26:$A$36</c:f>
+              <c:numCache>
+                <c:formatCode>General</c:formatCode>
+                <c:ptCount val="11"/>
+                <c:pt idx="0">
+                  <c:v>9.0</c:v>
+                </c:pt>
+                <c:pt idx="1">
+                  <c:v>11.0</c:v>
+                </c:pt>
+                <c:pt idx="2">
+                  <c:v>19.0</c:v>
+                </c:pt>
+                <c:pt idx="3">
+                  <c:v>35.0</c:v>
+                </c:pt>
+                <c:pt idx="4">
+                  <c:v>71.0</c:v>
+                </c:pt>
+                <c:pt idx="5">
+                  <c:v>105.0</c:v>
+                </c:pt>
+                <c:pt idx="6">
+                  <c:v>141.0</c:v>
+                </c:pt>
+                <c:pt idx="7">
+                  <c:v>175.0</c:v>
+                </c:pt>
+                <c:pt idx="8">
+                  <c:v>211.0</c:v>
+                </c:pt>
+                <c:pt idx="9">
+                  <c:v>245.0</c:v>
+                </c:pt>
+                <c:pt idx="10">
+                  <c:v>281.0</c:v>
+                </c:pt>
+              </c:numCache>
+            </c:numRef>
+          </c:cat>
+          <c:val>
+            <c:numRef>
+              <c:f>Window_Input_ML!$G$26:$G$36</c:f>
+              <c:numCache>
+                <c:formatCode>General</c:formatCode>
+                <c:ptCount val="11"/>
+                <c:pt idx="0">
+                  <c:v>0.158</c:v>
+                </c:pt>
+                <c:pt idx="1">
+                  <c:v>0.173</c:v>
+                </c:pt>
+                <c:pt idx="2">
+                  <c:v>0.33</c:v>
+                </c:pt>
+                <c:pt idx="3">
+                  <c:v>0.784</c:v>
+                </c:pt>
+                <c:pt idx="4">
+                  <c:v>2.448</c:v>
+                </c:pt>
+                <c:pt idx="5">
+                  <c:v>4.268</c:v>
+                </c:pt>
+                <c:pt idx="6">
+                  <c:v>5.648</c:v>
+                </c:pt>
+                <c:pt idx="7">
+                  <c:v>6.401</c:v>
+                </c:pt>
+                <c:pt idx="8">
+                  <c:v>7.937</c:v>
+                </c:pt>
+                <c:pt idx="9">
+                  <c:v>11.166</c:v>
+                </c:pt>
+                <c:pt idx="10">
+                  <c:v>21.06</c:v>
+                </c:pt>
+              </c:numCache>
+            </c:numRef>
+          </c:val>
+        </c:ser>
+        <c:dLbls>
+          <c:showLegendKey val="0"/>
+          <c:showVal val="0"/>
+          <c:showCatName val="0"/>
+          <c:showSerName val="0"/>
+          <c:showPercent val="0"/>
+          <c:showBubbleSize val="0"/>
+        </c:dLbls>
+        <c:gapWidth val="219"/>
+        <c:overlap val="-27"/>
+        <c:axId val="-1056897408"/>
+        <c:axId val="-1056756000"/>
+      </c:barChart>
+      <c:catAx>
+        <c:axId val="-1056897408"/>
+        <c:scaling>
+          <c:orientation val="minMax"/>
+        </c:scaling>
+        <c:delete val="0"/>
+        <c:axPos val="b"/>
+        <c:numFmt formatCode="General" sourceLinked="1"/>
+        <c:majorTickMark val="none"/>
+        <c:minorTickMark val="none"/>
+        <c:tickLblPos val="nextTo"/>
+        <c:spPr>
+          <a:noFill/>
+          <a:ln w="9525" cap="flat" cmpd="sng" algn="ctr">
+            <a:solidFill>
+              <a:schemeClr val="tx1">
+                <a:lumMod val="15000"/>
+                <a:lumOff val="85000"/>
+              </a:schemeClr>
+            </a:solidFill>
+            <a:round/>
+          </a:ln>
+          <a:effectLst/>
+        </c:spPr>
+        <c:txPr>
+          <a:bodyPr rot="-60000000" spcFirstLastPara="1" vertOverflow="ellipsis" vert="horz" wrap="square" anchor="ctr" anchorCtr="1"/>
+          <a:lstStyle/>
+          <a:p>
+            <a:pPr>
+              <a:defRPr sz="900" b="0" i="0" u="none" strike="noStrike" kern="1200" baseline="0">
+                <a:solidFill>
+                  <a:schemeClr val="tx1">
+                    <a:lumMod val="65000"/>
+                    <a:lumOff val="35000"/>
+                  </a:schemeClr>
+                </a:solidFill>
+                <a:latin typeface="+mn-lt"/>
+                <a:ea typeface="+mn-ea"/>
+                <a:cs typeface="+mn-cs"/>
+              </a:defRPr>
+            </a:pPr>
+            <a:endParaRPr lang="en-US"/>
+          </a:p>
+        </c:txPr>
+        <c:crossAx val="-1056756000"/>
+        <c:crosses val="autoZero"/>
+        <c:auto val="1"/>
+        <c:lblAlgn val="ctr"/>
+        <c:lblOffset val="100"/>
+        <c:noMultiLvlLbl val="0"/>
+      </c:catAx>
+      <c:valAx>
+        <c:axId val="-1056756000"/>
+        <c:scaling>
+          <c:orientation val="minMax"/>
+        </c:scaling>
+        <c:delete val="0"/>
+        <c:axPos val="l"/>
+        <c:majorGridlines>
+          <c:spPr>
+            <a:ln w="9525" cap="flat" cmpd="sng" algn="ctr">
+              <a:solidFill>
+                <a:schemeClr val="tx1">
+                  <a:lumMod val="15000"/>
+                  <a:lumOff val="85000"/>
+                </a:schemeClr>
+              </a:solidFill>
+              <a:round/>
+            </a:ln>
+            <a:effectLst/>
+          </c:spPr>
+        </c:majorGridlines>
+        <c:numFmt formatCode="General" sourceLinked="0"/>
+        <c:majorTickMark val="none"/>
+        <c:minorTickMark val="none"/>
+        <c:tickLblPos val="nextTo"/>
+        <c:spPr>
+          <a:noFill/>
+          <a:ln>
+            <a:noFill/>
+          </a:ln>
+          <a:effectLst/>
+        </c:spPr>
+        <c:txPr>
+          <a:bodyPr rot="-60000000" spcFirstLastPara="1" vertOverflow="ellipsis" vert="horz" wrap="square" anchor="ctr" anchorCtr="1"/>
+          <a:lstStyle/>
+          <a:p>
+            <a:pPr>
+              <a:defRPr sz="900" b="0" i="0" u="none" strike="noStrike" kern="1200" baseline="0">
+                <a:solidFill>
+                  <a:schemeClr val="tx1">
+                    <a:lumMod val="65000"/>
+                    <a:lumOff val="35000"/>
+                  </a:schemeClr>
+                </a:solidFill>
+                <a:latin typeface="+mn-lt"/>
+                <a:ea typeface="+mn-ea"/>
+                <a:cs typeface="+mn-cs"/>
+              </a:defRPr>
+            </a:pPr>
+            <a:endParaRPr lang="en-US"/>
+          </a:p>
+        </c:txPr>
+        <c:crossAx val="-1056897408"/>
+        <c:crosses val="autoZero"/>
+        <c:crossBetween val="between"/>
+      </c:valAx>
+      <c:spPr>
+        <a:noFill/>
+        <a:ln>
+          <a:noFill/>
+        </a:ln>
+        <a:effectLst/>
+      </c:spPr>
+    </c:plotArea>
+    <c:plotVisOnly val="1"/>
+    <c:dispBlanksAs val="gap"/>
+    <c:showDLblsOverMax val="0"/>
+  </c:chart>
+  <c:spPr>
+    <a:noFill/>
+    <a:ln>
+      <a:noFill/>
+    </a:ln>
+    <a:effectLst/>
+  </c:spPr>
+  <c:txPr>
+    <a:bodyPr/>
+    <a:lstStyle/>
+    <a:p>
+      <a:pPr>
+        <a:defRPr/>
+      </a:pPr>
+      <a:endParaRPr lang="en-US"/>
+    </a:p>
+  </c:txPr>
+  <c:externalData r:id="rId3">
+    <c:autoUpdate val="0"/>
+  </c:externalData>
+</c:chartSpace>
+</file>
+
+<file path=ppt/charts/chart3.xml><?xml version="1.0" encoding="utf-8"?>
+<c:chartSpace xmlns:c="http://schemas.openxmlformats.org/drawingml/2006/chart" xmlns:a="http://schemas.openxmlformats.org/drawingml/2006/main" xmlns:r="http://schemas.openxmlformats.org/officeDocument/2006/relationships">
+  <c:date1904 val="0"/>
+  <c:lang val="en-US"/>
+  <c:roundedCorners val="0"/>
+  <mc:AlternateContent xmlns:mc="http://schemas.openxmlformats.org/markup-compatibility/2006">
+    <mc:Choice xmlns:c14="http://schemas.microsoft.com/office/drawing/2007/8/2/chart" Requires="c14">
+      <c14:style val="102"/>
+    </mc:Choice>
+    <mc:Fallback>
+      <c:style val="2"/>
+    </mc:Fallback>
+  </mc:AlternateContent>
+  <c:chart>
+    <c:title>
+      <c:tx>
+        <c:rich>
+          <a:bodyPr rot="0" spcFirstLastPara="1" vertOverflow="ellipsis" vert="horz" wrap="square" anchor="ctr" anchorCtr="1"/>
+          <a:lstStyle/>
+          <a:p>
+            <a:pPr>
+              <a:defRPr sz="1400" b="0" i="0" u="none" strike="noStrike" kern="1200" spc="0" baseline="0">
+                <a:solidFill>
+                  <a:schemeClr val="tx1">
+                    <a:lumMod val="65000"/>
+                    <a:lumOff val="35000"/>
+                  </a:schemeClr>
+                </a:solidFill>
+                <a:latin typeface="+mn-lt"/>
+                <a:ea typeface="+mn-ea"/>
+                <a:cs typeface="+mn-cs"/>
+              </a:defRPr>
+            </a:pPr>
+            <a:r>
+              <a:rPr lang="en-US"/>
+              <a:t>Number of prediction</a:t>
+            </a:r>
+          </a:p>
+        </c:rich>
+      </c:tx>
+      <c:layout/>
+      <c:overlay val="0"/>
+      <c:spPr>
+        <a:noFill/>
+        <a:ln>
+          <a:noFill/>
+        </a:ln>
+        <a:effectLst/>
+      </c:spPr>
+      <c:txPr>
+        <a:bodyPr rot="0" spcFirstLastPara="1" vertOverflow="ellipsis" vert="horz" wrap="square" anchor="ctr" anchorCtr="1"/>
+        <a:lstStyle/>
+        <a:p>
+          <a:pPr>
+            <a:defRPr sz="1400" b="0" i="0" u="none" strike="noStrike" kern="1200" spc="0" baseline="0">
+              <a:solidFill>
+                <a:schemeClr val="tx1">
+                  <a:lumMod val="65000"/>
+                  <a:lumOff val="35000"/>
+                </a:schemeClr>
+              </a:solidFill>
+              <a:latin typeface="+mn-lt"/>
+              <a:ea typeface="+mn-ea"/>
+              <a:cs typeface="+mn-cs"/>
+            </a:defRPr>
+          </a:pPr>
+          <a:endParaRPr lang="en-US"/>
+        </a:p>
+      </c:txPr>
+    </c:title>
+    <c:autoTitleDeleted val="0"/>
+    <c:plotArea>
+      <c:layout/>
+      <c:barChart>
+        <c:barDir val="col"/>
+        <c:grouping val="clustered"/>
+        <c:varyColors val="0"/>
+        <c:ser>
+          <c:idx val="0"/>
+          <c:order val="0"/>
+          <c:tx>
+            <c:strRef>
+              <c:f>Window_Input_ML!$B$4</c:f>
+              <c:strCache>
+                <c:ptCount val="1"/>
+                <c:pt idx="0">
+                  <c:v>Sklearn_KNN</c:v>
+                </c:pt>
+              </c:strCache>
+            </c:strRef>
+          </c:tx>
+          <c:spPr>
+            <a:solidFill>
+              <a:schemeClr val="accent2"/>
+            </a:solidFill>
+            <a:ln>
+              <a:noFill/>
+            </a:ln>
+            <a:effectLst/>
+          </c:spPr>
+          <c:invertIfNegative val="0"/>
+          <c:cat>
+            <c:numRef>
+              <c:f>Window_Input_ML!$A$26:$A$36</c:f>
+              <c:numCache>
+                <c:formatCode>General</c:formatCode>
+                <c:ptCount val="11"/>
+                <c:pt idx="0">
+                  <c:v>9.0</c:v>
+                </c:pt>
+                <c:pt idx="1">
+                  <c:v>11.0</c:v>
+                </c:pt>
+                <c:pt idx="2">
+                  <c:v>19.0</c:v>
+                </c:pt>
+                <c:pt idx="3">
+                  <c:v>35.0</c:v>
+                </c:pt>
+                <c:pt idx="4">
+                  <c:v>71.0</c:v>
+                </c:pt>
+                <c:pt idx="5">
+                  <c:v>105.0</c:v>
+                </c:pt>
+                <c:pt idx="6">
+                  <c:v>141.0</c:v>
+                </c:pt>
+                <c:pt idx="7">
+                  <c:v>175.0</c:v>
+                </c:pt>
+                <c:pt idx="8">
+                  <c:v>211.0</c:v>
+                </c:pt>
+                <c:pt idx="9">
+                  <c:v>245.0</c:v>
+                </c:pt>
+                <c:pt idx="10">
+                  <c:v>281.0</c:v>
+                </c:pt>
+              </c:numCache>
+            </c:numRef>
+          </c:cat>
+          <c:val>
+            <c:numRef>
+              <c:f>Window_Input_ML!$D$4:$D$14</c:f>
+              <c:numCache>
+                <c:formatCode>General</c:formatCode>
+                <c:ptCount val="11"/>
+                <c:pt idx="0">
+                  <c:v>2771.0</c:v>
+                </c:pt>
+                <c:pt idx="1">
+                  <c:v>2729.0</c:v>
+                </c:pt>
+                <c:pt idx="2">
+                  <c:v>2556.0</c:v>
+                </c:pt>
+                <c:pt idx="3">
+                  <c:v>2207.0</c:v>
+                </c:pt>
+                <c:pt idx="4">
+                  <c:v>1649.0</c:v>
+                </c:pt>
+                <c:pt idx="5">
+                  <c:v>1217.0</c:v>
+                </c:pt>
+                <c:pt idx="6">
+                  <c:v>871.0</c:v>
+                </c:pt>
+                <c:pt idx="7">
+                  <c:v>595.0</c:v>
+                </c:pt>
+                <c:pt idx="8">
+                  <c:v>342.0</c:v>
+                </c:pt>
+                <c:pt idx="9">
+                  <c:v>140.0</c:v>
+                </c:pt>
+                <c:pt idx="10">
+                  <c:v>0.0</c:v>
+                </c:pt>
+              </c:numCache>
+            </c:numRef>
+          </c:val>
+        </c:ser>
+        <c:ser>
+          <c:idx val="1"/>
+          <c:order val="1"/>
+          <c:tx>
+            <c:strRef>
+              <c:f>Window_Input_ML!$B$15</c:f>
+              <c:strCache>
+                <c:ptCount val="1"/>
+                <c:pt idx="0">
+                  <c:v>Sklearn_RandomForest</c:v>
+                </c:pt>
+              </c:strCache>
+            </c:strRef>
+          </c:tx>
+          <c:spPr>
+            <a:solidFill>
+              <a:schemeClr val="accent4"/>
+            </a:solidFill>
+            <a:ln>
+              <a:noFill/>
+            </a:ln>
+            <a:effectLst/>
+          </c:spPr>
+          <c:invertIfNegative val="0"/>
+          <c:cat>
+            <c:numRef>
+              <c:f>Window_Input_ML!$A$26:$A$36</c:f>
+              <c:numCache>
+                <c:formatCode>General</c:formatCode>
+                <c:ptCount val="11"/>
+                <c:pt idx="0">
+                  <c:v>9.0</c:v>
+                </c:pt>
+                <c:pt idx="1">
+                  <c:v>11.0</c:v>
+                </c:pt>
+                <c:pt idx="2">
+                  <c:v>19.0</c:v>
+                </c:pt>
+                <c:pt idx="3">
+                  <c:v>35.0</c:v>
+                </c:pt>
+                <c:pt idx="4">
+                  <c:v>71.0</c:v>
+                </c:pt>
+                <c:pt idx="5">
+                  <c:v>105.0</c:v>
+                </c:pt>
+                <c:pt idx="6">
+                  <c:v>141.0</c:v>
+                </c:pt>
+                <c:pt idx="7">
+                  <c:v>175.0</c:v>
+                </c:pt>
+                <c:pt idx="8">
+                  <c:v>211.0</c:v>
+                </c:pt>
+                <c:pt idx="9">
+                  <c:v>245.0</c:v>
+                </c:pt>
+                <c:pt idx="10">
+                  <c:v>281.0</c:v>
+                </c:pt>
+              </c:numCache>
+            </c:numRef>
+          </c:cat>
+          <c:val>
+            <c:numRef>
+              <c:f>Window_Input_ML!$D$15:$D$25</c:f>
+              <c:numCache>
+                <c:formatCode>General</c:formatCode>
+                <c:ptCount val="11"/>
+                <c:pt idx="0">
+                  <c:v>2811.0</c:v>
+                </c:pt>
+                <c:pt idx="1">
+                  <c:v>2769.0</c:v>
+                </c:pt>
+                <c:pt idx="2">
+                  <c:v>2596.0</c:v>
+                </c:pt>
+                <c:pt idx="3">
+                  <c:v>2248.0</c:v>
+                </c:pt>
+                <c:pt idx="4">
+                  <c:v>1689.0</c:v>
+                </c:pt>
+                <c:pt idx="5">
+                  <c:v>1261.0</c:v>
+                </c:pt>
+                <c:pt idx="6">
+                  <c:v>918.0</c:v>
+                </c:pt>
+                <c:pt idx="7">
+                  <c:v>645.0</c:v>
+                </c:pt>
+                <c:pt idx="8">
+                  <c:v>390.0</c:v>
+                </c:pt>
+                <c:pt idx="9">
+                  <c:v>187.0</c:v>
+                </c:pt>
+                <c:pt idx="10">
+                  <c:v>46.0</c:v>
+                </c:pt>
+              </c:numCache>
+            </c:numRef>
+          </c:val>
+        </c:ser>
+        <c:ser>
+          <c:idx val="2"/>
+          <c:order val="2"/>
+          <c:tx>
+            <c:strRef>
+              <c:f>Window_Input_ML!$B$26</c:f>
+              <c:strCache>
+                <c:ptCount val="1"/>
+                <c:pt idx="0">
+                  <c:v>Sklearn_SVM</c:v>
+                </c:pt>
+              </c:strCache>
+            </c:strRef>
+          </c:tx>
+          <c:spPr>
+            <a:solidFill>
+              <a:schemeClr val="accent6"/>
+            </a:solidFill>
+            <a:ln>
+              <a:noFill/>
+            </a:ln>
+            <a:effectLst/>
+          </c:spPr>
+          <c:invertIfNegative val="0"/>
+          <c:cat>
+            <c:numRef>
+              <c:f>Window_Input_ML!$A$26:$A$36</c:f>
+              <c:numCache>
+                <c:formatCode>General</c:formatCode>
+                <c:ptCount val="11"/>
+                <c:pt idx="0">
+                  <c:v>9.0</c:v>
+                </c:pt>
+                <c:pt idx="1">
+                  <c:v>11.0</c:v>
+                </c:pt>
+                <c:pt idx="2">
+                  <c:v>19.0</c:v>
+                </c:pt>
+                <c:pt idx="3">
+                  <c:v>35.0</c:v>
+                </c:pt>
+                <c:pt idx="4">
+                  <c:v>71.0</c:v>
+                </c:pt>
+                <c:pt idx="5">
+                  <c:v>105.0</c:v>
+                </c:pt>
+                <c:pt idx="6">
+                  <c:v>141.0</c:v>
+                </c:pt>
+                <c:pt idx="7">
+                  <c:v>175.0</c:v>
+                </c:pt>
+                <c:pt idx="8">
+                  <c:v>211.0</c:v>
+                </c:pt>
+                <c:pt idx="9">
+                  <c:v>245.0</c:v>
+                </c:pt>
+                <c:pt idx="10">
+                  <c:v>281.0</c:v>
+                </c:pt>
+              </c:numCache>
+            </c:numRef>
+          </c:cat>
+          <c:val>
+            <c:numRef>
+              <c:f>Window_Input_ML!$D$26:$D$36</c:f>
+              <c:numCache>
+                <c:formatCode>General</c:formatCode>
+                <c:ptCount val="11"/>
+                <c:pt idx="0">
+                  <c:v>2811.0</c:v>
+                </c:pt>
+                <c:pt idx="1">
+                  <c:v>2769.0</c:v>
+                </c:pt>
+                <c:pt idx="2">
+                  <c:v>2596.0</c:v>
+                </c:pt>
+                <c:pt idx="3">
+                  <c:v>2248.0</c:v>
+                </c:pt>
+                <c:pt idx="4">
+                  <c:v>1689.0</c:v>
+                </c:pt>
+                <c:pt idx="5">
+                  <c:v>1261.0</c:v>
+                </c:pt>
+                <c:pt idx="6">
+                  <c:v>909.0</c:v>
+                </c:pt>
+                <c:pt idx="7">
+                  <c:v>638.0</c:v>
+                </c:pt>
+                <c:pt idx="8">
+                  <c:v>382.0</c:v>
+                </c:pt>
+                <c:pt idx="9">
+                  <c:v>181.0</c:v>
+                </c:pt>
+                <c:pt idx="10">
+                  <c:v>41.0</c:v>
+                </c:pt>
+              </c:numCache>
+            </c:numRef>
+          </c:val>
+        </c:ser>
+        <c:dLbls>
+          <c:showLegendKey val="0"/>
+          <c:showVal val="0"/>
+          <c:showCatName val="0"/>
+          <c:showSerName val="0"/>
+          <c:showPercent val="0"/>
+          <c:showBubbleSize val="0"/>
+        </c:dLbls>
+        <c:gapWidth val="219"/>
+        <c:overlap val="-27"/>
+        <c:axId val="-1056814672"/>
+        <c:axId val="-1056812352"/>
+      </c:barChart>
+      <c:catAx>
+        <c:axId val="-1056814672"/>
+        <c:scaling>
+          <c:orientation val="minMax"/>
+        </c:scaling>
+        <c:delete val="0"/>
+        <c:axPos val="b"/>
+        <c:numFmt formatCode="General" sourceLinked="1"/>
+        <c:majorTickMark val="none"/>
+        <c:minorTickMark val="none"/>
+        <c:tickLblPos val="nextTo"/>
+        <c:spPr>
+          <a:noFill/>
+          <a:ln w="9525" cap="flat" cmpd="sng" algn="ctr">
+            <a:solidFill>
+              <a:schemeClr val="tx1">
+                <a:lumMod val="15000"/>
+                <a:lumOff val="85000"/>
+              </a:schemeClr>
+            </a:solidFill>
+            <a:round/>
+          </a:ln>
+          <a:effectLst/>
+        </c:spPr>
+        <c:txPr>
+          <a:bodyPr rot="-60000000" spcFirstLastPara="1" vertOverflow="ellipsis" vert="horz" wrap="square" anchor="ctr" anchorCtr="1"/>
+          <a:lstStyle/>
+          <a:p>
+            <a:pPr>
+              <a:defRPr sz="900" b="0" i="0" u="none" strike="noStrike" kern="1200" baseline="0">
+                <a:solidFill>
+                  <a:schemeClr val="tx1">
+                    <a:lumMod val="65000"/>
+                    <a:lumOff val="35000"/>
+                  </a:schemeClr>
+                </a:solidFill>
+                <a:latin typeface="+mn-lt"/>
+                <a:ea typeface="+mn-ea"/>
+                <a:cs typeface="+mn-cs"/>
+              </a:defRPr>
+            </a:pPr>
+            <a:endParaRPr lang="en-US"/>
+          </a:p>
+        </c:txPr>
+        <c:crossAx val="-1056812352"/>
+        <c:crosses val="autoZero"/>
+        <c:auto val="1"/>
+        <c:lblAlgn val="ctr"/>
+        <c:lblOffset val="100"/>
+        <c:noMultiLvlLbl val="0"/>
+      </c:catAx>
+      <c:valAx>
+        <c:axId val="-1056812352"/>
+        <c:scaling>
+          <c:orientation val="minMax"/>
+        </c:scaling>
+        <c:delete val="0"/>
+        <c:axPos val="l"/>
+        <c:majorGridlines>
+          <c:spPr>
+            <a:ln w="9525" cap="flat" cmpd="sng" algn="ctr">
+              <a:solidFill>
+                <a:schemeClr val="tx1">
+                  <a:lumMod val="15000"/>
+                  <a:lumOff val="85000"/>
+                </a:schemeClr>
+              </a:solidFill>
+              <a:round/>
+            </a:ln>
+            <a:effectLst/>
+          </c:spPr>
+        </c:majorGridlines>
+        <c:numFmt formatCode="General" sourceLinked="0"/>
+        <c:majorTickMark val="none"/>
+        <c:minorTickMark val="none"/>
+        <c:tickLblPos val="nextTo"/>
+        <c:spPr>
+          <a:noFill/>
+          <a:ln>
+            <a:noFill/>
+          </a:ln>
+          <a:effectLst/>
+        </c:spPr>
+        <c:txPr>
+          <a:bodyPr rot="-60000000" spcFirstLastPara="1" vertOverflow="ellipsis" vert="horz" wrap="square" anchor="ctr" anchorCtr="1"/>
+          <a:lstStyle/>
+          <a:p>
+            <a:pPr>
+              <a:defRPr sz="900" b="0" i="0" u="none" strike="noStrike" kern="1200" baseline="0">
+                <a:solidFill>
+                  <a:schemeClr val="tx1">
+                    <a:lumMod val="65000"/>
+                    <a:lumOff val="35000"/>
+                  </a:schemeClr>
+                </a:solidFill>
+                <a:latin typeface="+mn-lt"/>
+                <a:ea typeface="+mn-ea"/>
+                <a:cs typeface="+mn-cs"/>
+              </a:defRPr>
+            </a:pPr>
+            <a:endParaRPr lang="en-US"/>
+          </a:p>
+        </c:txPr>
+        <c:crossAx val="-1056814672"/>
+        <c:crosses val="autoZero"/>
+        <c:crossBetween val="between"/>
+      </c:valAx>
+      <c:spPr>
+        <a:noFill/>
+        <a:ln>
+          <a:noFill/>
+        </a:ln>
+        <a:effectLst/>
+      </c:spPr>
+    </c:plotArea>
+    <c:legend>
+      <c:legendPos val="t"/>
+      <c:layout/>
+      <c:overlay val="0"/>
+      <c:spPr>
+        <a:noFill/>
+        <a:ln>
+          <a:noFill/>
+        </a:ln>
+        <a:effectLst/>
+      </c:spPr>
+      <c:txPr>
+        <a:bodyPr rot="0" spcFirstLastPara="1" vertOverflow="ellipsis" vert="horz" wrap="square" anchor="ctr" anchorCtr="1"/>
+        <a:lstStyle/>
+        <a:p>
+          <a:pPr>
+            <a:defRPr sz="900" b="0" i="0" u="none" strike="noStrike" kern="1200" baseline="0">
+              <a:solidFill>
+                <a:schemeClr val="tx1">
+                  <a:lumMod val="65000"/>
+                  <a:lumOff val="35000"/>
+                </a:schemeClr>
+              </a:solidFill>
+              <a:latin typeface="+mn-lt"/>
+              <a:ea typeface="+mn-ea"/>
+              <a:cs typeface="+mn-cs"/>
+            </a:defRPr>
+          </a:pPr>
+          <a:endParaRPr lang="en-US"/>
+        </a:p>
+      </c:txPr>
+    </c:legend>
+    <c:plotVisOnly val="1"/>
+    <c:dispBlanksAs val="gap"/>
+    <c:showDLblsOverMax val="0"/>
+  </c:chart>
+  <c:spPr>
+    <a:noFill/>
+    <a:ln>
+      <a:noFill/>
+    </a:ln>
+    <a:effectLst/>
+  </c:spPr>
+  <c:txPr>
+    <a:bodyPr/>
+    <a:lstStyle/>
+    <a:p>
+      <a:pPr>
+        <a:defRPr/>
+      </a:pPr>
+      <a:endParaRPr lang="en-US"/>
+    </a:p>
+  </c:txPr>
+  <c:externalData r:id="rId3">
+    <c:autoUpdate val="0"/>
+  </c:externalData>
+</c:chartSpace>
+</file>
+
+<file path=ppt/charts/colors1.xml><?xml version="1.0" encoding="utf-8"?>
+<cs:colorStyle xmlns:cs="http://schemas.microsoft.com/office/drawing/2012/chartStyle" xmlns:a="http://schemas.openxmlformats.org/drawingml/2006/main" meth="cycle" id="12">
+  <a:schemeClr val="accent2"/>
+  <a:schemeClr val="accent4"/>
+  <a:schemeClr val="accent6"/>
+  <cs:variation/>
+  <cs:variation>
+    <a:lumMod val="60000"/>
+  </cs:variation>
+  <cs:variation>
+    <a:lumMod val="80000"/>
+    <a:lumOff val="20000"/>
+  </cs:variation>
+  <cs:variation>
+    <a:lumMod val="80000"/>
+  </cs:variation>
+  <cs:variation>
+    <a:lumMod val="60000"/>
+    <a:lumOff val="40000"/>
+  </cs:variation>
+  <cs:variation>
+    <a:lumMod val="50000"/>
+  </cs:variation>
+  <cs:variation>
+    <a:lumMod val="70000"/>
+    <a:lumOff val="30000"/>
+  </cs:variation>
+  <cs:variation>
+    <a:lumMod val="70000"/>
+  </cs:variation>
+  <cs:variation>
+    <a:lumMod val="50000"/>
+    <a:lumOff val="50000"/>
+  </cs:variation>
+</cs:colorStyle>
+</file>
+
+<file path=ppt/charts/colors2.xml><?xml version="1.0" encoding="utf-8"?>
+<cs:colorStyle xmlns:cs="http://schemas.microsoft.com/office/drawing/2012/chartStyle" xmlns:a="http://schemas.openxmlformats.org/drawingml/2006/main" meth="cycle" id="12">
+  <a:schemeClr val="accent2"/>
+  <a:schemeClr val="accent4"/>
+  <a:schemeClr val="accent6"/>
+  <cs:variation/>
+  <cs:variation>
+    <a:lumMod val="60000"/>
+  </cs:variation>
+  <cs:variation>
+    <a:lumMod val="80000"/>
+    <a:lumOff val="20000"/>
+  </cs:variation>
+  <cs:variation>
+    <a:lumMod val="80000"/>
+  </cs:variation>
+  <cs:variation>
+    <a:lumMod val="60000"/>
+    <a:lumOff val="40000"/>
+  </cs:variation>
+  <cs:variation>
+    <a:lumMod val="50000"/>
+  </cs:variation>
+  <cs:variation>
+    <a:lumMod val="70000"/>
+    <a:lumOff val="30000"/>
+  </cs:variation>
+  <cs:variation>
+    <a:lumMod val="70000"/>
+  </cs:variation>
+  <cs:variation>
+    <a:lumMod val="50000"/>
+    <a:lumOff val="50000"/>
+  </cs:variation>
+</cs:colorStyle>
+</file>
+
+<file path=ppt/charts/colors3.xml><?xml version="1.0" encoding="utf-8"?>
+<cs:colorStyle xmlns:cs="http://schemas.microsoft.com/office/drawing/2012/chartStyle" xmlns:a="http://schemas.openxmlformats.org/drawingml/2006/main" meth="cycle" id="12">
+  <a:schemeClr val="accent2"/>
+  <a:schemeClr val="accent4"/>
+  <a:schemeClr val="accent6"/>
+  <cs:variation/>
+  <cs:variation>
+    <a:lumMod val="60000"/>
+  </cs:variation>
+  <cs:variation>
+    <a:lumMod val="80000"/>
+    <a:lumOff val="20000"/>
+  </cs:variation>
+  <cs:variation>
+    <a:lumMod val="80000"/>
+  </cs:variation>
+  <cs:variation>
+    <a:lumMod val="60000"/>
+    <a:lumOff val="40000"/>
+  </cs:variation>
+  <cs:variation>
+    <a:lumMod val="50000"/>
+  </cs:variation>
+  <cs:variation>
+    <a:lumMod val="70000"/>
+    <a:lumOff val="30000"/>
+  </cs:variation>
+  <cs:variation>
+    <a:lumMod val="70000"/>
+  </cs:variation>
+  <cs:variation>
+    <a:lumMod val="50000"/>
+    <a:lumOff val="50000"/>
+  </cs:variation>
+</cs:colorStyle>
+</file>
+
+<file path=ppt/charts/style1.xml><?xml version="1.0" encoding="utf-8"?>
+<cs:chartStyle xmlns:cs="http://schemas.microsoft.com/office/drawing/2012/chartStyle" xmlns:a="http://schemas.openxmlformats.org/drawingml/2006/main" id="201">
+  <cs:axisTitle>
+    <cs:lnRef idx="0"/>
+    <cs:fillRef idx="0"/>
+    <cs:effectRef idx="0"/>
+    <cs:fontRef idx="minor">
+      <a:schemeClr val="tx1">
+        <a:lumMod val="65000"/>
+        <a:lumOff val="35000"/>
+      </a:schemeClr>
+    </cs:fontRef>
+    <cs:defRPr sz="1000" kern="1200"/>
+  </cs:axisTitle>
+  <cs:categoryAxis>
+    <cs:lnRef idx="0"/>
+    <cs:fillRef idx="0"/>
+    <cs:effectRef idx="0"/>
+    <cs:fontRef idx="minor">
+      <a:schemeClr val="tx1">
+        <a:lumMod val="65000"/>
+        <a:lumOff val="35000"/>
+      </a:schemeClr>
+    </cs:fontRef>
+    <cs:spPr>
+      <a:ln w="9525" cap="flat" cmpd="sng" algn="ctr">
+        <a:solidFill>
+          <a:schemeClr val="tx1">
+            <a:lumMod val="15000"/>
+            <a:lumOff val="85000"/>
+          </a:schemeClr>
+        </a:solidFill>
+        <a:round/>
+      </a:ln>
+    </cs:spPr>
+    <cs:defRPr sz="900" kern="1200"/>
+  </cs:categoryAxis>
+  <cs:chartArea mods="allowNoFillOverride allowNoLineOverride">
+    <cs:lnRef idx="0"/>
+    <cs:fillRef idx="0"/>
+    <cs:effectRef idx="0"/>
+    <cs:fontRef idx="minor">
+      <a:schemeClr val="tx1"/>
+    </cs:fontRef>
+    <cs:spPr>
+      <a:solidFill>
+        <a:schemeClr val="bg1"/>
+      </a:solidFill>
+      <a:ln w="9525" cap="flat" cmpd="sng" algn="ctr">
+        <a:solidFill>
+          <a:schemeClr val="tx1">
+            <a:lumMod val="15000"/>
+            <a:lumOff val="85000"/>
+          </a:schemeClr>
+        </a:solidFill>
+        <a:round/>
+      </a:ln>
+    </cs:spPr>
+    <cs:defRPr sz="1000" kern="1200"/>
+  </cs:chartArea>
+  <cs:dataLabel>
+    <cs:lnRef idx="0"/>
+    <cs:fillRef idx="0"/>
+    <cs:effectRef idx="0"/>
+    <cs:fontRef idx="minor">
+      <a:schemeClr val="tx1">
+        <a:lumMod val="75000"/>
+        <a:lumOff val="25000"/>
+      </a:schemeClr>
+    </cs:fontRef>
+    <cs:defRPr sz="900" kern="1200"/>
+  </cs:dataLabel>
+  <cs:dataLabelCallout>
+    <cs:lnRef idx="0"/>
+    <cs:fillRef idx="0"/>
+    <cs:effectRef idx="0"/>
+    <cs:fontRef idx="minor">
+      <a:schemeClr val="dk1">
+        <a:lumMod val="65000"/>
+        <a:lumOff val="35000"/>
+      </a:schemeClr>
+    </cs:fontRef>
+    <cs:spPr>
+      <a:solidFill>
+        <a:schemeClr val="lt1"/>
+      </a:solidFill>
+      <a:ln>
+        <a:solidFill>
+          <a:schemeClr val="dk1">
+            <a:lumMod val="25000"/>
+            <a:lumOff val="75000"/>
+          </a:schemeClr>
+        </a:solidFill>
+      </a:ln>
+    </cs:spPr>
+    <cs:defRPr sz="900" kern="1200"/>
+    <cs:bodyPr rot="0" spcFirstLastPara="1" vertOverflow="clip" horzOverflow="clip" vert="horz" wrap="square" lIns="36576" tIns="18288" rIns="36576" bIns="18288" anchor="ctr" anchorCtr="1">
+      <a:spAutoFit/>
+    </cs:bodyPr>
+  </cs:dataLabelCallout>
+  <cs:dataPoint>
+    <cs:lnRef idx="0"/>
+    <cs:fillRef idx="1">
+      <cs:styleClr val="auto"/>
+    </cs:fillRef>
+    <cs:effectRef idx="0"/>
+    <cs:fontRef idx="minor">
+      <a:schemeClr val="tx1"/>
+    </cs:fontRef>
+  </cs:dataPoint>
+  <cs:dataPoint3D>
+    <cs:lnRef idx="0"/>
+    <cs:fillRef idx="1">
+      <cs:styleClr val="auto"/>
+    </cs:fillRef>
+    <cs:effectRef idx="0"/>
+    <cs:fontRef idx="minor">
+      <a:schemeClr val="tx1"/>
+    </cs:fontRef>
+  </cs:dataPoint3D>
+  <cs:dataPointLine>
+    <cs:lnRef idx="0">
+      <cs:styleClr val="auto"/>
+    </cs:lnRef>
+    <cs:fillRef idx="1"/>
+    <cs:effectRef idx="0"/>
+    <cs:fontRef idx="minor">
+      <a:schemeClr val="tx1"/>
+    </cs:fontRef>
+    <cs:spPr>
+      <a:ln w="28575" cap="rnd">
+        <a:solidFill>
+          <a:schemeClr val="phClr"/>
+        </a:solidFill>
+        <a:round/>
+      </a:ln>
+    </cs:spPr>
+  </cs:dataPointLine>
+  <cs:dataPointMarker>
+    <cs:lnRef idx="0">
+      <cs:styleClr val="auto"/>
+    </cs:lnRef>
+    <cs:fillRef idx="1">
+      <cs:styleClr val="auto"/>
+    </cs:fillRef>
+    <cs:effectRef idx="0"/>
+    <cs:fontRef idx="minor">
+      <a:schemeClr val="tx1"/>
+    </cs:fontRef>
+    <cs:spPr>
+      <a:ln w="9525">
+        <a:solidFill>
+          <a:schemeClr val="phClr"/>
+        </a:solidFill>
+      </a:ln>
+    </cs:spPr>
+  </cs:dataPointMarker>
+  <cs:dataPointMarkerLayout symbol="circle" size="5"/>
+  <cs:dataPointWireframe>
+    <cs:lnRef idx="0">
+      <cs:styleClr val="auto"/>
+    </cs:lnRef>
+    <cs:fillRef idx="1"/>
+    <cs:effectRef idx="0"/>
+    <cs:fontRef idx="minor">
+      <a:schemeClr val="tx1"/>
+    </cs:fontRef>
+    <cs:spPr>
+      <a:ln w="9525" cap="rnd">
+        <a:solidFill>
+          <a:schemeClr val="phClr"/>
+        </a:solidFill>
+        <a:round/>
+      </a:ln>
+    </cs:spPr>
+  </cs:dataPointWireframe>
+  <cs:dataTable>
+    <cs:lnRef idx="0"/>
+    <cs:fillRef idx="0"/>
+    <cs:effectRef idx="0"/>
+    <cs:fontRef idx="minor">
+      <a:schemeClr val="tx1">
+        <a:lumMod val="65000"/>
+        <a:lumOff val="35000"/>
+      </a:schemeClr>
+    </cs:fontRef>
+    <cs:spPr>
+      <a:noFill/>
+      <a:ln w="9525" cap="flat" cmpd="sng" algn="ctr">
+        <a:solidFill>
+          <a:schemeClr val="tx1">
+            <a:lumMod val="15000"/>
+            <a:lumOff val="85000"/>
+          </a:schemeClr>
+        </a:solidFill>
+        <a:round/>
+      </a:ln>
+    </cs:spPr>
+    <cs:defRPr sz="900" kern="1200"/>
+  </cs:dataTable>
+  <cs:downBar>
+    <cs:lnRef idx="0"/>
+    <cs:fillRef idx="0"/>
+    <cs:effectRef idx="0"/>
+    <cs:fontRef idx="minor">
+      <a:schemeClr val="dk1"/>
+    </cs:fontRef>
+    <cs:spPr>
+      <a:solidFill>
+        <a:schemeClr val="dk1">
+          <a:lumMod val="65000"/>
+          <a:lumOff val="35000"/>
+        </a:schemeClr>
+      </a:solidFill>
+      <a:ln w="9525">
+        <a:solidFill>
+          <a:schemeClr val="tx1">
+            <a:lumMod val="65000"/>
+            <a:lumOff val="35000"/>
+          </a:schemeClr>
+        </a:solidFill>
+      </a:ln>
+    </cs:spPr>
+  </cs:downBar>
+  <cs:dropLine>
+    <cs:lnRef idx="0"/>
+    <cs:fillRef idx="0"/>
+    <cs:effectRef idx="0"/>
+    <cs:fontRef idx="minor">
+      <a:schemeClr val="tx1"/>
+    </cs:fontRef>
+    <cs:spPr>
+      <a:ln w="9525" cap="flat" cmpd="sng" algn="ctr">
+        <a:solidFill>
+          <a:schemeClr val="tx1">
+            <a:lumMod val="35000"/>
+            <a:lumOff val="65000"/>
+          </a:schemeClr>
+        </a:solidFill>
+        <a:round/>
+      </a:ln>
+    </cs:spPr>
+  </cs:dropLine>
+  <cs:errorBar>
+    <cs:lnRef idx="0"/>
+    <cs:fillRef idx="0"/>
+    <cs:effectRef idx="0"/>
+    <cs:fontRef idx="minor">
+      <a:schemeClr val="tx1"/>
+    </cs:fontRef>
+    <cs:spPr>
+      <a:ln w="9525" cap="flat" cmpd="sng" algn="ctr">
+        <a:solidFill>
+          <a:schemeClr val="tx1">
+            <a:lumMod val="65000"/>
+            <a:lumOff val="35000"/>
+          </a:schemeClr>
+        </a:solidFill>
+        <a:round/>
+      </a:ln>
+    </cs:spPr>
+  </cs:errorBar>
+  <cs:floor>
+    <cs:lnRef idx="0"/>
+    <cs:fillRef idx="0"/>
+    <cs:effectRef idx="0"/>
+    <cs:fontRef idx="minor">
+      <a:schemeClr val="tx1"/>
+    </cs:fontRef>
+    <cs:spPr>
+      <a:noFill/>
+      <a:ln>
+        <a:noFill/>
+      </a:ln>
+    </cs:spPr>
+  </cs:floor>
+  <cs:gridlineMajor>
+    <cs:lnRef idx="0"/>
+    <cs:fillRef idx="0"/>
+    <cs:effectRef idx="0"/>
+    <cs:fontRef idx="minor">
+      <a:schemeClr val="tx1"/>
+    </cs:fontRef>
+    <cs:spPr>
+      <a:ln w="9525" cap="flat" cmpd="sng" algn="ctr">
+        <a:solidFill>
+          <a:schemeClr val="tx1">
+            <a:lumMod val="15000"/>
+            <a:lumOff val="85000"/>
+          </a:schemeClr>
+        </a:solidFill>
+        <a:round/>
+      </a:ln>
+    </cs:spPr>
+  </cs:gridlineMajor>
+  <cs:gridlineMinor>
+    <cs:lnRef idx="0"/>
+    <cs:fillRef idx="0"/>
+    <cs:effectRef idx="0"/>
+    <cs:fontRef idx="minor">
+      <a:schemeClr val="tx1"/>
+    </cs:fontRef>
+    <cs:spPr>
+      <a:ln w="9525" cap="flat" cmpd="sng" algn="ctr">
+        <a:solidFill>
+          <a:schemeClr val="tx1">
+            <a:lumMod val="5000"/>
+            <a:lumOff val="95000"/>
+          </a:schemeClr>
+        </a:solidFill>
+        <a:round/>
+      </a:ln>
+    </cs:spPr>
+  </cs:gridlineMinor>
+  <cs:hiLoLine>
+    <cs:lnRef idx="0"/>
+    <cs:fillRef idx="0"/>
+    <cs:effectRef idx="0"/>
+    <cs:fontRef idx="minor">
+      <a:schemeClr val="tx1"/>
+    </cs:fontRef>
+    <cs:spPr>
+      <a:ln w="9525" cap="flat" cmpd="sng" algn="ctr">
+        <a:solidFill>
+          <a:schemeClr val="tx1">
+            <a:lumMod val="75000"/>
+            <a:lumOff val="25000"/>
+          </a:schemeClr>
+        </a:solidFill>
+        <a:round/>
+      </a:ln>
+    </cs:spPr>
+  </cs:hiLoLine>
+  <cs:leaderLine>
+    <cs:lnRef idx="0"/>
+    <cs:fillRef idx="0"/>
+    <cs:effectRef idx="0"/>
+    <cs:fontRef idx="minor">
+      <a:schemeClr val="tx1"/>
+    </cs:fontRef>
+    <cs:spPr>
+      <a:ln w="9525" cap="flat" cmpd="sng" algn="ctr">
+        <a:solidFill>
+          <a:schemeClr val="tx1">
+            <a:lumMod val="35000"/>
+            <a:lumOff val="65000"/>
+          </a:schemeClr>
+        </a:solidFill>
+        <a:round/>
+      </a:ln>
+    </cs:spPr>
+  </cs:leaderLine>
+  <cs:legend>
+    <cs:lnRef idx="0"/>
+    <cs:fillRef idx="0"/>
+    <cs:effectRef idx="0"/>
+    <cs:fontRef idx="minor">
+      <a:schemeClr val="tx1">
+        <a:lumMod val="65000"/>
+        <a:lumOff val="35000"/>
+      </a:schemeClr>
+    </cs:fontRef>
+    <cs:defRPr sz="900" kern="1200"/>
+  </cs:legend>
+  <cs:plotArea mods="allowNoFillOverride allowNoLineOverride">
+    <cs:lnRef idx="0"/>
+    <cs:fillRef idx="0"/>
+    <cs:effectRef idx="0"/>
+    <cs:fontRef idx="minor">
+      <a:schemeClr val="tx1"/>
+    </cs:fontRef>
+  </cs:plotArea>
+  <cs:plotArea3D mods="allowNoFillOverride allowNoLineOverride">
+    <cs:lnRef idx="0"/>
+    <cs:fillRef idx="0"/>
+    <cs:effectRef idx="0"/>
+    <cs:fontRef idx="minor">
+      <a:schemeClr val="tx1"/>
+    </cs:fontRef>
+  </cs:plotArea3D>
+  <cs:seriesAxis>
+    <cs:lnRef idx="0"/>
+    <cs:fillRef idx="0"/>
+    <cs:effectRef idx="0"/>
+    <cs:fontRef idx="minor">
+      <a:schemeClr val="tx1">
+        <a:lumMod val="65000"/>
+        <a:lumOff val="35000"/>
+      </a:schemeClr>
+    </cs:fontRef>
+    <cs:defRPr sz="900" kern="1200"/>
+  </cs:seriesAxis>
+  <cs:seriesLine>
+    <cs:lnRef idx="0"/>
+    <cs:fillRef idx="0"/>
+    <cs:effectRef idx="0"/>
+    <cs:fontRef idx="minor">
+      <a:schemeClr val="tx1"/>
+    </cs:fontRef>
+    <cs:spPr>
+      <a:ln w="9525" cap="flat" cmpd="sng" algn="ctr">
+        <a:solidFill>
+          <a:schemeClr val="tx1">
+            <a:lumMod val="35000"/>
+            <a:lumOff val="65000"/>
+          </a:schemeClr>
+        </a:solidFill>
+        <a:round/>
+      </a:ln>
+    </cs:spPr>
+  </cs:seriesLine>
+  <cs:title>
+    <cs:lnRef idx="0"/>
+    <cs:fillRef idx="0"/>
+    <cs:effectRef idx="0"/>
+    <cs:fontRef idx="minor">
+      <a:schemeClr val="tx1">
+        <a:lumMod val="65000"/>
+        <a:lumOff val="35000"/>
+      </a:schemeClr>
+    </cs:fontRef>
+    <cs:defRPr sz="1400" b="0" kern="1200" spc="0" baseline="0"/>
+  </cs:title>
+  <cs:trendline>
+    <cs:lnRef idx="0">
+      <cs:styleClr val="auto"/>
+    </cs:lnRef>
+    <cs:fillRef idx="0"/>
+    <cs:effectRef idx="0"/>
+    <cs:fontRef idx="minor">
+      <a:schemeClr val="tx1"/>
+    </cs:fontRef>
+    <cs:spPr>
+      <a:ln w="19050" cap="rnd">
+        <a:solidFill>
+          <a:schemeClr val="phClr"/>
+        </a:solidFill>
+        <a:prstDash val="sysDot"/>
+      </a:ln>
+    </cs:spPr>
+  </cs:trendline>
+  <cs:trendlineLabel>
+    <cs:lnRef idx="0"/>
+    <cs:fillRef idx="0"/>
+    <cs:effectRef idx="0"/>
+    <cs:fontRef idx="minor">
+      <a:schemeClr val="tx1">
+        <a:lumMod val="65000"/>
+        <a:lumOff val="35000"/>
+      </a:schemeClr>
+    </cs:fontRef>
+    <cs:defRPr sz="900" kern="1200"/>
+  </cs:trendlineLabel>
+  <cs:upBar>
+    <cs:lnRef idx="0"/>
+    <cs:fillRef idx="0"/>
+    <cs:effectRef idx="0"/>
+    <cs:fontRef idx="minor">
+      <a:schemeClr val="dk1"/>
+    </cs:fontRef>
+    <cs:spPr>
+      <a:solidFill>
+        <a:schemeClr val="lt1"/>
+      </a:solidFill>
+      <a:ln w="9525">
+        <a:solidFill>
+          <a:schemeClr val="tx1">
+            <a:lumMod val="15000"/>
+            <a:lumOff val="85000"/>
+          </a:schemeClr>
+        </a:solidFill>
+      </a:ln>
+    </cs:spPr>
+  </cs:upBar>
+  <cs:valueAxis>
+    <cs:lnRef idx="0"/>
+    <cs:fillRef idx="0"/>
+    <cs:effectRef idx="0"/>
+    <cs:fontRef idx="minor">
+      <a:schemeClr val="tx1">
+        <a:lumMod val="65000"/>
+        <a:lumOff val="35000"/>
+      </a:schemeClr>
+    </cs:fontRef>
+    <cs:defRPr sz="900" kern="1200"/>
+  </cs:valueAxis>
+  <cs:wall>
+    <cs:lnRef idx="0"/>
+    <cs:fillRef idx="0"/>
+    <cs:effectRef idx="0"/>
+    <cs:fontRef idx="minor">
+      <a:schemeClr val="tx1"/>
+    </cs:fontRef>
+    <cs:spPr>
+      <a:noFill/>
+      <a:ln>
+        <a:noFill/>
+      </a:ln>
+    </cs:spPr>
+  </cs:wall>
+</cs:chartStyle>
+</file>
+
+<file path=ppt/charts/style2.xml><?xml version="1.0" encoding="utf-8"?>
+<cs:chartStyle xmlns:cs="http://schemas.microsoft.com/office/drawing/2012/chartStyle" xmlns:a="http://schemas.openxmlformats.org/drawingml/2006/main" id="201">
+  <cs:axisTitle>
+    <cs:lnRef idx="0"/>
+    <cs:fillRef idx="0"/>
+    <cs:effectRef idx="0"/>
+    <cs:fontRef idx="minor">
+      <a:schemeClr val="tx1">
+        <a:lumMod val="65000"/>
+        <a:lumOff val="35000"/>
+      </a:schemeClr>
+    </cs:fontRef>
+    <cs:defRPr sz="1000" kern="1200"/>
+  </cs:axisTitle>
+  <cs:categoryAxis>
+    <cs:lnRef idx="0"/>
+    <cs:fillRef idx="0"/>
+    <cs:effectRef idx="0"/>
+    <cs:fontRef idx="minor">
+      <a:schemeClr val="tx1">
+        <a:lumMod val="65000"/>
+        <a:lumOff val="35000"/>
+      </a:schemeClr>
+    </cs:fontRef>
+    <cs:spPr>
+      <a:ln w="9525" cap="flat" cmpd="sng" algn="ctr">
+        <a:solidFill>
+          <a:schemeClr val="tx1">
+            <a:lumMod val="15000"/>
+            <a:lumOff val="85000"/>
+          </a:schemeClr>
+        </a:solidFill>
+        <a:round/>
+      </a:ln>
+    </cs:spPr>
+    <cs:defRPr sz="900" kern="1200"/>
+  </cs:categoryAxis>
+  <cs:chartArea mods="allowNoFillOverride allowNoLineOverride">
+    <cs:lnRef idx="0"/>
+    <cs:fillRef idx="0"/>
+    <cs:effectRef idx="0"/>
+    <cs:fontRef idx="minor">
+      <a:schemeClr val="tx1"/>
+    </cs:fontRef>
+    <cs:spPr>
+      <a:solidFill>
+        <a:schemeClr val="bg1"/>
+      </a:solidFill>
+      <a:ln w="9525" cap="flat" cmpd="sng" algn="ctr">
+        <a:solidFill>
+          <a:schemeClr val="tx1">
+            <a:lumMod val="15000"/>
+            <a:lumOff val="85000"/>
+          </a:schemeClr>
+        </a:solidFill>
+        <a:round/>
+      </a:ln>
+    </cs:spPr>
+    <cs:defRPr sz="1000" kern="1200"/>
+  </cs:chartArea>
+  <cs:dataLabel>
+    <cs:lnRef idx="0"/>
+    <cs:fillRef idx="0"/>
+    <cs:effectRef idx="0"/>
+    <cs:fontRef idx="minor">
+      <a:schemeClr val="tx1">
+        <a:lumMod val="75000"/>
+        <a:lumOff val="25000"/>
+      </a:schemeClr>
+    </cs:fontRef>
+    <cs:defRPr sz="900" kern="1200"/>
+  </cs:dataLabel>
+  <cs:dataLabelCallout>
+    <cs:lnRef idx="0"/>
+    <cs:fillRef idx="0"/>
+    <cs:effectRef idx="0"/>
+    <cs:fontRef idx="minor">
+      <a:schemeClr val="dk1">
+        <a:lumMod val="65000"/>
+        <a:lumOff val="35000"/>
+      </a:schemeClr>
+    </cs:fontRef>
+    <cs:spPr>
+      <a:solidFill>
+        <a:schemeClr val="lt1"/>
+      </a:solidFill>
+      <a:ln>
+        <a:solidFill>
+          <a:schemeClr val="dk1">
+            <a:lumMod val="25000"/>
+            <a:lumOff val="75000"/>
+          </a:schemeClr>
+        </a:solidFill>
+      </a:ln>
+    </cs:spPr>
+    <cs:defRPr sz="900" kern="1200"/>
+    <cs:bodyPr rot="0" spcFirstLastPara="1" vertOverflow="clip" horzOverflow="clip" vert="horz" wrap="square" lIns="36576" tIns="18288" rIns="36576" bIns="18288" anchor="ctr" anchorCtr="1">
+      <a:spAutoFit/>
+    </cs:bodyPr>
+  </cs:dataLabelCallout>
+  <cs:dataPoint>
+    <cs:lnRef idx="0"/>
+    <cs:fillRef idx="1">
+      <cs:styleClr val="auto"/>
+    </cs:fillRef>
+    <cs:effectRef idx="0"/>
+    <cs:fontRef idx="minor">
+      <a:schemeClr val="tx1"/>
+    </cs:fontRef>
+  </cs:dataPoint>
+  <cs:dataPoint3D>
+    <cs:lnRef idx="0"/>
+    <cs:fillRef idx="1">
+      <cs:styleClr val="auto"/>
+    </cs:fillRef>
+    <cs:effectRef idx="0"/>
+    <cs:fontRef idx="minor">
+      <a:schemeClr val="tx1"/>
+    </cs:fontRef>
+  </cs:dataPoint3D>
+  <cs:dataPointLine>
+    <cs:lnRef idx="0">
+      <cs:styleClr val="auto"/>
+    </cs:lnRef>
+    <cs:fillRef idx="1"/>
+    <cs:effectRef idx="0"/>
+    <cs:fontRef idx="minor">
+      <a:schemeClr val="tx1"/>
+    </cs:fontRef>
+    <cs:spPr>
+      <a:ln w="28575" cap="rnd">
+        <a:solidFill>
+          <a:schemeClr val="phClr"/>
+        </a:solidFill>
+        <a:round/>
+      </a:ln>
+    </cs:spPr>
+  </cs:dataPointLine>
+  <cs:dataPointMarker>
+    <cs:lnRef idx="0">
+      <cs:styleClr val="auto"/>
+    </cs:lnRef>
+    <cs:fillRef idx="1">
+      <cs:styleClr val="auto"/>
+    </cs:fillRef>
+    <cs:effectRef idx="0"/>
+    <cs:fontRef idx="minor">
+      <a:schemeClr val="tx1"/>
+    </cs:fontRef>
+    <cs:spPr>
+      <a:ln w="9525">
+        <a:solidFill>
+          <a:schemeClr val="phClr"/>
+        </a:solidFill>
+      </a:ln>
+    </cs:spPr>
+  </cs:dataPointMarker>
+  <cs:dataPointMarkerLayout symbol="circle" size="5"/>
+  <cs:dataPointWireframe>
+    <cs:lnRef idx="0">
+      <cs:styleClr val="auto"/>
+    </cs:lnRef>
+    <cs:fillRef idx="1"/>
+    <cs:effectRef idx="0"/>
+    <cs:fontRef idx="minor">
+      <a:schemeClr val="tx1"/>
+    </cs:fontRef>
+    <cs:spPr>
+      <a:ln w="9525" cap="rnd">
+        <a:solidFill>
+          <a:schemeClr val="phClr"/>
+        </a:solidFill>
+        <a:round/>
+      </a:ln>
+    </cs:spPr>
+  </cs:dataPointWireframe>
+  <cs:dataTable>
+    <cs:lnRef idx="0"/>
+    <cs:fillRef idx="0"/>
+    <cs:effectRef idx="0"/>
+    <cs:fontRef idx="minor">
+      <a:schemeClr val="tx1">
+        <a:lumMod val="65000"/>
+        <a:lumOff val="35000"/>
+      </a:schemeClr>
+    </cs:fontRef>
+    <cs:spPr>
+      <a:noFill/>
+      <a:ln w="9525" cap="flat" cmpd="sng" algn="ctr">
+        <a:solidFill>
+          <a:schemeClr val="tx1">
+            <a:lumMod val="15000"/>
+            <a:lumOff val="85000"/>
+          </a:schemeClr>
+        </a:solidFill>
+        <a:round/>
+      </a:ln>
+    </cs:spPr>
+    <cs:defRPr sz="900" kern="1200"/>
+  </cs:dataTable>
+  <cs:downBar>
+    <cs:lnRef idx="0"/>
+    <cs:fillRef idx="0"/>
+    <cs:effectRef idx="0"/>
+    <cs:fontRef idx="minor">
+      <a:schemeClr val="dk1"/>
+    </cs:fontRef>
+    <cs:spPr>
+      <a:solidFill>
+        <a:schemeClr val="dk1">
+          <a:lumMod val="65000"/>
+          <a:lumOff val="35000"/>
+        </a:schemeClr>
+      </a:solidFill>
+      <a:ln w="9525">
+        <a:solidFill>
+          <a:schemeClr val="tx1">
+            <a:lumMod val="65000"/>
+            <a:lumOff val="35000"/>
+          </a:schemeClr>
+        </a:solidFill>
+      </a:ln>
+    </cs:spPr>
+  </cs:downBar>
+  <cs:dropLine>
+    <cs:lnRef idx="0"/>
+    <cs:fillRef idx="0"/>
+    <cs:effectRef idx="0"/>
+    <cs:fontRef idx="minor">
+      <a:schemeClr val="tx1"/>
+    </cs:fontRef>
+    <cs:spPr>
+      <a:ln w="9525" cap="flat" cmpd="sng" algn="ctr">
+        <a:solidFill>
+          <a:schemeClr val="tx1">
+            <a:lumMod val="35000"/>
+            <a:lumOff val="65000"/>
+          </a:schemeClr>
+        </a:solidFill>
+        <a:round/>
+      </a:ln>
+    </cs:spPr>
+  </cs:dropLine>
+  <cs:errorBar>
+    <cs:lnRef idx="0"/>
+    <cs:fillRef idx="0"/>
+    <cs:effectRef idx="0"/>
+    <cs:fontRef idx="minor">
+      <a:schemeClr val="tx1"/>
+    </cs:fontRef>
+    <cs:spPr>
+      <a:ln w="9525" cap="flat" cmpd="sng" algn="ctr">
+        <a:solidFill>
+          <a:schemeClr val="tx1">
+            <a:lumMod val="65000"/>
+            <a:lumOff val="35000"/>
+          </a:schemeClr>
+        </a:solidFill>
+        <a:round/>
+      </a:ln>
+    </cs:spPr>
+  </cs:errorBar>
+  <cs:floor>
+    <cs:lnRef idx="0"/>
+    <cs:fillRef idx="0"/>
+    <cs:effectRef idx="0"/>
+    <cs:fontRef idx="minor">
+      <a:schemeClr val="tx1"/>
+    </cs:fontRef>
+    <cs:spPr>
+      <a:noFill/>
+      <a:ln>
+        <a:noFill/>
+      </a:ln>
+    </cs:spPr>
+  </cs:floor>
+  <cs:gridlineMajor>
+    <cs:lnRef idx="0"/>
+    <cs:fillRef idx="0"/>
+    <cs:effectRef idx="0"/>
+    <cs:fontRef idx="minor">
+      <a:schemeClr val="tx1"/>
+    </cs:fontRef>
+    <cs:spPr>
+      <a:ln w="9525" cap="flat" cmpd="sng" algn="ctr">
+        <a:solidFill>
+          <a:schemeClr val="tx1">
+            <a:lumMod val="15000"/>
+            <a:lumOff val="85000"/>
+          </a:schemeClr>
+        </a:solidFill>
+        <a:round/>
+      </a:ln>
+    </cs:spPr>
+  </cs:gridlineMajor>
+  <cs:gridlineMinor>
+    <cs:lnRef idx="0"/>
+    <cs:fillRef idx="0"/>
+    <cs:effectRef idx="0"/>
+    <cs:fontRef idx="minor">
+      <a:schemeClr val="tx1"/>
+    </cs:fontRef>
+    <cs:spPr>
+      <a:ln w="9525" cap="flat" cmpd="sng" algn="ctr">
+        <a:solidFill>
+          <a:schemeClr val="tx1">
+            <a:lumMod val="5000"/>
+            <a:lumOff val="95000"/>
+          </a:schemeClr>
+        </a:solidFill>
+        <a:round/>
+      </a:ln>
+    </cs:spPr>
+  </cs:gridlineMinor>
+  <cs:hiLoLine>
+    <cs:lnRef idx="0"/>
+    <cs:fillRef idx="0"/>
+    <cs:effectRef idx="0"/>
+    <cs:fontRef idx="minor">
+      <a:schemeClr val="tx1"/>
+    </cs:fontRef>
+    <cs:spPr>
+      <a:ln w="9525" cap="flat" cmpd="sng" algn="ctr">
+        <a:solidFill>
+          <a:schemeClr val="tx1">
+            <a:lumMod val="75000"/>
+            <a:lumOff val="25000"/>
+          </a:schemeClr>
+        </a:solidFill>
+        <a:round/>
+      </a:ln>
+    </cs:spPr>
+  </cs:hiLoLine>
+  <cs:leaderLine>
+    <cs:lnRef idx="0"/>
+    <cs:fillRef idx="0"/>
+    <cs:effectRef idx="0"/>
+    <cs:fontRef idx="minor">
+      <a:schemeClr val="tx1"/>
+    </cs:fontRef>
+    <cs:spPr>
+      <a:ln w="9525" cap="flat" cmpd="sng" algn="ctr">
+        <a:solidFill>
+          <a:schemeClr val="tx1">
+            <a:lumMod val="35000"/>
+            <a:lumOff val="65000"/>
+          </a:schemeClr>
+        </a:solidFill>
+        <a:round/>
+      </a:ln>
+    </cs:spPr>
+  </cs:leaderLine>
+  <cs:legend>
+    <cs:lnRef idx="0"/>
+    <cs:fillRef idx="0"/>
+    <cs:effectRef idx="0"/>
+    <cs:fontRef idx="minor">
+      <a:schemeClr val="tx1">
+        <a:lumMod val="65000"/>
+        <a:lumOff val="35000"/>
+      </a:schemeClr>
+    </cs:fontRef>
+    <cs:defRPr sz="900" kern="1200"/>
+  </cs:legend>
+  <cs:plotArea mods="allowNoFillOverride allowNoLineOverride">
+    <cs:lnRef idx="0"/>
+    <cs:fillRef idx="0"/>
+    <cs:effectRef idx="0"/>
+    <cs:fontRef idx="minor">
+      <a:schemeClr val="tx1"/>
+    </cs:fontRef>
+  </cs:plotArea>
+  <cs:plotArea3D mods="allowNoFillOverride allowNoLineOverride">
+    <cs:lnRef idx="0"/>
+    <cs:fillRef idx="0"/>
+    <cs:effectRef idx="0"/>
+    <cs:fontRef idx="minor">
+      <a:schemeClr val="tx1"/>
+    </cs:fontRef>
+  </cs:plotArea3D>
+  <cs:seriesAxis>
+    <cs:lnRef idx="0"/>
+    <cs:fillRef idx="0"/>
+    <cs:effectRef idx="0"/>
+    <cs:fontRef idx="minor">
+      <a:schemeClr val="tx1">
+        <a:lumMod val="65000"/>
+        <a:lumOff val="35000"/>
+      </a:schemeClr>
+    </cs:fontRef>
+    <cs:defRPr sz="900" kern="1200"/>
+  </cs:seriesAxis>
+  <cs:seriesLine>
+    <cs:lnRef idx="0"/>
+    <cs:fillRef idx="0"/>
+    <cs:effectRef idx="0"/>
+    <cs:fontRef idx="minor">
+      <a:schemeClr val="tx1"/>
+    </cs:fontRef>
+    <cs:spPr>
+      <a:ln w="9525" cap="flat" cmpd="sng" algn="ctr">
+        <a:solidFill>
+          <a:schemeClr val="tx1">
+            <a:lumMod val="35000"/>
+            <a:lumOff val="65000"/>
+          </a:schemeClr>
+        </a:solidFill>
+        <a:round/>
+      </a:ln>
+    </cs:spPr>
+  </cs:seriesLine>
+  <cs:title>
+    <cs:lnRef idx="0"/>
+    <cs:fillRef idx="0"/>
+    <cs:effectRef idx="0"/>
+    <cs:fontRef idx="minor">
+      <a:schemeClr val="tx1">
+        <a:lumMod val="65000"/>
+        <a:lumOff val="35000"/>
+      </a:schemeClr>
+    </cs:fontRef>
+    <cs:defRPr sz="1400" b="0" kern="1200" spc="0" baseline="0"/>
+  </cs:title>
+  <cs:trendline>
+    <cs:lnRef idx="0">
+      <cs:styleClr val="auto"/>
+    </cs:lnRef>
+    <cs:fillRef idx="0"/>
+    <cs:effectRef idx="0"/>
+    <cs:fontRef idx="minor">
+      <a:schemeClr val="tx1"/>
+    </cs:fontRef>
+    <cs:spPr>
+      <a:ln w="19050" cap="rnd">
+        <a:solidFill>
+          <a:schemeClr val="phClr"/>
+        </a:solidFill>
+        <a:prstDash val="sysDot"/>
+      </a:ln>
+    </cs:spPr>
+  </cs:trendline>
+  <cs:trendlineLabel>
+    <cs:lnRef idx="0"/>
+    <cs:fillRef idx="0"/>
+    <cs:effectRef idx="0"/>
+    <cs:fontRef idx="minor">
+      <a:schemeClr val="tx1">
+        <a:lumMod val="65000"/>
+        <a:lumOff val="35000"/>
+      </a:schemeClr>
+    </cs:fontRef>
+    <cs:defRPr sz="900" kern="1200"/>
+  </cs:trendlineLabel>
+  <cs:upBar>
+    <cs:lnRef idx="0"/>
+    <cs:fillRef idx="0"/>
+    <cs:effectRef idx="0"/>
+    <cs:fontRef idx="minor">
+      <a:schemeClr val="dk1"/>
+    </cs:fontRef>
+    <cs:spPr>
+      <a:solidFill>
+        <a:schemeClr val="lt1"/>
+      </a:solidFill>
+      <a:ln w="9525">
+        <a:solidFill>
+          <a:schemeClr val="tx1">
+            <a:lumMod val="15000"/>
+            <a:lumOff val="85000"/>
+          </a:schemeClr>
+        </a:solidFill>
+      </a:ln>
+    </cs:spPr>
+  </cs:upBar>
+  <cs:valueAxis>
+    <cs:lnRef idx="0"/>
+    <cs:fillRef idx="0"/>
+    <cs:effectRef idx="0"/>
+    <cs:fontRef idx="minor">
+      <a:schemeClr val="tx1">
+        <a:lumMod val="65000"/>
+        <a:lumOff val="35000"/>
+      </a:schemeClr>
+    </cs:fontRef>
+    <cs:defRPr sz="900" kern="1200"/>
+  </cs:valueAxis>
+  <cs:wall>
+    <cs:lnRef idx="0"/>
+    <cs:fillRef idx="0"/>
+    <cs:effectRef idx="0"/>
+    <cs:fontRef idx="minor">
+      <a:schemeClr val="tx1"/>
+    </cs:fontRef>
+    <cs:spPr>
+      <a:noFill/>
+      <a:ln>
+        <a:noFill/>
+      </a:ln>
+    </cs:spPr>
+  </cs:wall>
+</cs:chartStyle>
+</file>
+
+<file path=ppt/charts/style3.xml><?xml version="1.0" encoding="utf-8"?>
+<cs:chartStyle xmlns:cs="http://schemas.microsoft.com/office/drawing/2012/chartStyle" xmlns:a="http://schemas.openxmlformats.org/drawingml/2006/main" id="201">
+  <cs:axisTitle>
+    <cs:lnRef idx="0"/>
+    <cs:fillRef idx="0"/>
+    <cs:effectRef idx="0"/>
+    <cs:fontRef idx="minor">
+      <a:schemeClr val="tx1">
+        <a:lumMod val="65000"/>
+        <a:lumOff val="35000"/>
+      </a:schemeClr>
+    </cs:fontRef>
+    <cs:defRPr sz="1000" kern="1200"/>
+  </cs:axisTitle>
+  <cs:categoryAxis>
+    <cs:lnRef idx="0"/>
+    <cs:fillRef idx="0"/>
+    <cs:effectRef idx="0"/>
+    <cs:fontRef idx="minor">
+      <a:schemeClr val="tx1">
+        <a:lumMod val="65000"/>
+        <a:lumOff val="35000"/>
+      </a:schemeClr>
+    </cs:fontRef>
+    <cs:spPr>
+      <a:ln w="9525" cap="flat" cmpd="sng" algn="ctr">
+        <a:solidFill>
+          <a:schemeClr val="tx1">
+            <a:lumMod val="15000"/>
+            <a:lumOff val="85000"/>
+          </a:schemeClr>
+        </a:solidFill>
+        <a:round/>
+      </a:ln>
+    </cs:spPr>
+    <cs:defRPr sz="900" kern="1200"/>
+  </cs:categoryAxis>
+  <cs:chartArea mods="allowNoFillOverride allowNoLineOverride">
+    <cs:lnRef idx="0"/>
+    <cs:fillRef idx="0"/>
+    <cs:effectRef idx="0"/>
+    <cs:fontRef idx="minor">
+      <a:schemeClr val="tx1"/>
+    </cs:fontRef>
+    <cs:spPr>
+      <a:solidFill>
+        <a:schemeClr val="bg1"/>
+      </a:solidFill>
+      <a:ln w="9525" cap="flat" cmpd="sng" algn="ctr">
+        <a:solidFill>
+          <a:schemeClr val="tx1">
+            <a:lumMod val="15000"/>
+            <a:lumOff val="85000"/>
+          </a:schemeClr>
+        </a:solidFill>
+        <a:round/>
+      </a:ln>
+    </cs:spPr>
+    <cs:defRPr sz="1000" kern="1200"/>
+  </cs:chartArea>
+  <cs:dataLabel>
+    <cs:lnRef idx="0"/>
+    <cs:fillRef idx="0"/>
+    <cs:effectRef idx="0"/>
+    <cs:fontRef idx="minor">
+      <a:schemeClr val="tx1">
+        <a:lumMod val="75000"/>
+        <a:lumOff val="25000"/>
+      </a:schemeClr>
+    </cs:fontRef>
+    <cs:defRPr sz="900" kern="1200"/>
+  </cs:dataLabel>
+  <cs:dataLabelCallout>
+    <cs:lnRef idx="0"/>
+    <cs:fillRef idx="0"/>
+    <cs:effectRef idx="0"/>
+    <cs:fontRef idx="minor">
+      <a:schemeClr val="dk1">
+        <a:lumMod val="65000"/>
+        <a:lumOff val="35000"/>
+      </a:schemeClr>
+    </cs:fontRef>
+    <cs:spPr>
+      <a:solidFill>
+        <a:schemeClr val="lt1"/>
+      </a:solidFill>
+      <a:ln>
+        <a:solidFill>
+          <a:schemeClr val="dk1">
+            <a:lumMod val="25000"/>
+            <a:lumOff val="75000"/>
+          </a:schemeClr>
+        </a:solidFill>
+      </a:ln>
+    </cs:spPr>
+    <cs:defRPr sz="900" kern="1200"/>
+    <cs:bodyPr rot="0" spcFirstLastPara="1" vertOverflow="clip" horzOverflow="clip" vert="horz" wrap="square" lIns="36576" tIns="18288" rIns="36576" bIns="18288" anchor="ctr" anchorCtr="1">
+      <a:spAutoFit/>
+    </cs:bodyPr>
+  </cs:dataLabelCallout>
+  <cs:dataPoint>
+    <cs:lnRef idx="0"/>
+    <cs:fillRef idx="1">
+      <cs:styleClr val="auto"/>
+    </cs:fillRef>
+    <cs:effectRef idx="0"/>
+    <cs:fontRef idx="minor">
+      <a:schemeClr val="tx1"/>
+    </cs:fontRef>
+  </cs:dataPoint>
+  <cs:dataPoint3D>
+    <cs:lnRef idx="0"/>
+    <cs:fillRef idx="1">
+      <cs:styleClr val="auto"/>
+    </cs:fillRef>
+    <cs:effectRef idx="0"/>
+    <cs:fontRef idx="minor">
+      <a:schemeClr val="tx1"/>
+    </cs:fontRef>
+  </cs:dataPoint3D>
+  <cs:dataPointLine>
+    <cs:lnRef idx="0">
+      <cs:styleClr val="auto"/>
+    </cs:lnRef>
+    <cs:fillRef idx="1"/>
+    <cs:effectRef idx="0"/>
+    <cs:fontRef idx="minor">
+      <a:schemeClr val="tx1"/>
+    </cs:fontRef>
+    <cs:spPr>
+      <a:ln w="28575" cap="rnd">
+        <a:solidFill>
+          <a:schemeClr val="phClr"/>
+        </a:solidFill>
+        <a:round/>
+      </a:ln>
+    </cs:spPr>
+  </cs:dataPointLine>
+  <cs:dataPointMarker>
+    <cs:lnRef idx="0">
+      <cs:styleClr val="auto"/>
+    </cs:lnRef>
+    <cs:fillRef idx="1">
+      <cs:styleClr val="auto"/>
+    </cs:fillRef>
+    <cs:effectRef idx="0"/>
+    <cs:fontRef idx="minor">
+      <a:schemeClr val="tx1"/>
+    </cs:fontRef>
+    <cs:spPr>
+      <a:ln w="9525">
+        <a:solidFill>
+          <a:schemeClr val="phClr"/>
+        </a:solidFill>
+      </a:ln>
+    </cs:spPr>
+  </cs:dataPointMarker>
+  <cs:dataPointMarkerLayout symbol="circle" size="5"/>
+  <cs:dataPointWireframe>
+    <cs:lnRef idx="0">
+      <cs:styleClr val="auto"/>
+    </cs:lnRef>
+    <cs:fillRef idx="1"/>
+    <cs:effectRef idx="0"/>
+    <cs:fontRef idx="minor">
+      <a:schemeClr val="tx1"/>
+    </cs:fontRef>
+    <cs:spPr>
+      <a:ln w="9525" cap="rnd">
+        <a:solidFill>
+          <a:schemeClr val="phClr"/>
+        </a:solidFill>
+        <a:round/>
+      </a:ln>
+    </cs:spPr>
+  </cs:dataPointWireframe>
+  <cs:dataTable>
+    <cs:lnRef idx="0"/>
+    <cs:fillRef idx="0"/>
+    <cs:effectRef idx="0"/>
+    <cs:fontRef idx="minor">
+      <a:schemeClr val="tx1">
+        <a:lumMod val="65000"/>
+        <a:lumOff val="35000"/>
+      </a:schemeClr>
+    </cs:fontRef>
+    <cs:spPr>
+      <a:noFill/>
+      <a:ln w="9525" cap="flat" cmpd="sng" algn="ctr">
+        <a:solidFill>
+          <a:schemeClr val="tx1">
+            <a:lumMod val="15000"/>
+            <a:lumOff val="85000"/>
+          </a:schemeClr>
+        </a:solidFill>
+        <a:round/>
+      </a:ln>
+    </cs:spPr>
+    <cs:defRPr sz="900" kern="1200"/>
+  </cs:dataTable>
+  <cs:downBar>
+    <cs:lnRef idx="0"/>
+    <cs:fillRef idx="0"/>
+    <cs:effectRef idx="0"/>
+    <cs:fontRef idx="minor">
+      <a:schemeClr val="dk1"/>
+    </cs:fontRef>
+    <cs:spPr>
+      <a:solidFill>
+        <a:schemeClr val="dk1">
+          <a:lumMod val="65000"/>
+          <a:lumOff val="35000"/>
+        </a:schemeClr>
+      </a:solidFill>
+      <a:ln w="9525">
+        <a:solidFill>
+          <a:schemeClr val="tx1">
+            <a:lumMod val="65000"/>
+            <a:lumOff val="35000"/>
+          </a:schemeClr>
+        </a:solidFill>
+      </a:ln>
+    </cs:spPr>
+  </cs:downBar>
+  <cs:dropLine>
+    <cs:lnRef idx="0"/>
+    <cs:fillRef idx="0"/>
+    <cs:effectRef idx="0"/>
+    <cs:fontRef idx="minor">
+      <a:schemeClr val="tx1"/>
+    </cs:fontRef>
+    <cs:spPr>
+      <a:ln w="9525" cap="flat" cmpd="sng" algn="ctr">
+        <a:solidFill>
+          <a:schemeClr val="tx1">
+            <a:lumMod val="35000"/>
+            <a:lumOff val="65000"/>
+          </a:schemeClr>
+        </a:solidFill>
+        <a:round/>
+      </a:ln>
+    </cs:spPr>
+  </cs:dropLine>
+  <cs:errorBar>
+    <cs:lnRef idx="0"/>
+    <cs:fillRef idx="0"/>
+    <cs:effectRef idx="0"/>
+    <cs:fontRef idx="minor">
+      <a:schemeClr val="tx1"/>
+    </cs:fontRef>
+    <cs:spPr>
+      <a:ln w="9525" cap="flat" cmpd="sng" algn="ctr">
+        <a:solidFill>
+          <a:schemeClr val="tx1">
+            <a:lumMod val="65000"/>
+            <a:lumOff val="35000"/>
+          </a:schemeClr>
+        </a:solidFill>
+        <a:round/>
+      </a:ln>
+    </cs:spPr>
+  </cs:errorBar>
+  <cs:floor>
+    <cs:lnRef idx="0"/>
+    <cs:fillRef idx="0"/>
+    <cs:effectRef idx="0"/>
+    <cs:fontRef idx="minor">
+      <a:schemeClr val="tx1"/>
+    </cs:fontRef>
+    <cs:spPr>
+      <a:noFill/>
+      <a:ln>
+        <a:noFill/>
+      </a:ln>
+    </cs:spPr>
+  </cs:floor>
+  <cs:gridlineMajor>
+    <cs:lnRef idx="0"/>
+    <cs:fillRef idx="0"/>
+    <cs:effectRef idx="0"/>
+    <cs:fontRef idx="minor">
+      <a:schemeClr val="tx1"/>
+    </cs:fontRef>
+    <cs:spPr>
+      <a:ln w="9525" cap="flat" cmpd="sng" algn="ctr">
+        <a:solidFill>
+          <a:schemeClr val="tx1">
+            <a:lumMod val="15000"/>
+            <a:lumOff val="85000"/>
+          </a:schemeClr>
+        </a:solidFill>
+        <a:round/>
+      </a:ln>
+    </cs:spPr>
+  </cs:gridlineMajor>
+  <cs:gridlineMinor>
+    <cs:lnRef idx="0"/>
+    <cs:fillRef idx="0"/>
+    <cs:effectRef idx="0"/>
+    <cs:fontRef idx="minor">
+      <a:schemeClr val="tx1"/>
+    </cs:fontRef>
+    <cs:spPr>
+      <a:ln w="9525" cap="flat" cmpd="sng" algn="ctr">
+        <a:solidFill>
+          <a:schemeClr val="tx1">
+            <a:lumMod val="5000"/>
+            <a:lumOff val="95000"/>
+          </a:schemeClr>
+        </a:solidFill>
+        <a:round/>
+      </a:ln>
+    </cs:spPr>
+  </cs:gridlineMinor>
+  <cs:hiLoLine>
+    <cs:lnRef idx="0"/>
+    <cs:fillRef idx="0"/>
+    <cs:effectRef idx="0"/>
+    <cs:fontRef idx="minor">
+      <a:schemeClr val="tx1"/>
+    </cs:fontRef>
+    <cs:spPr>
+      <a:ln w="9525" cap="flat" cmpd="sng" algn="ctr">
+        <a:solidFill>
+          <a:schemeClr val="tx1">
+            <a:lumMod val="75000"/>
+            <a:lumOff val="25000"/>
+          </a:schemeClr>
+        </a:solidFill>
+        <a:round/>
+      </a:ln>
+    </cs:spPr>
+  </cs:hiLoLine>
+  <cs:leaderLine>
+    <cs:lnRef idx="0"/>
+    <cs:fillRef idx="0"/>
+    <cs:effectRef idx="0"/>
+    <cs:fontRef idx="minor">
+      <a:schemeClr val="tx1"/>
+    </cs:fontRef>
+    <cs:spPr>
+      <a:ln w="9525" cap="flat" cmpd="sng" algn="ctr">
+        <a:solidFill>
+          <a:schemeClr val="tx1">
+            <a:lumMod val="35000"/>
+            <a:lumOff val="65000"/>
+          </a:schemeClr>
+        </a:solidFill>
+        <a:round/>
+      </a:ln>
+    </cs:spPr>
+  </cs:leaderLine>
+  <cs:legend>
+    <cs:lnRef idx="0"/>
+    <cs:fillRef idx="0"/>
+    <cs:effectRef idx="0"/>
+    <cs:fontRef idx="minor">
+      <a:schemeClr val="tx1">
+        <a:lumMod val="65000"/>
+        <a:lumOff val="35000"/>
+      </a:schemeClr>
+    </cs:fontRef>
+    <cs:defRPr sz="900" kern="1200"/>
+  </cs:legend>
+  <cs:plotArea mods="allowNoFillOverride allowNoLineOverride">
+    <cs:lnRef idx="0"/>
+    <cs:fillRef idx="0"/>
+    <cs:effectRef idx="0"/>
+    <cs:fontRef idx="minor">
+      <a:schemeClr val="tx1"/>
+    </cs:fontRef>
+  </cs:plotArea>
+  <cs:plotArea3D mods="allowNoFillOverride allowNoLineOverride">
+    <cs:lnRef idx="0"/>
+    <cs:fillRef idx="0"/>
+    <cs:effectRef idx="0"/>
+    <cs:fontRef idx="minor">
+      <a:schemeClr val="tx1"/>
+    </cs:fontRef>
+  </cs:plotArea3D>
+  <cs:seriesAxis>
+    <cs:lnRef idx="0"/>
+    <cs:fillRef idx="0"/>
+    <cs:effectRef idx="0"/>
+    <cs:fontRef idx="minor">
+      <a:schemeClr val="tx1">
+        <a:lumMod val="65000"/>
+        <a:lumOff val="35000"/>
+      </a:schemeClr>
+    </cs:fontRef>
+    <cs:defRPr sz="900" kern="1200"/>
+  </cs:seriesAxis>
+  <cs:seriesLine>
+    <cs:lnRef idx="0"/>
+    <cs:fillRef idx="0"/>
+    <cs:effectRef idx="0"/>
+    <cs:fontRef idx="minor">
+      <a:schemeClr val="tx1"/>
+    </cs:fontRef>
+    <cs:spPr>
+      <a:ln w="9525" cap="flat" cmpd="sng" algn="ctr">
+        <a:solidFill>
+          <a:schemeClr val="tx1">
+            <a:lumMod val="35000"/>
+            <a:lumOff val="65000"/>
+          </a:schemeClr>
+        </a:solidFill>
+        <a:round/>
+      </a:ln>
+    </cs:spPr>
+  </cs:seriesLine>
+  <cs:title>
+    <cs:lnRef idx="0"/>
+    <cs:fillRef idx="0"/>
+    <cs:effectRef idx="0"/>
+    <cs:fontRef idx="minor">
+      <a:schemeClr val="tx1">
+        <a:lumMod val="65000"/>
+        <a:lumOff val="35000"/>
+      </a:schemeClr>
+    </cs:fontRef>
+    <cs:defRPr sz="1400" b="0" kern="1200" spc="0" baseline="0"/>
+  </cs:title>
+  <cs:trendline>
+    <cs:lnRef idx="0">
+      <cs:styleClr val="auto"/>
+    </cs:lnRef>
+    <cs:fillRef idx="0"/>
+    <cs:effectRef idx="0"/>
+    <cs:fontRef idx="minor">
+      <a:schemeClr val="tx1"/>
+    </cs:fontRef>
+    <cs:spPr>
+      <a:ln w="19050" cap="rnd">
+        <a:solidFill>
+          <a:schemeClr val="phClr"/>
+        </a:solidFill>
+        <a:prstDash val="sysDot"/>
+      </a:ln>
+    </cs:spPr>
+  </cs:trendline>
+  <cs:trendlineLabel>
+    <cs:lnRef idx="0"/>
+    <cs:fillRef idx="0"/>
+    <cs:effectRef idx="0"/>
+    <cs:fontRef idx="minor">
+      <a:schemeClr val="tx1">
+        <a:lumMod val="65000"/>
+        <a:lumOff val="35000"/>
+      </a:schemeClr>
+    </cs:fontRef>
+    <cs:defRPr sz="900" kern="1200"/>
+  </cs:trendlineLabel>
+  <cs:upBar>
+    <cs:lnRef idx="0"/>
+    <cs:fillRef idx="0"/>
+    <cs:effectRef idx="0"/>
+    <cs:fontRef idx="minor">
+      <a:schemeClr val="dk1"/>
+    </cs:fontRef>
+    <cs:spPr>
+      <a:solidFill>
+        <a:schemeClr val="lt1"/>
+      </a:solidFill>
+      <a:ln w="9525">
+        <a:solidFill>
+          <a:schemeClr val="tx1">
+            <a:lumMod val="15000"/>
+            <a:lumOff val="85000"/>
+          </a:schemeClr>
+        </a:solidFill>
+      </a:ln>
+    </cs:spPr>
+  </cs:upBar>
+  <cs:valueAxis>
+    <cs:lnRef idx="0"/>
+    <cs:fillRef idx="0"/>
+    <cs:effectRef idx="0"/>
+    <cs:fontRef idx="minor">
+      <a:schemeClr val="tx1">
+        <a:lumMod val="65000"/>
+        <a:lumOff val="35000"/>
+      </a:schemeClr>
+    </cs:fontRef>
+    <cs:defRPr sz="900" kern="1200"/>
+  </cs:valueAxis>
+  <cs:wall>
+    <cs:lnRef idx="0"/>
+    <cs:fillRef idx="0"/>
+    <cs:effectRef idx="0"/>
+    <cs:fontRef idx="minor">
+      <a:schemeClr val="tx1"/>
+    </cs:fontRef>
+    <cs:spPr>
+      <a:noFill/>
+      <a:ln>
+        <a:noFill/>
+      </a:ln>
+    </cs:spPr>
+  </cs:wall>
+</cs:chartStyle>
 </file>
 
 <file path=ppt/diagrams/colors1.xml><?xml version="1.0" encoding="utf-8"?>
@@ -7080,6 +10409,174 @@
 </p:notes>
 </file>
 
+<file path=ppt/notesSlides/notesSlide3.xml><?xml version="1.0" encoding="utf-8"?>
+<p:notes xmlns:a="http://schemas.openxmlformats.org/drawingml/2006/main" xmlns:r="http://schemas.openxmlformats.org/officeDocument/2006/relationships" xmlns:p="http://schemas.openxmlformats.org/presentationml/2006/main">
+  <p:cSld>
+    <p:spTree>
+      <p:nvGrpSpPr>
+        <p:cNvPr id="1" name=""/>
+        <p:cNvGrpSpPr/>
+        <p:nvPr/>
+      </p:nvGrpSpPr>
+      <p:grpSpPr>
+        <a:xfrm>
+          <a:off x="0" y="0"/>
+          <a:ext cx="0" cy="0"/>
+          <a:chOff x="0" y="0"/>
+          <a:chExt cx="0" cy="0"/>
+        </a:xfrm>
+      </p:grpSpPr>
+      <p:sp>
+        <p:nvSpPr>
+          <p:cNvPr id="2" name="Slide Image Placeholder 1"/>
+          <p:cNvSpPr>
+            <a:spLocks noGrp="1" noRot="1" noChangeAspect="1"/>
+          </p:cNvSpPr>
+          <p:nvPr>
+            <p:ph type="sldImg"/>
+          </p:nvPr>
+        </p:nvSpPr>
+        <p:spPr/>
+      </p:sp>
+      <p:sp>
+        <p:nvSpPr>
+          <p:cNvPr id="3" name="Notes Placeholder 2"/>
+          <p:cNvSpPr>
+            <a:spLocks noGrp="1"/>
+          </p:cNvSpPr>
+          <p:nvPr>
+            <p:ph type="body" idx="1"/>
+          </p:nvPr>
+        </p:nvSpPr>
+        <p:spPr/>
+        <p:txBody>
+          <a:bodyPr/>
+          <a:lstStyle/>
+          <a:p>
+            <a:endParaRPr lang="en-US" dirty="0"/>
+          </a:p>
+        </p:txBody>
+      </p:sp>
+      <p:sp>
+        <p:nvSpPr>
+          <p:cNvPr id="4" name="Slide Number Placeholder 3"/>
+          <p:cNvSpPr>
+            <a:spLocks noGrp="1"/>
+          </p:cNvSpPr>
+          <p:nvPr>
+            <p:ph type="sldNum" sz="quarter" idx="10"/>
+          </p:nvPr>
+        </p:nvSpPr>
+        <p:spPr/>
+        <p:txBody>
+          <a:bodyPr/>
+          <a:lstStyle/>
+          <a:p>
+            <a:fld id="{E6C22B83-ABD6-0F43-B818-DC95DF684F80}" type="slidenum">
+              <a:rPr lang="en-US" smtClean="0"/>
+              <a:t>9</a:t>
+            </a:fld>
+            <a:endParaRPr lang="en-US"/>
+          </a:p>
+        </p:txBody>
+      </p:sp>
+    </p:spTree>
+    <p:extLst>
+      <p:ext uri="{BB962C8B-B14F-4D97-AF65-F5344CB8AC3E}">
+        <p14:creationId xmlns:p14="http://schemas.microsoft.com/office/powerpoint/2010/main" val="1504571845"/>
+      </p:ext>
+    </p:extLst>
+  </p:cSld>
+  <p:clrMapOvr>
+    <a:masterClrMapping/>
+  </p:clrMapOvr>
+</p:notes>
+</file>
+
+<file path=ppt/notesSlides/notesSlide4.xml><?xml version="1.0" encoding="utf-8"?>
+<p:notes xmlns:a="http://schemas.openxmlformats.org/drawingml/2006/main" xmlns:r="http://schemas.openxmlformats.org/officeDocument/2006/relationships" xmlns:p="http://schemas.openxmlformats.org/presentationml/2006/main">
+  <p:cSld>
+    <p:spTree>
+      <p:nvGrpSpPr>
+        <p:cNvPr id="1" name=""/>
+        <p:cNvGrpSpPr/>
+        <p:nvPr/>
+      </p:nvGrpSpPr>
+      <p:grpSpPr>
+        <a:xfrm>
+          <a:off x="0" y="0"/>
+          <a:ext cx="0" cy="0"/>
+          <a:chOff x="0" y="0"/>
+          <a:chExt cx="0" cy="0"/>
+        </a:xfrm>
+      </p:grpSpPr>
+      <p:sp>
+        <p:nvSpPr>
+          <p:cNvPr id="2" name="Slide Image Placeholder 1"/>
+          <p:cNvSpPr>
+            <a:spLocks noGrp="1" noRot="1" noChangeAspect="1"/>
+          </p:cNvSpPr>
+          <p:nvPr>
+            <p:ph type="sldImg"/>
+          </p:nvPr>
+        </p:nvSpPr>
+        <p:spPr/>
+      </p:sp>
+      <p:sp>
+        <p:nvSpPr>
+          <p:cNvPr id="3" name="Notes Placeholder 2"/>
+          <p:cNvSpPr>
+            <a:spLocks noGrp="1"/>
+          </p:cNvSpPr>
+          <p:nvPr>
+            <p:ph type="body" idx="1"/>
+          </p:nvPr>
+        </p:nvSpPr>
+        <p:spPr/>
+        <p:txBody>
+          <a:bodyPr/>
+          <a:lstStyle/>
+          <a:p>
+            <a:endParaRPr lang="en-US"/>
+          </a:p>
+        </p:txBody>
+      </p:sp>
+      <p:sp>
+        <p:nvSpPr>
+          <p:cNvPr id="4" name="Slide Number Placeholder 3"/>
+          <p:cNvSpPr>
+            <a:spLocks noGrp="1"/>
+          </p:cNvSpPr>
+          <p:nvPr>
+            <p:ph type="sldNum" sz="quarter" idx="10"/>
+          </p:nvPr>
+        </p:nvSpPr>
+        <p:spPr/>
+        <p:txBody>
+          <a:bodyPr/>
+          <a:lstStyle/>
+          <a:p>
+            <a:fld id="{E6C22B83-ABD6-0F43-B818-DC95DF684F80}" type="slidenum">
+              <a:rPr lang="en-US" smtClean="0"/>
+              <a:t>10</a:t>
+            </a:fld>
+            <a:endParaRPr lang="en-US"/>
+          </a:p>
+        </p:txBody>
+      </p:sp>
+    </p:spTree>
+    <p:extLst>
+      <p:ext uri="{BB962C8B-B14F-4D97-AF65-F5344CB8AC3E}">
+        <p14:creationId xmlns:p14="http://schemas.microsoft.com/office/powerpoint/2010/main" val="447465935"/>
+      </p:ext>
+    </p:extLst>
+  </p:cSld>
+  <p:clrMapOvr>
+    <a:masterClrMapping/>
+  </p:clrMapOvr>
+</p:notes>
+</file>
+
 <file path=ppt/slideLayouts/slideLayout1.xml><?xml version="1.0" encoding="utf-8"?>
 <p:sldLayout xmlns:a="http://schemas.openxmlformats.org/drawingml/2006/main" xmlns:r="http://schemas.openxmlformats.org/officeDocument/2006/relationships" xmlns:p="http://schemas.openxmlformats.org/presentationml/2006/main" type="title" preserve="1">
   <p:cSld name="Title Slide">
@@ -12740,8 +16237,20 @@
           <a:p>
             <a:r>
               <a:rPr lang="en-GB" dirty="0"/>
-              <a:t>Problems:</a:t>
-            </a:r>
+              <a:t>Problems</a:t>
+            </a:r>
+            <a:r>
+              <a:rPr lang="en-GB" dirty="0" smtClean="0"/>
+              <a:t>:</a:t>
+            </a:r>
+          </a:p>
+          <a:p>
+            <a:pPr lvl="1"/>
+            <a:r>
+              <a:rPr lang="en-GB" dirty="0" smtClean="0"/>
+              <a:t>Time: 1 day of computation</a:t>
+            </a:r>
+            <a:endParaRPr lang="en-GB" dirty="0"/>
           </a:p>
           <a:p>
             <a:pPr lvl="1"/>
@@ -12755,8 +16264,13 @@
             </a:r>
             <a:r>
               <a:rPr lang="en-GB" dirty="0"/>
-              <a:t>allow to predict lesser matches.</a:t>
-            </a:r>
+              <a:t>allow to predict lesser </a:t>
+            </a:r>
+            <a:r>
+              <a:rPr lang="en-GB" dirty="0" smtClean="0"/>
+              <a:t>matches</a:t>
+            </a:r>
+            <a:endParaRPr lang="en-GB" dirty="0"/>
           </a:p>
           <a:p>
             <a:pPr lvl="1"/>
@@ -12766,7 +16280,11 @@
             </a:r>
             <a:r>
               <a:rPr lang="en-GB" dirty="0" smtClean="0"/>
-              <a:t>comparable with the one’s from bigger (N vs n, N &gt;&gt; n ).</a:t>
+              <a:t>comparable with the one’s from bigger (N vs n, N &gt;&gt; n </a:t>
+            </a:r>
+            <a:r>
+              <a:rPr lang="en-GB" dirty="0" smtClean="0"/>
+              <a:t>)</a:t>
             </a:r>
             <a:endParaRPr lang="en-GB" dirty="0"/>
           </a:p>
@@ -14077,7 +17595,12 @@
             <p:ph type="title"/>
           </p:nvPr>
         </p:nvSpPr>
-        <p:spPr/>
+        <p:spPr>
+          <a:xfrm>
+            <a:off x="2895600" y="9063"/>
+            <a:ext cx="8610600" cy="1293028"/>
+          </a:xfrm>
+        </p:spPr>
         <p:txBody>
           <a:bodyPr/>
           <a:lstStyle/>
@@ -14100,7 +17623,12 @@
             <p:ph idx="1"/>
           </p:nvPr>
         </p:nvSpPr>
-        <p:spPr/>
+        <p:spPr>
+          <a:xfrm>
+            <a:off x="539750" y="1426468"/>
+            <a:ext cx="4257881" cy="2183631"/>
+          </a:xfrm>
+        </p:spPr>
         <p:txBody>
           <a:bodyPr/>
           <a:lstStyle/>
@@ -14132,6 +17660,78 @@
           </a:p>
         </p:txBody>
       </p:sp>
+      <p:graphicFrame>
+        <p:nvGraphicFramePr>
+          <p:cNvPr id="4" name="Chart 3"/>
+          <p:cNvGraphicFramePr>
+            <a:graphicFrameLocks/>
+          </p:cNvGraphicFramePr>
+          <p:nvPr>
+            <p:extLst>
+              <p:ext uri="{D42A27DB-BD31-4B8C-83A1-F6EECF244321}">
+                <p14:modId xmlns:p14="http://schemas.microsoft.com/office/powerpoint/2010/main" val="1045041905"/>
+              </p:ext>
+            </p:extLst>
+          </p:nvPr>
+        </p:nvGraphicFramePr>
+        <p:xfrm>
+          <a:off x="5521861" y="1000653"/>
+          <a:ext cx="6472217" cy="2743200"/>
+        </p:xfrm>
+        <a:graphic>
+          <a:graphicData uri="http://schemas.openxmlformats.org/drawingml/2006/chart">
+            <c:chart xmlns:c="http://schemas.openxmlformats.org/drawingml/2006/chart" xmlns:r="http://schemas.openxmlformats.org/officeDocument/2006/relationships" r:id="rId3"/>
+          </a:graphicData>
+        </a:graphic>
+      </p:graphicFrame>
+      <p:graphicFrame>
+        <p:nvGraphicFramePr>
+          <p:cNvPr id="5" name="Chart 4"/>
+          <p:cNvGraphicFramePr>
+            <a:graphicFrameLocks/>
+          </p:cNvGraphicFramePr>
+          <p:nvPr>
+            <p:extLst>
+              <p:ext uri="{D42A27DB-BD31-4B8C-83A1-F6EECF244321}">
+                <p14:modId xmlns:p14="http://schemas.microsoft.com/office/powerpoint/2010/main" val="1687179099"/>
+              </p:ext>
+            </p:extLst>
+          </p:nvPr>
+        </p:nvGraphicFramePr>
+        <p:xfrm>
+          <a:off x="5521861" y="3723228"/>
+          <a:ext cx="6472217" cy="2743200"/>
+        </p:xfrm>
+        <a:graphic>
+          <a:graphicData uri="http://schemas.openxmlformats.org/drawingml/2006/chart">
+            <c:chart xmlns:c="http://schemas.openxmlformats.org/drawingml/2006/chart" xmlns:r="http://schemas.openxmlformats.org/officeDocument/2006/relationships" r:id="rId4"/>
+          </a:graphicData>
+        </a:graphic>
+      </p:graphicFrame>
+      <p:graphicFrame>
+        <p:nvGraphicFramePr>
+          <p:cNvPr id="6" name="Chart 5"/>
+          <p:cNvGraphicFramePr>
+            <a:graphicFrameLocks/>
+          </p:cNvGraphicFramePr>
+          <p:nvPr>
+            <p:extLst>
+              <p:ext uri="{D42A27DB-BD31-4B8C-83A1-F6EECF244321}">
+                <p14:modId xmlns:p14="http://schemas.microsoft.com/office/powerpoint/2010/main" val="1898032169"/>
+              </p:ext>
+            </p:extLst>
+          </p:nvPr>
+        </p:nvGraphicFramePr>
+        <p:xfrm>
+          <a:off x="539750" y="2873829"/>
+          <a:ext cx="4982111" cy="3613224"/>
+        </p:xfrm>
+        <a:graphic>
+          <a:graphicData uri="http://schemas.openxmlformats.org/drawingml/2006/chart">
+            <c:chart xmlns:c="http://schemas.openxmlformats.org/drawingml/2006/chart" xmlns:r="http://schemas.openxmlformats.org/officeDocument/2006/relationships" r:id="rId5"/>
+          </a:graphicData>
+        </a:graphic>
+      </p:graphicFrame>
     </p:spTree>
     <p:extLst>
       <p:ext uri="{BB962C8B-B14F-4D97-AF65-F5344CB8AC3E}">

--- a/TODO/spa_presentation.pptx
+++ b/TODO/spa_presentation.pptx
@@ -5,7 +5,7 @@
     <p:sldMasterId id="2147483713" r:id="rId1"/>
   </p:sldMasterIdLst>
   <p:notesMasterIdLst>
-    <p:notesMasterId r:id="rId13"/>
+    <p:notesMasterId r:id="rId14"/>
   </p:notesMasterIdLst>
   <p:sldIdLst>
     <p:sldId id="256" r:id="rId2"/>
@@ -18,7 +18,8 @@
     <p:sldId id="264" r:id="rId9"/>
     <p:sldId id="265" r:id="rId10"/>
     <p:sldId id="266" r:id="rId11"/>
-    <p:sldId id="263" r:id="rId12"/>
+    <p:sldId id="267" r:id="rId12"/>
+    <p:sldId id="263" r:id="rId13"/>
   </p:sldIdLst>
   <p:sldSz cx="12192000" cy="6858000"/>
   <p:notesSz cx="6858000" cy="9144000"/>
@@ -539,11 +540,11 @@
         </c:dLbls>
         <c:gapWidth val="219"/>
         <c:overlap val="-27"/>
-        <c:axId val="-1106739488"/>
-        <c:axId val="-1106737712"/>
+        <c:axId val="1999587920"/>
+        <c:axId val="1999589696"/>
       </c:barChart>
       <c:catAx>
-        <c:axId val="-1106739488"/>
+        <c:axId val="1999587920"/>
         <c:scaling>
           <c:orientation val="minMax"/>
         </c:scaling>
@@ -586,7 +587,7 @@
             <a:endParaRPr lang="en-US"/>
           </a:p>
         </c:txPr>
-        <c:crossAx val="-1106737712"/>
+        <c:crossAx val="1999589696"/>
         <c:crosses val="autoZero"/>
         <c:auto val="1"/>
         <c:lblAlgn val="ctr"/>
@@ -594,7 +595,7 @@
         <c:noMultiLvlLbl val="0"/>
       </c:catAx>
       <c:valAx>
-        <c:axId val="-1106737712"/>
+        <c:axId val="1999589696"/>
         <c:scaling>
           <c:orientation val="minMax"/>
         </c:scaling>
@@ -645,7 +646,7 @@
             <a:endParaRPr lang="en-US"/>
           </a:p>
         </c:txPr>
-        <c:crossAx val="-1106739488"/>
+        <c:crossAx val="1999587920"/>
         <c:crosses val="autoZero"/>
         <c:crossBetween val="between"/>
       </c:valAx>
@@ -1098,11 +1099,11 @@
         </c:dLbls>
         <c:gapWidth val="219"/>
         <c:overlap val="-27"/>
-        <c:axId val="-1056897408"/>
-        <c:axId val="-1056756000"/>
+        <c:axId val="1999610560"/>
+        <c:axId val="1999613312"/>
       </c:barChart>
       <c:catAx>
-        <c:axId val="-1056897408"/>
+        <c:axId val="1999610560"/>
         <c:scaling>
           <c:orientation val="minMax"/>
         </c:scaling>
@@ -1145,7 +1146,7 @@
             <a:endParaRPr lang="en-US"/>
           </a:p>
         </c:txPr>
-        <c:crossAx val="-1056756000"/>
+        <c:crossAx val="1999613312"/>
         <c:crosses val="autoZero"/>
         <c:auto val="1"/>
         <c:lblAlgn val="ctr"/>
@@ -1153,7 +1154,7 @@
         <c:noMultiLvlLbl val="0"/>
       </c:catAx>
       <c:valAx>
-        <c:axId val="-1056756000"/>
+        <c:axId val="1999613312"/>
         <c:scaling>
           <c:orientation val="minMax"/>
         </c:scaling>
@@ -1204,7 +1205,7 @@
             <a:endParaRPr lang="en-US"/>
           </a:p>
         </c:txPr>
-        <c:crossAx val="-1056897408"/>
+        <c:crossAx val="1999610560"/>
         <c:crosses val="autoZero"/>
         <c:crossBetween val="between"/>
       </c:valAx>
@@ -1657,11 +1658,11 @@
         </c:dLbls>
         <c:gapWidth val="219"/>
         <c:overlap val="-27"/>
-        <c:axId val="-1056814672"/>
-        <c:axId val="-1056812352"/>
+        <c:axId val="2021674176"/>
+        <c:axId val="2021676928"/>
       </c:barChart>
       <c:catAx>
-        <c:axId val="-1056814672"/>
+        <c:axId val="2021674176"/>
         <c:scaling>
           <c:orientation val="minMax"/>
         </c:scaling>
@@ -1704,7 +1705,7 @@
             <a:endParaRPr lang="en-US"/>
           </a:p>
         </c:txPr>
-        <c:crossAx val="-1056812352"/>
+        <c:crossAx val="2021676928"/>
         <c:crosses val="autoZero"/>
         <c:auto val="1"/>
         <c:lblAlgn val="ctr"/>
@@ -1712,7 +1713,7 @@
         <c:noMultiLvlLbl val="0"/>
       </c:catAx>
       <c:valAx>
-        <c:axId val="-1056812352"/>
+        <c:axId val="2021676928"/>
         <c:scaling>
           <c:orientation val="minMax"/>
         </c:scaling>
@@ -1763,7 +1764,7 @@
             <a:endParaRPr lang="en-US"/>
           </a:p>
         </c:txPr>
-        <c:crossAx val="-1056814672"/>
+        <c:crossAx val="2021674176"/>
         <c:crosses val="autoZero"/>
         <c:crossBetween val="between"/>
       </c:valAx>
@@ -1807,6 +1808,854 @@
         </a:p>
       </c:txPr>
     </c:legend>
+    <c:plotVisOnly val="1"/>
+    <c:dispBlanksAs val="gap"/>
+    <c:showDLblsOverMax val="0"/>
+  </c:chart>
+  <c:spPr>
+    <a:noFill/>
+    <a:ln>
+      <a:noFill/>
+    </a:ln>
+    <a:effectLst/>
+  </c:spPr>
+  <c:txPr>
+    <a:bodyPr/>
+    <a:lstStyle/>
+    <a:p>
+      <a:pPr>
+        <a:defRPr/>
+      </a:pPr>
+      <a:endParaRPr lang="en-US"/>
+    </a:p>
+  </c:txPr>
+  <c:externalData r:id="rId3">
+    <c:autoUpdate val="0"/>
+  </c:externalData>
+</c:chartSpace>
+</file>
+
+<file path=ppt/charts/chart4.xml><?xml version="1.0" encoding="utf-8"?>
+<c:chartSpace xmlns:c="http://schemas.openxmlformats.org/drawingml/2006/chart" xmlns:a="http://schemas.openxmlformats.org/drawingml/2006/main" xmlns:r="http://schemas.openxmlformats.org/officeDocument/2006/relationships">
+  <c:date1904 val="0"/>
+  <c:lang val="en-US"/>
+  <c:roundedCorners val="0"/>
+  <mc:AlternateContent xmlns:mc="http://schemas.openxmlformats.org/markup-compatibility/2006">
+    <mc:Choice xmlns:c14="http://schemas.microsoft.com/office/drawing/2007/8/2/chart" Requires="c14">
+      <c14:style val="102"/>
+    </mc:Choice>
+    <mc:Fallback>
+      <c:style val="2"/>
+    </mc:Fallback>
+  </mc:AlternateContent>
+  <c:chart>
+    <c:title>
+      <c:tx>
+        <c:rich>
+          <a:bodyPr rot="0" spcFirstLastPara="1" vertOverflow="ellipsis" vert="horz" wrap="square" anchor="ctr" anchorCtr="1"/>
+          <a:lstStyle/>
+          <a:p>
+            <a:pPr>
+              <a:defRPr sz="1400" b="0" i="0" u="none" strike="noStrike" kern="1200" spc="0" baseline="0">
+                <a:solidFill>
+                  <a:schemeClr val="tx1">
+                    <a:lumMod val="65000"/>
+                    <a:lumOff val="35000"/>
+                  </a:schemeClr>
+                </a:solidFill>
+                <a:latin typeface="+mn-lt"/>
+                <a:ea typeface="+mn-ea"/>
+                <a:cs typeface="+mn-cs"/>
+              </a:defRPr>
+            </a:pPr>
+            <a:r>
+              <a:rPr lang="en-US" dirty="0" smtClean="0"/>
+              <a:t>Accuracy</a:t>
+            </a:r>
+            <a:r>
+              <a:rPr lang="en-US" baseline="0" dirty="0" smtClean="0"/>
+              <a:t> comparison</a:t>
+            </a:r>
+            <a:endParaRPr lang="en-US" dirty="0"/>
+          </a:p>
+        </c:rich>
+      </c:tx>
+      <c:layout/>
+      <c:overlay val="0"/>
+      <c:spPr>
+        <a:noFill/>
+        <a:ln>
+          <a:noFill/>
+        </a:ln>
+        <a:effectLst/>
+      </c:spPr>
+      <c:txPr>
+        <a:bodyPr rot="0" spcFirstLastPara="1" vertOverflow="ellipsis" vert="horz" wrap="square" anchor="ctr" anchorCtr="1"/>
+        <a:lstStyle/>
+        <a:p>
+          <a:pPr>
+            <a:defRPr sz="1400" b="0" i="0" u="none" strike="noStrike" kern="1200" spc="0" baseline="0">
+              <a:solidFill>
+                <a:schemeClr val="tx1">
+                  <a:lumMod val="65000"/>
+                  <a:lumOff val="35000"/>
+                </a:schemeClr>
+              </a:solidFill>
+              <a:latin typeface="+mn-lt"/>
+              <a:ea typeface="+mn-ea"/>
+              <a:cs typeface="+mn-cs"/>
+            </a:defRPr>
+          </a:pPr>
+          <a:endParaRPr lang="en-US"/>
+        </a:p>
+      </c:txPr>
+    </c:title>
+    <c:autoTitleDeleted val="0"/>
+    <c:plotArea>
+      <c:layout>
+        <c:manualLayout>
+          <c:layoutTarget val="inner"/>
+          <c:xMode val="edge"/>
+          <c:yMode val="edge"/>
+          <c:x val="0.0939835786559934"/>
+          <c:y val="0.20737555434881"/>
+          <c:w val="0.864349737532808"/>
+          <c:h val="0.697916779799077"/>
+        </c:manualLayout>
+      </c:layout>
+      <c:barChart>
+        <c:barDir val="col"/>
+        <c:grouping val="clustered"/>
+        <c:varyColors val="0"/>
+        <c:ser>
+          <c:idx val="0"/>
+          <c:order val="0"/>
+          <c:tx>
+            <c:strRef>
+              <c:f>BEST!$A$4:$C$4</c:f>
+              <c:strCache>
+                <c:ptCount val="3"/>
+                <c:pt idx="0">
+                  <c:v>1_3</c:v>
+                </c:pt>
+                <c:pt idx="1">
+                  <c:v>35</c:v>
+                </c:pt>
+                <c:pt idx="2">
+                  <c:v>Sklearn_SVM</c:v>
+                </c:pt>
+              </c:strCache>
+            </c:strRef>
+          </c:tx>
+          <c:spPr>
+            <a:solidFill>
+              <a:schemeClr val="accent1"/>
+            </a:solidFill>
+            <a:ln>
+              <a:noFill/>
+            </a:ln>
+            <a:effectLst/>
+          </c:spPr>
+          <c:invertIfNegative val="0"/>
+          <c:val>
+            <c:numRef>
+              <c:f>BEST!$G$4</c:f>
+              <c:numCache>
+                <c:formatCode>General</c:formatCode>
+                <c:ptCount val="1"/>
+                <c:pt idx="0">
+                  <c:v>0.489</c:v>
+                </c:pt>
+              </c:numCache>
+            </c:numRef>
+          </c:val>
+        </c:ser>
+        <c:ser>
+          <c:idx val="1"/>
+          <c:order val="1"/>
+          <c:tx>
+            <c:strRef>
+              <c:f>BEST!$A$8:$C$8</c:f>
+              <c:strCache>
+                <c:ptCount val="3"/>
+                <c:pt idx="0">
+                  <c:v>2_3</c:v>
+                </c:pt>
+                <c:pt idx="1">
+                  <c:v>19</c:v>
+                </c:pt>
+                <c:pt idx="2">
+                  <c:v>Sklearn_SVM</c:v>
+                </c:pt>
+              </c:strCache>
+            </c:strRef>
+          </c:tx>
+          <c:spPr>
+            <a:solidFill>
+              <a:schemeClr val="accent2"/>
+            </a:solidFill>
+            <a:ln>
+              <a:noFill/>
+            </a:ln>
+            <a:effectLst/>
+          </c:spPr>
+          <c:invertIfNegative val="0"/>
+          <c:val>
+            <c:numRef>
+              <c:f>BEST!$G$8</c:f>
+              <c:numCache>
+                <c:formatCode>General</c:formatCode>
+                <c:ptCount val="1"/>
+                <c:pt idx="0">
+                  <c:v>0.475</c:v>
+                </c:pt>
+              </c:numCache>
+            </c:numRef>
+          </c:val>
+        </c:ser>
+        <c:ser>
+          <c:idx val="2"/>
+          <c:order val="2"/>
+          <c:tx>
+            <c:strRef>
+              <c:f>BEST!$A$10:$C$10</c:f>
+              <c:strCache>
+                <c:ptCount val="3"/>
+                <c:pt idx="0">
+                  <c:v>3</c:v>
+                </c:pt>
+                <c:pt idx="1">
+                  <c:v>71</c:v>
+                </c:pt>
+                <c:pt idx="2">
+                  <c:v>Sklearn_SVM</c:v>
+                </c:pt>
+              </c:strCache>
+            </c:strRef>
+          </c:tx>
+          <c:spPr>
+            <a:solidFill>
+              <a:schemeClr val="accent3"/>
+            </a:solidFill>
+            <a:ln>
+              <a:noFill/>
+            </a:ln>
+            <a:effectLst/>
+          </c:spPr>
+          <c:invertIfNegative val="0"/>
+          <c:val>
+            <c:numRef>
+              <c:f>BEST!$G$10</c:f>
+              <c:numCache>
+                <c:formatCode>General</c:formatCode>
+                <c:ptCount val="1"/>
+                <c:pt idx="0">
+                  <c:v>0.477</c:v>
+                </c:pt>
+              </c:numCache>
+            </c:numRef>
+          </c:val>
+        </c:ser>
+        <c:ser>
+          <c:idx val="3"/>
+          <c:order val="3"/>
+          <c:tx>
+            <c:strRef>
+              <c:f>BEST!$A$12:$C$12</c:f>
+              <c:strCache>
+                <c:ptCount val="3"/>
+                <c:pt idx="0">
+                  <c:v>5</c:v>
+                </c:pt>
+                <c:pt idx="1">
+                  <c:v>19</c:v>
+                </c:pt>
+                <c:pt idx="2">
+                  <c:v>my_poisson</c:v>
+                </c:pt>
+              </c:strCache>
+            </c:strRef>
+          </c:tx>
+          <c:spPr>
+            <a:solidFill>
+              <a:schemeClr val="accent4"/>
+            </a:solidFill>
+            <a:ln>
+              <a:noFill/>
+            </a:ln>
+            <a:effectLst/>
+          </c:spPr>
+          <c:invertIfNegative val="0"/>
+          <c:val>
+            <c:numRef>
+              <c:f>BEST!$G$12</c:f>
+              <c:numCache>
+                <c:formatCode>General</c:formatCode>
+                <c:ptCount val="1"/>
+                <c:pt idx="0">
+                  <c:v>0.472</c:v>
+                </c:pt>
+              </c:numCache>
+            </c:numRef>
+          </c:val>
+        </c:ser>
+        <c:dLbls>
+          <c:showLegendKey val="0"/>
+          <c:showVal val="0"/>
+          <c:showCatName val="0"/>
+          <c:showSerName val="0"/>
+          <c:showPercent val="0"/>
+          <c:showBubbleSize val="0"/>
+        </c:dLbls>
+        <c:gapWidth val="219"/>
+        <c:overlap val="-27"/>
+        <c:axId val="2004820512"/>
+        <c:axId val="1903127680"/>
+      </c:barChart>
+      <c:catAx>
+        <c:axId val="2004820512"/>
+        <c:scaling>
+          <c:orientation val="minMax"/>
+        </c:scaling>
+        <c:delete val="1"/>
+        <c:axPos val="b"/>
+        <c:majorTickMark val="none"/>
+        <c:minorTickMark val="none"/>
+        <c:tickLblPos val="nextTo"/>
+        <c:crossAx val="1903127680"/>
+        <c:crosses val="autoZero"/>
+        <c:auto val="1"/>
+        <c:lblAlgn val="ctr"/>
+        <c:lblOffset val="100"/>
+        <c:noMultiLvlLbl val="0"/>
+      </c:catAx>
+      <c:valAx>
+        <c:axId val="1903127680"/>
+        <c:scaling>
+          <c:orientation val="minMax"/>
+          <c:max val="0.6"/>
+        </c:scaling>
+        <c:delete val="0"/>
+        <c:axPos val="l"/>
+        <c:majorGridlines>
+          <c:spPr>
+            <a:ln w="9525" cap="flat" cmpd="sng" algn="ctr">
+              <a:solidFill>
+                <a:schemeClr val="tx1">
+                  <a:lumMod val="15000"/>
+                  <a:lumOff val="85000"/>
+                </a:schemeClr>
+              </a:solidFill>
+              <a:round/>
+            </a:ln>
+            <a:effectLst/>
+          </c:spPr>
+        </c:majorGridlines>
+        <c:numFmt formatCode="General" sourceLinked="0"/>
+        <c:majorTickMark val="none"/>
+        <c:minorTickMark val="none"/>
+        <c:tickLblPos val="nextTo"/>
+        <c:spPr>
+          <a:noFill/>
+          <a:ln>
+            <a:noFill/>
+          </a:ln>
+          <a:effectLst/>
+        </c:spPr>
+        <c:txPr>
+          <a:bodyPr rot="-60000000" spcFirstLastPara="1" vertOverflow="ellipsis" vert="horz" wrap="square" anchor="ctr" anchorCtr="1"/>
+          <a:lstStyle/>
+          <a:p>
+            <a:pPr>
+              <a:defRPr sz="900" b="0" i="0" u="none" strike="noStrike" kern="1200" baseline="0">
+                <a:solidFill>
+                  <a:schemeClr val="tx1">
+                    <a:lumMod val="65000"/>
+                    <a:lumOff val="35000"/>
+                  </a:schemeClr>
+                </a:solidFill>
+                <a:latin typeface="+mn-lt"/>
+                <a:ea typeface="+mn-ea"/>
+                <a:cs typeface="+mn-cs"/>
+              </a:defRPr>
+            </a:pPr>
+            <a:endParaRPr lang="en-US"/>
+          </a:p>
+        </c:txPr>
+        <c:crossAx val="2004820512"/>
+        <c:crosses val="autoZero"/>
+        <c:crossBetween val="between"/>
+      </c:valAx>
+      <c:spPr>
+        <a:noFill/>
+        <a:ln>
+          <a:noFill/>
+        </a:ln>
+        <a:effectLst/>
+      </c:spPr>
+    </c:plotArea>
+    <c:legend>
+      <c:legendPos val="t"/>
+      <c:layout>
+        <c:manualLayout>
+          <c:xMode val="edge"/>
+          <c:yMode val="edge"/>
+          <c:x val="0.168764845605701"/>
+          <c:y val="0.0851529550185537"/>
+          <c:w val="0.738479809976247"/>
+          <c:h val="0.127595564395281"/>
+        </c:manualLayout>
+      </c:layout>
+      <c:overlay val="0"/>
+      <c:spPr>
+        <a:noFill/>
+        <a:ln>
+          <a:noFill/>
+        </a:ln>
+        <a:effectLst/>
+      </c:spPr>
+      <c:txPr>
+        <a:bodyPr rot="0" spcFirstLastPara="1" vertOverflow="ellipsis" vert="horz" wrap="square" anchor="ctr" anchorCtr="1"/>
+        <a:lstStyle/>
+        <a:p>
+          <a:pPr>
+            <a:defRPr sz="900" b="0" i="0" u="none" strike="noStrike" kern="1200" baseline="0">
+              <a:solidFill>
+                <a:schemeClr val="tx1">
+                  <a:lumMod val="65000"/>
+                  <a:lumOff val="35000"/>
+                </a:schemeClr>
+              </a:solidFill>
+              <a:latin typeface="+mn-lt"/>
+              <a:ea typeface="+mn-ea"/>
+              <a:cs typeface="+mn-cs"/>
+            </a:defRPr>
+          </a:pPr>
+          <a:endParaRPr lang="en-US"/>
+        </a:p>
+      </c:txPr>
+    </c:legend>
+    <c:plotVisOnly val="1"/>
+    <c:dispBlanksAs val="gap"/>
+    <c:showDLblsOverMax val="0"/>
+  </c:chart>
+  <c:spPr>
+    <a:noFill/>
+    <a:ln>
+      <a:noFill/>
+    </a:ln>
+    <a:effectLst/>
+  </c:spPr>
+  <c:txPr>
+    <a:bodyPr/>
+    <a:lstStyle/>
+    <a:p>
+      <a:pPr>
+        <a:defRPr/>
+      </a:pPr>
+      <a:endParaRPr lang="en-US"/>
+    </a:p>
+  </c:txPr>
+  <c:externalData r:id="rId3">
+    <c:autoUpdate val="0"/>
+  </c:externalData>
+</c:chartSpace>
+</file>
+
+<file path=ppt/charts/chart5.xml><?xml version="1.0" encoding="utf-8"?>
+<c:chartSpace xmlns:c="http://schemas.openxmlformats.org/drawingml/2006/chart" xmlns:a="http://schemas.openxmlformats.org/drawingml/2006/main" xmlns:r="http://schemas.openxmlformats.org/officeDocument/2006/relationships">
+  <c:date1904 val="0"/>
+  <c:lang val="en-US"/>
+  <c:roundedCorners val="0"/>
+  <mc:AlternateContent xmlns:mc="http://schemas.openxmlformats.org/markup-compatibility/2006">
+    <mc:Choice xmlns:c14="http://schemas.microsoft.com/office/drawing/2007/8/2/chart" Requires="c14">
+      <c14:style val="102"/>
+    </mc:Choice>
+    <mc:Fallback>
+      <c:style val="2"/>
+    </mc:Fallback>
+  </mc:AlternateContent>
+  <c:chart>
+    <c:title>
+      <c:tx>
+        <c:rich>
+          <a:bodyPr rot="0" spcFirstLastPara="1" vertOverflow="ellipsis" vert="horz" wrap="square" anchor="ctr" anchorCtr="1"/>
+          <a:lstStyle/>
+          <a:p>
+            <a:pPr>
+              <a:defRPr sz="1400" b="0" i="0" u="none" strike="noStrike" kern="1200" spc="0" baseline="0">
+                <a:solidFill>
+                  <a:schemeClr val="tx1">
+                    <a:lumMod val="65000"/>
+                    <a:lumOff val="35000"/>
+                  </a:schemeClr>
+                </a:solidFill>
+                <a:latin typeface="+mn-lt"/>
+                <a:ea typeface="+mn-ea"/>
+                <a:cs typeface="+mn-cs"/>
+              </a:defRPr>
+            </a:pPr>
+            <a:r>
+              <a:rPr lang="en-US" smtClean="0"/>
+              <a:t>Time comparison</a:t>
+            </a:r>
+            <a:endParaRPr lang="en-US" dirty="0"/>
+          </a:p>
+        </c:rich>
+      </c:tx>
+      <c:layout>
+        <c:manualLayout>
+          <c:xMode val="edge"/>
+          <c:yMode val="edge"/>
+          <c:x val="0.361812335958005"/>
+          <c:y val="0.0862284926285525"/>
+        </c:manualLayout>
+      </c:layout>
+      <c:overlay val="0"/>
+      <c:spPr>
+        <a:noFill/>
+        <a:ln>
+          <a:noFill/>
+        </a:ln>
+        <a:effectLst/>
+      </c:spPr>
+      <c:txPr>
+        <a:bodyPr rot="0" spcFirstLastPara="1" vertOverflow="ellipsis" vert="horz" wrap="square" anchor="ctr" anchorCtr="1"/>
+        <a:lstStyle/>
+        <a:p>
+          <a:pPr>
+            <a:defRPr sz="1400" b="0" i="0" u="none" strike="noStrike" kern="1200" spc="0" baseline="0">
+              <a:solidFill>
+                <a:schemeClr val="tx1">
+                  <a:lumMod val="65000"/>
+                  <a:lumOff val="35000"/>
+                </a:schemeClr>
+              </a:solidFill>
+              <a:latin typeface="+mn-lt"/>
+              <a:ea typeface="+mn-ea"/>
+              <a:cs typeface="+mn-cs"/>
+            </a:defRPr>
+          </a:pPr>
+          <a:endParaRPr lang="en-US"/>
+        </a:p>
+      </c:txPr>
+    </c:title>
+    <c:autoTitleDeleted val="0"/>
+    <c:plotArea>
+      <c:layout>
+        <c:manualLayout>
+          <c:layoutTarget val="inner"/>
+          <c:xMode val="edge"/>
+          <c:yMode val="edge"/>
+          <c:x val="0.0542384076990376"/>
+          <c:y val="0.235615668627859"/>
+          <c:w val="0.906872703412073"/>
+          <c:h val="0.652941204014787"/>
+        </c:manualLayout>
+      </c:layout>
+      <c:barChart>
+        <c:barDir val="col"/>
+        <c:grouping val="clustered"/>
+        <c:varyColors val="0"/>
+        <c:ser>
+          <c:idx val="0"/>
+          <c:order val="0"/>
+          <c:tx>
+            <c:strRef>
+              <c:f>BEST!$A$4:$C$4</c:f>
+              <c:strCache>
+                <c:ptCount val="3"/>
+                <c:pt idx="0">
+                  <c:v>1_3</c:v>
+                </c:pt>
+                <c:pt idx="1">
+                  <c:v>35</c:v>
+                </c:pt>
+                <c:pt idx="2">
+                  <c:v>Sklearn_SVM</c:v>
+                </c:pt>
+              </c:strCache>
+            </c:strRef>
+          </c:tx>
+          <c:spPr>
+            <a:solidFill>
+              <a:schemeClr val="accent1"/>
+            </a:solidFill>
+            <a:ln>
+              <a:noFill/>
+            </a:ln>
+            <a:effectLst/>
+          </c:spPr>
+          <c:invertIfNegative val="0"/>
+          <c:val>
+            <c:numRef>
+              <c:f>BEST!$H$4</c:f>
+              <c:numCache>
+                <c:formatCode>General</c:formatCode>
+                <c:ptCount val="1"/>
+                <c:pt idx="0">
+                  <c:v>0.993</c:v>
+                </c:pt>
+              </c:numCache>
+            </c:numRef>
+          </c:val>
+        </c:ser>
+        <c:ser>
+          <c:idx val="1"/>
+          <c:order val="1"/>
+          <c:tx>
+            <c:strRef>
+              <c:f>BEST!$A$8:$C$8</c:f>
+              <c:strCache>
+                <c:ptCount val="3"/>
+                <c:pt idx="0">
+                  <c:v>2_3</c:v>
+                </c:pt>
+                <c:pt idx="1">
+                  <c:v>19</c:v>
+                </c:pt>
+                <c:pt idx="2">
+                  <c:v>Sklearn_SVM</c:v>
+                </c:pt>
+              </c:strCache>
+            </c:strRef>
+          </c:tx>
+          <c:spPr>
+            <a:solidFill>
+              <a:schemeClr val="accent2"/>
+            </a:solidFill>
+            <a:ln>
+              <a:noFill/>
+            </a:ln>
+            <a:effectLst/>
+          </c:spPr>
+          <c:invertIfNegative val="0"/>
+          <c:val>
+            <c:numRef>
+              <c:f>BEST!$H$8</c:f>
+              <c:numCache>
+                <c:formatCode>General</c:formatCode>
+                <c:ptCount val="1"/>
+                <c:pt idx="0">
+                  <c:v>0.841</c:v>
+                </c:pt>
+              </c:numCache>
+            </c:numRef>
+          </c:val>
+        </c:ser>
+        <c:ser>
+          <c:idx val="2"/>
+          <c:order val="2"/>
+          <c:tx>
+            <c:strRef>
+              <c:f>BEST!$A$10:$C$10</c:f>
+              <c:strCache>
+                <c:ptCount val="3"/>
+                <c:pt idx="0">
+                  <c:v>3</c:v>
+                </c:pt>
+                <c:pt idx="1">
+                  <c:v>71</c:v>
+                </c:pt>
+                <c:pt idx="2">
+                  <c:v>Sklearn_SVM</c:v>
+                </c:pt>
+              </c:strCache>
+            </c:strRef>
+          </c:tx>
+          <c:spPr>
+            <a:solidFill>
+              <a:schemeClr val="accent3"/>
+            </a:solidFill>
+            <a:ln>
+              <a:noFill/>
+            </a:ln>
+            <a:effectLst/>
+          </c:spPr>
+          <c:invertIfNegative val="0"/>
+          <c:val>
+            <c:numRef>
+              <c:f>BEST!$H$10</c:f>
+              <c:numCache>
+                <c:formatCode>General</c:formatCode>
+                <c:ptCount val="1"/>
+                <c:pt idx="0">
+                  <c:v>7.436</c:v>
+                </c:pt>
+              </c:numCache>
+            </c:numRef>
+          </c:val>
+        </c:ser>
+        <c:ser>
+          <c:idx val="3"/>
+          <c:order val="3"/>
+          <c:tx>
+            <c:strRef>
+              <c:f>BEST!$A$12:$C$12</c:f>
+              <c:strCache>
+                <c:ptCount val="3"/>
+                <c:pt idx="0">
+                  <c:v>5</c:v>
+                </c:pt>
+                <c:pt idx="1">
+                  <c:v>19</c:v>
+                </c:pt>
+                <c:pt idx="2">
+                  <c:v>my_poisson</c:v>
+                </c:pt>
+              </c:strCache>
+            </c:strRef>
+          </c:tx>
+          <c:spPr>
+            <a:solidFill>
+              <a:schemeClr val="accent4"/>
+            </a:solidFill>
+            <a:ln>
+              <a:noFill/>
+            </a:ln>
+            <a:effectLst/>
+          </c:spPr>
+          <c:invertIfNegative val="0"/>
+          <c:val>
+            <c:numRef>
+              <c:f>BEST!$H$12</c:f>
+              <c:numCache>
+                <c:formatCode>General</c:formatCode>
+                <c:ptCount val="1"/>
+                <c:pt idx="0">
+                  <c:v>0.077</c:v>
+                </c:pt>
+              </c:numCache>
+            </c:numRef>
+          </c:val>
+        </c:ser>
+        <c:dLbls>
+          <c:showLegendKey val="0"/>
+          <c:showVal val="0"/>
+          <c:showCatName val="0"/>
+          <c:showSerName val="0"/>
+          <c:showPercent val="0"/>
+          <c:showBubbleSize val="0"/>
+        </c:dLbls>
+        <c:gapWidth val="219"/>
+        <c:overlap val="-27"/>
+        <c:axId val="2076415488"/>
+        <c:axId val="1948264496"/>
+      </c:barChart>
+      <c:catAx>
+        <c:axId val="2076415488"/>
+        <c:scaling>
+          <c:orientation val="minMax"/>
+        </c:scaling>
+        <c:delete val="0"/>
+        <c:axPos val="b"/>
+        <c:majorTickMark val="none"/>
+        <c:minorTickMark val="none"/>
+        <c:tickLblPos val="nextTo"/>
+        <c:spPr>
+          <a:noFill/>
+          <a:ln w="9525" cap="flat" cmpd="sng" algn="ctr">
+            <a:solidFill>
+              <a:schemeClr val="tx1">
+                <a:lumMod val="15000"/>
+                <a:lumOff val="85000"/>
+              </a:schemeClr>
+            </a:solidFill>
+            <a:round/>
+          </a:ln>
+          <a:effectLst/>
+        </c:spPr>
+        <c:txPr>
+          <a:bodyPr rot="-60000000" spcFirstLastPara="1" vertOverflow="ellipsis" vert="horz" wrap="square" anchor="ctr" anchorCtr="1"/>
+          <a:lstStyle/>
+          <a:p>
+            <a:pPr>
+              <a:defRPr sz="900" b="0" i="0" u="none" strike="noStrike" kern="1200" baseline="0">
+                <a:solidFill>
+                  <a:schemeClr val="tx1">
+                    <a:lumMod val="65000"/>
+                    <a:lumOff val="35000"/>
+                  </a:schemeClr>
+                </a:solidFill>
+                <a:latin typeface="+mn-lt"/>
+                <a:ea typeface="+mn-ea"/>
+                <a:cs typeface="+mn-cs"/>
+              </a:defRPr>
+            </a:pPr>
+            <a:endParaRPr lang="en-US"/>
+          </a:p>
+        </c:txPr>
+        <c:crossAx val="1948264496"/>
+        <c:crosses val="autoZero"/>
+        <c:auto val="1"/>
+        <c:lblAlgn val="ctr"/>
+        <c:lblOffset val="100"/>
+        <c:noMultiLvlLbl val="0"/>
+      </c:catAx>
+      <c:valAx>
+        <c:axId val="1948264496"/>
+        <c:scaling>
+          <c:orientation val="minMax"/>
+        </c:scaling>
+        <c:delete val="0"/>
+        <c:axPos val="l"/>
+        <c:majorGridlines>
+          <c:spPr>
+            <a:ln w="9525" cap="flat" cmpd="sng" algn="ctr">
+              <a:solidFill>
+                <a:schemeClr val="tx1">
+                  <a:lumMod val="15000"/>
+                  <a:lumOff val="85000"/>
+                </a:schemeClr>
+              </a:solidFill>
+              <a:round/>
+            </a:ln>
+            <a:effectLst/>
+          </c:spPr>
+        </c:majorGridlines>
+        <c:numFmt formatCode="General" sourceLinked="0"/>
+        <c:majorTickMark val="none"/>
+        <c:minorTickMark val="none"/>
+        <c:tickLblPos val="nextTo"/>
+        <c:spPr>
+          <a:noFill/>
+          <a:ln>
+            <a:noFill/>
+          </a:ln>
+          <a:effectLst/>
+        </c:spPr>
+        <c:txPr>
+          <a:bodyPr rot="-60000000" spcFirstLastPara="1" vertOverflow="ellipsis" vert="horz" wrap="square" anchor="ctr" anchorCtr="1"/>
+          <a:lstStyle/>
+          <a:p>
+            <a:pPr>
+              <a:defRPr sz="900" b="0" i="0" u="none" strike="noStrike" kern="1200" baseline="0">
+                <a:solidFill>
+                  <a:schemeClr val="tx1">
+                    <a:lumMod val="65000"/>
+                    <a:lumOff val="35000"/>
+                  </a:schemeClr>
+                </a:solidFill>
+                <a:latin typeface="+mn-lt"/>
+                <a:ea typeface="+mn-ea"/>
+                <a:cs typeface="+mn-cs"/>
+              </a:defRPr>
+            </a:pPr>
+            <a:endParaRPr lang="en-US"/>
+          </a:p>
+        </c:txPr>
+        <c:crossAx val="2076415488"/>
+        <c:crosses val="autoZero"/>
+        <c:crossBetween val="between"/>
+      </c:valAx>
+      <c:spPr>
+        <a:noFill/>
+        <a:ln>
+          <a:noFill/>
+        </a:ln>
+        <a:effectLst/>
+      </c:spPr>
+    </c:plotArea>
     <c:plotVisOnly val="1"/>
     <c:dispBlanksAs val="gap"/>
     <c:showDLblsOverMax val="0"/>
@@ -1912,6 +2761,86 @@
 <cs:colorStyle xmlns:cs="http://schemas.microsoft.com/office/drawing/2012/chartStyle" xmlns:a="http://schemas.openxmlformats.org/drawingml/2006/main" meth="cycle" id="12">
   <a:schemeClr val="accent2"/>
   <a:schemeClr val="accent4"/>
+  <a:schemeClr val="accent6"/>
+  <cs:variation/>
+  <cs:variation>
+    <a:lumMod val="60000"/>
+  </cs:variation>
+  <cs:variation>
+    <a:lumMod val="80000"/>
+    <a:lumOff val="20000"/>
+  </cs:variation>
+  <cs:variation>
+    <a:lumMod val="80000"/>
+  </cs:variation>
+  <cs:variation>
+    <a:lumMod val="60000"/>
+    <a:lumOff val="40000"/>
+  </cs:variation>
+  <cs:variation>
+    <a:lumMod val="50000"/>
+  </cs:variation>
+  <cs:variation>
+    <a:lumMod val="70000"/>
+    <a:lumOff val="30000"/>
+  </cs:variation>
+  <cs:variation>
+    <a:lumMod val="70000"/>
+  </cs:variation>
+  <cs:variation>
+    <a:lumMod val="50000"/>
+    <a:lumOff val="50000"/>
+  </cs:variation>
+</cs:colorStyle>
+</file>
+
+<file path=ppt/charts/colors4.xml><?xml version="1.0" encoding="utf-8"?>
+<cs:colorStyle xmlns:cs="http://schemas.microsoft.com/office/drawing/2012/chartStyle" xmlns:a="http://schemas.openxmlformats.org/drawingml/2006/main" meth="cycle" id="10">
+  <a:schemeClr val="accent1"/>
+  <a:schemeClr val="accent2"/>
+  <a:schemeClr val="accent3"/>
+  <a:schemeClr val="accent4"/>
+  <a:schemeClr val="accent5"/>
+  <a:schemeClr val="accent6"/>
+  <cs:variation/>
+  <cs:variation>
+    <a:lumMod val="60000"/>
+  </cs:variation>
+  <cs:variation>
+    <a:lumMod val="80000"/>
+    <a:lumOff val="20000"/>
+  </cs:variation>
+  <cs:variation>
+    <a:lumMod val="80000"/>
+  </cs:variation>
+  <cs:variation>
+    <a:lumMod val="60000"/>
+    <a:lumOff val="40000"/>
+  </cs:variation>
+  <cs:variation>
+    <a:lumMod val="50000"/>
+  </cs:variation>
+  <cs:variation>
+    <a:lumMod val="70000"/>
+    <a:lumOff val="30000"/>
+  </cs:variation>
+  <cs:variation>
+    <a:lumMod val="70000"/>
+  </cs:variation>
+  <cs:variation>
+    <a:lumMod val="50000"/>
+    <a:lumOff val="50000"/>
+  </cs:variation>
+</cs:colorStyle>
+</file>
+
+<file path=ppt/charts/colors5.xml><?xml version="1.0" encoding="utf-8"?>
+<cs:colorStyle xmlns:cs="http://schemas.microsoft.com/office/drawing/2012/chartStyle" xmlns:a="http://schemas.openxmlformats.org/drawingml/2006/main" meth="cycle" id="10">
+  <a:schemeClr val="accent1"/>
+  <a:schemeClr val="accent2"/>
+  <a:schemeClr val="accent3"/>
+  <a:schemeClr val="accent4"/>
+  <a:schemeClr val="accent5"/>
   <a:schemeClr val="accent6"/>
   <cs:variation/>
   <cs:variation>
@@ -2952,6 +3881,1012 @@
 </file>
 
 <file path=ppt/charts/style3.xml><?xml version="1.0" encoding="utf-8"?>
+<cs:chartStyle xmlns:cs="http://schemas.microsoft.com/office/drawing/2012/chartStyle" xmlns:a="http://schemas.openxmlformats.org/drawingml/2006/main" id="201">
+  <cs:axisTitle>
+    <cs:lnRef idx="0"/>
+    <cs:fillRef idx="0"/>
+    <cs:effectRef idx="0"/>
+    <cs:fontRef idx="minor">
+      <a:schemeClr val="tx1">
+        <a:lumMod val="65000"/>
+        <a:lumOff val="35000"/>
+      </a:schemeClr>
+    </cs:fontRef>
+    <cs:defRPr sz="1000" kern="1200"/>
+  </cs:axisTitle>
+  <cs:categoryAxis>
+    <cs:lnRef idx="0"/>
+    <cs:fillRef idx="0"/>
+    <cs:effectRef idx="0"/>
+    <cs:fontRef idx="minor">
+      <a:schemeClr val="tx1">
+        <a:lumMod val="65000"/>
+        <a:lumOff val="35000"/>
+      </a:schemeClr>
+    </cs:fontRef>
+    <cs:spPr>
+      <a:ln w="9525" cap="flat" cmpd="sng" algn="ctr">
+        <a:solidFill>
+          <a:schemeClr val="tx1">
+            <a:lumMod val="15000"/>
+            <a:lumOff val="85000"/>
+          </a:schemeClr>
+        </a:solidFill>
+        <a:round/>
+      </a:ln>
+    </cs:spPr>
+    <cs:defRPr sz="900" kern="1200"/>
+  </cs:categoryAxis>
+  <cs:chartArea mods="allowNoFillOverride allowNoLineOverride">
+    <cs:lnRef idx="0"/>
+    <cs:fillRef idx="0"/>
+    <cs:effectRef idx="0"/>
+    <cs:fontRef idx="minor">
+      <a:schemeClr val="tx1"/>
+    </cs:fontRef>
+    <cs:spPr>
+      <a:solidFill>
+        <a:schemeClr val="bg1"/>
+      </a:solidFill>
+      <a:ln w="9525" cap="flat" cmpd="sng" algn="ctr">
+        <a:solidFill>
+          <a:schemeClr val="tx1">
+            <a:lumMod val="15000"/>
+            <a:lumOff val="85000"/>
+          </a:schemeClr>
+        </a:solidFill>
+        <a:round/>
+      </a:ln>
+    </cs:spPr>
+    <cs:defRPr sz="1000" kern="1200"/>
+  </cs:chartArea>
+  <cs:dataLabel>
+    <cs:lnRef idx="0"/>
+    <cs:fillRef idx="0"/>
+    <cs:effectRef idx="0"/>
+    <cs:fontRef idx="minor">
+      <a:schemeClr val="tx1">
+        <a:lumMod val="75000"/>
+        <a:lumOff val="25000"/>
+      </a:schemeClr>
+    </cs:fontRef>
+    <cs:defRPr sz="900" kern="1200"/>
+  </cs:dataLabel>
+  <cs:dataLabelCallout>
+    <cs:lnRef idx="0"/>
+    <cs:fillRef idx="0"/>
+    <cs:effectRef idx="0"/>
+    <cs:fontRef idx="minor">
+      <a:schemeClr val="dk1">
+        <a:lumMod val="65000"/>
+        <a:lumOff val="35000"/>
+      </a:schemeClr>
+    </cs:fontRef>
+    <cs:spPr>
+      <a:solidFill>
+        <a:schemeClr val="lt1"/>
+      </a:solidFill>
+      <a:ln>
+        <a:solidFill>
+          <a:schemeClr val="dk1">
+            <a:lumMod val="25000"/>
+            <a:lumOff val="75000"/>
+          </a:schemeClr>
+        </a:solidFill>
+      </a:ln>
+    </cs:spPr>
+    <cs:defRPr sz="900" kern="1200"/>
+    <cs:bodyPr rot="0" spcFirstLastPara="1" vertOverflow="clip" horzOverflow="clip" vert="horz" wrap="square" lIns="36576" tIns="18288" rIns="36576" bIns="18288" anchor="ctr" anchorCtr="1">
+      <a:spAutoFit/>
+    </cs:bodyPr>
+  </cs:dataLabelCallout>
+  <cs:dataPoint>
+    <cs:lnRef idx="0"/>
+    <cs:fillRef idx="1">
+      <cs:styleClr val="auto"/>
+    </cs:fillRef>
+    <cs:effectRef idx="0"/>
+    <cs:fontRef idx="minor">
+      <a:schemeClr val="tx1"/>
+    </cs:fontRef>
+  </cs:dataPoint>
+  <cs:dataPoint3D>
+    <cs:lnRef idx="0"/>
+    <cs:fillRef idx="1">
+      <cs:styleClr val="auto"/>
+    </cs:fillRef>
+    <cs:effectRef idx="0"/>
+    <cs:fontRef idx="minor">
+      <a:schemeClr val="tx1"/>
+    </cs:fontRef>
+  </cs:dataPoint3D>
+  <cs:dataPointLine>
+    <cs:lnRef idx="0">
+      <cs:styleClr val="auto"/>
+    </cs:lnRef>
+    <cs:fillRef idx="1"/>
+    <cs:effectRef idx="0"/>
+    <cs:fontRef idx="minor">
+      <a:schemeClr val="tx1"/>
+    </cs:fontRef>
+    <cs:spPr>
+      <a:ln w="28575" cap="rnd">
+        <a:solidFill>
+          <a:schemeClr val="phClr"/>
+        </a:solidFill>
+        <a:round/>
+      </a:ln>
+    </cs:spPr>
+  </cs:dataPointLine>
+  <cs:dataPointMarker>
+    <cs:lnRef idx="0">
+      <cs:styleClr val="auto"/>
+    </cs:lnRef>
+    <cs:fillRef idx="1">
+      <cs:styleClr val="auto"/>
+    </cs:fillRef>
+    <cs:effectRef idx="0"/>
+    <cs:fontRef idx="minor">
+      <a:schemeClr val="tx1"/>
+    </cs:fontRef>
+    <cs:spPr>
+      <a:ln w="9525">
+        <a:solidFill>
+          <a:schemeClr val="phClr"/>
+        </a:solidFill>
+      </a:ln>
+    </cs:spPr>
+  </cs:dataPointMarker>
+  <cs:dataPointMarkerLayout symbol="circle" size="5"/>
+  <cs:dataPointWireframe>
+    <cs:lnRef idx="0">
+      <cs:styleClr val="auto"/>
+    </cs:lnRef>
+    <cs:fillRef idx="1"/>
+    <cs:effectRef idx="0"/>
+    <cs:fontRef idx="minor">
+      <a:schemeClr val="tx1"/>
+    </cs:fontRef>
+    <cs:spPr>
+      <a:ln w="9525" cap="rnd">
+        <a:solidFill>
+          <a:schemeClr val="phClr"/>
+        </a:solidFill>
+        <a:round/>
+      </a:ln>
+    </cs:spPr>
+  </cs:dataPointWireframe>
+  <cs:dataTable>
+    <cs:lnRef idx="0"/>
+    <cs:fillRef idx="0"/>
+    <cs:effectRef idx="0"/>
+    <cs:fontRef idx="minor">
+      <a:schemeClr val="tx1">
+        <a:lumMod val="65000"/>
+        <a:lumOff val="35000"/>
+      </a:schemeClr>
+    </cs:fontRef>
+    <cs:spPr>
+      <a:noFill/>
+      <a:ln w="9525" cap="flat" cmpd="sng" algn="ctr">
+        <a:solidFill>
+          <a:schemeClr val="tx1">
+            <a:lumMod val="15000"/>
+            <a:lumOff val="85000"/>
+          </a:schemeClr>
+        </a:solidFill>
+        <a:round/>
+      </a:ln>
+    </cs:spPr>
+    <cs:defRPr sz="900" kern="1200"/>
+  </cs:dataTable>
+  <cs:downBar>
+    <cs:lnRef idx="0"/>
+    <cs:fillRef idx="0"/>
+    <cs:effectRef idx="0"/>
+    <cs:fontRef idx="minor">
+      <a:schemeClr val="dk1"/>
+    </cs:fontRef>
+    <cs:spPr>
+      <a:solidFill>
+        <a:schemeClr val="dk1">
+          <a:lumMod val="65000"/>
+          <a:lumOff val="35000"/>
+        </a:schemeClr>
+      </a:solidFill>
+      <a:ln w="9525">
+        <a:solidFill>
+          <a:schemeClr val="tx1">
+            <a:lumMod val="65000"/>
+            <a:lumOff val="35000"/>
+          </a:schemeClr>
+        </a:solidFill>
+      </a:ln>
+    </cs:spPr>
+  </cs:downBar>
+  <cs:dropLine>
+    <cs:lnRef idx="0"/>
+    <cs:fillRef idx="0"/>
+    <cs:effectRef idx="0"/>
+    <cs:fontRef idx="minor">
+      <a:schemeClr val="tx1"/>
+    </cs:fontRef>
+    <cs:spPr>
+      <a:ln w="9525" cap="flat" cmpd="sng" algn="ctr">
+        <a:solidFill>
+          <a:schemeClr val="tx1">
+            <a:lumMod val="35000"/>
+            <a:lumOff val="65000"/>
+          </a:schemeClr>
+        </a:solidFill>
+        <a:round/>
+      </a:ln>
+    </cs:spPr>
+  </cs:dropLine>
+  <cs:errorBar>
+    <cs:lnRef idx="0"/>
+    <cs:fillRef idx="0"/>
+    <cs:effectRef idx="0"/>
+    <cs:fontRef idx="minor">
+      <a:schemeClr val="tx1"/>
+    </cs:fontRef>
+    <cs:spPr>
+      <a:ln w="9525" cap="flat" cmpd="sng" algn="ctr">
+        <a:solidFill>
+          <a:schemeClr val="tx1">
+            <a:lumMod val="65000"/>
+            <a:lumOff val="35000"/>
+          </a:schemeClr>
+        </a:solidFill>
+        <a:round/>
+      </a:ln>
+    </cs:spPr>
+  </cs:errorBar>
+  <cs:floor>
+    <cs:lnRef idx="0"/>
+    <cs:fillRef idx="0"/>
+    <cs:effectRef idx="0"/>
+    <cs:fontRef idx="minor">
+      <a:schemeClr val="tx1"/>
+    </cs:fontRef>
+    <cs:spPr>
+      <a:noFill/>
+      <a:ln>
+        <a:noFill/>
+      </a:ln>
+    </cs:spPr>
+  </cs:floor>
+  <cs:gridlineMajor>
+    <cs:lnRef idx="0"/>
+    <cs:fillRef idx="0"/>
+    <cs:effectRef idx="0"/>
+    <cs:fontRef idx="minor">
+      <a:schemeClr val="tx1"/>
+    </cs:fontRef>
+    <cs:spPr>
+      <a:ln w="9525" cap="flat" cmpd="sng" algn="ctr">
+        <a:solidFill>
+          <a:schemeClr val="tx1">
+            <a:lumMod val="15000"/>
+            <a:lumOff val="85000"/>
+          </a:schemeClr>
+        </a:solidFill>
+        <a:round/>
+      </a:ln>
+    </cs:spPr>
+  </cs:gridlineMajor>
+  <cs:gridlineMinor>
+    <cs:lnRef idx="0"/>
+    <cs:fillRef idx="0"/>
+    <cs:effectRef idx="0"/>
+    <cs:fontRef idx="minor">
+      <a:schemeClr val="tx1"/>
+    </cs:fontRef>
+    <cs:spPr>
+      <a:ln w="9525" cap="flat" cmpd="sng" algn="ctr">
+        <a:solidFill>
+          <a:schemeClr val="tx1">
+            <a:lumMod val="5000"/>
+            <a:lumOff val="95000"/>
+          </a:schemeClr>
+        </a:solidFill>
+        <a:round/>
+      </a:ln>
+    </cs:spPr>
+  </cs:gridlineMinor>
+  <cs:hiLoLine>
+    <cs:lnRef idx="0"/>
+    <cs:fillRef idx="0"/>
+    <cs:effectRef idx="0"/>
+    <cs:fontRef idx="minor">
+      <a:schemeClr val="tx1"/>
+    </cs:fontRef>
+    <cs:spPr>
+      <a:ln w="9525" cap="flat" cmpd="sng" algn="ctr">
+        <a:solidFill>
+          <a:schemeClr val="tx1">
+            <a:lumMod val="75000"/>
+            <a:lumOff val="25000"/>
+          </a:schemeClr>
+        </a:solidFill>
+        <a:round/>
+      </a:ln>
+    </cs:spPr>
+  </cs:hiLoLine>
+  <cs:leaderLine>
+    <cs:lnRef idx="0"/>
+    <cs:fillRef idx="0"/>
+    <cs:effectRef idx="0"/>
+    <cs:fontRef idx="minor">
+      <a:schemeClr val="tx1"/>
+    </cs:fontRef>
+    <cs:spPr>
+      <a:ln w="9525" cap="flat" cmpd="sng" algn="ctr">
+        <a:solidFill>
+          <a:schemeClr val="tx1">
+            <a:lumMod val="35000"/>
+            <a:lumOff val="65000"/>
+          </a:schemeClr>
+        </a:solidFill>
+        <a:round/>
+      </a:ln>
+    </cs:spPr>
+  </cs:leaderLine>
+  <cs:legend>
+    <cs:lnRef idx="0"/>
+    <cs:fillRef idx="0"/>
+    <cs:effectRef idx="0"/>
+    <cs:fontRef idx="minor">
+      <a:schemeClr val="tx1">
+        <a:lumMod val="65000"/>
+        <a:lumOff val="35000"/>
+      </a:schemeClr>
+    </cs:fontRef>
+    <cs:defRPr sz="900" kern="1200"/>
+  </cs:legend>
+  <cs:plotArea mods="allowNoFillOverride allowNoLineOverride">
+    <cs:lnRef idx="0"/>
+    <cs:fillRef idx="0"/>
+    <cs:effectRef idx="0"/>
+    <cs:fontRef idx="minor">
+      <a:schemeClr val="tx1"/>
+    </cs:fontRef>
+  </cs:plotArea>
+  <cs:plotArea3D mods="allowNoFillOverride allowNoLineOverride">
+    <cs:lnRef idx="0"/>
+    <cs:fillRef idx="0"/>
+    <cs:effectRef idx="0"/>
+    <cs:fontRef idx="minor">
+      <a:schemeClr val="tx1"/>
+    </cs:fontRef>
+  </cs:plotArea3D>
+  <cs:seriesAxis>
+    <cs:lnRef idx="0"/>
+    <cs:fillRef idx="0"/>
+    <cs:effectRef idx="0"/>
+    <cs:fontRef idx="minor">
+      <a:schemeClr val="tx1">
+        <a:lumMod val="65000"/>
+        <a:lumOff val="35000"/>
+      </a:schemeClr>
+    </cs:fontRef>
+    <cs:defRPr sz="900" kern="1200"/>
+  </cs:seriesAxis>
+  <cs:seriesLine>
+    <cs:lnRef idx="0"/>
+    <cs:fillRef idx="0"/>
+    <cs:effectRef idx="0"/>
+    <cs:fontRef idx="minor">
+      <a:schemeClr val="tx1"/>
+    </cs:fontRef>
+    <cs:spPr>
+      <a:ln w="9525" cap="flat" cmpd="sng" algn="ctr">
+        <a:solidFill>
+          <a:schemeClr val="tx1">
+            <a:lumMod val="35000"/>
+            <a:lumOff val="65000"/>
+          </a:schemeClr>
+        </a:solidFill>
+        <a:round/>
+      </a:ln>
+    </cs:spPr>
+  </cs:seriesLine>
+  <cs:title>
+    <cs:lnRef idx="0"/>
+    <cs:fillRef idx="0"/>
+    <cs:effectRef idx="0"/>
+    <cs:fontRef idx="minor">
+      <a:schemeClr val="tx1">
+        <a:lumMod val="65000"/>
+        <a:lumOff val="35000"/>
+      </a:schemeClr>
+    </cs:fontRef>
+    <cs:defRPr sz="1400" b="0" kern="1200" spc="0" baseline="0"/>
+  </cs:title>
+  <cs:trendline>
+    <cs:lnRef idx="0">
+      <cs:styleClr val="auto"/>
+    </cs:lnRef>
+    <cs:fillRef idx="0"/>
+    <cs:effectRef idx="0"/>
+    <cs:fontRef idx="minor">
+      <a:schemeClr val="tx1"/>
+    </cs:fontRef>
+    <cs:spPr>
+      <a:ln w="19050" cap="rnd">
+        <a:solidFill>
+          <a:schemeClr val="phClr"/>
+        </a:solidFill>
+        <a:prstDash val="sysDot"/>
+      </a:ln>
+    </cs:spPr>
+  </cs:trendline>
+  <cs:trendlineLabel>
+    <cs:lnRef idx="0"/>
+    <cs:fillRef idx="0"/>
+    <cs:effectRef idx="0"/>
+    <cs:fontRef idx="minor">
+      <a:schemeClr val="tx1">
+        <a:lumMod val="65000"/>
+        <a:lumOff val="35000"/>
+      </a:schemeClr>
+    </cs:fontRef>
+    <cs:defRPr sz="900" kern="1200"/>
+  </cs:trendlineLabel>
+  <cs:upBar>
+    <cs:lnRef idx="0"/>
+    <cs:fillRef idx="0"/>
+    <cs:effectRef idx="0"/>
+    <cs:fontRef idx="minor">
+      <a:schemeClr val="dk1"/>
+    </cs:fontRef>
+    <cs:spPr>
+      <a:solidFill>
+        <a:schemeClr val="lt1"/>
+      </a:solidFill>
+      <a:ln w="9525">
+        <a:solidFill>
+          <a:schemeClr val="tx1">
+            <a:lumMod val="15000"/>
+            <a:lumOff val="85000"/>
+          </a:schemeClr>
+        </a:solidFill>
+      </a:ln>
+    </cs:spPr>
+  </cs:upBar>
+  <cs:valueAxis>
+    <cs:lnRef idx="0"/>
+    <cs:fillRef idx="0"/>
+    <cs:effectRef idx="0"/>
+    <cs:fontRef idx="minor">
+      <a:schemeClr val="tx1">
+        <a:lumMod val="65000"/>
+        <a:lumOff val="35000"/>
+      </a:schemeClr>
+    </cs:fontRef>
+    <cs:defRPr sz="900" kern="1200"/>
+  </cs:valueAxis>
+  <cs:wall>
+    <cs:lnRef idx="0"/>
+    <cs:fillRef idx="0"/>
+    <cs:effectRef idx="0"/>
+    <cs:fontRef idx="minor">
+      <a:schemeClr val="tx1"/>
+    </cs:fontRef>
+    <cs:spPr>
+      <a:noFill/>
+      <a:ln>
+        <a:noFill/>
+      </a:ln>
+    </cs:spPr>
+  </cs:wall>
+</cs:chartStyle>
+</file>
+
+<file path=ppt/charts/style4.xml><?xml version="1.0" encoding="utf-8"?>
+<cs:chartStyle xmlns:cs="http://schemas.microsoft.com/office/drawing/2012/chartStyle" xmlns:a="http://schemas.openxmlformats.org/drawingml/2006/main" id="201">
+  <cs:axisTitle>
+    <cs:lnRef idx="0"/>
+    <cs:fillRef idx="0"/>
+    <cs:effectRef idx="0"/>
+    <cs:fontRef idx="minor">
+      <a:schemeClr val="tx1">
+        <a:lumMod val="65000"/>
+        <a:lumOff val="35000"/>
+      </a:schemeClr>
+    </cs:fontRef>
+    <cs:defRPr sz="1000" kern="1200"/>
+  </cs:axisTitle>
+  <cs:categoryAxis>
+    <cs:lnRef idx="0"/>
+    <cs:fillRef idx="0"/>
+    <cs:effectRef idx="0"/>
+    <cs:fontRef idx="minor">
+      <a:schemeClr val="tx1">
+        <a:lumMod val="65000"/>
+        <a:lumOff val="35000"/>
+      </a:schemeClr>
+    </cs:fontRef>
+    <cs:spPr>
+      <a:ln w="9525" cap="flat" cmpd="sng" algn="ctr">
+        <a:solidFill>
+          <a:schemeClr val="tx1">
+            <a:lumMod val="15000"/>
+            <a:lumOff val="85000"/>
+          </a:schemeClr>
+        </a:solidFill>
+        <a:round/>
+      </a:ln>
+    </cs:spPr>
+    <cs:defRPr sz="900" kern="1200"/>
+  </cs:categoryAxis>
+  <cs:chartArea mods="allowNoFillOverride allowNoLineOverride">
+    <cs:lnRef idx="0"/>
+    <cs:fillRef idx="0"/>
+    <cs:effectRef idx="0"/>
+    <cs:fontRef idx="minor">
+      <a:schemeClr val="tx1"/>
+    </cs:fontRef>
+    <cs:spPr>
+      <a:solidFill>
+        <a:schemeClr val="bg1"/>
+      </a:solidFill>
+      <a:ln w="9525" cap="flat" cmpd="sng" algn="ctr">
+        <a:solidFill>
+          <a:schemeClr val="tx1">
+            <a:lumMod val="15000"/>
+            <a:lumOff val="85000"/>
+          </a:schemeClr>
+        </a:solidFill>
+        <a:round/>
+      </a:ln>
+    </cs:spPr>
+    <cs:defRPr sz="1000" kern="1200"/>
+  </cs:chartArea>
+  <cs:dataLabel>
+    <cs:lnRef idx="0"/>
+    <cs:fillRef idx="0"/>
+    <cs:effectRef idx="0"/>
+    <cs:fontRef idx="minor">
+      <a:schemeClr val="tx1">
+        <a:lumMod val="75000"/>
+        <a:lumOff val="25000"/>
+      </a:schemeClr>
+    </cs:fontRef>
+    <cs:defRPr sz="900" kern="1200"/>
+  </cs:dataLabel>
+  <cs:dataLabelCallout>
+    <cs:lnRef idx="0"/>
+    <cs:fillRef idx="0"/>
+    <cs:effectRef idx="0"/>
+    <cs:fontRef idx="minor">
+      <a:schemeClr val="dk1">
+        <a:lumMod val="65000"/>
+        <a:lumOff val="35000"/>
+      </a:schemeClr>
+    </cs:fontRef>
+    <cs:spPr>
+      <a:solidFill>
+        <a:schemeClr val="lt1"/>
+      </a:solidFill>
+      <a:ln>
+        <a:solidFill>
+          <a:schemeClr val="dk1">
+            <a:lumMod val="25000"/>
+            <a:lumOff val="75000"/>
+          </a:schemeClr>
+        </a:solidFill>
+      </a:ln>
+    </cs:spPr>
+    <cs:defRPr sz="900" kern="1200"/>
+    <cs:bodyPr rot="0" spcFirstLastPara="1" vertOverflow="clip" horzOverflow="clip" vert="horz" wrap="square" lIns="36576" tIns="18288" rIns="36576" bIns="18288" anchor="ctr" anchorCtr="1">
+      <a:spAutoFit/>
+    </cs:bodyPr>
+  </cs:dataLabelCallout>
+  <cs:dataPoint>
+    <cs:lnRef idx="0"/>
+    <cs:fillRef idx="1">
+      <cs:styleClr val="auto"/>
+    </cs:fillRef>
+    <cs:effectRef idx="0"/>
+    <cs:fontRef idx="minor">
+      <a:schemeClr val="tx1"/>
+    </cs:fontRef>
+  </cs:dataPoint>
+  <cs:dataPoint3D>
+    <cs:lnRef idx="0"/>
+    <cs:fillRef idx="1">
+      <cs:styleClr val="auto"/>
+    </cs:fillRef>
+    <cs:effectRef idx="0"/>
+    <cs:fontRef idx="minor">
+      <a:schemeClr val="tx1"/>
+    </cs:fontRef>
+  </cs:dataPoint3D>
+  <cs:dataPointLine>
+    <cs:lnRef idx="0">
+      <cs:styleClr val="auto"/>
+    </cs:lnRef>
+    <cs:fillRef idx="1"/>
+    <cs:effectRef idx="0"/>
+    <cs:fontRef idx="minor">
+      <a:schemeClr val="tx1"/>
+    </cs:fontRef>
+    <cs:spPr>
+      <a:ln w="28575" cap="rnd">
+        <a:solidFill>
+          <a:schemeClr val="phClr"/>
+        </a:solidFill>
+        <a:round/>
+      </a:ln>
+    </cs:spPr>
+  </cs:dataPointLine>
+  <cs:dataPointMarker>
+    <cs:lnRef idx="0">
+      <cs:styleClr val="auto"/>
+    </cs:lnRef>
+    <cs:fillRef idx="1">
+      <cs:styleClr val="auto"/>
+    </cs:fillRef>
+    <cs:effectRef idx="0"/>
+    <cs:fontRef idx="minor">
+      <a:schemeClr val="tx1"/>
+    </cs:fontRef>
+    <cs:spPr>
+      <a:ln w="9525">
+        <a:solidFill>
+          <a:schemeClr val="phClr"/>
+        </a:solidFill>
+      </a:ln>
+    </cs:spPr>
+  </cs:dataPointMarker>
+  <cs:dataPointMarkerLayout symbol="circle" size="5"/>
+  <cs:dataPointWireframe>
+    <cs:lnRef idx="0">
+      <cs:styleClr val="auto"/>
+    </cs:lnRef>
+    <cs:fillRef idx="1"/>
+    <cs:effectRef idx="0"/>
+    <cs:fontRef idx="minor">
+      <a:schemeClr val="tx1"/>
+    </cs:fontRef>
+    <cs:spPr>
+      <a:ln w="9525" cap="rnd">
+        <a:solidFill>
+          <a:schemeClr val="phClr"/>
+        </a:solidFill>
+        <a:round/>
+      </a:ln>
+    </cs:spPr>
+  </cs:dataPointWireframe>
+  <cs:dataTable>
+    <cs:lnRef idx="0"/>
+    <cs:fillRef idx="0"/>
+    <cs:effectRef idx="0"/>
+    <cs:fontRef idx="minor">
+      <a:schemeClr val="tx1">
+        <a:lumMod val="65000"/>
+        <a:lumOff val="35000"/>
+      </a:schemeClr>
+    </cs:fontRef>
+    <cs:spPr>
+      <a:noFill/>
+      <a:ln w="9525" cap="flat" cmpd="sng" algn="ctr">
+        <a:solidFill>
+          <a:schemeClr val="tx1">
+            <a:lumMod val="15000"/>
+            <a:lumOff val="85000"/>
+          </a:schemeClr>
+        </a:solidFill>
+        <a:round/>
+      </a:ln>
+    </cs:spPr>
+    <cs:defRPr sz="900" kern="1200"/>
+  </cs:dataTable>
+  <cs:downBar>
+    <cs:lnRef idx="0"/>
+    <cs:fillRef idx="0"/>
+    <cs:effectRef idx="0"/>
+    <cs:fontRef idx="minor">
+      <a:schemeClr val="dk1"/>
+    </cs:fontRef>
+    <cs:spPr>
+      <a:solidFill>
+        <a:schemeClr val="dk1">
+          <a:lumMod val="65000"/>
+          <a:lumOff val="35000"/>
+        </a:schemeClr>
+      </a:solidFill>
+      <a:ln w="9525">
+        <a:solidFill>
+          <a:schemeClr val="tx1">
+            <a:lumMod val="65000"/>
+            <a:lumOff val="35000"/>
+          </a:schemeClr>
+        </a:solidFill>
+      </a:ln>
+    </cs:spPr>
+  </cs:downBar>
+  <cs:dropLine>
+    <cs:lnRef idx="0"/>
+    <cs:fillRef idx="0"/>
+    <cs:effectRef idx="0"/>
+    <cs:fontRef idx="minor">
+      <a:schemeClr val="tx1"/>
+    </cs:fontRef>
+    <cs:spPr>
+      <a:ln w="9525" cap="flat" cmpd="sng" algn="ctr">
+        <a:solidFill>
+          <a:schemeClr val="tx1">
+            <a:lumMod val="35000"/>
+            <a:lumOff val="65000"/>
+          </a:schemeClr>
+        </a:solidFill>
+        <a:round/>
+      </a:ln>
+    </cs:spPr>
+  </cs:dropLine>
+  <cs:errorBar>
+    <cs:lnRef idx="0"/>
+    <cs:fillRef idx="0"/>
+    <cs:effectRef idx="0"/>
+    <cs:fontRef idx="minor">
+      <a:schemeClr val="tx1"/>
+    </cs:fontRef>
+    <cs:spPr>
+      <a:ln w="9525" cap="flat" cmpd="sng" algn="ctr">
+        <a:solidFill>
+          <a:schemeClr val="tx1">
+            <a:lumMod val="65000"/>
+            <a:lumOff val="35000"/>
+          </a:schemeClr>
+        </a:solidFill>
+        <a:round/>
+      </a:ln>
+    </cs:spPr>
+  </cs:errorBar>
+  <cs:floor>
+    <cs:lnRef idx="0"/>
+    <cs:fillRef idx="0"/>
+    <cs:effectRef idx="0"/>
+    <cs:fontRef idx="minor">
+      <a:schemeClr val="tx1"/>
+    </cs:fontRef>
+    <cs:spPr>
+      <a:noFill/>
+      <a:ln>
+        <a:noFill/>
+      </a:ln>
+    </cs:spPr>
+  </cs:floor>
+  <cs:gridlineMajor>
+    <cs:lnRef idx="0"/>
+    <cs:fillRef idx="0"/>
+    <cs:effectRef idx="0"/>
+    <cs:fontRef idx="minor">
+      <a:schemeClr val="tx1"/>
+    </cs:fontRef>
+    <cs:spPr>
+      <a:ln w="9525" cap="flat" cmpd="sng" algn="ctr">
+        <a:solidFill>
+          <a:schemeClr val="tx1">
+            <a:lumMod val="15000"/>
+            <a:lumOff val="85000"/>
+          </a:schemeClr>
+        </a:solidFill>
+        <a:round/>
+      </a:ln>
+    </cs:spPr>
+  </cs:gridlineMajor>
+  <cs:gridlineMinor>
+    <cs:lnRef idx="0"/>
+    <cs:fillRef idx="0"/>
+    <cs:effectRef idx="0"/>
+    <cs:fontRef idx="minor">
+      <a:schemeClr val="tx1"/>
+    </cs:fontRef>
+    <cs:spPr>
+      <a:ln w="9525" cap="flat" cmpd="sng" algn="ctr">
+        <a:solidFill>
+          <a:schemeClr val="tx1">
+            <a:lumMod val="5000"/>
+            <a:lumOff val="95000"/>
+          </a:schemeClr>
+        </a:solidFill>
+        <a:round/>
+      </a:ln>
+    </cs:spPr>
+  </cs:gridlineMinor>
+  <cs:hiLoLine>
+    <cs:lnRef idx="0"/>
+    <cs:fillRef idx="0"/>
+    <cs:effectRef idx="0"/>
+    <cs:fontRef idx="minor">
+      <a:schemeClr val="tx1"/>
+    </cs:fontRef>
+    <cs:spPr>
+      <a:ln w="9525" cap="flat" cmpd="sng" algn="ctr">
+        <a:solidFill>
+          <a:schemeClr val="tx1">
+            <a:lumMod val="75000"/>
+            <a:lumOff val="25000"/>
+          </a:schemeClr>
+        </a:solidFill>
+        <a:round/>
+      </a:ln>
+    </cs:spPr>
+  </cs:hiLoLine>
+  <cs:leaderLine>
+    <cs:lnRef idx="0"/>
+    <cs:fillRef idx="0"/>
+    <cs:effectRef idx="0"/>
+    <cs:fontRef idx="minor">
+      <a:schemeClr val="tx1"/>
+    </cs:fontRef>
+    <cs:spPr>
+      <a:ln w="9525" cap="flat" cmpd="sng" algn="ctr">
+        <a:solidFill>
+          <a:schemeClr val="tx1">
+            <a:lumMod val="35000"/>
+            <a:lumOff val="65000"/>
+          </a:schemeClr>
+        </a:solidFill>
+        <a:round/>
+      </a:ln>
+    </cs:spPr>
+  </cs:leaderLine>
+  <cs:legend>
+    <cs:lnRef idx="0"/>
+    <cs:fillRef idx="0"/>
+    <cs:effectRef idx="0"/>
+    <cs:fontRef idx="minor">
+      <a:schemeClr val="tx1">
+        <a:lumMod val="65000"/>
+        <a:lumOff val="35000"/>
+      </a:schemeClr>
+    </cs:fontRef>
+    <cs:defRPr sz="900" kern="1200"/>
+  </cs:legend>
+  <cs:plotArea mods="allowNoFillOverride allowNoLineOverride">
+    <cs:lnRef idx="0"/>
+    <cs:fillRef idx="0"/>
+    <cs:effectRef idx="0"/>
+    <cs:fontRef idx="minor">
+      <a:schemeClr val="tx1"/>
+    </cs:fontRef>
+  </cs:plotArea>
+  <cs:plotArea3D mods="allowNoFillOverride allowNoLineOverride">
+    <cs:lnRef idx="0"/>
+    <cs:fillRef idx="0"/>
+    <cs:effectRef idx="0"/>
+    <cs:fontRef idx="minor">
+      <a:schemeClr val="tx1"/>
+    </cs:fontRef>
+  </cs:plotArea3D>
+  <cs:seriesAxis>
+    <cs:lnRef idx="0"/>
+    <cs:fillRef idx="0"/>
+    <cs:effectRef idx="0"/>
+    <cs:fontRef idx="minor">
+      <a:schemeClr val="tx1">
+        <a:lumMod val="65000"/>
+        <a:lumOff val="35000"/>
+      </a:schemeClr>
+    </cs:fontRef>
+    <cs:defRPr sz="900" kern="1200"/>
+  </cs:seriesAxis>
+  <cs:seriesLine>
+    <cs:lnRef idx="0"/>
+    <cs:fillRef idx="0"/>
+    <cs:effectRef idx="0"/>
+    <cs:fontRef idx="minor">
+      <a:schemeClr val="tx1"/>
+    </cs:fontRef>
+    <cs:spPr>
+      <a:ln w="9525" cap="flat" cmpd="sng" algn="ctr">
+        <a:solidFill>
+          <a:schemeClr val="tx1">
+            <a:lumMod val="35000"/>
+            <a:lumOff val="65000"/>
+          </a:schemeClr>
+        </a:solidFill>
+        <a:round/>
+      </a:ln>
+    </cs:spPr>
+  </cs:seriesLine>
+  <cs:title>
+    <cs:lnRef idx="0"/>
+    <cs:fillRef idx="0"/>
+    <cs:effectRef idx="0"/>
+    <cs:fontRef idx="minor">
+      <a:schemeClr val="tx1">
+        <a:lumMod val="65000"/>
+        <a:lumOff val="35000"/>
+      </a:schemeClr>
+    </cs:fontRef>
+    <cs:defRPr sz="1400" b="0" kern="1200" spc="0" baseline="0"/>
+  </cs:title>
+  <cs:trendline>
+    <cs:lnRef idx="0">
+      <cs:styleClr val="auto"/>
+    </cs:lnRef>
+    <cs:fillRef idx="0"/>
+    <cs:effectRef idx="0"/>
+    <cs:fontRef idx="minor">
+      <a:schemeClr val="tx1"/>
+    </cs:fontRef>
+    <cs:spPr>
+      <a:ln w="19050" cap="rnd">
+        <a:solidFill>
+          <a:schemeClr val="phClr"/>
+        </a:solidFill>
+        <a:prstDash val="sysDot"/>
+      </a:ln>
+    </cs:spPr>
+  </cs:trendline>
+  <cs:trendlineLabel>
+    <cs:lnRef idx="0"/>
+    <cs:fillRef idx="0"/>
+    <cs:effectRef idx="0"/>
+    <cs:fontRef idx="minor">
+      <a:schemeClr val="tx1">
+        <a:lumMod val="65000"/>
+        <a:lumOff val="35000"/>
+      </a:schemeClr>
+    </cs:fontRef>
+    <cs:defRPr sz="900" kern="1200"/>
+  </cs:trendlineLabel>
+  <cs:upBar>
+    <cs:lnRef idx="0"/>
+    <cs:fillRef idx="0"/>
+    <cs:effectRef idx="0"/>
+    <cs:fontRef idx="minor">
+      <a:schemeClr val="dk1"/>
+    </cs:fontRef>
+    <cs:spPr>
+      <a:solidFill>
+        <a:schemeClr val="lt1"/>
+      </a:solidFill>
+      <a:ln w="9525">
+        <a:solidFill>
+          <a:schemeClr val="tx1">
+            <a:lumMod val="15000"/>
+            <a:lumOff val="85000"/>
+          </a:schemeClr>
+        </a:solidFill>
+      </a:ln>
+    </cs:spPr>
+  </cs:upBar>
+  <cs:valueAxis>
+    <cs:lnRef idx="0"/>
+    <cs:fillRef idx="0"/>
+    <cs:effectRef idx="0"/>
+    <cs:fontRef idx="minor">
+      <a:schemeClr val="tx1">
+        <a:lumMod val="65000"/>
+        <a:lumOff val="35000"/>
+      </a:schemeClr>
+    </cs:fontRef>
+    <cs:defRPr sz="900" kern="1200"/>
+  </cs:valueAxis>
+  <cs:wall>
+    <cs:lnRef idx="0"/>
+    <cs:fillRef idx="0"/>
+    <cs:effectRef idx="0"/>
+    <cs:fontRef idx="minor">
+      <a:schemeClr val="tx1"/>
+    </cs:fontRef>
+    <cs:spPr>
+      <a:noFill/>
+      <a:ln>
+        <a:noFill/>
+      </a:ln>
+    </cs:spPr>
+  </cs:wall>
+</cs:chartStyle>
+</file>
+
+<file path=ppt/charts/style5.xml><?xml version="1.0" encoding="utf-8"?>
 <cs:chartStyle xmlns:cs="http://schemas.microsoft.com/office/drawing/2012/chartStyle" xmlns:a="http://schemas.openxmlformats.org/drawingml/2006/main" id="201">
   <cs:axisTitle>
     <cs:lnRef idx="0"/>
@@ -9390,7 +11325,7 @@
           <a:p>
             <a:fld id="{2CF913E4-21D6-454A-9B7B-BE459B1334D7}" type="datetimeFigureOut">
               <a:rPr lang="en-US" smtClean="0"/>
-              <a:t>3/14/17</a:t>
+              <a:t>3/17/17</a:t>
             </a:fld>
             <a:endParaRPr lang="en-US"/>
           </a:p>
@@ -10747,7 +12682,7 @@
           <a:p>
             <a:fld id="{E244C58A-5871-1749-BADD-ABDAF70FC583}" type="datetimeFigureOut">
               <a:rPr lang="en-US" smtClean="0"/>
-              <a:t>3/14/17</a:t>
+              <a:t>3/17/17</a:t>
             </a:fld>
             <a:endParaRPr lang="en-US"/>
           </a:p>
@@ -11009,7 +12944,7 @@
           <a:p>
             <a:fld id="{E244C58A-5871-1749-BADD-ABDAF70FC583}" type="datetimeFigureOut">
               <a:rPr lang="en-US" smtClean="0"/>
-              <a:t>3/14/17</a:t>
+              <a:t>3/17/17</a:t>
             </a:fld>
             <a:endParaRPr lang="en-US"/>
           </a:p>
@@ -11235,7 +13170,7 @@
           <a:p>
             <a:fld id="{E244C58A-5871-1749-BADD-ABDAF70FC583}" type="datetimeFigureOut">
               <a:rPr lang="en-US" smtClean="0"/>
-              <a:t>3/14/17</a:t>
+              <a:t>3/17/17</a:t>
             </a:fld>
             <a:endParaRPr lang="en-US"/>
           </a:p>
@@ -11540,7 +13475,7 @@
           <a:p>
             <a:fld id="{E244C58A-5871-1749-BADD-ABDAF70FC583}" type="datetimeFigureOut">
               <a:rPr lang="en-US" smtClean="0"/>
-              <a:t>3/14/17</a:t>
+              <a:t>3/17/17</a:t>
             </a:fld>
             <a:endParaRPr lang="en-US"/>
           </a:p>
@@ -12008,7 +13943,7 @@
           <a:p>
             <a:fld id="{E244C58A-5871-1749-BADD-ABDAF70FC583}" type="datetimeFigureOut">
               <a:rPr lang="en-US" smtClean="0"/>
-              <a:t>3/14/17</a:t>
+              <a:t>3/17/17</a:t>
             </a:fld>
             <a:endParaRPr lang="en-US"/>
           </a:p>
@@ -12550,7 +14485,7 @@
           <a:p>
             <a:fld id="{E244C58A-5871-1749-BADD-ABDAF70FC583}" type="datetimeFigureOut">
               <a:rPr lang="en-US" smtClean="0"/>
-              <a:t>3/14/17</a:t>
+              <a:t>3/17/17</a:t>
             </a:fld>
             <a:endParaRPr lang="en-US"/>
           </a:p>
@@ -13319,7 +15254,7 @@
           <a:p>
             <a:fld id="{E244C58A-5871-1749-BADD-ABDAF70FC583}" type="datetimeFigureOut">
               <a:rPr lang="en-US" smtClean="0"/>
-              <a:t>3/14/17</a:t>
+              <a:t>3/17/17</a:t>
             </a:fld>
             <a:endParaRPr lang="en-US"/>
           </a:p>
@@ -13489,7 +15424,7 @@
           <a:p>
             <a:fld id="{E244C58A-5871-1749-BADD-ABDAF70FC583}" type="datetimeFigureOut">
               <a:rPr lang="en-US" smtClean="0"/>
-              <a:t>3/14/17</a:t>
+              <a:t>3/17/17</a:t>
             </a:fld>
             <a:endParaRPr lang="en-US"/>
           </a:p>
@@ -13707,7 +15642,7 @@
           <a:p>
             <a:fld id="{E244C58A-5871-1749-BADD-ABDAF70FC583}" type="datetimeFigureOut">
               <a:rPr lang="en-US" smtClean="0"/>
-              <a:t>3/14/17</a:t>
+              <a:t>3/17/17</a:t>
             </a:fld>
             <a:endParaRPr lang="en-US"/>
           </a:p>
@@ -13882,7 +15817,7 @@
           <a:p>
             <a:fld id="{E244C58A-5871-1749-BADD-ABDAF70FC583}" type="datetimeFigureOut">
               <a:rPr lang="en-US" smtClean="0"/>
-              <a:t>3/14/17</a:t>
+              <a:t>3/17/17</a:t>
             </a:fld>
             <a:endParaRPr lang="en-US"/>
           </a:p>
@@ -14166,7 +16101,7 @@
           <a:p>
             <a:fld id="{E244C58A-5871-1749-BADD-ABDAF70FC583}" type="datetimeFigureOut">
               <a:rPr lang="en-US" smtClean="0"/>
-              <a:t>3/14/17</a:t>
+              <a:t>3/17/17</a:t>
             </a:fld>
             <a:endParaRPr lang="en-US"/>
           </a:p>
@@ -14403,7 +16338,7 @@
           <a:p>
             <a:fld id="{E244C58A-5871-1749-BADD-ABDAF70FC583}" type="datetimeFigureOut">
               <a:rPr lang="en-US" smtClean="0"/>
-              <a:t>3/14/17</a:t>
+              <a:t>3/17/17</a:t>
             </a:fld>
             <a:endParaRPr lang="en-US"/>
           </a:p>
@@ -14777,7 +16712,7 @@
           <a:p>
             <a:fld id="{E244C58A-5871-1749-BADD-ABDAF70FC583}" type="datetimeFigureOut">
               <a:rPr lang="en-US" smtClean="0"/>
-              <a:t>3/14/17</a:t>
+              <a:t>3/17/17</a:t>
             </a:fld>
             <a:endParaRPr lang="en-US"/>
           </a:p>
@@ -14890,7 +16825,7 @@
           <a:p>
             <a:fld id="{E244C58A-5871-1749-BADD-ABDAF70FC583}" type="datetimeFigureOut">
               <a:rPr lang="en-US" smtClean="0"/>
-              <a:t>3/14/17</a:t>
+              <a:t>3/17/17</a:t>
             </a:fld>
             <a:endParaRPr lang="en-US"/>
           </a:p>
@@ -14980,7 +16915,7 @@
           <a:p>
             <a:fld id="{E244C58A-5871-1749-BADD-ABDAF70FC583}" type="datetimeFigureOut">
               <a:rPr lang="en-US" smtClean="0"/>
-              <a:t>3/14/17</a:t>
+              <a:t>3/17/17</a:t>
             </a:fld>
             <a:endParaRPr lang="en-US"/>
           </a:p>
@@ -15224,7 +17159,7 @@
           <a:p>
             <a:fld id="{E244C58A-5871-1749-BADD-ABDAF70FC583}" type="datetimeFigureOut">
               <a:rPr lang="en-US" smtClean="0"/>
-              <a:t>3/14/17</a:t>
+              <a:t>3/17/17</a:t>
             </a:fld>
             <a:endParaRPr lang="en-US"/>
           </a:p>
@@ -15476,7 +17411,7 @@
           <a:p>
             <a:fld id="{E244C58A-5871-1749-BADD-ABDAF70FC583}" type="datetimeFigureOut">
               <a:rPr lang="en-US" smtClean="0"/>
-              <a:t>3/14/17</a:t>
+              <a:t>3/17/17</a:t>
             </a:fld>
             <a:endParaRPr lang="en-US"/>
           </a:p>
@@ -15714,7 +17649,7 @@
           <a:p>
             <a:fld id="{E244C58A-5871-1749-BADD-ABDAF70FC583}" type="datetimeFigureOut">
               <a:rPr lang="en-US" smtClean="0"/>
-              <a:t>3/14/17</a:t>
+              <a:t>3/17/17</a:t>
             </a:fld>
             <a:endParaRPr lang="en-US"/>
           </a:p>
@@ -16280,11 +18215,7 @@
             </a:r>
             <a:r>
               <a:rPr lang="en-GB" dirty="0" smtClean="0"/>
-              <a:t>comparable with the one’s from bigger (N vs n, N &gt;&gt; n </a:t>
-            </a:r>
-            <a:r>
-              <a:rPr lang="en-GB" dirty="0" smtClean="0"/>
-              <a:t>)</a:t>
+              <a:t>comparable with the one’s from bigger (N vs n, N &gt;&gt; n )</a:t>
             </a:r>
             <a:endParaRPr lang="en-GB" dirty="0"/>
           </a:p>
@@ -16332,10 +18263,125 @@
   <p:clrMapOvr>
     <a:masterClrMapping/>
   </p:clrMapOvr>
+  <p:timing>
+    <p:tnLst>
+      <p:par>
+        <p:cTn id="1" dur="indefinite" restart="never" nodeType="tmRoot"/>
+      </p:par>
+    </p:tnLst>
+  </p:timing>
 </p:sld>
 </file>
 
 <file path=ppt/slides/slide11.xml><?xml version="1.0" encoding="utf-8"?>
+<p:sld xmlns:a="http://schemas.openxmlformats.org/drawingml/2006/main" xmlns:r="http://schemas.openxmlformats.org/officeDocument/2006/relationships" xmlns:p="http://schemas.openxmlformats.org/presentationml/2006/main">
+  <p:cSld>
+    <p:spTree>
+      <p:nvGrpSpPr>
+        <p:cNvPr id="1" name=""/>
+        <p:cNvGrpSpPr/>
+        <p:nvPr/>
+      </p:nvGrpSpPr>
+      <p:grpSpPr>
+        <a:xfrm>
+          <a:off x="0" y="0"/>
+          <a:ext cx="0" cy="0"/>
+          <a:chOff x="0" y="0"/>
+          <a:chExt cx="0" cy="0"/>
+        </a:xfrm>
+      </p:grpSpPr>
+      <p:sp>
+        <p:nvSpPr>
+          <p:cNvPr id="2" name="Title 1"/>
+          <p:cNvSpPr>
+            <a:spLocks noGrp="1"/>
+          </p:cNvSpPr>
+          <p:nvPr>
+            <p:ph type="title"/>
+          </p:nvPr>
+        </p:nvSpPr>
+        <p:spPr/>
+        <p:txBody>
+          <a:bodyPr/>
+          <a:lstStyle/>
+          <a:p>
+            <a:r>
+              <a:rPr lang="en-US" dirty="0" smtClean="0"/>
+              <a:t>Comparisons of the bests</a:t>
+            </a:r>
+            <a:endParaRPr lang="en-US" dirty="0"/>
+          </a:p>
+        </p:txBody>
+      </p:sp>
+      <p:graphicFrame>
+        <p:nvGraphicFramePr>
+          <p:cNvPr id="34" name="Chart 33"/>
+          <p:cNvGraphicFramePr>
+            <a:graphicFrameLocks/>
+          </p:cNvGraphicFramePr>
+          <p:nvPr>
+            <p:extLst>
+              <p:ext uri="{D42A27DB-BD31-4B8C-83A1-F6EECF244321}">
+                <p14:modId xmlns:p14="http://schemas.microsoft.com/office/powerpoint/2010/main" val="1504530051"/>
+              </p:ext>
+            </p:extLst>
+          </p:nvPr>
+        </p:nvGraphicFramePr>
+        <p:xfrm>
+          <a:off x="775703" y="2057401"/>
+          <a:ext cx="5346700" cy="4419600"/>
+        </p:xfrm>
+        <a:graphic>
+          <a:graphicData uri="http://schemas.openxmlformats.org/drawingml/2006/chart">
+            <c:chart xmlns:c="http://schemas.openxmlformats.org/drawingml/2006/chart" xmlns:r="http://schemas.openxmlformats.org/officeDocument/2006/relationships" r:id="rId2"/>
+          </a:graphicData>
+        </a:graphic>
+      </p:graphicFrame>
+      <p:graphicFrame>
+        <p:nvGraphicFramePr>
+          <p:cNvPr id="35" name="Chart 34"/>
+          <p:cNvGraphicFramePr>
+            <a:graphicFrameLocks/>
+          </p:cNvGraphicFramePr>
+          <p:nvPr>
+            <p:extLst>
+              <p:ext uri="{D42A27DB-BD31-4B8C-83A1-F6EECF244321}">
+                <p14:modId xmlns:p14="http://schemas.microsoft.com/office/powerpoint/2010/main" val="1370785770"/>
+              </p:ext>
+            </p:extLst>
+          </p:nvPr>
+        </p:nvGraphicFramePr>
+        <p:xfrm>
+          <a:off x="6934200" y="2057401"/>
+          <a:ext cx="4572000" cy="4271210"/>
+        </p:xfrm>
+        <a:graphic>
+          <a:graphicData uri="http://schemas.openxmlformats.org/drawingml/2006/chart">
+            <c:chart xmlns:c="http://schemas.openxmlformats.org/drawingml/2006/chart" xmlns:r="http://schemas.openxmlformats.org/officeDocument/2006/relationships" r:id="rId3"/>
+          </a:graphicData>
+        </a:graphic>
+      </p:graphicFrame>
+    </p:spTree>
+    <p:extLst>
+      <p:ext uri="{BB962C8B-B14F-4D97-AF65-F5344CB8AC3E}">
+        <p14:creationId xmlns:p14="http://schemas.microsoft.com/office/powerpoint/2010/main" val="729829273"/>
+      </p:ext>
+    </p:extLst>
+  </p:cSld>
+  <p:clrMapOvr>
+    <a:masterClrMapping/>
+  </p:clrMapOvr>
+  <p:timing>
+    <p:tnLst>
+      <p:par>
+        <p:cTn id="1" dur="indefinite" restart="never" nodeType="tmRoot"/>
+      </p:par>
+    </p:tnLst>
+  </p:timing>
+</p:sld>
+</file>
+
+<file path=ppt/slides/slide12.xml><?xml version="1.0" encoding="utf-8"?>
 <p:sld xmlns:a="http://schemas.openxmlformats.org/drawingml/2006/main" xmlns:r="http://schemas.openxmlformats.org/officeDocument/2006/relationships" xmlns:p="http://schemas.openxmlformats.org/presentationml/2006/main">
   <p:cSld>
     <p:spTree>
@@ -17669,7 +19715,7 @@
           <p:nvPr>
             <p:extLst>
               <p:ext uri="{D42A27DB-BD31-4B8C-83A1-F6EECF244321}">
-                <p14:modId xmlns:p14="http://schemas.microsoft.com/office/powerpoint/2010/main" val="1045041905"/>
+                <p14:modId xmlns:p14="http://schemas.microsoft.com/office/powerpoint/2010/main" val="1337287175"/>
               </p:ext>
             </p:extLst>
           </p:nvPr>
@@ -17742,6 +19788,13 @@
   <p:clrMapOvr>
     <a:masterClrMapping/>
   </p:clrMapOvr>
+  <p:timing>
+    <p:tnLst>
+      <p:par>
+        <p:cTn id="1" dur="indefinite" restart="never" nodeType="tmRoot"/>
+      </p:par>
+    </p:tnLst>
+  </p:timing>
 </p:sld>
 </file>
 

--- a/TODO/spa_presentation.pptx
+++ b/TODO/spa_presentation.pptx
@@ -5,7 +5,7 @@
     <p:sldMasterId id="2147483713" r:id="rId1"/>
   </p:sldMasterIdLst>
   <p:notesMasterIdLst>
-    <p:notesMasterId r:id="rId14"/>
+    <p:notesMasterId r:id="rId15"/>
   </p:notesMasterIdLst>
   <p:sldIdLst>
     <p:sldId id="256" r:id="rId2"/>
@@ -19,7 +19,8 @@
     <p:sldId id="265" r:id="rId10"/>
     <p:sldId id="266" r:id="rId11"/>
     <p:sldId id="267" r:id="rId12"/>
-    <p:sldId id="263" r:id="rId13"/>
+    <p:sldId id="268" r:id="rId13"/>
+    <p:sldId id="263" r:id="rId14"/>
   </p:sldIdLst>
   <p:sldSz cx="12192000" cy="6858000"/>
   <p:notesSz cx="6858000" cy="9144000"/>
@@ -18414,6 +18415,173 @@
           <a:lstStyle/>
           <a:p>
             <a:r>
+              <a:rPr lang="en-US" dirty="0"/>
+              <a:t>	</a:t>
+            </a:r>
+            <a:r>
+              <a:rPr lang="en-US" dirty="0" smtClean="0"/>
+              <a:t>	</a:t>
+            </a:r>
+            <a:endParaRPr lang="en-US" dirty="0"/>
+          </a:p>
+        </p:txBody>
+      </p:sp>
+      <p:sp>
+        <p:nvSpPr>
+          <p:cNvPr id="3" name="Content Placeholder 2"/>
+          <p:cNvSpPr>
+            <a:spLocks noGrp="1"/>
+          </p:cNvSpPr>
+          <p:nvPr>
+            <p:ph idx="1"/>
+          </p:nvPr>
+        </p:nvSpPr>
+        <p:spPr/>
+        <p:txBody>
+          <a:bodyPr/>
+          <a:lstStyle/>
+          <a:p>
+            <a:r>
+              <a:rPr lang="en-US" dirty="0" smtClean="0"/>
+              <a:t>Input: “Team Form”, Representation: 3, </a:t>
+            </a:r>
+            <a:r>
+              <a:rPr lang="en-US" dirty="0" err="1" smtClean="0"/>
+              <a:t>Sklearn</a:t>
+            </a:r>
+            <a:r>
+              <a:rPr lang="en-US" dirty="0" smtClean="0"/>
+              <a:t> SVM</a:t>
+            </a:r>
+          </a:p>
+          <a:p>
+            <a:pPr lvl="1"/>
+            <a:r>
+              <a:rPr lang="en-US" dirty="0" smtClean="0"/>
+              <a:t>[</a:t>
+            </a:r>
+            <a:r>
+              <a:rPr lang="en-US" dirty="0" err="1" smtClean="0"/>
+              <a:t>home_form</a:t>
+            </a:r>
+            <a:r>
+              <a:rPr lang="en-US" dirty="0" smtClean="0"/>
+              <a:t> </a:t>
+            </a:r>
+            <a:r>
+              <a:rPr lang="en-US" dirty="0"/>
+              <a:t>/ </a:t>
+            </a:r>
+            <a:r>
+              <a:rPr lang="en-US" dirty="0" err="1"/>
+              <a:t>home_n</a:t>
+            </a:r>
+            <a:r>
+              <a:rPr lang="en-US" dirty="0"/>
+              <a:t> - </a:t>
+            </a:r>
+            <a:r>
+              <a:rPr lang="en-US" dirty="0" err="1"/>
+              <a:t>away_form</a:t>
+            </a:r>
+            <a:r>
+              <a:rPr lang="en-US" dirty="0"/>
+              <a:t> / </a:t>
+            </a:r>
+            <a:r>
+              <a:rPr lang="en-US" dirty="0" err="1"/>
+              <a:t>away_n</a:t>
+            </a:r>
+            <a:r>
+              <a:rPr lang="en-US" dirty="0" smtClean="0"/>
+              <a:t>]</a:t>
+            </a:r>
+          </a:p>
+          <a:p>
+            <a:pPr lvl="1"/>
+            <a:r>
+              <a:rPr lang="en-US" i="1" dirty="0" smtClean="0"/>
+              <a:t>form</a:t>
+            </a:r>
+            <a:r>
+              <a:rPr lang="en-US" dirty="0" smtClean="0"/>
+              <a:t>: points gathered in the last </a:t>
+            </a:r>
+            <a:r>
+              <a:rPr lang="en-US" i="1" dirty="0" smtClean="0"/>
+              <a:t>n</a:t>
+            </a:r>
+            <a:r>
+              <a:rPr lang="en-US" dirty="0" smtClean="0"/>
+              <a:t> matches</a:t>
+            </a:r>
+            <a:endParaRPr lang="en-US" dirty="0"/>
+          </a:p>
+          <a:p>
+            <a:endParaRPr lang="en-US" dirty="0"/>
+          </a:p>
+          <a:p>
+            <a:r>
+              <a:rPr lang="en-US" dirty="0" smtClean="0"/>
+              <a:t>Input: “Team strength”, Poisson</a:t>
+            </a:r>
+            <a:endParaRPr lang="en-US" dirty="0"/>
+          </a:p>
+        </p:txBody>
+      </p:sp>
+    </p:spTree>
+    <p:extLst>
+      <p:ext uri="{BB962C8B-B14F-4D97-AF65-F5344CB8AC3E}">
+        <p14:creationId xmlns:p14="http://schemas.microsoft.com/office/powerpoint/2010/main" val="1190349996"/>
+      </p:ext>
+    </p:extLst>
+  </p:cSld>
+  <p:clrMapOvr>
+    <a:masterClrMapping/>
+  </p:clrMapOvr>
+  <p:timing>
+    <p:tnLst>
+      <p:par>
+        <p:cTn id="1" dur="indefinite" restart="never" nodeType="tmRoot"/>
+      </p:par>
+    </p:tnLst>
+  </p:timing>
+</p:sld>
+</file>
+
+<file path=ppt/slides/slide13.xml><?xml version="1.0" encoding="utf-8"?>
+<p:sld xmlns:a="http://schemas.openxmlformats.org/drawingml/2006/main" xmlns:r="http://schemas.openxmlformats.org/officeDocument/2006/relationships" xmlns:p="http://schemas.openxmlformats.org/presentationml/2006/main">
+  <p:cSld>
+    <p:spTree>
+      <p:nvGrpSpPr>
+        <p:cNvPr id="1" name=""/>
+        <p:cNvGrpSpPr/>
+        <p:nvPr/>
+      </p:nvGrpSpPr>
+      <p:grpSpPr>
+        <a:xfrm>
+          <a:off x="0" y="0"/>
+          <a:ext cx="0" cy="0"/>
+          <a:chOff x="0" y="0"/>
+          <a:chExt cx="0" cy="0"/>
+        </a:xfrm>
+      </p:grpSpPr>
+      <p:sp>
+        <p:nvSpPr>
+          <p:cNvPr id="2" name="Title 1"/>
+          <p:cNvSpPr>
+            <a:spLocks noGrp="1"/>
+          </p:cNvSpPr>
+          <p:nvPr>
+            <p:ph type="title"/>
+          </p:nvPr>
+        </p:nvSpPr>
+        <p:spPr/>
+        <p:txBody>
+          <a:bodyPr/>
+          <a:lstStyle/>
+          <a:p>
+            <a:r>
               <a:rPr lang="en-US" dirty="0" smtClean="0"/>
               <a:t>Look at the next match</a:t>
             </a:r>
@@ -18464,6 +18632,13 @@
   <p:clrMapOvr>
     <a:masterClrMapping/>
   </p:clrMapOvr>
+  <p:timing>
+    <p:tnLst>
+      <p:par>
+        <p:cTn id="1" dur="indefinite" restart="never" nodeType="tmRoot"/>
+      </p:par>
+    </p:tnLst>
+  </p:timing>
 </p:sld>
 </file>
 

--- a/TODO/spa_presentation.pptx
+++ b/TODO/spa_presentation.pptx
@@ -5,7 +5,7 @@
     <p:sldMasterId id="2147483713" r:id="rId1"/>
   </p:sldMasterIdLst>
   <p:notesMasterIdLst>
-    <p:notesMasterId r:id="rId15"/>
+    <p:notesMasterId r:id="rId16"/>
   </p:notesMasterIdLst>
   <p:sldIdLst>
     <p:sldId id="256" r:id="rId2"/>
@@ -20,7 +20,8 @@
     <p:sldId id="266" r:id="rId11"/>
     <p:sldId id="267" r:id="rId12"/>
     <p:sldId id="268" r:id="rId13"/>
-    <p:sldId id="263" r:id="rId14"/>
+    <p:sldId id="269" r:id="rId14"/>
+    <p:sldId id="263" r:id="rId15"/>
   </p:sldIdLst>
   <p:sldSz cx="12192000" cy="6858000"/>
   <p:notesSz cx="6858000" cy="9144000"/>
@@ -541,11 +542,11 @@
         </c:dLbls>
         <c:gapWidth val="219"/>
         <c:overlap val="-27"/>
-        <c:axId val="1999587920"/>
-        <c:axId val="1999589696"/>
+        <c:axId val="1347589520"/>
+        <c:axId val="1343088928"/>
       </c:barChart>
       <c:catAx>
-        <c:axId val="1999587920"/>
+        <c:axId val="1347589520"/>
         <c:scaling>
           <c:orientation val="minMax"/>
         </c:scaling>
@@ -588,7 +589,7 @@
             <a:endParaRPr lang="en-US"/>
           </a:p>
         </c:txPr>
-        <c:crossAx val="1999589696"/>
+        <c:crossAx val="1343088928"/>
         <c:crosses val="autoZero"/>
         <c:auto val="1"/>
         <c:lblAlgn val="ctr"/>
@@ -596,7 +597,7 @@
         <c:noMultiLvlLbl val="0"/>
       </c:catAx>
       <c:valAx>
-        <c:axId val="1999589696"/>
+        <c:axId val="1343088928"/>
         <c:scaling>
           <c:orientation val="minMax"/>
         </c:scaling>
@@ -647,7 +648,7 @@
             <a:endParaRPr lang="en-US"/>
           </a:p>
         </c:txPr>
-        <c:crossAx val="1999587920"/>
+        <c:crossAx val="1347589520"/>
         <c:crosses val="autoZero"/>
         <c:crossBetween val="between"/>
       </c:valAx>
@@ -1100,11 +1101,11 @@
         </c:dLbls>
         <c:gapWidth val="219"/>
         <c:overlap val="-27"/>
-        <c:axId val="1999610560"/>
-        <c:axId val="1999613312"/>
+        <c:axId val="1348046064"/>
+        <c:axId val="1342839904"/>
       </c:barChart>
       <c:catAx>
-        <c:axId val="1999610560"/>
+        <c:axId val="1348046064"/>
         <c:scaling>
           <c:orientation val="minMax"/>
         </c:scaling>
@@ -1147,7 +1148,7 @@
             <a:endParaRPr lang="en-US"/>
           </a:p>
         </c:txPr>
-        <c:crossAx val="1999613312"/>
+        <c:crossAx val="1342839904"/>
         <c:crosses val="autoZero"/>
         <c:auto val="1"/>
         <c:lblAlgn val="ctr"/>
@@ -1155,7 +1156,7 @@
         <c:noMultiLvlLbl val="0"/>
       </c:catAx>
       <c:valAx>
-        <c:axId val="1999613312"/>
+        <c:axId val="1342839904"/>
         <c:scaling>
           <c:orientation val="minMax"/>
         </c:scaling>
@@ -1206,7 +1207,7 @@
             <a:endParaRPr lang="en-US"/>
           </a:p>
         </c:txPr>
-        <c:crossAx val="1999610560"/>
+        <c:crossAx val="1348046064"/>
         <c:crosses val="autoZero"/>
         <c:crossBetween val="between"/>
       </c:valAx>
@@ -1659,11 +1660,11 @@
         </c:dLbls>
         <c:gapWidth val="219"/>
         <c:overlap val="-27"/>
-        <c:axId val="2021674176"/>
-        <c:axId val="2021676928"/>
+        <c:axId val="1343002064"/>
+        <c:axId val="1343052304"/>
       </c:barChart>
       <c:catAx>
-        <c:axId val="2021674176"/>
+        <c:axId val="1343002064"/>
         <c:scaling>
           <c:orientation val="minMax"/>
         </c:scaling>
@@ -1706,7 +1707,7 @@
             <a:endParaRPr lang="en-US"/>
           </a:p>
         </c:txPr>
-        <c:crossAx val="2021676928"/>
+        <c:crossAx val="1343052304"/>
         <c:crosses val="autoZero"/>
         <c:auto val="1"/>
         <c:lblAlgn val="ctr"/>
@@ -1714,7 +1715,7 @@
         <c:noMultiLvlLbl val="0"/>
       </c:catAx>
       <c:valAx>
-        <c:axId val="2021676928"/>
+        <c:axId val="1343052304"/>
         <c:scaling>
           <c:orientation val="minMax"/>
         </c:scaling>
@@ -1765,7 +1766,7 @@
             <a:endParaRPr lang="en-US"/>
           </a:p>
         </c:txPr>
-        <c:crossAx val="2021674176"/>
+        <c:crossAx val="1343002064"/>
         <c:crosses val="autoZero"/>
         <c:crossBetween val="between"/>
       </c:valAx>
@@ -2110,11 +2111,11 @@
         </c:dLbls>
         <c:gapWidth val="219"/>
         <c:overlap val="-27"/>
-        <c:axId val="2004820512"/>
-        <c:axId val="1903127680"/>
+        <c:axId val="1417104688"/>
+        <c:axId val="1417107520"/>
       </c:barChart>
       <c:catAx>
-        <c:axId val="2004820512"/>
+        <c:axId val="1417104688"/>
         <c:scaling>
           <c:orientation val="minMax"/>
         </c:scaling>
@@ -2123,7 +2124,7 @@
         <c:majorTickMark val="none"/>
         <c:minorTickMark val="none"/>
         <c:tickLblPos val="nextTo"/>
-        <c:crossAx val="1903127680"/>
+        <c:crossAx val="1417107520"/>
         <c:crosses val="autoZero"/>
         <c:auto val="1"/>
         <c:lblAlgn val="ctr"/>
@@ -2131,7 +2132,7 @@
         <c:noMultiLvlLbl val="0"/>
       </c:catAx>
       <c:valAx>
-        <c:axId val="1903127680"/>
+        <c:axId val="1417107520"/>
         <c:scaling>
           <c:orientation val="minMax"/>
           <c:max val="0.6"/>
@@ -2183,7 +2184,7 @@
             <a:endParaRPr lang="en-US"/>
           </a:p>
         </c:txPr>
-        <c:crossAx val="2004820512"/>
+        <c:crossAx val="1417104688"/>
         <c:crosses val="autoZero"/>
         <c:crossBetween val="between"/>
       </c:valAx>
@@ -2540,11 +2541,11 @@
         </c:dLbls>
         <c:gapWidth val="219"/>
         <c:overlap val="-27"/>
-        <c:axId val="2076415488"/>
-        <c:axId val="1948264496"/>
+        <c:axId val="1417135888"/>
+        <c:axId val="1417138720"/>
       </c:barChart>
       <c:catAx>
-        <c:axId val="2076415488"/>
+        <c:axId val="1417135888"/>
         <c:scaling>
           <c:orientation val="minMax"/>
         </c:scaling>
@@ -2586,7 +2587,7 @@
             <a:endParaRPr lang="en-US"/>
           </a:p>
         </c:txPr>
-        <c:crossAx val="1948264496"/>
+        <c:crossAx val="1417138720"/>
         <c:crosses val="autoZero"/>
         <c:auto val="1"/>
         <c:lblAlgn val="ctr"/>
@@ -2594,7 +2595,7 @@
         <c:noMultiLvlLbl val="0"/>
       </c:catAx>
       <c:valAx>
-        <c:axId val="1948264496"/>
+        <c:axId val="1417138720"/>
         <c:scaling>
           <c:orientation val="minMax"/>
         </c:scaling>
@@ -2645,7 +2646,7 @@
             <a:endParaRPr lang="en-US"/>
           </a:p>
         </c:txPr>
-        <c:crossAx val="2076415488"/>
+        <c:crossAx val="1417135888"/>
         <c:crosses val="autoZero"/>
         <c:crossBetween val="between"/>
       </c:valAx>
@@ -2657,6 +2658,761 @@
         <a:effectLst/>
       </c:spPr>
     </c:plotArea>
+    <c:plotVisOnly val="1"/>
+    <c:dispBlanksAs val="gap"/>
+    <c:showDLblsOverMax val="0"/>
+  </c:chart>
+  <c:spPr>
+    <a:noFill/>
+    <a:ln>
+      <a:noFill/>
+    </a:ln>
+    <a:effectLst/>
+  </c:spPr>
+  <c:txPr>
+    <a:bodyPr/>
+    <a:lstStyle/>
+    <a:p>
+      <a:pPr>
+        <a:defRPr/>
+      </a:pPr>
+      <a:endParaRPr lang="en-US"/>
+    </a:p>
+  </c:txPr>
+  <c:externalData r:id="rId3">
+    <c:autoUpdate val="0"/>
+  </c:externalData>
+</c:chartSpace>
+</file>
+
+<file path=ppt/charts/chart6.xml><?xml version="1.0" encoding="utf-8"?>
+<c:chartSpace xmlns:c="http://schemas.openxmlformats.org/drawingml/2006/chart" xmlns:a="http://schemas.openxmlformats.org/drawingml/2006/main" xmlns:r="http://schemas.openxmlformats.org/officeDocument/2006/relationships">
+  <c:date1904 val="0"/>
+  <c:lang val="en-US"/>
+  <c:roundedCorners val="0"/>
+  <mc:AlternateContent xmlns:mc="http://schemas.openxmlformats.org/markup-compatibility/2006">
+    <mc:Choice xmlns:c14="http://schemas.microsoft.com/office/drawing/2007/8/2/chart" Requires="c14">
+      <c14:style val="102"/>
+    </mc:Choice>
+    <mc:Fallback>
+      <c:style val="2"/>
+    </mc:Fallback>
+  </mc:AlternateContent>
+  <c:chart>
+    <c:autoTitleDeleted val="0"/>
+    <c:plotArea>
+      <c:layout>
+        <c:manualLayout>
+          <c:layoutTarget val="inner"/>
+          <c:xMode val="edge"/>
+          <c:yMode val="edge"/>
+          <c:x val="0.0806364829396325"/>
+          <c:y val="0.0601851851851852"/>
+          <c:w val="0.886030183727034"/>
+          <c:h val="0.709730242053077"/>
+        </c:manualLayout>
+      </c:layout>
+      <c:barChart>
+        <c:barDir val="col"/>
+        <c:grouping val="clustered"/>
+        <c:varyColors val="0"/>
+        <c:ser>
+          <c:idx val="0"/>
+          <c:order val="0"/>
+          <c:tx>
+            <c:strRef>
+              <c:f>POISSON!$A$1:$B$1</c:f>
+              <c:strCache>
+                <c:ptCount val="1"/>
+                <c:pt idx="0">
+                  <c:v>Serie A Home Goals</c:v>
+                </c:pt>
+              </c:strCache>
+            </c:strRef>
+          </c:tx>
+          <c:spPr>
+            <a:solidFill>
+              <a:schemeClr val="accent6"/>
+            </a:solidFill>
+            <a:ln>
+              <a:noFill/>
+            </a:ln>
+            <a:effectLst/>
+          </c:spPr>
+          <c:invertIfNegative val="0"/>
+          <c:cat>
+            <c:numRef>
+              <c:f>POISSON!$A$3:$A$10</c:f>
+              <c:numCache>
+                <c:formatCode>General</c:formatCode>
+                <c:ptCount val="8"/>
+                <c:pt idx="0">
+                  <c:v>0.0</c:v>
+                </c:pt>
+                <c:pt idx="1">
+                  <c:v>1.0</c:v>
+                </c:pt>
+                <c:pt idx="2">
+                  <c:v>2.0</c:v>
+                </c:pt>
+                <c:pt idx="3">
+                  <c:v>3.0</c:v>
+                </c:pt>
+                <c:pt idx="4">
+                  <c:v>4.0</c:v>
+                </c:pt>
+                <c:pt idx="5">
+                  <c:v>5.0</c:v>
+                </c:pt>
+                <c:pt idx="6">
+                  <c:v>6.0</c:v>
+                </c:pt>
+                <c:pt idx="7">
+                  <c:v>7.0</c:v>
+                </c:pt>
+              </c:numCache>
+            </c:numRef>
+          </c:cat>
+          <c:val>
+            <c:numRef>
+              <c:f>POISSON!$B$3:$B$10</c:f>
+              <c:numCache>
+                <c:formatCode>General</c:formatCode>
+                <c:ptCount val="8"/>
+                <c:pt idx="0">
+                  <c:v>89.0</c:v>
+                </c:pt>
+                <c:pt idx="1">
+                  <c:v>124.0</c:v>
+                </c:pt>
+                <c:pt idx="2">
+                  <c:v>100.0</c:v>
+                </c:pt>
+                <c:pt idx="3">
+                  <c:v>43.0</c:v>
+                </c:pt>
+                <c:pt idx="4">
+                  <c:v>15.0</c:v>
+                </c:pt>
+                <c:pt idx="5">
+                  <c:v>8.0</c:v>
+                </c:pt>
+                <c:pt idx="6">
+                  <c:v>1.0</c:v>
+                </c:pt>
+                <c:pt idx="7">
+                  <c:v>0.0</c:v>
+                </c:pt>
+              </c:numCache>
+            </c:numRef>
+          </c:val>
+        </c:ser>
+        <c:ser>
+          <c:idx val="1"/>
+          <c:order val="1"/>
+          <c:tx>
+            <c:strRef>
+              <c:f>POISSON!$D$2</c:f>
+              <c:strCache>
+                <c:ptCount val="1"/>
+                <c:pt idx="0">
+                  <c:v>Poisson Distribution</c:v>
+                </c:pt>
+              </c:strCache>
+            </c:strRef>
+          </c:tx>
+          <c:spPr>
+            <a:solidFill>
+              <a:schemeClr val="accent5"/>
+            </a:solidFill>
+            <a:ln>
+              <a:noFill/>
+            </a:ln>
+            <a:effectLst/>
+          </c:spPr>
+          <c:invertIfNegative val="0"/>
+          <c:val>
+            <c:numRef>
+              <c:f>POISSON!$D$3:$D$10</c:f>
+              <c:numCache>
+                <c:formatCode>General</c:formatCode>
+                <c:ptCount val="8"/>
+                <c:pt idx="0">
+                  <c:v>87.2797625652658</c:v>
+                </c:pt>
+                <c:pt idx="1">
+                  <c:v>128.39312440522</c:v>
+                </c:pt>
+                <c:pt idx="2">
+                  <c:v>94.436521766471</c:v>
+                </c:pt>
+                <c:pt idx="3">
+                  <c:v>46.30703128724323</c:v>
+                </c:pt>
+                <c:pt idx="4">
+                  <c:v>17.03002005892695</c:v>
+                </c:pt>
+                <c:pt idx="5">
+                  <c:v>5.010411164705347</c:v>
+                </c:pt>
+                <c:pt idx="6">
+                  <c:v>1.228429754855389</c:v>
+                </c:pt>
+                <c:pt idx="7">
+                  <c:v>0.258154974798558</c:v>
+                </c:pt>
+              </c:numCache>
+            </c:numRef>
+          </c:val>
+        </c:ser>
+        <c:dLbls>
+          <c:showLegendKey val="0"/>
+          <c:showVal val="0"/>
+          <c:showCatName val="0"/>
+          <c:showSerName val="0"/>
+          <c:showPercent val="0"/>
+          <c:showBubbleSize val="0"/>
+        </c:dLbls>
+        <c:gapWidth val="219"/>
+        <c:overlap val="-27"/>
+        <c:axId val="1247612368"/>
+        <c:axId val="1247564400"/>
+      </c:barChart>
+      <c:catAx>
+        <c:axId val="1247612368"/>
+        <c:scaling>
+          <c:orientation val="minMax"/>
+        </c:scaling>
+        <c:delete val="0"/>
+        <c:axPos val="b"/>
+        <c:numFmt formatCode="General" sourceLinked="1"/>
+        <c:majorTickMark val="none"/>
+        <c:minorTickMark val="none"/>
+        <c:tickLblPos val="nextTo"/>
+        <c:spPr>
+          <a:noFill/>
+          <a:ln w="9525" cap="flat" cmpd="sng" algn="ctr">
+            <a:solidFill>
+              <a:schemeClr val="tx1">
+                <a:lumMod val="15000"/>
+                <a:lumOff val="85000"/>
+              </a:schemeClr>
+            </a:solidFill>
+            <a:round/>
+          </a:ln>
+          <a:effectLst/>
+        </c:spPr>
+        <c:txPr>
+          <a:bodyPr rot="-60000000" spcFirstLastPara="1" vertOverflow="ellipsis" vert="horz" wrap="square" anchor="ctr" anchorCtr="1"/>
+          <a:lstStyle/>
+          <a:p>
+            <a:pPr>
+              <a:defRPr sz="900" b="0" i="0" u="none" strike="noStrike" kern="1200" baseline="0">
+                <a:solidFill>
+                  <a:schemeClr val="tx1">
+                    <a:lumMod val="65000"/>
+                    <a:lumOff val="35000"/>
+                  </a:schemeClr>
+                </a:solidFill>
+                <a:latin typeface="+mn-lt"/>
+                <a:ea typeface="+mn-ea"/>
+                <a:cs typeface="+mn-cs"/>
+              </a:defRPr>
+            </a:pPr>
+            <a:endParaRPr lang="en-US"/>
+          </a:p>
+        </c:txPr>
+        <c:crossAx val="1247564400"/>
+        <c:crosses val="autoZero"/>
+        <c:auto val="1"/>
+        <c:lblAlgn val="ctr"/>
+        <c:lblOffset val="100"/>
+        <c:noMultiLvlLbl val="0"/>
+      </c:catAx>
+      <c:valAx>
+        <c:axId val="1247564400"/>
+        <c:scaling>
+          <c:orientation val="minMax"/>
+        </c:scaling>
+        <c:delete val="0"/>
+        <c:axPos val="l"/>
+        <c:majorGridlines>
+          <c:spPr>
+            <a:ln w="9525" cap="flat" cmpd="sng" algn="ctr">
+              <a:solidFill>
+                <a:schemeClr val="tx1">
+                  <a:lumMod val="15000"/>
+                  <a:lumOff val="85000"/>
+                </a:schemeClr>
+              </a:solidFill>
+              <a:round/>
+            </a:ln>
+            <a:effectLst/>
+          </c:spPr>
+        </c:majorGridlines>
+        <c:majorTickMark val="none"/>
+        <c:minorTickMark val="none"/>
+        <c:tickLblPos val="nextTo"/>
+        <c:spPr>
+          <a:noFill/>
+          <a:ln>
+            <a:noFill/>
+          </a:ln>
+          <a:effectLst/>
+        </c:spPr>
+        <c:txPr>
+          <a:bodyPr rot="-60000000" spcFirstLastPara="1" vertOverflow="ellipsis" vert="horz" wrap="square" anchor="ctr" anchorCtr="1"/>
+          <a:lstStyle/>
+          <a:p>
+            <a:pPr>
+              <a:defRPr sz="900" b="0" i="0" u="none" strike="noStrike" kern="1200" baseline="0">
+                <a:solidFill>
+                  <a:schemeClr val="tx1">
+                    <a:lumMod val="65000"/>
+                    <a:lumOff val="35000"/>
+                  </a:schemeClr>
+                </a:solidFill>
+                <a:latin typeface="+mn-lt"/>
+                <a:ea typeface="+mn-ea"/>
+                <a:cs typeface="+mn-cs"/>
+              </a:defRPr>
+            </a:pPr>
+            <a:endParaRPr lang="en-US"/>
+          </a:p>
+        </c:txPr>
+        <c:crossAx val="1247612368"/>
+        <c:crosses val="autoZero"/>
+        <c:crossBetween val="between"/>
+      </c:valAx>
+      <c:spPr>
+        <a:noFill/>
+        <a:ln>
+          <a:noFill/>
+        </a:ln>
+        <a:effectLst/>
+      </c:spPr>
+    </c:plotArea>
+    <c:legend>
+      <c:legendPos val="b"/>
+      <c:layout/>
+      <c:overlay val="0"/>
+      <c:spPr>
+        <a:noFill/>
+        <a:ln>
+          <a:noFill/>
+        </a:ln>
+        <a:effectLst/>
+      </c:spPr>
+      <c:txPr>
+        <a:bodyPr rot="0" spcFirstLastPara="1" vertOverflow="ellipsis" vert="horz" wrap="square" anchor="ctr" anchorCtr="1"/>
+        <a:lstStyle/>
+        <a:p>
+          <a:pPr>
+            <a:defRPr sz="900" b="0" i="0" u="none" strike="noStrike" kern="1200" baseline="0">
+              <a:solidFill>
+                <a:schemeClr val="tx1">
+                  <a:lumMod val="65000"/>
+                  <a:lumOff val="35000"/>
+                </a:schemeClr>
+              </a:solidFill>
+              <a:latin typeface="+mn-lt"/>
+              <a:ea typeface="+mn-ea"/>
+              <a:cs typeface="+mn-cs"/>
+            </a:defRPr>
+          </a:pPr>
+          <a:endParaRPr lang="en-US"/>
+        </a:p>
+      </c:txPr>
+    </c:legend>
+    <c:plotVisOnly val="1"/>
+    <c:dispBlanksAs val="gap"/>
+    <c:showDLblsOverMax val="0"/>
+  </c:chart>
+  <c:spPr>
+    <a:noFill/>
+    <a:ln>
+      <a:noFill/>
+    </a:ln>
+    <a:effectLst/>
+  </c:spPr>
+  <c:txPr>
+    <a:bodyPr/>
+    <a:lstStyle/>
+    <a:p>
+      <a:pPr>
+        <a:defRPr/>
+      </a:pPr>
+      <a:endParaRPr lang="en-US"/>
+    </a:p>
+  </c:txPr>
+  <c:externalData r:id="rId3">
+    <c:autoUpdate val="0"/>
+  </c:externalData>
+</c:chartSpace>
+</file>
+
+<file path=ppt/charts/chart7.xml><?xml version="1.0" encoding="utf-8"?>
+<c:chartSpace xmlns:c="http://schemas.openxmlformats.org/drawingml/2006/chart" xmlns:a="http://schemas.openxmlformats.org/drawingml/2006/main" xmlns:r="http://schemas.openxmlformats.org/officeDocument/2006/relationships">
+  <c:date1904 val="0"/>
+  <c:lang val="en-US"/>
+  <c:roundedCorners val="0"/>
+  <mc:AlternateContent xmlns:mc="http://schemas.openxmlformats.org/markup-compatibility/2006">
+    <mc:Choice xmlns:c14="http://schemas.microsoft.com/office/drawing/2007/8/2/chart" Requires="c14">
+      <c14:style val="102"/>
+    </mc:Choice>
+    <mc:Fallback>
+      <c:style val="2"/>
+    </mc:Fallback>
+  </mc:AlternateContent>
+  <c:chart>
+    <c:autoTitleDeleted val="0"/>
+    <c:plotArea>
+      <c:layout/>
+      <c:barChart>
+        <c:barDir val="col"/>
+        <c:grouping val="clustered"/>
+        <c:varyColors val="0"/>
+        <c:ser>
+          <c:idx val="0"/>
+          <c:order val="0"/>
+          <c:tx>
+            <c:strRef>
+              <c:f>POISSON!$A$19:$B$19</c:f>
+              <c:strCache>
+                <c:ptCount val="1"/>
+                <c:pt idx="0">
+                  <c:v>Serie A Away Goals</c:v>
+                </c:pt>
+              </c:strCache>
+            </c:strRef>
+          </c:tx>
+          <c:spPr>
+            <a:solidFill>
+              <a:schemeClr val="accent6"/>
+            </a:solidFill>
+            <a:ln>
+              <a:noFill/>
+            </a:ln>
+            <a:effectLst/>
+          </c:spPr>
+          <c:invertIfNegative val="0"/>
+          <c:cat>
+            <c:numRef>
+              <c:f>POISSON!$A$21:$A$28</c:f>
+              <c:numCache>
+                <c:formatCode>General</c:formatCode>
+                <c:ptCount val="8"/>
+                <c:pt idx="0">
+                  <c:v>0.0</c:v>
+                </c:pt>
+                <c:pt idx="1">
+                  <c:v>1.0</c:v>
+                </c:pt>
+                <c:pt idx="2">
+                  <c:v>2.0</c:v>
+                </c:pt>
+                <c:pt idx="3">
+                  <c:v>3.0</c:v>
+                </c:pt>
+                <c:pt idx="4">
+                  <c:v>4.0</c:v>
+                </c:pt>
+                <c:pt idx="5">
+                  <c:v>5.0</c:v>
+                </c:pt>
+                <c:pt idx="6">
+                  <c:v>6.0</c:v>
+                </c:pt>
+                <c:pt idx="7">
+                  <c:v>7.0</c:v>
+                </c:pt>
+              </c:numCache>
+            </c:numRef>
+          </c:cat>
+          <c:val>
+            <c:numRef>
+              <c:f>POISSON!$B$21:$B$28</c:f>
+              <c:numCache>
+                <c:formatCode>General</c:formatCode>
+                <c:ptCount val="8"/>
+                <c:pt idx="0">
+                  <c:v>128.0</c:v>
+                </c:pt>
+                <c:pt idx="1">
+                  <c:v>142.0</c:v>
+                </c:pt>
+                <c:pt idx="2">
+                  <c:v>67.0</c:v>
+                </c:pt>
+                <c:pt idx="3">
+                  <c:v>30.0</c:v>
+                </c:pt>
+                <c:pt idx="4">
+                  <c:v>11.0</c:v>
+                </c:pt>
+                <c:pt idx="5">
+                  <c:v>2.0</c:v>
+                </c:pt>
+                <c:pt idx="6">
+                  <c:v>0.0</c:v>
+                </c:pt>
+                <c:pt idx="7">
+                  <c:v>0.0</c:v>
+                </c:pt>
+              </c:numCache>
+            </c:numRef>
+          </c:val>
+        </c:ser>
+        <c:ser>
+          <c:idx val="1"/>
+          <c:order val="1"/>
+          <c:tx>
+            <c:strRef>
+              <c:f>POISSON!$D$20</c:f>
+              <c:strCache>
+                <c:ptCount val="1"/>
+                <c:pt idx="0">
+                  <c:v>Poisson Distribution</c:v>
+                </c:pt>
+              </c:strCache>
+            </c:strRef>
+          </c:tx>
+          <c:spPr>
+            <a:solidFill>
+              <a:schemeClr val="accent5"/>
+            </a:solidFill>
+            <a:ln>
+              <a:noFill/>
+            </a:ln>
+            <a:effectLst/>
+          </c:spPr>
+          <c:invertIfNegative val="0"/>
+          <c:cat>
+            <c:numRef>
+              <c:f>POISSON!$A$21:$A$28</c:f>
+              <c:numCache>
+                <c:formatCode>General</c:formatCode>
+                <c:ptCount val="8"/>
+                <c:pt idx="0">
+                  <c:v>0.0</c:v>
+                </c:pt>
+                <c:pt idx="1">
+                  <c:v>1.0</c:v>
+                </c:pt>
+                <c:pt idx="2">
+                  <c:v>2.0</c:v>
+                </c:pt>
+                <c:pt idx="3">
+                  <c:v>3.0</c:v>
+                </c:pt>
+                <c:pt idx="4">
+                  <c:v>4.0</c:v>
+                </c:pt>
+                <c:pt idx="5">
+                  <c:v>5.0</c:v>
+                </c:pt>
+                <c:pt idx="6">
+                  <c:v>6.0</c:v>
+                </c:pt>
+                <c:pt idx="7">
+                  <c:v>7.0</c:v>
+                </c:pt>
+              </c:numCache>
+            </c:numRef>
+          </c:cat>
+          <c:val>
+            <c:numRef>
+              <c:f>POISSON!$D$21:$D$28</c:f>
+              <c:numCache>
+                <c:formatCode>General</c:formatCode>
+                <c:ptCount val="8"/>
+                <c:pt idx="0">
+                  <c:v>125.8270185213842</c:v>
+                </c:pt>
+                <c:pt idx="1">
+                  <c:v>139.0719678394247</c:v>
+                </c:pt>
+                <c:pt idx="2">
+                  <c:v>76.85556117441894</c:v>
+                </c:pt>
+                <c:pt idx="3">
+                  <c:v>28.31520674847013</c:v>
+                </c:pt>
+                <c:pt idx="4">
+                  <c:v>7.823938706814114</c:v>
+                </c:pt>
+                <c:pt idx="5">
+                  <c:v>1.729502240453647</c:v>
+                </c:pt>
+                <c:pt idx="6">
+                  <c:v>0.318592517978303</c:v>
+                </c:pt>
+                <c:pt idx="7">
+                  <c:v>0.0503040817860479</c:v>
+                </c:pt>
+              </c:numCache>
+            </c:numRef>
+          </c:val>
+        </c:ser>
+        <c:dLbls>
+          <c:showLegendKey val="0"/>
+          <c:showVal val="0"/>
+          <c:showCatName val="0"/>
+          <c:showSerName val="0"/>
+          <c:showPercent val="0"/>
+          <c:showBubbleSize val="0"/>
+        </c:dLbls>
+        <c:gapWidth val="219"/>
+        <c:overlap val="-27"/>
+        <c:axId val="1247584496"/>
+        <c:axId val="1343119888"/>
+      </c:barChart>
+      <c:catAx>
+        <c:axId val="1247584496"/>
+        <c:scaling>
+          <c:orientation val="minMax"/>
+        </c:scaling>
+        <c:delete val="0"/>
+        <c:axPos val="b"/>
+        <c:numFmt formatCode="General" sourceLinked="1"/>
+        <c:majorTickMark val="none"/>
+        <c:minorTickMark val="none"/>
+        <c:tickLblPos val="nextTo"/>
+        <c:spPr>
+          <a:noFill/>
+          <a:ln w="9525" cap="flat" cmpd="sng" algn="ctr">
+            <a:solidFill>
+              <a:schemeClr val="tx1">
+                <a:lumMod val="15000"/>
+                <a:lumOff val="85000"/>
+              </a:schemeClr>
+            </a:solidFill>
+            <a:round/>
+          </a:ln>
+          <a:effectLst/>
+        </c:spPr>
+        <c:txPr>
+          <a:bodyPr rot="-60000000" spcFirstLastPara="1" vertOverflow="ellipsis" vert="horz" wrap="square" anchor="ctr" anchorCtr="1"/>
+          <a:lstStyle/>
+          <a:p>
+            <a:pPr>
+              <a:defRPr sz="900" b="0" i="0" u="none" strike="noStrike" kern="1200" baseline="0">
+                <a:solidFill>
+                  <a:schemeClr val="tx1">
+                    <a:lumMod val="65000"/>
+                    <a:lumOff val="35000"/>
+                  </a:schemeClr>
+                </a:solidFill>
+                <a:latin typeface="+mn-lt"/>
+                <a:ea typeface="+mn-ea"/>
+                <a:cs typeface="+mn-cs"/>
+              </a:defRPr>
+            </a:pPr>
+            <a:endParaRPr lang="en-US"/>
+          </a:p>
+        </c:txPr>
+        <c:crossAx val="1343119888"/>
+        <c:crosses val="autoZero"/>
+        <c:auto val="1"/>
+        <c:lblAlgn val="ctr"/>
+        <c:lblOffset val="100"/>
+        <c:noMultiLvlLbl val="0"/>
+      </c:catAx>
+      <c:valAx>
+        <c:axId val="1343119888"/>
+        <c:scaling>
+          <c:orientation val="minMax"/>
+        </c:scaling>
+        <c:delete val="0"/>
+        <c:axPos val="l"/>
+        <c:majorGridlines>
+          <c:spPr>
+            <a:ln w="9525" cap="flat" cmpd="sng" algn="ctr">
+              <a:solidFill>
+                <a:schemeClr val="tx1">
+                  <a:lumMod val="15000"/>
+                  <a:lumOff val="85000"/>
+                </a:schemeClr>
+              </a:solidFill>
+              <a:round/>
+            </a:ln>
+            <a:effectLst/>
+          </c:spPr>
+        </c:majorGridlines>
+        <c:majorTickMark val="none"/>
+        <c:minorTickMark val="none"/>
+        <c:tickLblPos val="nextTo"/>
+        <c:spPr>
+          <a:noFill/>
+          <a:ln>
+            <a:noFill/>
+          </a:ln>
+          <a:effectLst/>
+        </c:spPr>
+        <c:txPr>
+          <a:bodyPr rot="-60000000" spcFirstLastPara="1" vertOverflow="ellipsis" vert="horz" wrap="square" anchor="ctr" anchorCtr="1"/>
+          <a:lstStyle/>
+          <a:p>
+            <a:pPr>
+              <a:defRPr sz="900" b="0" i="0" u="none" strike="noStrike" kern="1200" baseline="0">
+                <a:solidFill>
+                  <a:schemeClr val="tx1">
+                    <a:lumMod val="65000"/>
+                    <a:lumOff val="35000"/>
+                  </a:schemeClr>
+                </a:solidFill>
+                <a:latin typeface="+mn-lt"/>
+                <a:ea typeface="+mn-ea"/>
+                <a:cs typeface="+mn-cs"/>
+              </a:defRPr>
+            </a:pPr>
+            <a:endParaRPr lang="en-US"/>
+          </a:p>
+        </c:txPr>
+        <c:crossAx val="1247584496"/>
+        <c:crosses val="autoZero"/>
+        <c:crossBetween val="between"/>
+      </c:valAx>
+      <c:spPr>
+        <a:noFill/>
+        <a:ln>
+          <a:noFill/>
+        </a:ln>
+        <a:effectLst/>
+      </c:spPr>
+    </c:plotArea>
+    <c:legend>
+      <c:legendPos val="b"/>
+      <c:layout/>
+      <c:overlay val="0"/>
+      <c:spPr>
+        <a:noFill/>
+        <a:ln>
+          <a:noFill/>
+        </a:ln>
+        <a:effectLst/>
+      </c:spPr>
+      <c:txPr>
+        <a:bodyPr rot="0" spcFirstLastPara="1" vertOverflow="ellipsis" vert="horz" wrap="square" anchor="ctr" anchorCtr="1"/>
+        <a:lstStyle/>
+        <a:p>
+          <a:pPr>
+            <a:defRPr sz="900" b="0" i="0" u="none" strike="noStrike" kern="1200" baseline="0">
+              <a:solidFill>
+                <a:schemeClr val="tx1">
+                  <a:lumMod val="65000"/>
+                  <a:lumOff val="35000"/>
+                </a:schemeClr>
+              </a:solidFill>
+              <a:latin typeface="+mn-lt"/>
+              <a:ea typeface="+mn-ea"/>
+              <a:cs typeface="+mn-cs"/>
+            </a:defRPr>
+          </a:pPr>
+          <a:endParaRPr lang="en-US"/>
+        </a:p>
+      </c:txPr>
+    </c:legend>
     <c:plotVisOnly val="1"/>
     <c:dispBlanksAs val="gap"/>
     <c:showDLblsOverMax val="0"/>
@@ -2843,6 +3599,80 @@
   <a:schemeClr val="accent4"/>
   <a:schemeClr val="accent5"/>
   <a:schemeClr val="accent6"/>
+  <cs:variation/>
+  <cs:variation>
+    <a:lumMod val="60000"/>
+  </cs:variation>
+  <cs:variation>
+    <a:lumMod val="80000"/>
+    <a:lumOff val="20000"/>
+  </cs:variation>
+  <cs:variation>
+    <a:lumMod val="80000"/>
+  </cs:variation>
+  <cs:variation>
+    <a:lumMod val="60000"/>
+    <a:lumOff val="40000"/>
+  </cs:variation>
+  <cs:variation>
+    <a:lumMod val="50000"/>
+  </cs:variation>
+  <cs:variation>
+    <a:lumMod val="70000"/>
+    <a:lumOff val="30000"/>
+  </cs:variation>
+  <cs:variation>
+    <a:lumMod val="70000"/>
+  </cs:variation>
+  <cs:variation>
+    <a:lumMod val="50000"/>
+    <a:lumOff val="50000"/>
+  </cs:variation>
+</cs:colorStyle>
+</file>
+
+<file path=ppt/charts/colors6.xml><?xml version="1.0" encoding="utf-8"?>
+<cs:colorStyle xmlns:cs="http://schemas.microsoft.com/office/drawing/2012/chartStyle" xmlns:a="http://schemas.openxmlformats.org/drawingml/2006/main" meth="cycle" id="13">
+  <a:schemeClr val="accent6"/>
+  <a:schemeClr val="accent5"/>
+  <a:schemeClr val="accent4"/>
+  <cs:variation/>
+  <cs:variation>
+    <a:lumMod val="60000"/>
+  </cs:variation>
+  <cs:variation>
+    <a:lumMod val="80000"/>
+    <a:lumOff val="20000"/>
+  </cs:variation>
+  <cs:variation>
+    <a:lumMod val="80000"/>
+  </cs:variation>
+  <cs:variation>
+    <a:lumMod val="60000"/>
+    <a:lumOff val="40000"/>
+  </cs:variation>
+  <cs:variation>
+    <a:lumMod val="50000"/>
+  </cs:variation>
+  <cs:variation>
+    <a:lumMod val="70000"/>
+    <a:lumOff val="30000"/>
+  </cs:variation>
+  <cs:variation>
+    <a:lumMod val="70000"/>
+  </cs:variation>
+  <cs:variation>
+    <a:lumMod val="50000"/>
+    <a:lumOff val="50000"/>
+  </cs:variation>
+</cs:colorStyle>
+</file>
+
+<file path=ppt/charts/colors7.xml><?xml version="1.0" encoding="utf-8"?>
+<cs:colorStyle xmlns:cs="http://schemas.microsoft.com/office/drawing/2012/chartStyle" xmlns:a="http://schemas.openxmlformats.org/drawingml/2006/main" meth="cycle" id="13">
+  <a:schemeClr val="accent6"/>
+  <a:schemeClr val="accent5"/>
+  <a:schemeClr val="accent4"/>
   <cs:variation/>
   <cs:variation>
     <a:lumMod val="60000"/>
@@ -4888,6 +5718,1012 @@
 </file>
 
 <file path=ppt/charts/style5.xml><?xml version="1.0" encoding="utf-8"?>
+<cs:chartStyle xmlns:cs="http://schemas.microsoft.com/office/drawing/2012/chartStyle" xmlns:a="http://schemas.openxmlformats.org/drawingml/2006/main" id="201">
+  <cs:axisTitle>
+    <cs:lnRef idx="0"/>
+    <cs:fillRef idx="0"/>
+    <cs:effectRef idx="0"/>
+    <cs:fontRef idx="minor">
+      <a:schemeClr val="tx1">
+        <a:lumMod val="65000"/>
+        <a:lumOff val="35000"/>
+      </a:schemeClr>
+    </cs:fontRef>
+    <cs:defRPr sz="1000" kern="1200"/>
+  </cs:axisTitle>
+  <cs:categoryAxis>
+    <cs:lnRef idx="0"/>
+    <cs:fillRef idx="0"/>
+    <cs:effectRef idx="0"/>
+    <cs:fontRef idx="minor">
+      <a:schemeClr val="tx1">
+        <a:lumMod val="65000"/>
+        <a:lumOff val="35000"/>
+      </a:schemeClr>
+    </cs:fontRef>
+    <cs:spPr>
+      <a:ln w="9525" cap="flat" cmpd="sng" algn="ctr">
+        <a:solidFill>
+          <a:schemeClr val="tx1">
+            <a:lumMod val="15000"/>
+            <a:lumOff val="85000"/>
+          </a:schemeClr>
+        </a:solidFill>
+        <a:round/>
+      </a:ln>
+    </cs:spPr>
+    <cs:defRPr sz="900" kern="1200"/>
+  </cs:categoryAxis>
+  <cs:chartArea mods="allowNoFillOverride allowNoLineOverride">
+    <cs:lnRef idx="0"/>
+    <cs:fillRef idx="0"/>
+    <cs:effectRef idx="0"/>
+    <cs:fontRef idx="minor">
+      <a:schemeClr val="tx1"/>
+    </cs:fontRef>
+    <cs:spPr>
+      <a:solidFill>
+        <a:schemeClr val="bg1"/>
+      </a:solidFill>
+      <a:ln w="9525" cap="flat" cmpd="sng" algn="ctr">
+        <a:solidFill>
+          <a:schemeClr val="tx1">
+            <a:lumMod val="15000"/>
+            <a:lumOff val="85000"/>
+          </a:schemeClr>
+        </a:solidFill>
+        <a:round/>
+      </a:ln>
+    </cs:spPr>
+    <cs:defRPr sz="1000" kern="1200"/>
+  </cs:chartArea>
+  <cs:dataLabel>
+    <cs:lnRef idx="0"/>
+    <cs:fillRef idx="0"/>
+    <cs:effectRef idx="0"/>
+    <cs:fontRef idx="minor">
+      <a:schemeClr val="tx1">
+        <a:lumMod val="75000"/>
+        <a:lumOff val="25000"/>
+      </a:schemeClr>
+    </cs:fontRef>
+    <cs:defRPr sz="900" kern="1200"/>
+  </cs:dataLabel>
+  <cs:dataLabelCallout>
+    <cs:lnRef idx="0"/>
+    <cs:fillRef idx="0"/>
+    <cs:effectRef idx="0"/>
+    <cs:fontRef idx="minor">
+      <a:schemeClr val="dk1">
+        <a:lumMod val="65000"/>
+        <a:lumOff val="35000"/>
+      </a:schemeClr>
+    </cs:fontRef>
+    <cs:spPr>
+      <a:solidFill>
+        <a:schemeClr val="lt1"/>
+      </a:solidFill>
+      <a:ln>
+        <a:solidFill>
+          <a:schemeClr val="dk1">
+            <a:lumMod val="25000"/>
+            <a:lumOff val="75000"/>
+          </a:schemeClr>
+        </a:solidFill>
+      </a:ln>
+    </cs:spPr>
+    <cs:defRPr sz="900" kern="1200"/>
+    <cs:bodyPr rot="0" spcFirstLastPara="1" vertOverflow="clip" horzOverflow="clip" vert="horz" wrap="square" lIns="36576" tIns="18288" rIns="36576" bIns="18288" anchor="ctr" anchorCtr="1">
+      <a:spAutoFit/>
+    </cs:bodyPr>
+  </cs:dataLabelCallout>
+  <cs:dataPoint>
+    <cs:lnRef idx="0"/>
+    <cs:fillRef idx="1">
+      <cs:styleClr val="auto"/>
+    </cs:fillRef>
+    <cs:effectRef idx="0"/>
+    <cs:fontRef idx="minor">
+      <a:schemeClr val="tx1"/>
+    </cs:fontRef>
+  </cs:dataPoint>
+  <cs:dataPoint3D>
+    <cs:lnRef idx="0"/>
+    <cs:fillRef idx="1">
+      <cs:styleClr val="auto"/>
+    </cs:fillRef>
+    <cs:effectRef idx="0"/>
+    <cs:fontRef idx="minor">
+      <a:schemeClr val="tx1"/>
+    </cs:fontRef>
+  </cs:dataPoint3D>
+  <cs:dataPointLine>
+    <cs:lnRef idx="0">
+      <cs:styleClr val="auto"/>
+    </cs:lnRef>
+    <cs:fillRef idx="1"/>
+    <cs:effectRef idx="0"/>
+    <cs:fontRef idx="minor">
+      <a:schemeClr val="tx1"/>
+    </cs:fontRef>
+    <cs:spPr>
+      <a:ln w="28575" cap="rnd">
+        <a:solidFill>
+          <a:schemeClr val="phClr"/>
+        </a:solidFill>
+        <a:round/>
+      </a:ln>
+    </cs:spPr>
+  </cs:dataPointLine>
+  <cs:dataPointMarker>
+    <cs:lnRef idx="0">
+      <cs:styleClr val="auto"/>
+    </cs:lnRef>
+    <cs:fillRef idx="1">
+      <cs:styleClr val="auto"/>
+    </cs:fillRef>
+    <cs:effectRef idx="0"/>
+    <cs:fontRef idx="minor">
+      <a:schemeClr val="tx1"/>
+    </cs:fontRef>
+    <cs:spPr>
+      <a:ln w="9525">
+        <a:solidFill>
+          <a:schemeClr val="phClr"/>
+        </a:solidFill>
+      </a:ln>
+    </cs:spPr>
+  </cs:dataPointMarker>
+  <cs:dataPointMarkerLayout symbol="circle" size="5"/>
+  <cs:dataPointWireframe>
+    <cs:lnRef idx="0">
+      <cs:styleClr val="auto"/>
+    </cs:lnRef>
+    <cs:fillRef idx="1"/>
+    <cs:effectRef idx="0"/>
+    <cs:fontRef idx="minor">
+      <a:schemeClr val="tx1"/>
+    </cs:fontRef>
+    <cs:spPr>
+      <a:ln w="9525" cap="rnd">
+        <a:solidFill>
+          <a:schemeClr val="phClr"/>
+        </a:solidFill>
+        <a:round/>
+      </a:ln>
+    </cs:spPr>
+  </cs:dataPointWireframe>
+  <cs:dataTable>
+    <cs:lnRef idx="0"/>
+    <cs:fillRef idx="0"/>
+    <cs:effectRef idx="0"/>
+    <cs:fontRef idx="minor">
+      <a:schemeClr val="tx1">
+        <a:lumMod val="65000"/>
+        <a:lumOff val="35000"/>
+      </a:schemeClr>
+    </cs:fontRef>
+    <cs:spPr>
+      <a:noFill/>
+      <a:ln w="9525" cap="flat" cmpd="sng" algn="ctr">
+        <a:solidFill>
+          <a:schemeClr val="tx1">
+            <a:lumMod val="15000"/>
+            <a:lumOff val="85000"/>
+          </a:schemeClr>
+        </a:solidFill>
+        <a:round/>
+      </a:ln>
+    </cs:spPr>
+    <cs:defRPr sz="900" kern="1200"/>
+  </cs:dataTable>
+  <cs:downBar>
+    <cs:lnRef idx="0"/>
+    <cs:fillRef idx="0"/>
+    <cs:effectRef idx="0"/>
+    <cs:fontRef idx="minor">
+      <a:schemeClr val="dk1"/>
+    </cs:fontRef>
+    <cs:spPr>
+      <a:solidFill>
+        <a:schemeClr val="dk1">
+          <a:lumMod val="65000"/>
+          <a:lumOff val="35000"/>
+        </a:schemeClr>
+      </a:solidFill>
+      <a:ln w="9525">
+        <a:solidFill>
+          <a:schemeClr val="tx1">
+            <a:lumMod val="65000"/>
+            <a:lumOff val="35000"/>
+          </a:schemeClr>
+        </a:solidFill>
+      </a:ln>
+    </cs:spPr>
+  </cs:downBar>
+  <cs:dropLine>
+    <cs:lnRef idx="0"/>
+    <cs:fillRef idx="0"/>
+    <cs:effectRef idx="0"/>
+    <cs:fontRef idx="minor">
+      <a:schemeClr val="tx1"/>
+    </cs:fontRef>
+    <cs:spPr>
+      <a:ln w="9525" cap="flat" cmpd="sng" algn="ctr">
+        <a:solidFill>
+          <a:schemeClr val="tx1">
+            <a:lumMod val="35000"/>
+            <a:lumOff val="65000"/>
+          </a:schemeClr>
+        </a:solidFill>
+        <a:round/>
+      </a:ln>
+    </cs:spPr>
+  </cs:dropLine>
+  <cs:errorBar>
+    <cs:lnRef idx="0"/>
+    <cs:fillRef idx="0"/>
+    <cs:effectRef idx="0"/>
+    <cs:fontRef idx="minor">
+      <a:schemeClr val="tx1"/>
+    </cs:fontRef>
+    <cs:spPr>
+      <a:ln w="9525" cap="flat" cmpd="sng" algn="ctr">
+        <a:solidFill>
+          <a:schemeClr val="tx1">
+            <a:lumMod val="65000"/>
+            <a:lumOff val="35000"/>
+          </a:schemeClr>
+        </a:solidFill>
+        <a:round/>
+      </a:ln>
+    </cs:spPr>
+  </cs:errorBar>
+  <cs:floor>
+    <cs:lnRef idx="0"/>
+    <cs:fillRef idx="0"/>
+    <cs:effectRef idx="0"/>
+    <cs:fontRef idx="minor">
+      <a:schemeClr val="tx1"/>
+    </cs:fontRef>
+    <cs:spPr>
+      <a:noFill/>
+      <a:ln>
+        <a:noFill/>
+      </a:ln>
+    </cs:spPr>
+  </cs:floor>
+  <cs:gridlineMajor>
+    <cs:lnRef idx="0"/>
+    <cs:fillRef idx="0"/>
+    <cs:effectRef idx="0"/>
+    <cs:fontRef idx="minor">
+      <a:schemeClr val="tx1"/>
+    </cs:fontRef>
+    <cs:spPr>
+      <a:ln w="9525" cap="flat" cmpd="sng" algn="ctr">
+        <a:solidFill>
+          <a:schemeClr val="tx1">
+            <a:lumMod val="15000"/>
+            <a:lumOff val="85000"/>
+          </a:schemeClr>
+        </a:solidFill>
+        <a:round/>
+      </a:ln>
+    </cs:spPr>
+  </cs:gridlineMajor>
+  <cs:gridlineMinor>
+    <cs:lnRef idx="0"/>
+    <cs:fillRef idx="0"/>
+    <cs:effectRef idx="0"/>
+    <cs:fontRef idx="minor">
+      <a:schemeClr val="tx1"/>
+    </cs:fontRef>
+    <cs:spPr>
+      <a:ln w="9525" cap="flat" cmpd="sng" algn="ctr">
+        <a:solidFill>
+          <a:schemeClr val="tx1">
+            <a:lumMod val="5000"/>
+            <a:lumOff val="95000"/>
+          </a:schemeClr>
+        </a:solidFill>
+        <a:round/>
+      </a:ln>
+    </cs:spPr>
+  </cs:gridlineMinor>
+  <cs:hiLoLine>
+    <cs:lnRef idx="0"/>
+    <cs:fillRef idx="0"/>
+    <cs:effectRef idx="0"/>
+    <cs:fontRef idx="minor">
+      <a:schemeClr val="tx1"/>
+    </cs:fontRef>
+    <cs:spPr>
+      <a:ln w="9525" cap="flat" cmpd="sng" algn="ctr">
+        <a:solidFill>
+          <a:schemeClr val="tx1">
+            <a:lumMod val="75000"/>
+            <a:lumOff val="25000"/>
+          </a:schemeClr>
+        </a:solidFill>
+        <a:round/>
+      </a:ln>
+    </cs:spPr>
+  </cs:hiLoLine>
+  <cs:leaderLine>
+    <cs:lnRef idx="0"/>
+    <cs:fillRef idx="0"/>
+    <cs:effectRef idx="0"/>
+    <cs:fontRef idx="minor">
+      <a:schemeClr val="tx1"/>
+    </cs:fontRef>
+    <cs:spPr>
+      <a:ln w="9525" cap="flat" cmpd="sng" algn="ctr">
+        <a:solidFill>
+          <a:schemeClr val="tx1">
+            <a:lumMod val="35000"/>
+            <a:lumOff val="65000"/>
+          </a:schemeClr>
+        </a:solidFill>
+        <a:round/>
+      </a:ln>
+    </cs:spPr>
+  </cs:leaderLine>
+  <cs:legend>
+    <cs:lnRef idx="0"/>
+    <cs:fillRef idx="0"/>
+    <cs:effectRef idx="0"/>
+    <cs:fontRef idx="minor">
+      <a:schemeClr val="tx1">
+        <a:lumMod val="65000"/>
+        <a:lumOff val="35000"/>
+      </a:schemeClr>
+    </cs:fontRef>
+    <cs:defRPr sz="900" kern="1200"/>
+  </cs:legend>
+  <cs:plotArea mods="allowNoFillOverride allowNoLineOverride">
+    <cs:lnRef idx="0"/>
+    <cs:fillRef idx="0"/>
+    <cs:effectRef idx="0"/>
+    <cs:fontRef idx="minor">
+      <a:schemeClr val="tx1"/>
+    </cs:fontRef>
+  </cs:plotArea>
+  <cs:plotArea3D mods="allowNoFillOverride allowNoLineOverride">
+    <cs:lnRef idx="0"/>
+    <cs:fillRef idx="0"/>
+    <cs:effectRef idx="0"/>
+    <cs:fontRef idx="minor">
+      <a:schemeClr val="tx1"/>
+    </cs:fontRef>
+  </cs:plotArea3D>
+  <cs:seriesAxis>
+    <cs:lnRef idx="0"/>
+    <cs:fillRef idx="0"/>
+    <cs:effectRef idx="0"/>
+    <cs:fontRef idx="minor">
+      <a:schemeClr val="tx1">
+        <a:lumMod val="65000"/>
+        <a:lumOff val="35000"/>
+      </a:schemeClr>
+    </cs:fontRef>
+    <cs:defRPr sz="900" kern="1200"/>
+  </cs:seriesAxis>
+  <cs:seriesLine>
+    <cs:lnRef idx="0"/>
+    <cs:fillRef idx="0"/>
+    <cs:effectRef idx="0"/>
+    <cs:fontRef idx="minor">
+      <a:schemeClr val="tx1"/>
+    </cs:fontRef>
+    <cs:spPr>
+      <a:ln w="9525" cap="flat" cmpd="sng" algn="ctr">
+        <a:solidFill>
+          <a:schemeClr val="tx1">
+            <a:lumMod val="35000"/>
+            <a:lumOff val="65000"/>
+          </a:schemeClr>
+        </a:solidFill>
+        <a:round/>
+      </a:ln>
+    </cs:spPr>
+  </cs:seriesLine>
+  <cs:title>
+    <cs:lnRef idx="0"/>
+    <cs:fillRef idx="0"/>
+    <cs:effectRef idx="0"/>
+    <cs:fontRef idx="minor">
+      <a:schemeClr val="tx1">
+        <a:lumMod val="65000"/>
+        <a:lumOff val="35000"/>
+      </a:schemeClr>
+    </cs:fontRef>
+    <cs:defRPr sz="1400" b="0" kern="1200" spc="0" baseline="0"/>
+  </cs:title>
+  <cs:trendline>
+    <cs:lnRef idx="0">
+      <cs:styleClr val="auto"/>
+    </cs:lnRef>
+    <cs:fillRef idx="0"/>
+    <cs:effectRef idx="0"/>
+    <cs:fontRef idx="minor">
+      <a:schemeClr val="tx1"/>
+    </cs:fontRef>
+    <cs:spPr>
+      <a:ln w="19050" cap="rnd">
+        <a:solidFill>
+          <a:schemeClr val="phClr"/>
+        </a:solidFill>
+        <a:prstDash val="sysDot"/>
+      </a:ln>
+    </cs:spPr>
+  </cs:trendline>
+  <cs:trendlineLabel>
+    <cs:lnRef idx="0"/>
+    <cs:fillRef idx="0"/>
+    <cs:effectRef idx="0"/>
+    <cs:fontRef idx="minor">
+      <a:schemeClr val="tx1">
+        <a:lumMod val="65000"/>
+        <a:lumOff val="35000"/>
+      </a:schemeClr>
+    </cs:fontRef>
+    <cs:defRPr sz="900" kern="1200"/>
+  </cs:trendlineLabel>
+  <cs:upBar>
+    <cs:lnRef idx="0"/>
+    <cs:fillRef idx="0"/>
+    <cs:effectRef idx="0"/>
+    <cs:fontRef idx="minor">
+      <a:schemeClr val="dk1"/>
+    </cs:fontRef>
+    <cs:spPr>
+      <a:solidFill>
+        <a:schemeClr val="lt1"/>
+      </a:solidFill>
+      <a:ln w="9525">
+        <a:solidFill>
+          <a:schemeClr val="tx1">
+            <a:lumMod val="15000"/>
+            <a:lumOff val="85000"/>
+          </a:schemeClr>
+        </a:solidFill>
+      </a:ln>
+    </cs:spPr>
+  </cs:upBar>
+  <cs:valueAxis>
+    <cs:lnRef idx="0"/>
+    <cs:fillRef idx="0"/>
+    <cs:effectRef idx="0"/>
+    <cs:fontRef idx="minor">
+      <a:schemeClr val="tx1">
+        <a:lumMod val="65000"/>
+        <a:lumOff val="35000"/>
+      </a:schemeClr>
+    </cs:fontRef>
+    <cs:defRPr sz="900" kern="1200"/>
+  </cs:valueAxis>
+  <cs:wall>
+    <cs:lnRef idx="0"/>
+    <cs:fillRef idx="0"/>
+    <cs:effectRef idx="0"/>
+    <cs:fontRef idx="minor">
+      <a:schemeClr val="tx1"/>
+    </cs:fontRef>
+    <cs:spPr>
+      <a:noFill/>
+      <a:ln>
+        <a:noFill/>
+      </a:ln>
+    </cs:spPr>
+  </cs:wall>
+</cs:chartStyle>
+</file>
+
+<file path=ppt/charts/style6.xml><?xml version="1.0" encoding="utf-8"?>
+<cs:chartStyle xmlns:cs="http://schemas.microsoft.com/office/drawing/2012/chartStyle" xmlns:a="http://schemas.openxmlformats.org/drawingml/2006/main" id="201">
+  <cs:axisTitle>
+    <cs:lnRef idx="0"/>
+    <cs:fillRef idx="0"/>
+    <cs:effectRef idx="0"/>
+    <cs:fontRef idx="minor">
+      <a:schemeClr val="tx1">
+        <a:lumMod val="65000"/>
+        <a:lumOff val="35000"/>
+      </a:schemeClr>
+    </cs:fontRef>
+    <cs:defRPr sz="1000" kern="1200"/>
+  </cs:axisTitle>
+  <cs:categoryAxis>
+    <cs:lnRef idx="0"/>
+    <cs:fillRef idx="0"/>
+    <cs:effectRef idx="0"/>
+    <cs:fontRef idx="minor">
+      <a:schemeClr val="tx1">
+        <a:lumMod val="65000"/>
+        <a:lumOff val="35000"/>
+      </a:schemeClr>
+    </cs:fontRef>
+    <cs:spPr>
+      <a:ln w="9525" cap="flat" cmpd="sng" algn="ctr">
+        <a:solidFill>
+          <a:schemeClr val="tx1">
+            <a:lumMod val="15000"/>
+            <a:lumOff val="85000"/>
+          </a:schemeClr>
+        </a:solidFill>
+        <a:round/>
+      </a:ln>
+    </cs:spPr>
+    <cs:defRPr sz="900" kern="1200"/>
+  </cs:categoryAxis>
+  <cs:chartArea mods="allowNoFillOverride allowNoLineOverride">
+    <cs:lnRef idx="0"/>
+    <cs:fillRef idx="0"/>
+    <cs:effectRef idx="0"/>
+    <cs:fontRef idx="minor">
+      <a:schemeClr val="tx1"/>
+    </cs:fontRef>
+    <cs:spPr>
+      <a:solidFill>
+        <a:schemeClr val="bg1"/>
+      </a:solidFill>
+      <a:ln w="9525" cap="flat" cmpd="sng" algn="ctr">
+        <a:solidFill>
+          <a:schemeClr val="tx1">
+            <a:lumMod val="15000"/>
+            <a:lumOff val="85000"/>
+          </a:schemeClr>
+        </a:solidFill>
+        <a:round/>
+      </a:ln>
+    </cs:spPr>
+    <cs:defRPr sz="1000" kern="1200"/>
+  </cs:chartArea>
+  <cs:dataLabel>
+    <cs:lnRef idx="0"/>
+    <cs:fillRef idx="0"/>
+    <cs:effectRef idx="0"/>
+    <cs:fontRef idx="minor">
+      <a:schemeClr val="tx1">
+        <a:lumMod val="75000"/>
+        <a:lumOff val="25000"/>
+      </a:schemeClr>
+    </cs:fontRef>
+    <cs:defRPr sz="900" kern="1200"/>
+  </cs:dataLabel>
+  <cs:dataLabelCallout>
+    <cs:lnRef idx="0"/>
+    <cs:fillRef idx="0"/>
+    <cs:effectRef idx="0"/>
+    <cs:fontRef idx="minor">
+      <a:schemeClr val="dk1">
+        <a:lumMod val="65000"/>
+        <a:lumOff val="35000"/>
+      </a:schemeClr>
+    </cs:fontRef>
+    <cs:spPr>
+      <a:solidFill>
+        <a:schemeClr val="lt1"/>
+      </a:solidFill>
+      <a:ln>
+        <a:solidFill>
+          <a:schemeClr val="dk1">
+            <a:lumMod val="25000"/>
+            <a:lumOff val="75000"/>
+          </a:schemeClr>
+        </a:solidFill>
+      </a:ln>
+    </cs:spPr>
+    <cs:defRPr sz="900" kern="1200"/>
+    <cs:bodyPr rot="0" spcFirstLastPara="1" vertOverflow="clip" horzOverflow="clip" vert="horz" wrap="square" lIns="36576" tIns="18288" rIns="36576" bIns="18288" anchor="ctr" anchorCtr="1">
+      <a:spAutoFit/>
+    </cs:bodyPr>
+  </cs:dataLabelCallout>
+  <cs:dataPoint>
+    <cs:lnRef idx="0"/>
+    <cs:fillRef idx="1">
+      <cs:styleClr val="auto"/>
+    </cs:fillRef>
+    <cs:effectRef idx="0"/>
+    <cs:fontRef idx="minor">
+      <a:schemeClr val="tx1"/>
+    </cs:fontRef>
+  </cs:dataPoint>
+  <cs:dataPoint3D>
+    <cs:lnRef idx="0"/>
+    <cs:fillRef idx="1">
+      <cs:styleClr val="auto"/>
+    </cs:fillRef>
+    <cs:effectRef idx="0"/>
+    <cs:fontRef idx="minor">
+      <a:schemeClr val="tx1"/>
+    </cs:fontRef>
+  </cs:dataPoint3D>
+  <cs:dataPointLine>
+    <cs:lnRef idx="0">
+      <cs:styleClr val="auto"/>
+    </cs:lnRef>
+    <cs:fillRef idx="1"/>
+    <cs:effectRef idx="0"/>
+    <cs:fontRef idx="minor">
+      <a:schemeClr val="tx1"/>
+    </cs:fontRef>
+    <cs:spPr>
+      <a:ln w="28575" cap="rnd">
+        <a:solidFill>
+          <a:schemeClr val="phClr"/>
+        </a:solidFill>
+        <a:round/>
+      </a:ln>
+    </cs:spPr>
+  </cs:dataPointLine>
+  <cs:dataPointMarker>
+    <cs:lnRef idx="0">
+      <cs:styleClr val="auto"/>
+    </cs:lnRef>
+    <cs:fillRef idx="1">
+      <cs:styleClr val="auto"/>
+    </cs:fillRef>
+    <cs:effectRef idx="0"/>
+    <cs:fontRef idx="minor">
+      <a:schemeClr val="tx1"/>
+    </cs:fontRef>
+    <cs:spPr>
+      <a:ln w="9525">
+        <a:solidFill>
+          <a:schemeClr val="phClr"/>
+        </a:solidFill>
+      </a:ln>
+    </cs:spPr>
+  </cs:dataPointMarker>
+  <cs:dataPointMarkerLayout symbol="circle" size="5"/>
+  <cs:dataPointWireframe>
+    <cs:lnRef idx="0">
+      <cs:styleClr val="auto"/>
+    </cs:lnRef>
+    <cs:fillRef idx="1"/>
+    <cs:effectRef idx="0"/>
+    <cs:fontRef idx="minor">
+      <a:schemeClr val="tx1"/>
+    </cs:fontRef>
+    <cs:spPr>
+      <a:ln w="9525" cap="rnd">
+        <a:solidFill>
+          <a:schemeClr val="phClr"/>
+        </a:solidFill>
+        <a:round/>
+      </a:ln>
+    </cs:spPr>
+  </cs:dataPointWireframe>
+  <cs:dataTable>
+    <cs:lnRef idx="0"/>
+    <cs:fillRef idx="0"/>
+    <cs:effectRef idx="0"/>
+    <cs:fontRef idx="minor">
+      <a:schemeClr val="tx1">
+        <a:lumMod val="65000"/>
+        <a:lumOff val="35000"/>
+      </a:schemeClr>
+    </cs:fontRef>
+    <cs:spPr>
+      <a:noFill/>
+      <a:ln w="9525" cap="flat" cmpd="sng" algn="ctr">
+        <a:solidFill>
+          <a:schemeClr val="tx1">
+            <a:lumMod val="15000"/>
+            <a:lumOff val="85000"/>
+          </a:schemeClr>
+        </a:solidFill>
+        <a:round/>
+      </a:ln>
+    </cs:spPr>
+    <cs:defRPr sz="900" kern="1200"/>
+  </cs:dataTable>
+  <cs:downBar>
+    <cs:lnRef idx="0"/>
+    <cs:fillRef idx="0"/>
+    <cs:effectRef idx="0"/>
+    <cs:fontRef idx="minor">
+      <a:schemeClr val="dk1"/>
+    </cs:fontRef>
+    <cs:spPr>
+      <a:solidFill>
+        <a:schemeClr val="dk1">
+          <a:lumMod val="65000"/>
+          <a:lumOff val="35000"/>
+        </a:schemeClr>
+      </a:solidFill>
+      <a:ln w="9525">
+        <a:solidFill>
+          <a:schemeClr val="tx1">
+            <a:lumMod val="65000"/>
+            <a:lumOff val="35000"/>
+          </a:schemeClr>
+        </a:solidFill>
+      </a:ln>
+    </cs:spPr>
+  </cs:downBar>
+  <cs:dropLine>
+    <cs:lnRef idx="0"/>
+    <cs:fillRef idx="0"/>
+    <cs:effectRef idx="0"/>
+    <cs:fontRef idx="minor">
+      <a:schemeClr val="tx1"/>
+    </cs:fontRef>
+    <cs:spPr>
+      <a:ln w="9525" cap="flat" cmpd="sng" algn="ctr">
+        <a:solidFill>
+          <a:schemeClr val="tx1">
+            <a:lumMod val="35000"/>
+            <a:lumOff val="65000"/>
+          </a:schemeClr>
+        </a:solidFill>
+        <a:round/>
+      </a:ln>
+    </cs:spPr>
+  </cs:dropLine>
+  <cs:errorBar>
+    <cs:lnRef idx="0"/>
+    <cs:fillRef idx="0"/>
+    <cs:effectRef idx="0"/>
+    <cs:fontRef idx="minor">
+      <a:schemeClr val="tx1"/>
+    </cs:fontRef>
+    <cs:spPr>
+      <a:ln w="9525" cap="flat" cmpd="sng" algn="ctr">
+        <a:solidFill>
+          <a:schemeClr val="tx1">
+            <a:lumMod val="65000"/>
+            <a:lumOff val="35000"/>
+          </a:schemeClr>
+        </a:solidFill>
+        <a:round/>
+      </a:ln>
+    </cs:spPr>
+  </cs:errorBar>
+  <cs:floor>
+    <cs:lnRef idx="0"/>
+    <cs:fillRef idx="0"/>
+    <cs:effectRef idx="0"/>
+    <cs:fontRef idx="minor">
+      <a:schemeClr val="tx1"/>
+    </cs:fontRef>
+    <cs:spPr>
+      <a:noFill/>
+      <a:ln>
+        <a:noFill/>
+      </a:ln>
+    </cs:spPr>
+  </cs:floor>
+  <cs:gridlineMajor>
+    <cs:lnRef idx="0"/>
+    <cs:fillRef idx="0"/>
+    <cs:effectRef idx="0"/>
+    <cs:fontRef idx="minor">
+      <a:schemeClr val="tx1"/>
+    </cs:fontRef>
+    <cs:spPr>
+      <a:ln w="9525" cap="flat" cmpd="sng" algn="ctr">
+        <a:solidFill>
+          <a:schemeClr val="tx1">
+            <a:lumMod val="15000"/>
+            <a:lumOff val="85000"/>
+          </a:schemeClr>
+        </a:solidFill>
+        <a:round/>
+      </a:ln>
+    </cs:spPr>
+  </cs:gridlineMajor>
+  <cs:gridlineMinor>
+    <cs:lnRef idx="0"/>
+    <cs:fillRef idx="0"/>
+    <cs:effectRef idx="0"/>
+    <cs:fontRef idx="minor">
+      <a:schemeClr val="tx1"/>
+    </cs:fontRef>
+    <cs:spPr>
+      <a:ln w="9525" cap="flat" cmpd="sng" algn="ctr">
+        <a:solidFill>
+          <a:schemeClr val="tx1">
+            <a:lumMod val="5000"/>
+            <a:lumOff val="95000"/>
+          </a:schemeClr>
+        </a:solidFill>
+        <a:round/>
+      </a:ln>
+    </cs:spPr>
+  </cs:gridlineMinor>
+  <cs:hiLoLine>
+    <cs:lnRef idx="0"/>
+    <cs:fillRef idx="0"/>
+    <cs:effectRef idx="0"/>
+    <cs:fontRef idx="minor">
+      <a:schemeClr val="tx1"/>
+    </cs:fontRef>
+    <cs:spPr>
+      <a:ln w="9525" cap="flat" cmpd="sng" algn="ctr">
+        <a:solidFill>
+          <a:schemeClr val="tx1">
+            <a:lumMod val="75000"/>
+            <a:lumOff val="25000"/>
+          </a:schemeClr>
+        </a:solidFill>
+        <a:round/>
+      </a:ln>
+    </cs:spPr>
+  </cs:hiLoLine>
+  <cs:leaderLine>
+    <cs:lnRef idx="0"/>
+    <cs:fillRef idx="0"/>
+    <cs:effectRef idx="0"/>
+    <cs:fontRef idx="minor">
+      <a:schemeClr val="tx1"/>
+    </cs:fontRef>
+    <cs:spPr>
+      <a:ln w="9525" cap="flat" cmpd="sng" algn="ctr">
+        <a:solidFill>
+          <a:schemeClr val="tx1">
+            <a:lumMod val="35000"/>
+            <a:lumOff val="65000"/>
+          </a:schemeClr>
+        </a:solidFill>
+        <a:round/>
+      </a:ln>
+    </cs:spPr>
+  </cs:leaderLine>
+  <cs:legend>
+    <cs:lnRef idx="0"/>
+    <cs:fillRef idx="0"/>
+    <cs:effectRef idx="0"/>
+    <cs:fontRef idx="minor">
+      <a:schemeClr val="tx1">
+        <a:lumMod val="65000"/>
+        <a:lumOff val="35000"/>
+      </a:schemeClr>
+    </cs:fontRef>
+    <cs:defRPr sz="900" kern="1200"/>
+  </cs:legend>
+  <cs:plotArea mods="allowNoFillOverride allowNoLineOverride">
+    <cs:lnRef idx="0"/>
+    <cs:fillRef idx="0"/>
+    <cs:effectRef idx="0"/>
+    <cs:fontRef idx="minor">
+      <a:schemeClr val="tx1"/>
+    </cs:fontRef>
+  </cs:plotArea>
+  <cs:plotArea3D mods="allowNoFillOverride allowNoLineOverride">
+    <cs:lnRef idx="0"/>
+    <cs:fillRef idx="0"/>
+    <cs:effectRef idx="0"/>
+    <cs:fontRef idx="minor">
+      <a:schemeClr val="tx1"/>
+    </cs:fontRef>
+  </cs:plotArea3D>
+  <cs:seriesAxis>
+    <cs:lnRef idx="0"/>
+    <cs:fillRef idx="0"/>
+    <cs:effectRef idx="0"/>
+    <cs:fontRef idx="minor">
+      <a:schemeClr val="tx1">
+        <a:lumMod val="65000"/>
+        <a:lumOff val="35000"/>
+      </a:schemeClr>
+    </cs:fontRef>
+    <cs:defRPr sz="900" kern="1200"/>
+  </cs:seriesAxis>
+  <cs:seriesLine>
+    <cs:lnRef idx="0"/>
+    <cs:fillRef idx="0"/>
+    <cs:effectRef idx="0"/>
+    <cs:fontRef idx="minor">
+      <a:schemeClr val="tx1"/>
+    </cs:fontRef>
+    <cs:spPr>
+      <a:ln w="9525" cap="flat" cmpd="sng" algn="ctr">
+        <a:solidFill>
+          <a:schemeClr val="tx1">
+            <a:lumMod val="35000"/>
+            <a:lumOff val="65000"/>
+          </a:schemeClr>
+        </a:solidFill>
+        <a:round/>
+      </a:ln>
+    </cs:spPr>
+  </cs:seriesLine>
+  <cs:title>
+    <cs:lnRef idx="0"/>
+    <cs:fillRef idx="0"/>
+    <cs:effectRef idx="0"/>
+    <cs:fontRef idx="minor">
+      <a:schemeClr val="tx1">
+        <a:lumMod val="65000"/>
+        <a:lumOff val="35000"/>
+      </a:schemeClr>
+    </cs:fontRef>
+    <cs:defRPr sz="1400" b="0" kern="1200" spc="0" baseline="0"/>
+  </cs:title>
+  <cs:trendline>
+    <cs:lnRef idx="0">
+      <cs:styleClr val="auto"/>
+    </cs:lnRef>
+    <cs:fillRef idx="0"/>
+    <cs:effectRef idx="0"/>
+    <cs:fontRef idx="minor">
+      <a:schemeClr val="tx1"/>
+    </cs:fontRef>
+    <cs:spPr>
+      <a:ln w="19050" cap="rnd">
+        <a:solidFill>
+          <a:schemeClr val="phClr"/>
+        </a:solidFill>
+        <a:prstDash val="sysDot"/>
+      </a:ln>
+    </cs:spPr>
+  </cs:trendline>
+  <cs:trendlineLabel>
+    <cs:lnRef idx="0"/>
+    <cs:fillRef idx="0"/>
+    <cs:effectRef idx="0"/>
+    <cs:fontRef idx="minor">
+      <a:schemeClr val="tx1">
+        <a:lumMod val="65000"/>
+        <a:lumOff val="35000"/>
+      </a:schemeClr>
+    </cs:fontRef>
+    <cs:defRPr sz="900" kern="1200"/>
+  </cs:trendlineLabel>
+  <cs:upBar>
+    <cs:lnRef idx="0"/>
+    <cs:fillRef idx="0"/>
+    <cs:effectRef idx="0"/>
+    <cs:fontRef idx="minor">
+      <a:schemeClr val="dk1"/>
+    </cs:fontRef>
+    <cs:spPr>
+      <a:solidFill>
+        <a:schemeClr val="lt1"/>
+      </a:solidFill>
+      <a:ln w="9525">
+        <a:solidFill>
+          <a:schemeClr val="tx1">
+            <a:lumMod val="15000"/>
+            <a:lumOff val="85000"/>
+          </a:schemeClr>
+        </a:solidFill>
+      </a:ln>
+    </cs:spPr>
+  </cs:upBar>
+  <cs:valueAxis>
+    <cs:lnRef idx="0"/>
+    <cs:fillRef idx="0"/>
+    <cs:effectRef idx="0"/>
+    <cs:fontRef idx="minor">
+      <a:schemeClr val="tx1">
+        <a:lumMod val="65000"/>
+        <a:lumOff val="35000"/>
+      </a:schemeClr>
+    </cs:fontRef>
+    <cs:defRPr sz="900" kern="1200"/>
+  </cs:valueAxis>
+  <cs:wall>
+    <cs:lnRef idx="0"/>
+    <cs:fillRef idx="0"/>
+    <cs:effectRef idx="0"/>
+    <cs:fontRef idx="minor">
+      <a:schemeClr val="tx1"/>
+    </cs:fontRef>
+    <cs:spPr>
+      <a:noFill/>
+      <a:ln>
+        <a:noFill/>
+      </a:ln>
+    </cs:spPr>
+  </cs:wall>
+</cs:chartStyle>
+</file>
+
+<file path=ppt/charts/style7.xml><?xml version="1.0" encoding="utf-8"?>
 <cs:chartStyle xmlns:cs="http://schemas.microsoft.com/office/drawing/2012/chartStyle" xmlns:a="http://schemas.openxmlformats.org/drawingml/2006/main" id="201">
   <cs:axisTitle>
     <cs:lnRef idx="0"/>
@@ -11326,7 +13162,7 @@
           <a:p>
             <a:fld id="{2CF913E4-21D6-454A-9B7B-BE459B1334D7}" type="datetimeFigureOut">
               <a:rPr lang="en-US" smtClean="0"/>
-              <a:t>3/17/17</a:t>
+              <a:t>3/20/17</a:t>
             </a:fld>
             <a:endParaRPr lang="en-US"/>
           </a:p>
@@ -12513,6 +14349,1117 @@
 </p:notes>
 </file>
 
+<file path=ppt/notesSlides/notesSlide5.xml><?xml version="1.0" encoding="utf-8"?>
+<p:notes xmlns:a="http://schemas.openxmlformats.org/drawingml/2006/main" xmlns:r="http://schemas.openxmlformats.org/officeDocument/2006/relationships" xmlns:p="http://schemas.openxmlformats.org/presentationml/2006/main">
+  <p:cSld>
+    <p:spTree>
+      <p:nvGrpSpPr>
+        <p:cNvPr id="1" name=""/>
+        <p:cNvGrpSpPr/>
+        <p:nvPr/>
+      </p:nvGrpSpPr>
+      <p:grpSpPr>
+        <a:xfrm>
+          <a:off x="0" y="0"/>
+          <a:ext cx="0" cy="0"/>
+          <a:chOff x="0" y="0"/>
+          <a:chExt cx="0" cy="0"/>
+        </a:xfrm>
+      </p:grpSpPr>
+      <p:sp>
+        <p:nvSpPr>
+          <p:cNvPr id="2" name="Slide Image Placeholder 1"/>
+          <p:cNvSpPr>
+            <a:spLocks noGrp="1" noRot="1" noChangeAspect="1"/>
+          </p:cNvSpPr>
+          <p:nvPr>
+            <p:ph type="sldImg"/>
+          </p:nvPr>
+        </p:nvSpPr>
+        <p:spPr/>
+      </p:sp>
+      <p:sp>
+        <p:nvSpPr>
+          <p:cNvPr id="3" name="Notes Placeholder 2"/>
+          <p:cNvSpPr>
+            <a:spLocks noGrp="1"/>
+          </p:cNvSpPr>
+          <p:nvPr>
+            <p:ph type="body" idx="1"/>
+          </p:nvPr>
+        </p:nvSpPr>
+        <p:spPr/>
+        <p:txBody>
+          <a:bodyPr/>
+          <a:lstStyle/>
+          <a:p>
+            <a:pPr marL="0" marR="0" indent="0" algn="l" defTabSz="914400" rtl="0" eaLnBrk="1" fontAlgn="auto" latinLnBrk="0" hangingPunct="1">
+              <a:lnSpc>
+                <a:spcPct val="100000"/>
+              </a:lnSpc>
+              <a:spcBef>
+                <a:spcPts val="0"/>
+              </a:spcBef>
+              <a:spcAft>
+                <a:spcPts val="0"/>
+              </a:spcAft>
+              <a:buClrTx/>
+              <a:buSzTx/>
+              <a:buFontTx/>
+              <a:buNone/>
+              <a:tabLst/>
+              <a:defRPr/>
+            </a:pPr>
+            <a:r>
+              <a:rPr lang="en-US" dirty="0" smtClean="0"/>
+              <a:t>WHY: We want</a:t>
+            </a:r>
+            <a:r>
+              <a:rPr lang="en-US" baseline="0" dirty="0" smtClean="0"/>
+              <a:t> result to be comparable </a:t>
+            </a:r>
+            <a:r>
+              <a:rPr lang="en-US" baseline="0" dirty="0" smtClean="0">
+                <a:sym typeface="Wingdings"/>
+              </a:rPr>
+              <a:t> SVM-RBF and </a:t>
+            </a:r>
+            <a:r>
+              <a:rPr lang="en-US" baseline="0" dirty="0" err="1" smtClean="0">
+                <a:sym typeface="Wingdings"/>
+              </a:rPr>
+              <a:t>RandomForest</a:t>
+            </a:r>
+            <a:r>
+              <a:rPr lang="en-US" baseline="0" dirty="0" smtClean="0">
+                <a:sym typeface="Wingdings"/>
+              </a:rPr>
+              <a:t> can be comparable with [</a:t>
+            </a:r>
+            <a:r>
+              <a:rPr lang="en-US" sz="1200" kern="1200" dirty="0" smtClean="0">
+                <a:solidFill>
+                  <a:schemeClr val="tx1"/>
+                </a:solidFill>
+                <a:effectLst/>
+                <a:latin typeface="+mn-lt"/>
+                <a:ea typeface="+mn-ea"/>
+                <a:cs typeface="+mn-cs"/>
+              </a:rPr>
+              <a:t>Predicting Soccer Match Results in the English Premier League</a:t>
+            </a:r>
+            <a:r>
+              <a:rPr lang="en-US" baseline="0" dirty="0" smtClean="0">
+                <a:sym typeface="Wingdings"/>
+              </a:rPr>
+              <a:t>]</a:t>
+            </a:r>
+          </a:p>
+          <a:p>
+            <a:pPr marL="0" marR="0" indent="0" algn="l" defTabSz="914400" rtl="0" eaLnBrk="1" fontAlgn="auto" latinLnBrk="0" hangingPunct="1">
+              <a:lnSpc>
+                <a:spcPct val="100000"/>
+              </a:lnSpc>
+              <a:spcBef>
+                <a:spcPts val="0"/>
+              </a:spcBef>
+              <a:spcAft>
+                <a:spcPts val="0"/>
+              </a:spcAft>
+              <a:buClrTx/>
+              <a:buSzTx/>
+              <a:buFontTx/>
+              <a:buNone/>
+              <a:tabLst/>
+              <a:defRPr/>
+            </a:pPr>
+            <a:endParaRPr lang="en-US" baseline="0" dirty="0" smtClean="0">
+              <a:sym typeface="Wingdings"/>
+            </a:endParaRPr>
+          </a:p>
+          <a:p>
+            <a:pPr marL="0" marR="0" indent="0" algn="l" defTabSz="914400" rtl="0" eaLnBrk="1" fontAlgn="auto" latinLnBrk="0" hangingPunct="1">
+              <a:lnSpc>
+                <a:spcPct val="100000"/>
+              </a:lnSpc>
+              <a:spcBef>
+                <a:spcPts val="0"/>
+              </a:spcBef>
+              <a:spcAft>
+                <a:spcPts val="0"/>
+              </a:spcAft>
+              <a:buClrTx/>
+              <a:buSzTx/>
+              <a:buFontTx/>
+              <a:buNone/>
+              <a:tabLst/>
+              <a:defRPr/>
+            </a:pPr>
+            <a:r>
+              <a:rPr lang="en-US" baseline="0" dirty="0" smtClean="0">
+                <a:sym typeface="Wingdings"/>
+              </a:rPr>
+              <a:t>-</a:t>
+            </a:r>
+            <a:r>
+              <a:rPr lang="en-US" b="1" baseline="0" dirty="0" smtClean="0">
+                <a:sym typeface="Wingdings"/>
+              </a:rPr>
+              <a:t>C</a:t>
+            </a:r>
+            <a:r>
+              <a:rPr lang="en-US" baseline="0" dirty="0" smtClean="0">
+                <a:sym typeface="Wingdings"/>
+              </a:rPr>
+              <a:t>: </a:t>
+            </a:r>
+            <a:r>
+              <a:rPr lang="en-US" sz="1200" b="0" i="0" kern="1200" dirty="0" smtClean="0">
+                <a:solidFill>
+                  <a:schemeClr val="tx1"/>
+                </a:solidFill>
+                <a:effectLst/>
+                <a:latin typeface="+mn-lt"/>
+                <a:ea typeface="+mn-ea"/>
+                <a:cs typeface="+mn-cs"/>
+              </a:rPr>
+              <a:t>trades off misclassification of training examples against simplicity of the decision surface. </a:t>
+            </a:r>
+            <a:r>
+              <a:rPr lang="en-US" sz="1200" b="0" i="0" u="sng" kern="1200" dirty="0" smtClean="0">
+                <a:solidFill>
+                  <a:schemeClr val="tx1"/>
+                </a:solidFill>
+                <a:effectLst/>
+                <a:latin typeface="+mn-lt"/>
+                <a:ea typeface="+mn-ea"/>
+                <a:cs typeface="+mn-cs"/>
+              </a:rPr>
+              <a:t>A low </a:t>
+            </a:r>
+            <a:r>
+              <a:rPr lang="en-US" u="sng" dirty="0" smtClean="0">
+                <a:effectLst/>
+              </a:rPr>
+              <a:t>C</a:t>
+            </a:r>
+            <a:r>
+              <a:rPr lang="en-US" sz="1200" b="0" i="0" u="sng" kern="1200" dirty="0" smtClean="0">
+                <a:solidFill>
+                  <a:schemeClr val="tx1"/>
+                </a:solidFill>
+                <a:effectLst/>
+                <a:latin typeface="+mn-lt"/>
+                <a:ea typeface="+mn-ea"/>
+                <a:cs typeface="+mn-cs"/>
+              </a:rPr>
+              <a:t> makes the decision surface smooth</a:t>
+            </a:r>
+            <a:r>
+              <a:rPr lang="en-US" sz="1200" b="0" i="0" kern="1200" dirty="0" smtClean="0">
+                <a:solidFill>
+                  <a:schemeClr val="tx1"/>
+                </a:solidFill>
+                <a:effectLst/>
+                <a:latin typeface="+mn-lt"/>
+                <a:ea typeface="+mn-ea"/>
+                <a:cs typeface="+mn-cs"/>
+              </a:rPr>
+              <a:t>, while a </a:t>
+            </a:r>
+            <a:r>
+              <a:rPr lang="en-US" sz="1200" b="0" i="0" u="sng" kern="1200" dirty="0" smtClean="0">
+                <a:solidFill>
+                  <a:schemeClr val="tx1"/>
+                </a:solidFill>
+                <a:effectLst/>
+                <a:latin typeface="+mn-lt"/>
+                <a:ea typeface="+mn-ea"/>
+                <a:cs typeface="+mn-cs"/>
+              </a:rPr>
+              <a:t>high </a:t>
+            </a:r>
+            <a:r>
+              <a:rPr lang="en-US" u="sng" dirty="0" smtClean="0">
+                <a:effectLst/>
+              </a:rPr>
+              <a:t>C</a:t>
+            </a:r>
+            <a:r>
+              <a:rPr lang="en-US" sz="1200" b="0" i="0" u="sng" kern="1200" dirty="0" smtClean="0">
+                <a:solidFill>
+                  <a:schemeClr val="tx1"/>
+                </a:solidFill>
+                <a:effectLst/>
+                <a:latin typeface="+mn-lt"/>
+                <a:ea typeface="+mn-ea"/>
+                <a:cs typeface="+mn-cs"/>
+              </a:rPr>
+              <a:t> aims at classifying all training examples correctly </a:t>
+            </a:r>
+            <a:r>
+              <a:rPr lang="en-US" sz="1200" b="0" i="0" kern="1200" dirty="0" smtClean="0">
+                <a:solidFill>
+                  <a:schemeClr val="tx1"/>
+                </a:solidFill>
+                <a:effectLst/>
+                <a:latin typeface="+mn-lt"/>
+                <a:ea typeface="+mn-ea"/>
+                <a:cs typeface="+mn-cs"/>
+              </a:rPr>
+              <a:t>by giving the model freedom to select more samples as support vectors</a:t>
+            </a:r>
+            <a:endParaRPr lang="en-US" baseline="0" dirty="0" smtClean="0">
+              <a:sym typeface="Wingdings"/>
+            </a:endParaRPr>
+          </a:p>
+          <a:p>
+            <a:pPr marL="0" marR="0" indent="0" algn="l" defTabSz="914400" rtl="0" eaLnBrk="1" fontAlgn="auto" latinLnBrk="0" hangingPunct="1">
+              <a:lnSpc>
+                <a:spcPct val="100000"/>
+              </a:lnSpc>
+              <a:spcBef>
+                <a:spcPts val="0"/>
+              </a:spcBef>
+              <a:spcAft>
+                <a:spcPts val="0"/>
+              </a:spcAft>
+              <a:buClrTx/>
+              <a:buSzTx/>
+              <a:buFontTx/>
+              <a:buNone/>
+              <a:tabLst/>
+              <a:defRPr/>
+            </a:pPr>
+            <a:r>
+              <a:rPr lang="en-US" baseline="0" dirty="0" smtClean="0">
+                <a:sym typeface="Wingdings"/>
+              </a:rPr>
+              <a:t>-</a:t>
+            </a:r>
+            <a:r>
+              <a:rPr lang="en-US" b="1" baseline="0" dirty="0" smtClean="0">
+                <a:sym typeface="Wingdings"/>
+              </a:rPr>
+              <a:t>Gamma</a:t>
+            </a:r>
+            <a:r>
+              <a:rPr lang="en-US" baseline="0" dirty="0" smtClean="0">
+                <a:sym typeface="Wingdings"/>
+              </a:rPr>
+              <a:t>: </a:t>
+            </a:r>
+            <a:r>
+              <a:rPr lang="en-US" sz="1200" b="0" i="0" kern="1200" dirty="0" smtClean="0">
+                <a:solidFill>
+                  <a:schemeClr val="tx1"/>
+                </a:solidFill>
+                <a:effectLst/>
+                <a:latin typeface="+mn-lt"/>
+                <a:ea typeface="+mn-ea"/>
+                <a:cs typeface="+mn-cs"/>
+              </a:rPr>
+              <a:t>defines how far the influence of a single training example reaches, </a:t>
+            </a:r>
+            <a:r>
+              <a:rPr lang="en-US" sz="1200" b="0" i="0" u="sng" kern="1200" dirty="0" smtClean="0">
+                <a:solidFill>
+                  <a:schemeClr val="tx1"/>
+                </a:solidFill>
+                <a:effectLst/>
+                <a:latin typeface="+mn-lt"/>
+                <a:ea typeface="+mn-ea"/>
+                <a:cs typeface="+mn-cs"/>
+              </a:rPr>
+              <a:t>with low values meaning ‘far</a:t>
+            </a:r>
+            <a:r>
+              <a:rPr lang="en-US" sz="1200" b="0" i="0" kern="1200" dirty="0" smtClean="0">
+                <a:solidFill>
+                  <a:schemeClr val="tx1"/>
+                </a:solidFill>
+                <a:effectLst/>
+                <a:latin typeface="+mn-lt"/>
+                <a:ea typeface="+mn-ea"/>
+                <a:cs typeface="+mn-cs"/>
+              </a:rPr>
+              <a:t>’ and </a:t>
+            </a:r>
+            <a:r>
+              <a:rPr lang="en-US" sz="1200" b="0" i="0" u="sng" kern="1200" dirty="0" smtClean="0">
+                <a:solidFill>
+                  <a:schemeClr val="tx1"/>
+                </a:solidFill>
+                <a:effectLst/>
+                <a:latin typeface="+mn-lt"/>
+                <a:ea typeface="+mn-ea"/>
+                <a:cs typeface="+mn-cs"/>
+              </a:rPr>
+              <a:t>high values meaning ‘close</a:t>
+            </a:r>
+            <a:r>
+              <a:rPr lang="en-US" sz="1200" b="0" i="0" kern="1200" dirty="0" smtClean="0">
+                <a:solidFill>
+                  <a:schemeClr val="tx1"/>
+                </a:solidFill>
+                <a:effectLst/>
+                <a:latin typeface="+mn-lt"/>
+                <a:ea typeface="+mn-ea"/>
+                <a:cs typeface="+mn-cs"/>
+              </a:rPr>
+              <a:t>’; can be seen as the inverse of the radius of influence of samples selected by the model as support vectors</a:t>
+            </a:r>
+            <a:endParaRPr lang="en-US" baseline="0" dirty="0" smtClean="0">
+              <a:sym typeface="Wingdings"/>
+            </a:endParaRPr>
+          </a:p>
+        </p:txBody>
+      </p:sp>
+      <p:sp>
+        <p:nvSpPr>
+          <p:cNvPr id="4" name="Slide Number Placeholder 3"/>
+          <p:cNvSpPr>
+            <a:spLocks noGrp="1"/>
+          </p:cNvSpPr>
+          <p:nvPr>
+            <p:ph type="sldNum" sz="quarter" idx="10"/>
+          </p:nvPr>
+        </p:nvSpPr>
+        <p:spPr/>
+        <p:txBody>
+          <a:bodyPr/>
+          <a:lstStyle/>
+          <a:p>
+            <a:fld id="{E6C22B83-ABD6-0F43-B818-DC95DF684F80}" type="slidenum">
+              <a:rPr lang="en-US" smtClean="0"/>
+              <a:t>12</a:t>
+            </a:fld>
+            <a:endParaRPr lang="en-US"/>
+          </a:p>
+        </p:txBody>
+      </p:sp>
+    </p:spTree>
+    <p:extLst>
+      <p:ext uri="{BB962C8B-B14F-4D97-AF65-F5344CB8AC3E}">
+        <p14:creationId xmlns:p14="http://schemas.microsoft.com/office/powerpoint/2010/main" val="1922603541"/>
+      </p:ext>
+    </p:extLst>
+  </p:cSld>
+  <p:clrMapOvr>
+    <a:masterClrMapping/>
+  </p:clrMapOvr>
+</p:notes>
+</file>
+
+<file path=ppt/notesSlides/notesSlide6.xml><?xml version="1.0" encoding="utf-8"?>
+<p:notes xmlns:a="http://schemas.openxmlformats.org/drawingml/2006/main" xmlns:r="http://schemas.openxmlformats.org/officeDocument/2006/relationships" xmlns:p="http://schemas.openxmlformats.org/presentationml/2006/main">
+  <p:cSld>
+    <p:spTree>
+      <p:nvGrpSpPr>
+        <p:cNvPr id="1" name=""/>
+        <p:cNvGrpSpPr/>
+        <p:nvPr/>
+      </p:nvGrpSpPr>
+      <p:grpSpPr>
+        <a:xfrm>
+          <a:off x="0" y="0"/>
+          <a:ext cx="0" cy="0"/>
+          <a:chOff x="0" y="0"/>
+          <a:chExt cx="0" cy="0"/>
+        </a:xfrm>
+      </p:grpSpPr>
+      <p:sp>
+        <p:nvSpPr>
+          <p:cNvPr id="2" name="Slide Image Placeholder 1"/>
+          <p:cNvSpPr>
+            <a:spLocks noGrp="1" noRot="1" noChangeAspect="1"/>
+          </p:cNvSpPr>
+          <p:nvPr>
+            <p:ph type="sldImg"/>
+          </p:nvPr>
+        </p:nvSpPr>
+        <p:spPr/>
+      </p:sp>
+      <mc:AlternateContent xmlns:mc="http://schemas.openxmlformats.org/markup-compatibility/2006">
+        <mc:Choice xmlns:a14="http://schemas.microsoft.com/office/drawing/2010/main" Requires="a14">
+          <p:sp>
+            <p:nvSpPr>
+              <p:cNvPr id="3" name="Notes Placeholder 2"/>
+              <p:cNvSpPr>
+                <a:spLocks noGrp="1"/>
+              </p:cNvSpPr>
+              <p:nvPr>
+                <p:ph type="body" idx="1"/>
+              </p:nvPr>
+            </p:nvSpPr>
+            <p:spPr/>
+            <p:txBody>
+              <a:bodyPr/>
+              <a:lstStyle/>
+              <a:p>
+                <a:r>
+                  <a:rPr lang="en-US" dirty="0" smtClean="0"/>
+                  <a:t>The basic assumption</a:t>
+                </a:r>
+                <a:r>
+                  <a:rPr lang="en-US" baseline="0" dirty="0" smtClean="0"/>
+                  <a:t> of Maher’s model is that the number of goals scored by the home and way teams in any particular game are independent Poisson variables,</a:t>
+                </a:r>
+              </a:p>
+              <a:p>
+                <a:r>
+                  <a:rPr lang="en-US" baseline="0" dirty="0" smtClean="0"/>
+                  <a:t>Whose means are determined by the respective attack and defense qualities on each side.</a:t>
+                </a:r>
+              </a:p>
+              <a:p>
+                <a:endParaRPr lang="en-US" baseline="0" dirty="0" smtClean="0"/>
+              </a:p>
+              <a:p>
+                <a:pPr marL="0" marR="0" indent="0" algn="l" defTabSz="914400" rtl="0" eaLnBrk="1" fontAlgn="auto" latinLnBrk="0" hangingPunct="1">
+                  <a:lnSpc>
+                    <a:spcPct val="100000"/>
+                  </a:lnSpc>
+                  <a:spcBef>
+                    <a:spcPts val="0"/>
+                  </a:spcBef>
+                  <a:spcAft>
+                    <a:spcPts val="0"/>
+                  </a:spcAft>
+                  <a:buClrTx/>
+                  <a:buSzTx/>
+                  <a:buFontTx/>
+                  <a:buNone/>
+                  <a:tabLst/>
+                  <a:defRPr/>
+                </a:pPr>
+                <a:r>
+                  <a:rPr lang="en-US" sz="1200" dirty="0" smtClean="0"/>
+                  <a:t>Pr</a:t>
+                </a:r>
+                <a:r>
+                  <a:rPr lang="en-US" sz="1200" dirty="0" smtClean="0"/>
+                  <a:t>(</a:t>
+                </a:r>
+                <a14:m>
+                  <m:oMath xmlns:m="http://schemas.openxmlformats.org/officeDocument/2006/math">
+                    <m:sSub>
+                      <m:sSubPr>
+                        <m:ctrlPr>
+                          <a:rPr lang="en-US" sz="1200" i="1">
+                            <a:latin typeface="Cambria Math" charset="0"/>
+                          </a:rPr>
+                        </m:ctrlPr>
+                      </m:sSubPr>
+                      <m:e>
+                        <m:r>
+                          <a:rPr lang="it-IT" sz="1200" i="1">
+                            <a:latin typeface="Cambria Math" charset="0"/>
+                          </a:rPr>
+                          <m:t>𝑋</m:t>
+                        </m:r>
+                      </m:e>
+                      <m:sub>
+                        <m:r>
+                          <a:rPr lang="it-IT" sz="1200" i="1">
+                            <a:latin typeface="Cambria Math" charset="0"/>
+                          </a:rPr>
+                          <m:t>𝑖</m:t>
+                        </m:r>
+                        <m:r>
+                          <a:rPr lang="it-IT" sz="1200" i="1">
+                            <a:latin typeface="Cambria Math" charset="0"/>
+                          </a:rPr>
+                          <m:t>,</m:t>
+                        </m:r>
+                        <m:r>
+                          <a:rPr lang="it-IT" sz="1200" i="1">
+                            <a:latin typeface="Cambria Math" charset="0"/>
+                          </a:rPr>
+                          <m:t>𝑗</m:t>
+                        </m:r>
+                      </m:sub>
+                    </m:sSub>
+                  </m:oMath>
+                </a14:m>
+                <a:r>
+                  <a:rPr lang="en-US" sz="1200" dirty="0" smtClean="0"/>
+                  <a:t>=x, </a:t>
+                </a:r>
+                <a14:m>
+                  <m:oMath xmlns:m="http://schemas.openxmlformats.org/officeDocument/2006/math">
+                    <m:sSub>
+                      <m:sSubPr>
+                        <m:ctrlPr>
+                          <a:rPr lang="en-US" sz="1200" i="1">
+                            <a:latin typeface="Cambria Math" charset="0"/>
+                          </a:rPr>
+                        </m:ctrlPr>
+                      </m:sSubPr>
+                      <m:e>
+                        <m:r>
+                          <a:rPr lang="it-IT" sz="1200" i="1">
+                            <a:latin typeface="Cambria Math" charset="0"/>
+                          </a:rPr>
+                          <m:t>𝑌</m:t>
+                        </m:r>
+                      </m:e>
+                      <m:sub>
+                        <m:r>
+                          <a:rPr lang="it-IT" sz="1200" i="1">
+                            <a:latin typeface="Cambria Math" charset="0"/>
+                          </a:rPr>
+                          <m:t>𝑖</m:t>
+                        </m:r>
+                        <m:r>
+                          <a:rPr lang="it-IT" sz="1200" i="1">
+                            <a:latin typeface="Cambria Math" charset="0"/>
+                          </a:rPr>
+                          <m:t>,</m:t>
+                        </m:r>
+                        <m:r>
+                          <a:rPr lang="it-IT" sz="1200" i="1">
+                            <a:latin typeface="Cambria Math" charset="0"/>
+                          </a:rPr>
+                          <m:t>𝑗</m:t>
+                        </m:r>
+                      </m:sub>
+                    </m:sSub>
+                  </m:oMath>
+                </a14:m>
+                <a:r>
+                  <a:rPr lang="en-US" sz="1200" dirty="0" smtClean="0"/>
+                  <a:t>=y)= </a:t>
+                </a:r>
+                <a14:m>
+                  <m:oMath xmlns:m="http://schemas.openxmlformats.org/officeDocument/2006/math">
+                    <m:f>
+                      <m:fPr>
+                        <m:ctrlPr>
+                          <a:rPr lang="mr-IN" sz="1200" i="1" smtClean="0">
+                            <a:latin typeface="Cambria Math" charset="0"/>
+                            <a:ea typeface="Cambria Math" charset="0"/>
+                            <a:cs typeface="Cambria Math" charset="0"/>
+                          </a:rPr>
+                        </m:ctrlPr>
+                      </m:fPr>
+                      <m:num>
+                        <m:sSup>
+                          <m:sSupPr>
+                            <m:ctrlPr>
+                              <a:rPr lang="en-US" sz="1200" i="1">
+                                <a:latin typeface="Cambria Math" charset="0"/>
+                                <a:ea typeface="Cambria Math" charset="0"/>
+                                <a:cs typeface="Cambria Math" charset="0"/>
+                              </a:rPr>
+                            </m:ctrlPr>
+                          </m:sSupPr>
+                          <m:e>
+                            <m:r>
+                              <a:rPr lang="en-US" sz="1200" i="1">
+                                <a:latin typeface="Cambria Math" charset="0"/>
+                                <a:ea typeface="Cambria Math" charset="0"/>
+                                <a:cs typeface="Cambria Math" charset="0"/>
+                              </a:rPr>
+                              <m:t>𝜆</m:t>
+                            </m:r>
+                          </m:e>
+                          <m:sup>
+                            <m:r>
+                              <a:rPr lang="it-IT" sz="1200" i="1">
+                                <a:latin typeface="Cambria Math" charset="0"/>
+                                <a:ea typeface="Cambria Math" charset="0"/>
+                                <a:cs typeface="Cambria Math" charset="0"/>
+                              </a:rPr>
+                              <m:t>𝑥</m:t>
+                            </m:r>
+                          </m:sup>
+                        </m:sSup>
+                        <m:sSup>
+                          <m:sSupPr>
+                            <m:ctrlPr>
+                              <a:rPr lang="it-IT" sz="1200" i="1">
+                                <a:latin typeface="Cambria Math" charset="0"/>
+                                <a:ea typeface="Cambria Math" charset="0"/>
+                                <a:cs typeface="Cambria Math" charset="0"/>
+                              </a:rPr>
+                            </m:ctrlPr>
+                          </m:sSupPr>
+                          <m:e>
+                            <m:r>
+                              <a:rPr lang="it-IT" sz="1200" i="1">
+                                <a:latin typeface="Cambria Math" charset="0"/>
+                                <a:ea typeface="Cambria Math" charset="0"/>
+                                <a:cs typeface="Cambria Math" charset="0"/>
+                              </a:rPr>
+                              <m:t>𝑒</m:t>
+                            </m:r>
+                          </m:e>
+                          <m:sup>
+                            <m:r>
+                              <a:rPr lang="it-IT" sz="1200" i="1">
+                                <a:latin typeface="Cambria Math" charset="0"/>
+                                <a:ea typeface="Cambria Math" charset="0"/>
+                                <a:cs typeface="Cambria Math" charset="0"/>
+                              </a:rPr>
+                              <m:t>−</m:t>
+                            </m:r>
+                            <m:r>
+                              <a:rPr lang="mr-IN" sz="1200" i="1">
+                                <a:latin typeface="Cambria Math" charset="0"/>
+                                <a:ea typeface="Cambria Math" charset="0"/>
+                                <a:cs typeface="Cambria Math" charset="0"/>
+                              </a:rPr>
+                              <m:t>𝜆</m:t>
+                            </m:r>
+                          </m:sup>
+                        </m:sSup>
+                      </m:num>
+                      <m:den>
+                        <m:r>
+                          <a:rPr lang="it-IT" sz="1200" b="0" i="1" smtClean="0">
+                            <a:latin typeface="Cambria Math" charset="0"/>
+                            <a:ea typeface="Cambria Math" charset="0"/>
+                            <a:cs typeface="Cambria Math" charset="0"/>
+                          </a:rPr>
+                          <m:t>𝑥</m:t>
+                        </m:r>
+                        <m:r>
+                          <a:rPr lang="it-IT" sz="1200" b="0" i="1" smtClean="0">
+                            <a:latin typeface="Cambria Math" charset="0"/>
+                            <a:ea typeface="Cambria Math" charset="0"/>
+                            <a:cs typeface="Cambria Math" charset="0"/>
+                          </a:rPr>
+                          <m:t>!</m:t>
+                        </m:r>
+                      </m:den>
+                    </m:f>
+                    <m:f>
+                      <m:fPr>
+                        <m:ctrlPr>
+                          <a:rPr lang="mr-IN" sz="1200" i="1">
+                            <a:latin typeface="Cambria Math" charset="0"/>
+                            <a:ea typeface="Cambria Math" charset="0"/>
+                            <a:cs typeface="Cambria Math" charset="0"/>
+                          </a:rPr>
+                        </m:ctrlPr>
+                      </m:fPr>
+                      <m:num>
+                        <m:sSup>
+                          <m:sSupPr>
+                            <m:ctrlPr>
+                              <a:rPr lang="en-US" sz="1200" i="1">
+                                <a:latin typeface="Cambria Math" charset="0"/>
+                                <a:ea typeface="Cambria Math" charset="0"/>
+                                <a:cs typeface="Cambria Math" charset="0"/>
+                              </a:rPr>
+                            </m:ctrlPr>
+                          </m:sSupPr>
+                          <m:e>
+                            <m:r>
+                              <a:rPr lang="en-US" sz="1200" i="1" smtClean="0">
+                                <a:latin typeface="Cambria Math" charset="0"/>
+                                <a:ea typeface="Cambria Math" charset="0"/>
+                                <a:cs typeface="Cambria Math" charset="0"/>
+                              </a:rPr>
+                              <m:t>𝜇</m:t>
+                            </m:r>
+                          </m:e>
+                          <m:sup>
+                            <m:r>
+                              <a:rPr lang="it-IT" sz="1200" b="0" i="1" smtClean="0">
+                                <a:latin typeface="Cambria Math" charset="0"/>
+                                <a:ea typeface="Cambria Math" charset="0"/>
+                                <a:cs typeface="Cambria Math" charset="0"/>
+                              </a:rPr>
+                              <m:t>𝑦</m:t>
+                            </m:r>
+                          </m:sup>
+                        </m:sSup>
+                        <m:sSup>
+                          <m:sSupPr>
+                            <m:ctrlPr>
+                              <a:rPr lang="it-IT" sz="1200" i="1">
+                                <a:latin typeface="Cambria Math" charset="0"/>
+                                <a:ea typeface="Cambria Math" charset="0"/>
+                                <a:cs typeface="Cambria Math" charset="0"/>
+                              </a:rPr>
+                            </m:ctrlPr>
+                          </m:sSupPr>
+                          <m:e>
+                            <m:r>
+                              <a:rPr lang="it-IT" sz="1200" i="1">
+                                <a:latin typeface="Cambria Math" charset="0"/>
+                                <a:ea typeface="Cambria Math" charset="0"/>
+                                <a:cs typeface="Cambria Math" charset="0"/>
+                              </a:rPr>
+                              <m:t>𝑒</m:t>
+                            </m:r>
+                          </m:e>
+                          <m:sup>
+                            <m:r>
+                              <a:rPr lang="it-IT" sz="1200" i="1">
+                                <a:latin typeface="Cambria Math" charset="0"/>
+                                <a:ea typeface="Cambria Math" charset="0"/>
+                                <a:cs typeface="Cambria Math" charset="0"/>
+                              </a:rPr>
+                              <m:t>−</m:t>
+                            </m:r>
+                            <m:r>
+                              <a:rPr lang="it-IT" sz="1200" i="1" smtClean="0">
+                                <a:latin typeface="Cambria Math" charset="0"/>
+                                <a:ea typeface="Cambria Math" charset="0"/>
+                                <a:cs typeface="Cambria Math" charset="0"/>
+                              </a:rPr>
+                              <m:t>𝜇</m:t>
+                            </m:r>
+                          </m:sup>
+                        </m:sSup>
+                      </m:num>
+                      <m:den>
+                        <m:r>
+                          <a:rPr lang="it-IT" sz="1200" b="0" i="1" smtClean="0">
+                            <a:latin typeface="Cambria Math" charset="0"/>
+                            <a:ea typeface="Cambria Math" charset="0"/>
+                            <a:cs typeface="Cambria Math" charset="0"/>
+                          </a:rPr>
+                          <m:t>𝑦</m:t>
+                        </m:r>
+                        <m:r>
+                          <a:rPr lang="it-IT" sz="1200" i="1">
+                            <a:latin typeface="Cambria Math" charset="0"/>
+                            <a:ea typeface="Cambria Math" charset="0"/>
+                            <a:cs typeface="Cambria Math" charset="0"/>
+                          </a:rPr>
+                          <m:t>!</m:t>
+                        </m:r>
+                      </m:den>
+                    </m:f>
+                  </m:oMath>
+                </a14:m>
+                <a:endParaRPr lang="en-US" sz="1200" dirty="0" smtClean="0"/>
+              </a:p>
+            </p:txBody>
+          </p:sp>
+        </mc:Choice>
+        <mc:Fallback>
+          <p:sp>
+            <p:nvSpPr>
+              <p:cNvPr id="3" name="Notes Placeholder 2"/>
+              <p:cNvSpPr>
+                <a:spLocks noGrp="1"/>
+              </p:cNvSpPr>
+              <p:nvPr>
+                <p:ph type="body" idx="1"/>
+              </p:nvPr>
+            </p:nvSpPr>
+            <p:spPr/>
+            <p:txBody>
+              <a:bodyPr/>
+              <a:lstStyle/>
+              <a:p>
+                <a:r>
+                  <a:rPr lang="en-US" dirty="0" smtClean="0"/>
+                  <a:t>The basic assumption</a:t>
+                </a:r>
+                <a:r>
+                  <a:rPr lang="en-US" baseline="0" dirty="0" smtClean="0"/>
+                  <a:t> of Maher’s model is that the number of goals scored by the home and way teams in any particular game are independent Poisson variables,</a:t>
+                </a:r>
+              </a:p>
+              <a:p>
+                <a:r>
+                  <a:rPr lang="en-US" baseline="0" dirty="0" smtClean="0"/>
+                  <a:t>Whose means are determined by the respective attack and defense qualities on each side.</a:t>
+                </a:r>
+              </a:p>
+              <a:p>
+                <a:endParaRPr lang="en-US" baseline="0" dirty="0" smtClean="0"/>
+              </a:p>
+              <a:p>
+                <a:pPr marL="0" marR="0" indent="0" algn="l" defTabSz="914400" rtl="0" eaLnBrk="1" fontAlgn="auto" latinLnBrk="0" hangingPunct="1">
+                  <a:lnSpc>
+                    <a:spcPct val="100000"/>
+                  </a:lnSpc>
+                  <a:spcBef>
+                    <a:spcPts val="0"/>
+                  </a:spcBef>
+                  <a:spcAft>
+                    <a:spcPts val="0"/>
+                  </a:spcAft>
+                  <a:buClrTx/>
+                  <a:buSzTx/>
+                  <a:buFontTx/>
+                  <a:buNone/>
+                  <a:tabLst/>
+                  <a:defRPr/>
+                </a:pPr>
+                <a:r>
+                  <a:rPr lang="en-US" sz="1200" dirty="0" smtClean="0"/>
+                  <a:t>Pr</a:t>
+                </a:r>
+                <a:r>
+                  <a:rPr lang="en-US" sz="1200" dirty="0" smtClean="0"/>
+                  <a:t>(</a:t>
+                </a:r>
+                <a:r>
+                  <a:rPr lang="it-IT" sz="1200" i="0">
+                    <a:latin typeface="Cambria Math" charset="0"/>
+                  </a:rPr>
+                  <a:t>𝑋</a:t>
+                </a:r>
+                <a:r>
+                  <a:rPr lang="en-US" sz="1200" i="0">
+                    <a:latin typeface="Cambria Math" charset="0"/>
+                  </a:rPr>
+                  <a:t>_(</a:t>
+                </a:r>
+                <a:r>
+                  <a:rPr lang="it-IT" sz="1200" i="0">
+                    <a:latin typeface="Cambria Math" charset="0"/>
+                  </a:rPr>
+                  <a:t>𝑖,𝑗</a:t>
+                </a:r>
+                <a:r>
+                  <a:rPr lang="en-US" sz="1200" i="0">
+                    <a:latin typeface="Cambria Math" charset="0"/>
+                  </a:rPr>
+                  <a:t>)</a:t>
+                </a:r>
+                <a:r>
+                  <a:rPr lang="en-US" sz="1200" dirty="0" smtClean="0"/>
+                  <a:t>=x, </a:t>
+                </a:r>
+                <a:r>
+                  <a:rPr lang="it-IT" sz="1200" i="0">
+                    <a:latin typeface="Cambria Math" charset="0"/>
+                  </a:rPr>
+                  <a:t>𝑌</a:t>
+                </a:r>
+                <a:r>
+                  <a:rPr lang="en-US" sz="1200" i="0">
+                    <a:latin typeface="Cambria Math" charset="0"/>
+                  </a:rPr>
+                  <a:t>_(</a:t>
+                </a:r>
+                <a:r>
+                  <a:rPr lang="it-IT" sz="1200" i="0">
+                    <a:latin typeface="Cambria Math" charset="0"/>
+                  </a:rPr>
+                  <a:t>𝑖,𝑗</a:t>
+                </a:r>
+                <a:r>
+                  <a:rPr lang="en-US" sz="1200" i="0">
+                    <a:latin typeface="Cambria Math" charset="0"/>
+                  </a:rPr>
+                  <a:t>)</a:t>
+                </a:r>
+                <a:r>
+                  <a:rPr lang="en-US" sz="1200" dirty="0" smtClean="0"/>
+                  <a:t>=y)= </a:t>
+                </a:r>
+                <a:r>
+                  <a:rPr lang="mr-IN" sz="1200" i="0" smtClean="0">
+                    <a:latin typeface="Cambria Math" charset="0"/>
+                    <a:ea typeface="Cambria Math" charset="0"/>
+                    <a:cs typeface="Cambria Math" charset="0"/>
+                  </a:rPr>
+                  <a:t>(</a:t>
+                </a:r>
+                <a:r>
+                  <a:rPr lang="en-US" sz="1200" i="0">
+                    <a:latin typeface="Cambria Math" charset="0"/>
+                    <a:ea typeface="Cambria Math" charset="0"/>
+                    <a:cs typeface="Cambria Math" charset="0"/>
+                  </a:rPr>
+                  <a:t>𝜆^</a:t>
+                </a:r>
+                <a:r>
+                  <a:rPr lang="it-IT" sz="1200" i="0">
+                    <a:latin typeface="Cambria Math" charset="0"/>
+                    <a:ea typeface="Cambria Math" charset="0"/>
+                    <a:cs typeface="Cambria Math" charset="0"/>
+                  </a:rPr>
+                  <a:t>𝑥 𝑒^(−</a:t>
+                </a:r>
+                <a:r>
+                  <a:rPr lang="mr-IN" sz="1200" i="0">
+                    <a:latin typeface="Cambria Math" charset="0"/>
+                    <a:ea typeface="Cambria Math" charset="0"/>
+                    <a:cs typeface="Cambria Math" charset="0"/>
+                  </a:rPr>
+                  <a:t>𝜆</a:t>
+                </a:r>
+                <a:r>
+                  <a:rPr lang="it-IT" sz="1200" i="0">
+                    <a:latin typeface="Cambria Math" charset="0"/>
+                    <a:ea typeface="Cambria Math" charset="0"/>
+                    <a:cs typeface="Cambria Math" charset="0"/>
+                  </a:rPr>
+                  <a:t>)</a:t>
+                </a:r>
+                <a:r>
+                  <a:rPr lang="mr-IN" sz="1200" i="0" smtClean="0">
+                    <a:latin typeface="Cambria Math" charset="0"/>
+                    <a:ea typeface="Cambria Math" charset="0"/>
+                    <a:cs typeface="Cambria Math" charset="0"/>
+                  </a:rPr>
+                  <a:t>)/</a:t>
+                </a:r>
+                <a:r>
+                  <a:rPr lang="it-IT" sz="1200" b="0" i="0" smtClean="0">
+                    <a:latin typeface="Cambria Math" charset="0"/>
+                    <a:ea typeface="Cambria Math" charset="0"/>
+                    <a:cs typeface="Cambria Math" charset="0"/>
+                  </a:rPr>
+                  <a:t>𝑥!</a:t>
+                </a:r>
+                <a:r>
+                  <a:rPr lang="mr-IN" sz="1200" b="0" i="0">
+                    <a:latin typeface="Cambria Math" charset="0"/>
+                    <a:ea typeface="Cambria Math" charset="0"/>
+                    <a:cs typeface="Cambria Math" charset="0"/>
+                  </a:rPr>
+                  <a:t> </a:t>
+                </a:r>
+                <a:r>
+                  <a:rPr lang="en-US" sz="1200" i="0">
+                    <a:latin typeface="Cambria Math" charset="0"/>
+                    <a:ea typeface="Cambria Math" charset="0"/>
+                    <a:cs typeface="Cambria Math" charset="0"/>
+                  </a:rPr>
+                  <a:t> </a:t>
+                </a:r>
+                <a:r>
+                  <a:rPr lang="mr-IN" sz="1200" i="0">
+                    <a:latin typeface="Cambria Math" charset="0"/>
+                    <a:ea typeface="Cambria Math" charset="0"/>
+                    <a:cs typeface="Cambria Math" charset="0"/>
+                  </a:rPr>
+                  <a:t>(</a:t>
+                </a:r>
+                <a:r>
+                  <a:rPr lang="en-US" sz="1200" i="0" smtClean="0">
+                    <a:latin typeface="Cambria Math" charset="0"/>
+                    <a:ea typeface="Cambria Math" charset="0"/>
+                    <a:cs typeface="Cambria Math" charset="0"/>
+                  </a:rPr>
+                  <a:t>𝜇</a:t>
+                </a:r>
+                <a:r>
+                  <a:rPr lang="en-US" sz="1200" i="0">
+                    <a:latin typeface="Cambria Math" charset="0"/>
+                    <a:ea typeface="Cambria Math" charset="0"/>
+                    <a:cs typeface="Cambria Math" charset="0"/>
+                  </a:rPr>
+                  <a:t>^</a:t>
+                </a:r>
+                <a:r>
+                  <a:rPr lang="it-IT" sz="1200" b="0" i="0" smtClean="0">
+                    <a:latin typeface="Cambria Math" charset="0"/>
+                    <a:ea typeface="Cambria Math" charset="0"/>
+                    <a:cs typeface="Cambria Math" charset="0"/>
+                  </a:rPr>
+                  <a:t>𝑦</a:t>
+                </a:r>
+                <a:r>
+                  <a:rPr lang="it-IT" sz="1200" b="0" i="0">
+                    <a:latin typeface="Cambria Math" charset="0"/>
+                    <a:ea typeface="Cambria Math" charset="0"/>
+                    <a:cs typeface="Cambria Math" charset="0"/>
+                  </a:rPr>
+                  <a:t> </a:t>
+                </a:r>
+                <a:r>
+                  <a:rPr lang="it-IT" sz="1200" i="0">
+                    <a:latin typeface="Cambria Math" charset="0"/>
+                    <a:ea typeface="Cambria Math" charset="0"/>
+                    <a:cs typeface="Cambria Math" charset="0"/>
+                  </a:rPr>
+                  <a:t>𝑒^(−</a:t>
+                </a:r>
+                <a:r>
+                  <a:rPr lang="it-IT" sz="1200" i="0" smtClean="0">
+                    <a:latin typeface="Cambria Math" charset="0"/>
+                    <a:ea typeface="Cambria Math" charset="0"/>
+                    <a:cs typeface="Cambria Math" charset="0"/>
+                  </a:rPr>
+                  <a:t>𝜇</a:t>
+                </a:r>
+                <a:r>
+                  <a:rPr lang="it-IT" sz="1200" i="0">
+                    <a:latin typeface="Cambria Math" charset="0"/>
+                    <a:ea typeface="Cambria Math" charset="0"/>
+                    <a:cs typeface="Cambria Math" charset="0"/>
+                  </a:rPr>
+                  <a:t>)</a:t>
+                </a:r>
+                <a:r>
+                  <a:rPr lang="mr-IN" sz="1200" i="0">
+                    <a:latin typeface="Cambria Math" charset="0"/>
+                    <a:ea typeface="Cambria Math" charset="0"/>
+                    <a:cs typeface="Cambria Math" charset="0"/>
+                  </a:rPr>
+                  <a:t>)/</a:t>
+                </a:r>
+                <a:r>
+                  <a:rPr lang="it-IT" sz="1200" b="0" i="0" smtClean="0">
+                    <a:latin typeface="Cambria Math" charset="0"/>
+                    <a:ea typeface="Cambria Math" charset="0"/>
+                    <a:cs typeface="Cambria Math" charset="0"/>
+                  </a:rPr>
+                  <a:t>𝑦</a:t>
+                </a:r>
+                <a:r>
+                  <a:rPr lang="it-IT" sz="1200" i="0">
+                    <a:latin typeface="Cambria Math" charset="0"/>
+                    <a:ea typeface="Cambria Math" charset="0"/>
+                    <a:cs typeface="Cambria Math" charset="0"/>
+                  </a:rPr>
+                  <a:t>!</a:t>
+                </a:r>
+                <a:endParaRPr lang="en-US" sz="1200" dirty="0" smtClean="0"/>
+              </a:p>
+            </p:txBody>
+          </p:sp>
+        </mc:Fallback>
+      </mc:AlternateContent>
+      <p:sp>
+        <p:nvSpPr>
+          <p:cNvPr id="4" name="Slide Number Placeholder 3"/>
+          <p:cNvSpPr>
+            <a:spLocks noGrp="1"/>
+          </p:cNvSpPr>
+          <p:nvPr>
+            <p:ph type="sldNum" sz="quarter" idx="10"/>
+          </p:nvPr>
+        </p:nvSpPr>
+        <p:spPr/>
+        <p:txBody>
+          <a:bodyPr/>
+          <a:lstStyle/>
+          <a:p>
+            <a:fld id="{E6C22B83-ABD6-0F43-B818-DC95DF684F80}" type="slidenum">
+              <a:rPr lang="en-US" smtClean="0"/>
+              <a:t>13</a:t>
+            </a:fld>
+            <a:endParaRPr lang="en-US"/>
+          </a:p>
+        </p:txBody>
+      </p:sp>
+    </p:spTree>
+    <p:extLst>
+      <p:ext uri="{BB962C8B-B14F-4D97-AF65-F5344CB8AC3E}">
+        <p14:creationId xmlns:p14="http://schemas.microsoft.com/office/powerpoint/2010/main" val="672544285"/>
+      </p:ext>
+    </p:extLst>
+  </p:cSld>
+  <p:clrMapOvr>
+    <a:masterClrMapping/>
+  </p:clrMapOvr>
+</p:notes>
+</file>
+
 <file path=ppt/slideLayouts/slideLayout1.xml><?xml version="1.0" encoding="utf-8"?>
 <p:sldLayout xmlns:a="http://schemas.openxmlformats.org/drawingml/2006/main" xmlns:r="http://schemas.openxmlformats.org/officeDocument/2006/relationships" xmlns:p="http://schemas.openxmlformats.org/presentationml/2006/main" type="title" preserve="1">
   <p:cSld name="Title Slide">
@@ -12683,7 +15630,7 @@
           <a:p>
             <a:fld id="{E244C58A-5871-1749-BADD-ABDAF70FC583}" type="datetimeFigureOut">
               <a:rPr lang="en-US" smtClean="0"/>
-              <a:t>3/17/17</a:t>
+              <a:t>3/20/17</a:t>
             </a:fld>
             <a:endParaRPr lang="en-US"/>
           </a:p>
@@ -12945,7 +15892,7 @@
           <a:p>
             <a:fld id="{E244C58A-5871-1749-BADD-ABDAF70FC583}" type="datetimeFigureOut">
               <a:rPr lang="en-US" smtClean="0"/>
-              <a:t>3/17/17</a:t>
+              <a:t>3/20/17</a:t>
             </a:fld>
             <a:endParaRPr lang="en-US"/>
           </a:p>
@@ -13171,7 +16118,7 @@
           <a:p>
             <a:fld id="{E244C58A-5871-1749-BADD-ABDAF70FC583}" type="datetimeFigureOut">
               <a:rPr lang="en-US" smtClean="0"/>
-              <a:t>3/17/17</a:t>
+              <a:t>3/20/17</a:t>
             </a:fld>
             <a:endParaRPr lang="en-US"/>
           </a:p>
@@ -13476,7 +16423,7 @@
           <a:p>
             <a:fld id="{E244C58A-5871-1749-BADD-ABDAF70FC583}" type="datetimeFigureOut">
               <a:rPr lang="en-US" smtClean="0"/>
-              <a:t>3/17/17</a:t>
+              <a:t>3/20/17</a:t>
             </a:fld>
             <a:endParaRPr lang="en-US"/>
           </a:p>
@@ -13944,7 +16891,7 @@
           <a:p>
             <a:fld id="{E244C58A-5871-1749-BADD-ABDAF70FC583}" type="datetimeFigureOut">
               <a:rPr lang="en-US" smtClean="0"/>
-              <a:t>3/17/17</a:t>
+              <a:t>3/20/17</a:t>
             </a:fld>
             <a:endParaRPr lang="en-US"/>
           </a:p>
@@ -14486,7 +17433,7 @@
           <a:p>
             <a:fld id="{E244C58A-5871-1749-BADD-ABDAF70FC583}" type="datetimeFigureOut">
               <a:rPr lang="en-US" smtClean="0"/>
-              <a:t>3/17/17</a:t>
+              <a:t>3/20/17</a:t>
             </a:fld>
             <a:endParaRPr lang="en-US"/>
           </a:p>
@@ -15255,7 +18202,7 @@
           <a:p>
             <a:fld id="{E244C58A-5871-1749-BADD-ABDAF70FC583}" type="datetimeFigureOut">
               <a:rPr lang="en-US" smtClean="0"/>
-              <a:t>3/17/17</a:t>
+              <a:t>3/20/17</a:t>
             </a:fld>
             <a:endParaRPr lang="en-US"/>
           </a:p>
@@ -15425,7 +18372,7 @@
           <a:p>
             <a:fld id="{E244C58A-5871-1749-BADD-ABDAF70FC583}" type="datetimeFigureOut">
               <a:rPr lang="en-US" smtClean="0"/>
-              <a:t>3/17/17</a:t>
+              <a:t>3/20/17</a:t>
             </a:fld>
             <a:endParaRPr lang="en-US"/>
           </a:p>
@@ -15643,7 +18590,7 @@
           <a:p>
             <a:fld id="{E244C58A-5871-1749-BADD-ABDAF70FC583}" type="datetimeFigureOut">
               <a:rPr lang="en-US" smtClean="0"/>
-              <a:t>3/17/17</a:t>
+              <a:t>3/20/17</a:t>
             </a:fld>
             <a:endParaRPr lang="en-US"/>
           </a:p>
@@ -15818,7 +18765,7 @@
           <a:p>
             <a:fld id="{E244C58A-5871-1749-BADD-ABDAF70FC583}" type="datetimeFigureOut">
               <a:rPr lang="en-US" smtClean="0"/>
-              <a:t>3/17/17</a:t>
+              <a:t>3/20/17</a:t>
             </a:fld>
             <a:endParaRPr lang="en-US"/>
           </a:p>
@@ -16102,7 +19049,7 @@
           <a:p>
             <a:fld id="{E244C58A-5871-1749-BADD-ABDAF70FC583}" type="datetimeFigureOut">
               <a:rPr lang="en-US" smtClean="0"/>
-              <a:t>3/17/17</a:t>
+              <a:t>3/20/17</a:t>
             </a:fld>
             <a:endParaRPr lang="en-US"/>
           </a:p>
@@ -16339,7 +19286,7 @@
           <a:p>
             <a:fld id="{E244C58A-5871-1749-BADD-ABDAF70FC583}" type="datetimeFigureOut">
               <a:rPr lang="en-US" smtClean="0"/>
-              <a:t>3/17/17</a:t>
+              <a:t>3/20/17</a:t>
             </a:fld>
             <a:endParaRPr lang="en-US"/>
           </a:p>
@@ -16713,7 +19660,7 @@
           <a:p>
             <a:fld id="{E244C58A-5871-1749-BADD-ABDAF70FC583}" type="datetimeFigureOut">
               <a:rPr lang="en-US" smtClean="0"/>
-              <a:t>3/17/17</a:t>
+              <a:t>3/20/17</a:t>
             </a:fld>
             <a:endParaRPr lang="en-US"/>
           </a:p>
@@ -16826,7 +19773,7 @@
           <a:p>
             <a:fld id="{E244C58A-5871-1749-BADD-ABDAF70FC583}" type="datetimeFigureOut">
               <a:rPr lang="en-US" smtClean="0"/>
-              <a:t>3/17/17</a:t>
+              <a:t>3/20/17</a:t>
             </a:fld>
             <a:endParaRPr lang="en-US"/>
           </a:p>
@@ -16916,7 +19863,7 @@
           <a:p>
             <a:fld id="{E244C58A-5871-1749-BADD-ABDAF70FC583}" type="datetimeFigureOut">
               <a:rPr lang="en-US" smtClean="0"/>
-              <a:t>3/17/17</a:t>
+              <a:t>3/20/17</a:t>
             </a:fld>
             <a:endParaRPr lang="en-US"/>
           </a:p>
@@ -17160,7 +20107,7 @@
           <a:p>
             <a:fld id="{E244C58A-5871-1749-BADD-ABDAF70FC583}" type="datetimeFigureOut">
               <a:rPr lang="en-US" smtClean="0"/>
-              <a:t>3/17/17</a:t>
+              <a:t>3/20/17</a:t>
             </a:fld>
             <a:endParaRPr lang="en-US"/>
           </a:p>
@@ -17412,7 +20359,7 @@
           <a:p>
             <a:fld id="{E244C58A-5871-1749-BADD-ABDAF70FC583}" type="datetimeFigureOut">
               <a:rPr lang="en-US" smtClean="0"/>
-              <a:t>3/17/17</a:t>
+              <a:t>3/20/17</a:t>
             </a:fld>
             <a:endParaRPr lang="en-US"/>
           </a:p>
@@ -17650,7 +20597,7 @@
           <a:p>
             <a:fld id="{E244C58A-5871-1749-BADD-ABDAF70FC583}" type="datetimeFigureOut">
               <a:rPr lang="en-US" smtClean="0"/>
-              <a:t>3/17/17</a:t>
+              <a:t>3/20/17</a:t>
             </a:fld>
             <a:endParaRPr lang="en-US"/>
           </a:p>
@@ -18152,6 +21099,10 @@
           <a:bodyPr/>
           <a:lstStyle/>
           <a:p>
+            <a:r>
+              <a:rPr lang="en-US" smtClean="0"/>
+              <a:t>Overcome difficulties</a:t>
+            </a:r>
             <a:endParaRPr lang="en-US" dirty="0"/>
           </a:p>
         </p:txBody>
@@ -18420,7 +21371,7 @@
             </a:r>
             <a:r>
               <a:rPr lang="en-US" dirty="0" smtClean="0"/>
-              <a:t>	</a:t>
+              <a:t>The Most precise	</a:t>
             </a:r>
             <a:endParaRPr lang="en-US" dirty="0"/>
           </a:p>
@@ -18443,19 +21394,21 @@
           <a:p>
             <a:r>
               <a:rPr lang="en-US" dirty="0" smtClean="0"/>
-              <a:t>Input: “Team Form”, Representation: 3, </a:t>
-            </a:r>
-            <a:r>
-              <a:rPr lang="en-US" dirty="0" err="1" smtClean="0"/>
-              <a:t>Sklearn</a:t>
-            </a:r>
+              <a:t>Input: “Team Form”, Representation: 3</a:t>
+            </a:r>
+          </a:p>
+          <a:p>
+            <a:pPr lvl="1"/>
             <a:r>
               <a:rPr lang="en-US" dirty="0" smtClean="0"/>
-              <a:t> SVM</a:t>
-            </a:r>
-          </a:p>
-          <a:p>
-            <a:pPr lvl="1"/>
+              <a:t>Home vs Away </a:t>
+            </a:r>
+            <a:r>
+              <a:rPr lang="en-US" dirty="0" smtClean="0">
+                <a:sym typeface="Wingdings"/>
+              </a:rPr>
+              <a:t> </a:t>
+            </a:r>
             <a:r>
               <a:rPr lang="en-US" dirty="0" smtClean="0"/>
               <a:t>[</a:t>
@@ -18515,20 +21468,123 @@
               <a:rPr lang="en-US" dirty="0" smtClean="0"/>
               <a:t> matches</a:t>
             </a:r>
+          </a:p>
+          <a:p>
+            <a:pPr lvl="1"/>
             <a:endParaRPr lang="en-US" dirty="0"/>
           </a:p>
           <a:p>
+            <a:r>
+              <a:rPr lang="en-US" dirty="0"/>
+              <a:t>Algorithm: </a:t>
+            </a:r>
+            <a:r>
+              <a:rPr lang="en-US" dirty="0" err="1"/>
+              <a:t>Sklearn</a:t>
+            </a:r>
+            <a:r>
+              <a:rPr lang="en-US" dirty="0"/>
+              <a:t> </a:t>
+            </a:r>
+            <a:r>
+              <a:rPr lang="en-US" dirty="0" smtClean="0"/>
+              <a:t>SVM (</a:t>
+            </a:r>
+            <a:r>
+              <a:rPr lang="en-US" dirty="0" err="1" smtClean="0"/>
+              <a:t>rbf</a:t>
+            </a:r>
+            <a:r>
+              <a:rPr lang="en-US" dirty="0" smtClean="0"/>
+              <a:t> Kernel)</a:t>
+            </a:r>
+          </a:p>
+          <a:p>
+            <a:pPr lvl="1"/>
+            <a:r>
+              <a:rPr lang="en-US" dirty="0" smtClean="0"/>
+              <a:t>Grid search of </a:t>
+            </a:r>
+            <a:r>
+              <a:rPr lang="en-US" u="sng" dirty="0" smtClean="0"/>
+              <a:t>C</a:t>
+            </a:r>
+            <a:r>
+              <a:rPr lang="en-US" dirty="0" smtClean="0"/>
+              <a:t> and </a:t>
+            </a:r>
+            <a:r>
+              <a:rPr lang="en-US" u="sng" dirty="0" smtClean="0"/>
+              <a:t>gamma</a:t>
+            </a:r>
+            <a:endParaRPr lang="en-US" dirty="0" smtClean="0"/>
+          </a:p>
+          <a:p>
+            <a:pPr lvl="1"/>
             <a:endParaRPr lang="en-US" dirty="0"/>
           </a:p>
           <a:p>
             <a:r>
               <a:rPr lang="en-US" dirty="0" smtClean="0"/>
-              <a:t>Input: “Team strength”, Poisson</a:t>
-            </a:r>
+              <a:t>Precision: 48,9%</a:t>
+            </a:r>
+          </a:p>
+          <a:p>
+            <a:r>
+              <a:rPr lang="en-US" dirty="0" smtClean="0"/>
+              <a:t>Secs per Match: 0,993 secs</a:t>
+            </a:r>
+          </a:p>
+          <a:p>
+            <a:endParaRPr lang="en-US" dirty="0"/>
+          </a:p>
+          <a:p>
+            <a:pPr lvl="1"/>
+            <a:endParaRPr lang="en-US" dirty="0" smtClean="0"/>
+          </a:p>
+          <a:p>
+            <a:pPr lvl="1"/>
+            <a:endParaRPr lang="en-US" dirty="0"/>
+          </a:p>
+          <a:p>
+            <a:pPr lvl="1"/>
+            <a:endParaRPr lang="en-US" dirty="0"/>
+          </a:p>
+          <a:p>
             <a:endParaRPr lang="en-US" dirty="0"/>
           </a:p>
         </p:txBody>
       </p:sp>
+      <p:pic>
+        <p:nvPicPr>
+          <p:cNvPr id="5" name="Picture 4"/>
+          <p:cNvPicPr>
+            <a:picLocks noChangeAspect="1"/>
+          </p:cNvPicPr>
+          <p:nvPr/>
+        </p:nvPicPr>
+        <p:blipFill>
+          <a:blip r:embed="rId3">
+            <a:extLst>
+              <a:ext uri="{28A0092B-C50C-407E-A947-70E740481C1C}">
+                <a14:useLocalDpi xmlns:a14="http://schemas.microsoft.com/office/drawing/2010/main" val="0"/>
+              </a:ext>
+            </a:extLst>
+          </a:blip>
+          <a:stretch>
+            <a:fillRect/>
+          </a:stretch>
+        </p:blipFill>
+        <p:spPr>
+          <a:xfrm>
+            <a:off x="7842668" y="3299591"/>
+            <a:ext cx="3663532" cy="2824481"/>
+          </a:xfrm>
+          <a:prstGeom prst="rect">
+            <a:avLst/>
+          </a:prstGeom>
+        </p:spPr>
+      </p:pic>
     </p:spTree>
     <p:extLst>
       <p:ext uri="{BB962C8B-B14F-4D97-AF65-F5344CB8AC3E}">
@@ -18550,6 +21606,641 @@
 </file>
 
 <file path=ppt/slides/slide13.xml><?xml version="1.0" encoding="utf-8"?>
+<p:sld xmlns:a="http://schemas.openxmlformats.org/drawingml/2006/main" xmlns:r="http://schemas.openxmlformats.org/officeDocument/2006/relationships" xmlns:p="http://schemas.openxmlformats.org/presentationml/2006/main">
+  <p:cSld>
+    <p:spTree>
+      <p:nvGrpSpPr>
+        <p:cNvPr id="1" name=""/>
+        <p:cNvGrpSpPr/>
+        <p:nvPr/>
+      </p:nvGrpSpPr>
+      <p:grpSpPr>
+        <a:xfrm>
+          <a:off x="0" y="0"/>
+          <a:ext cx="0" cy="0"/>
+          <a:chOff x="0" y="0"/>
+          <a:chExt cx="0" cy="0"/>
+        </a:xfrm>
+      </p:grpSpPr>
+      <p:sp>
+        <p:nvSpPr>
+          <p:cNvPr id="2" name="Title 1"/>
+          <p:cNvSpPr>
+            <a:spLocks noGrp="1"/>
+          </p:cNvSpPr>
+          <p:nvPr>
+            <p:ph type="title"/>
+          </p:nvPr>
+        </p:nvSpPr>
+        <p:spPr>
+          <a:xfrm>
+            <a:off x="3015916" y="639315"/>
+            <a:ext cx="8610600" cy="1293028"/>
+          </a:xfrm>
+        </p:spPr>
+        <p:txBody>
+          <a:bodyPr/>
+          <a:lstStyle/>
+          <a:p>
+            <a:r>
+              <a:rPr lang="en-US" dirty="0" smtClean="0"/>
+              <a:t>The </a:t>
+            </a:r>
+            <a:r>
+              <a:rPr lang="en-US" dirty="0" smtClean="0"/>
+              <a:t>fastest</a:t>
+            </a:r>
+            <a:endParaRPr lang="en-US" dirty="0"/>
+          </a:p>
+        </p:txBody>
+      </p:sp>
+      <mc:AlternateContent xmlns:mc="http://schemas.openxmlformats.org/markup-compatibility/2006">
+        <mc:Choice xmlns:a14="http://schemas.microsoft.com/office/drawing/2010/main" Requires="a14">
+          <p:sp>
+            <p:nvSpPr>
+              <p:cNvPr id="3" name="Content Placeholder 2"/>
+              <p:cNvSpPr>
+                <a:spLocks noGrp="1"/>
+              </p:cNvSpPr>
+              <p:nvPr>
+                <p:ph idx="1"/>
+              </p:nvPr>
+            </p:nvSpPr>
+            <p:spPr>
+              <a:xfrm>
+                <a:off x="228600" y="2194560"/>
+                <a:ext cx="7092616" cy="4567187"/>
+              </a:xfrm>
+            </p:spPr>
+            <p:txBody>
+              <a:bodyPr>
+                <a:normAutofit lnSpcReduction="10000"/>
+              </a:bodyPr>
+              <a:lstStyle/>
+              <a:p>
+                <a:r>
+                  <a:rPr lang="en-US" sz="1800" dirty="0" smtClean="0"/>
+                  <a:t>Input: “Team strength”, Poisson (Maher’s model)</a:t>
+                </a:r>
+                <a:endParaRPr lang="en-US" sz="1800" dirty="0"/>
+              </a:p>
+              <a:p>
+                <a:r>
+                  <a:rPr lang="en-US" sz="1800" dirty="0" err="1" smtClean="0"/>
+                  <a:t>Serie</a:t>
+                </a:r>
+                <a:r>
+                  <a:rPr lang="en-US" sz="1800" dirty="0" smtClean="0"/>
+                  <a:t> A (2015/2016):</a:t>
+                </a:r>
+                <a:r>
+                  <a:rPr lang="en-US" sz="1800" dirty="0"/>
+                  <a:t> </a:t>
+                </a:r>
+                <a:endParaRPr lang="en-US" sz="1800" dirty="0" smtClean="0"/>
+              </a:p>
+              <a:p>
+                <a:pPr lvl="1"/>
+                <a:r>
+                  <a:rPr lang="en-US" sz="1800" dirty="0" err="1" smtClean="0"/>
+                  <a:t>avg_home_goal</a:t>
+                </a:r>
+                <a:r>
+                  <a:rPr lang="en-US" sz="1800" dirty="0" smtClean="0"/>
+                  <a:t> = 1,47</a:t>
+                </a:r>
+              </a:p>
+              <a:p>
+                <a:pPr lvl="1"/>
+                <a:r>
+                  <a:rPr lang="en-US" sz="1800" dirty="0" err="1"/>
+                  <a:t>a</a:t>
+                </a:r>
+                <a:r>
+                  <a:rPr lang="en-US" sz="1800" dirty="0" err="1" smtClean="0"/>
+                  <a:t>vg_away_goal</a:t>
+                </a:r>
+                <a:r>
+                  <a:rPr lang="en-US" sz="1800" dirty="0" smtClean="0"/>
+                  <a:t> = 1,10</a:t>
+                </a:r>
+              </a:p>
+              <a:p>
+                <a:pPr lvl="1"/>
+                <a:endParaRPr lang="en-US" sz="1800" dirty="0"/>
+              </a:p>
+              <a:p>
+                <a:r>
+                  <a:rPr lang="en-US" sz="1800" dirty="0" smtClean="0"/>
+                  <a:t>Team-</a:t>
+                </a:r>
+                <a:r>
+                  <a:rPr lang="en-US" sz="1800" dirty="0" err="1" smtClean="0"/>
+                  <a:t>i</a:t>
+                </a:r>
+                <a:r>
+                  <a:rPr lang="en-US" sz="1800" dirty="0" smtClean="0"/>
+                  <a:t> vs Team-j:</a:t>
+                </a:r>
+              </a:p>
+              <a:p>
+                <a:pPr lvl="1"/>
+                <a14:m>
+                  <m:oMath xmlns:m="http://schemas.openxmlformats.org/officeDocument/2006/math">
+                    <m:sSub>
+                      <m:sSubPr>
+                        <m:ctrlPr>
+                          <a:rPr lang="en-US" sz="1800" b="0" i="1" smtClean="0">
+                            <a:latin typeface="Cambria Math" charset="0"/>
+                          </a:rPr>
+                        </m:ctrlPr>
+                      </m:sSubPr>
+                      <m:e>
+                        <m:r>
+                          <a:rPr lang="it-IT" sz="1800" b="0" i="1" smtClean="0">
+                            <a:latin typeface="Cambria Math" charset="0"/>
+                          </a:rPr>
+                          <m:t>𝑋</m:t>
+                        </m:r>
+                      </m:e>
+                      <m:sub>
+                        <m:r>
+                          <a:rPr lang="it-IT" sz="1800" b="0" i="1" smtClean="0">
+                            <a:latin typeface="Cambria Math" charset="0"/>
+                          </a:rPr>
+                          <m:t>𝑖</m:t>
+                        </m:r>
+                        <m:r>
+                          <a:rPr lang="it-IT" sz="1800" b="0" i="1" smtClean="0">
+                            <a:latin typeface="Cambria Math" charset="0"/>
+                          </a:rPr>
+                          <m:t>,</m:t>
+                        </m:r>
+                        <m:r>
+                          <a:rPr lang="it-IT" sz="1800" b="0" i="1" smtClean="0">
+                            <a:latin typeface="Cambria Math" charset="0"/>
+                          </a:rPr>
+                          <m:t>𝑗</m:t>
+                        </m:r>
+                      </m:sub>
+                    </m:sSub>
+                    <m:r>
+                      <a:rPr lang="en-US" sz="1800" b="0" i="1" smtClean="0">
+                        <a:latin typeface="Cambria Math" charset="0"/>
+                        <a:ea typeface="Cambria Math" charset="0"/>
+                        <a:cs typeface="Cambria Math" charset="0"/>
+                      </a:rPr>
+                      <m:t>~</m:t>
+                    </m:r>
+                    <m:r>
+                      <a:rPr lang="it-IT" sz="1800" b="0" i="1" smtClean="0">
+                        <a:latin typeface="Cambria Math" charset="0"/>
+                        <a:ea typeface="Cambria Math" charset="0"/>
+                        <a:cs typeface="Cambria Math" charset="0"/>
+                      </a:rPr>
+                      <m:t>𝑃</m:t>
+                    </m:r>
+                    <m:r>
+                      <a:rPr lang="it-IT" sz="1800" b="0" i="1" smtClean="0">
+                        <a:latin typeface="Cambria Math" charset="0"/>
+                        <a:ea typeface="Cambria Math" charset="0"/>
+                        <a:cs typeface="Cambria Math" charset="0"/>
+                      </a:rPr>
+                      <m:t>(</m:t>
+                    </m:r>
+                    <m:sSub>
+                      <m:sSubPr>
+                        <m:ctrlPr>
+                          <a:rPr lang="en-US" sz="1800" b="0" i="1" smtClean="0">
+                            <a:latin typeface="Cambria Math" charset="0"/>
+                            <a:ea typeface="Cambria Math" charset="0"/>
+                            <a:cs typeface="Cambria Math" charset="0"/>
+                          </a:rPr>
+                        </m:ctrlPr>
+                      </m:sSubPr>
+                      <m:e>
+                        <m:r>
+                          <a:rPr lang="it-IT" sz="1800" i="1">
+                            <a:latin typeface="Cambria Math" charset="0"/>
+                            <a:ea typeface="Cambria Math" charset="0"/>
+                            <a:cs typeface="Cambria Math" charset="0"/>
+                          </a:rPr>
+                          <m:t>𝛼</m:t>
+                        </m:r>
+                      </m:e>
+                      <m:sub>
+                        <m:r>
+                          <a:rPr lang="it-IT" sz="1800" b="0" i="1" smtClean="0">
+                            <a:latin typeface="Cambria Math" charset="0"/>
+                            <a:ea typeface="Cambria Math" charset="0"/>
+                            <a:cs typeface="Cambria Math" charset="0"/>
+                          </a:rPr>
+                          <m:t>𝑖</m:t>
+                        </m:r>
+                      </m:sub>
+                    </m:sSub>
+                    <m:sSub>
+                      <m:sSubPr>
+                        <m:ctrlPr>
+                          <a:rPr lang="en-US" sz="1800" i="1">
+                            <a:latin typeface="Cambria Math" charset="0"/>
+                            <a:ea typeface="Cambria Math" charset="0"/>
+                            <a:cs typeface="Cambria Math" charset="0"/>
+                          </a:rPr>
+                        </m:ctrlPr>
+                      </m:sSubPr>
+                      <m:e>
+                        <m:r>
+                          <a:rPr lang="en-US" sz="1800" i="1" smtClean="0">
+                            <a:latin typeface="Cambria Math" charset="0"/>
+                            <a:ea typeface="Cambria Math" charset="0"/>
+                            <a:cs typeface="Cambria Math" charset="0"/>
+                          </a:rPr>
+                          <m:t>𝛽</m:t>
+                        </m:r>
+                      </m:e>
+                      <m:sub>
+                        <m:r>
+                          <a:rPr lang="it-IT" sz="1800" b="0" i="1" smtClean="0">
+                            <a:latin typeface="Cambria Math" charset="0"/>
+                            <a:ea typeface="Cambria Math" charset="0"/>
+                            <a:cs typeface="Cambria Math" charset="0"/>
+                          </a:rPr>
+                          <m:t>𝑗</m:t>
+                        </m:r>
+                      </m:sub>
+                    </m:sSub>
+                    <m:r>
+                      <a:rPr lang="it-IT" sz="1800" b="0" i="1" smtClean="0">
+                        <a:latin typeface="Cambria Math" charset="0"/>
+                        <a:ea typeface="Cambria Math" charset="0"/>
+                        <a:cs typeface="Cambria Math" charset="0"/>
+                      </a:rPr>
+                      <m:t>)</m:t>
+                    </m:r>
+                  </m:oMath>
+                </a14:m>
+                <a:r>
+                  <a:rPr lang="en-US" sz="1800" dirty="0" smtClean="0"/>
+                  <a:t>: goal team </a:t>
+                </a:r>
+                <a:r>
+                  <a:rPr lang="en-US" sz="1800" dirty="0" err="1" smtClean="0"/>
+                  <a:t>i</a:t>
+                </a:r>
+                <a:r>
+                  <a:rPr lang="en-US" sz="1800" dirty="0" smtClean="0"/>
+                  <a:t> will score to to team j</a:t>
+                </a:r>
+              </a:p>
+              <a:p>
+                <a:pPr lvl="1"/>
+                <a14:m>
+                  <m:oMath xmlns:m="http://schemas.openxmlformats.org/officeDocument/2006/math">
+                    <m:sSub>
+                      <m:sSubPr>
+                        <m:ctrlPr>
+                          <a:rPr lang="en-US" sz="1800" i="1" smtClean="0">
+                            <a:latin typeface="Cambria Math" charset="0"/>
+                          </a:rPr>
+                        </m:ctrlPr>
+                      </m:sSubPr>
+                      <m:e>
+                        <m:r>
+                          <a:rPr lang="it-IT" sz="1800" b="0" i="1" smtClean="0">
+                            <a:latin typeface="Cambria Math" charset="0"/>
+                          </a:rPr>
+                          <m:t>𝑌</m:t>
+                        </m:r>
+                      </m:e>
+                      <m:sub>
+                        <m:r>
+                          <a:rPr lang="it-IT" sz="1800" i="1">
+                            <a:latin typeface="Cambria Math" charset="0"/>
+                          </a:rPr>
+                          <m:t>𝑖</m:t>
+                        </m:r>
+                        <m:r>
+                          <a:rPr lang="it-IT" sz="1800" i="1">
+                            <a:latin typeface="Cambria Math" charset="0"/>
+                          </a:rPr>
+                          <m:t>,</m:t>
+                        </m:r>
+                        <m:r>
+                          <a:rPr lang="it-IT" sz="1800" i="1">
+                            <a:latin typeface="Cambria Math" charset="0"/>
+                          </a:rPr>
+                          <m:t>𝑗</m:t>
+                        </m:r>
+                      </m:sub>
+                    </m:sSub>
+                    <m:r>
+                      <a:rPr lang="en-US" sz="1800" i="1">
+                        <a:latin typeface="Cambria Math" charset="0"/>
+                        <a:ea typeface="Cambria Math" charset="0"/>
+                        <a:cs typeface="Cambria Math" charset="0"/>
+                      </a:rPr>
+                      <m:t>~</m:t>
+                    </m:r>
+                    <m:r>
+                      <a:rPr lang="it-IT" sz="1800" i="1">
+                        <a:latin typeface="Cambria Math" charset="0"/>
+                        <a:ea typeface="Cambria Math" charset="0"/>
+                        <a:cs typeface="Cambria Math" charset="0"/>
+                      </a:rPr>
+                      <m:t>𝑃</m:t>
+                    </m:r>
+                    <m:d>
+                      <m:dPr>
+                        <m:ctrlPr>
+                          <a:rPr lang="it-IT" sz="1800" i="1">
+                            <a:latin typeface="Cambria Math" charset="0"/>
+                            <a:ea typeface="Cambria Math" charset="0"/>
+                            <a:cs typeface="Cambria Math" charset="0"/>
+                          </a:rPr>
+                        </m:ctrlPr>
+                      </m:dPr>
+                      <m:e>
+                        <m:sSub>
+                          <m:sSubPr>
+                            <m:ctrlPr>
+                              <a:rPr lang="en-US" sz="1800" i="1">
+                                <a:latin typeface="Cambria Math" charset="0"/>
+                                <a:ea typeface="Cambria Math" charset="0"/>
+                                <a:cs typeface="Cambria Math" charset="0"/>
+                              </a:rPr>
+                            </m:ctrlPr>
+                          </m:sSubPr>
+                          <m:e>
+                            <m:r>
+                              <a:rPr lang="it-IT" sz="1800" i="1">
+                                <a:latin typeface="Cambria Math" charset="0"/>
+                                <a:ea typeface="Cambria Math" charset="0"/>
+                                <a:cs typeface="Cambria Math" charset="0"/>
+                              </a:rPr>
+                              <m:t>𝛼</m:t>
+                            </m:r>
+                          </m:e>
+                          <m:sub>
+                            <m:r>
+                              <a:rPr lang="it-IT" sz="1800" b="0" i="1" smtClean="0">
+                                <a:latin typeface="Cambria Math" charset="0"/>
+                                <a:ea typeface="Cambria Math" charset="0"/>
+                                <a:cs typeface="Cambria Math" charset="0"/>
+                              </a:rPr>
+                              <m:t>𝑗</m:t>
+                            </m:r>
+                          </m:sub>
+                        </m:sSub>
+                        <m:sSub>
+                          <m:sSubPr>
+                            <m:ctrlPr>
+                              <a:rPr lang="en-US" sz="1800" i="1">
+                                <a:latin typeface="Cambria Math" charset="0"/>
+                                <a:ea typeface="Cambria Math" charset="0"/>
+                                <a:cs typeface="Cambria Math" charset="0"/>
+                              </a:rPr>
+                            </m:ctrlPr>
+                          </m:sSubPr>
+                          <m:e>
+                            <m:r>
+                              <a:rPr lang="en-US" sz="1800" i="1">
+                                <a:latin typeface="Cambria Math" charset="0"/>
+                                <a:ea typeface="Cambria Math" charset="0"/>
+                                <a:cs typeface="Cambria Math" charset="0"/>
+                              </a:rPr>
+                              <m:t>𝛽</m:t>
+                            </m:r>
+                          </m:e>
+                          <m:sub>
+                            <m:r>
+                              <a:rPr lang="it-IT" sz="1800" b="0" i="1" smtClean="0">
+                                <a:latin typeface="Cambria Math" charset="0"/>
+                                <a:ea typeface="Cambria Math" charset="0"/>
+                                <a:cs typeface="Cambria Math" charset="0"/>
+                              </a:rPr>
+                              <m:t>𝑖</m:t>
+                            </m:r>
+                          </m:sub>
+                        </m:sSub>
+                      </m:e>
+                    </m:d>
+                  </m:oMath>
+                </a14:m>
+                <a:r>
+                  <a:rPr lang="en-US" sz="1800" dirty="0"/>
+                  <a:t>: goal </a:t>
+                </a:r>
+                <a:r>
+                  <a:rPr lang="en-US" sz="1800" dirty="0" smtClean="0"/>
+                  <a:t>team j </a:t>
+                </a:r>
+                <a:r>
+                  <a:rPr lang="en-US" sz="1800" dirty="0"/>
+                  <a:t>will score to to team </a:t>
+                </a:r>
+                <a:r>
+                  <a:rPr lang="en-US" sz="1800" dirty="0" err="1" smtClean="0"/>
+                  <a:t>i</a:t>
+                </a:r>
+                <a:endParaRPr lang="en-US" sz="1800" dirty="0"/>
+              </a:p>
+              <a:p>
+                <a:pPr lvl="1"/>
+                <a:endParaRPr lang="it-IT" sz="1800" dirty="0" smtClean="0">
+                  <a:ea typeface="Cambria Math" charset="0"/>
+                  <a:cs typeface="Cambria Math" charset="0"/>
+                </a:endParaRPr>
+              </a:p>
+              <a:p>
+                <a14:m>
+                  <m:oMath xmlns:m="http://schemas.openxmlformats.org/officeDocument/2006/math">
+                    <m:r>
+                      <a:rPr lang="it-IT" sz="1800" i="1" smtClean="0">
+                        <a:latin typeface="Cambria Math" charset="0"/>
+                        <a:ea typeface="Cambria Math" charset="0"/>
+                        <a:cs typeface="Cambria Math" charset="0"/>
+                      </a:rPr>
+                      <m:t>𝛼</m:t>
+                    </m:r>
+                    <m:r>
+                      <a:rPr lang="it-IT" sz="1800" i="1" smtClean="0">
+                        <a:latin typeface="Cambria Math" charset="0"/>
+                        <a:ea typeface="Cambria Math" charset="0"/>
+                        <a:cs typeface="Cambria Math" charset="0"/>
+                      </a:rPr>
+                      <m:t> </m:t>
+                    </m:r>
+                  </m:oMath>
+                </a14:m>
+                <a:r>
+                  <a:rPr lang="en-US" sz="1800" dirty="0" smtClean="0"/>
+                  <a:t>: attack rate</a:t>
+                </a:r>
+              </a:p>
+              <a:p>
+                <a14:m>
+                  <m:oMath xmlns:m="http://schemas.openxmlformats.org/officeDocument/2006/math">
+                    <m:r>
+                      <a:rPr lang="en-US" sz="1800" i="1">
+                        <a:latin typeface="Cambria Math" charset="0"/>
+                        <a:ea typeface="Cambria Math" charset="0"/>
+                        <a:cs typeface="Cambria Math" charset="0"/>
+                      </a:rPr>
+                      <m:t>𝛽</m:t>
+                    </m:r>
+                    <m:r>
+                      <a:rPr lang="en-US" sz="1800" i="1">
+                        <a:latin typeface="Cambria Math" charset="0"/>
+                        <a:ea typeface="Cambria Math" charset="0"/>
+                        <a:cs typeface="Cambria Math" charset="0"/>
+                      </a:rPr>
+                      <m:t> </m:t>
+                    </m:r>
+                  </m:oMath>
+                </a14:m>
+                <a:r>
+                  <a:rPr lang="en-US" sz="1800" dirty="0" smtClean="0"/>
+                  <a:t>: defense rate</a:t>
+                </a:r>
+              </a:p>
+              <a:p>
+                <a:endParaRPr lang="en-US" sz="1800" dirty="0" smtClean="0"/>
+              </a:p>
+              <a:p>
+                <a:r>
+                  <a:rPr lang="en-US" sz="1800" dirty="0"/>
+                  <a:t>Precision: </a:t>
+                </a:r>
+                <a:r>
+                  <a:rPr lang="en-US" sz="1800" dirty="0" smtClean="0"/>
+                  <a:t>47,2%</a:t>
+                </a:r>
+                <a:endParaRPr lang="en-US" sz="1800" dirty="0"/>
+              </a:p>
+              <a:p>
+                <a:r>
+                  <a:rPr lang="en-US" sz="1800" dirty="0"/>
+                  <a:t>Secs per Match: </a:t>
+                </a:r>
+                <a:r>
+                  <a:rPr lang="en-US" sz="1800" dirty="0" smtClean="0"/>
+                  <a:t>0,077 </a:t>
+                </a:r>
+                <a:r>
+                  <a:rPr lang="en-US" sz="1800" dirty="0"/>
+                  <a:t>secs</a:t>
+                </a:r>
+              </a:p>
+              <a:p>
+                <a:endParaRPr lang="en-US" sz="1800" dirty="0"/>
+              </a:p>
+              <a:p>
+                <a:endParaRPr lang="en-US" sz="1800" dirty="0"/>
+              </a:p>
+            </p:txBody>
+          </p:sp>
+        </mc:Choice>
+        <mc:Fallback>
+          <p:sp>
+            <p:nvSpPr>
+              <p:cNvPr id="3" name="Content Placeholder 2"/>
+              <p:cNvSpPr>
+                <a:spLocks noGrp="1" noRot="1" noChangeAspect="1" noMove="1" noResize="1" noEditPoints="1" noAdjustHandles="1" noChangeArrowheads="1" noChangeShapeType="1" noTextEdit="1"/>
+              </p:cNvSpPr>
+              <p:nvPr>
+                <p:ph idx="1"/>
+              </p:nvPr>
+            </p:nvSpPr>
+            <p:spPr>
+              <a:xfrm>
+                <a:off x="228600" y="2194560"/>
+                <a:ext cx="7092616" cy="4567187"/>
+              </a:xfrm>
+              <a:blipFill rotWithShape="0">
+                <a:blip r:embed="rId3"/>
+                <a:stretch>
+                  <a:fillRect l="-602" t="-1869" b="-401"/>
+                </a:stretch>
+              </a:blipFill>
+            </p:spPr>
+            <p:txBody>
+              <a:bodyPr/>
+              <a:lstStyle/>
+              <a:p>
+                <a:r>
+                  <a:rPr lang="en-US">
+                    <a:noFill/>
+                  </a:rPr>
+                  <a:t> </a:t>
+                </a:r>
+              </a:p>
+            </p:txBody>
+          </p:sp>
+        </mc:Fallback>
+      </mc:AlternateContent>
+      <p:graphicFrame>
+        <p:nvGraphicFramePr>
+          <p:cNvPr id="7" name="Chart 6"/>
+          <p:cNvGraphicFramePr>
+            <a:graphicFrameLocks/>
+          </p:cNvGraphicFramePr>
+          <p:nvPr>
+            <p:extLst>
+              <p:ext uri="{D42A27DB-BD31-4B8C-83A1-F6EECF244321}">
+                <p14:modId xmlns:p14="http://schemas.microsoft.com/office/powerpoint/2010/main" val="1454334376"/>
+              </p:ext>
+            </p:extLst>
+          </p:nvPr>
+        </p:nvGraphicFramePr>
+        <p:xfrm>
+          <a:off x="7321216" y="4189340"/>
+          <a:ext cx="4572000" cy="2743200"/>
+        </p:xfrm>
+        <a:graphic>
+          <a:graphicData uri="http://schemas.openxmlformats.org/drawingml/2006/chart">
+            <c:chart xmlns:c="http://schemas.openxmlformats.org/drawingml/2006/chart" xmlns:r="http://schemas.openxmlformats.org/officeDocument/2006/relationships" r:id="rId4"/>
+          </a:graphicData>
+        </a:graphic>
+      </p:graphicFrame>
+      <p:graphicFrame>
+        <p:nvGraphicFramePr>
+          <p:cNvPr id="8" name="Chart 7"/>
+          <p:cNvGraphicFramePr>
+            <a:graphicFrameLocks/>
+          </p:cNvGraphicFramePr>
+          <p:nvPr>
+            <p:extLst>
+              <p:ext uri="{D42A27DB-BD31-4B8C-83A1-F6EECF244321}">
+                <p14:modId xmlns:p14="http://schemas.microsoft.com/office/powerpoint/2010/main" val="1245363834"/>
+              </p:ext>
+            </p:extLst>
+          </p:nvPr>
+        </p:nvGraphicFramePr>
+        <p:xfrm>
+          <a:off x="7321216" y="1663529"/>
+          <a:ext cx="4572000" cy="2743200"/>
+        </p:xfrm>
+        <a:graphic>
+          <a:graphicData uri="http://schemas.openxmlformats.org/drawingml/2006/chart">
+            <c:chart xmlns:c="http://schemas.openxmlformats.org/drawingml/2006/chart" xmlns:r="http://schemas.openxmlformats.org/officeDocument/2006/relationships" r:id="rId5"/>
+          </a:graphicData>
+        </a:graphic>
+      </p:graphicFrame>
+    </p:spTree>
+    <p:extLst>
+      <p:ext uri="{BB962C8B-B14F-4D97-AF65-F5344CB8AC3E}">
+        <p14:creationId xmlns:p14="http://schemas.microsoft.com/office/powerpoint/2010/main" val="340899428"/>
+      </p:ext>
+    </p:extLst>
+  </p:cSld>
+  <p:clrMapOvr>
+    <a:masterClrMapping/>
+  </p:clrMapOvr>
+</p:sld>
+</file>
+
+<file path=ppt/slides/slide14.xml><?xml version="1.0" encoding="utf-8"?>
 <p:sld xmlns:a="http://schemas.openxmlformats.org/drawingml/2006/main" xmlns:r="http://schemas.openxmlformats.org/officeDocument/2006/relationships" xmlns:p="http://schemas.openxmlformats.org/presentationml/2006/main">
   <p:cSld>
     <p:spTree>

--- a/TODO/spa_presentation.pptx
+++ b/TODO/spa_presentation.pptx
@@ -5,7 +5,7 @@
     <p:sldMasterId id="2147483713" r:id="rId1"/>
   </p:sldMasterIdLst>
   <p:notesMasterIdLst>
-    <p:notesMasterId r:id="rId16"/>
+    <p:notesMasterId r:id="rId18"/>
   </p:notesMasterIdLst>
   <p:sldIdLst>
     <p:sldId id="256" r:id="rId2"/>
@@ -21,7 +21,9 @@
     <p:sldId id="267" r:id="rId12"/>
     <p:sldId id="268" r:id="rId13"/>
     <p:sldId id="269" r:id="rId14"/>
-    <p:sldId id="263" r:id="rId15"/>
+    <p:sldId id="270" r:id="rId15"/>
+    <p:sldId id="271" r:id="rId16"/>
+    <p:sldId id="263" r:id="rId17"/>
   </p:sldIdLst>
   <p:sldSz cx="12192000" cy="6858000"/>
   <p:notesSz cx="6858000" cy="9144000"/>
@@ -168,7 +170,6 @@
           </a:p>
         </c:rich>
       </c:tx>
-      <c:layout/>
       <c:overlay val="0"/>
       <c:spPr>
         <a:noFill/>
@@ -542,11 +543,11 @@
         </c:dLbls>
         <c:gapWidth val="219"/>
         <c:overlap val="-27"/>
-        <c:axId val="1347589520"/>
-        <c:axId val="1343088928"/>
+        <c:axId val="840543152"/>
+        <c:axId val="840545200"/>
       </c:barChart>
       <c:catAx>
-        <c:axId val="1347589520"/>
+        <c:axId val="840543152"/>
         <c:scaling>
           <c:orientation val="minMax"/>
         </c:scaling>
@@ -589,7 +590,7 @@
             <a:endParaRPr lang="en-US"/>
           </a:p>
         </c:txPr>
-        <c:crossAx val="1343088928"/>
+        <c:crossAx val="840545200"/>
         <c:crosses val="autoZero"/>
         <c:auto val="1"/>
         <c:lblAlgn val="ctr"/>
@@ -597,7 +598,7 @@
         <c:noMultiLvlLbl val="0"/>
       </c:catAx>
       <c:valAx>
-        <c:axId val="1343088928"/>
+        <c:axId val="840545200"/>
         <c:scaling>
           <c:orientation val="minMax"/>
         </c:scaling>
@@ -648,7 +649,2107 @@
             <a:endParaRPr lang="en-US"/>
           </a:p>
         </c:txPr>
-        <c:crossAx val="1347589520"/>
+        <c:crossAx val="840543152"/>
+        <c:crosses val="autoZero"/>
+        <c:crossBetween val="between"/>
+      </c:valAx>
+      <c:spPr>
+        <a:noFill/>
+        <a:ln>
+          <a:noFill/>
+        </a:ln>
+        <a:effectLst/>
+      </c:spPr>
+    </c:plotArea>
+    <c:plotVisOnly val="1"/>
+    <c:dispBlanksAs val="gap"/>
+    <c:showDLblsOverMax val="0"/>
+  </c:chart>
+  <c:spPr>
+    <a:noFill/>
+    <a:ln>
+      <a:noFill/>
+    </a:ln>
+    <a:effectLst/>
+  </c:spPr>
+  <c:txPr>
+    <a:bodyPr/>
+    <a:lstStyle/>
+    <a:p>
+      <a:pPr>
+        <a:defRPr/>
+      </a:pPr>
+      <a:endParaRPr lang="en-US"/>
+    </a:p>
+  </c:txPr>
+  <c:externalData r:id="rId3">
+    <c:autoUpdate val="0"/>
+  </c:externalData>
+</c:chartSpace>
+</file>
+
+<file path=ppt/charts/chart10.xml><?xml version="1.0" encoding="utf-8"?>
+<c:chartSpace xmlns:c="http://schemas.openxmlformats.org/drawingml/2006/chart" xmlns:a="http://schemas.openxmlformats.org/drawingml/2006/main" xmlns:r="http://schemas.openxmlformats.org/officeDocument/2006/relationships">
+  <c:date1904 val="0"/>
+  <c:lang val="en-US"/>
+  <c:roundedCorners val="0"/>
+  <mc:AlternateContent xmlns:mc="http://schemas.openxmlformats.org/markup-compatibility/2006">
+    <mc:Choice xmlns:c14="http://schemas.microsoft.com/office/drawing/2007/8/2/chart" Requires="c14">
+      <c14:style val="102"/>
+    </mc:Choice>
+    <mc:Fallback>
+      <c:style val="2"/>
+    </mc:Fallback>
+  </mc:AlternateContent>
+  <c:chart>
+    <c:title>
+      <c:tx>
+        <c:rich>
+          <a:bodyPr rot="0" spcFirstLastPara="1" vertOverflow="ellipsis" vert="horz" wrap="square" anchor="ctr" anchorCtr="1"/>
+          <a:lstStyle/>
+          <a:p>
+            <a:pPr>
+              <a:defRPr sz="1400" b="0" i="0" u="none" strike="noStrike" kern="1200" spc="0" baseline="0">
+                <a:solidFill>
+                  <a:schemeClr val="tx1">
+                    <a:lumMod val="65000"/>
+                    <a:lumOff val="35000"/>
+                  </a:schemeClr>
+                </a:solidFill>
+                <a:latin typeface="+mn-lt"/>
+                <a:ea typeface="+mn-ea"/>
+                <a:cs typeface="+mn-cs"/>
+              </a:defRPr>
+            </a:pPr>
+            <a:r>
+              <a:rPr lang="en-US" dirty="0" smtClean="0"/>
+              <a:t>Most</a:t>
+            </a:r>
+            <a:r>
+              <a:rPr lang="en-US" baseline="0" dirty="0" smtClean="0"/>
+              <a:t> accurate teams</a:t>
+            </a:r>
+            <a:endParaRPr lang="en-US" dirty="0"/>
+          </a:p>
+        </c:rich>
+      </c:tx>
+      <c:layout/>
+      <c:overlay val="0"/>
+      <c:spPr>
+        <a:noFill/>
+        <a:ln>
+          <a:noFill/>
+        </a:ln>
+        <a:effectLst/>
+      </c:spPr>
+      <c:txPr>
+        <a:bodyPr rot="0" spcFirstLastPara="1" vertOverflow="ellipsis" vert="horz" wrap="square" anchor="ctr" anchorCtr="1"/>
+        <a:lstStyle/>
+        <a:p>
+          <a:pPr>
+            <a:defRPr sz="1400" b="0" i="0" u="none" strike="noStrike" kern="1200" spc="0" baseline="0">
+              <a:solidFill>
+                <a:schemeClr val="tx1">
+                  <a:lumMod val="65000"/>
+                  <a:lumOff val="35000"/>
+                </a:schemeClr>
+              </a:solidFill>
+              <a:latin typeface="+mn-lt"/>
+              <a:ea typeface="+mn-ea"/>
+              <a:cs typeface="+mn-cs"/>
+            </a:defRPr>
+          </a:pPr>
+          <a:endParaRPr lang="en-US"/>
+        </a:p>
+      </c:txPr>
+    </c:title>
+    <c:autoTitleDeleted val="0"/>
+    <c:plotArea>
+      <c:layout/>
+      <c:lineChart>
+        <c:grouping val="standard"/>
+        <c:varyColors val="0"/>
+        <c:ser>
+          <c:idx val="0"/>
+          <c:order val="0"/>
+          <c:tx>
+            <c:strRef>
+              <c:f>'3_BEST TEAMS'!$A$1</c:f>
+              <c:strCache>
+                <c:ptCount val="1"/>
+                <c:pt idx="0">
+                  <c:v>2014/2015</c:v>
+                </c:pt>
+              </c:strCache>
+            </c:strRef>
+          </c:tx>
+          <c:spPr>
+            <a:ln w="19050" cap="rnd">
+              <a:solidFill>
+                <a:schemeClr val="accent6"/>
+              </a:solidFill>
+              <a:round/>
+            </a:ln>
+            <a:effectLst/>
+          </c:spPr>
+          <c:marker>
+            <c:symbol val="none"/>
+          </c:marker>
+          <c:cat>
+            <c:numRef>
+              <c:f>'3_BEST TEAMS'!$A$2:$A$39</c:f>
+              <c:numCache>
+                <c:formatCode>General</c:formatCode>
+                <c:ptCount val="38"/>
+                <c:pt idx="0">
+                  <c:v>1.0</c:v>
+                </c:pt>
+                <c:pt idx="1">
+                  <c:v>2.0</c:v>
+                </c:pt>
+                <c:pt idx="2">
+                  <c:v>3.0</c:v>
+                </c:pt>
+                <c:pt idx="3">
+                  <c:v>4.0</c:v>
+                </c:pt>
+                <c:pt idx="4">
+                  <c:v>5.0</c:v>
+                </c:pt>
+                <c:pt idx="5">
+                  <c:v>6.0</c:v>
+                </c:pt>
+                <c:pt idx="6">
+                  <c:v>7.0</c:v>
+                </c:pt>
+                <c:pt idx="7">
+                  <c:v>8.0</c:v>
+                </c:pt>
+                <c:pt idx="8">
+                  <c:v>9.0</c:v>
+                </c:pt>
+                <c:pt idx="9">
+                  <c:v>10.0</c:v>
+                </c:pt>
+                <c:pt idx="10">
+                  <c:v>11.0</c:v>
+                </c:pt>
+                <c:pt idx="11">
+                  <c:v>12.0</c:v>
+                </c:pt>
+                <c:pt idx="12">
+                  <c:v>13.0</c:v>
+                </c:pt>
+                <c:pt idx="13">
+                  <c:v>14.0</c:v>
+                </c:pt>
+                <c:pt idx="14">
+                  <c:v>15.0</c:v>
+                </c:pt>
+                <c:pt idx="15">
+                  <c:v>16.0</c:v>
+                </c:pt>
+                <c:pt idx="16">
+                  <c:v>17.0</c:v>
+                </c:pt>
+                <c:pt idx="17">
+                  <c:v>18.0</c:v>
+                </c:pt>
+                <c:pt idx="18">
+                  <c:v>19.0</c:v>
+                </c:pt>
+                <c:pt idx="19">
+                  <c:v>20.0</c:v>
+                </c:pt>
+                <c:pt idx="20">
+                  <c:v>21.0</c:v>
+                </c:pt>
+                <c:pt idx="21">
+                  <c:v>22.0</c:v>
+                </c:pt>
+                <c:pt idx="22">
+                  <c:v>23.0</c:v>
+                </c:pt>
+                <c:pt idx="23">
+                  <c:v>24.0</c:v>
+                </c:pt>
+                <c:pt idx="24">
+                  <c:v>25.0</c:v>
+                </c:pt>
+                <c:pt idx="25">
+                  <c:v>26.0</c:v>
+                </c:pt>
+                <c:pt idx="26">
+                  <c:v>27.0</c:v>
+                </c:pt>
+                <c:pt idx="27">
+                  <c:v>28.0</c:v>
+                </c:pt>
+                <c:pt idx="28">
+                  <c:v>29.0</c:v>
+                </c:pt>
+                <c:pt idx="29">
+                  <c:v>30.0</c:v>
+                </c:pt>
+                <c:pt idx="30">
+                  <c:v>31.0</c:v>
+                </c:pt>
+                <c:pt idx="31">
+                  <c:v>32.0</c:v>
+                </c:pt>
+                <c:pt idx="32">
+                  <c:v>33.0</c:v>
+                </c:pt>
+                <c:pt idx="33">
+                  <c:v>34.0</c:v>
+                </c:pt>
+                <c:pt idx="34">
+                  <c:v>35.0</c:v>
+                </c:pt>
+                <c:pt idx="35">
+                  <c:v>36.0</c:v>
+                </c:pt>
+                <c:pt idx="36">
+                  <c:v>37.0</c:v>
+                </c:pt>
+                <c:pt idx="37">
+                  <c:v>38.0</c:v>
+                </c:pt>
+              </c:numCache>
+            </c:numRef>
+          </c:cat>
+          <c:val>
+            <c:numRef>
+              <c:f>'3_BEST TEAMS'!$B$2:$B$39</c:f>
+              <c:numCache>
+                <c:formatCode>General</c:formatCode>
+                <c:ptCount val="38"/>
+                <c:pt idx="0">
+                  <c:v>1.17</c:v>
+                </c:pt>
+                <c:pt idx="1">
+                  <c:v>1.5</c:v>
+                </c:pt>
+                <c:pt idx="2">
+                  <c:v>4.55</c:v>
+                </c:pt>
+                <c:pt idx="3">
+                  <c:v>6.82</c:v>
+                </c:pt>
+                <c:pt idx="4">
+                  <c:v>6.7</c:v>
+                </c:pt>
+                <c:pt idx="5">
+                  <c:v>6.4</c:v>
+                </c:pt>
+                <c:pt idx="6">
+                  <c:v>4.8</c:v>
+                </c:pt>
+                <c:pt idx="7">
+                  <c:v>3.12</c:v>
+                </c:pt>
+                <c:pt idx="8">
+                  <c:v>-0.7</c:v>
+                </c:pt>
+                <c:pt idx="9">
+                  <c:v>-5.7</c:v>
+                </c:pt>
+                <c:pt idx="10">
+                  <c:v>-5.21</c:v>
+                </c:pt>
+                <c:pt idx="11">
+                  <c:v>-6.38</c:v>
+                </c:pt>
+                <c:pt idx="12">
+                  <c:v>-4.71</c:v>
+                </c:pt>
+                <c:pt idx="13">
+                  <c:v>-3.76</c:v>
+                </c:pt>
+                <c:pt idx="14">
+                  <c:v>-4.18</c:v>
+                </c:pt>
+                <c:pt idx="15">
+                  <c:v>-4.58</c:v>
+                </c:pt>
+                <c:pt idx="16">
+                  <c:v>-6.67</c:v>
+                </c:pt>
+                <c:pt idx="17">
+                  <c:v>-7.44</c:v>
+                </c:pt>
+                <c:pt idx="18">
+                  <c:v>-2.53</c:v>
+                </c:pt>
+                <c:pt idx="19">
+                  <c:v>-3.86</c:v>
+                </c:pt>
+                <c:pt idx="20">
+                  <c:v>-3.55</c:v>
+                </c:pt>
+                <c:pt idx="21">
+                  <c:v>1.54</c:v>
+                </c:pt>
+                <c:pt idx="22">
+                  <c:v>0.17</c:v>
+                </c:pt>
+                <c:pt idx="23">
+                  <c:v>0.28</c:v>
+                </c:pt>
+                <c:pt idx="24">
+                  <c:v>2.88</c:v>
+                </c:pt>
+                <c:pt idx="25">
+                  <c:v>-1.92</c:v>
+                </c:pt>
+                <c:pt idx="26">
+                  <c:v>-4.5</c:v>
+                </c:pt>
+                <c:pt idx="27">
+                  <c:v>-4.86</c:v>
+                </c:pt>
+                <c:pt idx="28">
+                  <c:v>-5.3</c:v>
+                </c:pt>
+                <c:pt idx="29">
+                  <c:v>-3.19</c:v>
+                </c:pt>
+                <c:pt idx="30">
+                  <c:v>-2.29</c:v>
+                </c:pt>
+                <c:pt idx="31">
+                  <c:v>-5.79</c:v>
+                </c:pt>
+                <c:pt idx="32">
+                  <c:v>-4.769999999999999</c:v>
+                </c:pt>
+                <c:pt idx="33">
+                  <c:v>-4.51</c:v>
+                </c:pt>
+                <c:pt idx="34">
+                  <c:v>-7.51</c:v>
+                </c:pt>
+                <c:pt idx="35">
+                  <c:v>-2.31</c:v>
+                </c:pt>
+                <c:pt idx="36">
+                  <c:v>0.54</c:v>
+                </c:pt>
+                <c:pt idx="37">
+                  <c:v>0.44</c:v>
+                </c:pt>
+              </c:numCache>
+            </c:numRef>
+          </c:val>
+          <c:smooth val="0"/>
+        </c:ser>
+        <c:ser>
+          <c:idx val="1"/>
+          <c:order val="1"/>
+          <c:tx>
+            <c:strRef>
+              <c:f>'3_BEST TEAMS'!$A$40</c:f>
+              <c:strCache>
+                <c:ptCount val="1"/>
+                <c:pt idx="0">
+                  <c:v>2015/2016</c:v>
+                </c:pt>
+              </c:strCache>
+            </c:strRef>
+          </c:tx>
+          <c:spPr>
+            <a:ln w="19050" cap="rnd">
+              <a:solidFill>
+                <a:schemeClr val="accent5"/>
+              </a:solidFill>
+              <a:round/>
+            </a:ln>
+            <a:effectLst/>
+          </c:spPr>
+          <c:marker>
+            <c:symbol val="none"/>
+          </c:marker>
+          <c:cat>
+            <c:numRef>
+              <c:f>'3_BEST TEAMS'!$A$2:$A$39</c:f>
+              <c:numCache>
+                <c:formatCode>General</c:formatCode>
+                <c:ptCount val="38"/>
+                <c:pt idx="0">
+                  <c:v>1.0</c:v>
+                </c:pt>
+                <c:pt idx="1">
+                  <c:v>2.0</c:v>
+                </c:pt>
+                <c:pt idx="2">
+                  <c:v>3.0</c:v>
+                </c:pt>
+                <c:pt idx="3">
+                  <c:v>4.0</c:v>
+                </c:pt>
+                <c:pt idx="4">
+                  <c:v>5.0</c:v>
+                </c:pt>
+                <c:pt idx="5">
+                  <c:v>6.0</c:v>
+                </c:pt>
+                <c:pt idx="6">
+                  <c:v>7.0</c:v>
+                </c:pt>
+                <c:pt idx="7">
+                  <c:v>8.0</c:v>
+                </c:pt>
+                <c:pt idx="8">
+                  <c:v>9.0</c:v>
+                </c:pt>
+                <c:pt idx="9">
+                  <c:v>10.0</c:v>
+                </c:pt>
+                <c:pt idx="10">
+                  <c:v>11.0</c:v>
+                </c:pt>
+                <c:pt idx="11">
+                  <c:v>12.0</c:v>
+                </c:pt>
+                <c:pt idx="12">
+                  <c:v>13.0</c:v>
+                </c:pt>
+                <c:pt idx="13">
+                  <c:v>14.0</c:v>
+                </c:pt>
+                <c:pt idx="14">
+                  <c:v>15.0</c:v>
+                </c:pt>
+                <c:pt idx="15">
+                  <c:v>16.0</c:v>
+                </c:pt>
+                <c:pt idx="16">
+                  <c:v>17.0</c:v>
+                </c:pt>
+                <c:pt idx="17">
+                  <c:v>18.0</c:v>
+                </c:pt>
+                <c:pt idx="18">
+                  <c:v>19.0</c:v>
+                </c:pt>
+                <c:pt idx="19">
+                  <c:v>20.0</c:v>
+                </c:pt>
+                <c:pt idx="20">
+                  <c:v>21.0</c:v>
+                </c:pt>
+                <c:pt idx="21">
+                  <c:v>22.0</c:v>
+                </c:pt>
+                <c:pt idx="22">
+                  <c:v>23.0</c:v>
+                </c:pt>
+                <c:pt idx="23">
+                  <c:v>24.0</c:v>
+                </c:pt>
+                <c:pt idx="24">
+                  <c:v>25.0</c:v>
+                </c:pt>
+                <c:pt idx="25">
+                  <c:v>26.0</c:v>
+                </c:pt>
+                <c:pt idx="26">
+                  <c:v>27.0</c:v>
+                </c:pt>
+                <c:pt idx="27">
+                  <c:v>28.0</c:v>
+                </c:pt>
+                <c:pt idx="28">
+                  <c:v>29.0</c:v>
+                </c:pt>
+                <c:pt idx="29">
+                  <c:v>30.0</c:v>
+                </c:pt>
+                <c:pt idx="30">
+                  <c:v>31.0</c:v>
+                </c:pt>
+                <c:pt idx="31">
+                  <c:v>32.0</c:v>
+                </c:pt>
+                <c:pt idx="32">
+                  <c:v>33.0</c:v>
+                </c:pt>
+                <c:pt idx="33">
+                  <c:v>34.0</c:v>
+                </c:pt>
+                <c:pt idx="34">
+                  <c:v>35.0</c:v>
+                </c:pt>
+                <c:pt idx="35">
+                  <c:v>36.0</c:v>
+                </c:pt>
+                <c:pt idx="36">
+                  <c:v>37.0</c:v>
+                </c:pt>
+                <c:pt idx="37">
+                  <c:v>38.0</c:v>
+                </c:pt>
+              </c:numCache>
+            </c:numRef>
+          </c:cat>
+          <c:val>
+            <c:numRef>
+              <c:f>'3_BEST TEAMS'!$B$41:$B$78</c:f>
+              <c:numCache>
+                <c:formatCode>General</c:formatCode>
+                <c:ptCount val="38"/>
+                <c:pt idx="0">
+                  <c:v>-2.55</c:v>
+                </c:pt>
+                <c:pt idx="1">
+                  <c:v>-1.25</c:v>
+                </c:pt>
+                <c:pt idx="2">
+                  <c:v>-4.05</c:v>
+                </c:pt>
+                <c:pt idx="3">
+                  <c:v>-3.65</c:v>
+                </c:pt>
+                <c:pt idx="4">
+                  <c:v>-0.82</c:v>
+                </c:pt>
+                <c:pt idx="5">
+                  <c:v>8.23</c:v>
+                </c:pt>
+                <c:pt idx="6">
+                  <c:v>7.28</c:v>
+                </c:pt>
+                <c:pt idx="7">
+                  <c:v>7.33</c:v>
+                </c:pt>
+                <c:pt idx="8">
+                  <c:v>6.46</c:v>
+                </c:pt>
+                <c:pt idx="9">
+                  <c:v>5.9</c:v>
+                </c:pt>
+                <c:pt idx="10">
+                  <c:v>4.47</c:v>
+                </c:pt>
+                <c:pt idx="11">
+                  <c:v>4.44</c:v>
+                </c:pt>
+                <c:pt idx="12">
+                  <c:v>2.46</c:v>
+                </c:pt>
+                <c:pt idx="13">
+                  <c:v>0.65</c:v>
+                </c:pt>
+                <c:pt idx="14">
+                  <c:v>-0.76</c:v>
+                </c:pt>
+                <c:pt idx="15">
+                  <c:v>-1.09</c:v>
+                </c:pt>
+                <c:pt idx="16">
+                  <c:v>-2.03</c:v>
+                </c:pt>
+                <c:pt idx="17">
+                  <c:v>-1.78</c:v>
+                </c:pt>
+                <c:pt idx="18">
+                  <c:v>-1.88</c:v>
+                </c:pt>
+                <c:pt idx="19">
+                  <c:v>-3.51</c:v>
+                </c:pt>
+                <c:pt idx="20">
+                  <c:v>0.88</c:v>
+                </c:pt>
+                <c:pt idx="21">
+                  <c:v>-2.59</c:v>
+                </c:pt>
+                <c:pt idx="22">
+                  <c:v>-0.98</c:v>
+                </c:pt>
+                <c:pt idx="23">
+                  <c:v>-3.98</c:v>
+                </c:pt>
+                <c:pt idx="24">
+                  <c:v>-1.3</c:v>
+                </c:pt>
+                <c:pt idx="25">
+                  <c:v>-2.91</c:v>
+                </c:pt>
+                <c:pt idx="26">
+                  <c:v>-6.34</c:v>
+                </c:pt>
+                <c:pt idx="27">
+                  <c:v>-6.3</c:v>
+                </c:pt>
+                <c:pt idx="28">
+                  <c:v>-6.1</c:v>
+                </c:pt>
+                <c:pt idx="29">
+                  <c:v>-6.86</c:v>
+                </c:pt>
+                <c:pt idx="30">
+                  <c:v>-8.46</c:v>
+                </c:pt>
+                <c:pt idx="31">
+                  <c:v>-9.11</c:v>
+                </c:pt>
+                <c:pt idx="32">
+                  <c:v>-10.97</c:v>
+                </c:pt>
+                <c:pt idx="33">
+                  <c:v>-8.82</c:v>
+                </c:pt>
+                <c:pt idx="34">
+                  <c:v>-0.57</c:v>
+                </c:pt>
+                <c:pt idx="35">
+                  <c:v>2.47</c:v>
+                </c:pt>
+                <c:pt idx="36">
+                  <c:v>1.09</c:v>
+                </c:pt>
+                <c:pt idx="37">
+                  <c:v>0.64</c:v>
+                </c:pt>
+              </c:numCache>
+            </c:numRef>
+          </c:val>
+          <c:smooth val="0"/>
+        </c:ser>
+        <c:ser>
+          <c:idx val="2"/>
+          <c:order val="2"/>
+          <c:spPr>
+            <a:ln w="19050" cap="rnd">
+              <a:solidFill>
+                <a:schemeClr val="accent4"/>
+              </a:solidFill>
+              <a:round/>
+            </a:ln>
+            <a:effectLst/>
+          </c:spPr>
+          <c:marker>
+            <c:symbol val="none"/>
+          </c:marker>
+          <c:cat>
+            <c:numRef>
+              <c:f>'3_BEST TEAMS'!$A$2:$A$39</c:f>
+              <c:numCache>
+                <c:formatCode>General</c:formatCode>
+                <c:ptCount val="38"/>
+                <c:pt idx="0">
+                  <c:v>1.0</c:v>
+                </c:pt>
+                <c:pt idx="1">
+                  <c:v>2.0</c:v>
+                </c:pt>
+                <c:pt idx="2">
+                  <c:v>3.0</c:v>
+                </c:pt>
+                <c:pt idx="3">
+                  <c:v>4.0</c:v>
+                </c:pt>
+                <c:pt idx="4">
+                  <c:v>5.0</c:v>
+                </c:pt>
+                <c:pt idx="5">
+                  <c:v>6.0</c:v>
+                </c:pt>
+                <c:pt idx="6">
+                  <c:v>7.0</c:v>
+                </c:pt>
+                <c:pt idx="7">
+                  <c:v>8.0</c:v>
+                </c:pt>
+                <c:pt idx="8">
+                  <c:v>9.0</c:v>
+                </c:pt>
+                <c:pt idx="9">
+                  <c:v>10.0</c:v>
+                </c:pt>
+                <c:pt idx="10">
+                  <c:v>11.0</c:v>
+                </c:pt>
+                <c:pt idx="11">
+                  <c:v>12.0</c:v>
+                </c:pt>
+                <c:pt idx="12">
+                  <c:v>13.0</c:v>
+                </c:pt>
+                <c:pt idx="13">
+                  <c:v>14.0</c:v>
+                </c:pt>
+                <c:pt idx="14">
+                  <c:v>15.0</c:v>
+                </c:pt>
+                <c:pt idx="15">
+                  <c:v>16.0</c:v>
+                </c:pt>
+                <c:pt idx="16">
+                  <c:v>17.0</c:v>
+                </c:pt>
+                <c:pt idx="17">
+                  <c:v>18.0</c:v>
+                </c:pt>
+                <c:pt idx="18">
+                  <c:v>19.0</c:v>
+                </c:pt>
+                <c:pt idx="19">
+                  <c:v>20.0</c:v>
+                </c:pt>
+                <c:pt idx="20">
+                  <c:v>21.0</c:v>
+                </c:pt>
+                <c:pt idx="21">
+                  <c:v>22.0</c:v>
+                </c:pt>
+                <c:pt idx="22">
+                  <c:v>23.0</c:v>
+                </c:pt>
+                <c:pt idx="23">
+                  <c:v>24.0</c:v>
+                </c:pt>
+                <c:pt idx="24">
+                  <c:v>25.0</c:v>
+                </c:pt>
+                <c:pt idx="25">
+                  <c:v>26.0</c:v>
+                </c:pt>
+                <c:pt idx="26">
+                  <c:v>27.0</c:v>
+                </c:pt>
+                <c:pt idx="27">
+                  <c:v>28.0</c:v>
+                </c:pt>
+                <c:pt idx="28">
+                  <c:v>29.0</c:v>
+                </c:pt>
+                <c:pt idx="29">
+                  <c:v>30.0</c:v>
+                </c:pt>
+                <c:pt idx="30">
+                  <c:v>31.0</c:v>
+                </c:pt>
+                <c:pt idx="31">
+                  <c:v>32.0</c:v>
+                </c:pt>
+                <c:pt idx="32">
+                  <c:v>33.0</c:v>
+                </c:pt>
+                <c:pt idx="33">
+                  <c:v>34.0</c:v>
+                </c:pt>
+                <c:pt idx="34">
+                  <c:v>35.0</c:v>
+                </c:pt>
+                <c:pt idx="35">
+                  <c:v>36.0</c:v>
+                </c:pt>
+                <c:pt idx="36">
+                  <c:v>37.0</c:v>
+                </c:pt>
+                <c:pt idx="37">
+                  <c:v>38.0</c:v>
+                </c:pt>
+              </c:numCache>
+            </c:numRef>
+          </c:cat>
+          <c:val>
+            <c:numRef>
+              <c:f>'3_BEST TEAMS'!$C$2:$C$39</c:f>
+              <c:numCache>
+                <c:formatCode>General</c:formatCode>
+                <c:ptCount val="38"/>
+                <c:pt idx="0">
+                  <c:v>0.0</c:v>
+                </c:pt>
+                <c:pt idx="1">
+                  <c:v>0.0</c:v>
+                </c:pt>
+                <c:pt idx="2">
+                  <c:v>0.0</c:v>
+                </c:pt>
+                <c:pt idx="3">
+                  <c:v>0.0</c:v>
+                </c:pt>
+                <c:pt idx="4">
+                  <c:v>0.0</c:v>
+                </c:pt>
+                <c:pt idx="5">
+                  <c:v>0.0</c:v>
+                </c:pt>
+                <c:pt idx="6">
+                  <c:v>0.0</c:v>
+                </c:pt>
+                <c:pt idx="7">
+                  <c:v>0.0</c:v>
+                </c:pt>
+                <c:pt idx="8">
+                  <c:v>0.0</c:v>
+                </c:pt>
+                <c:pt idx="9">
+                  <c:v>0.0</c:v>
+                </c:pt>
+                <c:pt idx="10">
+                  <c:v>0.0</c:v>
+                </c:pt>
+                <c:pt idx="11">
+                  <c:v>0.0</c:v>
+                </c:pt>
+                <c:pt idx="12">
+                  <c:v>0.0</c:v>
+                </c:pt>
+                <c:pt idx="13">
+                  <c:v>0.0</c:v>
+                </c:pt>
+                <c:pt idx="14">
+                  <c:v>0.0</c:v>
+                </c:pt>
+                <c:pt idx="15">
+                  <c:v>0.0</c:v>
+                </c:pt>
+                <c:pt idx="16">
+                  <c:v>0.0</c:v>
+                </c:pt>
+                <c:pt idx="17">
+                  <c:v>0.0</c:v>
+                </c:pt>
+                <c:pt idx="18">
+                  <c:v>0.0</c:v>
+                </c:pt>
+                <c:pt idx="19">
+                  <c:v>0.0</c:v>
+                </c:pt>
+                <c:pt idx="20">
+                  <c:v>0.0</c:v>
+                </c:pt>
+                <c:pt idx="21">
+                  <c:v>0.0</c:v>
+                </c:pt>
+                <c:pt idx="22">
+                  <c:v>0.0</c:v>
+                </c:pt>
+                <c:pt idx="23">
+                  <c:v>0.0</c:v>
+                </c:pt>
+                <c:pt idx="24">
+                  <c:v>0.0</c:v>
+                </c:pt>
+                <c:pt idx="25">
+                  <c:v>0.0</c:v>
+                </c:pt>
+                <c:pt idx="26">
+                  <c:v>0.0</c:v>
+                </c:pt>
+                <c:pt idx="27">
+                  <c:v>0.0</c:v>
+                </c:pt>
+                <c:pt idx="28">
+                  <c:v>0.0</c:v>
+                </c:pt>
+                <c:pt idx="29">
+                  <c:v>0.0</c:v>
+                </c:pt>
+                <c:pt idx="30">
+                  <c:v>0.0</c:v>
+                </c:pt>
+                <c:pt idx="31">
+                  <c:v>0.0</c:v>
+                </c:pt>
+                <c:pt idx="32">
+                  <c:v>0.0</c:v>
+                </c:pt>
+                <c:pt idx="33">
+                  <c:v>0.0</c:v>
+                </c:pt>
+                <c:pt idx="34">
+                  <c:v>0.0</c:v>
+                </c:pt>
+                <c:pt idx="35">
+                  <c:v>0.0</c:v>
+                </c:pt>
+                <c:pt idx="36">
+                  <c:v>0.0</c:v>
+                </c:pt>
+                <c:pt idx="37">
+                  <c:v>0.0</c:v>
+                </c:pt>
+              </c:numCache>
+            </c:numRef>
+          </c:val>
+          <c:smooth val="0"/>
+        </c:ser>
+        <c:dLbls>
+          <c:showLegendKey val="0"/>
+          <c:showVal val="0"/>
+          <c:showCatName val="0"/>
+          <c:showSerName val="0"/>
+          <c:showPercent val="0"/>
+          <c:showBubbleSize val="0"/>
+        </c:dLbls>
+        <c:smooth val="0"/>
+        <c:axId val="1518171920"/>
+        <c:axId val="1042728336"/>
+      </c:lineChart>
+      <c:catAx>
+        <c:axId val="1518171920"/>
+        <c:scaling>
+          <c:orientation val="minMax"/>
+        </c:scaling>
+        <c:delete val="0"/>
+        <c:axPos val="b"/>
+        <c:numFmt formatCode="General" sourceLinked="1"/>
+        <c:majorTickMark val="none"/>
+        <c:minorTickMark val="none"/>
+        <c:tickLblPos val="nextTo"/>
+        <c:spPr>
+          <a:noFill/>
+          <a:ln w="9525" cap="flat" cmpd="sng" algn="ctr">
+            <a:solidFill>
+              <a:schemeClr val="tx1">
+                <a:lumMod val="25000"/>
+                <a:lumOff val="75000"/>
+              </a:schemeClr>
+            </a:solidFill>
+            <a:round/>
+          </a:ln>
+          <a:effectLst/>
+        </c:spPr>
+        <c:txPr>
+          <a:bodyPr rot="-60000000" spcFirstLastPara="1" vertOverflow="ellipsis" vert="horz" wrap="square" anchor="ctr" anchorCtr="1"/>
+          <a:lstStyle/>
+          <a:p>
+            <a:pPr>
+              <a:defRPr sz="900" b="0" i="0" u="none" strike="noStrike" kern="1200" baseline="0">
+                <a:solidFill>
+                  <a:schemeClr val="tx1">
+                    <a:lumMod val="65000"/>
+                    <a:lumOff val="35000"/>
+                  </a:schemeClr>
+                </a:solidFill>
+                <a:latin typeface="+mn-lt"/>
+                <a:ea typeface="+mn-ea"/>
+                <a:cs typeface="+mn-cs"/>
+              </a:defRPr>
+            </a:pPr>
+            <a:endParaRPr lang="en-US"/>
+          </a:p>
+        </c:txPr>
+        <c:crossAx val="1042728336"/>
+        <c:crosses val="autoZero"/>
+        <c:auto val="1"/>
+        <c:lblAlgn val="ctr"/>
+        <c:lblOffset val="100"/>
+        <c:noMultiLvlLbl val="0"/>
+      </c:catAx>
+      <c:valAx>
+        <c:axId val="1042728336"/>
+        <c:scaling>
+          <c:orientation val="minMax"/>
+        </c:scaling>
+        <c:delete val="0"/>
+        <c:axPos val="l"/>
+        <c:majorGridlines>
+          <c:spPr>
+            <a:ln w="9525" cap="flat" cmpd="sng" algn="ctr">
+              <a:solidFill>
+                <a:schemeClr val="tx1">
+                  <a:lumMod val="15000"/>
+                  <a:lumOff val="85000"/>
+                </a:schemeClr>
+              </a:solidFill>
+              <a:round/>
+            </a:ln>
+            <a:effectLst/>
+          </c:spPr>
+        </c:majorGridlines>
+        <c:numFmt formatCode="General" sourceLinked="0"/>
+        <c:majorTickMark val="none"/>
+        <c:minorTickMark val="none"/>
+        <c:tickLblPos val="nextTo"/>
+        <c:spPr>
+          <a:noFill/>
+          <a:ln w="9525" cap="flat" cmpd="sng" algn="ctr">
+            <a:solidFill>
+              <a:schemeClr val="tx1">
+                <a:lumMod val="25000"/>
+                <a:lumOff val="75000"/>
+              </a:schemeClr>
+            </a:solidFill>
+            <a:round/>
+          </a:ln>
+          <a:effectLst/>
+        </c:spPr>
+        <c:txPr>
+          <a:bodyPr rot="-60000000" spcFirstLastPara="1" vertOverflow="ellipsis" vert="horz" wrap="square" anchor="ctr" anchorCtr="1"/>
+          <a:lstStyle/>
+          <a:p>
+            <a:pPr>
+              <a:defRPr sz="900" b="0" i="0" u="none" strike="noStrike" kern="1200" baseline="0">
+                <a:solidFill>
+                  <a:schemeClr val="tx1">
+                    <a:lumMod val="65000"/>
+                    <a:lumOff val="35000"/>
+                  </a:schemeClr>
+                </a:solidFill>
+                <a:latin typeface="+mn-lt"/>
+                <a:ea typeface="+mn-ea"/>
+                <a:cs typeface="+mn-cs"/>
+              </a:defRPr>
+            </a:pPr>
+            <a:endParaRPr lang="en-US"/>
+          </a:p>
+        </c:txPr>
+        <c:crossAx val="1518171920"/>
+        <c:crosses val="autoZero"/>
+        <c:crossBetween val="between"/>
+      </c:valAx>
+      <c:spPr>
+        <a:noFill/>
+        <a:ln>
+          <a:noFill/>
+        </a:ln>
+        <a:effectLst/>
+      </c:spPr>
+    </c:plotArea>
+    <c:plotVisOnly val="1"/>
+    <c:dispBlanksAs val="gap"/>
+    <c:showDLblsOverMax val="0"/>
+  </c:chart>
+  <c:spPr>
+    <a:noFill/>
+    <a:ln>
+      <a:noFill/>
+    </a:ln>
+    <a:effectLst/>
+  </c:spPr>
+  <c:txPr>
+    <a:bodyPr/>
+    <a:lstStyle/>
+    <a:p>
+      <a:pPr>
+        <a:defRPr/>
+      </a:pPr>
+      <a:endParaRPr lang="en-US"/>
+    </a:p>
+  </c:txPr>
+  <c:externalData r:id="rId3">
+    <c:autoUpdate val="0"/>
+  </c:externalData>
+</c:chartSpace>
+</file>
+
+<file path=ppt/charts/chart11.xml><?xml version="1.0" encoding="utf-8"?>
+<c:chartSpace xmlns:c="http://schemas.openxmlformats.org/drawingml/2006/chart" xmlns:a="http://schemas.openxmlformats.org/drawingml/2006/main" xmlns:r="http://schemas.openxmlformats.org/officeDocument/2006/relationships">
+  <c:date1904 val="0"/>
+  <c:lang val="en-US"/>
+  <c:roundedCorners val="0"/>
+  <mc:AlternateContent xmlns:mc="http://schemas.openxmlformats.org/markup-compatibility/2006">
+    <mc:Choice xmlns:c14="http://schemas.microsoft.com/office/drawing/2007/8/2/chart" Requires="c14">
+      <c14:style val="102"/>
+    </mc:Choice>
+    <mc:Fallback>
+      <c:style val="2"/>
+    </mc:Fallback>
+  </mc:AlternateContent>
+  <c:chart>
+    <c:title>
+      <c:tx>
+        <c:rich>
+          <a:bodyPr rot="0" spcFirstLastPara="1" vertOverflow="ellipsis" vert="horz" wrap="square" anchor="ctr" anchorCtr="1"/>
+          <a:lstStyle/>
+          <a:p>
+            <a:pPr>
+              <a:defRPr sz="1400" b="0" i="0" u="none" strike="noStrike" kern="1200" spc="0" baseline="0">
+                <a:solidFill>
+                  <a:schemeClr val="tx1">
+                    <a:lumMod val="65000"/>
+                    <a:lumOff val="35000"/>
+                  </a:schemeClr>
+                </a:solidFill>
+                <a:latin typeface="+mn-lt"/>
+                <a:ea typeface="+mn-ea"/>
+                <a:cs typeface="+mn-cs"/>
+              </a:defRPr>
+            </a:pPr>
+            <a:r>
+              <a:rPr lang="en-US" dirty="0" smtClean="0"/>
+              <a:t>Smart Bet on the most accurate teams</a:t>
+            </a:r>
+            <a:endParaRPr lang="en-US" dirty="0"/>
+          </a:p>
+        </c:rich>
+      </c:tx>
+      <c:layout/>
+      <c:overlay val="0"/>
+      <c:spPr>
+        <a:noFill/>
+        <a:ln>
+          <a:noFill/>
+        </a:ln>
+        <a:effectLst/>
+      </c:spPr>
+      <c:txPr>
+        <a:bodyPr rot="0" spcFirstLastPara="1" vertOverflow="ellipsis" vert="horz" wrap="square" anchor="ctr" anchorCtr="1"/>
+        <a:lstStyle/>
+        <a:p>
+          <a:pPr>
+            <a:defRPr sz="1400" b="0" i="0" u="none" strike="noStrike" kern="1200" spc="0" baseline="0">
+              <a:solidFill>
+                <a:schemeClr val="tx1">
+                  <a:lumMod val="65000"/>
+                  <a:lumOff val="35000"/>
+                </a:schemeClr>
+              </a:solidFill>
+              <a:latin typeface="+mn-lt"/>
+              <a:ea typeface="+mn-ea"/>
+              <a:cs typeface="+mn-cs"/>
+            </a:defRPr>
+          </a:pPr>
+          <a:endParaRPr lang="en-US"/>
+        </a:p>
+      </c:txPr>
+    </c:title>
+    <c:autoTitleDeleted val="0"/>
+    <c:plotArea>
+      <c:layout/>
+      <c:lineChart>
+        <c:grouping val="standard"/>
+        <c:varyColors val="0"/>
+        <c:ser>
+          <c:idx val="0"/>
+          <c:order val="0"/>
+          <c:tx>
+            <c:strRef>
+              <c:f>'4_ 2x3'!$A$1</c:f>
+              <c:strCache>
+                <c:ptCount val="1"/>
+                <c:pt idx="0">
+                  <c:v>2014/2015</c:v>
+                </c:pt>
+              </c:strCache>
+            </c:strRef>
+          </c:tx>
+          <c:spPr>
+            <a:ln w="19050" cap="rnd">
+              <a:solidFill>
+                <a:schemeClr val="accent6"/>
+              </a:solidFill>
+              <a:round/>
+            </a:ln>
+            <a:effectLst/>
+          </c:spPr>
+          <c:marker>
+            <c:symbol val="none"/>
+          </c:marker>
+          <c:cat>
+            <c:numRef>
+              <c:f>'4_ 2x3'!$A$2:$A$39</c:f>
+              <c:numCache>
+                <c:formatCode>General</c:formatCode>
+                <c:ptCount val="38"/>
+                <c:pt idx="0">
+                  <c:v>1.0</c:v>
+                </c:pt>
+                <c:pt idx="1">
+                  <c:v>2.0</c:v>
+                </c:pt>
+                <c:pt idx="2">
+                  <c:v>3.0</c:v>
+                </c:pt>
+                <c:pt idx="3">
+                  <c:v>4.0</c:v>
+                </c:pt>
+                <c:pt idx="4">
+                  <c:v>5.0</c:v>
+                </c:pt>
+                <c:pt idx="5">
+                  <c:v>6.0</c:v>
+                </c:pt>
+                <c:pt idx="6">
+                  <c:v>7.0</c:v>
+                </c:pt>
+                <c:pt idx="7">
+                  <c:v>8.0</c:v>
+                </c:pt>
+                <c:pt idx="8">
+                  <c:v>9.0</c:v>
+                </c:pt>
+                <c:pt idx="9">
+                  <c:v>10.0</c:v>
+                </c:pt>
+                <c:pt idx="10">
+                  <c:v>11.0</c:v>
+                </c:pt>
+                <c:pt idx="11">
+                  <c:v>12.0</c:v>
+                </c:pt>
+                <c:pt idx="12">
+                  <c:v>13.0</c:v>
+                </c:pt>
+                <c:pt idx="13">
+                  <c:v>14.0</c:v>
+                </c:pt>
+                <c:pt idx="14">
+                  <c:v>15.0</c:v>
+                </c:pt>
+                <c:pt idx="15">
+                  <c:v>16.0</c:v>
+                </c:pt>
+                <c:pt idx="16">
+                  <c:v>17.0</c:v>
+                </c:pt>
+                <c:pt idx="17">
+                  <c:v>18.0</c:v>
+                </c:pt>
+                <c:pt idx="18">
+                  <c:v>19.0</c:v>
+                </c:pt>
+                <c:pt idx="19">
+                  <c:v>20.0</c:v>
+                </c:pt>
+                <c:pt idx="20">
+                  <c:v>21.0</c:v>
+                </c:pt>
+                <c:pt idx="21">
+                  <c:v>22.0</c:v>
+                </c:pt>
+                <c:pt idx="22">
+                  <c:v>23.0</c:v>
+                </c:pt>
+                <c:pt idx="23">
+                  <c:v>24.0</c:v>
+                </c:pt>
+                <c:pt idx="24">
+                  <c:v>25.0</c:v>
+                </c:pt>
+                <c:pt idx="25">
+                  <c:v>26.0</c:v>
+                </c:pt>
+                <c:pt idx="26">
+                  <c:v>27.0</c:v>
+                </c:pt>
+                <c:pt idx="27">
+                  <c:v>28.0</c:v>
+                </c:pt>
+                <c:pt idx="28">
+                  <c:v>29.0</c:v>
+                </c:pt>
+                <c:pt idx="29">
+                  <c:v>30.0</c:v>
+                </c:pt>
+                <c:pt idx="30">
+                  <c:v>31.0</c:v>
+                </c:pt>
+                <c:pt idx="31">
+                  <c:v>32.0</c:v>
+                </c:pt>
+                <c:pt idx="32">
+                  <c:v>33.0</c:v>
+                </c:pt>
+                <c:pt idx="33">
+                  <c:v>34.0</c:v>
+                </c:pt>
+                <c:pt idx="34">
+                  <c:v>35.0</c:v>
+                </c:pt>
+                <c:pt idx="35">
+                  <c:v>36.0</c:v>
+                </c:pt>
+                <c:pt idx="36">
+                  <c:v>37.0</c:v>
+                </c:pt>
+                <c:pt idx="37">
+                  <c:v>38.0</c:v>
+                </c:pt>
+              </c:numCache>
+            </c:numRef>
+          </c:cat>
+          <c:val>
+            <c:numRef>
+              <c:f>'4_ 2x3'!$B$2:$B$39</c:f>
+              <c:numCache>
+                <c:formatCode>General</c:formatCode>
+                <c:ptCount val="38"/>
+                <c:pt idx="0">
+                  <c:v>0.5</c:v>
+                </c:pt>
+                <c:pt idx="1">
+                  <c:v>2.1</c:v>
+                </c:pt>
+                <c:pt idx="2">
+                  <c:v>6.15</c:v>
+                </c:pt>
+                <c:pt idx="3">
+                  <c:v>7.85</c:v>
+                </c:pt>
+                <c:pt idx="4">
+                  <c:v>7.4</c:v>
+                </c:pt>
+                <c:pt idx="5">
+                  <c:v>6.4</c:v>
+                </c:pt>
+                <c:pt idx="6">
+                  <c:v>4.5</c:v>
+                </c:pt>
+                <c:pt idx="7">
+                  <c:v>2.6</c:v>
+                </c:pt>
+                <c:pt idx="8">
+                  <c:v>0.4</c:v>
+                </c:pt>
+                <c:pt idx="9">
+                  <c:v>-2.6</c:v>
+                </c:pt>
+                <c:pt idx="10">
+                  <c:v>-3.6</c:v>
+                </c:pt>
+                <c:pt idx="11">
+                  <c:v>-3.6</c:v>
+                </c:pt>
+                <c:pt idx="12">
+                  <c:v>-3.6</c:v>
+                </c:pt>
+                <c:pt idx="13">
+                  <c:v>-2.27</c:v>
+                </c:pt>
+                <c:pt idx="14">
+                  <c:v>-1.69</c:v>
+                </c:pt>
+                <c:pt idx="15">
+                  <c:v>0.91</c:v>
+                </c:pt>
+                <c:pt idx="16">
+                  <c:v>-0.18</c:v>
+                </c:pt>
+                <c:pt idx="17">
+                  <c:v>-0.68</c:v>
+                </c:pt>
+                <c:pt idx="18">
+                  <c:v>3.05</c:v>
+                </c:pt>
+                <c:pt idx="19">
+                  <c:v>1.05</c:v>
+                </c:pt>
+                <c:pt idx="20">
+                  <c:v>0.31</c:v>
+                </c:pt>
+                <c:pt idx="21">
+                  <c:v>4.71</c:v>
+                </c:pt>
+                <c:pt idx="22">
+                  <c:v>3.34</c:v>
+                </c:pt>
+                <c:pt idx="23">
+                  <c:v>3.34</c:v>
+                </c:pt>
+                <c:pt idx="24">
+                  <c:v>6.94</c:v>
+                </c:pt>
+                <c:pt idx="25">
+                  <c:v>5.14</c:v>
+                </c:pt>
+                <c:pt idx="26">
+                  <c:v>1.94</c:v>
+                </c:pt>
+                <c:pt idx="27">
+                  <c:v>1.18</c:v>
+                </c:pt>
+                <c:pt idx="28">
+                  <c:v>1.01</c:v>
+                </c:pt>
+                <c:pt idx="29">
+                  <c:v>1.01</c:v>
+                </c:pt>
+                <c:pt idx="30">
+                  <c:v>2.91</c:v>
+                </c:pt>
+                <c:pt idx="31">
+                  <c:v>1.41</c:v>
+                </c:pt>
+                <c:pt idx="32">
+                  <c:v>1.08</c:v>
+                </c:pt>
+                <c:pt idx="33">
+                  <c:v>1.48</c:v>
+                </c:pt>
+                <c:pt idx="34">
+                  <c:v>0.48</c:v>
+                </c:pt>
+                <c:pt idx="35">
+                  <c:v>5.46</c:v>
+                </c:pt>
+                <c:pt idx="36">
+                  <c:v>7.16</c:v>
+                </c:pt>
+                <c:pt idx="37">
+                  <c:v>6.66</c:v>
+                </c:pt>
+              </c:numCache>
+            </c:numRef>
+          </c:val>
+          <c:smooth val="0"/>
+        </c:ser>
+        <c:ser>
+          <c:idx val="1"/>
+          <c:order val="1"/>
+          <c:tx>
+            <c:strRef>
+              <c:f>'4_ 2x3'!$A$40</c:f>
+              <c:strCache>
+                <c:ptCount val="1"/>
+                <c:pt idx="0">
+                  <c:v>2015/2016</c:v>
+                </c:pt>
+              </c:strCache>
+            </c:strRef>
+          </c:tx>
+          <c:spPr>
+            <a:ln w="19050" cap="rnd">
+              <a:solidFill>
+                <a:schemeClr val="accent5"/>
+              </a:solidFill>
+              <a:round/>
+            </a:ln>
+            <a:effectLst/>
+          </c:spPr>
+          <c:marker>
+            <c:symbol val="none"/>
+          </c:marker>
+          <c:cat>
+            <c:numRef>
+              <c:f>'4_ 2x3'!$A$2:$A$39</c:f>
+              <c:numCache>
+                <c:formatCode>General</c:formatCode>
+                <c:ptCount val="38"/>
+                <c:pt idx="0">
+                  <c:v>1.0</c:v>
+                </c:pt>
+                <c:pt idx="1">
+                  <c:v>2.0</c:v>
+                </c:pt>
+                <c:pt idx="2">
+                  <c:v>3.0</c:v>
+                </c:pt>
+                <c:pt idx="3">
+                  <c:v>4.0</c:v>
+                </c:pt>
+                <c:pt idx="4">
+                  <c:v>5.0</c:v>
+                </c:pt>
+                <c:pt idx="5">
+                  <c:v>6.0</c:v>
+                </c:pt>
+                <c:pt idx="6">
+                  <c:v>7.0</c:v>
+                </c:pt>
+                <c:pt idx="7">
+                  <c:v>8.0</c:v>
+                </c:pt>
+                <c:pt idx="8">
+                  <c:v>9.0</c:v>
+                </c:pt>
+                <c:pt idx="9">
+                  <c:v>10.0</c:v>
+                </c:pt>
+                <c:pt idx="10">
+                  <c:v>11.0</c:v>
+                </c:pt>
+                <c:pt idx="11">
+                  <c:v>12.0</c:v>
+                </c:pt>
+                <c:pt idx="12">
+                  <c:v>13.0</c:v>
+                </c:pt>
+                <c:pt idx="13">
+                  <c:v>14.0</c:v>
+                </c:pt>
+                <c:pt idx="14">
+                  <c:v>15.0</c:v>
+                </c:pt>
+                <c:pt idx="15">
+                  <c:v>16.0</c:v>
+                </c:pt>
+                <c:pt idx="16">
+                  <c:v>17.0</c:v>
+                </c:pt>
+                <c:pt idx="17">
+                  <c:v>18.0</c:v>
+                </c:pt>
+                <c:pt idx="18">
+                  <c:v>19.0</c:v>
+                </c:pt>
+                <c:pt idx="19">
+                  <c:v>20.0</c:v>
+                </c:pt>
+                <c:pt idx="20">
+                  <c:v>21.0</c:v>
+                </c:pt>
+                <c:pt idx="21">
+                  <c:v>22.0</c:v>
+                </c:pt>
+                <c:pt idx="22">
+                  <c:v>23.0</c:v>
+                </c:pt>
+                <c:pt idx="23">
+                  <c:v>24.0</c:v>
+                </c:pt>
+                <c:pt idx="24">
+                  <c:v>25.0</c:v>
+                </c:pt>
+                <c:pt idx="25">
+                  <c:v>26.0</c:v>
+                </c:pt>
+                <c:pt idx="26">
+                  <c:v>27.0</c:v>
+                </c:pt>
+                <c:pt idx="27">
+                  <c:v>28.0</c:v>
+                </c:pt>
+                <c:pt idx="28">
+                  <c:v>29.0</c:v>
+                </c:pt>
+                <c:pt idx="29">
+                  <c:v>30.0</c:v>
+                </c:pt>
+                <c:pt idx="30">
+                  <c:v>31.0</c:v>
+                </c:pt>
+                <c:pt idx="31">
+                  <c:v>32.0</c:v>
+                </c:pt>
+                <c:pt idx="32">
+                  <c:v>33.0</c:v>
+                </c:pt>
+                <c:pt idx="33">
+                  <c:v>34.0</c:v>
+                </c:pt>
+                <c:pt idx="34">
+                  <c:v>35.0</c:v>
+                </c:pt>
+                <c:pt idx="35">
+                  <c:v>36.0</c:v>
+                </c:pt>
+                <c:pt idx="36">
+                  <c:v>37.0</c:v>
+                </c:pt>
+                <c:pt idx="37">
+                  <c:v>38.0</c:v>
+                </c:pt>
+              </c:numCache>
+            </c:numRef>
+          </c:cat>
+          <c:val>
+            <c:numRef>
+              <c:f>'4_ 2x3'!$B$41:$B$78</c:f>
+              <c:numCache>
+                <c:formatCode>General</c:formatCode>
+                <c:ptCount val="38"/>
+                <c:pt idx="0">
+                  <c:v>-1.5</c:v>
+                </c:pt>
+                <c:pt idx="1">
+                  <c:v>-0.2</c:v>
+                </c:pt>
+                <c:pt idx="2">
+                  <c:v>-2.2</c:v>
+                </c:pt>
+                <c:pt idx="3">
+                  <c:v>-0.8</c:v>
+                </c:pt>
+                <c:pt idx="4">
+                  <c:v>-0.8</c:v>
+                </c:pt>
+                <c:pt idx="5">
+                  <c:v>8.25</c:v>
+                </c:pt>
+                <c:pt idx="6">
+                  <c:v>7.25</c:v>
+                </c:pt>
+                <c:pt idx="7">
+                  <c:v>6.25</c:v>
+                </c:pt>
+                <c:pt idx="8">
+                  <c:v>5.05</c:v>
+                </c:pt>
+                <c:pt idx="9">
+                  <c:v>3.8</c:v>
+                </c:pt>
+                <c:pt idx="10">
+                  <c:v>2.8</c:v>
+                </c:pt>
+                <c:pt idx="11">
+                  <c:v>1.5</c:v>
+                </c:pt>
+                <c:pt idx="12">
+                  <c:v>0.5</c:v>
+                </c:pt>
+                <c:pt idx="13">
+                  <c:v>-1.5</c:v>
+                </c:pt>
+                <c:pt idx="14">
+                  <c:v>-4.5</c:v>
+                </c:pt>
+                <c:pt idx="15">
+                  <c:v>-4.5</c:v>
+                </c:pt>
+                <c:pt idx="16">
+                  <c:v>-4.5</c:v>
+                </c:pt>
+                <c:pt idx="17">
+                  <c:v>-3.42</c:v>
+                </c:pt>
+                <c:pt idx="18">
+                  <c:v>-1.02</c:v>
+                </c:pt>
+                <c:pt idx="19">
+                  <c:v>-3.45</c:v>
+                </c:pt>
+                <c:pt idx="20">
+                  <c:v>-1.65</c:v>
+                </c:pt>
+                <c:pt idx="21">
+                  <c:v>-4.65</c:v>
+                </c:pt>
+                <c:pt idx="22">
+                  <c:v>-4.65</c:v>
+                </c:pt>
+                <c:pt idx="23">
+                  <c:v>-5.65</c:v>
+                </c:pt>
+                <c:pt idx="24">
+                  <c:v>-5.4</c:v>
+                </c:pt>
+                <c:pt idx="25">
+                  <c:v>-6.3</c:v>
+                </c:pt>
+                <c:pt idx="26">
+                  <c:v>-9.3</c:v>
+                </c:pt>
+                <c:pt idx="27">
+                  <c:v>-8.77</c:v>
+                </c:pt>
+                <c:pt idx="28">
+                  <c:v>-9.17</c:v>
+                </c:pt>
+                <c:pt idx="29">
+                  <c:v>-9.220000000000001</c:v>
+                </c:pt>
+                <c:pt idx="30">
+                  <c:v>-12.22</c:v>
+                </c:pt>
+                <c:pt idx="31">
+                  <c:v>-12.17</c:v>
+                </c:pt>
+                <c:pt idx="32">
+                  <c:v>-14.17</c:v>
+                </c:pt>
+                <c:pt idx="33">
+                  <c:v>-13.07</c:v>
+                </c:pt>
+                <c:pt idx="34">
+                  <c:v>-6.07</c:v>
+                </c:pt>
+                <c:pt idx="35">
+                  <c:v>-3.87</c:v>
+                </c:pt>
+                <c:pt idx="36">
+                  <c:v>-5.87</c:v>
+                </c:pt>
+                <c:pt idx="37">
+                  <c:v>-7.87</c:v>
+                </c:pt>
+              </c:numCache>
+            </c:numRef>
+          </c:val>
+          <c:smooth val="0"/>
+        </c:ser>
+        <c:ser>
+          <c:idx val="2"/>
+          <c:order val="2"/>
+          <c:spPr>
+            <a:ln w="19050" cap="rnd">
+              <a:solidFill>
+                <a:schemeClr val="accent4"/>
+              </a:solidFill>
+              <a:round/>
+            </a:ln>
+            <a:effectLst/>
+          </c:spPr>
+          <c:marker>
+            <c:symbol val="none"/>
+          </c:marker>
+          <c:cat>
+            <c:numRef>
+              <c:f>'4_ 2x3'!$A$2:$A$39</c:f>
+              <c:numCache>
+                <c:formatCode>General</c:formatCode>
+                <c:ptCount val="38"/>
+                <c:pt idx="0">
+                  <c:v>1.0</c:v>
+                </c:pt>
+                <c:pt idx="1">
+                  <c:v>2.0</c:v>
+                </c:pt>
+                <c:pt idx="2">
+                  <c:v>3.0</c:v>
+                </c:pt>
+                <c:pt idx="3">
+                  <c:v>4.0</c:v>
+                </c:pt>
+                <c:pt idx="4">
+                  <c:v>5.0</c:v>
+                </c:pt>
+                <c:pt idx="5">
+                  <c:v>6.0</c:v>
+                </c:pt>
+                <c:pt idx="6">
+                  <c:v>7.0</c:v>
+                </c:pt>
+                <c:pt idx="7">
+                  <c:v>8.0</c:v>
+                </c:pt>
+                <c:pt idx="8">
+                  <c:v>9.0</c:v>
+                </c:pt>
+                <c:pt idx="9">
+                  <c:v>10.0</c:v>
+                </c:pt>
+                <c:pt idx="10">
+                  <c:v>11.0</c:v>
+                </c:pt>
+                <c:pt idx="11">
+                  <c:v>12.0</c:v>
+                </c:pt>
+                <c:pt idx="12">
+                  <c:v>13.0</c:v>
+                </c:pt>
+                <c:pt idx="13">
+                  <c:v>14.0</c:v>
+                </c:pt>
+                <c:pt idx="14">
+                  <c:v>15.0</c:v>
+                </c:pt>
+                <c:pt idx="15">
+                  <c:v>16.0</c:v>
+                </c:pt>
+                <c:pt idx="16">
+                  <c:v>17.0</c:v>
+                </c:pt>
+                <c:pt idx="17">
+                  <c:v>18.0</c:v>
+                </c:pt>
+                <c:pt idx="18">
+                  <c:v>19.0</c:v>
+                </c:pt>
+                <c:pt idx="19">
+                  <c:v>20.0</c:v>
+                </c:pt>
+                <c:pt idx="20">
+                  <c:v>21.0</c:v>
+                </c:pt>
+                <c:pt idx="21">
+                  <c:v>22.0</c:v>
+                </c:pt>
+                <c:pt idx="22">
+                  <c:v>23.0</c:v>
+                </c:pt>
+                <c:pt idx="23">
+                  <c:v>24.0</c:v>
+                </c:pt>
+                <c:pt idx="24">
+                  <c:v>25.0</c:v>
+                </c:pt>
+                <c:pt idx="25">
+                  <c:v>26.0</c:v>
+                </c:pt>
+                <c:pt idx="26">
+                  <c:v>27.0</c:v>
+                </c:pt>
+                <c:pt idx="27">
+                  <c:v>28.0</c:v>
+                </c:pt>
+                <c:pt idx="28">
+                  <c:v>29.0</c:v>
+                </c:pt>
+                <c:pt idx="29">
+                  <c:v>30.0</c:v>
+                </c:pt>
+                <c:pt idx="30">
+                  <c:v>31.0</c:v>
+                </c:pt>
+                <c:pt idx="31">
+                  <c:v>32.0</c:v>
+                </c:pt>
+                <c:pt idx="32">
+                  <c:v>33.0</c:v>
+                </c:pt>
+                <c:pt idx="33">
+                  <c:v>34.0</c:v>
+                </c:pt>
+                <c:pt idx="34">
+                  <c:v>35.0</c:v>
+                </c:pt>
+                <c:pt idx="35">
+                  <c:v>36.0</c:v>
+                </c:pt>
+                <c:pt idx="36">
+                  <c:v>37.0</c:v>
+                </c:pt>
+                <c:pt idx="37">
+                  <c:v>38.0</c:v>
+                </c:pt>
+              </c:numCache>
+            </c:numRef>
+          </c:cat>
+          <c:val>
+            <c:numRef>
+              <c:f>'4_ 2x3'!$C$2:$C$39</c:f>
+              <c:numCache>
+                <c:formatCode>General</c:formatCode>
+                <c:ptCount val="38"/>
+                <c:pt idx="0">
+                  <c:v>0.0</c:v>
+                </c:pt>
+                <c:pt idx="1">
+                  <c:v>0.0</c:v>
+                </c:pt>
+                <c:pt idx="2">
+                  <c:v>0.0</c:v>
+                </c:pt>
+                <c:pt idx="3">
+                  <c:v>0.0</c:v>
+                </c:pt>
+                <c:pt idx="4">
+                  <c:v>0.0</c:v>
+                </c:pt>
+                <c:pt idx="5">
+                  <c:v>0.0</c:v>
+                </c:pt>
+                <c:pt idx="6">
+                  <c:v>0.0</c:v>
+                </c:pt>
+                <c:pt idx="7">
+                  <c:v>0.0</c:v>
+                </c:pt>
+                <c:pt idx="8">
+                  <c:v>0.0</c:v>
+                </c:pt>
+                <c:pt idx="9">
+                  <c:v>0.0</c:v>
+                </c:pt>
+                <c:pt idx="10">
+                  <c:v>0.0</c:v>
+                </c:pt>
+                <c:pt idx="11">
+                  <c:v>0.0</c:v>
+                </c:pt>
+                <c:pt idx="12">
+                  <c:v>0.0</c:v>
+                </c:pt>
+                <c:pt idx="13">
+                  <c:v>0.0</c:v>
+                </c:pt>
+                <c:pt idx="14">
+                  <c:v>0.0</c:v>
+                </c:pt>
+                <c:pt idx="15">
+                  <c:v>0.0</c:v>
+                </c:pt>
+                <c:pt idx="16">
+                  <c:v>0.0</c:v>
+                </c:pt>
+                <c:pt idx="17">
+                  <c:v>0.0</c:v>
+                </c:pt>
+                <c:pt idx="18">
+                  <c:v>0.0</c:v>
+                </c:pt>
+                <c:pt idx="19">
+                  <c:v>0.0</c:v>
+                </c:pt>
+                <c:pt idx="20">
+                  <c:v>0.0</c:v>
+                </c:pt>
+                <c:pt idx="21">
+                  <c:v>0.0</c:v>
+                </c:pt>
+                <c:pt idx="22">
+                  <c:v>0.0</c:v>
+                </c:pt>
+                <c:pt idx="23">
+                  <c:v>0.0</c:v>
+                </c:pt>
+                <c:pt idx="24">
+                  <c:v>0.0</c:v>
+                </c:pt>
+                <c:pt idx="25">
+                  <c:v>0.0</c:v>
+                </c:pt>
+                <c:pt idx="26">
+                  <c:v>0.0</c:v>
+                </c:pt>
+                <c:pt idx="27">
+                  <c:v>0.0</c:v>
+                </c:pt>
+                <c:pt idx="28">
+                  <c:v>0.0</c:v>
+                </c:pt>
+                <c:pt idx="29">
+                  <c:v>0.0</c:v>
+                </c:pt>
+                <c:pt idx="30">
+                  <c:v>0.0</c:v>
+                </c:pt>
+                <c:pt idx="31">
+                  <c:v>0.0</c:v>
+                </c:pt>
+                <c:pt idx="32">
+                  <c:v>0.0</c:v>
+                </c:pt>
+                <c:pt idx="33">
+                  <c:v>0.0</c:v>
+                </c:pt>
+                <c:pt idx="34">
+                  <c:v>0.0</c:v>
+                </c:pt>
+                <c:pt idx="35">
+                  <c:v>0.0</c:v>
+                </c:pt>
+                <c:pt idx="36">
+                  <c:v>0.0</c:v>
+                </c:pt>
+                <c:pt idx="37">
+                  <c:v>0.0</c:v>
+                </c:pt>
+              </c:numCache>
+            </c:numRef>
+          </c:val>
+          <c:smooth val="0"/>
+        </c:ser>
+        <c:dLbls>
+          <c:showLegendKey val="0"/>
+          <c:showVal val="0"/>
+          <c:showCatName val="0"/>
+          <c:showSerName val="0"/>
+          <c:showPercent val="0"/>
+          <c:showBubbleSize val="0"/>
+        </c:dLbls>
+        <c:smooth val="0"/>
+        <c:axId val="1111818320"/>
+        <c:axId val="1045498016"/>
+      </c:lineChart>
+      <c:catAx>
+        <c:axId val="1111818320"/>
+        <c:scaling>
+          <c:orientation val="minMax"/>
+        </c:scaling>
+        <c:delete val="0"/>
+        <c:axPos val="b"/>
+        <c:numFmt formatCode="General" sourceLinked="1"/>
+        <c:majorTickMark val="none"/>
+        <c:minorTickMark val="none"/>
+        <c:tickLblPos val="nextTo"/>
+        <c:spPr>
+          <a:noFill/>
+          <a:ln w="9525" cap="flat" cmpd="sng" algn="ctr">
+            <a:solidFill>
+              <a:schemeClr val="tx1">
+                <a:lumMod val="25000"/>
+                <a:lumOff val="75000"/>
+              </a:schemeClr>
+            </a:solidFill>
+            <a:round/>
+          </a:ln>
+          <a:effectLst/>
+        </c:spPr>
+        <c:txPr>
+          <a:bodyPr rot="-60000000" spcFirstLastPara="1" vertOverflow="ellipsis" vert="horz" wrap="square" anchor="ctr" anchorCtr="1"/>
+          <a:lstStyle/>
+          <a:p>
+            <a:pPr>
+              <a:defRPr sz="900" b="0" i="0" u="none" strike="noStrike" kern="1200" baseline="0">
+                <a:solidFill>
+                  <a:schemeClr val="tx1">
+                    <a:lumMod val="65000"/>
+                    <a:lumOff val="35000"/>
+                  </a:schemeClr>
+                </a:solidFill>
+                <a:latin typeface="+mn-lt"/>
+                <a:ea typeface="+mn-ea"/>
+                <a:cs typeface="+mn-cs"/>
+              </a:defRPr>
+            </a:pPr>
+            <a:endParaRPr lang="en-US"/>
+          </a:p>
+        </c:txPr>
+        <c:crossAx val="1045498016"/>
+        <c:crosses val="autoZero"/>
+        <c:auto val="1"/>
+        <c:lblAlgn val="ctr"/>
+        <c:lblOffset val="100"/>
+        <c:noMultiLvlLbl val="0"/>
+      </c:catAx>
+      <c:valAx>
+        <c:axId val="1045498016"/>
+        <c:scaling>
+          <c:orientation val="minMax"/>
+        </c:scaling>
+        <c:delete val="0"/>
+        <c:axPos val="l"/>
+        <c:majorGridlines>
+          <c:spPr>
+            <a:ln w="9525" cap="flat" cmpd="sng" algn="ctr">
+              <a:solidFill>
+                <a:schemeClr val="tx1">
+                  <a:lumMod val="15000"/>
+                  <a:lumOff val="85000"/>
+                </a:schemeClr>
+              </a:solidFill>
+              <a:round/>
+            </a:ln>
+            <a:effectLst/>
+          </c:spPr>
+        </c:majorGridlines>
+        <c:numFmt formatCode="General" sourceLinked="0"/>
+        <c:majorTickMark val="none"/>
+        <c:minorTickMark val="none"/>
+        <c:tickLblPos val="nextTo"/>
+        <c:spPr>
+          <a:noFill/>
+          <a:ln w="9525" cap="flat" cmpd="sng" algn="ctr">
+            <a:solidFill>
+              <a:schemeClr val="tx1">
+                <a:lumMod val="25000"/>
+                <a:lumOff val="75000"/>
+              </a:schemeClr>
+            </a:solidFill>
+            <a:round/>
+          </a:ln>
+          <a:effectLst/>
+        </c:spPr>
+        <c:txPr>
+          <a:bodyPr rot="-60000000" spcFirstLastPara="1" vertOverflow="ellipsis" vert="horz" wrap="square" anchor="ctr" anchorCtr="1"/>
+          <a:lstStyle/>
+          <a:p>
+            <a:pPr>
+              <a:defRPr sz="900" b="0" i="0" u="none" strike="noStrike" kern="1200" baseline="0">
+                <a:solidFill>
+                  <a:schemeClr val="tx1">
+                    <a:lumMod val="65000"/>
+                    <a:lumOff val="35000"/>
+                  </a:schemeClr>
+                </a:solidFill>
+                <a:latin typeface="+mn-lt"/>
+                <a:ea typeface="+mn-ea"/>
+                <a:cs typeface="+mn-cs"/>
+              </a:defRPr>
+            </a:pPr>
+            <a:endParaRPr lang="en-US"/>
+          </a:p>
+        </c:txPr>
+        <c:crossAx val="1111818320"/>
         <c:crosses val="autoZero"/>
         <c:crossBetween val="between"/>
       </c:valAx>
@@ -727,7 +2828,6 @@
           </a:p>
         </c:rich>
       </c:tx>
-      <c:layout/>
       <c:overlay val="0"/>
       <c:spPr>
         <a:noFill/>
@@ -1101,11 +3201,11 @@
         </c:dLbls>
         <c:gapWidth val="219"/>
         <c:overlap val="-27"/>
-        <c:axId val="1348046064"/>
-        <c:axId val="1342839904"/>
+        <c:axId val="840573552"/>
+        <c:axId val="840576304"/>
       </c:barChart>
       <c:catAx>
-        <c:axId val="1348046064"/>
+        <c:axId val="840573552"/>
         <c:scaling>
           <c:orientation val="minMax"/>
         </c:scaling>
@@ -1148,7 +3248,7 @@
             <a:endParaRPr lang="en-US"/>
           </a:p>
         </c:txPr>
-        <c:crossAx val="1342839904"/>
+        <c:crossAx val="840576304"/>
         <c:crosses val="autoZero"/>
         <c:auto val="1"/>
         <c:lblAlgn val="ctr"/>
@@ -1156,7 +3256,7 @@
         <c:noMultiLvlLbl val="0"/>
       </c:catAx>
       <c:valAx>
-        <c:axId val="1342839904"/>
+        <c:axId val="840576304"/>
         <c:scaling>
           <c:orientation val="minMax"/>
         </c:scaling>
@@ -1207,7 +3307,7 @@
             <a:endParaRPr lang="en-US"/>
           </a:p>
         </c:txPr>
-        <c:crossAx val="1348046064"/>
+        <c:crossAx val="840573552"/>
         <c:crosses val="autoZero"/>
         <c:crossBetween val="between"/>
       </c:valAx>
@@ -1286,7 +3386,6 @@
           </a:p>
         </c:rich>
       </c:tx>
-      <c:layout/>
       <c:overlay val="0"/>
       <c:spPr>
         <a:noFill/>
@@ -1660,11 +3759,11 @@
         </c:dLbls>
         <c:gapWidth val="219"/>
         <c:overlap val="-27"/>
-        <c:axId val="1343002064"/>
-        <c:axId val="1343052304"/>
+        <c:axId val="840601456"/>
+        <c:axId val="840604208"/>
       </c:barChart>
       <c:catAx>
-        <c:axId val="1343002064"/>
+        <c:axId val="840601456"/>
         <c:scaling>
           <c:orientation val="minMax"/>
         </c:scaling>
@@ -1707,7 +3806,7 @@
             <a:endParaRPr lang="en-US"/>
           </a:p>
         </c:txPr>
-        <c:crossAx val="1343052304"/>
+        <c:crossAx val="840604208"/>
         <c:crosses val="autoZero"/>
         <c:auto val="1"/>
         <c:lblAlgn val="ctr"/>
@@ -1715,7 +3814,7 @@
         <c:noMultiLvlLbl val="0"/>
       </c:catAx>
       <c:valAx>
-        <c:axId val="1343052304"/>
+        <c:axId val="840604208"/>
         <c:scaling>
           <c:orientation val="minMax"/>
         </c:scaling>
@@ -1766,7 +3865,7 @@
             <a:endParaRPr lang="en-US"/>
           </a:p>
         </c:txPr>
-        <c:crossAx val="1343002064"/>
+        <c:crossAx val="840601456"/>
         <c:crosses val="autoZero"/>
         <c:crossBetween val="between"/>
       </c:valAx>
@@ -1780,7 +3879,6 @@
     </c:plotArea>
     <c:legend>
       <c:legendPos val="t"/>
-      <c:layout/>
       <c:overlay val="0"/>
       <c:spPr>
         <a:noFill/>
@@ -2111,11 +4209,11 @@
         </c:dLbls>
         <c:gapWidth val="219"/>
         <c:overlap val="-27"/>
-        <c:axId val="1417104688"/>
-        <c:axId val="1417107520"/>
+        <c:axId val="840631424"/>
+        <c:axId val="840634688"/>
       </c:barChart>
       <c:catAx>
-        <c:axId val="1417104688"/>
+        <c:axId val="840631424"/>
         <c:scaling>
           <c:orientation val="minMax"/>
         </c:scaling>
@@ -2124,7 +4222,7 @@
         <c:majorTickMark val="none"/>
         <c:minorTickMark val="none"/>
         <c:tickLblPos val="nextTo"/>
-        <c:crossAx val="1417107520"/>
+        <c:crossAx val="840634688"/>
         <c:crosses val="autoZero"/>
         <c:auto val="1"/>
         <c:lblAlgn val="ctr"/>
@@ -2132,7 +4230,7 @@
         <c:noMultiLvlLbl val="0"/>
       </c:catAx>
       <c:valAx>
-        <c:axId val="1417107520"/>
+        <c:axId val="840634688"/>
         <c:scaling>
           <c:orientation val="minMax"/>
           <c:max val="0.6"/>
@@ -2184,7 +4282,7 @@
             <a:endParaRPr lang="en-US"/>
           </a:p>
         </c:txPr>
-        <c:crossAx val="1417104688"/>
+        <c:crossAx val="840631424"/>
         <c:crosses val="autoZero"/>
         <c:crossBetween val="between"/>
       </c:valAx>
@@ -2541,11 +4639,11 @@
         </c:dLbls>
         <c:gapWidth val="219"/>
         <c:overlap val="-27"/>
-        <c:axId val="1417135888"/>
-        <c:axId val="1417138720"/>
+        <c:axId val="840666144"/>
+        <c:axId val="840669408"/>
       </c:barChart>
       <c:catAx>
-        <c:axId val="1417135888"/>
+        <c:axId val="840666144"/>
         <c:scaling>
           <c:orientation val="minMax"/>
         </c:scaling>
@@ -2587,7 +4685,7 @@
             <a:endParaRPr lang="en-US"/>
           </a:p>
         </c:txPr>
-        <c:crossAx val="1417138720"/>
+        <c:crossAx val="840669408"/>
         <c:crosses val="autoZero"/>
         <c:auto val="1"/>
         <c:lblAlgn val="ctr"/>
@@ -2595,7 +4693,7 @@
         <c:noMultiLvlLbl val="0"/>
       </c:catAx>
       <c:valAx>
-        <c:axId val="1417138720"/>
+        <c:axId val="840669408"/>
         <c:scaling>
           <c:orientation val="minMax"/>
         </c:scaling>
@@ -2646,7 +4744,7 @@
             <a:endParaRPr lang="en-US"/>
           </a:p>
         </c:txPr>
-        <c:crossAx val="1417135888"/>
+        <c:crossAx val="840666144"/>
         <c:crosses val="autoZero"/>
         <c:crossBetween val="between"/>
       </c:valAx>
@@ -2847,7 +4945,7 @@
                   <c:v>94.436521766471</c:v>
                 </c:pt>
                 <c:pt idx="3">
-                  <c:v>46.30703128724323</c:v>
+                  <c:v>46.30703128724321</c:v>
                 </c:pt>
                 <c:pt idx="4">
                   <c:v>17.03002005892695</c:v>
@@ -2875,11 +4973,11 @@
         </c:dLbls>
         <c:gapWidth val="219"/>
         <c:overlap val="-27"/>
-        <c:axId val="1247612368"/>
-        <c:axId val="1247564400"/>
+        <c:axId val="840721200"/>
+        <c:axId val="840723952"/>
       </c:barChart>
       <c:catAx>
-        <c:axId val="1247612368"/>
+        <c:axId val="840721200"/>
         <c:scaling>
           <c:orientation val="minMax"/>
         </c:scaling>
@@ -2922,7 +5020,7 @@
             <a:endParaRPr lang="en-US"/>
           </a:p>
         </c:txPr>
-        <c:crossAx val="1247564400"/>
+        <c:crossAx val="840723952"/>
         <c:crosses val="autoZero"/>
         <c:auto val="1"/>
         <c:lblAlgn val="ctr"/>
@@ -2930,7 +5028,7 @@
         <c:noMultiLvlLbl val="0"/>
       </c:catAx>
       <c:valAx>
-        <c:axId val="1247564400"/>
+        <c:axId val="840723952"/>
         <c:scaling>
           <c:orientation val="minMax"/>
         </c:scaling>
@@ -2980,7 +5078,7 @@
             <a:endParaRPr lang="en-US"/>
           </a:p>
         </c:txPr>
-        <c:crossAx val="1247612368"/>
+        <c:crossAx val="840721200"/>
         <c:crosses val="autoZero"/>
         <c:crossBetween val="between"/>
       </c:valAx>
@@ -3233,7 +5331,7 @@
                   <c:v>139.0719678394247</c:v>
                 </c:pt>
                 <c:pt idx="2">
-                  <c:v>76.85556117441894</c:v>
+                  <c:v>76.85556117441892</c:v>
                 </c:pt>
                 <c:pt idx="3">
                   <c:v>28.31520674847013</c:v>
@@ -3264,11 +5362,11 @@
         </c:dLbls>
         <c:gapWidth val="219"/>
         <c:overlap val="-27"/>
-        <c:axId val="1247584496"/>
-        <c:axId val="1343119888"/>
+        <c:axId val="840745424"/>
+        <c:axId val="840748176"/>
       </c:barChart>
       <c:catAx>
-        <c:axId val="1247584496"/>
+        <c:axId val="840745424"/>
         <c:scaling>
           <c:orientation val="minMax"/>
         </c:scaling>
@@ -3311,7 +5409,7 @@
             <a:endParaRPr lang="en-US"/>
           </a:p>
         </c:txPr>
-        <c:crossAx val="1343119888"/>
+        <c:crossAx val="840748176"/>
         <c:crosses val="autoZero"/>
         <c:auto val="1"/>
         <c:lblAlgn val="ctr"/>
@@ -3319,7 +5417,7 @@
         <c:noMultiLvlLbl val="0"/>
       </c:catAx>
       <c:valAx>
-        <c:axId val="1343119888"/>
+        <c:axId val="840748176"/>
         <c:scaling>
           <c:orientation val="minMax"/>
         </c:scaling>
@@ -3369,7 +5467,7 @@
             <a:endParaRPr lang="en-US"/>
           </a:p>
         </c:txPr>
-        <c:crossAx val="1247584496"/>
+        <c:crossAx val="840745424"/>
         <c:crosses val="autoZero"/>
         <c:crossBetween val="between"/>
       </c:valAx>
@@ -3440,11 +5538,2215 @@
 </c:chartSpace>
 </file>
 
+<file path=ppt/charts/chart8.xml><?xml version="1.0" encoding="utf-8"?>
+<c:chartSpace xmlns:c="http://schemas.openxmlformats.org/drawingml/2006/chart" xmlns:a="http://schemas.openxmlformats.org/drawingml/2006/main" xmlns:r="http://schemas.openxmlformats.org/officeDocument/2006/relationships">
+  <c:date1904 val="0"/>
+  <c:lang val="en-US"/>
+  <c:roundedCorners val="0"/>
+  <mc:AlternateContent xmlns:mc="http://schemas.openxmlformats.org/markup-compatibility/2006">
+    <mc:Choice xmlns:c14="http://schemas.microsoft.com/office/drawing/2007/8/2/chart" Requires="c14">
+      <c14:style val="102"/>
+    </mc:Choice>
+    <mc:Fallback>
+      <c:style val="2"/>
+    </mc:Fallback>
+  </mc:AlternateContent>
+  <c:chart>
+    <c:title>
+      <c:tx>
+        <c:rich>
+          <a:bodyPr rot="0" spcFirstLastPara="1" vertOverflow="ellipsis" vert="horz" wrap="square" anchor="ctr" anchorCtr="1"/>
+          <a:lstStyle/>
+          <a:p>
+            <a:pPr>
+              <a:defRPr sz="1400" b="0" i="0" u="none" strike="noStrike" kern="1200" spc="0" baseline="0">
+                <a:solidFill>
+                  <a:schemeClr val="tx1">
+                    <a:lumMod val="65000"/>
+                    <a:lumOff val="35000"/>
+                  </a:schemeClr>
+                </a:solidFill>
+                <a:latin typeface="+mn-lt"/>
+                <a:ea typeface="+mn-ea"/>
+                <a:cs typeface="+mn-cs"/>
+              </a:defRPr>
+            </a:pPr>
+            <a:r>
+              <a:rPr lang="en-US" dirty="0" smtClean="0"/>
+              <a:t>Flat Bet</a:t>
+            </a:r>
+          </a:p>
+        </c:rich>
+      </c:tx>
+      <c:layout/>
+      <c:overlay val="0"/>
+      <c:spPr>
+        <a:noFill/>
+        <a:ln>
+          <a:noFill/>
+        </a:ln>
+        <a:effectLst/>
+      </c:spPr>
+      <c:txPr>
+        <a:bodyPr rot="0" spcFirstLastPara="1" vertOverflow="ellipsis" vert="horz" wrap="square" anchor="ctr" anchorCtr="1"/>
+        <a:lstStyle/>
+        <a:p>
+          <a:pPr>
+            <a:defRPr sz="1400" b="0" i="0" u="none" strike="noStrike" kern="1200" spc="0" baseline="0">
+              <a:solidFill>
+                <a:schemeClr val="tx1">
+                  <a:lumMod val="65000"/>
+                  <a:lumOff val="35000"/>
+                </a:schemeClr>
+              </a:solidFill>
+              <a:latin typeface="+mn-lt"/>
+              <a:ea typeface="+mn-ea"/>
+              <a:cs typeface="+mn-cs"/>
+            </a:defRPr>
+          </a:pPr>
+          <a:endParaRPr lang="en-US"/>
+        </a:p>
+      </c:txPr>
+    </c:title>
+    <c:autoTitleDeleted val="0"/>
+    <c:plotArea>
+      <c:layout/>
+      <c:lineChart>
+        <c:grouping val="standard"/>
+        <c:varyColors val="0"/>
+        <c:ser>
+          <c:idx val="0"/>
+          <c:order val="0"/>
+          <c:tx>
+            <c:strRef>
+              <c:f>'1_FLAT BET'!$A$1</c:f>
+              <c:strCache>
+                <c:ptCount val="1"/>
+                <c:pt idx="0">
+                  <c:v>2014/2015</c:v>
+                </c:pt>
+              </c:strCache>
+            </c:strRef>
+          </c:tx>
+          <c:spPr>
+            <a:ln w="19050" cap="rnd">
+              <a:solidFill>
+                <a:schemeClr val="accent6"/>
+              </a:solidFill>
+              <a:round/>
+            </a:ln>
+            <a:effectLst/>
+          </c:spPr>
+          <c:marker>
+            <c:symbol val="none"/>
+          </c:marker>
+          <c:cat>
+            <c:numRef>
+              <c:f>'1_FLAT BET'!$A$2:$A$39</c:f>
+              <c:numCache>
+                <c:formatCode>General</c:formatCode>
+                <c:ptCount val="38"/>
+                <c:pt idx="0">
+                  <c:v>1.0</c:v>
+                </c:pt>
+                <c:pt idx="1">
+                  <c:v>2.0</c:v>
+                </c:pt>
+                <c:pt idx="2">
+                  <c:v>3.0</c:v>
+                </c:pt>
+                <c:pt idx="3">
+                  <c:v>4.0</c:v>
+                </c:pt>
+                <c:pt idx="4">
+                  <c:v>5.0</c:v>
+                </c:pt>
+                <c:pt idx="5">
+                  <c:v>6.0</c:v>
+                </c:pt>
+                <c:pt idx="6">
+                  <c:v>7.0</c:v>
+                </c:pt>
+                <c:pt idx="7">
+                  <c:v>8.0</c:v>
+                </c:pt>
+                <c:pt idx="8">
+                  <c:v>9.0</c:v>
+                </c:pt>
+                <c:pt idx="9">
+                  <c:v>10.0</c:v>
+                </c:pt>
+                <c:pt idx="10">
+                  <c:v>11.0</c:v>
+                </c:pt>
+                <c:pt idx="11">
+                  <c:v>12.0</c:v>
+                </c:pt>
+                <c:pt idx="12">
+                  <c:v>13.0</c:v>
+                </c:pt>
+                <c:pt idx="13">
+                  <c:v>14.0</c:v>
+                </c:pt>
+                <c:pt idx="14">
+                  <c:v>15.0</c:v>
+                </c:pt>
+                <c:pt idx="15">
+                  <c:v>16.0</c:v>
+                </c:pt>
+                <c:pt idx="16">
+                  <c:v>17.0</c:v>
+                </c:pt>
+                <c:pt idx="17">
+                  <c:v>18.0</c:v>
+                </c:pt>
+                <c:pt idx="18">
+                  <c:v>19.0</c:v>
+                </c:pt>
+                <c:pt idx="19">
+                  <c:v>20.0</c:v>
+                </c:pt>
+                <c:pt idx="20">
+                  <c:v>21.0</c:v>
+                </c:pt>
+                <c:pt idx="21">
+                  <c:v>22.0</c:v>
+                </c:pt>
+                <c:pt idx="22">
+                  <c:v>23.0</c:v>
+                </c:pt>
+                <c:pt idx="23">
+                  <c:v>24.0</c:v>
+                </c:pt>
+                <c:pt idx="24">
+                  <c:v>25.0</c:v>
+                </c:pt>
+                <c:pt idx="25">
+                  <c:v>26.0</c:v>
+                </c:pt>
+                <c:pt idx="26">
+                  <c:v>27.0</c:v>
+                </c:pt>
+                <c:pt idx="27">
+                  <c:v>28.0</c:v>
+                </c:pt>
+                <c:pt idx="28">
+                  <c:v>29.0</c:v>
+                </c:pt>
+                <c:pt idx="29">
+                  <c:v>30.0</c:v>
+                </c:pt>
+                <c:pt idx="30">
+                  <c:v>31.0</c:v>
+                </c:pt>
+                <c:pt idx="31">
+                  <c:v>32.0</c:v>
+                </c:pt>
+                <c:pt idx="32">
+                  <c:v>33.0</c:v>
+                </c:pt>
+                <c:pt idx="33">
+                  <c:v>34.0</c:v>
+                </c:pt>
+                <c:pt idx="34">
+                  <c:v>35.0</c:v>
+                </c:pt>
+                <c:pt idx="35">
+                  <c:v>36.0</c:v>
+                </c:pt>
+                <c:pt idx="36">
+                  <c:v>37.0</c:v>
+                </c:pt>
+                <c:pt idx="37">
+                  <c:v>38.0</c:v>
+                </c:pt>
+              </c:numCache>
+            </c:numRef>
+          </c:cat>
+          <c:val>
+            <c:numRef>
+              <c:f>'1_FLAT BET'!$B$2:$B$39</c:f>
+              <c:numCache>
+                <c:formatCode>General</c:formatCode>
+                <c:ptCount val="38"/>
+                <c:pt idx="0">
+                  <c:v>-1.88</c:v>
+                </c:pt>
+                <c:pt idx="1">
+                  <c:v>-1.01</c:v>
+                </c:pt>
+                <c:pt idx="2">
+                  <c:v>-1.66</c:v>
+                </c:pt>
+                <c:pt idx="3">
+                  <c:v>1.11</c:v>
+                </c:pt>
+                <c:pt idx="4">
+                  <c:v>1.79</c:v>
+                </c:pt>
+                <c:pt idx="5">
+                  <c:v>-1.01</c:v>
+                </c:pt>
+                <c:pt idx="6">
+                  <c:v>-4.96</c:v>
+                </c:pt>
+                <c:pt idx="7">
+                  <c:v>-6.67</c:v>
+                </c:pt>
+                <c:pt idx="8">
+                  <c:v>-11.04</c:v>
+                </c:pt>
+                <c:pt idx="9">
+                  <c:v>-14.04</c:v>
+                </c:pt>
+                <c:pt idx="10">
+                  <c:v>-15.8</c:v>
+                </c:pt>
+                <c:pt idx="11">
+                  <c:v>-18.87</c:v>
+                </c:pt>
+                <c:pt idx="12">
+                  <c:v>-16.95</c:v>
+                </c:pt>
+                <c:pt idx="13">
+                  <c:v>-15.2</c:v>
+                </c:pt>
+                <c:pt idx="14">
+                  <c:v>-18.67</c:v>
+                </c:pt>
+                <c:pt idx="15">
+                  <c:v>-19.74</c:v>
+                </c:pt>
+                <c:pt idx="16">
+                  <c:v>-23.62</c:v>
+                </c:pt>
+                <c:pt idx="17">
+                  <c:v>-24.39</c:v>
+                </c:pt>
+                <c:pt idx="18">
+                  <c:v>-22.48</c:v>
+                </c:pt>
+                <c:pt idx="19">
+                  <c:v>-26.41</c:v>
+                </c:pt>
+                <c:pt idx="20">
+                  <c:v>-26.1</c:v>
+                </c:pt>
+                <c:pt idx="21">
+                  <c:v>-21.71</c:v>
+                </c:pt>
+                <c:pt idx="22">
+                  <c:v>-23.83</c:v>
+                </c:pt>
+                <c:pt idx="23">
+                  <c:v>-24.82</c:v>
+                </c:pt>
+                <c:pt idx="24">
+                  <c:v>-19.6</c:v>
+                </c:pt>
+                <c:pt idx="25">
+                  <c:v>-25.55</c:v>
+                </c:pt>
+                <c:pt idx="26">
+                  <c:v>-29.22</c:v>
+                </c:pt>
+                <c:pt idx="27">
+                  <c:v>-30.11</c:v>
+                </c:pt>
+                <c:pt idx="28">
+                  <c:v>-27.7</c:v>
+                </c:pt>
+                <c:pt idx="29">
+                  <c:v>-24.59</c:v>
+                </c:pt>
+                <c:pt idx="30">
+                  <c:v>-29.69</c:v>
+                </c:pt>
+                <c:pt idx="31">
+                  <c:v>-27.72</c:v>
+                </c:pt>
+                <c:pt idx="32">
+                  <c:v>-27.65</c:v>
+                </c:pt>
+                <c:pt idx="33">
+                  <c:v>-26.42</c:v>
+                </c:pt>
+                <c:pt idx="34">
+                  <c:v>-32.67</c:v>
+                </c:pt>
+                <c:pt idx="35">
+                  <c:v>-26.12</c:v>
+                </c:pt>
+                <c:pt idx="36">
+                  <c:v>-18.82</c:v>
+                </c:pt>
+                <c:pt idx="37">
+                  <c:v>-21.56</c:v>
+                </c:pt>
+              </c:numCache>
+            </c:numRef>
+          </c:val>
+          <c:smooth val="0"/>
+        </c:ser>
+        <c:ser>
+          <c:idx val="1"/>
+          <c:order val="1"/>
+          <c:tx>
+            <c:strRef>
+              <c:f>'1_FLAT BET'!$A$40</c:f>
+              <c:strCache>
+                <c:ptCount val="1"/>
+                <c:pt idx="0">
+                  <c:v>2015/2016</c:v>
+                </c:pt>
+              </c:strCache>
+            </c:strRef>
+          </c:tx>
+          <c:spPr>
+            <a:ln w="19050" cap="rnd">
+              <a:solidFill>
+                <a:schemeClr val="accent5"/>
+              </a:solidFill>
+              <a:round/>
+            </a:ln>
+            <a:effectLst/>
+          </c:spPr>
+          <c:marker>
+            <c:symbol val="none"/>
+          </c:marker>
+          <c:cat>
+            <c:numRef>
+              <c:f>'1_FLAT BET'!$A$2:$A$39</c:f>
+              <c:numCache>
+                <c:formatCode>General</c:formatCode>
+                <c:ptCount val="38"/>
+                <c:pt idx="0">
+                  <c:v>1.0</c:v>
+                </c:pt>
+                <c:pt idx="1">
+                  <c:v>2.0</c:v>
+                </c:pt>
+                <c:pt idx="2">
+                  <c:v>3.0</c:v>
+                </c:pt>
+                <c:pt idx="3">
+                  <c:v>4.0</c:v>
+                </c:pt>
+                <c:pt idx="4">
+                  <c:v>5.0</c:v>
+                </c:pt>
+                <c:pt idx="5">
+                  <c:v>6.0</c:v>
+                </c:pt>
+                <c:pt idx="6">
+                  <c:v>7.0</c:v>
+                </c:pt>
+                <c:pt idx="7">
+                  <c:v>8.0</c:v>
+                </c:pt>
+                <c:pt idx="8">
+                  <c:v>9.0</c:v>
+                </c:pt>
+                <c:pt idx="9">
+                  <c:v>10.0</c:v>
+                </c:pt>
+                <c:pt idx="10">
+                  <c:v>11.0</c:v>
+                </c:pt>
+                <c:pt idx="11">
+                  <c:v>12.0</c:v>
+                </c:pt>
+                <c:pt idx="12">
+                  <c:v>13.0</c:v>
+                </c:pt>
+                <c:pt idx="13">
+                  <c:v>14.0</c:v>
+                </c:pt>
+                <c:pt idx="14">
+                  <c:v>15.0</c:v>
+                </c:pt>
+                <c:pt idx="15">
+                  <c:v>16.0</c:v>
+                </c:pt>
+                <c:pt idx="16">
+                  <c:v>17.0</c:v>
+                </c:pt>
+                <c:pt idx="17">
+                  <c:v>18.0</c:v>
+                </c:pt>
+                <c:pt idx="18">
+                  <c:v>19.0</c:v>
+                </c:pt>
+                <c:pt idx="19">
+                  <c:v>20.0</c:v>
+                </c:pt>
+                <c:pt idx="20">
+                  <c:v>21.0</c:v>
+                </c:pt>
+                <c:pt idx="21">
+                  <c:v>22.0</c:v>
+                </c:pt>
+                <c:pt idx="22">
+                  <c:v>23.0</c:v>
+                </c:pt>
+                <c:pt idx="23">
+                  <c:v>24.0</c:v>
+                </c:pt>
+                <c:pt idx="24">
+                  <c:v>25.0</c:v>
+                </c:pt>
+                <c:pt idx="25">
+                  <c:v>26.0</c:v>
+                </c:pt>
+                <c:pt idx="26">
+                  <c:v>27.0</c:v>
+                </c:pt>
+                <c:pt idx="27">
+                  <c:v>28.0</c:v>
+                </c:pt>
+                <c:pt idx="28">
+                  <c:v>29.0</c:v>
+                </c:pt>
+                <c:pt idx="29">
+                  <c:v>30.0</c:v>
+                </c:pt>
+                <c:pt idx="30">
+                  <c:v>31.0</c:v>
+                </c:pt>
+                <c:pt idx="31">
+                  <c:v>32.0</c:v>
+                </c:pt>
+                <c:pt idx="32">
+                  <c:v>33.0</c:v>
+                </c:pt>
+                <c:pt idx="33">
+                  <c:v>34.0</c:v>
+                </c:pt>
+                <c:pt idx="34">
+                  <c:v>35.0</c:v>
+                </c:pt>
+                <c:pt idx="35">
+                  <c:v>36.0</c:v>
+                </c:pt>
+                <c:pt idx="36">
+                  <c:v>37.0</c:v>
+                </c:pt>
+                <c:pt idx="37">
+                  <c:v>38.0</c:v>
+                </c:pt>
+              </c:numCache>
+            </c:numRef>
+          </c:cat>
+          <c:val>
+            <c:numRef>
+              <c:f>'1_FLAT BET'!$B$41:$B$78</c:f>
+              <c:numCache>
+                <c:formatCode>General</c:formatCode>
+                <c:ptCount val="38"/>
+                <c:pt idx="0">
+                  <c:v>-5.05</c:v>
+                </c:pt>
+                <c:pt idx="1">
+                  <c:v>-4.15</c:v>
+                </c:pt>
+                <c:pt idx="2">
+                  <c:v>-6.5</c:v>
+                </c:pt>
+                <c:pt idx="3">
+                  <c:v>-5.44</c:v>
+                </c:pt>
+                <c:pt idx="4">
+                  <c:v>-3.21</c:v>
+                </c:pt>
+                <c:pt idx="5">
+                  <c:v>-0.91</c:v>
+                </c:pt>
+                <c:pt idx="6">
+                  <c:v>-1.69</c:v>
+                </c:pt>
+                <c:pt idx="7">
+                  <c:v>-3.24</c:v>
+                </c:pt>
+                <c:pt idx="8">
+                  <c:v>-1.37</c:v>
+                </c:pt>
+                <c:pt idx="9">
+                  <c:v>-4.08</c:v>
+                </c:pt>
+                <c:pt idx="10">
+                  <c:v>-3.81</c:v>
+                </c:pt>
+                <c:pt idx="11">
+                  <c:v>-4.09</c:v>
+                </c:pt>
+                <c:pt idx="12">
+                  <c:v>-6.19</c:v>
+                </c:pt>
+                <c:pt idx="13">
+                  <c:v>-11.0</c:v>
+                </c:pt>
+                <c:pt idx="14">
+                  <c:v>-9.710000000000001</c:v>
+                </c:pt>
+                <c:pt idx="15">
+                  <c:v>-11.64</c:v>
+                </c:pt>
+                <c:pt idx="16">
+                  <c:v>-9.83</c:v>
+                </c:pt>
+                <c:pt idx="17">
+                  <c:v>-11.22</c:v>
+                </c:pt>
+                <c:pt idx="18">
+                  <c:v>-7.62</c:v>
+                </c:pt>
+                <c:pt idx="19">
+                  <c:v>-10.96</c:v>
+                </c:pt>
+                <c:pt idx="20">
+                  <c:v>-9.57</c:v>
+                </c:pt>
+                <c:pt idx="21">
+                  <c:v>-14.79</c:v>
+                </c:pt>
+                <c:pt idx="22">
+                  <c:v>-13.8</c:v>
+                </c:pt>
+                <c:pt idx="23">
+                  <c:v>-20.36</c:v>
+                </c:pt>
+                <c:pt idx="24">
+                  <c:v>-14.76</c:v>
+                </c:pt>
+                <c:pt idx="25">
+                  <c:v>-13.87</c:v>
+                </c:pt>
+                <c:pt idx="26">
+                  <c:v>-16.77</c:v>
+                </c:pt>
+                <c:pt idx="27">
+                  <c:v>-16.73</c:v>
+                </c:pt>
+                <c:pt idx="28">
+                  <c:v>-15.51</c:v>
+                </c:pt>
+                <c:pt idx="29">
+                  <c:v>-18.07</c:v>
+                </c:pt>
+                <c:pt idx="30">
+                  <c:v>-20.47</c:v>
+                </c:pt>
+                <c:pt idx="31">
+                  <c:v>-19.29</c:v>
+                </c:pt>
+                <c:pt idx="32">
+                  <c:v>-17.47</c:v>
+                </c:pt>
+                <c:pt idx="33">
+                  <c:v>-15.87</c:v>
+                </c:pt>
+                <c:pt idx="34">
+                  <c:v>-7.23</c:v>
+                </c:pt>
+                <c:pt idx="35">
+                  <c:v>-4.19</c:v>
+                </c:pt>
+                <c:pt idx="36">
+                  <c:v>-6.11</c:v>
+                </c:pt>
+                <c:pt idx="37">
+                  <c:v>-9.56</c:v>
+                </c:pt>
+              </c:numCache>
+            </c:numRef>
+          </c:val>
+          <c:smooth val="0"/>
+        </c:ser>
+        <c:ser>
+          <c:idx val="2"/>
+          <c:order val="2"/>
+          <c:spPr>
+            <a:ln w="19050" cap="rnd">
+              <a:solidFill>
+                <a:schemeClr val="accent4"/>
+              </a:solidFill>
+              <a:round/>
+            </a:ln>
+            <a:effectLst/>
+          </c:spPr>
+          <c:marker>
+            <c:symbol val="none"/>
+          </c:marker>
+          <c:cat>
+            <c:numRef>
+              <c:f>'1_FLAT BET'!$A$2:$A$39</c:f>
+              <c:numCache>
+                <c:formatCode>General</c:formatCode>
+                <c:ptCount val="38"/>
+                <c:pt idx="0">
+                  <c:v>1.0</c:v>
+                </c:pt>
+                <c:pt idx="1">
+                  <c:v>2.0</c:v>
+                </c:pt>
+                <c:pt idx="2">
+                  <c:v>3.0</c:v>
+                </c:pt>
+                <c:pt idx="3">
+                  <c:v>4.0</c:v>
+                </c:pt>
+                <c:pt idx="4">
+                  <c:v>5.0</c:v>
+                </c:pt>
+                <c:pt idx="5">
+                  <c:v>6.0</c:v>
+                </c:pt>
+                <c:pt idx="6">
+                  <c:v>7.0</c:v>
+                </c:pt>
+                <c:pt idx="7">
+                  <c:v>8.0</c:v>
+                </c:pt>
+                <c:pt idx="8">
+                  <c:v>9.0</c:v>
+                </c:pt>
+                <c:pt idx="9">
+                  <c:v>10.0</c:v>
+                </c:pt>
+                <c:pt idx="10">
+                  <c:v>11.0</c:v>
+                </c:pt>
+                <c:pt idx="11">
+                  <c:v>12.0</c:v>
+                </c:pt>
+                <c:pt idx="12">
+                  <c:v>13.0</c:v>
+                </c:pt>
+                <c:pt idx="13">
+                  <c:v>14.0</c:v>
+                </c:pt>
+                <c:pt idx="14">
+                  <c:v>15.0</c:v>
+                </c:pt>
+                <c:pt idx="15">
+                  <c:v>16.0</c:v>
+                </c:pt>
+                <c:pt idx="16">
+                  <c:v>17.0</c:v>
+                </c:pt>
+                <c:pt idx="17">
+                  <c:v>18.0</c:v>
+                </c:pt>
+                <c:pt idx="18">
+                  <c:v>19.0</c:v>
+                </c:pt>
+                <c:pt idx="19">
+                  <c:v>20.0</c:v>
+                </c:pt>
+                <c:pt idx="20">
+                  <c:v>21.0</c:v>
+                </c:pt>
+                <c:pt idx="21">
+                  <c:v>22.0</c:v>
+                </c:pt>
+                <c:pt idx="22">
+                  <c:v>23.0</c:v>
+                </c:pt>
+                <c:pt idx="23">
+                  <c:v>24.0</c:v>
+                </c:pt>
+                <c:pt idx="24">
+                  <c:v>25.0</c:v>
+                </c:pt>
+                <c:pt idx="25">
+                  <c:v>26.0</c:v>
+                </c:pt>
+                <c:pt idx="26">
+                  <c:v>27.0</c:v>
+                </c:pt>
+                <c:pt idx="27">
+                  <c:v>28.0</c:v>
+                </c:pt>
+                <c:pt idx="28">
+                  <c:v>29.0</c:v>
+                </c:pt>
+                <c:pt idx="29">
+                  <c:v>30.0</c:v>
+                </c:pt>
+                <c:pt idx="30">
+                  <c:v>31.0</c:v>
+                </c:pt>
+                <c:pt idx="31">
+                  <c:v>32.0</c:v>
+                </c:pt>
+                <c:pt idx="32">
+                  <c:v>33.0</c:v>
+                </c:pt>
+                <c:pt idx="33">
+                  <c:v>34.0</c:v>
+                </c:pt>
+                <c:pt idx="34">
+                  <c:v>35.0</c:v>
+                </c:pt>
+                <c:pt idx="35">
+                  <c:v>36.0</c:v>
+                </c:pt>
+                <c:pt idx="36">
+                  <c:v>37.0</c:v>
+                </c:pt>
+                <c:pt idx="37">
+                  <c:v>38.0</c:v>
+                </c:pt>
+              </c:numCache>
+            </c:numRef>
+          </c:cat>
+          <c:val>
+            <c:numRef>
+              <c:f>'1_FLAT BET'!$C$2:$C$39</c:f>
+              <c:numCache>
+                <c:formatCode>General</c:formatCode>
+                <c:ptCount val="38"/>
+                <c:pt idx="0">
+                  <c:v>0.0</c:v>
+                </c:pt>
+                <c:pt idx="1">
+                  <c:v>0.0</c:v>
+                </c:pt>
+                <c:pt idx="2">
+                  <c:v>0.0</c:v>
+                </c:pt>
+                <c:pt idx="3">
+                  <c:v>0.0</c:v>
+                </c:pt>
+                <c:pt idx="4">
+                  <c:v>0.0</c:v>
+                </c:pt>
+                <c:pt idx="5">
+                  <c:v>0.0</c:v>
+                </c:pt>
+                <c:pt idx="6">
+                  <c:v>0.0</c:v>
+                </c:pt>
+                <c:pt idx="7">
+                  <c:v>0.0</c:v>
+                </c:pt>
+                <c:pt idx="8">
+                  <c:v>0.0</c:v>
+                </c:pt>
+                <c:pt idx="9">
+                  <c:v>0.0</c:v>
+                </c:pt>
+                <c:pt idx="10">
+                  <c:v>0.0</c:v>
+                </c:pt>
+                <c:pt idx="11">
+                  <c:v>0.0</c:v>
+                </c:pt>
+                <c:pt idx="12">
+                  <c:v>0.0</c:v>
+                </c:pt>
+                <c:pt idx="13">
+                  <c:v>0.0</c:v>
+                </c:pt>
+                <c:pt idx="14">
+                  <c:v>0.0</c:v>
+                </c:pt>
+                <c:pt idx="15">
+                  <c:v>0.0</c:v>
+                </c:pt>
+                <c:pt idx="16">
+                  <c:v>0.0</c:v>
+                </c:pt>
+                <c:pt idx="17">
+                  <c:v>0.0</c:v>
+                </c:pt>
+                <c:pt idx="18">
+                  <c:v>0.0</c:v>
+                </c:pt>
+                <c:pt idx="19">
+                  <c:v>0.0</c:v>
+                </c:pt>
+                <c:pt idx="20">
+                  <c:v>0.0</c:v>
+                </c:pt>
+                <c:pt idx="21">
+                  <c:v>0.0</c:v>
+                </c:pt>
+                <c:pt idx="22">
+                  <c:v>0.0</c:v>
+                </c:pt>
+                <c:pt idx="23">
+                  <c:v>0.0</c:v>
+                </c:pt>
+                <c:pt idx="24">
+                  <c:v>0.0</c:v>
+                </c:pt>
+                <c:pt idx="25">
+                  <c:v>0.0</c:v>
+                </c:pt>
+                <c:pt idx="26">
+                  <c:v>0.0</c:v>
+                </c:pt>
+                <c:pt idx="27">
+                  <c:v>0.0</c:v>
+                </c:pt>
+                <c:pt idx="28">
+                  <c:v>0.0</c:v>
+                </c:pt>
+                <c:pt idx="29">
+                  <c:v>0.0</c:v>
+                </c:pt>
+                <c:pt idx="30">
+                  <c:v>0.0</c:v>
+                </c:pt>
+                <c:pt idx="31">
+                  <c:v>0.0</c:v>
+                </c:pt>
+                <c:pt idx="32">
+                  <c:v>0.0</c:v>
+                </c:pt>
+                <c:pt idx="33">
+                  <c:v>0.0</c:v>
+                </c:pt>
+                <c:pt idx="34">
+                  <c:v>0.0</c:v>
+                </c:pt>
+                <c:pt idx="35">
+                  <c:v>0.0</c:v>
+                </c:pt>
+                <c:pt idx="36">
+                  <c:v>0.0</c:v>
+                </c:pt>
+                <c:pt idx="37">
+                  <c:v>0.0</c:v>
+                </c:pt>
+              </c:numCache>
+            </c:numRef>
+          </c:val>
+          <c:smooth val="0"/>
+        </c:ser>
+        <c:dLbls>
+          <c:showLegendKey val="0"/>
+          <c:showVal val="0"/>
+          <c:showCatName val="0"/>
+          <c:showSerName val="0"/>
+          <c:showPercent val="0"/>
+          <c:showBubbleSize val="0"/>
+        </c:dLbls>
+        <c:smooth val="0"/>
+        <c:axId val="1517957056"/>
+        <c:axId val="1517976544"/>
+      </c:lineChart>
+      <c:catAx>
+        <c:axId val="1517957056"/>
+        <c:scaling>
+          <c:orientation val="minMax"/>
+        </c:scaling>
+        <c:delete val="0"/>
+        <c:axPos val="b"/>
+        <c:numFmt formatCode="General" sourceLinked="1"/>
+        <c:majorTickMark val="none"/>
+        <c:minorTickMark val="none"/>
+        <c:tickLblPos val="nextTo"/>
+        <c:spPr>
+          <a:noFill/>
+          <a:ln w="9525" cap="flat" cmpd="sng" algn="ctr">
+            <a:solidFill>
+              <a:schemeClr val="tx1">
+                <a:lumMod val="25000"/>
+                <a:lumOff val="75000"/>
+              </a:schemeClr>
+            </a:solidFill>
+            <a:round/>
+          </a:ln>
+          <a:effectLst/>
+        </c:spPr>
+        <c:txPr>
+          <a:bodyPr rot="-60000000" spcFirstLastPara="1" vertOverflow="ellipsis" vert="horz" wrap="square" anchor="ctr" anchorCtr="1"/>
+          <a:lstStyle/>
+          <a:p>
+            <a:pPr>
+              <a:defRPr sz="900" b="0" i="0" u="none" strike="noStrike" kern="1200" baseline="0">
+                <a:solidFill>
+                  <a:schemeClr val="tx1">
+                    <a:lumMod val="65000"/>
+                    <a:lumOff val="35000"/>
+                  </a:schemeClr>
+                </a:solidFill>
+                <a:latin typeface="+mn-lt"/>
+                <a:ea typeface="+mn-ea"/>
+                <a:cs typeface="+mn-cs"/>
+              </a:defRPr>
+            </a:pPr>
+            <a:endParaRPr lang="en-US"/>
+          </a:p>
+        </c:txPr>
+        <c:crossAx val="1517976544"/>
+        <c:crosses val="autoZero"/>
+        <c:auto val="1"/>
+        <c:lblAlgn val="ctr"/>
+        <c:lblOffset val="100"/>
+        <c:noMultiLvlLbl val="0"/>
+      </c:catAx>
+      <c:valAx>
+        <c:axId val="1517976544"/>
+        <c:scaling>
+          <c:orientation val="minMax"/>
+        </c:scaling>
+        <c:delete val="0"/>
+        <c:axPos val="l"/>
+        <c:majorGridlines>
+          <c:spPr>
+            <a:ln w="9525" cap="flat" cmpd="sng" algn="ctr">
+              <a:solidFill>
+                <a:schemeClr val="tx1">
+                  <a:lumMod val="15000"/>
+                  <a:lumOff val="85000"/>
+                </a:schemeClr>
+              </a:solidFill>
+              <a:round/>
+            </a:ln>
+            <a:effectLst/>
+          </c:spPr>
+        </c:majorGridlines>
+        <c:majorTickMark val="none"/>
+        <c:minorTickMark val="none"/>
+        <c:tickLblPos val="nextTo"/>
+        <c:spPr>
+          <a:noFill/>
+          <a:ln w="9525" cap="flat" cmpd="sng" algn="ctr">
+            <a:solidFill>
+              <a:schemeClr val="tx1">
+                <a:lumMod val="25000"/>
+                <a:lumOff val="75000"/>
+              </a:schemeClr>
+            </a:solidFill>
+            <a:round/>
+          </a:ln>
+          <a:effectLst/>
+        </c:spPr>
+        <c:txPr>
+          <a:bodyPr rot="-60000000" spcFirstLastPara="1" vertOverflow="ellipsis" vert="horz" wrap="square" anchor="ctr" anchorCtr="1"/>
+          <a:lstStyle/>
+          <a:p>
+            <a:pPr>
+              <a:defRPr sz="900" b="0" i="0" u="none" strike="noStrike" kern="1200" baseline="0">
+                <a:solidFill>
+                  <a:schemeClr val="tx1">
+                    <a:lumMod val="65000"/>
+                    <a:lumOff val="35000"/>
+                  </a:schemeClr>
+                </a:solidFill>
+                <a:latin typeface="+mn-lt"/>
+                <a:ea typeface="+mn-ea"/>
+                <a:cs typeface="+mn-cs"/>
+              </a:defRPr>
+            </a:pPr>
+            <a:endParaRPr lang="en-US"/>
+          </a:p>
+        </c:txPr>
+        <c:crossAx val="1517957056"/>
+        <c:crosses val="autoZero"/>
+        <c:crossBetween val="between"/>
+      </c:valAx>
+      <c:spPr>
+        <a:noFill/>
+        <a:ln>
+          <a:noFill/>
+        </a:ln>
+        <a:effectLst/>
+      </c:spPr>
+    </c:plotArea>
+    <c:plotVisOnly val="1"/>
+    <c:dispBlanksAs val="gap"/>
+    <c:showDLblsOverMax val="0"/>
+  </c:chart>
+  <c:spPr>
+    <a:noFill/>
+    <a:ln>
+      <a:noFill/>
+    </a:ln>
+    <a:effectLst/>
+  </c:spPr>
+  <c:txPr>
+    <a:bodyPr/>
+    <a:lstStyle/>
+    <a:p>
+      <a:pPr>
+        <a:defRPr/>
+      </a:pPr>
+      <a:endParaRPr lang="en-US"/>
+    </a:p>
+  </c:txPr>
+  <c:externalData r:id="rId3">
+    <c:autoUpdate val="0"/>
+  </c:externalData>
+</c:chartSpace>
+</file>
+
+<file path=ppt/charts/chart9.xml><?xml version="1.0" encoding="utf-8"?>
+<c:chartSpace xmlns:c="http://schemas.openxmlformats.org/drawingml/2006/chart" xmlns:a="http://schemas.openxmlformats.org/drawingml/2006/main" xmlns:r="http://schemas.openxmlformats.org/officeDocument/2006/relationships">
+  <c:date1904 val="0"/>
+  <c:lang val="en-US"/>
+  <c:roundedCorners val="0"/>
+  <mc:AlternateContent xmlns:mc="http://schemas.openxmlformats.org/markup-compatibility/2006">
+    <mc:Choice xmlns:c14="http://schemas.microsoft.com/office/drawing/2007/8/2/chart" Requires="c14">
+      <c14:style val="102"/>
+    </mc:Choice>
+    <mc:Fallback>
+      <c:style val="2"/>
+    </mc:Fallback>
+  </mc:AlternateContent>
+  <c:chart>
+    <c:title>
+      <c:tx>
+        <c:rich>
+          <a:bodyPr rot="0" spcFirstLastPara="1" vertOverflow="ellipsis" vert="horz" wrap="square" anchor="ctr" anchorCtr="1"/>
+          <a:lstStyle/>
+          <a:p>
+            <a:pPr>
+              <a:defRPr sz="1400" b="0" i="0" u="none" strike="noStrike" kern="1200" spc="0" baseline="0">
+                <a:solidFill>
+                  <a:schemeClr val="tx1">
+                    <a:lumMod val="65000"/>
+                    <a:lumOff val="35000"/>
+                  </a:schemeClr>
+                </a:solidFill>
+                <a:latin typeface="+mn-lt"/>
+                <a:ea typeface="+mn-ea"/>
+                <a:cs typeface="+mn-cs"/>
+              </a:defRPr>
+            </a:pPr>
+            <a:r>
+              <a:rPr lang="en-US" dirty="0" smtClean="0"/>
+              <a:t>Smart Bet</a:t>
+            </a:r>
+            <a:endParaRPr lang="en-US" dirty="0"/>
+          </a:p>
+        </c:rich>
+      </c:tx>
+      <c:layout/>
+      <c:overlay val="0"/>
+      <c:spPr>
+        <a:noFill/>
+        <a:ln>
+          <a:noFill/>
+        </a:ln>
+        <a:effectLst/>
+      </c:spPr>
+      <c:txPr>
+        <a:bodyPr rot="0" spcFirstLastPara="1" vertOverflow="ellipsis" vert="horz" wrap="square" anchor="ctr" anchorCtr="1"/>
+        <a:lstStyle/>
+        <a:p>
+          <a:pPr>
+            <a:defRPr sz="1400" b="0" i="0" u="none" strike="noStrike" kern="1200" spc="0" baseline="0">
+              <a:solidFill>
+                <a:schemeClr val="tx1">
+                  <a:lumMod val="65000"/>
+                  <a:lumOff val="35000"/>
+                </a:schemeClr>
+              </a:solidFill>
+              <a:latin typeface="+mn-lt"/>
+              <a:ea typeface="+mn-ea"/>
+              <a:cs typeface="+mn-cs"/>
+            </a:defRPr>
+          </a:pPr>
+          <a:endParaRPr lang="en-US"/>
+        </a:p>
+      </c:txPr>
+    </c:title>
+    <c:autoTitleDeleted val="0"/>
+    <c:plotArea>
+      <c:layout/>
+      <c:lineChart>
+        <c:grouping val="standard"/>
+        <c:varyColors val="0"/>
+        <c:ser>
+          <c:idx val="0"/>
+          <c:order val="0"/>
+          <c:tx>
+            <c:strRef>
+              <c:f>'2_SMART BET'!$A$1</c:f>
+              <c:strCache>
+                <c:ptCount val="1"/>
+                <c:pt idx="0">
+                  <c:v>2014/2015</c:v>
+                </c:pt>
+              </c:strCache>
+            </c:strRef>
+          </c:tx>
+          <c:spPr>
+            <a:ln w="19050" cap="rnd">
+              <a:solidFill>
+                <a:schemeClr val="accent6"/>
+              </a:solidFill>
+              <a:round/>
+            </a:ln>
+            <a:effectLst/>
+          </c:spPr>
+          <c:marker>
+            <c:symbol val="none"/>
+          </c:marker>
+          <c:cat>
+            <c:numRef>
+              <c:f>'2_SMART BET'!$A$2:$A$39</c:f>
+              <c:numCache>
+                <c:formatCode>General</c:formatCode>
+                <c:ptCount val="38"/>
+                <c:pt idx="0">
+                  <c:v>1.0</c:v>
+                </c:pt>
+                <c:pt idx="1">
+                  <c:v>2.0</c:v>
+                </c:pt>
+                <c:pt idx="2">
+                  <c:v>3.0</c:v>
+                </c:pt>
+                <c:pt idx="3">
+                  <c:v>4.0</c:v>
+                </c:pt>
+                <c:pt idx="4">
+                  <c:v>5.0</c:v>
+                </c:pt>
+                <c:pt idx="5">
+                  <c:v>6.0</c:v>
+                </c:pt>
+                <c:pt idx="6">
+                  <c:v>7.0</c:v>
+                </c:pt>
+                <c:pt idx="7">
+                  <c:v>8.0</c:v>
+                </c:pt>
+                <c:pt idx="8">
+                  <c:v>9.0</c:v>
+                </c:pt>
+                <c:pt idx="9">
+                  <c:v>10.0</c:v>
+                </c:pt>
+                <c:pt idx="10">
+                  <c:v>11.0</c:v>
+                </c:pt>
+                <c:pt idx="11">
+                  <c:v>12.0</c:v>
+                </c:pt>
+                <c:pt idx="12">
+                  <c:v>13.0</c:v>
+                </c:pt>
+                <c:pt idx="13">
+                  <c:v>14.0</c:v>
+                </c:pt>
+                <c:pt idx="14">
+                  <c:v>15.0</c:v>
+                </c:pt>
+                <c:pt idx="15">
+                  <c:v>16.0</c:v>
+                </c:pt>
+                <c:pt idx="16">
+                  <c:v>17.0</c:v>
+                </c:pt>
+                <c:pt idx="17">
+                  <c:v>18.0</c:v>
+                </c:pt>
+                <c:pt idx="18">
+                  <c:v>19.0</c:v>
+                </c:pt>
+                <c:pt idx="19">
+                  <c:v>20.0</c:v>
+                </c:pt>
+                <c:pt idx="20">
+                  <c:v>21.0</c:v>
+                </c:pt>
+                <c:pt idx="21">
+                  <c:v>22.0</c:v>
+                </c:pt>
+                <c:pt idx="22">
+                  <c:v>23.0</c:v>
+                </c:pt>
+                <c:pt idx="23">
+                  <c:v>24.0</c:v>
+                </c:pt>
+                <c:pt idx="24">
+                  <c:v>25.0</c:v>
+                </c:pt>
+                <c:pt idx="25">
+                  <c:v>26.0</c:v>
+                </c:pt>
+                <c:pt idx="26">
+                  <c:v>27.0</c:v>
+                </c:pt>
+                <c:pt idx="27">
+                  <c:v>28.0</c:v>
+                </c:pt>
+                <c:pt idx="28">
+                  <c:v>29.0</c:v>
+                </c:pt>
+                <c:pt idx="29">
+                  <c:v>30.0</c:v>
+                </c:pt>
+                <c:pt idx="30">
+                  <c:v>31.0</c:v>
+                </c:pt>
+                <c:pt idx="31">
+                  <c:v>32.0</c:v>
+                </c:pt>
+                <c:pt idx="32">
+                  <c:v>33.0</c:v>
+                </c:pt>
+                <c:pt idx="33">
+                  <c:v>34.0</c:v>
+                </c:pt>
+                <c:pt idx="34">
+                  <c:v>35.0</c:v>
+                </c:pt>
+                <c:pt idx="35">
+                  <c:v>36.0</c:v>
+                </c:pt>
+                <c:pt idx="36">
+                  <c:v>37.0</c:v>
+                </c:pt>
+                <c:pt idx="37">
+                  <c:v>38.0</c:v>
+                </c:pt>
+              </c:numCache>
+            </c:numRef>
+          </c:cat>
+          <c:val>
+            <c:numRef>
+              <c:f>'2_SMART BET'!$B$2:$B$39</c:f>
+              <c:numCache>
+                <c:formatCode>General</c:formatCode>
+                <c:ptCount val="38"/>
+                <c:pt idx="0">
+                  <c:v>-3.55</c:v>
+                </c:pt>
+                <c:pt idx="1">
+                  <c:v>-1.85</c:v>
+                </c:pt>
+                <c:pt idx="2">
+                  <c:v>-1.8</c:v>
+                </c:pt>
+                <c:pt idx="3">
+                  <c:v>2.4</c:v>
+                </c:pt>
+                <c:pt idx="4">
+                  <c:v>3.75</c:v>
+                </c:pt>
+                <c:pt idx="5">
+                  <c:v>0.75</c:v>
+                </c:pt>
+                <c:pt idx="6">
+                  <c:v>-3.15</c:v>
+                </c:pt>
+                <c:pt idx="7">
+                  <c:v>-4.48</c:v>
+                </c:pt>
+                <c:pt idx="8">
+                  <c:v>-9.68</c:v>
+                </c:pt>
+                <c:pt idx="9">
+                  <c:v>-12.08</c:v>
+                </c:pt>
+                <c:pt idx="10">
+                  <c:v>-14.33</c:v>
+                </c:pt>
+                <c:pt idx="11">
+                  <c:v>-15.23</c:v>
+                </c:pt>
+                <c:pt idx="12">
+                  <c:v>-15.98</c:v>
+                </c:pt>
+                <c:pt idx="13">
+                  <c:v>-11.85</c:v>
+                </c:pt>
+                <c:pt idx="14">
+                  <c:v>-14.32</c:v>
+                </c:pt>
+                <c:pt idx="15">
+                  <c:v>-11.72</c:v>
+                </c:pt>
+                <c:pt idx="16">
+                  <c:v>-14.45</c:v>
+                </c:pt>
+                <c:pt idx="17">
+                  <c:v>-14.57</c:v>
+                </c:pt>
+                <c:pt idx="18">
+                  <c:v>-11.84</c:v>
+                </c:pt>
+                <c:pt idx="19">
+                  <c:v>-14.84</c:v>
+                </c:pt>
+                <c:pt idx="20">
+                  <c:v>-17.58</c:v>
+                </c:pt>
+                <c:pt idx="21">
+                  <c:v>-13.38</c:v>
+                </c:pt>
+                <c:pt idx="22">
+                  <c:v>-15.5</c:v>
+                </c:pt>
+                <c:pt idx="23">
+                  <c:v>-15.2</c:v>
+                </c:pt>
+                <c:pt idx="24">
+                  <c:v>-10.6</c:v>
+                </c:pt>
+                <c:pt idx="25">
+                  <c:v>-14.4</c:v>
+                </c:pt>
+                <c:pt idx="26">
+                  <c:v>-18.6</c:v>
+                </c:pt>
+                <c:pt idx="27">
+                  <c:v>-19.89</c:v>
+                </c:pt>
+                <c:pt idx="28">
+                  <c:v>-17.36</c:v>
+                </c:pt>
+                <c:pt idx="29">
+                  <c:v>-15.36</c:v>
+                </c:pt>
+                <c:pt idx="30">
+                  <c:v>-17.46</c:v>
+                </c:pt>
+                <c:pt idx="31">
+                  <c:v>-16.66</c:v>
+                </c:pt>
+                <c:pt idx="32">
+                  <c:v>-17.99</c:v>
+                </c:pt>
+                <c:pt idx="33">
+                  <c:v>-17.19</c:v>
+                </c:pt>
+                <c:pt idx="34">
+                  <c:v>-17.44</c:v>
+                </c:pt>
+                <c:pt idx="35">
+                  <c:v>-11.66</c:v>
+                </c:pt>
+                <c:pt idx="36">
+                  <c:v>-4.51</c:v>
+                </c:pt>
+                <c:pt idx="37">
+                  <c:v>-6.01</c:v>
+                </c:pt>
+              </c:numCache>
+            </c:numRef>
+          </c:val>
+          <c:smooth val="0"/>
+        </c:ser>
+        <c:ser>
+          <c:idx val="1"/>
+          <c:order val="1"/>
+          <c:tx>
+            <c:strRef>
+              <c:f>'2_SMART BET'!$A$40</c:f>
+              <c:strCache>
+                <c:ptCount val="1"/>
+                <c:pt idx="0">
+                  <c:v>2015/2016</c:v>
+                </c:pt>
+              </c:strCache>
+            </c:strRef>
+          </c:tx>
+          <c:spPr>
+            <a:ln w="19050" cap="rnd">
+              <a:solidFill>
+                <a:schemeClr val="accent5"/>
+              </a:solidFill>
+              <a:round/>
+            </a:ln>
+            <a:effectLst/>
+          </c:spPr>
+          <c:marker>
+            <c:symbol val="none"/>
+          </c:marker>
+          <c:cat>
+            <c:numRef>
+              <c:f>'2_SMART BET'!$A$2:$A$39</c:f>
+              <c:numCache>
+                <c:formatCode>General</c:formatCode>
+                <c:ptCount val="38"/>
+                <c:pt idx="0">
+                  <c:v>1.0</c:v>
+                </c:pt>
+                <c:pt idx="1">
+                  <c:v>2.0</c:v>
+                </c:pt>
+                <c:pt idx="2">
+                  <c:v>3.0</c:v>
+                </c:pt>
+                <c:pt idx="3">
+                  <c:v>4.0</c:v>
+                </c:pt>
+                <c:pt idx="4">
+                  <c:v>5.0</c:v>
+                </c:pt>
+                <c:pt idx="5">
+                  <c:v>6.0</c:v>
+                </c:pt>
+                <c:pt idx="6">
+                  <c:v>7.0</c:v>
+                </c:pt>
+                <c:pt idx="7">
+                  <c:v>8.0</c:v>
+                </c:pt>
+                <c:pt idx="8">
+                  <c:v>9.0</c:v>
+                </c:pt>
+                <c:pt idx="9">
+                  <c:v>10.0</c:v>
+                </c:pt>
+                <c:pt idx="10">
+                  <c:v>11.0</c:v>
+                </c:pt>
+                <c:pt idx="11">
+                  <c:v>12.0</c:v>
+                </c:pt>
+                <c:pt idx="12">
+                  <c:v>13.0</c:v>
+                </c:pt>
+                <c:pt idx="13">
+                  <c:v>14.0</c:v>
+                </c:pt>
+                <c:pt idx="14">
+                  <c:v>15.0</c:v>
+                </c:pt>
+                <c:pt idx="15">
+                  <c:v>16.0</c:v>
+                </c:pt>
+                <c:pt idx="16">
+                  <c:v>17.0</c:v>
+                </c:pt>
+                <c:pt idx="17">
+                  <c:v>18.0</c:v>
+                </c:pt>
+                <c:pt idx="18">
+                  <c:v>19.0</c:v>
+                </c:pt>
+                <c:pt idx="19">
+                  <c:v>20.0</c:v>
+                </c:pt>
+                <c:pt idx="20">
+                  <c:v>21.0</c:v>
+                </c:pt>
+                <c:pt idx="21">
+                  <c:v>22.0</c:v>
+                </c:pt>
+                <c:pt idx="22">
+                  <c:v>23.0</c:v>
+                </c:pt>
+                <c:pt idx="23">
+                  <c:v>24.0</c:v>
+                </c:pt>
+                <c:pt idx="24">
+                  <c:v>25.0</c:v>
+                </c:pt>
+                <c:pt idx="25">
+                  <c:v>26.0</c:v>
+                </c:pt>
+                <c:pt idx="26">
+                  <c:v>27.0</c:v>
+                </c:pt>
+                <c:pt idx="27">
+                  <c:v>28.0</c:v>
+                </c:pt>
+                <c:pt idx="28">
+                  <c:v>29.0</c:v>
+                </c:pt>
+                <c:pt idx="29">
+                  <c:v>30.0</c:v>
+                </c:pt>
+                <c:pt idx="30">
+                  <c:v>31.0</c:v>
+                </c:pt>
+                <c:pt idx="31">
+                  <c:v>32.0</c:v>
+                </c:pt>
+                <c:pt idx="32">
+                  <c:v>33.0</c:v>
+                </c:pt>
+                <c:pt idx="33">
+                  <c:v>34.0</c:v>
+                </c:pt>
+                <c:pt idx="34">
+                  <c:v>35.0</c:v>
+                </c:pt>
+                <c:pt idx="35">
+                  <c:v>36.0</c:v>
+                </c:pt>
+                <c:pt idx="36">
+                  <c:v>37.0</c:v>
+                </c:pt>
+                <c:pt idx="37">
+                  <c:v>38.0</c:v>
+                </c:pt>
+              </c:numCache>
+            </c:numRef>
+          </c:cat>
+          <c:val>
+            <c:numRef>
+              <c:f>'2_SMART BET'!$B$41:$B$78</c:f>
+              <c:numCache>
+                <c:formatCode>General</c:formatCode>
+                <c:ptCount val="38"/>
+                <c:pt idx="0">
+                  <c:v>-2.5</c:v>
+                </c:pt>
+                <c:pt idx="1">
+                  <c:v>-2.6</c:v>
+                </c:pt>
+                <c:pt idx="2">
+                  <c:v>-4.98</c:v>
+                </c:pt>
+                <c:pt idx="3">
+                  <c:v>-4.58</c:v>
+                </c:pt>
+                <c:pt idx="4">
+                  <c:v>-1.93</c:v>
+                </c:pt>
+                <c:pt idx="5">
+                  <c:v>0.62</c:v>
+                </c:pt>
+                <c:pt idx="6">
+                  <c:v>-1.0</c:v>
+                </c:pt>
+                <c:pt idx="7">
+                  <c:v>-4.0</c:v>
+                </c:pt>
+                <c:pt idx="8">
+                  <c:v>-4.29</c:v>
+                </c:pt>
+                <c:pt idx="9">
+                  <c:v>-7.69</c:v>
+                </c:pt>
+                <c:pt idx="10">
+                  <c:v>-6.99</c:v>
+                </c:pt>
+                <c:pt idx="11">
+                  <c:v>-7.54</c:v>
+                </c:pt>
+                <c:pt idx="12">
+                  <c:v>-8.66</c:v>
+                </c:pt>
+                <c:pt idx="13">
+                  <c:v>-12.66</c:v>
+                </c:pt>
+                <c:pt idx="14">
+                  <c:v>-12.96</c:v>
+                </c:pt>
+                <c:pt idx="15">
+                  <c:v>-14.96</c:v>
+                </c:pt>
+                <c:pt idx="16">
+                  <c:v>-13.86</c:v>
+                </c:pt>
+                <c:pt idx="17">
+                  <c:v>-14.78</c:v>
+                </c:pt>
+                <c:pt idx="18">
+                  <c:v>-7.68</c:v>
+                </c:pt>
+                <c:pt idx="19">
+                  <c:v>-11.11</c:v>
+                </c:pt>
+                <c:pt idx="20">
+                  <c:v>-11.31</c:v>
+                </c:pt>
+                <c:pt idx="21">
+                  <c:v>-16.31</c:v>
+                </c:pt>
+                <c:pt idx="22">
+                  <c:v>-16.93</c:v>
+                </c:pt>
+                <c:pt idx="23">
+                  <c:v>-20.93</c:v>
+                </c:pt>
+                <c:pt idx="24">
+                  <c:v>-18.88</c:v>
+                </c:pt>
+                <c:pt idx="25">
+                  <c:v>-18.83</c:v>
+                </c:pt>
+                <c:pt idx="26">
+                  <c:v>-21.03</c:v>
+                </c:pt>
+                <c:pt idx="27">
+                  <c:v>-20.5</c:v>
+                </c:pt>
+                <c:pt idx="28">
+                  <c:v>-20.05</c:v>
+                </c:pt>
+                <c:pt idx="29">
+                  <c:v>-23.1</c:v>
+                </c:pt>
+                <c:pt idx="30">
+                  <c:v>-27.1</c:v>
+                </c:pt>
+                <c:pt idx="31">
+                  <c:v>-26.22</c:v>
+                </c:pt>
+                <c:pt idx="32">
+                  <c:v>-27.52</c:v>
+                </c:pt>
+                <c:pt idx="33">
+                  <c:v>-27.42</c:v>
+                </c:pt>
+                <c:pt idx="34">
+                  <c:v>-21.42</c:v>
+                </c:pt>
+                <c:pt idx="35">
+                  <c:v>-20.22</c:v>
+                </c:pt>
+                <c:pt idx="36">
+                  <c:v>-24.22</c:v>
+                </c:pt>
+                <c:pt idx="37">
+                  <c:v>-27.12</c:v>
+                </c:pt>
+              </c:numCache>
+            </c:numRef>
+          </c:val>
+          <c:smooth val="0"/>
+        </c:ser>
+        <c:ser>
+          <c:idx val="2"/>
+          <c:order val="2"/>
+          <c:spPr>
+            <a:ln w="19050" cap="rnd">
+              <a:solidFill>
+                <a:schemeClr val="accent4"/>
+              </a:solidFill>
+              <a:round/>
+            </a:ln>
+            <a:effectLst/>
+          </c:spPr>
+          <c:marker>
+            <c:symbol val="none"/>
+          </c:marker>
+          <c:cat>
+            <c:numRef>
+              <c:f>'2_SMART BET'!$A$2:$A$39</c:f>
+              <c:numCache>
+                <c:formatCode>General</c:formatCode>
+                <c:ptCount val="38"/>
+                <c:pt idx="0">
+                  <c:v>1.0</c:v>
+                </c:pt>
+                <c:pt idx="1">
+                  <c:v>2.0</c:v>
+                </c:pt>
+                <c:pt idx="2">
+                  <c:v>3.0</c:v>
+                </c:pt>
+                <c:pt idx="3">
+                  <c:v>4.0</c:v>
+                </c:pt>
+                <c:pt idx="4">
+                  <c:v>5.0</c:v>
+                </c:pt>
+                <c:pt idx="5">
+                  <c:v>6.0</c:v>
+                </c:pt>
+                <c:pt idx="6">
+                  <c:v>7.0</c:v>
+                </c:pt>
+                <c:pt idx="7">
+                  <c:v>8.0</c:v>
+                </c:pt>
+                <c:pt idx="8">
+                  <c:v>9.0</c:v>
+                </c:pt>
+                <c:pt idx="9">
+                  <c:v>10.0</c:v>
+                </c:pt>
+                <c:pt idx="10">
+                  <c:v>11.0</c:v>
+                </c:pt>
+                <c:pt idx="11">
+                  <c:v>12.0</c:v>
+                </c:pt>
+                <c:pt idx="12">
+                  <c:v>13.0</c:v>
+                </c:pt>
+                <c:pt idx="13">
+                  <c:v>14.0</c:v>
+                </c:pt>
+                <c:pt idx="14">
+                  <c:v>15.0</c:v>
+                </c:pt>
+                <c:pt idx="15">
+                  <c:v>16.0</c:v>
+                </c:pt>
+                <c:pt idx="16">
+                  <c:v>17.0</c:v>
+                </c:pt>
+                <c:pt idx="17">
+                  <c:v>18.0</c:v>
+                </c:pt>
+                <c:pt idx="18">
+                  <c:v>19.0</c:v>
+                </c:pt>
+                <c:pt idx="19">
+                  <c:v>20.0</c:v>
+                </c:pt>
+                <c:pt idx="20">
+                  <c:v>21.0</c:v>
+                </c:pt>
+                <c:pt idx="21">
+                  <c:v>22.0</c:v>
+                </c:pt>
+                <c:pt idx="22">
+                  <c:v>23.0</c:v>
+                </c:pt>
+                <c:pt idx="23">
+                  <c:v>24.0</c:v>
+                </c:pt>
+                <c:pt idx="24">
+                  <c:v>25.0</c:v>
+                </c:pt>
+                <c:pt idx="25">
+                  <c:v>26.0</c:v>
+                </c:pt>
+                <c:pt idx="26">
+                  <c:v>27.0</c:v>
+                </c:pt>
+                <c:pt idx="27">
+                  <c:v>28.0</c:v>
+                </c:pt>
+                <c:pt idx="28">
+                  <c:v>29.0</c:v>
+                </c:pt>
+                <c:pt idx="29">
+                  <c:v>30.0</c:v>
+                </c:pt>
+                <c:pt idx="30">
+                  <c:v>31.0</c:v>
+                </c:pt>
+                <c:pt idx="31">
+                  <c:v>32.0</c:v>
+                </c:pt>
+                <c:pt idx="32">
+                  <c:v>33.0</c:v>
+                </c:pt>
+                <c:pt idx="33">
+                  <c:v>34.0</c:v>
+                </c:pt>
+                <c:pt idx="34">
+                  <c:v>35.0</c:v>
+                </c:pt>
+                <c:pt idx="35">
+                  <c:v>36.0</c:v>
+                </c:pt>
+                <c:pt idx="36">
+                  <c:v>37.0</c:v>
+                </c:pt>
+                <c:pt idx="37">
+                  <c:v>38.0</c:v>
+                </c:pt>
+              </c:numCache>
+            </c:numRef>
+          </c:cat>
+          <c:val>
+            <c:numRef>
+              <c:f>'2_SMART BET'!$C$2:$C$39</c:f>
+              <c:numCache>
+                <c:formatCode>General</c:formatCode>
+                <c:ptCount val="38"/>
+                <c:pt idx="0">
+                  <c:v>0.0</c:v>
+                </c:pt>
+                <c:pt idx="1">
+                  <c:v>0.0</c:v>
+                </c:pt>
+                <c:pt idx="2">
+                  <c:v>0.0</c:v>
+                </c:pt>
+                <c:pt idx="3">
+                  <c:v>0.0</c:v>
+                </c:pt>
+                <c:pt idx="4">
+                  <c:v>0.0</c:v>
+                </c:pt>
+                <c:pt idx="5">
+                  <c:v>0.0</c:v>
+                </c:pt>
+                <c:pt idx="6">
+                  <c:v>0.0</c:v>
+                </c:pt>
+                <c:pt idx="7">
+                  <c:v>0.0</c:v>
+                </c:pt>
+                <c:pt idx="8">
+                  <c:v>0.0</c:v>
+                </c:pt>
+                <c:pt idx="9">
+                  <c:v>0.0</c:v>
+                </c:pt>
+                <c:pt idx="10">
+                  <c:v>0.0</c:v>
+                </c:pt>
+                <c:pt idx="11">
+                  <c:v>0.0</c:v>
+                </c:pt>
+                <c:pt idx="12">
+                  <c:v>0.0</c:v>
+                </c:pt>
+                <c:pt idx="13">
+                  <c:v>0.0</c:v>
+                </c:pt>
+                <c:pt idx="14">
+                  <c:v>0.0</c:v>
+                </c:pt>
+                <c:pt idx="15">
+                  <c:v>0.0</c:v>
+                </c:pt>
+                <c:pt idx="16">
+                  <c:v>0.0</c:v>
+                </c:pt>
+                <c:pt idx="17">
+                  <c:v>0.0</c:v>
+                </c:pt>
+                <c:pt idx="18">
+                  <c:v>0.0</c:v>
+                </c:pt>
+                <c:pt idx="19">
+                  <c:v>0.0</c:v>
+                </c:pt>
+                <c:pt idx="20">
+                  <c:v>0.0</c:v>
+                </c:pt>
+                <c:pt idx="21">
+                  <c:v>0.0</c:v>
+                </c:pt>
+                <c:pt idx="22">
+                  <c:v>0.0</c:v>
+                </c:pt>
+                <c:pt idx="23">
+                  <c:v>0.0</c:v>
+                </c:pt>
+                <c:pt idx="24">
+                  <c:v>0.0</c:v>
+                </c:pt>
+                <c:pt idx="25">
+                  <c:v>0.0</c:v>
+                </c:pt>
+                <c:pt idx="26">
+                  <c:v>0.0</c:v>
+                </c:pt>
+                <c:pt idx="27">
+                  <c:v>0.0</c:v>
+                </c:pt>
+                <c:pt idx="28">
+                  <c:v>0.0</c:v>
+                </c:pt>
+                <c:pt idx="29">
+                  <c:v>0.0</c:v>
+                </c:pt>
+                <c:pt idx="30">
+                  <c:v>0.0</c:v>
+                </c:pt>
+                <c:pt idx="31">
+                  <c:v>0.0</c:v>
+                </c:pt>
+                <c:pt idx="32">
+                  <c:v>0.0</c:v>
+                </c:pt>
+                <c:pt idx="33">
+                  <c:v>0.0</c:v>
+                </c:pt>
+                <c:pt idx="34">
+                  <c:v>0.0</c:v>
+                </c:pt>
+                <c:pt idx="35">
+                  <c:v>0.0</c:v>
+                </c:pt>
+                <c:pt idx="36">
+                  <c:v>0.0</c:v>
+                </c:pt>
+                <c:pt idx="37">
+                  <c:v>0.0</c:v>
+                </c:pt>
+              </c:numCache>
+            </c:numRef>
+          </c:val>
+          <c:smooth val="0"/>
+        </c:ser>
+        <c:dLbls>
+          <c:showLegendKey val="0"/>
+          <c:showVal val="0"/>
+          <c:showCatName val="0"/>
+          <c:showSerName val="0"/>
+          <c:showPercent val="0"/>
+          <c:showBubbleSize val="0"/>
+        </c:dLbls>
+        <c:smooth val="0"/>
+        <c:axId val="1112040336"/>
+        <c:axId val="1111994624"/>
+      </c:lineChart>
+      <c:catAx>
+        <c:axId val="1112040336"/>
+        <c:scaling>
+          <c:orientation val="minMax"/>
+        </c:scaling>
+        <c:delete val="0"/>
+        <c:axPos val="b"/>
+        <c:numFmt formatCode="General" sourceLinked="1"/>
+        <c:majorTickMark val="none"/>
+        <c:minorTickMark val="none"/>
+        <c:tickLblPos val="nextTo"/>
+        <c:spPr>
+          <a:noFill/>
+          <a:ln w="9525" cap="flat" cmpd="sng" algn="ctr">
+            <a:solidFill>
+              <a:schemeClr val="tx1">
+                <a:lumMod val="25000"/>
+                <a:lumOff val="75000"/>
+              </a:schemeClr>
+            </a:solidFill>
+            <a:round/>
+          </a:ln>
+          <a:effectLst/>
+        </c:spPr>
+        <c:txPr>
+          <a:bodyPr rot="-60000000" spcFirstLastPara="1" vertOverflow="ellipsis" vert="horz" wrap="square" anchor="ctr" anchorCtr="1"/>
+          <a:lstStyle/>
+          <a:p>
+            <a:pPr>
+              <a:defRPr sz="900" b="0" i="0" u="none" strike="noStrike" kern="1200" baseline="0">
+                <a:solidFill>
+                  <a:schemeClr val="tx1">
+                    <a:lumMod val="65000"/>
+                    <a:lumOff val="35000"/>
+                  </a:schemeClr>
+                </a:solidFill>
+                <a:latin typeface="+mn-lt"/>
+                <a:ea typeface="+mn-ea"/>
+                <a:cs typeface="+mn-cs"/>
+              </a:defRPr>
+            </a:pPr>
+            <a:endParaRPr lang="en-US"/>
+          </a:p>
+        </c:txPr>
+        <c:crossAx val="1111994624"/>
+        <c:crosses val="autoZero"/>
+        <c:auto val="1"/>
+        <c:lblAlgn val="ctr"/>
+        <c:lblOffset val="100"/>
+        <c:noMultiLvlLbl val="0"/>
+      </c:catAx>
+      <c:valAx>
+        <c:axId val="1111994624"/>
+        <c:scaling>
+          <c:orientation val="minMax"/>
+        </c:scaling>
+        <c:delete val="0"/>
+        <c:axPos val="l"/>
+        <c:majorGridlines>
+          <c:spPr>
+            <a:ln w="9525" cap="flat" cmpd="sng" algn="ctr">
+              <a:solidFill>
+                <a:schemeClr val="tx1">
+                  <a:lumMod val="15000"/>
+                  <a:lumOff val="85000"/>
+                </a:schemeClr>
+              </a:solidFill>
+              <a:round/>
+            </a:ln>
+            <a:effectLst/>
+          </c:spPr>
+        </c:majorGridlines>
+        <c:numFmt formatCode="General" sourceLinked="0"/>
+        <c:majorTickMark val="none"/>
+        <c:minorTickMark val="none"/>
+        <c:tickLblPos val="nextTo"/>
+        <c:spPr>
+          <a:noFill/>
+          <a:ln w="9525" cap="flat" cmpd="sng" algn="ctr">
+            <a:solidFill>
+              <a:schemeClr val="tx1">
+                <a:lumMod val="25000"/>
+                <a:lumOff val="75000"/>
+              </a:schemeClr>
+            </a:solidFill>
+            <a:round/>
+          </a:ln>
+          <a:effectLst/>
+        </c:spPr>
+        <c:txPr>
+          <a:bodyPr rot="-60000000" spcFirstLastPara="1" vertOverflow="ellipsis" vert="horz" wrap="square" anchor="ctr" anchorCtr="1"/>
+          <a:lstStyle/>
+          <a:p>
+            <a:pPr>
+              <a:defRPr sz="900" b="0" i="0" u="none" strike="noStrike" kern="1200" baseline="0">
+                <a:solidFill>
+                  <a:schemeClr val="tx1">
+                    <a:lumMod val="65000"/>
+                    <a:lumOff val="35000"/>
+                  </a:schemeClr>
+                </a:solidFill>
+                <a:latin typeface="+mn-lt"/>
+                <a:ea typeface="+mn-ea"/>
+                <a:cs typeface="+mn-cs"/>
+              </a:defRPr>
+            </a:pPr>
+            <a:endParaRPr lang="en-US"/>
+          </a:p>
+        </c:txPr>
+        <c:crossAx val="1112040336"/>
+        <c:crosses val="autoZero"/>
+        <c:crossBetween val="between"/>
+      </c:valAx>
+      <c:spPr>
+        <a:noFill/>
+        <a:ln>
+          <a:noFill/>
+        </a:ln>
+        <a:effectLst/>
+      </c:spPr>
+    </c:plotArea>
+    <c:legend>
+      <c:legendPos val="r"/>
+      <c:legendEntry>
+        <c:idx val="2"/>
+        <c:delete val="1"/>
+      </c:legendEntry>
+      <c:layout/>
+      <c:overlay val="0"/>
+      <c:spPr>
+        <a:noFill/>
+        <a:ln>
+          <a:noFill/>
+        </a:ln>
+        <a:effectLst/>
+      </c:spPr>
+      <c:txPr>
+        <a:bodyPr rot="0" spcFirstLastPara="1" vertOverflow="ellipsis" vert="horz" wrap="square" anchor="ctr" anchorCtr="1"/>
+        <a:lstStyle/>
+        <a:p>
+          <a:pPr>
+            <a:defRPr sz="900" b="0" i="0" u="none" strike="noStrike" kern="1200" baseline="0">
+              <a:solidFill>
+                <a:schemeClr val="tx1">
+                  <a:lumMod val="65000"/>
+                  <a:lumOff val="35000"/>
+                </a:schemeClr>
+              </a:solidFill>
+              <a:latin typeface="+mn-lt"/>
+              <a:ea typeface="+mn-ea"/>
+              <a:cs typeface="+mn-cs"/>
+            </a:defRPr>
+          </a:pPr>
+          <a:endParaRPr lang="en-US"/>
+        </a:p>
+      </c:txPr>
+    </c:legend>
+    <c:plotVisOnly val="1"/>
+    <c:dispBlanksAs val="gap"/>
+    <c:showDLblsOverMax val="0"/>
+  </c:chart>
+  <c:spPr>
+    <a:noFill/>
+    <a:ln>
+      <a:noFill/>
+    </a:ln>
+    <a:effectLst/>
+  </c:spPr>
+  <c:txPr>
+    <a:bodyPr/>
+    <a:lstStyle/>
+    <a:p>
+      <a:pPr>
+        <a:defRPr/>
+      </a:pPr>
+      <a:endParaRPr lang="en-US"/>
+    </a:p>
+  </c:txPr>
+  <c:externalData r:id="rId3">
+    <c:autoUpdate val="0"/>
+  </c:externalData>
+</c:chartSpace>
+</file>
+
 <file path=ppt/charts/colors1.xml><?xml version="1.0" encoding="utf-8"?>
 <cs:colorStyle xmlns:cs="http://schemas.microsoft.com/office/drawing/2012/chartStyle" xmlns:a="http://schemas.openxmlformats.org/drawingml/2006/main" meth="cycle" id="12">
   <a:schemeClr val="accent2"/>
   <a:schemeClr val="accent4"/>
   <a:schemeClr val="accent6"/>
+  <cs:variation/>
+  <cs:variation>
+    <a:lumMod val="60000"/>
+  </cs:variation>
+  <cs:variation>
+    <a:lumMod val="80000"/>
+    <a:lumOff val="20000"/>
+  </cs:variation>
+  <cs:variation>
+    <a:lumMod val="80000"/>
+  </cs:variation>
+  <cs:variation>
+    <a:lumMod val="60000"/>
+    <a:lumOff val="40000"/>
+  </cs:variation>
+  <cs:variation>
+    <a:lumMod val="50000"/>
+  </cs:variation>
+  <cs:variation>
+    <a:lumMod val="70000"/>
+    <a:lumOff val="30000"/>
+  </cs:variation>
+  <cs:variation>
+    <a:lumMod val="70000"/>
+  </cs:variation>
+  <cs:variation>
+    <a:lumMod val="50000"/>
+    <a:lumOff val="50000"/>
+  </cs:variation>
+</cs:colorStyle>
+</file>
+
+<file path=ppt/charts/colors10.xml><?xml version="1.0" encoding="utf-8"?>
+<cs:colorStyle xmlns:cs="http://schemas.microsoft.com/office/drawing/2012/chartStyle" xmlns:a="http://schemas.openxmlformats.org/drawingml/2006/main" meth="cycle" id="13">
+  <a:schemeClr val="accent6"/>
+  <a:schemeClr val="accent5"/>
+  <a:schemeClr val="accent4"/>
+  <cs:variation/>
+  <cs:variation>
+    <a:lumMod val="60000"/>
+  </cs:variation>
+  <cs:variation>
+    <a:lumMod val="80000"/>
+    <a:lumOff val="20000"/>
+  </cs:variation>
+  <cs:variation>
+    <a:lumMod val="80000"/>
+  </cs:variation>
+  <cs:variation>
+    <a:lumMod val="60000"/>
+    <a:lumOff val="40000"/>
+  </cs:variation>
+  <cs:variation>
+    <a:lumMod val="50000"/>
+  </cs:variation>
+  <cs:variation>
+    <a:lumMod val="70000"/>
+    <a:lumOff val="30000"/>
+  </cs:variation>
+  <cs:variation>
+    <a:lumMod val="70000"/>
+  </cs:variation>
+  <cs:variation>
+    <a:lumMod val="50000"/>
+    <a:lumOff val="50000"/>
+  </cs:variation>
+</cs:colorStyle>
+</file>
+
+<file path=ppt/charts/colors11.xml><?xml version="1.0" encoding="utf-8"?>
+<cs:colorStyle xmlns:cs="http://schemas.microsoft.com/office/drawing/2012/chartStyle" xmlns:a="http://schemas.openxmlformats.org/drawingml/2006/main" meth="cycle" id="13">
+  <a:schemeClr val="accent6"/>
+  <a:schemeClr val="accent5"/>
+  <a:schemeClr val="accent4"/>
   <cs:variation/>
   <cs:variation>
     <a:lumMod val="60000"/>
@@ -3705,6 +8007,80 @@
 </cs:colorStyle>
 </file>
 
+<file path=ppt/charts/colors8.xml><?xml version="1.0" encoding="utf-8"?>
+<cs:colorStyle xmlns:cs="http://schemas.microsoft.com/office/drawing/2012/chartStyle" xmlns:a="http://schemas.openxmlformats.org/drawingml/2006/main" meth="cycle" id="13">
+  <a:schemeClr val="accent6"/>
+  <a:schemeClr val="accent5"/>
+  <a:schemeClr val="accent4"/>
+  <cs:variation/>
+  <cs:variation>
+    <a:lumMod val="60000"/>
+  </cs:variation>
+  <cs:variation>
+    <a:lumMod val="80000"/>
+    <a:lumOff val="20000"/>
+  </cs:variation>
+  <cs:variation>
+    <a:lumMod val="80000"/>
+  </cs:variation>
+  <cs:variation>
+    <a:lumMod val="60000"/>
+    <a:lumOff val="40000"/>
+  </cs:variation>
+  <cs:variation>
+    <a:lumMod val="50000"/>
+  </cs:variation>
+  <cs:variation>
+    <a:lumMod val="70000"/>
+    <a:lumOff val="30000"/>
+  </cs:variation>
+  <cs:variation>
+    <a:lumMod val="70000"/>
+  </cs:variation>
+  <cs:variation>
+    <a:lumMod val="50000"/>
+    <a:lumOff val="50000"/>
+  </cs:variation>
+</cs:colorStyle>
+</file>
+
+<file path=ppt/charts/colors9.xml><?xml version="1.0" encoding="utf-8"?>
+<cs:colorStyle xmlns:cs="http://schemas.microsoft.com/office/drawing/2012/chartStyle" xmlns:a="http://schemas.openxmlformats.org/drawingml/2006/main" meth="cycle" id="13">
+  <a:schemeClr val="accent6"/>
+  <a:schemeClr val="accent5"/>
+  <a:schemeClr val="accent4"/>
+  <cs:variation/>
+  <cs:variation>
+    <a:lumMod val="60000"/>
+  </cs:variation>
+  <cs:variation>
+    <a:lumMod val="80000"/>
+    <a:lumOff val="20000"/>
+  </cs:variation>
+  <cs:variation>
+    <a:lumMod val="80000"/>
+  </cs:variation>
+  <cs:variation>
+    <a:lumMod val="60000"/>
+    <a:lumOff val="40000"/>
+  </cs:variation>
+  <cs:variation>
+    <a:lumMod val="50000"/>
+  </cs:variation>
+  <cs:variation>
+    <a:lumMod val="70000"/>
+    <a:lumOff val="30000"/>
+  </cs:variation>
+  <cs:variation>
+    <a:lumMod val="70000"/>
+  </cs:variation>
+  <cs:variation>
+    <a:lumMod val="50000"/>
+    <a:lumOff val="50000"/>
+  </cs:variation>
+</cs:colorStyle>
+</file>
+
 <file path=ppt/charts/style1.xml><?xml version="1.0" encoding="utf-8"?>
 <cs:chartStyle xmlns:cs="http://schemas.microsoft.com/office/drawing/2012/chartStyle" xmlns:a="http://schemas.openxmlformats.org/drawingml/2006/main" id="201">
   <cs:axisTitle>
@@ -4208,8 +8584,8 @@
 </cs:chartStyle>
 </file>
 
-<file path=ppt/charts/style2.xml><?xml version="1.0" encoding="utf-8"?>
-<cs:chartStyle xmlns:cs="http://schemas.microsoft.com/office/drawing/2012/chartStyle" xmlns:a="http://schemas.openxmlformats.org/drawingml/2006/main" id="201">
+<file path=ppt/charts/style10.xml><?xml version="1.0" encoding="utf-8"?>
+<cs:chartStyle xmlns:cs="http://schemas.microsoft.com/office/drawing/2012/chartStyle" xmlns:a="http://schemas.openxmlformats.org/drawingml/2006/main" id="240">
   <cs:axisTitle>
     <cs:lnRef idx="0"/>
     <cs:fillRef idx="0"/>
@@ -4236,8 +8612,8 @@
       <a:ln w="9525" cap="flat" cmpd="sng" algn="ctr">
         <a:solidFill>
           <a:schemeClr val="tx1">
-            <a:lumMod val="15000"/>
-            <a:lumOff val="85000"/>
+            <a:lumMod val="25000"/>
+            <a:lumOff val="75000"/>
           </a:schemeClr>
         </a:solidFill>
         <a:round/>
@@ -4338,7 +8714,7 @@
       <a:schemeClr val="tx1"/>
     </cs:fontRef>
     <cs:spPr>
-      <a:ln w="28575" cap="rnd">
+      <a:ln w="19050" cap="rnd">
         <a:solidFill>
           <a:schemeClr val="phClr"/>
         </a:solidFill>
@@ -4370,10 +8746,10 @@
     <cs:lnRef idx="0">
       <cs:styleClr val="auto"/>
     </cs:lnRef>
-    <cs:fillRef idx="1"/>
-    <cs:effectRef idx="0"/>
-    <cs:fontRef idx="minor">
-      <a:schemeClr val="tx1"/>
+    <cs:fillRef idx="0"/>
+    <cs:effectRef idx="0"/>
+    <cs:fontRef idx="minor">
+      <a:schemeClr val="dk1"/>
     </cs:fontRef>
     <cs:spPr>
       <a:ln w="9525" cap="rnd">
@@ -4413,22 +8789,23 @@
     <cs:fillRef idx="0"/>
     <cs:effectRef idx="0"/>
     <cs:fontRef idx="minor">
-      <a:schemeClr val="dk1"/>
+      <a:schemeClr val="tx1"/>
     </cs:fontRef>
     <cs:spPr>
       <a:solidFill>
         <a:schemeClr val="dk1">
-          <a:lumMod val="65000"/>
-          <a:lumOff val="35000"/>
+          <a:lumMod val="75000"/>
+          <a:lumOff val="25000"/>
         </a:schemeClr>
       </a:solidFill>
-      <a:ln w="9525">
+      <a:ln w="9525" cap="flat" cmpd="sng" algn="ctr">
         <a:solidFill>
           <a:schemeClr val="tx1">
             <a:lumMod val="65000"/>
             <a:lumOff val="35000"/>
           </a:schemeClr>
         </a:solidFill>
+        <a:round/>
       </a:ln>
     </cs:spPr>
   </cs:downBar>
@@ -4533,8 +8910,8 @@
       <a:ln w="9525" cap="flat" cmpd="sng" algn="ctr">
         <a:solidFill>
           <a:schemeClr val="tx1">
-            <a:lumMod val="75000"/>
-            <a:lumOff val="25000"/>
+            <a:lumMod val="50000"/>
+            <a:lumOff val="50000"/>
           </a:schemeClr>
         </a:solidFill>
         <a:round/>
@@ -4666,19 +9043,20 @@
     <cs:fillRef idx="0"/>
     <cs:effectRef idx="0"/>
     <cs:fontRef idx="minor">
-      <a:schemeClr val="dk1"/>
+      <a:schemeClr val="tx1"/>
     </cs:fontRef>
     <cs:spPr>
       <a:solidFill>
         <a:schemeClr val="lt1"/>
       </a:solidFill>
-      <a:ln w="9525">
+      <a:ln w="9525" cap="flat" cmpd="sng" algn="ctr">
         <a:solidFill>
           <a:schemeClr val="tx1">
-            <a:lumMod val="15000"/>
-            <a:lumOff val="85000"/>
+            <a:lumMod val="65000"/>
+            <a:lumOff val="35000"/>
           </a:schemeClr>
         </a:solidFill>
+        <a:round/>
       </a:ln>
     </cs:spPr>
   </cs:upBar>
@@ -4692,6 +9070,17 @@
         <a:lumOff val="35000"/>
       </a:schemeClr>
     </cs:fontRef>
+    <cs:spPr>
+      <a:ln w="9525" cap="flat" cmpd="sng" algn="ctr">
+        <a:solidFill>
+          <a:schemeClr val="tx1">
+            <a:lumMod val="25000"/>
+            <a:lumOff val="75000"/>
+          </a:schemeClr>
+        </a:solidFill>
+        <a:round/>
+      </a:ln>
+    </cs:spPr>
     <cs:defRPr sz="900" kern="1200"/>
   </cs:valueAxis>
   <cs:wall>
@@ -4711,8 +9100,8 @@
 </cs:chartStyle>
 </file>
 
-<file path=ppt/charts/style3.xml><?xml version="1.0" encoding="utf-8"?>
-<cs:chartStyle xmlns:cs="http://schemas.microsoft.com/office/drawing/2012/chartStyle" xmlns:a="http://schemas.openxmlformats.org/drawingml/2006/main" id="201">
+<file path=ppt/charts/style11.xml><?xml version="1.0" encoding="utf-8"?>
+<cs:chartStyle xmlns:cs="http://schemas.microsoft.com/office/drawing/2012/chartStyle" xmlns:a="http://schemas.openxmlformats.org/drawingml/2006/main" id="240">
   <cs:axisTitle>
     <cs:lnRef idx="0"/>
     <cs:fillRef idx="0"/>
@@ -4739,8 +9128,8 @@
       <a:ln w="9525" cap="flat" cmpd="sng" algn="ctr">
         <a:solidFill>
           <a:schemeClr val="tx1">
-            <a:lumMod val="15000"/>
-            <a:lumOff val="85000"/>
+            <a:lumMod val="25000"/>
+            <a:lumOff val="75000"/>
           </a:schemeClr>
         </a:solidFill>
         <a:round/>
@@ -4841,7 +9230,7 @@
       <a:schemeClr val="tx1"/>
     </cs:fontRef>
     <cs:spPr>
-      <a:ln w="28575" cap="rnd">
+      <a:ln w="19050" cap="rnd">
         <a:solidFill>
           <a:schemeClr val="phClr"/>
         </a:solidFill>
@@ -4873,10 +9262,10 @@
     <cs:lnRef idx="0">
       <cs:styleClr val="auto"/>
     </cs:lnRef>
-    <cs:fillRef idx="1"/>
-    <cs:effectRef idx="0"/>
-    <cs:fontRef idx="minor">
-      <a:schemeClr val="tx1"/>
+    <cs:fillRef idx="0"/>
+    <cs:effectRef idx="0"/>
+    <cs:fontRef idx="minor">
+      <a:schemeClr val="dk1"/>
     </cs:fontRef>
     <cs:spPr>
       <a:ln w="9525" cap="rnd">
@@ -4916,22 +9305,23 @@
     <cs:fillRef idx="0"/>
     <cs:effectRef idx="0"/>
     <cs:fontRef idx="minor">
-      <a:schemeClr val="dk1"/>
+      <a:schemeClr val="tx1"/>
     </cs:fontRef>
     <cs:spPr>
       <a:solidFill>
         <a:schemeClr val="dk1">
-          <a:lumMod val="65000"/>
-          <a:lumOff val="35000"/>
+          <a:lumMod val="75000"/>
+          <a:lumOff val="25000"/>
         </a:schemeClr>
       </a:solidFill>
-      <a:ln w="9525">
+      <a:ln w="9525" cap="flat" cmpd="sng" algn="ctr">
         <a:solidFill>
           <a:schemeClr val="tx1">
             <a:lumMod val="65000"/>
             <a:lumOff val="35000"/>
           </a:schemeClr>
         </a:solidFill>
+        <a:round/>
       </a:ln>
     </cs:spPr>
   </cs:downBar>
@@ -5036,8 +9426,8 @@
       <a:ln w="9525" cap="flat" cmpd="sng" algn="ctr">
         <a:solidFill>
           <a:schemeClr val="tx1">
-            <a:lumMod val="75000"/>
-            <a:lumOff val="25000"/>
+            <a:lumMod val="50000"/>
+            <a:lumOff val="50000"/>
           </a:schemeClr>
         </a:solidFill>
         <a:round/>
@@ -5169,19 +9559,20 @@
     <cs:fillRef idx="0"/>
     <cs:effectRef idx="0"/>
     <cs:fontRef idx="minor">
-      <a:schemeClr val="dk1"/>
+      <a:schemeClr val="tx1"/>
     </cs:fontRef>
     <cs:spPr>
       <a:solidFill>
         <a:schemeClr val="lt1"/>
       </a:solidFill>
-      <a:ln w="9525">
+      <a:ln w="9525" cap="flat" cmpd="sng" algn="ctr">
         <a:solidFill>
           <a:schemeClr val="tx1">
-            <a:lumMod val="15000"/>
-            <a:lumOff val="85000"/>
+            <a:lumMod val="65000"/>
+            <a:lumOff val="35000"/>
           </a:schemeClr>
         </a:solidFill>
+        <a:round/>
       </a:ln>
     </cs:spPr>
   </cs:upBar>
@@ -5195,6 +9586,17 @@
         <a:lumOff val="35000"/>
       </a:schemeClr>
     </cs:fontRef>
+    <cs:spPr>
+      <a:ln w="9525" cap="flat" cmpd="sng" algn="ctr">
+        <a:solidFill>
+          <a:schemeClr val="tx1">
+            <a:lumMod val="25000"/>
+            <a:lumOff val="75000"/>
+          </a:schemeClr>
+        </a:solidFill>
+        <a:round/>
+      </a:ln>
+    </cs:spPr>
     <cs:defRPr sz="900" kern="1200"/>
   </cs:valueAxis>
   <cs:wall>
@@ -5214,7 +9616,7 @@
 </cs:chartStyle>
 </file>
 
-<file path=ppt/charts/style4.xml><?xml version="1.0" encoding="utf-8"?>
+<file path=ppt/charts/style2.xml><?xml version="1.0" encoding="utf-8"?>
 <cs:chartStyle xmlns:cs="http://schemas.microsoft.com/office/drawing/2012/chartStyle" xmlns:a="http://schemas.openxmlformats.org/drawingml/2006/main" id="201">
   <cs:axisTitle>
     <cs:lnRef idx="0"/>
@@ -5717,7 +10119,7 @@
 </cs:chartStyle>
 </file>
 
-<file path=ppt/charts/style5.xml><?xml version="1.0" encoding="utf-8"?>
+<file path=ppt/charts/style3.xml><?xml version="1.0" encoding="utf-8"?>
 <cs:chartStyle xmlns:cs="http://schemas.microsoft.com/office/drawing/2012/chartStyle" xmlns:a="http://schemas.openxmlformats.org/drawingml/2006/main" id="201">
   <cs:axisTitle>
     <cs:lnRef idx="0"/>
@@ -6220,7 +10622,7 @@
 </cs:chartStyle>
 </file>
 
-<file path=ppt/charts/style6.xml><?xml version="1.0" encoding="utf-8"?>
+<file path=ppt/charts/style4.xml><?xml version="1.0" encoding="utf-8"?>
 <cs:chartStyle xmlns:cs="http://schemas.microsoft.com/office/drawing/2012/chartStyle" xmlns:a="http://schemas.openxmlformats.org/drawingml/2006/main" id="201">
   <cs:axisTitle>
     <cs:lnRef idx="0"/>
@@ -6723,7 +11125,7 @@
 </cs:chartStyle>
 </file>
 
-<file path=ppt/charts/style7.xml><?xml version="1.0" encoding="utf-8"?>
+<file path=ppt/charts/style5.xml><?xml version="1.0" encoding="utf-8"?>
 <cs:chartStyle xmlns:cs="http://schemas.microsoft.com/office/drawing/2012/chartStyle" xmlns:a="http://schemas.openxmlformats.org/drawingml/2006/main" id="201">
   <cs:axisTitle>
     <cs:lnRef idx="0"/>
@@ -7207,6 +11609,2044 @@
         <a:lumOff val="35000"/>
       </a:schemeClr>
     </cs:fontRef>
+    <cs:defRPr sz="900" kern="1200"/>
+  </cs:valueAxis>
+  <cs:wall>
+    <cs:lnRef idx="0"/>
+    <cs:fillRef idx="0"/>
+    <cs:effectRef idx="0"/>
+    <cs:fontRef idx="minor">
+      <a:schemeClr val="tx1"/>
+    </cs:fontRef>
+    <cs:spPr>
+      <a:noFill/>
+      <a:ln>
+        <a:noFill/>
+      </a:ln>
+    </cs:spPr>
+  </cs:wall>
+</cs:chartStyle>
+</file>
+
+<file path=ppt/charts/style6.xml><?xml version="1.0" encoding="utf-8"?>
+<cs:chartStyle xmlns:cs="http://schemas.microsoft.com/office/drawing/2012/chartStyle" xmlns:a="http://schemas.openxmlformats.org/drawingml/2006/main" id="201">
+  <cs:axisTitle>
+    <cs:lnRef idx="0"/>
+    <cs:fillRef idx="0"/>
+    <cs:effectRef idx="0"/>
+    <cs:fontRef idx="minor">
+      <a:schemeClr val="tx1">
+        <a:lumMod val="65000"/>
+        <a:lumOff val="35000"/>
+      </a:schemeClr>
+    </cs:fontRef>
+    <cs:defRPr sz="1000" kern="1200"/>
+  </cs:axisTitle>
+  <cs:categoryAxis>
+    <cs:lnRef idx="0"/>
+    <cs:fillRef idx="0"/>
+    <cs:effectRef idx="0"/>
+    <cs:fontRef idx="minor">
+      <a:schemeClr val="tx1">
+        <a:lumMod val="65000"/>
+        <a:lumOff val="35000"/>
+      </a:schemeClr>
+    </cs:fontRef>
+    <cs:spPr>
+      <a:ln w="9525" cap="flat" cmpd="sng" algn="ctr">
+        <a:solidFill>
+          <a:schemeClr val="tx1">
+            <a:lumMod val="15000"/>
+            <a:lumOff val="85000"/>
+          </a:schemeClr>
+        </a:solidFill>
+        <a:round/>
+      </a:ln>
+    </cs:spPr>
+    <cs:defRPr sz="900" kern="1200"/>
+  </cs:categoryAxis>
+  <cs:chartArea mods="allowNoFillOverride allowNoLineOverride">
+    <cs:lnRef idx="0"/>
+    <cs:fillRef idx="0"/>
+    <cs:effectRef idx="0"/>
+    <cs:fontRef idx="minor">
+      <a:schemeClr val="tx1"/>
+    </cs:fontRef>
+    <cs:spPr>
+      <a:solidFill>
+        <a:schemeClr val="bg1"/>
+      </a:solidFill>
+      <a:ln w="9525" cap="flat" cmpd="sng" algn="ctr">
+        <a:solidFill>
+          <a:schemeClr val="tx1">
+            <a:lumMod val="15000"/>
+            <a:lumOff val="85000"/>
+          </a:schemeClr>
+        </a:solidFill>
+        <a:round/>
+      </a:ln>
+    </cs:spPr>
+    <cs:defRPr sz="1000" kern="1200"/>
+  </cs:chartArea>
+  <cs:dataLabel>
+    <cs:lnRef idx="0"/>
+    <cs:fillRef idx="0"/>
+    <cs:effectRef idx="0"/>
+    <cs:fontRef idx="minor">
+      <a:schemeClr val="tx1">
+        <a:lumMod val="75000"/>
+        <a:lumOff val="25000"/>
+      </a:schemeClr>
+    </cs:fontRef>
+    <cs:defRPr sz="900" kern="1200"/>
+  </cs:dataLabel>
+  <cs:dataLabelCallout>
+    <cs:lnRef idx="0"/>
+    <cs:fillRef idx="0"/>
+    <cs:effectRef idx="0"/>
+    <cs:fontRef idx="minor">
+      <a:schemeClr val="dk1">
+        <a:lumMod val="65000"/>
+        <a:lumOff val="35000"/>
+      </a:schemeClr>
+    </cs:fontRef>
+    <cs:spPr>
+      <a:solidFill>
+        <a:schemeClr val="lt1"/>
+      </a:solidFill>
+      <a:ln>
+        <a:solidFill>
+          <a:schemeClr val="dk1">
+            <a:lumMod val="25000"/>
+            <a:lumOff val="75000"/>
+          </a:schemeClr>
+        </a:solidFill>
+      </a:ln>
+    </cs:spPr>
+    <cs:defRPr sz="900" kern="1200"/>
+    <cs:bodyPr rot="0" spcFirstLastPara="1" vertOverflow="clip" horzOverflow="clip" vert="horz" wrap="square" lIns="36576" tIns="18288" rIns="36576" bIns="18288" anchor="ctr" anchorCtr="1">
+      <a:spAutoFit/>
+    </cs:bodyPr>
+  </cs:dataLabelCallout>
+  <cs:dataPoint>
+    <cs:lnRef idx="0"/>
+    <cs:fillRef idx="1">
+      <cs:styleClr val="auto"/>
+    </cs:fillRef>
+    <cs:effectRef idx="0"/>
+    <cs:fontRef idx="minor">
+      <a:schemeClr val="tx1"/>
+    </cs:fontRef>
+  </cs:dataPoint>
+  <cs:dataPoint3D>
+    <cs:lnRef idx="0"/>
+    <cs:fillRef idx="1">
+      <cs:styleClr val="auto"/>
+    </cs:fillRef>
+    <cs:effectRef idx="0"/>
+    <cs:fontRef idx="minor">
+      <a:schemeClr val="tx1"/>
+    </cs:fontRef>
+  </cs:dataPoint3D>
+  <cs:dataPointLine>
+    <cs:lnRef idx="0">
+      <cs:styleClr val="auto"/>
+    </cs:lnRef>
+    <cs:fillRef idx="1"/>
+    <cs:effectRef idx="0"/>
+    <cs:fontRef idx="minor">
+      <a:schemeClr val="tx1"/>
+    </cs:fontRef>
+    <cs:spPr>
+      <a:ln w="28575" cap="rnd">
+        <a:solidFill>
+          <a:schemeClr val="phClr"/>
+        </a:solidFill>
+        <a:round/>
+      </a:ln>
+    </cs:spPr>
+  </cs:dataPointLine>
+  <cs:dataPointMarker>
+    <cs:lnRef idx="0">
+      <cs:styleClr val="auto"/>
+    </cs:lnRef>
+    <cs:fillRef idx="1">
+      <cs:styleClr val="auto"/>
+    </cs:fillRef>
+    <cs:effectRef idx="0"/>
+    <cs:fontRef idx="minor">
+      <a:schemeClr val="tx1"/>
+    </cs:fontRef>
+    <cs:spPr>
+      <a:ln w="9525">
+        <a:solidFill>
+          <a:schemeClr val="phClr"/>
+        </a:solidFill>
+      </a:ln>
+    </cs:spPr>
+  </cs:dataPointMarker>
+  <cs:dataPointMarkerLayout symbol="circle" size="5"/>
+  <cs:dataPointWireframe>
+    <cs:lnRef idx="0">
+      <cs:styleClr val="auto"/>
+    </cs:lnRef>
+    <cs:fillRef idx="1"/>
+    <cs:effectRef idx="0"/>
+    <cs:fontRef idx="minor">
+      <a:schemeClr val="tx1"/>
+    </cs:fontRef>
+    <cs:spPr>
+      <a:ln w="9525" cap="rnd">
+        <a:solidFill>
+          <a:schemeClr val="phClr"/>
+        </a:solidFill>
+        <a:round/>
+      </a:ln>
+    </cs:spPr>
+  </cs:dataPointWireframe>
+  <cs:dataTable>
+    <cs:lnRef idx="0"/>
+    <cs:fillRef idx="0"/>
+    <cs:effectRef idx="0"/>
+    <cs:fontRef idx="minor">
+      <a:schemeClr val="tx1">
+        <a:lumMod val="65000"/>
+        <a:lumOff val="35000"/>
+      </a:schemeClr>
+    </cs:fontRef>
+    <cs:spPr>
+      <a:noFill/>
+      <a:ln w="9525" cap="flat" cmpd="sng" algn="ctr">
+        <a:solidFill>
+          <a:schemeClr val="tx1">
+            <a:lumMod val="15000"/>
+            <a:lumOff val="85000"/>
+          </a:schemeClr>
+        </a:solidFill>
+        <a:round/>
+      </a:ln>
+    </cs:spPr>
+    <cs:defRPr sz="900" kern="1200"/>
+  </cs:dataTable>
+  <cs:downBar>
+    <cs:lnRef idx="0"/>
+    <cs:fillRef idx="0"/>
+    <cs:effectRef idx="0"/>
+    <cs:fontRef idx="minor">
+      <a:schemeClr val="dk1"/>
+    </cs:fontRef>
+    <cs:spPr>
+      <a:solidFill>
+        <a:schemeClr val="dk1">
+          <a:lumMod val="65000"/>
+          <a:lumOff val="35000"/>
+        </a:schemeClr>
+      </a:solidFill>
+      <a:ln w="9525">
+        <a:solidFill>
+          <a:schemeClr val="tx1">
+            <a:lumMod val="65000"/>
+            <a:lumOff val="35000"/>
+          </a:schemeClr>
+        </a:solidFill>
+      </a:ln>
+    </cs:spPr>
+  </cs:downBar>
+  <cs:dropLine>
+    <cs:lnRef idx="0"/>
+    <cs:fillRef idx="0"/>
+    <cs:effectRef idx="0"/>
+    <cs:fontRef idx="minor">
+      <a:schemeClr val="tx1"/>
+    </cs:fontRef>
+    <cs:spPr>
+      <a:ln w="9525" cap="flat" cmpd="sng" algn="ctr">
+        <a:solidFill>
+          <a:schemeClr val="tx1">
+            <a:lumMod val="35000"/>
+            <a:lumOff val="65000"/>
+          </a:schemeClr>
+        </a:solidFill>
+        <a:round/>
+      </a:ln>
+    </cs:spPr>
+  </cs:dropLine>
+  <cs:errorBar>
+    <cs:lnRef idx="0"/>
+    <cs:fillRef idx="0"/>
+    <cs:effectRef idx="0"/>
+    <cs:fontRef idx="minor">
+      <a:schemeClr val="tx1"/>
+    </cs:fontRef>
+    <cs:spPr>
+      <a:ln w="9525" cap="flat" cmpd="sng" algn="ctr">
+        <a:solidFill>
+          <a:schemeClr val="tx1">
+            <a:lumMod val="65000"/>
+            <a:lumOff val="35000"/>
+          </a:schemeClr>
+        </a:solidFill>
+        <a:round/>
+      </a:ln>
+    </cs:spPr>
+  </cs:errorBar>
+  <cs:floor>
+    <cs:lnRef idx="0"/>
+    <cs:fillRef idx="0"/>
+    <cs:effectRef idx="0"/>
+    <cs:fontRef idx="minor">
+      <a:schemeClr val="tx1"/>
+    </cs:fontRef>
+    <cs:spPr>
+      <a:noFill/>
+      <a:ln>
+        <a:noFill/>
+      </a:ln>
+    </cs:spPr>
+  </cs:floor>
+  <cs:gridlineMajor>
+    <cs:lnRef idx="0"/>
+    <cs:fillRef idx="0"/>
+    <cs:effectRef idx="0"/>
+    <cs:fontRef idx="minor">
+      <a:schemeClr val="tx1"/>
+    </cs:fontRef>
+    <cs:spPr>
+      <a:ln w="9525" cap="flat" cmpd="sng" algn="ctr">
+        <a:solidFill>
+          <a:schemeClr val="tx1">
+            <a:lumMod val="15000"/>
+            <a:lumOff val="85000"/>
+          </a:schemeClr>
+        </a:solidFill>
+        <a:round/>
+      </a:ln>
+    </cs:spPr>
+  </cs:gridlineMajor>
+  <cs:gridlineMinor>
+    <cs:lnRef idx="0"/>
+    <cs:fillRef idx="0"/>
+    <cs:effectRef idx="0"/>
+    <cs:fontRef idx="minor">
+      <a:schemeClr val="tx1"/>
+    </cs:fontRef>
+    <cs:spPr>
+      <a:ln w="9525" cap="flat" cmpd="sng" algn="ctr">
+        <a:solidFill>
+          <a:schemeClr val="tx1">
+            <a:lumMod val="5000"/>
+            <a:lumOff val="95000"/>
+          </a:schemeClr>
+        </a:solidFill>
+        <a:round/>
+      </a:ln>
+    </cs:spPr>
+  </cs:gridlineMinor>
+  <cs:hiLoLine>
+    <cs:lnRef idx="0"/>
+    <cs:fillRef idx="0"/>
+    <cs:effectRef idx="0"/>
+    <cs:fontRef idx="minor">
+      <a:schemeClr val="tx1"/>
+    </cs:fontRef>
+    <cs:spPr>
+      <a:ln w="9525" cap="flat" cmpd="sng" algn="ctr">
+        <a:solidFill>
+          <a:schemeClr val="tx1">
+            <a:lumMod val="75000"/>
+            <a:lumOff val="25000"/>
+          </a:schemeClr>
+        </a:solidFill>
+        <a:round/>
+      </a:ln>
+    </cs:spPr>
+  </cs:hiLoLine>
+  <cs:leaderLine>
+    <cs:lnRef idx="0"/>
+    <cs:fillRef idx="0"/>
+    <cs:effectRef idx="0"/>
+    <cs:fontRef idx="minor">
+      <a:schemeClr val="tx1"/>
+    </cs:fontRef>
+    <cs:spPr>
+      <a:ln w="9525" cap="flat" cmpd="sng" algn="ctr">
+        <a:solidFill>
+          <a:schemeClr val="tx1">
+            <a:lumMod val="35000"/>
+            <a:lumOff val="65000"/>
+          </a:schemeClr>
+        </a:solidFill>
+        <a:round/>
+      </a:ln>
+    </cs:spPr>
+  </cs:leaderLine>
+  <cs:legend>
+    <cs:lnRef idx="0"/>
+    <cs:fillRef idx="0"/>
+    <cs:effectRef idx="0"/>
+    <cs:fontRef idx="minor">
+      <a:schemeClr val="tx1">
+        <a:lumMod val="65000"/>
+        <a:lumOff val="35000"/>
+      </a:schemeClr>
+    </cs:fontRef>
+    <cs:defRPr sz="900" kern="1200"/>
+  </cs:legend>
+  <cs:plotArea mods="allowNoFillOverride allowNoLineOverride">
+    <cs:lnRef idx="0"/>
+    <cs:fillRef idx="0"/>
+    <cs:effectRef idx="0"/>
+    <cs:fontRef idx="minor">
+      <a:schemeClr val="tx1"/>
+    </cs:fontRef>
+  </cs:plotArea>
+  <cs:plotArea3D mods="allowNoFillOverride allowNoLineOverride">
+    <cs:lnRef idx="0"/>
+    <cs:fillRef idx="0"/>
+    <cs:effectRef idx="0"/>
+    <cs:fontRef idx="minor">
+      <a:schemeClr val="tx1"/>
+    </cs:fontRef>
+  </cs:plotArea3D>
+  <cs:seriesAxis>
+    <cs:lnRef idx="0"/>
+    <cs:fillRef idx="0"/>
+    <cs:effectRef idx="0"/>
+    <cs:fontRef idx="minor">
+      <a:schemeClr val="tx1">
+        <a:lumMod val="65000"/>
+        <a:lumOff val="35000"/>
+      </a:schemeClr>
+    </cs:fontRef>
+    <cs:defRPr sz="900" kern="1200"/>
+  </cs:seriesAxis>
+  <cs:seriesLine>
+    <cs:lnRef idx="0"/>
+    <cs:fillRef idx="0"/>
+    <cs:effectRef idx="0"/>
+    <cs:fontRef idx="minor">
+      <a:schemeClr val="tx1"/>
+    </cs:fontRef>
+    <cs:spPr>
+      <a:ln w="9525" cap="flat" cmpd="sng" algn="ctr">
+        <a:solidFill>
+          <a:schemeClr val="tx1">
+            <a:lumMod val="35000"/>
+            <a:lumOff val="65000"/>
+          </a:schemeClr>
+        </a:solidFill>
+        <a:round/>
+      </a:ln>
+    </cs:spPr>
+  </cs:seriesLine>
+  <cs:title>
+    <cs:lnRef idx="0"/>
+    <cs:fillRef idx="0"/>
+    <cs:effectRef idx="0"/>
+    <cs:fontRef idx="minor">
+      <a:schemeClr val="tx1">
+        <a:lumMod val="65000"/>
+        <a:lumOff val="35000"/>
+      </a:schemeClr>
+    </cs:fontRef>
+    <cs:defRPr sz="1400" b="0" kern="1200" spc="0" baseline="0"/>
+  </cs:title>
+  <cs:trendline>
+    <cs:lnRef idx="0">
+      <cs:styleClr val="auto"/>
+    </cs:lnRef>
+    <cs:fillRef idx="0"/>
+    <cs:effectRef idx="0"/>
+    <cs:fontRef idx="minor">
+      <a:schemeClr val="tx1"/>
+    </cs:fontRef>
+    <cs:spPr>
+      <a:ln w="19050" cap="rnd">
+        <a:solidFill>
+          <a:schemeClr val="phClr"/>
+        </a:solidFill>
+        <a:prstDash val="sysDot"/>
+      </a:ln>
+    </cs:spPr>
+  </cs:trendline>
+  <cs:trendlineLabel>
+    <cs:lnRef idx="0"/>
+    <cs:fillRef idx="0"/>
+    <cs:effectRef idx="0"/>
+    <cs:fontRef idx="minor">
+      <a:schemeClr val="tx1">
+        <a:lumMod val="65000"/>
+        <a:lumOff val="35000"/>
+      </a:schemeClr>
+    </cs:fontRef>
+    <cs:defRPr sz="900" kern="1200"/>
+  </cs:trendlineLabel>
+  <cs:upBar>
+    <cs:lnRef idx="0"/>
+    <cs:fillRef idx="0"/>
+    <cs:effectRef idx="0"/>
+    <cs:fontRef idx="minor">
+      <a:schemeClr val="dk1"/>
+    </cs:fontRef>
+    <cs:spPr>
+      <a:solidFill>
+        <a:schemeClr val="lt1"/>
+      </a:solidFill>
+      <a:ln w="9525">
+        <a:solidFill>
+          <a:schemeClr val="tx1">
+            <a:lumMod val="15000"/>
+            <a:lumOff val="85000"/>
+          </a:schemeClr>
+        </a:solidFill>
+      </a:ln>
+    </cs:spPr>
+  </cs:upBar>
+  <cs:valueAxis>
+    <cs:lnRef idx="0"/>
+    <cs:fillRef idx="0"/>
+    <cs:effectRef idx="0"/>
+    <cs:fontRef idx="minor">
+      <a:schemeClr val="tx1">
+        <a:lumMod val="65000"/>
+        <a:lumOff val="35000"/>
+      </a:schemeClr>
+    </cs:fontRef>
+    <cs:defRPr sz="900" kern="1200"/>
+  </cs:valueAxis>
+  <cs:wall>
+    <cs:lnRef idx="0"/>
+    <cs:fillRef idx="0"/>
+    <cs:effectRef idx="0"/>
+    <cs:fontRef idx="minor">
+      <a:schemeClr val="tx1"/>
+    </cs:fontRef>
+    <cs:spPr>
+      <a:noFill/>
+      <a:ln>
+        <a:noFill/>
+      </a:ln>
+    </cs:spPr>
+  </cs:wall>
+</cs:chartStyle>
+</file>
+
+<file path=ppt/charts/style7.xml><?xml version="1.0" encoding="utf-8"?>
+<cs:chartStyle xmlns:cs="http://schemas.microsoft.com/office/drawing/2012/chartStyle" xmlns:a="http://schemas.openxmlformats.org/drawingml/2006/main" id="201">
+  <cs:axisTitle>
+    <cs:lnRef idx="0"/>
+    <cs:fillRef idx="0"/>
+    <cs:effectRef idx="0"/>
+    <cs:fontRef idx="minor">
+      <a:schemeClr val="tx1">
+        <a:lumMod val="65000"/>
+        <a:lumOff val="35000"/>
+      </a:schemeClr>
+    </cs:fontRef>
+    <cs:defRPr sz="1000" kern="1200"/>
+  </cs:axisTitle>
+  <cs:categoryAxis>
+    <cs:lnRef idx="0"/>
+    <cs:fillRef idx="0"/>
+    <cs:effectRef idx="0"/>
+    <cs:fontRef idx="minor">
+      <a:schemeClr val="tx1">
+        <a:lumMod val="65000"/>
+        <a:lumOff val="35000"/>
+      </a:schemeClr>
+    </cs:fontRef>
+    <cs:spPr>
+      <a:ln w="9525" cap="flat" cmpd="sng" algn="ctr">
+        <a:solidFill>
+          <a:schemeClr val="tx1">
+            <a:lumMod val="15000"/>
+            <a:lumOff val="85000"/>
+          </a:schemeClr>
+        </a:solidFill>
+        <a:round/>
+      </a:ln>
+    </cs:spPr>
+    <cs:defRPr sz="900" kern="1200"/>
+  </cs:categoryAxis>
+  <cs:chartArea mods="allowNoFillOverride allowNoLineOverride">
+    <cs:lnRef idx="0"/>
+    <cs:fillRef idx="0"/>
+    <cs:effectRef idx="0"/>
+    <cs:fontRef idx="minor">
+      <a:schemeClr val="tx1"/>
+    </cs:fontRef>
+    <cs:spPr>
+      <a:solidFill>
+        <a:schemeClr val="bg1"/>
+      </a:solidFill>
+      <a:ln w="9525" cap="flat" cmpd="sng" algn="ctr">
+        <a:solidFill>
+          <a:schemeClr val="tx1">
+            <a:lumMod val="15000"/>
+            <a:lumOff val="85000"/>
+          </a:schemeClr>
+        </a:solidFill>
+        <a:round/>
+      </a:ln>
+    </cs:spPr>
+    <cs:defRPr sz="1000" kern="1200"/>
+  </cs:chartArea>
+  <cs:dataLabel>
+    <cs:lnRef idx="0"/>
+    <cs:fillRef idx="0"/>
+    <cs:effectRef idx="0"/>
+    <cs:fontRef idx="minor">
+      <a:schemeClr val="tx1">
+        <a:lumMod val="75000"/>
+        <a:lumOff val="25000"/>
+      </a:schemeClr>
+    </cs:fontRef>
+    <cs:defRPr sz="900" kern="1200"/>
+  </cs:dataLabel>
+  <cs:dataLabelCallout>
+    <cs:lnRef idx="0"/>
+    <cs:fillRef idx="0"/>
+    <cs:effectRef idx="0"/>
+    <cs:fontRef idx="minor">
+      <a:schemeClr val="dk1">
+        <a:lumMod val="65000"/>
+        <a:lumOff val="35000"/>
+      </a:schemeClr>
+    </cs:fontRef>
+    <cs:spPr>
+      <a:solidFill>
+        <a:schemeClr val="lt1"/>
+      </a:solidFill>
+      <a:ln>
+        <a:solidFill>
+          <a:schemeClr val="dk1">
+            <a:lumMod val="25000"/>
+            <a:lumOff val="75000"/>
+          </a:schemeClr>
+        </a:solidFill>
+      </a:ln>
+    </cs:spPr>
+    <cs:defRPr sz="900" kern="1200"/>
+    <cs:bodyPr rot="0" spcFirstLastPara="1" vertOverflow="clip" horzOverflow="clip" vert="horz" wrap="square" lIns="36576" tIns="18288" rIns="36576" bIns="18288" anchor="ctr" anchorCtr="1">
+      <a:spAutoFit/>
+    </cs:bodyPr>
+  </cs:dataLabelCallout>
+  <cs:dataPoint>
+    <cs:lnRef idx="0"/>
+    <cs:fillRef idx="1">
+      <cs:styleClr val="auto"/>
+    </cs:fillRef>
+    <cs:effectRef idx="0"/>
+    <cs:fontRef idx="minor">
+      <a:schemeClr val="tx1"/>
+    </cs:fontRef>
+  </cs:dataPoint>
+  <cs:dataPoint3D>
+    <cs:lnRef idx="0"/>
+    <cs:fillRef idx="1">
+      <cs:styleClr val="auto"/>
+    </cs:fillRef>
+    <cs:effectRef idx="0"/>
+    <cs:fontRef idx="minor">
+      <a:schemeClr val="tx1"/>
+    </cs:fontRef>
+  </cs:dataPoint3D>
+  <cs:dataPointLine>
+    <cs:lnRef idx="0">
+      <cs:styleClr val="auto"/>
+    </cs:lnRef>
+    <cs:fillRef idx="1"/>
+    <cs:effectRef idx="0"/>
+    <cs:fontRef idx="minor">
+      <a:schemeClr val="tx1"/>
+    </cs:fontRef>
+    <cs:spPr>
+      <a:ln w="28575" cap="rnd">
+        <a:solidFill>
+          <a:schemeClr val="phClr"/>
+        </a:solidFill>
+        <a:round/>
+      </a:ln>
+    </cs:spPr>
+  </cs:dataPointLine>
+  <cs:dataPointMarker>
+    <cs:lnRef idx="0">
+      <cs:styleClr val="auto"/>
+    </cs:lnRef>
+    <cs:fillRef idx="1">
+      <cs:styleClr val="auto"/>
+    </cs:fillRef>
+    <cs:effectRef idx="0"/>
+    <cs:fontRef idx="minor">
+      <a:schemeClr val="tx1"/>
+    </cs:fontRef>
+    <cs:spPr>
+      <a:ln w="9525">
+        <a:solidFill>
+          <a:schemeClr val="phClr"/>
+        </a:solidFill>
+      </a:ln>
+    </cs:spPr>
+  </cs:dataPointMarker>
+  <cs:dataPointMarkerLayout symbol="circle" size="5"/>
+  <cs:dataPointWireframe>
+    <cs:lnRef idx="0">
+      <cs:styleClr val="auto"/>
+    </cs:lnRef>
+    <cs:fillRef idx="1"/>
+    <cs:effectRef idx="0"/>
+    <cs:fontRef idx="minor">
+      <a:schemeClr val="tx1"/>
+    </cs:fontRef>
+    <cs:spPr>
+      <a:ln w="9525" cap="rnd">
+        <a:solidFill>
+          <a:schemeClr val="phClr"/>
+        </a:solidFill>
+        <a:round/>
+      </a:ln>
+    </cs:spPr>
+  </cs:dataPointWireframe>
+  <cs:dataTable>
+    <cs:lnRef idx="0"/>
+    <cs:fillRef idx="0"/>
+    <cs:effectRef idx="0"/>
+    <cs:fontRef idx="minor">
+      <a:schemeClr val="tx1">
+        <a:lumMod val="65000"/>
+        <a:lumOff val="35000"/>
+      </a:schemeClr>
+    </cs:fontRef>
+    <cs:spPr>
+      <a:noFill/>
+      <a:ln w="9525" cap="flat" cmpd="sng" algn="ctr">
+        <a:solidFill>
+          <a:schemeClr val="tx1">
+            <a:lumMod val="15000"/>
+            <a:lumOff val="85000"/>
+          </a:schemeClr>
+        </a:solidFill>
+        <a:round/>
+      </a:ln>
+    </cs:spPr>
+    <cs:defRPr sz="900" kern="1200"/>
+  </cs:dataTable>
+  <cs:downBar>
+    <cs:lnRef idx="0"/>
+    <cs:fillRef idx="0"/>
+    <cs:effectRef idx="0"/>
+    <cs:fontRef idx="minor">
+      <a:schemeClr val="dk1"/>
+    </cs:fontRef>
+    <cs:spPr>
+      <a:solidFill>
+        <a:schemeClr val="dk1">
+          <a:lumMod val="65000"/>
+          <a:lumOff val="35000"/>
+        </a:schemeClr>
+      </a:solidFill>
+      <a:ln w="9525">
+        <a:solidFill>
+          <a:schemeClr val="tx1">
+            <a:lumMod val="65000"/>
+            <a:lumOff val="35000"/>
+          </a:schemeClr>
+        </a:solidFill>
+      </a:ln>
+    </cs:spPr>
+  </cs:downBar>
+  <cs:dropLine>
+    <cs:lnRef idx="0"/>
+    <cs:fillRef idx="0"/>
+    <cs:effectRef idx="0"/>
+    <cs:fontRef idx="minor">
+      <a:schemeClr val="tx1"/>
+    </cs:fontRef>
+    <cs:spPr>
+      <a:ln w="9525" cap="flat" cmpd="sng" algn="ctr">
+        <a:solidFill>
+          <a:schemeClr val="tx1">
+            <a:lumMod val="35000"/>
+            <a:lumOff val="65000"/>
+          </a:schemeClr>
+        </a:solidFill>
+        <a:round/>
+      </a:ln>
+    </cs:spPr>
+  </cs:dropLine>
+  <cs:errorBar>
+    <cs:lnRef idx="0"/>
+    <cs:fillRef idx="0"/>
+    <cs:effectRef idx="0"/>
+    <cs:fontRef idx="minor">
+      <a:schemeClr val="tx1"/>
+    </cs:fontRef>
+    <cs:spPr>
+      <a:ln w="9525" cap="flat" cmpd="sng" algn="ctr">
+        <a:solidFill>
+          <a:schemeClr val="tx1">
+            <a:lumMod val="65000"/>
+            <a:lumOff val="35000"/>
+          </a:schemeClr>
+        </a:solidFill>
+        <a:round/>
+      </a:ln>
+    </cs:spPr>
+  </cs:errorBar>
+  <cs:floor>
+    <cs:lnRef idx="0"/>
+    <cs:fillRef idx="0"/>
+    <cs:effectRef idx="0"/>
+    <cs:fontRef idx="minor">
+      <a:schemeClr val="tx1"/>
+    </cs:fontRef>
+    <cs:spPr>
+      <a:noFill/>
+      <a:ln>
+        <a:noFill/>
+      </a:ln>
+    </cs:spPr>
+  </cs:floor>
+  <cs:gridlineMajor>
+    <cs:lnRef idx="0"/>
+    <cs:fillRef idx="0"/>
+    <cs:effectRef idx="0"/>
+    <cs:fontRef idx="minor">
+      <a:schemeClr val="tx1"/>
+    </cs:fontRef>
+    <cs:spPr>
+      <a:ln w="9525" cap="flat" cmpd="sng" algn="ctr">
+        <a:solidFill>
+          <a:schemeClr val="tx1">
+            <a:lumMod val="15000"/>
+            <a:lumOff val="85000"/>
+          </a:schemeClr>
+        </a:solidFill>
+        <a:round/>
+      </a:ln>
+    </cs:spPr>
+  </cs:gridlineMajor>
+  <cs:gridlineMinor>
+    <cs:lnRef idx="0"/>
+    <cs:fillRef idx="0"/>
+    <cs:effectRef idx="0"/>
+    <cs:fontRef idx="minor">
+      <a:schemeClr val="tx1"/>
+    </cs:fontRef>
+    <cs:spPr>
+      <a:ln w="9525" cap="flat" cmpd="sng" algn="ctr">
+        <a:solidFill>
+          <a:schemeClr val="tx1">
+            <a:lumMod val="5000"/>
+            <a:lumOff val="95000"/>
+          </a:schemeClr>
+        </a:solidFill>
+        <a:round/>
+      </a:ln>
+    </cs:spPr>
+  </cs:gridlineMinor>
+  <cs:hiLoLine>
+    <cs:lnRef idx="0"/>
+    <cs:fillRef idx="0"/>
+    <cs:effectRef idx="0"/>
+    <cs:fontRef idx="minor">
+      <a:schemeClr val="tx1"/>
+    </cs:fontRef>
+    <cs:spPr>
+      <a:ln w="9525" cap="flat" cmpd="sng" algn="ctr">
+        <a:solidFill>
+          <a:schemeClr val="tx1">
+            <a:lumMod val="75000"/>
+            <a:lumOff val="25000"/>
+          </a:schemeClr>
+        </a:solidFill>
+        <a:round/>
+      </a:ln>
+    </cs:spPr>
+  </cs:hiLoLine>
+  <cs:leaderLine>
+    <cs:lnRef idx="0"/>
+    <cs:fillRef idx="0"/>
+    <cs:effectRef idx="0"/>
+    <cs:fontRef idx="minor">
+      <a:schemeClr val="tx1"/>
+    </cs:fontRef>
+    <cs:spPr>
+      <a:ln w="9525" cap="flat" cmpd="sng" algn="ctr">
+        <a:solidFill>
+          <a:schemeClr val="tx1">
+            <a:lumMod val="35000"/>
+            <a:lumOff val="65000"/>
+          </a:schemeClr>
+        </a:solidFill>
+        <a:round/>
+      </a:ln>
+    </cs:spPr>
+  </cs:leaderLine>
+  <cs:legend>
+    <cs:lnRef idx="0"/>
+    <cs:fillRef idx="0"/>
+    <cs:effectRef idx="0"/>
+    <cs:fontRef idx="minor">
+      <a:schemeClr val="tx1">
+        <a:lumMod val="65000"/>
+        <a:lumOff val="35000"/>
+      </a:schemeClr>
+    </cs:fontRef>
+    <cs:defRPr sz="900" kern="1200"/>
+  </cs:legend>
+  <cs:plotArea mods="allowNoFillOverride allowNoLineOverride">
+    <cs:lnRef idx="0"/>
+    <cs:fillRef idx="0"/>
+    <cs:effectRef idx="0"/>
+    <cs:fontRef idx="minor">
+      <a:schemeClr val="tx1"/>
+    </cs:fontRef>
+  </cs:plotArea>
+  <cs:plotArea3D mods="allowNoFillOverride allowNoLineOverride">
+    <cs:lnRef idx="0"/>
+    <cs:fillRef idx="0"/>
+    <cs:effectRef idx="0"/>
+    <cs:fontRef idx="minor">
+      <a:schemeClr val="tx1"/>
+    </cs:fontRef>
+  </cs:plotArea3D>
+  <cs:seriesAxis>
+    <cs:lnRef idx="0"/>
+    <cs:fillRef idx="0"/>
+    <cs:effectRef idx="0"/>
+    <cs:fontRef idx="minor">
+      <a:schemeClr val="tx1">
+        <a:lumMod val="65000"/>
+        <a:lumOff val="35000"/>
+      </a:schemeClr>
+    </cs:fontRef>
+    <cs:defRPr sz="900" kern="1200"/>
+  </cs:seriesAxis>
+  <cs:seriesLine>
+    <cs:lnRef idx="0"/>
+    <cs:fillRef idx="0"/>
+    <cs:effectRef idx="0"/>
+    <cs:fontRef idx="minor">
+      <a:schemeClr val="tx1"/>
+    </cs:fontRef>
+    <cs:spPr>
+      <a:ln w="9525" cap="flat" cmpd="sng" algn="ctr">
+        <a:solidFill>
+          <a:schemeClr val="tx1">
+            <a:lumMod val="35000"/>
+            <a:lumOff val="65000"/>
+          </a:schemeClr>
+        </a:solidFill>
+        <a:round/>
+      </a:ln>
+    </cs:spPr>
+  </cs:seriesLine>
+  <cs:title>
+    <cs:lnRef idx="0"/>
+    <cs:fillRef idx="0"/>
+    <cs:effectRef idx="0"/>
+    <cs:fontRef idx="minor">
+      <a:schemeClr val="tx1">
+        <a:lumMod val="65000"/>
+        <a:lumOff val="35000"/>
+      </a:schemeClr>
+    </cs:fontRef>
+    <cs:defRPr sz="1400" b="0" kern="1200" spc="0" baseline="0"/>
+  </cs:title>
+  <cs:trendline>
+    <cs:lnRef idx="0">
+      <cs:styleClr val="auto"/>
+    </cs:lnRef>
+    <cs:fillRef idx="0"/>
+    <cs:effectRef idx="0"/>
+    <cs:fontRef idx="minor">
+      <a:schemeClr val="tx1"/>
+    </cs:fontRef>
+    <cs:spPr>
+      <a:ln w="19050" cap="rnd">
+        <a:solidFill>
+          <a:schemeClr val="phClr"/>
+        </a:solidFill>
+        <a:prstDash val="sysDot"/>
+      </a:ln>
+    </cs:spPr>
+  </cs:trendline>
+  <cs:trendlineLabel>
+    <cs:lnRef idx="0"/>
+    <cs:fillRef idx="0"/>
+    <cs:effectRef idx="0"/>
+    <cs:fontRef idx="minor">
+      <a:schemeClr val="tx1">
+        <a:lumMod val="65000"/>
+        <a:lumOff val="35000"/>
+      </a:schemeClr>
+    </cs:fontRef>
+    <cs:defRPr sz="900" kern="1200"/>
+  </cs:trendlineLabel>
+  <cs:upBar>
+    <cs:lnRef idx="0"/>
+    <cs:fillRef idx="0"/>
+    <cs:effectRef idx="0"/>
+    <cs:fontRef idx="minor">
+      <a:schemeClr val="dk1"/>
+    </cs:fontRef>
+    <cs:spPr>
+      <a:solidFill>
+        <a:schemeClr val="lt1"/>
+      </a:solidFill>
+      <a:ln w="9525">
+        <a:solidFill>
+          <a:schemeClr val="tx1">
+            <a:lumMod val="15000"/>
+            <a:lumOff val="85000"/>
+          </a:schemeClr>
+        </a:solidFill>
+      </a:ln>
+    </cs:spPr>
+  </cs:upBar>
+  <cs:valueAxis>
+    <cs:lnRef idx="0"/>
+    <cs:fillRef idx="0"/>
+    <cs:effectRef idx="0"/>
+    <cs:fontRef idx="minor">
+      <a:schemeClr val="tx1">
+        <a:lumMod val="65000"/>
+        <a:lumOff val="35000"/>
+      </a:schemeClr>
+    </cs:fontRef>
+    <cs:defRPr sz="900" kern="1200"/>
+  </cs:valueAxis>
+  <cs:wall>
+    <cs:lnRef idx="0"/>
+    <cs:fillRef idx="0"/>
+    <cs:effectRef idx="0"/>
+    <cs:fontRef idx="minor">
+      <a:schemeClr val="tx1"/>
+    </cs:fontRef>
+    <cs:spPr>
+      <a:noFill/>
+      <a:ln>
+        <a:noFill/>
+      </a:ln>
+    </cs:spPr>
+  </cs:wall>
+</cs:chartStyle>
+</file>
+
+<file path=ppt/charts/style8.xml><?xml version="1.0" encoding="utf-8"?>
+<cs:chartStyle xmlns:cs="http://schemas.microsoft.com/office/drawing/2012/chartStyle" xmlns:a="http://schemas.openxmlformats.org/drawingml/2006/main" id="240">
+  <cs:axisTitle>
+    <cs:lnRef idx="0"/>
+    <cs:fillRef idx="0"/>
+    <cs:effectRef idx="0"/>
+    <cs:fontRef idx="minor">
+      <a:schemeClr val="tx1">
+        <a:lumMod val="65000"/>
+        <a:lumOff val="35000"/>
+      </a:schemeClr>
+    </cs:fontRef>
+    <cs:defRPr sz="1000" kern="1200"/>
+  </cs:axisTitle>
+  <cs:categoryAxis>
+    <cs:lnRef idx="0"/>
+    <cs:fillRef idx="0"/>
+    <cs:effectRef idx="0"/>
+    <cs:fontRef idx="minor">
+      <a:schemeClr val="tx1">
+        <a:lumMod val="65000"/>
+        <a:lumOff val="35000"/>
+      </a:schemeClr>
+    </cs:fontRef>
+    <cs:spPr>
+      <a:ln w="9525" cap="flat" cmpd="sng" algn="ctr">
+        <a:solidFill>
+          <a:schemeClr val="tx1">
+            <a:lumMod val="25000"/>
+            <a:lumOff val="75000"/>
+          </a:schemeClr>
+        </a:solidFill>
+        <a:round/>
+      </a:ln>
+    </cs:spPr>
+    <cs:defRPr sz="900" kern="1200"/>
+  </cs:categoryAxis>
+  <cs:chartArea mods="allowNoFillOverride allowNoLineOverride">
+    <cs:lnRef idx="0"/>
+    <cs:fillRef idx="0"/>
+    <cs:effectRef idx="0"/>
+    <cs:fontRef idx="minor">
+      <a:schemeClr val="tx1"/>
+    </cs:fontRef>
+    <cs:spPr>
+      <a:solidFill>
+        <a:schemeClr val="bg1"/>
+      </a:solidFill>
+      <a:ln w="9525" cap="flat" cmpd="sng" algn="ctr">
+        <a:solidFill>
+          <a:schemeClr val="tx1">
+            <a:lumMod val="15000"/>
+            <a:lumOff val="85000"/>
+          </a:schemeClr>
+        </a:solidFill>
+        <a:round/>
+      </a:ln>
+    </cs:spPr>
+    <cs:defRPr sz="1000" kern="1200"/>
+  </cs:chartArea>
+  <cs:dataLabel>
+    <cs:lnRef idx="0"/>
+    <cs:fillRef idx="0"/>
+    <cs:effectRef idx="0"/>
+    <cs:fontRef idx="minor">
+      <a:schemeClr val="tx1">
+        <a:lumMod val="75000"/>
+        <a:lumOff val="25000"/>
+      </a:schemeClr>
+    </cs:fontRef>
+    <cs:defRPr sz="900" kern="1200"/>
+  </cs:dataLabel>
+  <cs:dataLabelCallout>
+    <cs:lnRef idx="0"/>
+    <cs:fillRef idx="0"/>
+    <cs:effectRef idx="0"/>
+    <cs:fontRef idx="minor">
+      <a:schemeClr val="dk1">
+        <a:lumMod val="65000"/>
+        <a:lumOff val="35000"/>
+      </a:schemeClr>
+    </cs:fontRef>
+    <cs:spPr>
+      <a:solidFill>
+        <a:schemeClr val="lt1"/>
+      </a:solidFill>
+      <a:ln>
+        <a:solidFill>
+          <a:schemeClr val="dk1">
+            <a:lumMod val="25000"/>
+            <a:lumOff val="75000"/>
+          </a:schemeClr>
+        </a:solidFill>
+      </a:ln>
+    </cs:spPr>
+    <cs:defRPr sz="900" kern="1200"/>
+    <cs:bodyPr rot="0" spcFirstLastPara="1" vertOverflow="clip" horzOverflow="clip" vert="horz" wrap="square" lIns="36576" tIns="18288" rIns="36576" bIns="18288" anchor="ctr" anchorCtr="1">
+      <a:spAutoFit/>
+    </cs:bodyPr>
+  </cs:dataLabelCallout>
+  <cs:dataPoint>
+    <cs:lnRef idx="0"/>
+    <cs:fillRef idx="1">
+      <cs:styleClr val="auto"/>
+    </cs:fillRef>
+    <cs:effectRef idx="0"/>
+    <cs:fontRef idx="minor">
+      <a:schemeClr val="tx1"/>
+    </cs:fontRef>
+  </cs:dataPoint>
+  <cs:dataPoint3D>
+    <cs:lnRef idx="0"/>
+    <cs:fillRef idx="1">
+      <cs:styleClr val="auto"/>
+    </cs:fillRef>
+    <cs:effectRef idx="0"/>
+    <cs:fontRef idx="minor">
+      <a:schemeClr val="tx1"/>
+    </cs:fontRef>
+  </cs:dataPoint3D>
+  <cs:dataPointLine>
+    <cs:lnRef idx="0">
+      <cs:styleClr val="auto"/>
+    </cs:lnRef>
+    <cs:fillRef idx="1"/>
+    <cs:effectRef idx="0"/>
+    <cs:fontRef idx="minor">
+      <a:schemeClr val="tx1"/>
+    </cs:fontRef>
+    <cs:spPr>
+      <a:ln w="19050" cap="rnd">
+        <a:solidFill>
+          <a:schemeClr val="phClr"/>
+        </a:solidFill>
+        <a:round/>
+      </a:ln>
+    </cs:spPr>
+  </cs:dataPointLine>
+  <cs:dataPointMarker>
+    <cs:lnRef idx="0">
+      <cs:styleClr val="auto"/>
+    </cs:lnRef>
+    <cs:fillRef idx="1">
+      <cs:styleClr val="auto"/>
+    </cs:fillRef>
+    <cs:effectRef idx="0"/>
+    <cs:fontRef idx="minor">
+      <a:schemeClr val="tx1"/>
+    </cs:fontRef>
+    <cs:spPr>
+      <a:ln w="9525">
+        <a:solidFill>
+          <a:schemeClr val="phClr"/>
+        </a:solidFill>
+      </a:ln>
+    </cs:spPr>
+  </cs:dataPointMarker>
+  <cs:dataPointMarkerLayout symbol="circle" size="5"/>
+  <cs:dataPointWireframe>
+    <cs:lnRef idx="0">
+      <cs:styleClr val="auto"/>
+    </cs:lnRef>
+    <cs:fillRef idx="0"/>
+    <cs:effectRef idx="0"/>
+    <cs:fontRef idx="minor">
+      <a:schemeClr val="dk1"/>
+    </cs:fontRef>
+    <cs:spPr>
+      <a:ln w="9525" cap="rnd">
+        <a:solidFill>
+          <a:schemeClr val="phClr"/>
+        </a:solidFill>
+        <a:round/>
+      </a:ln>
+    </cs:spPr>
+  </cs:dataPointWireframe>
+  <cs:dataTable>
+    <cs:lnRef idx="0"/>
+    <cs:fillRef idx="0"/>
+    <cs:effectRef idx="0"/>
+    <cs:fontRef idx="minor">
+      <a:schemeClr val="tx1">
+        <a:lumMod val="65000"/>
+        <a:lumOff val="35000"/>
+      </a:schemeClr>
+    </cs:fontRef>
+    <cs:spPr>
+      <a:noFill/>
+      <a:ln w="9525" cap="flat" cmpd="sng" algn="ctr">
+        <a:solidFill>
+          <a:schemeClr val="tx1">
+            <a:lumMod val="15000"/>
+            <a:lumOff val="85000"/>
+          </a:schemeClr>
+        </a:solidFill>
+        <a:round/>
+      </a:ln>
+    </cs:spPr>
+    <cs:defRPr sz="900" kern="1200"/>
+  </cs:dataTable>
+  <cs:downBar>
+    <cs:lnRef idx="0"/>
+    <cs:fillRef idx="0"/>
+    <cs:effectRef idx="0"/>
+    <cs:fontRef idx="minor">
+      <a:schemeClr val="tx1"/>
+    </cs:fontRef>
+    <cs:spPr>
+      <a:solidFill>
+        <a:schemeClr val="dk1">
+          <a:lumMod val="75000"/>
+          <a:lumOff val="25000"/>
+        </a:schemeClr>
+      </a:solidFill>
+      <a:ln w="9525" cap="flat" cmpd="sng" algn="ctr">
+        <a:solidFill>
+          <a:schemeClr val="tx1">
+            <a:lumMod val="65000"/>
+            <a:lumOff val="35000"/>
+          </a:schemeClr>
+        </a:solidFill>
+        <a:round/>
+      </a:ln>
+    </cs:spPr>
+  </cs:downBar>
+  <cs:dropLine>
+    <cs:lnRef idx="0"/>
+    <cs:fillRef idx="0"/>
+    <cs:effectRef idx="0"/>
+    <cs:fontRef idx="minor">
+      <a:schemeClr val="tx1"/>
+    </cs:fontRef>
+    <cs:spPr>
+      <a:ln w="9525" cap="flat" cmpd="sng" algn="ctr">
+        <a:solidFill>
+          <a:schemeClr val="tx1">
+            <a:lumMod val="35000"/>
+            <a:lumOff val="65000"/>
+          </a:schemeClr>
+        </a:solidFill>
+        <a:round/>
+      </a:ln>
+    </cs:spPr>
+  </cs:dropLine>
+  <cs:errorBar>
+    <cs:lnRef idx="0"/>
+    <cs:fillRef idx="0"/>
+    <cs:effectRef idx="0"/>
+    <cs:fontRef idx="minor">
+      <a:schemeClr val="tx1"/>
+    </cs:fontRef>
+    <cs:spPr>
+      <a:ln w="9525" cap="flat" cmpd="sng" algn="ctr">
+        <a:solidFill>
+          <a:schemeClr val="tx1">
+            <a:lumMod val="65000"/>
+            <a:lumOff val="35000"/>
+          </a:schemeClr>
+        </a:solidFill>
+        <a:round/>
+      </a:ln>
+    </cs:spPr>
+  </cs:errorBar>
+  <cs:floor>
+    <cs:lnRef idx="0"/>
+    <cs:fillRef idx="0"/>
+    <cs:effectRef idx="0"/>
+    <cs:fontRef idx="minor">
+      <a:schemeClr val="tx1"/>
+    </cs:fontRef>
+    <cs:spPr>
+      <a:noFill/>
+      <a:ln>
+        <a:noFill/>
+      </a:ln>
+    </cs:spPr>
+  </cs:floor>
+  <cs:gridlineMajor>
+    <cs:lnRef idx="0"/>
+    <cs:fillRef idx="0"/>
+    <cs:effectRef idx="0"/>
+    <cs:fontRef idx="minor">
+      <a:schemeClr val="tx1"/>
+    </cs:fontRef>
+    <cs:spPr>
+      <a:ln w="9525" cap="flat" cmpd="sng" algn="ctr">
+        <a:solidFill>
+          <a:schemeClr val="tx1">
+            <a:lumMod val="15000"/>
+            <a:lumOff val="85000"/>
+          </a:schemeClr>
+        </a:solidFill>
+        <a:round/>
+      </a:ln>
+    </cs:spPr>
+  </cs:gridlineMajor>
+  <cs:gridlineMinor>
+    <cs:lnRef idx="0"/>
+    <cs:fillRef idx="0"/>
+    <cs:effectRef idx="0"/>
+    <cs:fontRef idx="minor">
+      <a:schemeClr val="tx1"/>
+    </cs:fontRef>
+    <cs:spPr>
+      <a:ln w="9525" cap="flat" cmpd="sng" algn="ctr">
+        <a:solidFill>
+          <a:schemeClr val="tx1">
+            <a:lumMod val="5000"/>
+            <a:lumOff val="95000"/>
+          </a:schemeClr>
+        </a:solidFill>
+        <a:round/>
+      </a:ln>
+    </cs:spPr>
+  </cs:gridlineMinor>
+  <cs:hiLoLine>
+    <cs:lnRef idx="0"/>
+    <cs:fillRef idx="0"/>
+    <cs:effectRef idx="0"/>
+    <cs:fontRef idx="minor">
+      <a:schemeClr val="tx1"/>
+    </cs:fontRef>
+    <cs:spPr>
+      <a:ln w="9525" cap="flat" cmpd="sng" algn="ctr">
+        <a:solidFill>
+          <a:schemeClr val="tx1">
+            <a:lumMod val="50000"/>
+            <a:lumOff val="50000"/>
+          </a:schemeClr>
+        </a:solidFill>
+        <a:round/>
+      </a:ln>
+    </cs:spPr>
+  </cs:hiLoLine>
+  <cs:leaderLine>
+    <cs:lnRef idx="0"/>
+    <cs:fillRef idx="0"/>
+    <cs:effectRef idx="0"/>
+    <cs:fontRef idx="minor">
+      <a:schemeClr val="tx1"/>
+    </cs:fontRef>
+    <cs:spPr>
+      <a:ln w="9525" cap="flat" cmpd="sng" algn="ctr">
+        <a:solidFill>
+          <a:schemeClr val="tx1">
+            <a:lumMod val="35000"/>
+            <a:lumOff val="65000"/>
+          </a:schemeClr>
+        </a:solidFill>
+        <a:round/>
+      </a:ln>
+    </cs:spPr>
+  </cs:leaderLine>
+  <cs:legend>
+    <cs:lnRef idx="0"/>
+    <cs:fillRef idx="0"/>
+    <cs:effectRef idx="0"/>
+    <cs:fontRef idx="minor">
+      <a:schemeClr val="tx1">
+        <a:lumMod val="65000"/>
+        <a:lumOff val="35000"/>
+      </a:schemeClr>
+    </cs:fontRef>
+    <cs:defRPr sz="900" kern="1200"/>
+  </cs:legend>
+  <cs:plotArea mods="allowNoFillOverride allowNoLineOverride">
+    <cs:lnRef idx="0"/>
+    <cs:fillRef idx="0"/>
+    <cs:effectRef idx="0"/>
+    <cs:fontRef idx="minor">
+      <a:schemeClr val="tx1"/>
+    </cs:fontRef>
+  </cs:plotArea>
+  <cs:plotArea3D mods="allowNoFillOverride allowNoLineOverride">
+    <cs:lnRef idx="0"/>
+    <cs:fillRef idx="0"/>
+    <cs:effectRef idx="0"/>
+    <cs:fontRef idx="minor">
+      <a:schemeClr val="tx1"/>
+    </cs:fontRef>
+  </cs:plotArea3D>
+  <cs:seriesAxis>
+    <cs:lnRef idx="0"/>
+    <cs:fillRef idx="0"/>
+    <cs:effectRef idx="0"/>
+    <cs:fontRef idx="minor">
+      <a:schemeClr val="tx1">
+        <a:lumMod val="65000"/>
+        <a:lumOff val="35000"/>
+      </a:schemeClr>
+    </cs:fontRef>
+    <cs:defRPr sz="900" kern="1200"/>
+  </cs:seriesAxis>
+  <cs:seriesLine>
+    <cs:lnRef idx="0"/>
+    <cs:fillRef idx="0"/>
+    <cs:effectRef idx="0"/>
+    <cs:fontRef idx="minor">
+      <a:schemeClr val="tx1"/>
+    </cs:fontRef>
+    <cs:spPr>
+      <a:ln w="9525" cap="flat" cmpd="sng" algn="ctr">
+        <a:solidFill>
+          <a:schemeClr val="tx1">
+            <a:lumMod val="35000"/>
+            <a:lumOff val="65000"/>
+          </a:schemeClr>
+        </a:solidFill>
+        <a:round/>
+      </a:ln>
+    </cs:spPr>
+  </cs:seriesLine>
+  <cs:title>
+    <cs:lnRef idx="0"/>
+    <cs:fillRef idx="0"/>
+    <cs:effectRef idx="0"/>
+    <cs:fontRef idx="minor">
+      <a:schemeClr val="tx1">
+        <a:lumMod val="65000"/>
+        <a:lumOff val="35000"/>
+      </a:schemeClr>
+    </cs:fontRef>
+    <cs:defRPr sz="1400" b="0" kern="1200" spc="0" baseline="0"/>
+  </cs:title>
+  <cs:trendline>
+    <cs:lnRef idx="0">
+      <cs:styleClr val="auto"/>
+    </cs:lnRef>
+    <cs:fillRef idx="0"/>
+    <cs:effectRef idx="0"/>
+    <cs:fontRef idx="minor">
+      <a:schemeClr val="tx1"/>
+    </cs:fontRef>
+    <cs:spPr>
+      <a:ln w="19050" cap="rnd">
+        <a:solidFill>
+          <a:schemeClr val="phClr"/>
+        </a:solidFill>
+        <a:prstDash val="sysDot"/>
+      </a:ln>
+    </cs:spPr>
+  </cs:trendline>
+  <cs:trendlineLabel>
+    <cs:lnRef idx="0"/>
+    <cs:fillRef idx="0"/>
+    <cs:effectRef idx="0"/>
+    <cs:fontRef idx="minor">
+      <a:schemeClr val="tx1">
+        <a:lumMod val="65000"/>
+        <a:lumOff val="35000"/>
+      </a:schemeClr>
+    </cs:fontRef>
+    <cs:defRPr sz="900" kern="1200"/>
+  </cs:trendlineLabel>
+  <cs:upBar>
+    <cs:lnRef idx="0"/>
+    <cs:fillRef idx="0"/>
+    <cs:effectRef idx="0"/>
+    <cs:fontRef idx="minor">
+      <a:schemeClr val="tx1"/>
+    </cs:fontRef>
+    <cs:spPr>
+      <a:solidFill>
+        <a:schemeClr val="lt1"/>
+      </a:solidFill>
+      <a:ln w="9525" cap="flat" cmpd="sng" algn="ctr">
+        <a:solidFill>
+          <a:schemeClr val="tx1">
+            <a:lumMod val="65000"/>
+            <a:lumOff val="35000"/>
+          </a:schemeClr>
+        </a:solidFill>
+        <a:round/>
+      </a:ln>
+    </cs:spPr>
+  </cs:upBar>
+  <cs:valueAxis>
+    <cs:lnRef idx="0"/>
+    <cs:fillRef idx="0"/>
+    <cs:effectRef idx="0"/>
+    <cs:fontRef idx="minor">
+      <a:schemeClr val="tx1">
+        <a:lumMod val="65000"/>
+        <a:lumOff val="35000"/>
+      </a:schemeClr>
+    </cs:fontRef>
+    <cs:spPr>
+      <a:ln w="9525" cap="flat" cmpd="sng" algn="ctr">
+        <a:solidFill>
+          <a:schemeClr val="tx1">
+            <a:lumMod val="25000"/>
+            <a:lumOff val="75000"/>
+          </a:schemeClr>
+        </a:solidFill>
+        <a:round/>
+      </a:ln>
+    </cs:spPr>
+    <cs:defRPr sz="900" kern="1200"/>
+  </cs:valueAxis>
+  <cs:wall>
+    <cs:lnRef idx="0"/>
+    <cs:fillRef idx="0"/>
+    <cs:effectRef idx="0"/>
+    <cs:fontRef idx="minor">
+      <a:schemeClr val="tx1"/>
+    </cs:fontRef>
+    <cs:spPr>
+      <a:noFill/>
+      <a:ln>
+        <a:noFill/>
+      </a:ln>
+    </cs:spPr>
+  </cs:wall>
+</cs:chartStyle>
+</file>
+
+<file path=ppt/charts/style9.xml><?xml version="1.0" encoding="utf-8"?>
+<cs:chartStyle xmlns:cs="http://schemas.microsoft.com/office/drawing/2012/chartStyle" xmlns:a="http://schemas.openxmlformats.org/drawingml/2006/main" id="240">
+  <cs:axisTitle>
+    <cs:lnRef idx="0"/>
+    <cs:fillRef idx="0"/>
+    <cs:effectRef idx="0"/>
+    <cs:fontRef idx="minor">
+      <a:schemeClr val="tx1">
+        <a:lumMod val="65000"/>
+        <a:lumOff val="35000"/>
+      </a:schemeClr>
+    </cs:fontRef>
+    <cs:defRPr sz="1000" kern="1200"/>
+  </cs:axisTitle>
+  <cs:categoryAxis>
+    <cs:lnRef idx="0"/>
+    <cs:fillRef idx="0"/>
+    <cs:effectRef idx="0"/>
+    <cs:fontRef idx="minor">
+      <a:schemeClr val="tx1">
+        <a:lumMod val="65000"/>
+        <a:lumOff val="35000"/>
+      </a:schemeClr>
+    </cs:fontRef>
+    <cs:spPr>
+      <a:ln w="9525" cap="flat" cmpd="sng" algn="ctr">
+        <a:solidFill>
+          <a:schemeClr val="tx1">
+            <a:lumMod val="25000"/>
+            <a:lumOff val="75000"/>
+          </a:schemeClr>
+        </a:solidFill>
+        <a:round/>
+      </a:ln>
+    </cs:spPr>
+    <cs:defRPr sz="900" kern="1200"/>
+  </cs:categoryAxis>
+  <cs:chartArea mods="allowNoFillOverride allowNoLineOverride">
+    <cs:lnRef idx="0"/>
+    <cs:fillRef idx="0"/>
+    <cs:effectRef idx="0"/>
+    <cs:fontRef idx="minor">
+      <a:schemeClr val="tx1"/>
+    </cs:fontRef>
+    <cs:spPr>
+      <a:solidFill>
+        <a:schemeClr val="bg1"/>
+      </a:solidFill>
+      <a:ln w="9525" cap="flat" cmpd="sng" algn="ctr">
+        <a:solidFill>
+          <a:schemeClr val="tx1">
+            <a:lumMod val="15000"/>
+            <a:lumOff val="85000"/>
+          </a:schemeClr>
+        </a:solidFill>
+        <a:round/>
+      </a:ln>
+    </cs:spPr>
+    <cs:defRPr sz="1000" kern="1200"/>
+  </cs:chartArea>
+  <cs:dataLabel>
+    <cs:lnRef idx="0"/>
+    <cs:fillRef idx="0"/>
+    <cs:effectRef idx="0"/>
+    <cs:fontRef idx="minor">
+      <a:schemeClr val="tx1">
+        <a:lumMod val="75000"/>
+        <a:lumOff val="25000"/>
+      </a:schemeClr>
+    </cs:fontRef>
+    <cs:defRPr sz="900" kern="1200"/>
+  </cs:dataLabel>
+  <cs:dataLabelCallout>
+    <cs:lnRef idx="0"/>
+    <cs:fillRef idx="0"/>
+    <cs:effectRef idx="0"/>
+    <cs:fontRef idx="minor">
+      <a:schemeClr val="dk1">
+        <a:lumMod val="65000"/>
+        <a:lumOff val="35000"/>
+      </a:schemeClr>
+    </cs:fontRef>
+    <cs:spPr>
+      <a:solidFill>
+        <a:schemeClr val="lt1"/>
+      </a:solidFill>
+      <a:ln>
+        <a:solidFill>
+          <a:schemeClr val="dk1">
+            <a:lumMod val="25000"/>
+            <a:lumOff val="75000"/>
+          </a:schemeClr>
+        </a:solidFill>
+      </a:ln>
+    </cs:spPr>
+    <cs:defRPr sz="900" kern="1200"/>
+    <cs:bodyPr rot="0" spcFirstLastPara="1" vertOverflow="clip" horzOverflow="clip" vert="horz" wrap="square" lIns="36576" tIns="18288" rIns="36576" bIns="18288" anchor="ctr" anchorCtr="1">
+      <a:spAutoFit/>
+    </cs:bodyPr>
+  </cs:dataLabelCallout>
+  <cs:dataPoint>
+    <cs:lnRef idx="0"/>
+    <cs:fillRef idx="1">
+      <cs:styleClr val="auto"/>
+    </cs:fillRef>
+    <cs:effectRef idx="0"/>
+    <cs:fontRef idx="minor">
+      <a:schemeClr val="tx1"/>
+    </cs:fontRef>
+  </cs:dataPoint>
+  <cs:dataPoint3D>
+    <cs:lnRef idx="0"/>
+    <cs:fillRef idx="1">
+      <cs:styleClr val="auto"/>
+    </cs:fillRef>
+    <cs:effectRef idx="0"/>
+    <cs:fontRef idx="minor">
+      <a:schemeClr val="tx1"/>
+    </cs:fontRef>
+  </cs:dataPoint3D>
+  <cs:dataPointLine>
+    <cs:lnRef idx="0">
+      <cs:styleClr val="auto"/>
+    </cs:lnRef>
+    <cs:fillRef idx="1"/>
+    <cs:effectRef idx="0"/>
+    <cs:fontRef idx="minor">
+      <a:schemeClr val="tx1"/>
+    </cs:fontRef>
+    <cs:spPr>
+      <a:ln w="19050" cap="rnd">
+        <a:solidFill>
+          <a:schemeClr val="phClr"/>
+        </a:solidFill>
+        <a:round/>
+      </a:ln>
+    </cs:spPr>
+  </cs:dataPointLine>
+  <cs:dataPointMarker>
+    <cs:lnRef idx="0">
+      <cs:styleClr val="auto"/>
+    </cs:lnRef>
+    <cs:fillRef idx="1">
+      <cs:styleClr val="auto"/>
+    </cs:fillRef>
+    <cs:effectRef idx="0"/>
+    <cs:fontRef idx="minor">
+      <a:schemeClr val="tx1"/>
+    </cs:fontRef>
+    <cs:spPr>
+      <a:ln w="9525">
+        <a:solidFill>
+          <a:schemeClr val="phClr"/>
+        </a:solidFill>
+      </a:ln>
+    </cs:spPr>
+  </cs:dataPointMarker>
+  <cs:dataPointMarkerLayout symbol="circle" size="5"/>
+  <cs:dataPointWireframe>
+    <cs:lnRef idx="0">
+      <cs:styleClr val="auto"/>
+    </cs:lnRef>
+    <cs:fillRef idx="0"/>
+    <cs:effectRef idx="0"/>
+    <cs:fontRef idx="minor">
+      <a:schemeClr val="dk1"/>
+    </cs:fontRef>
+    <cs:spPr>
+      <a:ln w="9525" cap="rnd">
+        <a:solidFill>
+          <a:schemeClr val="phClr"/>
+        </a:solidFill>
+        <a:round/>
+      </a:ln>
+    </cs:spPr>
+  </cs:dataPointWireframe>
+  <cs:dataTable>
+    <cs:lnRef idx="0"/>
+    <cs:fillRef idx="0"/>
+    <cs:effectRef idx="0"/>
+    <cs:fontRef idx="minor">
+      <a:schemeClr val="tx1">
+        <a:lumMod val="65000"/>
+        <a:lumOff val="35000"/>
+      </a:schemeClr>
+    </cs:fontRef>
+    <cs:spPr>
+      <a:noFill/>
+      <a:ln w="9525" cap="flat" cmpd="sng" algn="ctr">
+        <a:solidFill>
+          <a:schemeClr val="tx1">
+            <a:lumMod val="15000"/>
+            <a:lumOff val="85000"/>
+          </a:schemeClr>
+        </a:solidFill>
+        <a:round/>
+      </a:ln>
+    </cs:spPr>
+    <cs:defRPr sz="900" kern="1200"/>
+  </cs:dataTable>
+  <cs:downBar>
+    <cs:lnRef idx="0"/>
+    <cs:fillRef idx="0"/>
+    <cs:effectRef idx="0"/>
+    <cs:fontRef idx="minor">
+      <a:schemeClr val="tx1"/>
+    </cs:fontRef>
+    <cs:spPr>
+      <a:solidFill>
+        <a:schemeClr val="dk1">
+          <a:lumMod val="75000"/>
+          <a:lumOff val="25000"/>
+        </a:schemeClr>
+      </a:solidFill>
+      <a:ln w="9525" cap="flat" cmpd="sng" algn="ctr">
+        <a:solidFill>
+          <a:schemeClr val="tx1">
+            <a:lumMod val="65000"/>
+            <a:lumOff val="35000"/>
+          </a:schemeClr>
+        </a:solidFill>
+        <a:round/>
+      </a:ln>
+    </cs:spPr>
+  </cs:downBar>
+  <cs:dropLine>
+    <cs:lnRef idx="0"/>
+    <cs:fillRef idx="0"/>
+    <cs:effectRef idx="0"/>
+    <cs:fontRef idx="minor">
+      <a:schemeClr val="tx1"/>
+    </cs:fontRef>
+    <cs:spPr>
+      <a:ln w="9525" cap="flat" cmpd="sng" algn="ctr">
+        <a:solidFill>
+          <a:schemeClr val="tx1">
+            <a:lumMod val="35000"/>
+            <a:lumOff val="65000"/>
+          </a:schemeClr>
+        </a:solidFill>
+        <a:round/>
+      </a:ln>
+    </cs:spPr>
+  </cs:dropLine>
+  <cs:errorBar>
+    <cs:lnRef idx="0"/>
+    <cs:fillRef idx="0"/>
+    <cs:effectRef idx="0"/>
+    <cs:fontRef idx="minor">
+      <a:schemeClr val="tx1"/>
+    </cs:fontRef>
+    <cs:spPr>
+      <a:ln w="9525" cap="flat" cmpd="sng" algn="ctr">
+        <a:solidFill>
+          <a:schemeClr val="tx1">
+            <a:lumMod val="65000"/>
+            <a:lumOff val="35000"/>
+          </a:schemeClr>
+        </a:solidFill>
+        <a:round/>
+      </a:ln>
+    </cs:spPr>
+  </cs:errorBar>
+  <cs:floor>
+    <cs:lnRef idx="0"/>
+    <cs:fillRef idx="0"/>
+    <cs:effectRef idx="0"/>
+    <cs:fontRef idx="minor">
+      <a:schemeClr val="tx1"/>
+    </cs:fontRef>
+    <cs:spPr>
+      <a:noFill/>
+      <a:ln>
+        <a:noFill/>
+      </a:ln>
+    </cs:spPr>
+  </cs:floor>
+  <cs:gridlineMajor>
+    <cs:lnRef idx="0"/>
+    <cs:fillRef idx="0"/>
+    <cs:effectRef idx="0"/>
+    <cs:fontRef idx="minor">
+      <a:schemeClr val="tx1"/>
+    </cs:fontRef>
+    <cs:spPr>
+      <a:ln w="9525" cap="flat" cmpd="sng" algn="ctr">
+        <a:solidFill>
+          <a:schemeClr val="tx1">
+            <a:lumMod val="15000"/>
+            <a:lumOff val="85000"/>
+          </a:schemeClr>
+        </a:solidFill>
+        <a:round/>
+      </a:ln>
+    </cs:spPr>
+  </cs:gridlineMajor>
+  <cs:gridlineMinor>
+    <cs:lnRef idx="0"/>
+    <cs:fillRef idx="0"/>
+    <cs:effectRef idx="0"/>
+    <cs:fontRef idx="minor">
+      <a:schemeClr val="tx1"/>
+    </cs:fontRef>
+    <cs:spPr>
+      <a:ln w="9525" cap="flat" cmpd="sng" algn="ctr">
+        <a:solidFill>
+          <a:schemeClr val="tx1">
+            <a:lumMod val="5000"/>
+            <a:lumOff val="95000"/>
+          </a:schemeClr>
+        </a:solidFill>
+        <a:round/>
+      </a:ln>
+    </cs:spPr>
+  </cs:gridlineMinor>
+  <cs:hiLoLine>
+    <cs:lnRef idx="0"/>
+    <cs:fillRef idx="0"/>
+    <cs:effectRef idx="0"/>
+    <cs:fontRef idx="minor">
+      <a:schemeClr val="tx1"/>
+    </cs:fontRef>
+    <cs:spPr>
+      <a:ln w="9525" cap="flat" cmpd="sng" algn="ctr">
+        <a:solidFill>
+          <a:schemeClr val="tx1">
+            <a:lumMod val="50000"/>
+            <a:lumOff val="50000"/>
+          </a:schemeClr>
+        </a:solidFill>
+        <a:round/>
+      </a:ln>
+    </cs:spPr>
+  </cs:hiLoLine>
+  <cs:leaderLine>
+    <cs:lnRef idx="0"/>
+    <cs:fillRef idx="0"/>
+    <cs:effectRef idx="0"/>
+    <cs:fontRef idx="minor">
+      <a:schemeClr val="tx1"/>
+    </cs:fontRef>
+    <cs:spPr>
+      <a:ln w="9525" cap="flat" cmpd="sng" algn="ctr">
+        <a:solidFill>
+          <a:schemeClr val="tx1">
+            <a:lumMod val="35000"/>
+            <a:lumOff val="65000"/>
+          </a:schemeClr>
+        </a:solidFill>
+        <a:round/>
+      </a:ln>
+    </cs:spPr>
+  </cs:leaderLine>
+  <cs:legend>
+    <cs:lnRef idx="0"/>
+    <cs:fillRef idx="0"/>
+    <cs:effectRef idx="0"/>
+    <cs:fontRef idx="minor">
+      <a:schemeClr val="tx1">
+        <a:lumMod val="65000"/>
+        <a:lumOff val="35000"/>
+      </a:schemeClr>
+    </cs:fontRef>
+    <cs:defRPr sz="900" kern="1200"/>
+  </cs:legend>
+  <cs:plotArea mods="allowNoFillOverride allowNoLineOverride">
+    <cs:lnRef idx="0"/>
+    <cs:fillRef idx="0"/>
+    <cs:effectRef idx="0"/>
+    <cs:fontRef idx="minor">
+      <a:schemeClr val="tx1"/>
+    </cs:fontRef>
+  </cs:plotArea>
+  <cs:plotArea3D mods="allowNoFillOverride allowNoLineOverride">
+    <cs:lnRef idx="0"/>
+    <cs:fillRef idx="0"/>
+    <cs:effectRef idx="0"/>
+    <cs:fontRef idx="minor">
+      <a:schemeClr val="tx1"/>
+    </cs:fontRef>
+  </cs:plotArea3D>
+  <cs:seriesAxis>
+    <cs:lnRef idx="0"/>
+    <cs:fillRef idx="0"/>
+    <cs:effectRef idx="0"/>
+    <cs:fontRef idx="minor">
+      <a:schemeClr val="tx1">
+        <a:lumMod val="65000"/>
+        <a:lumOff val="35000"/>
+      </a:schemeClr>
+    </cs:fontRef>
+    <cs:defRPr sz="900" kern="1200"/>
+  </cs:seriesAxis>
+  <cs:seriesLine>
+    <cs:lnRef idx="0"/>
+    <cs:fillRef idx="0"/>
+    <cs:effectRef idx="0"/>
+    <cs:fontRef idx="minor">
+      <a:schemeClr val="tx1"/>
+    </cs:fontRef>
+    <cs:spPr>
+      <a:ln w="9525" cap="flat" cmpd="sng" algn="ctr">
+        <a:solidFill>
+          <a:schemeClr val="tx1">
+            <a:lumMod val="35000"/>
+            <a:lumOff val="65000"/>
+          </a:schemeClr>
+        </a:solidFill>
+        <a:round/>
+      </a:ln>
+    </cs:spPr>
+  </cs:seriesLine>
+  <cs:title>
+    <cs:lnRef idx="0"/>
+    <cs:fillRef idx="0"/>
+    <cs:effectRef idx="0"/>
+    <cs:fontRef idx="minor">
+      <a:schemeClr val="tx1">
+        <a:lumMod val="65000"/>
+        <a:lumOff val="35000"/>
+      </a:schemeClr>
+    </cs:fontRef>
+    <cs:defRPr sz="1400" b="0" kern="1200" spc="0" baseline="0"/>
+  </cs:title>
+  <cs:trendline>
+    <cs:lnRef idx="0">
+      <cs:styleClr val="auto"/>
+    </cs:lnRef>
+    <cs:fillRef idx="0"/>
+    <cs:effectRef idx="0"/>
+    <cs:fontRef idx="minor">
+      <a:schemeClr val="tx1"/>
+    </cs:fontRef>
+    <cs:spPr>
+      <a:ln w="19050" cap="rnd">
+        <a:solidFill>
+          <a:schemeClr val="phClr"/>
+        </a:solidFill>
+        <a:prstDash val="sysDot"/>
+      </a:ln>
+    </cs:spPr>
+  </cs:trendline>
+  <cs:trendlineLabel>
+    <cs:lnRef idx="0"/>
+    <cs:fillRef idx="0"/>
+    <cs:effectRef idx="0"/>
+    <cs:fontRef idx="minor">
+      <a:schemeClr val="tx1">
+        <a:lumMod val="65000"/>
+        <a:lumOff val="35000"/>
+      </a:schemeClr>
+    </cs:fontRef>
+    <cs:defRPr sz="900" kern="1200"/>
+  </cs:trendlineLabel>
+  <cs:upBar>
+    <cs:lnRef idx="0"/>
+    <cs:fillRef idx="0"/>
+    <cs:effectRef idx="0"/>
+    <cs:fontRef idx="minor">
+      <a:schemeClr val="tx1"/>
+    </cs:fontRef>
+    <cs:spPr>
+      <a:solidFill>
+        <a:schemeClr val="lt1"/>
+      </a:solidFill>
+      <a:ln w="9525" cap="flat" cmpd="sng" algn="ctr">
+        <a:solidFill>
+          <a:schemeClr val="tx1">
+            <a:lumMod val="65000"/>
+            <a:lumOff val="35000"/>
+          </a:schemeClr>
+        </a:solidFill>
+        <a:round/>
+      </a:ln>
+    </cs:spPr>
+  </cs:upBar>
+  <cs:valueAxis>
+    <cs:lnRef idx="0"/>
+    <cs:fillRef idx="0"/>
+    <cs:effectRef idx="0"/>
+    <cs:fontRef idx="minor">
+      <a:schemeClr val="tx1">
+        <a:lumMod val="65000"/>
+        <a:lumOff val="35000"/>
+      </a:schemeClr>
+    </cs:fontRef>
+    <cs:spPr>
+      <a:ln w="9525" cap="flat" cmpd="sng" algn="ctr">
+        <a:solidFill>
+          <a:schemeClr val="tx1">
+            <a:lumMod val="25000"/>
+            <a:lumOff val="75000"/>
+          </a:schemeClr>
+        </a:solidFill>
+        <a:round/>
+      </a:ln>
+    </cs:spPr>
     <cs:defRPr sz="900" kern="1200"/>
   </cs:valueAxis>
   <cs:wall>
@@ -13162,7 +19602,7 @@
           <a:p>
             <a:fld id="{2CF913E4-21D6-454A-9B7B-BE459B1334D7}" type="datetimeFigureOut">
               <a:rPr lang="en-US" smtClean="0"/>
-              <a:t>3/20/17</a:t>
+              <a:t>3/21/17</a:t>
             </a:fld>
             <a:endParaRPr lang="en-US"/>
           </a:p>
@@ -14780,8 +21220,8 @@
         </p:nvSpPr>
         <p:spPr/>
       </p:sp>
-      <mc:AlternateContent xmlns:mc="http://schemas.openxmlformats.org/markup-compatibility/2006">
-        <mc:Choice xmlns:a14="http://schemas.microsoft.com/office/drawing/2010/main" Requires="a14">
+      <mc:AlternateContent xmlns:mc="http://schemas.openxmlformats.org/markup-compatibility/2006" xmlns:a14="http://schemas.microsoft.com/office/drawing/2010/main">
+        <mc:Choice Requires="a14">
           <p:sp>
             <p:nvSpPr>
               <p:cNvPr id="3" name="Notes Placeholder 2"/>
@@ -14835,11 +21275,7 @@
                 </a:pPr>
                 <a:r>
                   <a:rPr lang="en-US" sz="1200" dirty="0" smtClean="0"/>
-                  <a:t>Pr</a:t>
-                </a:r>
-                <a:r>
-                  <a:rPr lang="en-US" sz="1200" dirty="0" smtClean="0"/>
-                  <a:t>(</a:t>
+                  <a:t>Pr(</a:t>
                 </a:r>
                 <a14:m>
                   <m:oMath xmlns:m="http://schemas.openxmlformats.org/officeDocument/2006/math">
@@ -15142,7 +21578,7 @@
             </p:txBody>
           </p:sp>
         </mc:Choice>
-        <mc:Fallback>
+        <mc:Fallback xmlns="">
           <p:sp>
             <p:nvSpPr>
               <p:cNvPr id="3" name="Notes Placeholder 2"/>
@@ -15460,6 +21896,90 @@
 </p:notes>
 </file>
 
+<file path=ppt/notesSlides/notesSlide7.xml><?xml version="1.0" encoding="utf-8"?>
+<p:notes xmlns:a="http://schemas.openxmlformats.org/drawingml/2006/main" xmlns:r="http://schemas.openxmlformats.org/officeDocument/2006/relationships" xmlns:p="http://schemas.openxmlformats.org/presentationml/2006/main">
+  <p:cSld>
+    <p:spTree>
+      <p:nvGrpSpPr>
+        <p:cNvPr id="1" name=""/>
+        <p:cNvGrpSpPr/>
+        <p:nvPr/>
+      </p:nvGrpSpPr>
+      <p:grpSpPr>
+        <a:xfrm>
+          <a:off x="0" y="0"/>
+          <a:ext cx="0" cy="0"/>
+          <a:chOff x="0" y="0"/>
+          <a:chExt cx="0" cy="0"/>
+        </a:xfrm>
+      </p:grpSpPr>
+      <p:sp>
+        <p:nvSpPr>
+          <p:cNvPr id="2" name="Slide Image Placeholder 1"/>
+          <p:cNvSpPr>
+            <a:spLocks noGrp="1" noRot="1" noChangeAspect="1"/>
+          </p:cNvSpPr>
+          <p:nvPr>
+            <p:ph type="sldImg"/>
+          </p:nvPr>
+        </p:nvSpPr>
+        <p:spPr/>
+      </p:sp>
+      <p:sp>
+        <p:nvSpPr>
+          <p:cNvPr id="3" name="Notes Placeholder 2"/>
+          <p:cNvSpPr>
+            <a:spLocks noGrp="1"/>
+          </p:cNvSpPr>
+          <p:nvPr>
+            <p:ph type="body" idx="1"/>
+          </p:nvPr>
+        </p:nvSpPr>
+        <p:spPr/>
+        <p:txBody>
+          <a:bodyPr/>
+          <a:lstStyle/>
+          <a:p>
+            <a:endParaRPr lang="en-US" dirty="0"/>
+          </a:p>
+        </p:txBody>
+      </p:sp>
+      <p:sp>
+        <p:nvSpPr>
+          <p:cNvPr id="4" name="Slide Number Placeholder 3"/>
+          <p:cNvSpPr>
+            <a:spLocks noGrp="1"/>
+          </p:cNvSpPr>
+          <p:nvPr>
+            <p:ph type="sldNum" sz="quarter" idx="10"/>
+          </p:nvPr>
+        </p:nvSpPr>
+        <p:spPr/>
+        <p:txBody>
+          <a:bodyPr/>
+          <a:lstStyle/>
+          <a:p>
+            <a:fld id="{E6C22B83-ABD6-0F43-B818-DC95DF684F80}" type="slidenum">
+              <a:rPr lang="en-US" smtClean="0"/>
+              <a:t>15</a:t>
+            </a:fld>
+            <a:endParaRPr lang="en-US"/>
+          </a:p>
+        </p:txBody>
+      </p:sp>
+    </p:spTree>
+    <p:extLst>
+      <p:ext uri="{BB962C8B-B14F-4D97-AF65-F5344CB8AC3E}">
+        <p14:creationId xmlns:p14="http://schemas.microsoft.com/office/powerpoint/2010/main" val="39292662"/>
+      </p:ext>
+    </p:extLst>
+  </p:cSld>
+  <p:clrMapOvr>
+    <a:masterClrMapping/>
+  </p:clrMapOvr>
+</p:notes>
+</file>
+
 <file path=ppt/slideLayouts/slideLayout1.xml><?xml version="1.0" encoding="utf-8"?>
 <p:sldLayout xmlns:a="http://schemas.openxmlformats.org/drawingml/2006/main" xmlns:r="http://schemas.openxmlformats.org/officeDocument/2006/relationships" xmlns:p="http://schemas.openxmlformats.org/presentationml/2006/main" type="title" preserve="1">
   <p:cSld name="Title Slide">
@@ -15630,7 +22150,7 @@
           <a:p>
             <a:fld id="{E244C58A-5871-1749-BADD-ABDAF70FC583}" type="datetimeFigureOut">
               <a:rPr lang="en-US" smtClean="0"/>
-              <a:t>3/20/17</a:t>
+              <a:t>3/21/17</a:t>
             </a:fld>
             <a:endParaRPr lang="en-US"/>
           </a:p>
@@ -15892,7 +22412,7 @@
           <a:p>
             <a:fld id="{E244C58A-5871-1749-BADD-ABDAF70FC583}" type="datetimeFigureOut">
               <a:rPr lang="en-US" smtClean="0"/>
-              <a:t>3/20/17</a:t>
+              <a:t>3/21/17</a:t>
             </a:fld>
             <a:endParaRPr lang="en-US"/>
           </a:p>
@@ -16118,7 +22638,7 @@
           <a:p>
             <a:fld id="{E244C58A-5871-1749-BADD-ABDAF70FC583}" type="datetimeFigureOut">
               <a:rPr lang="en-US" smtClean="0"/>
-              <a:t>3/20/17</a:t>
+              <a:t>3/21/17</a:t>
             </a:fld>
             <a:endParaRPr lang="en-US"/>
           </a:p>
@@ -16423,7 +22943,7 @@
           <a:p>
             <a:fld id="{E244C58A-5871-1749-BADD-ABDAF70FC583}" type="datetimeFigureOut">
               <a:rPr lang="en-US" smtClean="0"/>
-              <a:t>3/20/17</a:t>
+              <a:t>3/21/17</a:t>
             </a:fld>
             <a:endParaRPr lang="en-US"/>
           </a:p>
@@ -16891,7 +23411,7 @@
           <a:p>
             <a:fld id="{E244C58A-5871-1749-BADD-ABDAF70FC583}" type="datetimeFigureOut">
               <a:rPr lang="en-US" smtClean="0"/>
-              <a:t>3/20/17</a:t>
+              <a:t>3/21/17</a:t>
             </a:fld>
             <a:endParaRPr lang="en-US"/>
           </a:p>
@@ -17433,7 +23953,7 @@
           <a:p>
             <a:fld id="{E244C58A-5871-1749-BADD-ABDAF70FC583}" type="datetimeFigureOut">
               <a:rPr lang="en-US" smtClean="0"/>
-              <a:t>3/20/17</a:t>
+              <a:t>3/21/17</a:t>
             </a:fld>
             <a:endParaRPr lang="en-US"/>
           </a:p>
@@ -18202,7 +24722,7 @@
           <a:p>
             <a:fld id="{E244C58A-5871-1749-BADD-ABDAF70FC583}" type="datetimeFigureOut">
               <a:rPr lang="en-US" smtClean="0"/>
-              <a:t>3/20/17</a:t>
+              <a:t>3/21/17</a:t>
             </a:fld>
             <a:endParaRPr lang="en-US"/>
           </a:p>
@@ -18372,7 +24892,7 @@
           <a:p>
             <a:fld id="{E244C58A-5871-1749-BADD-ABDAF70FC583}" type="datetimeFigureOut">
               <a:rPr lang="en-US" smtClean="0"/>
-              <a:t>3/20/17</a:t>
+              <a:t>3/21/17</a:t>
             </a:fld>
             <a:endParaRPr lang="en-US"/>
           </a:p>
@@ -18590,7 +25110,7 @@
           <a:p>
             <a:fld id="{E244C58A-5871-1749-BADD-ABDAF70FC583}" type="datetimeFigureOut">
               <a:rPr lang="en-US" smtClean="0"/>
-              <a:t>3/20/17</a:t>
+              <a:t>3/21/17</a:t>
             </a:fld>
             <a:endParaRPr lang="en-US"/>
           </a:p>
@@ -18765,7 +25285,7 @@
           <a:p>
             <a:fld id="{E244C58A-5871-1749-BADD-ABDAF70FC583}" type="datetimeFigureOut">
               <a:rPr lang="en-US" smtClean="0"/>
-              <a:t>3/20/17</a:t>
+              <a:t>3/21/17</a:t>
             </a:fld>
             <a:endParaRPr lang="en-US"/>
           </a:p>
@@ -19049,7 +25569,7 @@
           <a:p>
             <a:fld id="{E244C58A-5871-1749-BADD-ABDAF70FC583}" type="datetimeFigureOut">
               <a:rPr lang="en-US" smtClean="0"/>
-              <a:t>3/20/17</a:t>
+              <a:t>3/21/17</a:t>
             </a:fld>
             <a:endParaRPr lang="en-US"/>
           </a:p>
@@ -19286,7 +25806,7 @@
           <a:p>
             <a:fld id="{E244C58A-5871-1749-BADD-ABDAF70FC583}" type="datetimeFigureOut">
               <a:rPr lang="en-US" smtClean="0"/>
-              <a:t>3/20/17</a:t>
+              <a:t>3/21/17</a:t>
             </a:fld>
             <a:endParaRPr lang="en-US"/>
           </a:p>
@@ -19660,7 +26180,7 @@
           <a:p>
             <a:fld id="{E244C58A-5871-1749-BADD-ABDAF70FC583}" type="datetimeFigureOut">
               <a:rPr lang="en-US" smtClean="0"/>
-              <a:t>3/20/17</a:t>
+              <a:t>3/21/17</a:t>
             </a:fld>
             <a:endParaRPr lang="en-US"/>
           </a:p>
@@ -19773,7 +26293,7 @@
           <a:p>
             <a:fld id="{E244C58A-5871-1749-BADD-ABDAF70FC583}" type="datetimeFigureOut">
               <a:rPr lang="en-US" smtClean="0"/>
-              <a:t>3/20/17</a:t>
+              <a:t>3/21/17</a:t>
             </a:fld>
             <a:endParaRPr lang="en-US"/>
           </a:p>
@@ -19863,7 +26383,7 @@
           <a:p>
             <a:fld id="{E244C58A-5871-1749-BADD-ABDAF70FC583}" type="datetimeFigureOut">
               <a:rPr lang="en-US" smtClean="0"/>
-              <a:t>3/20/17</a:t>
+              <a:t>3/21/17</a:t>
             </a:fld>
             <a:endParaRPr lang="en-US"/>
           </a:p>
@@ -20107,7 +26627,7 @@
           <a:p>
             <a:fld id="{E244C58A-5871-1749-BADD-ABDAF70FC583}" type="datetimeFigureOut">
               <a:rPr lang="en-US" smtClean="0"/>
-              <a:t>3/20/17</a:t>
+              <a:t>3/21/17</a:t>
             </a:fld>
             <a:endParaRPr lang="en-US"/>
           </a:p>
@@ -20359,7 +26879,7 @@
           <a:p>
             <a:fld id="{E244C58A-5871-1749-BADD-ABDAF70FC583}" type="datetimeFigureOut">
               <a:rPr lang="en-US" smtClean="0"/>
-              <a:t>3/20/17</a:t>
+              <a:t>3/21/17</a:t>
             </a:fld>
             <a:endParaRPr lang="en-US"/>
           </a:p>
@@ -20597,7 +27117,7 @@
           <a:p>
             <a:fld id="{E244C58A-5871-1749-BADD-ABDAF70FC583}" type="datetimeFigureOut">
               <a:rPr lang="en-US" smtClean="0"/>
-              <a:t>3/20/17</a:t>
+              <a:t>3/21/17</a:t>
             </a:fld>
             <a:endParaRPr lang="en-US"/>
           </a:p>
@@ -21644,18 +28164,14 @@
           <a:p>
             <a:r>
               <a:rPr lang="en-US" dirty="0" smtClean="0"/>
-              <a:t>The </a:t>
-            </a:r>
-            <a:r>
-              <a:rPr lang="en-US" dirty="0" smtClean="0"/>
-              <a:t>fastest</a:t>
+              <a:t>The fastest</a:t>
             </a:r>
             <a:endParaRPr lang="en-US" dirty="0"/>
           </a:p>
         </p:txBody>
       </p:sp>
-      <mc:AlternateContent xmlns:mc="http://schemas.openxmlformats.org/markup-compatibility/2006">
-        <mc:Choice xmlns:a14="http://schemas.microsoft.com/office/drawing/2010/main" Requires="a14">
+      <mc:AlternateContent xmlns:mc="http://schemas.openxmlformats.org/markup-compatibility/2006" xmlns:a14="http://schemas.microsoft.com/office/drawing/2010/main">
+        <mc:Choice Requires="a14">
           <p:sp>
             <p:nvSpPr>
               <p:cNvPr id="3" name="Content Placeholder 2"/>
@@ -22141,7 +28657,7 @@
             </p:txBody>
           </p:sp>
         </mc:Choice>
-        <mc:Fallback>
+        <mc:Fallback xmlns="">
           <p:sp>
             <p:nvSpPr>
               <p:cNvPr id="3" name="Content Placeholder 2"/>
@@ -22241,6 +28757,337 @@
 </file>
 
 <file path=ppt/slides/slide14.xml><?xml version="1.0" encoding="utf-8"?>
+<p:sld xmlns:a="http://schemas.openxmlformats.org/drawingml/2006/main" xmlns:r="http://schemas.openxmlformats.org/officeDocument/2006/relationships" xmlns:p="http://schemas.openxmlformats.org/presentationml/2006/main">
+  <p:cSld>
+    <p:spTree>
+      <p:nvGrpSpPr>
+        <p:cNvPr id="1" name=""/>
+        <p:cNvGrpSpPr/>
+        <p:nvPr/>
+      </p:nvGrpSpPr>
+      <p:grpSpPr>
+        <a:xfrm>
+          <a:off x="0" y="0"/>
+          <a:ext cx="0" cy="0"/>
+          <a:chOff x="0" y="0"/>
+          <a:chExt cx="0" cy="0"/>
+        </a:xfrm>
+      </p:grpSpPr>
+      <p:sp>
+        <p:nvSpPr>
+          <p:cNvPr id="2" name="Title 1"/>
+          <p:cNvSpPr>
+            <a:spLocks noGrp="1"/>
+          </p:cNvSpPr>
+          <p:nvPr>
+            <p:ph type="title"/>
+          </p:nvPr>
+        </p:nvSpPr>
+        <p:spPr/>
+        <p:txBody>
+          <a:bodyPr/>
+          <a:lstStyle/>
+          <a:p>
+            <a:r>
+              <a:rPr lang="en-US" dirty="0" smtClean="0"/>
+              <a:t>Betting</a:t>
+            </a:r>
+            <a:endParaRPr lang="en-US" dirty="0"/>
+          </a:p>
+        </p:txBody>
+      </p:sp>
+      <mc:AlternateContent xmlns:mc="http://schemas.openxmlformats.org/markup-compatibility/2006">
+        <mc:Choice xmlns:a14="http://schemas.microsoft.com/office/drawing/2010/main" Requires="a14">
+          <p:sp>
+            <p:nvSpPr>
+              <p:cNvPr id="3" name="Content Placeholder 2"/>
+              <p:cNvSpPr>
+                <a:spLocks noGrp="1"/>
+              </p:cNvSpPr>
+              <p:nvPr>
+                <p:ph idx="1"/>
+              </p:nvPr>
+            </p:nvSpPr>
+            <p:spPr/>
+            <p:txBody>
+              <a:bodyPr/>
+              <a:lstStyle/>
+              <a:p>
+                <a:pPr marL="457200" indent="-457200">
+                  <a:buFont typeface="+mj-lt"/>
+                  <a:buAutoNum type="arabicPeriod"/>
+                </a:pPr>
+                <a:r>
+                  <a:rPr lang="en-US" dirty="0" smtClean="0"/>
+                  <a:t>Flat Bet: for all predictions, bet 1€</a:t>
+                </a:r>
+              </a:p>
+              <a:p>
+                <a:pPr marL="457200" indent="-457200">
+                  <a:buFont typeface="+mj-lt"/>
+                  <a:buAutoNum type="arabicPeriod"/>
+                </a:pPr>
+                <a:r>
+                  <a:rPr lang="en-US" dirty="0" smtClean="0"/>
+                  <a:t>Smart Bet: for all prediction bet if and only if </a:t>
+                </a:r>
+                <a14:m>
+                  <m:oMath xmlns:m="http://schemas.openxmlformats.org/officeDocument/2006/math">
+                    <m:r>
+                      <a:rPr lang="en-GB" i="1"/>
+                      <m:t>𝑝</m:t>
+                    </m:r>
+                    <m:r>
+                      <a:rPr lang="en-GB" i="1"/>
+                      <m:t>&gt;</m:t>
+                    </m:r>
+                    <m:f>
+                      <m:fPr>
+                        <m:ctrlPr>
+                          <a:rPr lang="en-GB" i="1"/>
+                        </m:ctrlPr>
+                      </m:fPr>
+                      <m:num>
+                        <m:r>
+                          <a:rPr lang="en-GB" i="1"/>
+                          <m:t>1</m:t>
+                        </m:r>
+                      </m:num>
+                      <m:den>
+                        <m:r>
+                          <a:rPr lang="en-GB" i="1"/>
+                          <m:t>𝑥</m:t>
+                        </m:r>
+                      </m:den>
+                    </m:f>
+                  </m:oMath>
+                </a14:m>
+                <a:r>
+                  <a:rPr lang="en-US" dirty="0" smtClean="0"/>
+                  <a:t> (probability &gt; 1/bet-odd)</a:t>
+                </a:r>
+              </a:p>
+              <a:p>
+                <a:pPr marL="457200" indent="-457200">
+                  <a:buFont typeface="+mj-lt"/>
+                  <a:buAutoNum type="arabicPeriod"/>
+                </a:pPr>
+                <a:r>
+                  <a:rPr lang="en-US" dirty="0" smtClean="0"/>
+                  <a:t> Most accurate teams bet: bet only on that teams that seems to be most accurate in predictions</a:t>
+                </a:r>
+              </a:p>
+              <a:p>
+                <a:pPr marL="457200" indent="-457200">
+                  <a:buFont typeface="+mj-lt"/>
+                  <a:buAutoNum type="arabicPeriod"/>
+                </a:pPr>
+                <a:r>
+                  <a:rPr lang="en-US" dirty="0" smtClean="0"/>
+                  <a:t>Combination of 2 and 3</a:t>
+                </a:r>
+              </a:p>
+            </p:txBody>
+          </p:sp>
+        </mc:Choice>
+        <mc:Fallback>
+          <p:sp>
+            <p:nvSpPr>
+              <p:cNvPr id="3" name="Content Placeholder 2"/>
+              <p:cNvSpPr>
+                <a:spLocks noGrp="1" noRot="1" noChangeAspect="1" noMove="1" noResize="1" noEditPoints="1" noAdjustHandles="1" noChangeArrowheads="1" noChangeShapeType="1" noTextEdit="1"/>
+              </p:cNvSpPr>
+              <p:nvPr>
+                <p:ph idx="1"/>
+              </p:nvPr>
+            </p:nvSpPr>
+            <p:spPr>
+              <a:blipFill rotWithShape="0">
+                <a:blip r:embed="rId2"/>
+                <a:stretch>
+                  <a:fillRect l="-789" t="-1970"/>
+                </a:stretch>
+              </a:blipFill>
+            </p:spPr>
+            <p:txBody>
+              <a:bodyPr/>
+              <a:lstStyle/>
+              <a:p>
+                <a:r>
+                  <a:rPr lang="en-US">
+                    <a:noFill/>
+                  </a:rPr>
+                  <a:t> </a:t>
+                </a:r>
+              </a:p>
+            </p:txBody>
+          </p:sp>
+        </mc:Fallback>
+      </mc:AlternateContent>
+    </p:spTree>
+    <p:extLst>
+      <p:ext uri="{BB962C8B-B14F-4D97-AF65-F5344CB8AC3E}">
+        <p14:creationId xmlns:p14="http://schemas.microsoft.com/office/powerpoint/2010/main" val="394655454"/>
+      </p:ext>
+    </p:extLst>
+  </p:cSld>
+  <p:clrMapOvr>
+    <a:masterClrMapping/>
+  </p:clrMapOvr>
+</p:sld>
+</file>
+
+<file path=ppt/slides/slide15.xml><?xml version="1.0" encoding="utf-8"?>
+<p:sld xmlns:a="http://schemas.openxmlformats.org/drawingml/2006/main" xmlns:r="http://schemas.openxmlformats.org/officeDocument/2006/relationships" xmlns:p="http://schemas.openxmlformats.org/presentationml/2006/main">
+  <p:cSld>
+    <p:spTree>
+      <p:nvGrpSpPr>
+        <p:cNvPr id="1" name=""/>
+        <p:cNvGrpSpPr/>
+        <p:nvPr/>
+      </p:nvGrpSpPr>
+      <p:grpSpPr>
+        <a:xfrm>
+          <a:off x="0" y="0"/>
+          <a:ext cx="0" cy="0"/>
+          <a:chOff x="0" y="0"/>
+          <a:chExt cx="0" cy="0"/>
+        </a:xfrm>
+      </p:grpSpPr>
+      <p:sp>
+        <p:nvSpPr>
+          <p:cNvPr id="2" name="Title 1"/>
+          <p:cNvSpPr>
+            <a:spLocks noGrp="1"/>
+          </p:cNvSpPr>
+          <p:nvPr>
+            <p:ph type="title"/>
+          </p:nvPr>
+        </p:nvSpPr>
+        <p:spPr/>
+        <p:txBody>
+          <a:bodyPr/>
+          <a:lstStyle/>
+          <a:p>
+            <a:r>
+              <a:rPr lang="en-US" dirty="0" smtClean="0"/>
+              <a:t>Money Loss</a:t>
+            </a:r>
+            <a:endParaRPr lang="en-US" dirty="0"/>
+          </a:p>
+        </p:txBody>
+      </p:sp>
+      <p:graphicFrame>
+        <p:nvGraphicFramePr>
+          <p:cNvPr id="4" name="Content Placeholder 3"/>
+          <p:cNvGraphicFramePr>
+            <a:graphicFrameLocks noGrp="1"/>
+          </p:cNvGraphicFramePr>
+          <p:nvPr>
+            <p:ph idx="1"/>
+            <p:extLst>
+              <p:ext uri="{D42A27DB-BD31-4B8C-83A1-F6EECF244321}">
+                <p14:modId xmlns:p14="http://schemas.microsoft.com/office/powerpoint/2010/main" val="1384930156"/>
+              </p:ext>
+            </p:extLst>
+          </p:nvPr>
+        </p:nvGraphicFramePr>
+        <p:xfrm>
+          <a:off x="1467852" y="1587918"/>
+          <a:ext cx="4559970" cy="2259849"/>
+        </p:xfrm>
+        <a:graphic>
+          <a:graphicData uri="http://schemas.openxmlformats.org/drawingml/2006/chart">
+            <c:chart xmlns:c="http://schemas.openxmlformats.org/drawingml/2006/chart" xmlns:r="http://schemas.openxmlformats.org/officeDocument/2006/relationships" r:id="rId3"/>
+          </a:graphicData>
+        </a:graphic>
+      </p:graphicFrame>
+      <p:graphicFrame>
+        <p:nvGraphicFramePr>
+          <p:cNvPr id="5" name="Chart 4"/>
+          <p:cNvGraphicFramePr>
+            <a:graphicFrameLocks/>
+          </p:cNvGraphicFramePr>
+          <p:nvPr>
+            <p:extLst>
+              <p:ext uri="{D42A27DB-BD31-4B8C-83A1-F6EECF244321}">
+                <p14:modId xmlns:p14="http://schemas.microsoft.com/office/powerpoint/2010/main" val="1717325073"/>
+              </p:ext>
+            </p:extLst>
+          </p:nvPr>
+        </p:nvGraphicFramePr>
+        <p:xfrm>
+          <a:off x="6027822" y="1587918"/>
+          <a:ext cx="5775157" cy="2391945"/>
+        </p:xfrm>
+        <a:graphic>
+          <a:graphicData uri="http://schemas.openxmlformats.org/drawingml/2006/chart">
+            <c:chart xmlns:c="http://schemas.openxmlformats.org/drawingml/2006/chart" xmlns:r="http://schemas.openxmlformats.org/officeDocument/2006/relationships" r:id="rId4"/>
+          </a:graphicData>
+        </a:graphic>
+      </p:graphicFrame>
+      <p:graphicFrame>
+        <p:nvGraphicFramePr>
+          <p:cNvPr id="6" name="Chart 5"/>
+          <p:cNvGraphicFramePr>
+            <a:graphicFrameLocks/>
+          </p:cNvGraphicFramePr>
+          <p:nvPr>
+            <p:extLst>
+              <p:ext uri="{D42A27DB-BD31-4B8C-83A1-F6EECF244321}">
+                <p14:modId xmlns:p14="http://schemas.microsoft.com/office/powerpoint/2010/main" val="1891636392"/>
+              </p:ext>
+            </p:extLst>
+          </p:nvPr>
+        </p:nvGraphicFramePr>
+        <p:xfrm>
+          <a:off x="1467852" y="4211052"/>
+          <a:ext cx="4559969" cy="2293103"/>
+        </p:xfrm>
+        <a:graphic>
+          <a:graphicData uri="http://schemas.openxmlformats.org/drawingml/2006/chart">
+            <c:chart xmlns:c="http://schemas.openxmlformats.org/drawingml/2006/chart" xmlns:r="http://schemas.openxmlformats.org/officeDocument/2006/relationships" r:id="rId5"/>
+          </a:graphicData>
+        </a:graphic>
+      </p:graphicFrame>
+      <p:graphicFrame>
+        <p:nvGraphicFramePr>
+          <p:cNvPr id="7" name="Chart 6"/>
+          <p:cNvGraphicFramePr>
+            <a:graphicFrameLocks/>
+          </p:cNvGraphicFramePr>
+          <p:nvPr>
+            <p:extLst>
+              <p:ext uri="{D42A27DB-BD31-4B8C-83A1-F6EECF244321}">
+                <p14:modId xmlns:p14="http://schemas.microsoft.com/office/powerpoint/2010/main" val="1724713868"/>
+              </p:ext>
+            </p:extLst>
+          </p:nvPr>
+        </p:nvGraphicFramePr>
+        <p:xfrm>
+          <a:off x="6027822" y="4211052"/>
+          <a:ext cx="4620125" cy="2293103"/>
+        </p:xfrm>
+        <a:graphic>
+          <a:graphicData uri="http://schemas.openxmlformats.org/drawingml/2006/chart">
+            <c:chart xmlns:c="http://schemas.openxmlformats.org/drawingml/2006/chart" xmlns:r="http://schemas.openxmlformats.org/officeDocument/2006/relationships" r:id="rId6"/>
+          </a:graphicData>
+        </a:graphic>
+      </p:graphicFrame>
+    </p:spTree>
+    <p:extLst>
+      <p:ext uri="{BB962C8B-B14F-4D97-AF65-F5344CB8AC3E}">
+        <p14:creationId xmlns:p14="http://schemas.microsoft.com/office/powerpoint/2010/main" val="776137692"/>
+      </p:ext>
+    </p:extLst>
+  </p:cSld>
+  <p:clrMapOvr>
+    <a:masterClrMapping/>
+  </p:clrMapOvr>
+</p:sld>
+</file>
+
+<file path=ppt/slides/slide16.xml><?xml version="1.0" encoding="utf-8"?>
 <p:sld xmlns:a="http://schemas.openxmlformats.org/drawingml/2006/main" xmlns:r="http://schemas.openxmlformats.org/officeDocument/2006/relationships" xmlns:p="http://schemas.openxmlformats.org/presentationml/2006/main">
   <p:cSld>
     <p:spTree>

--- a/TODO/spa_presentation.pptx
+++ b/TODO/spa_presentation.pptx
@@ -5,7 +5,7 @@
     <p:sldMasterId id="2147483713" r:id="rId1"/>
   </p:sldMasterIdLst>
   <p:notesMasterIdLst>
-    <p:notesMasterId r:id="rId18"/>
+    <p:notesMasterId r:id="rId19"/>
   </p:notesMasterIdLst>
   <p:sldIdLst>
     <p:sldId id="256" r:id="rId2"/>
@@ -23,7 +23,8 @@
     <p:sldId id="269" r:id="rId14"/>
     <p:sldId id="270" r:id="rId15"/>
     <p:sldId id="271" r:id="rId16"/>
-    <p:sldId id="263" r:id="rId17"/>
+    <p:sldId id="272" r:id="rId17"/>
+    <p:sldId id="263" r:id="rId18"/>
   </p:sldIdLst>
   <p:sldSz cx="12192000" cy="6858000"/>
   <p:notesSz cx="6858000" cy="9144000"/>
@@ -2761,6 +2762,1540 @@
         <a:effectLst/>
       </c:spPr>
     </c:plotArea>
+    <c:plotVisOnly val="1"/>
+    <c:dispBlanksAs val="gap"/>
+    <c:showDLblsOverMax val="0"/>
+  </c:chart>
+  <c:spPr>
+    <a:noFill/>
+    <a:ln>
+      <a:noFill/>
+    </a:ln>
+    <a:effectLst/>
+  </c:spPr>
+  <c:txPr>
+    <a:bodyPr/>
+    <a:lstStyle/>
+    <a:p>
+      <a:pPr>
+        <a:defRPr/>
+      </a:pPr>
+      <a:endParaRPr lang="en-US"/>
+    </a:p>
+  </c:txPr>
+  <c:externalData r:id="rId3">
+    <c:autoUpdate val="0"/>
+  </c:externalData>
+</c:chartSpace>
+</file>
+
+<file path=ppt/charts/chart12.xml><?xml version="1.0" encoding="utf-8"?>
+<c:chartSpace xmlns:c="http://schemas.openxmlformats.org/drawingml/2006/chart" xmlns:a="http://schemas.openxmlformats.org/drawingml/2006/main" xmlns:r="http://schemas.openxmlformats.org/officeDocument/2006/relationships">
+  <c:date1904 val="0"/>
+  <c:lang val="en-US"/>
+  <c:roundedCorners val="0"/>
+  <mc:AlternateContent xmlns:mc="http://schemas.openxmlformats.org/markup-compatibility/2006">
+    <mc:Choice xmlns:c14="http://schemas.microsoft.com/office/drawing/2007/8/2/chart" Requires="c14">
+      <c14:style val="102"/>
+    </mc:Choice>
+    <mc:Fallback>
+      <c:style val="2"/>
+    </mc:Fallback>
+  </mc:AlternateContent>
+  <c:chart>
+    <c:title>
+      <c:tx>
+        <c:rich>
+          <a:bodyPr rot="0" spcFirstLastPara="1" vertOverflow="ellipsis" vert="horz" wrap="square" anchor="ctr" anchorCtr="1"/>
+          <a:lstStyle/>
+          <a:p>
+            <a:pPr>
+              <a:defRPr sz="1400" b="0" i="0" u="none" strike="noStrike" kern="1200" spc="0" baseline="0">
+                <a:solidFill>
+                  <a:schemeClr val="tx1">
+                    <a:lumMod val="65000"/>
+                    <a:lumOff val="35000"/>
+                  </a:schemeClr>
+                </a:solidFill>
+                <a:latin typeface="+mn-lt"/>
+                <a:ea typeface="+mn-ea"/>
+                <a:cs typeface="+mn-cs"/>
+              </a:defRPr>
+            </a:pPr>
+            <a:r>
+              <a:rPr lang="en-US"/>
+              <a:t>2015/2016</a:t>
+            </a:r>
+          </a:p>
+        </c:rich>
+      </c:tx>
+      <c:layout/>
+      <c:overlay val="0"/>
+      <c:spPr>
+        <a:noFill/>
+        <a:ln>
+          <a:noFill/>
+        </a:ln>
+        <a:effectLst/>
+      </c:spPr>
+      <c:txPr>
+        <a:bodyPr rot="0" spcFirstLastPara="1" vertOverflow="ellipsis" vert="horz" wrap="square" anchor="ctr" anchorCtr="1"/>
+        <a:lstStyle/>
+        <a:p>
+          <a:pPr>
+            <a:defRPr sz="1400" b="0" i="0" u="none" strike="noStrike" kern="1200" spc="0" baseline="0">
+              <a:solidFill>
+                <a:schemeClr val="tx1">
+                  <a:lumMod val="65000"/>
+                  <a:lumOff val="35000"/>
+                </a:schemeClr>
+              </a:solidFill>
+              <a:latin typeface="+mn-lt"/>
+              <a:ea typeface="+mn-ea"/>
+              <a:cs typeface="+mn-cs"/>
+            </a:defRPr>
+          </a:pPr>
+          <a:endParaRPr lang="en-US"/>
+        </a:p>
+      </c:txPr>
+    </c:title>
+    <c:autoTitleDeleted val="0"/>
+    <c:plotArea>
+      <c:layout>
+        <c:manualLayout>
+          <c:layoutTarget val="inner"/>
+          <c:xMode val="edge"/>
+          <c:yMode val="edge"/>
+          <c:x val="0.0331349639700012"/>
+          <c:y val="0.129915447457522"/>
+          <c:w val="0.854079157165635"/>
+          <c:h val="0.829056999968937"/>
+        </c:manualLayout>
+      </c:layout>
+      <c:lineChart>
+        <c:grouping val="standard"/>
+        <c:varyColors val="0"/>
+        <c:ser>
+          <c:idx val="0"/>
+          <c:order val="0"/>
+          <c:tx>
+            <c:strRef>
+              <c:f>compare_leagues!$A$1</c:f>
+              <c:strCache>
+                <c:ptCount val="1"/>
+                <c:pt idx="0">
+                  <c:v>italy</c:v>
+                </c:pt>
+              </c:strCache>
+            </c:strRef>
+          </c:tx>
+          <c:spPr>
+            <a:ln w="19050" cap="rnd">
+              <a:solidFill>
+                <a:schemeClr val="accent1"/>
+              </a:solidFill>
+              <a:round/>
+            </a:ln>
+            <a:effectLst/>
+          </c:spPr>
+          <c:marker>
+            <c:symbol val="none"/>
+          </c:marker>
+          <c:cat>
+            <c:numRef>
+              <c:f>compare_leagues!$A$2:$A$39</c:f>
+              <c:numCache>
+                <c:formatCode>General</c:formatCode>
+                <c:ptCount val="38"/>
+                <c:pt idx="0">
+                  <c:v>1.0</c:v>
+                </c:pt>
+                <c:pt idx="1">
+                  <c:v>2.0</c:v>
+                </c:pt>
+                <c:pt idx="2">
+                  <c:v>3.0</c:v>
+                </c:pt>
+                <c:pt idx="3">
+                  <c:v>4.0</c:v>
+                </c:pt>
+                <c:pt idx="4">
+                  <c:v>5.0</c:v>
+                </c:pt>
+                <c:pt idx="5">
+                  <c:v>6.0</c:v>
+                </c:pt>
+                <c:pt idx="6">
+                  <c:v>7.0</c:v>
+                </c:pt>
+                <c:pt idx="7">
+                  <c:v>8.0</c:v>
+                </c:pt>
+                <c:pt idx="8">
+                  <c:v>9.0</c:v>
+                </c:pt>
+                <c:pt idx="9">
+                  <c:v>10.0</c:v>
+                </c:pt>
+                <c:pt idx="10">
+                  <c:v>11.0</c:v>
+                </c:pt>
+                <c:pt idx="11">
+                  <c:v>12.0</c:v>
+                </c:pt>
+                <c:pt idx="12">
+                  <c:v>13.0</c:v>
+                </c:pt>
+                <c:pt idx="13">
+                  <c:v>14.0</c:v>
+                </c:pt>
+                <c:pt idx="14">
+                  <c:v>15.0</c:v>
+                </c:pt>
+                <c:pt idx="15">
+                  <c:v>16.0</c:v>
+                </c:pt>
+                <c:pt idx="16">
+                  <c:v>17.0</c:v>
+                </c:pt>
+                <c:pt idx="17">
+                  <c:v>18.0</c:v>
+                </c:pt>
+                <c:pt idx="18">
+                  <c:v>19.0</c:v>
+                </c:pt>
+                <c:pt idx="19">
+                  <c:v>20.0</c:v>
+                </c:pt>
+                <c:pt idx="20">
+                  <c:v>21.0</c:v>
+                </c:pt>
+                <c:pt idx="21">
+                  <c:v>22.0</c:v>
+                </c:pt>
+                <c:pt idx="22">
+                  <c:v>23.0</c:v>
+                </c:pt>
+                <c:pt idx="23">
+                  <c:v>24.0</c:v>
+                </c:pt>
+                <c:pt idx="24">
+                  <c:v>25.0</c:v>
+                </c:pt>
+                <c:pt idx="25">
+                  <c:v>26.0</c:v>
+                </c:pt>
+                <c:pt idx="26">
+                  <c:v>27.0</c:v>
+                </c:pt>
+                <c:pt idx="27">
+                  <c:v>28.0</c:v>
+                </c:pt>
+                <c:pt idx="28">
+                  <c:v>29.0</c:v>
+                </c:pt>
+                <c:pt idx="29">
+                  <c:v>30.0</c:v>
+                </c:pt>
+                <c:pt idx="30">
+                  <c:v>31.0</c:v>
+                </c:pt>
+                <c:pt idx="31">
+                  <c:v>32.0</c:v>
+                </c:pt>
+                <c:pt idx="32">
+                  <c:v>33.0</c:v>
+                </c:pt>
+                <c:pt idx="33">
+                  <c:v>34.0</c:v>
+                </c:pt>
+                <c:pt idx="34">
+                  <c:v>35.0</c:v>
+                </c:pt>
+                <c:pt idx="35">
+                  <c:v>36.0</c:v>
+                </c:pt>
+                <c:pt idx="36">
+                  <c:v>37.0</c:v>
+                </c:pt>
+                <c:pt idx="37">
+                  <c:v>38.0</c:v>
+                </c:pt>
+              </c:numCache>
+            </c:numRef>
+          </c:cat>
+          <c:val>
+            <c:numRef>
+              <c:f>compare_leagues!$B$2:$B$39</c:f>
+              <c:numCache>
+                <c:formatCode>General</c:formatCode>
+                <c:ptCount val="38"/>
+                <c:pt idx="0">
+                  <c:v>-2.55</c:v>
+                </c:pt>
+                <c:pt idx="1">
+                  <c:v>-1.25</c:v>
+                </c:pt>
+                <c:pt idx="2">
+                  <c:v>-4.05</c:v>
+                </c:pt>
+                <c:pt idx="3">
+                  <c:v>-3.65</c:v>
+                </c:pt>
+                <c:pt idx="4">
+                  <c:v>0.83</c:v>
+                </c:pt>
+                <c:pt idx="5">
+                  <c:v>9.88</c:v>
+                </c:pt>
+                <c:pt idx="6">
+                  <c:v>8.93</c:v>
+                </c:pt>
+                <c:pt idx="7">
+                  <c:v>8.98</c:v>
+                </c:pt>
+                <c:pt idx="8">
+                  <c:v>7.78</c:v>
+                </c:pt>
+                <c:pt idx="9">
+                  <c:v>7.22</c:v>
+                </c:pt>
+                <c:pt idx="10">
+                  <c:v>5.79</c:v>
+                </c:pt>
+                <c:pt idx="11">
+                  <c:v>5.76</c:v>
+                </c:pt>
+                <c:pt idx="12">
+                  <c:v>5.66</c:v>
+                </c:pt>
+                <c:pt idx="13">
+                  <c:v>3.85</c:v>
+                </c:pt>
+                <c:pt idx="14">
+                  <c:v>2.44</c:v>
+                </c:pt>
+                <c:pt idx="15">
+                  <c:v>0.44</c:v>
+                </c:pt>
+                <c:pt idx="16">
+                  <c:v>-1.5</c:v>
+                </c:pt>
+                <c:pt idx="17">
+                  <c:v>-1.25</c:v>
+                </c:pt>
+                <c:pt idx="18">
+                  <c:v>-1.35</c:v>
+                </c:pt>
+                <c:pt idx="19">
+                  <c:v>-2.98</c:v>
+                </c:pt>
+                <c:pt idx="20">
+                  <c:v>-0.26</c:v>
+                </c:pt>
+                <c:pt idx="21">
+                  <c:v>-3.73</c:v>
+                </c:pt>
+                <c:pt idx="22">
+                  <c:v>-2.69</c:v>
+                </c:pt>
+                <c:pt idx="23">
+                  <c:v>-5.69</c:v>
+                </c:pt>
+                <c:pt idx="24">
+                  <c:v>-2.39</c:v>
+                </c:pt>
+                <c:pt idx="25">
+                  <c:v>-4.0</c:v>
+                </c:pt>
+                <c:pt idx="26">
+                  <c:v>-7.43</c:v>
+                </c:pt>
+                <c:pt idx="27">
+                  <c:v>-7.39</c:v>
+                </c:pt>
+                <c:pt idx="28">
+                  <c:v>-7.19</c:v>
+                </c:pt>
+                <c:pt idx="29">
+                  <c:v>-7.95</c:v>
+                </c:pt>
+                <c:pt idx="30">
+                  <c:v>-9.55</c:v>
+                </c:pt>
+                <c:pt idx="31">
+                  <c:v>-8.37</c:v>
+                </c:pt>
+                <c:pt idx="32">
+                  <c:v>-10.23</c:v>
+                </c:pt>
+                <c:pt idx="33">
+                  <c:v>-6.63</c:v>
+                </c:pt>
+                <c:pt idx="34">
+                  <c:v>1.62</c:v>
+                </c:pt>
+                <c:pt idx="35">
+                  <c:v>4.66</c:v>
+                </c:pt>
+                <c:pt idx="36">
+                  <c:v>3.28</c:v>
+                </c:pt>
+                <c:pt idx="37">
+                  <c:v>2.83</c:v>
+                </c:pt>
+              </c:numCache>
+            </c:numRef>
+          </c:val>
+          <c:smooth val="0"/>
+        </c:ser>
+        <c:ser>
+          <c:idx val="1"/>
+          <c:order val="1"/>
+          <c:tx>
+            <c:strRef>
+              <c:f>compare_leagues!$A$40</c:f>
+              <c:strCache>
+                <c:ptCount val="1"/>
+                <c:pt idx="0">
+                  <c:v>spain</c:v>
+                </c:pt>
+              </c:strCache>
+            </c:strRef>
+          </c:tx>
+          <c:spPr>
+            <a:ln w="19050" cap="rnd">
+              <a:solidFill>
+                <a:schemeClr val="accent2"/>
+              </a:solidFill>
+              <a:round/>
+            </a:ln>
+            <a:effectLst/>
+          </c:spPr>
+          <c:marker>
+            <c:symbol val="none"/>
+          </c:marker>
+          <c:cat>
+            <c:numRef>
+              <c:f>compare_leagues!$A$2:$A$39</c:f>
+              <c:numCache>
+                <c:formatCode>General</c:formatCode>
+                <c:ptCount val="38"/>
+                <c:pt idx="0">
+                  <c:v>1.0</c:v>
+                </c:pt>
+                <c:pt idx="1">
+                  <c:v>2.0</c:v>
+                </c:pt>
+                <c:pt idx="2">
+                  <c:v>3.0</c:v>
+                </c:pt>
+                <c:pt idx="3">
+                  <c:v>4.0</c:v>
+                </c:pt>
+                <c:pt idx="4">
+                  <c:v>5.0</c:v>
+                </c:pt>
+                <c:pt idx="5">
+                  <c:v>6.0</c:v>
+                </c:pt>
+                <c:pt idx="6">
+                  <c:v>7.0</c:v>
+                </c:pt>
+                <c:pt idx="7">
+                  <c:v>8.0</c:v>
+                </c:pt>
+                <c:pt idx="8">
+                  <c:v>9.0</c:v>
+                </c:pt>
+                <c:pt idx="9">
+                  <c:v>10.0</c:v>
+                </c:pt>
+                <c:pt idx="10">
+                  <c:v>11.0</c:v>
+                </c:pt>
+                <c:pt idx="11">
+                  <c:v>12.0</c:v>
+                </c:pt>
+                <c:pt idx="12">
+                  <c:v>13.0</c:v>
+                </c:pt>
+                <c:pt idx="13">
+                  <c:v>14.0</c:v>
+                </c:pt>
+                <c:pt idx="14">
+                  <c:v>15.0</c:v>
+                </c:pt>
+                <c:pt idx="15">
+                  <c:v>16.0</c:v>
+                </c:pt>
+                <c:pt idx="16">
+                  <c:v>17.0</c:v>
+                </c:pt>
+                <c:pt idx="17">
+                  <c:v>18.0</c:v>
+                </c:pt>
+                <c:pt idx="18">
+                  <c:v>19.0</c:v>
+                </c:pt>
+                <c:pt idx="19">
+                  <c:v>20.0</c:v>
+                </c:pt>
+                <c:pt idx="20">
+                  <c:v>21.0</c:v>
+                </c:pt>
+                <c:pt idx="21">
+                  <c:v>22.0</c:v>
+                </c:pt>
+                <c:pt idx="22">
+                  <c:v>23.0</c:v>
+                </c:pt>
+                <c:pt idx="23">
+                  <c:v>24.0</c:v>
+                </c:pt>
+                <c:pt idx="24">
+                  <c:v>25.0</c:v>
+                </c:pt>
+                <c:pt idx="25">
+                  <c:v>26.0</c:v>
+                </c:pt>
+                <c:pt idx="26">
+                  <c:v>27.0</c:v>
+                </c:pt>
+                <c:pt idx="27">
+                  <c:v>28.0</c:v>
+                </c:pt>
+                <c:pt idx="28">
+                  <c:v>29.0</c:v>
+                </c:pt>
+                <c:pt idx="29">
+                  <c:v>30.0</c:v>
+                </c:pt>
+                <c:pt idx="30">
+                  <c:v>31.0</c:v>
+                </c:pt>
+                <c:pt idx="31">
+                  <c:v>32.0</c:v>
+                </c:pt>
+                <c:pt idx="32">
+                  <c:v>33.0</c:v>
+                </c:pt>
+                <c:pt idx="33">
+                  <c:v>34.0</c:v>
+                </c:pt>
+                <c:pt idx="34">
+                  <c:v>35.0</c:v>
+                </c:pt>
+                <c:pt idx="35">
+                  <c:v>36.0</c:v>
+                </c:pt>
+                <c:pt idx="36">
+                  <c:v>37.0</c:v>
+                </c:pt>
+                <c:pt idx="37">
+                  <c:v>38.0</c:v>
+                </c:pt>
+              </c:numCache>
+            </c:numRef>
+          </c:cat>
+          <c:val>
+            <c:numRef>
+              <c:f>compare_leagues!$B$41:$B$78</c:f>
+              <c:numCache>
+                <c:formatCode>General</c:formatCode>
+                <c:ptCount val="38"/>
+                <c:pt idx="0">
+                  <c:v>-0.35</c:v>
+                </c:pt>
+                <c:pt idx="1">
+                  <c:v>1.28</c:v>
+                </c:pt>
+                <c:pt idx="2">
+                  <c:v>6.23</c:v>
+                </c:pt>
+                <c:pt idx="3">
+                  <c:v>12.19</c:v>
+                </c:pt>
+                <c:pt idx="4">
+                  <c:v>12.26</c:v>
+                </c:pt>
+                <c:pt idx="5">
+                  <c:v>8.710000000000001</c:v>
+                </c:pt>
+                <c:pt idx="6">
+                  <c:v>3.71</c:v>
+                </c:pt>
+                <c:pt idx="7">
+                  <c:v>6.98</c:v>
+                </c:pt>
+                <c:pt idx="8">
+                  <c:v>8.24</c:v>
+                </c:pt>
+                <c:pt idx="9">
+                  <c:v>8.28</c:v>
+                </c:pt>
+                <c:pt idx="10">
+                  <c:v>10.88</c:v>
+                </c:pt>
+                <c:pt idx="11">
+                  <c:v>11.75</c:v>
+                </c:pt>
+                <c:pt idx="12">
+                  <c:v>13.19</c:v>
+                </c:pt>
+                <c:pt idx="13">
+                  <c:v>10.86</c:v>
+                </c:pt>
+                <c:pt idx="14">
+                  <c:v>11.96</c:v>
+                </c:pt>
+                <c:pt idx="15">
+                  <c:v>11.5</c:v>
+                </c:pt>
+                <c:pt idx="16">
+                  <c:v>11.56</c:v>
+                </c:pt>
+                <c:pt idx="17">
+                  <c:v>8.76</c:v>
+                </c:pt>
+                <c:pt idx="18">
+                  <c:v>9.82</c:v>
+                </c:pt>
+                <c:pt idx="19">
+                  <c:v>9.630000000000001</c:v>
+                </c:pt>
+                <c:pt idx="20">
+                  <c:v>9.16</c:v>
+                </c:pt>
+                <c:pt idx="21">
+                  <c:v>11.4</c:v>
+                </c:pt>
+                <c:pt idx="22">
+                  <c:v>12.99</c:v>
+                </c:pt>
+                <c:pt idx="23">
+                  <c:v>13.73</c:v>
+                </c:pt>
+                <c:pt idx="24">
+                  <c:v>14.73</c:v>
+                </c:pt>
+                <c:pt idx="25">
+                  <c:v>17.79</c:v>
+                </c:pt>
+                <c:pt idx="26">
+                  <c:v>17.83</c:v>
+                </c:pt>
+                <c:pt idx="27">
+                  <c:v>19.38</c:v>
+                </c:pt>
+                <c:pt idx="28">
+                  <c:v>18.13</c:v>
+                </c:pt>
+                <c:pt idx="29">
+                  <c:v>15.37</c:v>
+                </c:pt>
+                <c:pt idx="30">
+                  <c:v>11.77</c:v>
+                </c:pt>
+                <c:pt idx="31">
+                  <c:v>13.57</c:v>
+                </c:pt>
+                <c:pt idx="32">
+                  <c:v>11.08</c:v>
+                </c:pt>
+                <c:pt idx="33">
+                  <c:v>12.45</c:v>
+                </c:pt>
+                <c:pt idx="34">
+                  <c:v>11.15</c:v>
+                </c:pt>
+                <c:pt idx="35">
+                  <c:v>13.33</c:v>
+                </c:pt>
+                <c:pt idx="36">
+                  <c:v>11.57</c:v>
+                </c:pt>
+                <c:pt idx="37">
+                  <c:v>13.24</c:v>
+                </c:pt>
+              </c:numCache>
+            </c:numRef>
+          </c:val>
+          <c:smooth val="0"/>
+        </c:ser>
+        <c:ser>
+          <c:idx val="2"/>
+          <c:order val="2"/>
+          <c:spPr>
+            <a:ln w="19050" cap="rnd">
+              <a:solidFill>
+                <a:schemeClr val="accent3"/>
+              </a:solidFill>
+              <a:round/>
+            </a:ln>
+            <a:effectLst/>
+          </c:spPr>
+          <c:marker>
+            <c:symbol val="none"/>
+          </c:marker>
+          <c:cat>
+            <c:numRef>
+              <c:f>compare_leagues!$A$2:$A$39</c:f>
+              <c:numCache>
+                <c:formatCode>General</c:formatCode>
+                <c:ptCount val="38"/>
+                <c:pt idx="0">
+                  <c:v>1.0</c:v>
+                </c:pt>
+                <c:pt idx="1">
+                  <c:v>2.0</c:v>
+                </c:pt>
+                <c:pt idx="2">
+                  <c:v>3.0</c:v>
+                </c:pt>
+                <c:pt idx="3">
+                  <c:v>4.0</c:v>
+                </c:pt>
+                <c:pt idx="4">
+                  <c:v>5.0</c:v>
+                </c:pt>
+                <c:pt idx="5">
+                  <c:v>6.0</c:v>
+                </c:pt>
+                <c:pt idx="6">
+                  <c:v>7.0</c:v>
+                </c:pt>
+                <c:pt idx="7">
+                  <c:v>8.0</c:v>
+                </c:pt>
+                <c:pt idx="8">
+                  <c:v>9.0</c:v>
+                </c:pt>
+                <c:pt idx="9">
+                  <c:v>10.0</c:v>
+                </c:pt>
+                <c:pt idx="10">
+                  <c:v>11.0</c:v>
+                </c:pt>
+                <c:pt idx="11">
+                  <c:v>12.0</c:v>
+                </c:pt>
+                <c:pt idx="12">
+                  <c:v>13.0</c:v>
+                </c:pt>
+                <c:pt idx="13">
+                  <c:v>14.0</c:v>
+                </c:pt>
+                <c:pt idx="14">
+                  <c:v>15.0</c:v>
+                </c:pt>
+                <c:pt idx="15">
+                  <c:v>16.0</c:v>
+                </c:pt>
+                <c:pt idx="16">
+                  <c:v>17.0</c:v>
+                </c:pt>
+                <c:pt idx="17">
+                  <c:v>18.0</c:v>
+                </c:pt>
+                <c:pt idx="18">
+                  <c:v>19.0</c:v>
+                </c:pt>
+                <c:pt idx="19">
+                  <c:v>20.0</c:v>
+                </c:pt>
+                <c:pt idx="20">
+                  <c:v>21.0</c:v>
+                </c:pt>
+                <c:pt idx="21">
+                  <c:v>22.0</c:v>
+                </c:pt>
+                <c:pt idx="22">
+                  <c:v>23.0</c:v>
+                </c:pt>
+                <c:pt idx="23">
+                  <c:v>24.0</c:v>
+                </c:pt>
+                <c:pt idx="24">
+                  <c:v>25.0</c:v>
+                </c:pt>
+                <c:pt idx="25">
+                  <c:v>26.0</c:v>
+                </c:pt>
+                <c:pt idx="26">
+                  <c:v>27.0</c:v>
+                </c:pt>
+                <c:pt idx="27">
+                  <c:v>28.0</c:v>
+                </c:pt>
+                <c:pt idx="28">
+                  <c:v>29.0</c:v>
+                </c:pt>
+                <c:pt idx="29">
+                  <c:v>30.0</c:v>
+                </c:pt>
+                <c:pt idx="30">
+                  <c:v>31.0</c:v>
+                </c:pt>
+                <c:pt idx="31">
+                  <c:v>32.0</c:v>
+                </c:pt>
+                <c:pt idx="32">
+                  <c:v>33.0</c:v>
+                </c:pt>
+                <c:pt idx="33">
+                  <c:v>34.0</c:v>
+                </c:pt>
+                <c:pt idx="34">
+                  <c:v>35.0</c:v>
+                </c:pt>
+                <c:pt idx="35">
+                  <c:v>36.0</c:v>
+                </c:pt>
+                <c:pt idx="36">
+                  <c:v>37.0</c:v>
+                </c:pt>
+                <c:pt idx="37">
+                  <c:v>38.0</c:v>
+                </c:pt>
+              </c:numCache>
+            </c:numRef>
+          </c:cat>
+          <c:val>
+            <c:numRef>
+              <c:f>compare_leagues!$C$2:$C$39</c:f>
+              <c:numCache>
+                <c:formatCode>General</c:formatCode>
+                <c:ptCount val="38"/>
+                <c:pt idx="0">
+                  <c:v>0.0</c:v>
+                </c:pt>
+                <c:pt idx="1">
+                  <c:v>0.0</c:v>
+                </c:pt>
+                <c:pt idx="2">
+                  <c:v>0.0</c:v>
+                </c:pt>
+                <c:pt idx="3">
+                  <c:v>0.0</c:v>
+                </c:pt>
+                <c:pt idx="4">
+                  <c:v>0.0</c:v>
+                </c:pt>
+                <c:pt idx="5">
+                  <c:v>0.0</c:v>
+                </c:pt>
+                <c:pt idx="6">
+                  <c:v>0.0</c:v>
+                </c:pt>
+                <c:pt idx="7">
+                  <c:v>0.0</c:v>
+                </c:pt>
+                <c:pt idx="8">
+                  <c:v>0.0</c:v>
+                </c:pt>
+                <c:pt idx="9">
+                  <c:v>0.0</c:v>
+                </c:pt>
+                <c:pt idx="10">
+                  <c:v>0.0</c:v>
+                </c:pt>
+                <c:pt idx="11">
+                  <c:v>0.0</c:v>
+                </c:pt>
+                <c:pt idx="12">
+                  <c:v>0.0</c:v>
+                </c:pt>
+                <c:pt idx="13">
+                  <c:v>0.0</c:v>
+                </c:pt>
+                <c:pt idx="14">
+                  <c:v>0.0</c:v>
+                </c:pt>
+                <c:pt idx="15">
+                  <c:v>0.0</c:v>
+                </c:pt>
+                <c:pt idx="16">
+                  <c:v>0.0</c:v>
+                </c:pt>
+                <c:pt idx="17">
+                  <c:v>0.0</c:v>
+                </c:pt>
+                <c:pt idx="18">
+                  <c:v>0.0</c:v>
+                </c:pt>
+                <c:pt idx="19">
+                  <c:v>0.0</c:v>
+                </c:pt>
+                <c:pt idx="20">
+                  <c:v>0.0</c:v>
+                </c:pt>
+                <c:pt idx="21">
+                  <c:v>0.0</c:v>
+                </c:pt>
+                <c:pt idx="22">
+                  <c:v>0.0</c:v>
+                </c:pt>
+                <c:pt idx="23">
+                  <c:v>0.0</c:v>
+                </c:pt>
+                <c:pt idx="24">
+                  <c:v>0.0</c:v>
+                </c:pt>
+                <c:pt idx="25">
+                  <c:v>0.0</c:v>
+                </c:pt>
+                <c:pt idx="26">
+                  <c:v>0.0</c:v>
+                </c:pt>
+                <c:pt idx="27">
+                  <c:v>0.0</c:v>
+                </c:pt>
+                <c:pt idx="28">
+                  <c:v>0.0</c:v>
+                </c:pt>
+                <c:pt idx="29">
+                  <c:v>0.0</c:v>
+                </c:pt>
+                <c:pt idx="30">
+                  <c:v>0.0</c:v>
+                </c:pt>
+                <c:pt idx="31">
+                  <c:v>0.0</c:v>
+                </c:pt>
+                <c:pt idx="32">
+                  <c:v>0.0</c:v>
+                </c:pt>
+                <c:pt idx="33">
+                  <c:v>0.0</c:v>
+                </c:pt>
+                <c:pt idx="34">
+                  <c:v>0.0</c:v>
+                </c:pt>
+                <c:pt idx="35">
+                  <c:v>0.0</c:v>
+                </c:pt>
+                <c:pt idx="36">
+                  <c:v>0.0</c:v>
+                </c:pt>
+                <c:pt idx="37">
+                  <c:v>0.0</c:v>
+                </c:pt>
+              </c:numCache>
+            </c:numRef>
+          </c:val>
+          <c:smooth val="0"/>
+        </c:ser>
+        <c:ser>
+          <c:idx val="3"/>
+          <c:order val="3"/>
+          <c:tx>
+            <c:strRef>
+              <c:f>compare_leagues!$A$79</c:f>
+              <c:strCache>
+                <c:ptCount val="1"/>
+                <c:pt idx="0">
+                  <c:v>Germany</c:v>
+                </c:pt>
+              </c:strCache>
+            </c:strRef>
+          </c:tx>
+          <c:spPr>
+            <a:ln w="19050" cap="rnd">
+              <a:solidFill>
+                <a:schemeClr val="accent4"/>
+              </a:solidFill>
+              <a:round/>
+            </a:ln>
+            <a:effectLst/>
+          </c:spPr>
+          <c:marker>
+            <c:symbol val="none"/>
+          </c:marker>
+          <c:val>
+            <c:numRef>
+              <c:f>compare_leagues!$B$80:$B$113</c:f>
+              <c:numCache>
+                <c:formatCode>General</c:formatCode>
+                <c:ptCount val="34"/>
+                <c:pt idx="0">
+                  <c:v>-0.42</c:v>
+                </c:pt>
+                <c:pt idx="1">
+                  <c:v>-1.34</c:v>
+                </c:pt>
+                <c:pt idx="2">
+                  <c:v>0.19</c:v>
+                </c:pt>
+                <c:pt idx="3">
+                  <c:v>1.07</c:v>
+                </c:pt>
+                <c:pt idx="4">
+                  <c:v>1.72</c:v>
+                </c:pt>
+                <c:pt idx="5">
+                  <c:v>1.9</c:v>
+                </c:pt>
+                <c:pt idx="6">
+                  <c:v>3.2</c:v>
+                </c:pt>
+                <c:pt idx="7">
+                  <c:v>0.7</c:v>
+                </c:pt>
+                <c:pt idx="8">
+                  <c:v>1.0</c:v>
+                </c:pt>
+                <c:pt idx="9">
+                  <c:v>4.42</c:v>
+                </c:pt>
+                <c:pt idx="10">
+                  <c:v>4.82</c:v>
+                </c:pt>
+                <c:pt idx="11">
+                  <c:v>7.22</c:v>
+                </c:pt>
+                <c:pt idx="12">
+                  <c:v>8.51</c:v>
+                </c:pt>
+                <c:pt idx="13">
+                  <c:v>9.99</c:v>
+                </c:pt>
+                <c:pt idx="14">
+                  <c:v>8.19</c:v>
+                </c:pt>
+                <c:pt idx="15">
+                  <c:v>4.36</c:v>
+                </c:pt>
+                <c:pt idx="16">
+                  <c:v>5.23</c:v>
+                </c:pt>
+                <c:pt idx="17">
+                  <c:v>2.45</c:v>
+                </c:pt>
+                <c:pt idx="18">
+                  <c:v>0.78</c:v>
+                </c:pt>
+                <c:pt idx="19">
+                  <c:v>0.88</c:v>
+                </c:pt>
+                <c:pt idx="20">
+                  <c:v>-1.76</c:v>
+                </c:pt>
+                <c:pt idx="21">
+                  <c:v>-2.01</c:v>
+                </c:pt>
+                <c:pt idx="22">
+                  <c:v>-3.43</c:v>
+                </c:pt>
+                <c:pt idx="23">
+                  <c:v>-3.53</c:v>
+                </c:pt>
+                <c:pt idx="24">
+                  <c:v>-2.74</c:v>
+                </c:pt>
+                <c:pt idx="25">
+                  <c:v>1.54</c:v>
+                </c:pt>
+                <c:pt idx="26">
+                  <c:v>2.18</c:v>
+                </c:pt>
+                <c:pt idx="27">
+                  <c:v>4.72</c:v>
+                </c:pt>
+                <c:pt idx="28">
+                  <c:v>2.22</c:v>
+                </c:pt>
+                <c:pt idx="29">
+                  <c:v>-0.27</c:v>
+                </c:pt>
+                <c:pt idx="30">
+                  <c:v>1.38</c:v>
+                </c:pt>
+                <c:pt idx="31">
+                  <c:v>-0.41</c:v>
+                </c:pt>
+                <c:pt idx="32">
+                  <c:v>-2.5</c:v>
+                </c:pt>
+                <c:pt idx="33">
+                  <c:v>0.38</c:v>
+                </c:pt>
+              </c:numCache>
+            </c:numRef>
+          </c:val>
+          <c:smooth val="0"/>
+        </c:ser>
+        <c:ser>
+          <c:idx val="4"/>
+          <c:order val="4"/>
+          <c:tx>
+            <c:strRef>
+              <c:f>compare_leagues!$A$114</c:f>
+              <c:strCache>
+                <c:ptCount val="1"/>
+                <c:pt idx="0">
+                  <c:v>France</c:v>
+                </c:pt>
+              </c:strCache>
+            </c:strRef>
+          </c:tx>
+          <c:spPr>
+            <a:ln w="19050" cap="rnd">
+              <a:solidFill>
+                <a:schemeClr val="accent5"/>
+              </a:solidFill>
+              <a:round/>
+            </a:ln>
+            <a:effectLst/>
+          </c:spPr>
+          <c:marker>
+            <c:symbol val="none"/>
+          </c:marker>
+          <c:val>
+            <c:numRef>
+              <c:f>compare_leagues!$B$115:$B$152</c:f>
+              <c:numCache>
+                <c:formatCode>General</c:formatCode>
+                <c:ptCount val="38"/>
+                <c:pt idx="0">
+                  <c:v>-0.43</c:v>
+                </c:pt>
+                <c:pt idx="1">
+                  <c:v>-2.23</c:v>
+                </c:pt>
+                <c:pt idx="2">
+                  <c:v>-3.78</c:v>
+                </c:pt>
+                <c:pt idx="3">
+                  <c:v>-5.53</c:v>
+                </c:pt>
+                <c:pt idx="4">
+                  <c:v>-2.93</c:v>
+                </c:pt>
+                <c:pt idx="5">
+                  <c:v>-6.26</c:v>
+                </c:pt>
+                <c:pt idx="6">
+                  <c:v>-5.36</c:v>
+                </c:pt>
+                <c:pt idx="7">
+                  <c:v>-5.08</c:v>
+                </c:pt>
+                <c:pt idx="8">
+                  <c:v>-5.75</c:v>
+                </c:pt>
+                <c:pt idx="9">
+                  <c:v>-5.52</c:v>
+                </c:pt>
+                <c:pt idx="10">
+                  <c:v>-0.92</c:v>
+                </c:pt>
+                <c:pt idx="11">
+                  <c:v>-1.1</c:v>
+                </c:pt>
+                <c:pt idx="12">
+                  <c:v>-2.72</c:v>
+                </c:pt>
+                <c:pt idx="13">
+                  <c:v>-5.28</c:v>
+                </c:pt>
+                <c:pt idx="14">
+                  <c:v>-7.37</c:v>
+                </c:pt>
+                <c:pt idx="15">
+                  <c:v>-12.37</c:v>
+                </c:pt>
+                <c:pt idx="16">
+                  <c:v>-12.72</c:v>
+                </c:pt>
+                <c:pt idx="17">
+                  <c:v>-13.42</c:v>
+                </c:pt>
+                <c:pt idx="18">
+                  <c:v>-13.72</c:v>
+                </c:pt>
+                <c:pt idx="19">
+                  <c:v>-16.29</c:v>
+                </c:pt>
+                <c:pt idx="20">
+                  <c:v>-14.41</c:v>
+                </c:pt>
+                <c:pt idx="21">
+                  <c:v>-16.56</c:v>
+                </c:pt>
+                <c:pt idx="22">
+                  <c:v>-18.03</c:v>
+                </c:pt>
+                <c:pt idx="23">
+                  <c:v>-14.29</c:v>
+                </c:pt>
+                <c:pt idx="24">
+                  <c:v>-11.96</c:v>
+                </c:pt>
+                <c:pt idx="25">
+                  <c:v>-16.96</c:v>
+                </c:pt>
+                <c:pt idx="26">
+                  <c:v>-16.22</c:v>
+                </c:pt>
+                <c:pt idx="27">
+                  <c:v>-17.02</c:v>
+                </c:pt>
+                <c:pt idx="28">
+                  <c:v>-20.57</c:v>
+                </c:pt>
+                <c:pt idx="29">
+                  <c:v>-24.32</c:v>
+                </c:pt>
+                <c:pt idx="30">
+                  <c:v>-24.91</c:v>
+                </c:pt>
+                <c:pt idx="31">
+                  <c:v>-27.34</c:v>
+                </c:pt>
+                <c:pt idx="32">
+                  <c:v>-25.15</c:v>
+                </c:pt>
+                <c:pt idx="33">
+                  <c:v>-28.79</c:v>
+                </c:pt>
+                <c:pt idx="34">
+                  <c:v>-29.44</c:v>
+                </c:pt>
+                <c:pt idx="35">
+                  <c:v>-25.21</c:v>
+                </c:pt>
+                <c:pt idx="36">
+                  <c:v>-23.68</c:v>
+                </c:pt>
+                <c:pt idx="37">
+                  <c:v>-24.99</c:v>
+                </c:pt>
+              </c:numCache>
+            </c:numRef>
+          </c:val>
+          <c:smooth val="0"/>
+        </c:ser>
+        <c:ser>
+          <c:idx val="5"/>
+          <c:order val="5"/>
+          <c:tx>
+            <c:strRef>
+              <c:f>compare_leagues!$A$153</c:f>
+              <c:strCache>
+                <c:ptCount val="1"/>
+                <c:pt idx="0">
+                  <c:v>England</c:v>
+                </c:pt>
+              </c:strCache>
+            </c:strRef>
+          </c:tx>
+          <c:spPr>
+            <a:ln w="19050" cap="rnd">
+              <a:solidFill>
+                <a:schemeClr val="accent6"/>
+              </a:solidFill>
+              <a:round/>
+            </a:ln>
+            <a:effectLst/>
+          </c:spPr>
+          <c:marker>
+            <c:symbol val="none"/>
+          </c:marker>
+          <c:val>
+            <c:numRef>
+              <c:f>compare_leagues!$B$154:$B$191</c:f>
+              <c:numCache>
+                <c:formatCode>General</c:formatCode>
+                <c:ptCount val="38"/>
+                <c:pt idx="0">
+                  <c:v>-2.33</c:v>
+                </c:pt>
+                <c:pt idx="1">
+                  <c:v>-2.93</c:v>
+                </c:pt>
+                <c:pt idx="2">
+                  <c:v>-3.46</c:v>
+                </c:pt>
+                <c:pt idx="3">
+                  <c:v>-7.46</c:v>
+                </c:pt>
+                <c:pt idx="4">
+                  <c:v>-7.59</c:v>
+                </c:pt>
+                <c:pt idx="5">
+                  <c:v>-7.59</c:v>
+                </c:pt>
+                <c:pt idx="6">
+                  <c:v>-8.06</c:v>
+                </c:pt>
+                <c:pt idx="7">
+                  <c:v>-3.66</c:v>
+                </c:pt>
+                <c:pt idx="8">
+                  <c:v>-2.95</c:v>
+                </c:pt>
+                <c:pt idx="9">
+                  <c:v>0.29</c:v>
+                </c:pt>
+                <c:pt idx="10">
+                  <c:v>-0.23</c:v>
+                </c:pt>
+                <c:pt idx="11">
+                  <c:v>-1.1</c:v>
+                </c:pt>
+                <c:pt idx="12">
+                  <c:v>-1.03</c:v>
+                </c:pt>
+                <c:pt idx="13">
+                  <c:v>-4.03</c:v>
+                </c:pt>
+                <c:pt idx="14">
+                  <c:v>-5.99</c:v>
+                </c:pt>
+                <c:pt idx="15">
+                  <c:v>-4.22</c:v>
+                </c:pt>
+                <c:pt idx="16">
+                  <c:v>-4.44</c:v>
+                </c:pt>
+                <c:pt idx="17">
+                  <c:v>-8.24</c:v>
+                </c:pt>
+                <c:pt idx="18">
+                  <c:v>-9.34</c:v>
+                </c:pt>
+                <c:pt idx="19">
+                  <c:v>-8.55</c:v>
+                </c:pt>
+                <c:pt idx="20">
+                  <c:v>-13.55</c:v>
+                </c:pt>
+                <c:pt idx="21">
+                  <c:v>-15.79</c:v>
+                </c:pt>
+                <c:pt idx="22">
+                  <c:v>-18.79</c:v>
+                </c:pt>
+                <c:pt idx="23">
+                  <c:v>-16.95</c:v>
+                </c:pt>
+                <c:pt idx="24">
+                  <c:v>-13.22</c:v>
+                </c:pt>
+                <c:pt idx="25">
+                  <c:v>-17.37</c:v>
+                </c:pt>
+                <c:pt idx="26">
+                  <c:v>-17.67</c:v>
+                </c:pt>
+                <c:pt idx="27">
+                  <c:v>-19.06</c:v>
+                </c:pt>
+                <c:pt idx="28">
+                  <c:v>-21.84</c:v>
+                </c:pt>
+                <c:pt idx="29">
+                  <c:v>-22.77</c:v>
+                </c:pt>
+                <c:pt idx="30">
+                  <c:v>-22.6</c:v>
+                </c:pt>
+                <c:pt idx="31">
+                  <c:v>-19.48</c:v>
+                </c:pt>
+                <c:pt idx="32">
+                  <c:v>-16.47</c:v>
+                </c:pt>
+                <c:pt idx="33">
+                  <c:v>-17.95</c:v>
+                </c:pt>
+                <c:pt idx="34">
+                  <c:v>-18.37</c:v>
+                </c:pt>
+                <c:pt idx="35">
+                  <c:v>-18.68</c:v>
+                </c:pt>
+                <c:pt idx="36">
+                  <c:v>-19.86</c:v>
+                </c:pt>
+                <c:pt idx="37">
+                  <c:v>-20.89</c:v>
+                </c:pt>
+              </c:numCache>
+            </c:numRef>
+          </c:val>
+          <c:smooth val="0"/>
+        </c:ser>
+        <c:dLbls>
+          <c:showLegendKey val="0"/>
+          <c:showVal val="0"/>
+          <c:showCatName val="0"/>
+          <c:showSerName val="0"/>
+          <c:showPercent val="0"/>
+          <c:showBubbleSize val="0"/>
+        </c:dLbls>
+        <c:smooth val="0"/>
+        <c:axId val="1111731376"/>
+        <c:axId val="920230560"/>
+      </c:lineChart>
+      <c:catAx>
+        <c:axId val="1111731376"/>
+        <c:scaling>
+          <c:orientation val="minMax"/>
+        </c:scaling>
+        <c:delete val="0"/>
+        <c:axPos val="b"/>
+        <c:numFmt formatCode="General" sourceLinked="1"/>
+        <c:majorTickMark val="none"/>
+        <c:minorTickMark val="none"/>
+        <c:tickLblPos val="nextTo"/>
+        <c:spPr>
+          <a:noFill/>
+          <a:ln w="9525" cap="flat" cmpd="sng" algn="ctr">
+            <a:solidFill>
+              <a:schemeClr val="tx1">
+                <a:lumMod val="25000"/>
+                <a:lumOff val="75000"/>
+              </a:schemeClr>
+            </a:solidFill>
+            <a:round/>
+          </a:ln>
+          <a:effectLst/>
+        </c:spPr>
+        <c:txPr>
+          <a:bodyPr rot="-60000000" spcFirstLastPara="1" vertOverflow="ellipsis" vert="horz" wrap="square" anchor="ctr" anchorCtr="1"/>
+          <a:lstStyle/>
+          <a:p>
+            <a:pPr>
+              <a:defRPr sz="900" b="0" i="0" u="none" strike="noStrike" kern="1200" baseline="0">
+                <a:solidFill>
+                  <a:schemeClr val="tx1">
+                    <a:lumMod val="65000"/>
+                    <a:lumOff val="35000"/>
+                  </a:schemeClr>
+                </a:solidFill>
+                <a:latin typeface="+mn-lt"/>
+                <a:ea typeface="+mn-ea"/>
+                <a:cs typeface="+mn-cs"/>
+              </a:defRPr>
+            </a:pPr>
+            <a:endParaRPr lang="en-US"/>
+          </a:p>
+        </c:txPr>
+        <c:crossAx val="920230560"/>
+        <c:crosses val="autoZero"/>
+        <c:auto val="1"/>
+        <c:lblAlgn val="ctr"/>
+        <c:lblOffset val="100"/>
+        <c:noMultiLvlLbl val="0"/>
+      </c:catAx>
+      <c:valAx>
+        <c:axId val="920230560"/>
+        <c:scaling>
+          <c:orientation val="minMax"/>
+        </c:scaling>
+        <c:delete val="0"/>
+        <c:axPos val="l"/>
+        <c:majorGridlines>
+          <c:spPr>
+            <a:ln w="9525" cap="flat" cmpd="sng" algn="ctr">
+              <a:solidFill>
+                <a:schemeClr val="tx1">
+                  <a:lumMod val="15000"/>
+                  <a:lumOff val="85000"/>
+                </a:schemeClr>
+              </a:solidFill>
+              <a:round/>
+            </a:ln>
+            <a:effectLst/>
+          </c:spPr>
+        </c:majorGridlines>
+        <c:numFmt formatCode="General" sourceLinked="0"/>
+        <c:majorTickMark val="none"/>
+        <c:minorTickMark val="none"/>
+        <c:tickLblPos val="nextTo"/>
+        <c:spPr>
+          <a:noFill/>
+          <a:ln w="9525" cap="flat" cmpd="sng" algn="ctr">
+            <a:solidFill>
+              <a:schemeClr val="tx1">
+                <a:lumMod val="25000"/>
+                <a:lumOff val="75000"/>
+              </a:schemeClr>
+            </a:solidFill>
+            <a:round/>
+          </a:ln>
+          <a:effectLst/>
+        </c:spPr>
+        <c:txPr>
+          <a:bodyPr rot="-60000000" spcFirstLastPara="1" vertOverflow="ellipsis" vert="horz" wrap="square" anchor="ctr" anchorCtr="1"/>
+          <a:lstStyle/>
+          <a:p>
+            <a:pPr>
+              <a:defRPr sz="900" b="0" i="0" u="none" strike="noStrike" kern="1200" baseline="0">
+                <a:solidFill>
+                  <a:schemeClr val="tx1">
+                    <a:lumMod val="65000"/>
+                    <a:lumOff val="35000"/>
+                  </a:schemeClr>
+                </a:solidFill>
+                <a:latin typeface="+mn-lt"/>
+                <a:ea typeface="+mn-ea"/>
+                <a:cs typeface="+mn-cs"/>
+              </a:defRPr>
+            </a:pPr>
+            <a:endParaRPr lang="en-US"/>
+          </a:p>
+        </c:txPr>
+        <c:crossAx val="1111731376"/>
+        <c:crosses val="autoZero"/>
+        <c:crossBetween val="between"/>
+      </c:valAx>
+      <c:spPr>
+        <a:noFill/>
+        <a:ln w="25400">
+          <a:noFill/>
+        </a:ln>
+        <a:effectLst/>
+      </c:spPr>
+    </c:plotArea>
+    <c:legend>
+      <c:legendPos val="r"/>
+      <c:legendEntry>
+        <c:idx val="2"/>
+        <c:delete val="1"/>
+      </c:legendEntry>
+      <c:layout/>
+      <c:overlay val="0"/>
+      <c:spPr>
+        <a:noFill/>
+        <a:ln>
+          <a:noFill/>
+        </a:ln>
+        <a:effectLst/>
+      </c:spPr>
+      <c:txPr>
+        <a:bodyPr rot="0" spcFirstLastPara="1" vertOverflow="ellipsis" vert="horz" wrap="square" anchor="ctr" anchorCtr="1"/>
+        <a:lstStyle/>
+        <a:p>
+          <a:pPr>
+            <a:defRPr sz="900" b="0" i="0" u="none" strike="noStrike" kern="1200" baseline="0">
+              <a:solidFill>
+                <a:schemeClr val="tx1">
+                  <a:lumMod val="65000"/>
+                  <a:lumOff val="35000"/>
+                </a:schemeClr>
+              </a:solidFill>
+              <a:latin typeface="+mn-lt"/>
+              <a:ea typeface="+mn-ea"/>
+              <a:cs typeface="+mn-cs"/>
+            </a:defRPr>
+          </a:pPr>
+          <a:endParaRPr lang="en-US"/>
+        </a:p>
+      </c:txPr>
+    </c:legend>
     <c:plotVisOnly val="1"/>
     <c:dispBlanksAs val="gap"/>
     <c:showDLblsOverMax val="0"/>
@@ -7747,6 +9282,46 @@
   <a:schemeClr val="accent6"/>
   <a:schemeClr val="accent5"/>
   <a:schemeClr val="accent4"/>
+  <cs:variation/>
+  <cs:variation>
+    <a:lumMod val="60000"/>
+  </cs:variation>
+  <cs:variation>
+    <a:lumMod val="80000"/>
+    <a:lumOff val="20000"/>
+  </cs:variation>
+  <cs:variation>
+    <a:lumMod val="80000"/>
+  </cs:variation>
+  <cs:variation>
+    <a:lumMod val="60000"/>
+    <a:lumOff val="40000"/>
+  </cs:variation>
+  <cs:variation>
+    <a:lumMod val="50000"/>
+  </cs:variation>
+  <cs:variation>
+    <a:lumMod val="70000"/>
+    <a:lumOff val="30000"/>
+  </cs:variation>
+  <cs:variation>
+    <a:lumMod val="70000"/>
+  </cs:variation>
+  <cs:variation>
+    <a:lumMod val="50000"/>
+    <a:lumOff val="50000"/>
+  </cs:variation>
+</cs:colorStyle>
+</file>
+
+<file path=ppt/charts/colors12.xml><?xml version="1.0" encoding="utf-8"?>
+<cs:colorStyle xmlns:cs="http://schemas.microsoft.com/office/drawing/2012/chartStyle" xmlns:a="http://schemas.openxmlformats.org/drawingml/2006/main" meth="cycle" id="10">
+  <a:schemeClr val="accent1"/>
+  <a:schemeClr val="accent2"/>
+  <a:schemeClr val="accent3"/>
+  <a:schemeClr val="accent4"/>
+  <a:schemeClr val="accent5"/>
+  <a:schemeClr val="accent6"/>
   <cs:variation/>
   <cs:variation>
     <a:lumMod val="60000"/>
@@ -9101,6 +10676,522 @@
 </file>
 
 <file path=ppt/charts/style11.xml><?xml version="1.0" encoding="utf-8"?>
+<cs:chartStyle xmlns:cs="http://schemas.microsoft.com/office/drawing/2012/chartStyle" xmlns:a="http://schemas.openxmlformats.org/drawingml/2006/main" id="240">
+  <cs:axisTitle>
+    <cs:lnRef idx="0"/>
+    <cs:fillRef idx="0"/>
+    <cs:effectRef idx="0"/>
+    <cs:fontRef idx="minor">
+      <a:schemeClr val="tx1">
+        <a:lumMod val="65000"/>
+        <a:lumOff val="35000"/>
+      </a:schemeClr>
+    </cs:fontRef>
+    <cs:defRPr sz="1000" kern="1200"/>
+  </cs:axisTitle>
+  <cs:categoryAxis>
+    <cs:lnRef idx="0"/>
+    <cs:fillRef idx="0"/>
+    <cs:effectRef idx="0"/>
+    <cs:fontRef idx="minor">
+      <a:schemeClr val="tx1">
+        <a:lumMod val="65000"/>
+        <a:lumOff val="35000"/>
+      </a:schemeClr>
+    </cs:fontRef>
+    <cs:spPr>
+      <a:ln w="9525" cap="flat" cmpd="sng" algn="ctr">
+        <a:solidFill>
+          <a:schemeClr val="tx1">
+            <a:lumMod val="25000"/>
+            <a:lumOff val="75000"/>
+          </a:schemeClr>
+        </a:solidFill>
+        <a:round/>
+      </a:ln>
+    </cs:spPr>
+    <cs:defRPr sz="900" kern="1200"/>
+  </cs:categoryAxis>
+  <cs:chartArea mods="allowNoFillOverride allowNoLineOverride">
+    <cs:lnRef idx="0"/>
+    <cs:fillRef idx="0"/>
+    <cs:effectRef idx="0"/>
+    <cs:fontRef idx="minor">
+      <a:schemeClr val="tx1"/>
+    </cs:fontRef>
+    <cs:spPr>
+      <a:solidFill>
+        <a:schemeClr val="bg1"/>
+      </a:solidFill>
+      <a:ln w="9525" cap="flat" cmpd="sng" algn="ctr">
+        <a:solidFill>
+          <a:schemeClr val="tx1">
+            <a:lumMod val="15000"/>
+            <a:lumOff val="85000"/>
+          </a:schemeClr>
+        </a:solidFill>
+        <a:round/>
+      </a:ln>
+    </cs:spPr>
+    <cs:defRPr sz="1000" kern="1200"/>
+  </cs:chartArea>
+  <cs:dataLabel>
+    <cs:lnRef idx="0"/>
+    <cs:fillRef idx="0"/>
+    <cs:effectRef idx="0"/>
+    <cs:fontRef idx="minor">
+      <a:schemeClr val="tx1">
+        <a:lumMod val="75000"/>
+        <a:lumOff val="25000"/>
+      </a:schemeClr>
+    </cs:fontRef>
+    <cs:defRPr sz="900" kern="1200"/>
+  </cs:dataLabel>
+  <cs:dataLabelCallout>
+    <cs:lnRef idx="0"/>
+    <cs:fillRef idx="0"/>
+    <cs:effectRef idx="0"/>
+    <cs:fontRef idx="minor">
+      <a:schemeClr val="dk1">
+        <a:lumMod val="65000"/>
+        <a:lumOff val="35000"/>
+      </a:schemeClr>
+    </cs:fontRef>
+    <cs:spPr>
+      <a:solidFill>
+        <a:schemeClr val="lt1"/>
+      </a:solidFill>
+      <a:ln>
+        <a:solidFill>
+          <a:schemeClr val="dk1">
+            <a:lumMod val="25000"/>
+            <a:lumOff val="75000"/>
+          </a:schemeClr>
+        </a:solidFill>
+      </a:ln>
+    </cs:spPr>
+    <cs:defRPr sz="900" kern="1200"/>
+    <cs:bodyPr rot="0" spcFirstLastPara="1" vertOverflow="clip" horzOverflow="clip" vert="horz" wrap="square" lIns="36576" tIns="18288" rIns="36576" bIns="18288" anchor="ctr" anchorCtr="1">
+      <a:spAutoFit/>
+    </cs:bodyPr>
+  </cs:dataLabelCallout>
+  <cs:dataPoint>
+    <cs:lnRef idx="0"/>
+    <cs:fillRef idx="1">
+      <cs:styleClr val="auto"/>
+    </cs:fillRef>
+    <cs:effectRef idx="0"/>
+    <cs:fontRef idx="minor">
+      <a:schemeClr val="tx1"/>
+    </cs:fontRef>
+  </cs:dataPoint>
+  <cs:dataPoint3D>
+    <cs:lnRef idx="0"/>
+    <cs:fillRef idx="1">
+      <cs:styleClr val="auto"/>
+    </cs:fillRef>
+    <cs:effectRef idx="0"/>
+    <cs:fontRef idx="minor">
+      <a:schemeClr val="tx1"/>
+    </cs:fontRef>
+  </cs:dataPoint3D>
+  <cs:dataPointLine>
+    <cs:lnRef idx="0">
+      <cs:styleClr val="auto"/>
+    </cs:lnRef>
+    <cs:fillRef idx="1"/>
+    <cs:effectRef idx="0"/>
+    <cs:fontRef idx="minor">
+      <a:schemeClr val="tx1"/>
+    </cs:fontRef>
+    <cs:spPr>
+      <a:ln w="19050" cap="rnd">
+        <a:solidFill>
+          <a:schemeClr val="phClr"/>
+        </a:solidFill>
+        <a:round/>
+      </a:ln>
+    </cs:spPr>
+  </cs:dataPointLine>
+  <cs:dataPointMarker>
+    <cs:lnRef idx="0">
+      <cs:styleClr val="auto"/>
+    </cs:lnRef>
+    <cs:fillRef idx="1">
+      <cs:styleClr val="auto"/>
+    </cs:fillRef>
+    <cs:effectRef idx="0"/>
+    <cs:fontRef idx="minor">
+      <a:schemeClr val="tx1"/>
+    </cs:fontRef>
+    <cs:spPr>
+      <a:ln w="9525">
+        <a:solidFill>
+          <a:schemeClr val="phClr"/>
+        </a:solidFill>
+      </a:ln>
+    </cs:spPr>
+  </cs:dataPointMarker>
+  <cs:dataPointMarkerLayout symbol="circle" size="5"/>
+  <cs:dataPointWireframe>
+    <cs:lnRef idx="0">
+      <cs:styleClr val="auto"/>
+    </cs:lnRef>
+    <cs:fillRef idx="0"/>
+    <cs:effectRef idx="0"/>
+    <cs:fontRef idx="minor">
+      <a:schemeClr val="dk1"/>
+    </cs:fontRef>
+    <cs:spPr>
+      <a:ln w="9525" cap="rnd">
+        <a:solidFill>
+          <a:schemeClr val="phClr"/>
+        </a:solidFill>
+        <a:round/>
+      </a:ln>
+    </cs:spPr>
+  </cs:dataPointWireframe>
+  <cs:dataTable>
+    <cs:lnRef idx="0"/>
+    <cs:fillRef idx="0"/>
+    <cs:effectRef idx="0"/>
+    <cs:fontRef idx="minor">
+      <a:schemeClr val="tx1">
+        <a:lumMod val="65000"/>
+        <a:lumOff val="35000"/>
+      </a:schemeClr>
+    </cs:fontRef>
+    <cs:spPr>
+      <a:noFill/>
+      <a:ln w="9525" cap="flat" cmpd="sng" algn="ctr">
+        <a:solidFill>
+          <a:schemeClr val="tx1">
+            <a:lumMod val="15000"/>
+            <a:lumOff val="85000"/>
+          </a:schemeClr>
+        </a:solidFill>
+        <a:round/>
+      </a:ln>
+    </cs:spPr>
+    <cs:defRPr sz="900" kern="1200"/>
+  </cs:dataTable>
+  <cs:downBar>
+    <cs:lnRef idx="0"/>
+    <cs:fillRef idx="0"/>
+    <cs:effectRef idx="0"/>
+    <cs:fontRef idx="minor">
+      <a:schemeClr val="tx1"/>
+    </cs:fontRef>
+    <cs:spPr>
+      <a:solidFill>
+        <a:schemeClr val="dk1">
+          <a:lumMod val="75000"/>
+          <a:lumOff val="25000"/>
+        </a:schemeClr>
+      </a:solidFill>
+      <a:ln w="9525" cap="flat" cmpd="sng" algn="ctr">
+        <a:solidFill>
+          <a:schemeClr val="tx1">
+            <a:lumMod val="65000"/>
+            <a:lumOff val="35000"/>
+          </a:schemeClr>
+        </a:solidFill>
+        <a:round/>
+      </a:ln>
+    </cs:spPr>
+  </cs:downBar>
+  <cs:dropLine>
+    <cs:lnRef idx="0"/>
+    <cs:fillRef idx="0"/>
+    <cs:effectRef idx="0"/>
+    <cs:fontRef idx="minor">
+      <a:schemeClr val="tx1"/>
+    </cs:fontRef>
+    <cs:spPr>
+      <a:ln w="9525" cap="flat" cmpd="sng" algn="ctr">
+        <a:solidFill>
+          <a:schemeClr val="tx1">
+            <a:lumMod val="35000"/>
+            <a:lumOff val="65000"/>
+          </a:schemeClr>
+        </a:solidFill>
+        <a:round/>
+      </a:ln>
+    </cs:spPr>
+  </cs:dropLine>
+  <cs:errorBar>
+    <cs:lnRef idx="0"/>
+    <cs:fillRef idx="0"/>
+    <cs:effectRef idx="0"/>
+    <cs:fontRef idx="minor">
+      <a:schemeClr val="tx1"/>
+    </cs:fontRef>
+    <cs:spPr>
+      <a:ln w="9525" cap="flat" cmpd="sng" algn="ctr">
+        <a:solidFill>
+          <a:schemeClr val="tx1">
+            <a:lumMod val="65000"/>
+            <a:lumOff val="35000"/>
+          </a:schemeClr>
+        </a:solidFill>
+        <a:round/>
+      </a:ln>
+    </cs:spPr>
+  </cs:errorBar>
+  <cs:floor>
+    <cs:lnRef idx="0"/>
+    <cs:fillRef idx="0"/>
+    <cs:effectRef idx="0"/>
+    <cs:fontRef idx="minor">
+      <a:schemeClr val="tx1"/>
+    </cs:fontRef>
+    <cs:spPr>
+      <a:noFill/>
+      <a:ln>
+        <a:noFill/>
+      </a:ln>
+    </cs:spPr>
+  </cs:floor>
+  <cs:gridlineMajor>
+    <cs:lnRef idx="0"/>
+    <cs:fillRef idx="0"/>
+    <cs:effectRef idx="0"/>
+    <cs:fontRef idx="minor">
+      <a:schemeClr val="tx1"/>
+    </cs:fontRef>
+    <cs:spPr>
+      <a:ln w="9525" cap="flat" cmpd="sng" algn="ctr">
+        <a:solidFill>
+          <a:schemeClr val="tx1">
+            <a:lumMod val="15000"/>
+            <a:lumOff val="85000"/>
+          </a:schemeClr>
+        </a:solidFill>
+        <a:round/>
+      </a:ln>
+    </cs:spPr>
+  </cs:gridlineMajor>
+  <cs:gridlineMinor>
+    <cs:lnRef idx="0"/>
+    <cs:fillRef idx="0"/>
+    <cs:effectRef idx="0"/>
+    <cs:fontRef idx="minor">
+      <a:schemeClr val="tx1"/>
+    </cs:fontRef>
+    <cs:spPr>
+      <a:ln w="9525" cap="flat" cmpd="sng" algn="ctr">
+        <a:solidFill>
+          <a:schemeClr val="tx1">
+            <a:lumMod val="5000"/>
+            <a:lumOff val="95000"/>
+          </a:schemeClr>
+        </a:solidFill>
+        <a:round/>
+      </a:ln>
+    </cs:spPr>
+  </cs:gridlineMinor>
+  <cs:hiLoLine>
+    <cs:lnRef idx="0"/>
+    <cs:fillRef idx="0"/>
+    <cs:effectRef idx="0"/>
+    <cs:fontRef idx="minor">
+      <a:schemeClr val="tx1"/>
+    </cs:fontRef>
+    <cs:spPr>
+      <a:ln w="9525" cap="flat" cmpd="sng" algn="ctr">
+        <a:solidFill>
+          <a:schemeClr val="tx1">
+            <a:lumMod val="50000"/>
+            <a:lumOff val="50000"/>
+          </a:schemeClr>
+        </a:solidFill>
+        <a:round/>
+      </a:ln>
+    </cs:spPr>
+  </cs:hiLoLine>
+  <cs:leaderLine>
+    <cs:lnRef idx="0"/>
+    <cs:fillRef idx="0"/>
+    <cs:effectRef idx="0"/>
+    <cs:fontRef idx="minor">
+      <a:schemeClr val="tx1"/>
+    </cs:fontRef>
+    <cs:spPr>
+      <a:ln w="9525" cap="flat" cmpd="sng" algn="ctr">
+        <a:solidFill>
+          <a:schemeClr val="tx1">
+            <a:lumMod val="35000"/>
+            <a:lumOff val="65000"/>
+          </a:schemeClr>
+        </a:solidFill>
+        <a:round/>
+      </a:ln>
+    </cs:spPr>
+  </cs:leaderLine>
+  <cs:legend>
+    <cs:lnRef idx="0"/>
+    <cs:fillRef idx="0"/>
+    <cs:effectRef idx="0"/>
+    <cs:fontRef idx="minor">
+      <a:schemeClr val="tx1">
+        <a:lumMod val="65000"/>
+        <a:lumOff val="35000"/>
+      </a:schemeClr>
+    </cs:fontRef>
+    <cs:defRPr sz="900" kern="1200"/>
+  </cs:legend>
+  <cs:plotArea mods="allowNoFillOverride allowNoLineOverride">
+    <cs:lnRef idx="0"/>
+    <cs:fillRef idx="0"/>
+    <cs:effectRef idx="0"/>
+    <cs:fontRef idx="minor">
+      <a:schemeClr val="tx1"/>
+    </cs:fontRef>
+  </cs:plotArea>
+  <cs:plotArea3D mods="allowNoFillOverride allowNoLineOverride">
+    <cs:lnRef idx="0"/>
+    <cs:fillRef idx="0"/>
+    <cs:effectRef idx="0"/>
+    <cs:fontRef idx="minor">
+      <a:schemeClr val="tx1"/>
+    </cs:fontRef>
+  </cs:plotArea3D>
+  <cs:seriesAxis>
+    <cs:lnRef idx="0"/>
+    <cs:fillRef idx="0"/>
+    <cs:effectRef idx="0"/>
+    <cs:fontRef idx="minor">
+      <a:schemeClr val="tx1">
+        <a:lumMod val="65000"/>
+        <a:lumOff val="35000"/>
+      </a:schemeClr>
+    </cs:fontRef>
+    <cs:defRPr sz="900" kern="1200"/>
+  </cs:seriesAxis>
+  <cs:seriesLine>
+    <cs:lnRef idx="0"/>
+    <cs:fillRef idx="0"/>
+    <cs:effectRef idx="0"/>
+    <cs:fontRef idx="minor">
+      <a:schemeClr val="tx1"/>
+    </cs:fontRef>
+    <cs:spPr>
+      <a:ln w="9525" cap="flat" cmpd="sng" algn="ctr">
+        <a:solidFill>
+          <a:schemeClr val="tx1">
+            <a:lumMod val="35000"/>
+            <a:lumOff val="65000"/>
+          </a:schemeClr>
+        </a:solidFill>
+        <a:round/>
+      </a:ln>
+    </cs:spPr>
+  </cs:seriesLine>
+  <cs:title>
+    <cs:lnRef idx="0"/>
+    <cs:fillRef idx="0"/>
+    <cs:effectRef idx="0"/>
+    <cs:fontRef idx="minor">
+      <a:schemeClr val="tx1">
+        <a:lumMod val="65000"/>
+        <a:lumOff val="35000"/>
+      </a:schemeClr>
+    </cs:fontRef>
+    <cs:defRPr sz="1400" b="0" kern="1200" spc="0" baseline="0"/>
+  </cs:title>
+  <cs:trendline>
+    <cs:lnRef idx="0">
+      <cs:styleClr val="auto"/>
+    </cs:lnRef>
+    <cs:fillRef idx="0"/>
+    <cs:effectRef idx="0"/>
+    <cs:fontRef idx="minor">
+      <a:schemeClr val="tx1"/>
+    </cs:fontRef>
+    <cs:spPr>
+      <a:ln w="19050" cap="rnd">
+        <a:solidFill>
+          <a:schemeClr val="phClr"/>
+        </a:solidFill>
+        <a:prstDash val="sysDot"/>
+      </a:ln>
+    </cs:spPr>
+  </cs:trendline>
+  <cs:trendlineLabel>
+    <cs:lnRef idx="0"/>
+    <cs:fillRef idx="0"/>
+    <cs:effectRef idx="0"/>
+    <cs:fontRef idx="minor">
+      <a:schemeClr val="tx1">
+        <a:lumMod val="65000"/>
+        <a:lumOff val="35000"/>
+      </a:schemeClr>
+    </cs:fontRef>
+    <cs:defRPr sz="900" kern="1200"/>
+  </cs:trendlineLabel>
+  <cs:upBar>
+    <cs:lnRef idx="0"/>
+    <cs:fillRef idx="0"/>
+    <cs:effectRef idx="0"/>
+    <cs:fontRef idx="minor">
+      <a:schemeClr val="tx1"/>
+    </cs:fontRef>
+    <cs:spPr>
+      <a:solidFill>
+        <a:schemeClr val="lt1"/>
+      </a:solidFill>
+      <a:ln w="9525" cap="flat" cmpd="sng" algn="ctr">
+        <a:solidFill>
+          <a:schemeClr val="tx1">
+            <a:lumMod val="65000"/>
+            <a:lumOff val="35000"/>
+          </a:schemeClr>
+        </a:solidFill>
+        <a:round/>
+      </a:ln>
+    </cs:spPr>
+  </cs:upBar>
+  <cs:valueAxis>
+    <cs:lnRef idx="0"/>
+    <cs:fillRef idx="0"/>
+    <cs:effectRef idx="0"/>
+    <cs:fontRef idx="minor">
+      <a:schemeClr val="tx1">
+        <a:lumMod val="65000"/>
+        <a:lumOff val="35000"/>
+      </a:schemeClr>
+    </cs:fontRef>
+    <cs:spPr>
+      <a:ln w="9525" cap="flat" cmpd="sng" algn="ctr">
+        <a:solidFill>
+          <a:schemeClr val="tx1">
+            <a:lumMod val="25000"/>
+            <a:lumOff val="75000"/>
+          </a:schemeClr>
+        </a:solidFill>
+        <a:round/>
+      </a:ln>
+    </cs:spPr>
+    <cs:defRPr sz="900" kern="1200"/>
+  </cs:valueAxis>
+  <cs:wall>
+    <cs:lnRef idx="0"/>
+    <cs:fillRef idx="0"/>
+    <cs:effectRef idx="0"/>
+    <cs:fontRef idx="minor">
+      <a:schemeClr val="tx1"/>
+    </cs:fontRef>
+    <cs:spPr>
+      <a:noFill/>
+      <a:ln>
+        <a:noFill/>
+      </a:ln>
+    </cs:spPr>
+  </cs:wall>
+</cs:chartStyle>
+</file>
+
+<file path=ppt/charts/style12.xml><?xml version="1.0" encoding="utf-8"?>
 <cs:chartStyle xmlns:cs="http://schemas.microsoft.com/office/drawing/2012/chartStyle" xmlns:a="http://schemas.openxmlformats.org/drawingml/2006/main" id="240">
   <cs:axisTitle>
     <cs:lnRef idx="0"/>
@@ -29119,6 +31210,79 @@
           <a:bodyPr/>
           <a:lstStyle/>
           <a:p>
+            <a:endParaRPr lang="en-US" dirty="0"/>
+          </a:p>
+        </p:txBody>
+      </p:sp>
+      <p:graphicFrame>
+        <p:nvGraphicFramePr>
+          <p:cNvPr id="4" name="Chart 3"/>
+          <p:cNvGraphicFramePr>
+            <a:graphicFrameLocks/>
+          </p:cNvGraphicFramePr>
+          <p:nvPr>
+            <p:extLst>
+              <p:ext uri="{D42A27DB-BD31-4B8C-83A1-F6EECF244321}">
+                <p14:modId xmlns:p14="http://schemas.microsoft.com/office/powerpoint/2010/main" val="686036131"/>
+              </p:ext>
+            </p:extLst>
+          </p:nvPr>
+        </p:nvGraphicFramePr>
+        <p:xfrm>
+          <a:off x="774032" y="2057401"/>
+          <a:ext cx="10732168" cy="4024125"/>
+        </p:xfrm>
+        <a:graphic>
+          <a:graphicData uri="http://schemas.openxmlformats.org/drawingml/2006/chart">
+            <c:chart xmlns:c="http://schemas.openxmlformats.org/drawingml/2006/chart" xmlns:r="http://schemas.openxmlformats.org/officeDocument/2006/relationships" r:id="rId2"/>
+          </a:graphicData>
+        </a:graphic>
+      </p:graphicFrame>
+    </p:spTree>
+    <p:extLst>
+      <p:ext uri="{BB962C8B-B14F-4D97-AF65-F5344CB8AC3E}">
+        <p14:creationId xmlns:p14="http://schemas.microsoft.com/office/powerpoint/2010/main" val="1018355277"/>
+      </p:ext>
+    </p:extLst>
+  </p:cSld>
+  <p:clrMapOvr>
+    <a:masterClrMapping/>
+  </p:clrMapOvr>
+</p:sld>
+</file>
+
+<file path=ppt/slides/slide17.xml><?xml version="1.0" encoding="utf-8"?>
+<p:sld xmlns:a="http://schemas.openxmlformats.org/drawingml/2006/main" xmlns:r="http://schemas.openxmlformats.org/officeDocument/2006/relationships" xmlns:p="http://schemas.openxmlformats.org/presentationml/2006/main">
+  <p:cSld>
+    <p:spTree>
+      <p:nvGrpSpPr>
+        <p:cNvPr id="1" name=""/>
+        <p:cNvGrpSpPr/>
+        <p:nvPr/>
+      </p:nvGrpSpPr>
+      <p:grpSpPr>
+        <a:xfrm>
+          <a:off x="0" y="0"/>
+          <a:ext cx="0" cy="0"/>
+          <a:chOff x="0" y="0"/>
+          <a:chExt cx="0" cy="0"/>
+        </a:xfrm>
+      </p:grpSpPr>
+      <p:sp>
+        <p:nvSpPr>
+          <p:cNvPr id="2" name="Title 1"/>
+          <p:cNvSpPr>
+            <a:spLocks noGrp="1"/>
+          </p:cNvSpPr>
+          <p:nvPr>
+            <p:ph type="title"/>
+          </p:nvPr>
+        </p:nvSpPr>
+        <p:spPr/>
+        <p:txBody>
+          <a:bodyPr/>
+          <a:lstStyle/>
+          <a:p>
             <a:r>
               <a:rPr lang="en-US" dirty="0" smtClean="0"/>
               <a:t>Look at the next match</a:t>

--- a/TODO/spa_presentation.pptx
+++ b/TODO/spa_presentation.pptx
@@ -544,11 +544,11 @@
         </c:dLbls>
         <c:gapWidth val="219"/>
         <c:overlap val="-27"/>
-        <c:axId val="840543152"/>
-        <c:axId val="840545200"/>
+        <c:axId val="-63458272"/>
+        <c:axId val="-63455952"/>
       </c:barChart>
       <c:catAx>
-        <c:axId val="840543152"/>
+        <c:axId val="-63458272"/>
         <c:scaling>
           <c:orientation val="minMax"/>
         </c:scaling>
@@ -591,7 +591,7 @@
             <a:endParaRPr lang="en-US"/>
           </a:p>
         </c:txPr>
-        <c:crossAx val="840545200"/>
+        <c:crossAx val="-63455952"/>
         <c:crosses val="autoZero"/>
         <c:auto val="1"/>
         <c:lblAlgn val="ctr"/>
@@ -599,7 +599,7 @@
         <c:noMultiLvlLbl val="0"/>
       </c:catAx>
       <c:valAx>
-        <c:axId val="840545200"/>
+        <c:axId val="-63455952"/>
         <c:scaling>
           <c:orientation val="minMax"/>
         </c:scaling>
@@ -650,7 +650,7 @@
             <a:endParaRPr lang="en-US"/>
           </a:p>
         </c:txPr>
-        <c:crossAx val="840543152"/>
+        <c:crossAx val="-63458272"/>
         <c:crosses val="autoZero"/>
         <c:crossBetween val="between"/>
       </c:valAx>
@@ -935,7 +935,7 @@
                   <c:v>4.55</c:v>
                 </c:pt>
                 <c:pt idx="3">
-                  <c:v>6.82</c:v>
+                  <c:v>6.819999999999999</c:v>
                 </c:pt>
                 <c:pt idx="4">
                   <c:v>6.7</c:v>
@@ -1007,7 +1007,7 @@
                   <c:v>-4.5</c:v>
                 </c:pt>
                 <c:pt idx="27">
-                  <c:v>-4.86</c:v>
+                  <c:v>-4.859999999999999</c:v>
                 </c:pt>
                 <c:pt idx="28">
                   <c:v>-5.3</c:v>
@@ -1215,7 +1215,7 @@
                   <c:v>-0.82</c:v>
                 </c:pt>
                 <c:pt idx="5">
-                  <c:v>8.23</c:v>
+                  <c:v>8.229999999999998</c:v>
                 </c:pt>
                 <c:pt idx="6">
                   <c:v>7.28</c:v>
@@ -1287,7 +1287,7 @@
                   <c:v>-6.1</c:v>
                 </c:pt>
                 <c:pt idx="29">
-                  <c:v>-6.86</c:v>
+                  <c:v>-6.859999999999999</c:v>
                 </c:pt>
                 <c:pt idx="30">
                   <c:v>-8.46</c:v>
@@ -1590,11 +1590,11 @@
           <c:showBubbleSize val="0"/>
         </c:dLbls>
         <c:smooth val="0"/>
-        <c:axId val="1518171920"/>
-        <c:axId val="1042728336"/>
+        <c:axId val="-63235040"/>
+        <c:axId val="-63232288"/>
       </c:lineChart>
       <c:catAx>
-        <c:axId val="1518171920"/>
+        <c:axId val="-63235040"/>
         <c:scaling>
           <c:orientation val="minMax"/>
         </c:scaling>
@@ -1637,7 +1637,7 @@
             <a:endParaRPr lang="en-US"/>
           </a:p>
         </c:txPr>
-        <c:crossAx val="1042728336"/>
+        <c:crossAx val="-63232288"/>
         <c:crosses val="autoZero"/>
         <c:auto val="1"/>
         <c:lblAlgn val="ctr"/>
@@ -1645,7 +1645,7 @@
         <c:noMultiLvlLbl val="0"/>
       </c:catAx>
       <c:valAx>
-        <c:axId val="1042728336"/>
+        <c:axId val="-63232288"/>
         <c:scaling>
           <c:orientation val="minMax"/>
         </c:scaling>
@@ -1702,7 +1702,7 @@
             <a:endParaRPr lang="en-US"/>
           </a:p>
         </c:txPr>
-        <c:crossAx val="1518171920"/>
+        <c:crossAx val="-63235040"/>
         <c:crosses val="autoZero"/>
         <c:crossBetween val="between"/>
       </c:valAx>
@@ -1980,7 +1980,7 @@
                   <c:v>2.1</c:v>
                 </c:pt>
                 <c:pt idx="2">
-                  <c:v>6.15</c:v>
+                  <c:v>6.149999999999999</c:v>
                 </c:pt>
                 <c:pt idx="3">
                   <c:v>7.85</c:v>
@@ -2082,10 +2082,10 @@
                   <c:v>5.46</c:v>
                 </c:pt>
                 <c:pt idx="36">
-                  <c:v>7.16</c:v>
+                  <c:v>7.159999999999999</c:v>
                 </c:pt>
                 <c:pt idx="37">
-                  <c:v>6.66</c:v>
+                  <c:v>6.659999999999999</c:v>
                 </c:pt>
               </c:numCache>
             </c:numRef>
@@ -2311,13 +2311,13 @@
                   <c:v>-1.65</c:v>
                 </c:pt>
                 <c:pt idx="21">
-                  <c:v>-4.65</c:v>
+                  <c:v>-4.649999999999999</c:v>
                 </c:pt>
                 <c:pt idx="22">
-                  <c:v>-4.65</c:v>
+                  <c:v>-4.649999999999999</c:v>
                 </c:pt>
                 <c:pt idx="23">
-                  <c:v>-5.65</c:v>
+                  <c:v>-5.649999999999999</c:v>
                 </c:pt>
                 <c:pt idx="24">
                   <c:v>-5.4</c:v>
@@ -2638,11 +2638,11 @@
           <c:showBubbleSize val="0"/>
         </c:dLbls>
         <c:smooth val="0"/>
-        <c:axId val="1111818320"/>
-        <c:axId val="1045498016"/>
+        <c:axId val="-64714432"/>
+        <c:axId val="-64712112"/>
       </c:lineChart>
       <c:catAx>
-        <c:axId val="1111818320"/>
+        <c:axId val="-64714432"/>
         <c:scaling>
           <c:orientation val="minMax"/>
         </c:scaling>
@@ -2685,7 +2685,7 @@
             <a:endParaRPr lang="en-US"/>
           </a:p>
         </c:txPr>
-        <c:crossAx val="1045498016"/>
+        <c:crossAx val="-64712112"/>
         <c:crosses val="autoZero"/>
         <c:auto val="1"/>
         <c:lblAlgn val="ctr"/>
@@ -2693,7 +2693,7 @@
         <c:noMultiLvlLbl val="0"/>
       </c:catAx>
       <c:valAx>
-        <c:axId val="1045498016"/>
+        <c:axId val="-64712112"/>
         <c:scaling>
           <c:orientation val="minMax"/>
         </c:scaling>
@@ -2750,7 +2750,7 @@
             <a:endParaRPr lang="en-US"/>
           </a:p>
         </c:txPr>
-        <c:crossAx val="1111818320"/>
+        <c:crossAx val="-64714432"/>
         <c:crosses val="autoZero"/>
         <c:crossBetween val="between"/>
       </c:valAx>
@@ -2880,7 +2880,7 @@
           <c:order val="0"/>
           <c:tx>
             <c:strRef>
-              <c:f>compare_leagues!$A$1</c:f>
+              <c:f>'compare_leagues_2015-2016'!$A$1</c:f>
               <c:strCache>
                 <c:ptCount val="1"/>
                 <c:pt idx="0">
@@ -2903,7 +2903,7 @@
           </c:marker>
           <c:cat>
             <c:numRef>
-              <c:f>compare_leagues!$A$2:$A$39</c:f>
+              <c:f>'compare_leagues_2015-2016'!$A$2:$A$39</c:f>
               <c:numCache>
                 <c:formatCode>General</c:formatCode>
                 <c:ptCount val="38"/>
@@ -3026,7 +3026,7 @@
           </c:cat>
           <c:val>
             <c:numRef>
-              <c:f>compare_leagues!$B$2:$B$39</c:f>
+              <c:f>'compare_leagues_2015-2016'!$B$2:$B$39</c:f>
               <c:numCache>
                 <c:formatCode>General</c:formatCode>
                 <c:ptCount val="38"/>
@@ -3154,7 +3154,7 @@
           <c:order val="1"/>
           <c:tx>
             <c:strRef>
-              <c:f>compare_leagues!$A$40</c:f>
+              <c:f>'compare_leagues_2015-2016'!$A$40</c:f>
               <c:strCache>
                 <c:ptCount val="1"/>
                 <c:pt idx="0">
@@ -3177,7 +3177,7 @@
           </c:marker>
           <c:cat>
             <c:numRef>
-              <c:f>compare_leagues!$A$2:$A$39</c:f>
+              <c:f>'compare_leagues_2015-2016'!$A$2:$A$39</c:f>
               <c:numCache>
                 <c:formatCode>General</c:formatCode>
                 <c:ptCount val="38"/>
@@ -3300,7 +3300,7 @@
           </c:cat>
           <c:val>
             <c:numRef>
-              <c:f>compare_leagues!$B$41:$B$78</c:f>
+              <c:f>'compare_leagues_2015-2016'!$B$41:$B$78</c:f>
               <c:numCache>
                 <c:formatCode>General</c:formatCode>
                 <c:ptCount val="38"/>
@@ -3440,7 +3440,7 @@
           </c:marker>
           <c:cat>
             <c:numRef>
-              <c:f>compare_leagues!$A$2:$A$39</c:f>
+              <c:f>'compare_leagues_2015-2016'!$A$2:$A$39</c:f>
               <c:numCache>
                 <c:formatCode>General</c:formatCode>
                 <c:ptCount val="38"/>
@@ -3563,7 +3563,7 @@
           </c:cat>
           <c:val>
             <c:numRef>
-              <c:f>compare_leagues!$C$2:$C$39</c:f>
+              <c:f>'compare_leagues_2015-2016'!$C$2:$C$39</c:f>
               <c:numCache>
                 <c:formatCode>General</c:formatCode>
                 <c:ptCount val="38"/>
@@ -3691,7 +3691,7 @@
           <c:order val="3"/>
           <c:tx>
             <c:strRef>
-              <c:f>compare_leagues!$A$79</c:f>
+              <c:f>'compare_leagues_2015-2016'!$A$79</c:f>
               <c:strCache>
                 <c:ptCount val="1"/>
                 <c:pt idx="0">
@@ -3714,7 +3714,7 @@
           </c:marker>
           <c:val>
             <c:numRef>
-              <c:f>compare_leagues!$B$80:$B$113</c:f>
+              <c:f>'compare_leagues_2015-2016'!$B$80:$B$113</c:f>
               <c:numCache>
                 <c:formatCode>General</c:formatCode>
                 <c:ptCount val="34"/>
@@ -3830,7 +3830,7 @@
           <c:order val="4"/>
           <c:tx>
             <c:strRef>
-              <c:f>compare_leagues!$A$114</c:f>
+              <c:f>'compare_leagues_2015-2016'!$A$114</c:f>
               <c:strCache>
                 <c:ptCount val="1"/>
                 <c:pt idx="0">
@@ -3853,7 +3853,7 @@
           </c:marker>
           <c:val>
             <c:numRef>
-              <c:f>compare_leagues!$B$115:$B$152</c:f>
+              <c:f>'compare_leagues_2015-2016'!$B$115:$B$152</c:f>
               <c:numCache>
                 <c:formatCode>General</c:formatCode>
                 <c:ptCount val="38"/>
@@ -3981,7 +3981,7 @@
           <c:order val="5"/>
           <c:tx>
             <c:strRef>
-              <c:f>compare_leagues!$A$153</c:f>
+              <c:f>'compare_leagues_2015-2016'!$A$153</c:f>
               <c:strCache>
                 <c:ptCount val="1"/>
                 <c:pt idx="0">
@@ -4004,7 +4004,7 @@
           </c:marker>
           <c:val>
             <c:numRef>
-              <c:f>compare_leagues!$B$154:$B$191</c:f>
+              <c:f>'compare_leagues_2015-2016'!$B$154:$B$191</c:f>
               <c:numCache>
                 <c:formatCode>General</c:formatCode>
                 <c:ptCount val="38"/>
@@ -4136,11 +4136,11 @@
           <c:showBubbleSize val="0"/>
         </c:dLbls>
         <c:smooth val="0"/>
-        <c:axId val="1111731376"/>
-        <c:axId val="920230560"/>
+        <c:axId val="-99313024"/>
+        <c:axId val="-99310272"/>
       </c:lineChart>
       <c:catAx>
-        <c:axId val="1111731376"/>
+        <c:axId val="-99313024"/>
         <c:scaling>
           <c:orientation val="minMax"/>
         </c:scaling>
@@ -4183,7 +4183,7 @@
             <a:endParaRPr lang="en-US"/>
           </a:p>
         </c:txPr>
-        <c:crossAx val="920230560"/>
+        <c:crossAx val="-99310272"/>
         <c:crosses val="autoZero"/>
         <c:auto val="1"/>
         <c:lblAlgn val="ctr"/>
@@ -4191,7 +4191,7 @@
         <c:noMultiLvlLbl val="0"/>
       </c:catAx>
       <c:valAx>
-        <c:axId val="920230560"/>
+        <c:axId val="-99310272"/>
         <c:scaling>
           <c:orientation val="minMax"/>
         </c:scaling>
@@ -4248,7 +4248,7 @@
             <a:endParaRPr lang="en-US"/>
           </a:p>
         </c:txPr>
-        <c:crossAx val="1111731376"/>
+        <c:crossAx val="-99313024"/>
         <c:crosses val="autoZero"/>
         <c:crossBetween val="between"/>
       </c:valAx>
@@ -4736,11 +4736,11 @@
         </c:dLbls>
         <c:gapWidth val="219"/>
         <c:overlap val="-27"/>
-        <c:axId val="840573552"/>
-        <c:axId val="840576304"/>
+        <c:axId val="-63442912"/>
+        <c:axId val="-63440160"/>
       </c:barChart>
       <c:catAx>
-        <c:axId val="840573552"/>
+        <c:axId val="-63442912"/>
         <c:scaling>
           <c:orientation val="minMax"/>
         </c:scaling>
@@ -4783,7 +4783,7 @@
             <a:endParaRPr lang="en-US"/>
           </a:p>
         </c:txPr>
-        <c:crossAx val="840576304"/>
+        <c:crossAx val="-63440160"/>
         <c:crosses val="autoZero"/>
         <c:auto val="1"/>
         <c:lblAlgn val="ctr"/>
@@ -4791,7 +4791,7 @@
         <c:noMultiLvlLbl val="0"/>
       </c:catAx>
       <c:valAx>
-        <c:axId val="840576304"/>
+        <c:axId val="-63440160"/>
         <c:scaling>
           <c:orientation val="minMax"/>
         </c:scaling>
@@ -4842,7 +4842,7 @@
             <a:endParaRPr lang="en-US"/>
           </a:p>
         </c:txPr>
-        <c:crossAx val="840573552"/>
+        <c:crossAx val="-63442912"/>
         <c:crosses val="autoZero"/>
         <c:crossBetween val="between"/>
       </c:valAx>
@@ -5294,11 +5294,11 @@
         </c:dLbls>
         <c:gapWidth val="219"/>
         <c:overlap val="-27"/>
-        <c:axId val="840601456"/>
-        <c:axId val="840604208"/>
+        <c:axId val="-63415392"/>
+        <c:axId val="-63412640"/>
       </c:barChart>
       <c:catAx>
-        <c:axId val="840601456"/>
+        <c:axId val="-63415392"/>
         <c:scaling>
           <c:orientation val="minMax"/>
         </c:scaling>
@@ -5341,7 +5341,7 @@
             <a:endParaRPr lang="en-US"/>
           </a:p>
         </c:txPr>
-        <c:crossAx val="840604208"/>
+        <c:crossAx val="-63412640"/>
         <c:crosses val="autoZero"/>
         <c:auto val="1"/>
         <c:lblAlgn val="ctr"/>
@@ -5349,7 +5349,7 @@
         <c:noMultiLvlLbl val="0"/>
       </c:catAx>
       <c:valAx>
-        <c:axId val="840604208"/>
+        <c:axId val="-63412640"/>
         <c:scaling>
           <c:orientation val="minMax"/>
         </c:scaling>
@@ -5400,7 +5400,7 @@
             <a:endParaRPr lang="en-US"/>
           </a:p>
         </c:txPr>
-        <c:crossAx val="840601456"/>
+        <c:crossAx val="-63415392"/>
         <c:crosses val="autoZero"/>
         <c:crossBetween val="between"/>
       </c:valAx>
@@ -5744,11 +5744,11 @@
         </c:dLbls>
         <c:gapWidth val="219"/>
         <c:overlap val="-27"/>
-        <c:axId val="840631424"/>
-        <c:axId val="840634688"/>
+        <c:axId val="-63393152"/>
+        <c:axId val="-63390160"/>
       </c:barChart>
       <c:catAx>
-        <c:axId val="840631424"/>
+        <c:axId val="-63393152"/>
         <c:scaling>
           <c:orientation val="minMax"/>
         </c:scaling>
@@ -5757,7 +5757,7 @@
         <c:majorTickMark val="none"/>
         <c:minorTickMark val="none"/>
         <c:tickLblPos val="nextTo"/>
-        <c:crossAx val="840634688"/>
+        <c:crossAx val="-63390160"/>
         <c:crosses val="autoZero"/>
         <c:auto val="1"/>
         <c:lblAlgn val="ctr"/>
@@ -5765,7 +5765,7 @@
         <c:noMultiLvlLbl val="0"/>
       </c:catAx>
       <c:valAx>
-        <c:axId val="840634688"/>
+        <c:axId val="-63390160"/>
         <c:scaling>
           <c:orientation val="minMax"/>
           <c:max val="0.6"/>
@@ -5817,7 +5817,7 @@
             <a:endParaRPr lang="en-US"/>
           </a:p>
         </c:txPr>
-        <c:crossAx val="840631424"/>
+        <c:crossAx val="-63393152"/>
         <c:crosses val="autoZero"/>
         <c:crossBetween val="between"/>
       </c:valAx>
@@ -6174,11 +6174,11 @@
         </c:dLbls>
         <c:gapWidth val="219"/>
         <c:overlap val="-27"/>
-        <c:axId val="840666144"/>
-        <c:axId val="840669408"/>
+        <c:axId val="-63358688"/>
+        <c:axId val="-63355424"/>
       </c:barChart>
       <c:catAx>
-        <c:axId val="840666144"/>
+        <c:axId val="-63358688"/>
         <c:scaling>
           <c:orientation val="minMax"/>
         </c:scaling>
@@ -6220,7 +6220,7 @@
             <a:endParaRPr lang="en-US"/>
           </a:p>
         </c:txPr>
-        <c:crossAx val="840669408"/>
+        <c:crossAx val="-63355424"/>
         <c:crosses val="autoZero"/>
         <c:auto val="1"/>
         <c:lblAlgn val="ctr"/>
@@ -6228,7 +6228,7 @@
         <c:noMultiLvlLbl val="0"/>
       </c:catAx>
       <c:valAx>
-        <c:axId val="840669408"/>
+        <c:axId val="-63355424"/>
         <c:scaling>
           <c:orientation val="minMax"/>
         </c:scaling>
@@ -6279,7 +6279,7 @@
             <a:endParaRPr lang="en-US"/>
           </a:p>
         </c:txPr>
-        <c:crossAx val="840666144"/>
+        <c:crossAx val="-63358688"/>
         <c:crosses val="autoZero"/>
         <c:crossBetween val="between"/>
       </c:valAx>
@@ -6480,7 +6480,7 @@
                   <c:v>94.436521766471</c:v>
                 </c:pt>
                 <c:pt idx="3">
-                  <c:v>46.30703128724321</c:v>
+                  <c:v>46.30703128724319</c:v>
                 </c:pt>
                 <c:pt idx="4">
                   <c:v>17.03002005892695</c:v>
@@ -6508,11 +6508,11 @@
         </c:dLbls>
         <c:gapWidth val="219"/>
         <c:overlap val="-27"/>
-        <c:axId val="840721200"/>
-        <c:axId val="840723952"/>
+        <c:axId val="-99500768"/>
+        <c:axId val="-99498448"/>
       </c:barChart>
       <c:catAx>
-        <c:axId val="840721200"/>
+        <c:axId val="-99500768"/>
         <c:scaling>
           <c:orientation val="minMax"/>
         </c:scaling>
@@ -6555,7 +6555,7 @@
             <a:endParaRPr lang="en-US"/>
           </a:p>
         </c:txPr>
-        <c:crossAx val="840723952"/>
+        <c:crossAx val="-99498448"/>
         <c:crosses val="autoZero"/>
         <c:auto val="1"/>
         <c:lblAlgn val="ctr"/>
@@ -6563,7 +6563,7 @@
         <c:noMultiLvlLbl val="0"/>
       </c:catAx>
       <c:valAx>
-        <c:axId val="840723952"/>
+        <c:axId val="-99498448"/>
         <c:scaling>
           <c:orientation val="minMax"/>
         </c:scaling>
@@ -6583,6 +6583,7 @@
             <a:effectLst/>
           </c:spPr>
         </c:majorGridlines>
+        <c:numFmt formatCode="General" sourceLinked="0"/>
         <c:majorTickMark val="none"/>
         <c:minorTickMark val="none"/>
         <c:tickLblPos val="nextTo"/>
@@ -6613,7 +6614,7 @@
             <a:endParaRPr lang="en-US"/>
           </a:p>
         </c:txPr>
-        <c:crossAx val="840721200"/>
+        <c:crossAx val="-99500768"/>
         <c:crosses val="autoZero"/>
         <c:crossBetween val="between"/>
       </c:valAx>
@@ -6627,7 +6628,6 @@
     </c:plotArea>
     <c:legend>
       <c:legendPos val="b"/>
-      <c:layout/>
       <c:overlay val="0"/>
       <c:spPr>
         <a:noFill/>
@@ -6866,7 +6866,7 @@
                   <c:v>139.0719678394247</c:v>
                 </c:pt>
                 <c:pt idx="2">
-                  <c:v>76.85556117441892</c:v>
+                  <c:v>76.8555611744189</c:v>
                 </c:pt>
                 <c:pt idx="3">
                   <c:v>28.31520674847013</c:v>
@@ -6897,11 +6897,11 @@
         </c:dLbls>
         <c:gapWidth val="219"/>
         <c:overlap val="-27"/>
-        <c:axId val="840745424"/>
-        <c:axId val="840748176"/>
+        <c:axId val="-99467120"/>
+        <c:axId val="-99464800"/>
       </c:barChart>
       <c:catAx>
-        <c:axId val="840745424"/>
+        <c:axId val="-99467120"/>
         <c:scaling>
           <c:orientation val="minMax"/>
         </c:scaling>
@@ -6944,7 +6944,7 @@
             <a:endParaRPr lang="en-US"/>
           </a:p>
         </c:txPr>
-        <c:crossAx val="840748176"/>
+        <c:crossAx val="-99464800"/>
         <c:crosses val="autoZero"/>
         <c:auto val="1"/>
         <c:lblAlgn val="ctr"/>
@@ -6952,7 +6952,7 @@
         <c:noMultiLvlLbl val="0"/>
       </c:catAx>
       <c:valAx>
-        <c:axId val="840748176"/>
+        <c:axId val="-99464800"/>
         <c:scaling>
           <c:orientation val="minMax"/>
         </c:scaling>
@@ -6972,6 +6972,7 @@
             <a:effectLst/>
           </c:spPr>
         </c:majorGridlines>
+        <c:numFmt formatCode="General" sourceLinked="0"/>
         <c:majorTickMark val="none"/>
         <c:minorTickMark val="none"/>
         <c:tickLblPos val="nextTo"/>
@@ -7002,7 +7003,7 @@
             <a:endParaRPr lang="en-US"/>
           </a:p>
         </c:txPr>
-        <c:crossAx val="840745424"/>
+        <c:crossAx val="-99467120"/>
         <c:crosses val="autoZero"/>
         <c:crossBetween val="between"/>
       </c:valAx>
@@ -7016,7 +7017,6 @@
     </c:plotArea>
     <c:legend>
       <c:legendPos val="b"/>
-      <c:layout/>
       <c:overlay val="0"/>
       <c:spPr>
         <a:noFill/>
@@ -7582,7 +7582,7 @@
                   <c:v>-5.05</c:v>
                 </c:pt>
                 <c:pt idx="1">
-                  <c:v>-4.15</c:v>
+                  <c:v>-4.149999999999999</c:v>
                 </c:pt>
                 <c:pt idx="2">
                   <c:v>-6.5</c:v>
@@ -7615,7 +7615,7 @@
                   <c:v>-4.09</c:v>
                 </c:pt>
                 <c:pt idx="12">
-                  <c:v>-6.19</c:v>
+                  <c:v>-6.189999999999999</c:v>
                 </c:pt>
                 <c:pt idx="13">
                   <c:v>-11.0</c:v>
@@ -7633,7 +7633,7 @@
                   <c:v>-11.22</c:v>
                 </c:pt>
                 <c:pt idx="18">
-                  <c:v>-7.62</c:v>
+                  <c:v>-7.619999999999999</c:v>
                 </c:pt>
                 <c:pt idx="19">
                   <c:v>-10.96</c:v>
@@ -7684,10 +7684,10 @@
                   <c:v>-7.23</c:v>
                 </c:pt>
                 <c:pt idx="35">
-                  <c:v>-4.19</c:v>
+                  <c:v>-4.189999999999999</c:v>
                 </c:pt>
                 <c:pt idx="36">
-                  <c:v>-6.11</c:v>
+                  <c:v>-6.109999999999999</c:v>
                 </c:pt>
                 <c:pt idx="37">
                   <c:v>-9.56</c:v>
@@ -7969,11 +7969,11 @@
           <c:showBubbleSize val="0"/>
         </c:dLbls>
         <c:smooth val="0"/>
-        <c:axId val="1517957056"/>
-        <c:axId val="1517976544"/>
+        <c:axId val="-63295792"/>
+        <c:axId val="-63293040"/>
       </c:lineChart>
       <c:catAx>
-        <c:axId val="1517957056"/>
+        <c:axId val="-63295792"/>
         <c:scaling>
           <c:orientation val="minMax"/>
         </c:scaling>
@@ -8016,7 +8016,7 @@
             <a:endParaRPr lang="en-US"/>
           </a:p>
         </c:txPr>
-        <c:crossAx val="1517976544"/>
+        <c:crossAx val="-63293040"/>
         <c:crosses val="autoZero"/>
         <c:auto val="1"/>
         <c:lblAlgn val="ctr"/>
@@ -8024,7 +8024,7 @@
         <c:noMultiLvlLbl val="0"/>
       </c:catAx>
       <c:valAx>
-        <c:axId val="1517976544"/>
+        <c:axId val="-63293040"/>
         <c:scaling>
           <c:orientation val="minMax"/>
         </c:scaling>
@@ -8080,7 +8080,7 @@
             <a:endParaRPr lang="en-US"/>
           </a:p>
         </c:txPr>
-        <c:crossAx val="1517957056"/>
+        <c:crossAx val="-63295792"/>
         <c:crosses val="autoZero"/>
         <c:crossBetween val="between"/>
       </c:valAx>
@@ -8653,7 +8653,7 @@
                   <c:v>-4.29</c:v>
                 </c:pt>
                 <c:pt idx="9">
-                  <c:v>-7.69</c:v>
+                  <c:v>-7.689999999999999</c:v>
                 </c:pt>
                 <c:pt idx="10">
                   <c:v>-6.99</c:v>
@@ -9016,11 +9016,11 @@
           <c:showBubbleSize val="0"/>
         </c:dLbls>
         <c:smooth val="0"/>
-        <c:axId val="1112040336"/>
-        <c:axId val="1111994624"/>
+        <c:axId val="-63266784"/>
+        <c:axId val="-63264032"/>
       </c:lineChart>
       <c:catAx>
-        <c:axId val="1112040336"/>
+        <c:axId val="-63266784"/>
         <c:scaling>
           <c:orientation val="minMax"/>
         </c:scaling>
@@ -9063,7 +9063,7 @@
             <a:endParaRPr lang="en-US"/>
           </a:p>
         </c:txPr>
-        <c:crossAx val="1111994624"/>
+        <c:crossAx val="-63264032"/>
         <c:crosses val="autoZero"/>
         <c:auto val="1"/>
         <c:lblAlgn val="ctr"/>
@@ -9071,7 +9071,7 @@
         <c:noMultiLvlLbl val="0"/>
       </c:catAx>
       <c:valAx>
-        <c:axId val="1111994624"/>
+        <c:axId val="-63264032"/>
         <c:scaling>
           <c:orientation val="minMax"/>
         </c:scaling>
@@ -9128,7 +9128,7 @@
             <a:endParaRPr lang="en-US"/>
           </a:p>
         </c:txPr>
-        <c:crossAx val="1112040336"/>
+        <c:crossAx val="-63266784"/>
         <c:crosses val="autoZero"/>
         <c:crossBetween val="between"/>
       </c:valAx>
@@ -21693,7 +21693,7 @@
           <a:p>
             <a:fld id="{2CF913E4-21D6-454A-9B7B-BE459B1334D7}" type="datetimeFigureOut">
               <a:rPr lang="en-US" smtClean="0"/>
-              <a:t>3/21/17</a:t>
+              <a:t>3/22/17</a:t>
             </a:fld>
             <a:endParaRPr lang="en-US"/>
           </a:p>
@@ -22924,6 +22924,90 @@
           <a:bodyPr/>
           <a:lstStyle/>
           <a:p>
+            <a:endParaRPr lang="en-US" dirty="0"/>
+          </a:p>
+        </p:txBody>
+      </p:sp>
+      <p:sp>
+        <p:nvSpPr>
+          <p:cNvPr id="4" name="Slide Number Placeholder 3"/>
+          <p:cNvSpPr>
+            <a:spLocks noGrp="1"/>
+          </p:cNvSpPr>
+          <p:nvPr>
+            <p:ph type="sldNum" sz="quarter" idx="10"/>
+          </p:nvPr>
+        </p:nvSpPr>
+        <p:spPr/>
+        <p:txBody>
+          <a:bodyPr/>
+          <a:lstStyle/>
+          <a:p>
+            <a:fld id="{E6C22B83-ABD6-0F43-B818-DC95DF684F80}" type="slidenum">
+              <a:rPr lang="en-US" smtClean="0"/>
+              <a:t>11</a:t>
+            </a:fld>
+            <a:endParaRPr lang="en-US"/>
+          </a:p>
+        </p:txBody>
+      </p:sp>
+    </p:spTree>
+    <p:extLst>
+      <p:ext uri="{BB962C8B-B14F-4D97-AF65-F5344CB8AC3E}">
+        <p14:creationId xmlns:p14="http://schemas.microsoft.com/office/powerpoint/2010/main" val="891026725"/>
+      </p:ext>
+    </p:extLst>
+  </p:cSld>
+  <p:clrMapOvr>
+    <a:masterClrMapping/>
+  </p:clrMapOvr>
+</p:notes>
+</file>
+
+<file path=ppt/notesSlides/notesSlide6.xml><?xml version="1.0" encoding="utf-8"?>
+<p:notes xmlns:a="http://schemas.openxmlformats.org/drawingml/2006/main" xmlns:r="http://schemas.openxmlformats.org/officeDocument/2006/relationships" xmlns:p="http://schemas.openxmlformats.org/presentationml/2006/main">
+  <p:cSld>
+    <p:spTree>
+      <p:nvGrpSpPr>
+        <p:cNvPr id="1" name=""/>
+        <p:cNvGrpSpPr/>
+        <p:nvPr/>
+      </p:nvGrpSpPr>
+      <p:grpSpPr>
+        <a:xfrm>
+          <a:off x="0" y="0"/>
+          <a:ext cx="0" cy="0"/>
+          <a:chOff x="0" y="0"/>
+          <a:chExt cx="0" cy="0"/>
+        </a:xfrm>
+      </p:grpSpPr>
+      <p:sp>
+        <p:nvSpPr>
+          <p:cNvPr id="2" name="Slide Image Placeholder 1"/>
+          <p:cNvSpPr>
+            <a:spLocks noGrp="1" noRot="1" noChangeAspect="1"/>
+          </p:cNvSpPr>
+          <p:nvPr>
+            <p:ph type="sldImg"/>
+          </p:nvPr>
+        </p:nvSpPr>
+        <p:spPr/>
+      </p:sp>
+      <p:sp>
+        <p:nvSpPr>
+          <p:cNvPr id="3" name="Notes Placeholder 2"/>
+          <p:cNvSpPr>
+            <a:spLocks noGrp="1"/>
+          </p:cNvSpPr>
+          <p:nvPr>
+            <p:ph type="body" idx="1"/>
+          </p:nvPr>
+        </p:nvSpPr>
+        <p:spPr/>
+        <p:txBody>
+          <a:bodyPr/>
+          <a:lstStyle/>
+          <a:p>
             <a:pPr marL="0" marR="0" indent="0" algn="l" defTabSz="914400" rtl="0" eaLnBrk="1" fontAlgn="auto" latinLnBrk="0" hangingPunct="1">
               <a:lnSpc>
                 <a:spcPct val="100000"/>
@@ -23282,7 +23366,7 @@
 </p:notes>
 </file>
 
-<file path=ppt/notesSlides/notesSlide6.xml><?xml version="1.0" encoding="utf-8"?>
+<file path=ppt/notesSlides/notesSlide7.xml><?xml version="1.0" encoding="utf-8"?>
 <p:notes xmlns:a="http://schemas.openxmlformats.org/drawingml/2006/main" xmlns:r="http://schemas.openxmlformats.org/officeDocument/2006/relationships" xmlns:p="http://schemas.openxmlformats.org/presentationml/2006/main">
   <p:cSld>
     <p:spTree>
@@ -23987,7 +24071,7 @@
 </p:notes>
 </file>
 
-<file path=ppt/notesSlides/notesSlide7.xml><?xml version="1.0" encoding="utf-8"?>
+<file path=ppt/notesSlides/notesSlide8.xml><?xml version="1.0" encoding="utf-8"?>
 <p:notes xmlns:a="http://schemas.openxmlformats.org/drawingml/2006/main" xmlns:r="http://schemas.openxmlformats.org/officeDocument/2006/relationships" xmlns:p="http://schemas.openxmlformats.org/presentationml/2006/main">
   <p:cSld>
     <p:spTree>
@@ -24241,7 +24325,7 @@
           <a:p>
             <a:fld id="{E244C58A-5871-1749-BADD-ABDAF70FC583}" type="datetimeFigureOut">
               <a:rPr lang="en-US" smtClean="0"/>
-              <a:t>3/21/17</a:t>
+              <a:t>3/22/17</a:t>
             </a:fld>
             <a:endParaRPr lang="en-US"/>
           </a:p>
@@ -24503,7 +24587,7 @@
           <a:p>
             <a:fld id="{E244C58A-5871-1749-BADD-ABDAF70FC583}" type="datetimeFigureOut">
               <a:rPr lang="en-US" smtClean="0"/>
-              <a:t>3/21/17</a:t>
+              <a:t>3/22/17</a:t>
             </a:fld>
             <a:endParaRPr lang="en-US"/>
           </a:p>
@@ -24729,7 +24813,7 @@
           <a:p>
             <a:fld id="{E244C58A-5871-1749-BADD-ABDAF70FC583}" type="datetimeFigureOut">
               <a:rPr lang="en-US" smtClean="0"/>
-              <a:t>3/21/17</a:t>
+              <a:t>3/22/17</a:t>
             </a:fld>
             <a:endParaRPr lang="en-US"/>
           </a:p>
@@ -25034,7 +25118,7 @@
           <a:p>
             <a:fld id="{E244C58A-5871-1749-BADD-ABDAF70FC583}" type="datetimeFigureOut">
               <a:rPr lang="en-US" smtClean="0"/>
-              <a:t>3/21/17</a:t>
+              <a:t>3/22/17</a:t>
             </a:fld>
             <a:endParaRPr lang="en-US"/>
           </a:p>
@@ -25502,7 +25586,7 @@
           <a:p>
             <a:fld id="{E244C58A-5871-1749-BADD-ABDAF70FC583}" type="datetimeFigureOut">
               <a:rPr lang="en-US" smtClean="0"/>
-              <a:t>3/21/17</a:t>
+              <a:t>3/22/17</a:t>
             </a:fld>
             <a:endParaRPr lang="en-US"/>
           </a:p>
@@ -26044,7 +26128,7 @@
           <a:p>
             <a:fld id="{E244C58A-5871-1749-BADD-ABDAF70FC583}" type="datetimeFigureOut">
               <a:rPr lang="en-US" smtClean="0"/>
-              <a:t>3/21/17</a:t>
+              <a:t>3/22/17</a:t>
             </a:fld>
             <a:endParaRPr lang="en-US"/>
           </a:p>
@@ -26813,7 +26897,7 @@
           <a:p>
             <a:fld id="{E244C58A-5871-1749-BADD-ABDAF70FC583}" type="datetimeFigureOut">
               <a:rPr lang="en-US" smtClean="0"/>
-              <a:t>3/21/17</a:t>
+              <a:t>3/22/17</a:t>
             </a:fld>
             <a:endParaRPr lang="en-US"/>
           </a:p>
@@ -26983,7 +27067,7 @@
           <a:p>
             <a:fld id="{E244C58A-5871-1749-BADD-ABDAF70FC583}" type="datetimeFigureOut">
               <a:rPr lang="en-US" smtClean="0"/>
-              <a:t>3/21/17</a:t>
+              <a:t>3/22/17</a:t>
             </a:fld>
             <a:endParaRPr lang="en-US"/>
           </a:p>
@@ -27201,7 +27285,7 @@
           <a:p>
             <a:fld id="{E244C58A-5871-1749-BADD-ABDAF70FC583}" type="datetimeFigureOut">
               <a:rPr lang="en-US" smtClean="0"/>
-              <a:t>3/21/17</a:t>
+              <a:t>3/22/17</a:t>
             </a:fld>
             <a:endParaRPr lang="en-US"/>
           </a:p>
@@ -27376,7 +27460,7 @@
           <a:p>
             <a:fld id="{E244C58A-5871-1749-BADD-ABDAF70FC583}" type="datetimeFigureOut">
               <a:rPr lang="en-US" smtClean="0"/>
-              <a:t>3/21/17</a:t>
+              <a:t>3/22/17</a:t>
             </a:fld>
             <a:endParaRPr lang="en-US"/>
           </a:p>
@@ -27660,7 +27744,7 @@
           <a:p>
             <a:fld id="{E244C58A-5871-1749-BADD-ABDAF70FC583}" type="datetimeFigureOut">
               <a:rPr lang="en-US" smtClean="0"/>
-              <a:t>3/21/17</a:t>
+              <a:t>3/22/17</a:t>
             </a:fld>
             <a:endParaRPr lang="en-US"/>
           </a:p>
@@ -27897,7 +27981,7 @@
           <a:p>
             <a:fld id="{E244C58A-5871-1749-BADD-ABDAF70FC583}" type="datetimeFigureOut">
               <a:rPr lang="en-US" smtClean="0"/>
-              <a:t>3/21/17</a:t>
+              <a:t>3/22/17</a:t>
             </a:fld>
             <a:endParaRPr lang="en-US"/>
           </a:p>
@@ -28271,7 +28355,7 @@
           <a:p>
             <a:fld id="{E244C58A-5871-1749-BADD-ABDAF70FC583}" type="datetimeFigureOut">
               <a:rPr lang="en-US" smtClean="0"/>
-              <a:t>3/21/17</a:t>
+              <a:t>3/22/17</a:t>
             </a:fld>
             <a:endParaRPr lang="en-US"/>
           </a:p>
@@ -28384,7 +28468,7 @@
           <a:p>
             <a:fld id="{E244C58A-5871-1749-BADD-ABDAF70FC583}" type="datetimeFigureOut">
               <a:rPr lang="en-US" smtClean="0"/>
-              <a:t>3/21/17</a:t>
+              <a:t>3/22/17</a:t>
             </a:fld>
             <a:endParaRPr lang="en-US"/>
           </a:p>
@@ -28474,7 +28558,7 @@
           <a:p>
             <a:fld id="{E244C58A-5871-1749-BADD-ABDAF70FC583}" type="datetimeFigureOut">
               <a:rPr lang="en-US" smtClean="0"/>
-              <a:t>3/21/17</a:t>
+              <a:t>3/22/17</a:t>
             </a:fld>
             <a:endParaRPr lang="en-US"/>
           </a:p>
@@ -28718,7 +28802,7 @@
           <a:p>
             <a:fld id="{E244C58A-5871-1749-BADD-ABDAF70FC583}" type="datetimeFigureOut">
               <a:rPr lang="en-US" smtClean="0"/>
-              <a:t>3/21/17</a:t>
+              <a:t>3/22/17</a:t>
             </a:fld>
             <a:endParaRPr lang="en-US"/>
           </a:p>
@@ -28970,7 +29054,7 @@
           <a:p>
             <a:fld id="{E244C58A-5871-1749-BADD-ABDAF70FC583}" type="datetimeFigureOut">
               <a:rPr lang="en-US" smtClean="0"/>
-              <a:t>3/21/17</a:t>
+              <a:t>3/22/17</a:t>
             </a:fld>
             <a:endParaRPr lang="en-US"/>
           </a:p>
@@ -29208,7 +29292,7 @@
           <a:p>
             <a:fld id="{E244C58A-5871-1749-BADD-ABDAF70FC583}" type="datetimeFigureOut">
               <a:rPr lang="en-US" smtClean="0"/>
-              <a:t>3/21/17</a:t>
+              <a:t>3/22/17</a:t>
             </a:fld>
             <a:endParaRPr lang="en-US"/>
           </a:p>
@@ -29896,7 +29980,7 @@
         </p:xfrm>
         <a:graphic>
           <a:graphicData uri="http://schemas.openxmlformats.org/drawingml/2006/chart">
-            <c:chart xmlns:c="http://schemas.openxmlformats.org/drawingml/2006/chart" xmlns:r="http://schemas.openxmlformats.org/officeDocument/2006/relationships" r:id="rId2"/>
+            <c:chart xmlns:c="http://schemas.openxmlformats.org/drawingml/2006/chart" xmlns:r="http://schemas.openxmlformats.org/officeDocument/2006/relationships" r:id="rId3"/>
           </a:graphicData>
         </a:graphic>
       </p:graphicFrame>
@@ -29920,7 +30004,7 @@
         </p:xfrm>
         <a:graphic>
           <a:graphicData uri="http://schemas.openxmlformats.org/drawingml/2006/chart">
-            <c:chart xmlns:c="http://schemas.openxmlformats.org/drawingml/2006/chart" xmlns:r="http://schemas.openxmlformats.org/officeDocument/2006/relationships" r:id="rId3"/>
+            <c:chart xmlns:c="http://schemas.openxmlformats.org/drawingml/2006/chart" xmlns:r="http://schemas.openxmlformats.org/officeDocument/2006/relationships" r:id="rId4"/>
           </a:graphicData>
         </a:graphic>
       </p:graphicFrame>
@@ -30887,8 +30971,8 @@
           </a:p>
         </p:txBody>
       </p:sp>
-      <mc:AlternateContent xmlns:mc="http://schemas.openxmlformats.org/markup-compatibility/2006">
-        <mc:Choice xmlns:a14="http://schemas.microsoft.com/office/drawing/2010/main" Requires="a14">
+      <mc:AlternateContent xmlns:mc="http://schemas.openxmlformats.org/markup-compatibility/2006" xmlns:a14="http://schemas.microsoft.com/office/drawing/2010/main">
+        <mc:Choice Requires="a14">
           <p:sp>
             <p:nvSpPr>
               <p:cNvPr id="3" name="Content Placeholder 2"/>
@@ -30925,28 +31009,38 @@
                 <a14:m>
                   <m:oMath xmlns:m="http://schemas.openxmlformats.org/officeDocument/2006/math">
                     <m:r>
-                      <a:rPr lang="en-GB" i="1"/>
+                      <a:rPr lang="en-GB" i="1">
+                        <a:latin typeface="Cambria Math" charset="0"/>
+                      </a:rPr>
                       <m:t>𝑝</m:t>
                     </m:r>
                     <m:r>
-                      <a:rPr lang="en-GB" i="1"/>
+                      <a:rPr lang="en-GB" i="1">
+                        <a:latin typeface="Cambria Math" charset="0"/>
+                      </a:rPr>
                       <m:t>&gt;</m:t>
                     </m:r>
                     <m:f>
                       <m:fPr>
                         <m:ctrlPr>
-                          <a:rPr lang="en-GB" i="1"/>
+                          <a:rPr lang="en-GB" i="1">
+                            <a:latin typeface="Cambria Math" charset="0"/>
+                          </a:rPr>
                         </m:ctrlPr>
                       </m:fPr>
                       <m:num>
                         <m:r>
-                          <a:rPr lang="en-GB" i="1"/>
+                          <a:rPr lang="en-GB" i="1">
+                            <a:latin typeface="Cambria Math" charset="0"/>
+                          </a:rPr>
                           <m:t>1</m:t>
                         </m:r>
                       </m:num>
                       <m:den>
                         <m:r>
-                          <a:rPr lang="en-GB" i="1"/>
+                          <a:rPr lang="en-GB" i="1">
+                            <a:latin typeface="Cambria Math" charset="0"/>
+                          </a:rPr>
                           <m:t>𝑥</m:t>
                         </m:r>
                       </m:den>
@@ -30981,7 +31075,7 @@
             </p:txBody>
           </p:sp>
         </mc:Choice>
-        <mc:Fallback>
+        <mc:Fallback xmlns="">
           <p:sp>
             <p:nvSpPr>
               <p:cNvPr id="3" name="Content Placeholder 2"/>
@@ -31061,8 +31155,16 @@
           <a:lstStyle/>
           <a:p>
             <a:r>
+              <a:rPr lang="en-US" dirty="0" err="1" smtClean="0"/>
+              <a:t>Serie</a:t>
+            </a:r>
+            <a:r>
               <a:rPr lang="en-US" dirty="0" smtClean="0"/>
-              <a:t>Money Loss</a:t>
+              <a:t> A: Money </a:t>
+            </a:r>
+            <a:r>
+              <a:rPr lang="en-US" dirty="0" smtClean="0"/>
+              <a:t>Loss</a:t>
             </a:r>
             <a:endParaRPr lang="en-US" dirty="0"/>
           </a:p>
@@ -31223,7 +31325,7 @@
           <p:nvPr>
             <p:extLst>
               <p:ext uri="{D42A27DB-BD31-4B8C-83A1-F6EECF244321}">
-                <p14:modId xmlns:p14="http://schemas.microsoft.com/office/powerpoint/2010/main" val="686036131"/>
+                <p14:modId xmlns:p14="http://schemas.microsoft.com/office/powerpoint/2010/main" val="1533174045"/>
               </p:ext>
             </p:extLst>
           </p:nvPr>

--- a/TODO/spa_presentation.pptx
+++ b/TODO/spa_presentation.pptx
@@ -5,7 +5,7 @@
     <p:sldMasterId id="2147483713" r:id="rId1"/>
   </p:sldMasterIdLst>
   <p:notesMasterIdLst>
-    <p:notesMasterId r:id="rId19"/>
+    <p:notesMasterId r:id="rId21"/>
   </p:notesMasterIdLst>
   <p:sldIdLst>
     <p:sldId id="256" r:id="rId2"/>
@@ -24,7 +24,9 @@
     <p:sldId id="270" r:id="rId15"/>
     <p:sldId id="271" r:id="rId16"/>
     <p:sldId id="272" r:id="rId17"/>
-    <p:sldId id="263" r:id="rId18"/>
+    <p:sldId id="274" r:id="rId18"/>
+    <p:sldId id="273" r:id="rId19"/>
+    <p:sldId id="263" r:id="rId20"/>
   </p:sldIdLst>
   <p:sldSz cx="12192000" cy="6858000"/>
   <p:notesSz cx="6858000" cy="9144000"/>
@@ -4281,6 +4283,653 @@
         <a:p>
           <a:pPr>
             <a:defRPr sz="900" b="0" i="0" u="none" strike="noStrike" kern="1200" baseline="0">
+              <a:solidFill>
+                <a:schemeClr val="tx1">
+                  <a:lumMod val="65000"/>
+                  <a:lumOff val="35000"/>
+                </a:schemeClr>
+              </a:solidFill>
+              <a:latin typeface="+mn-lt"/>
+              <a:ea typeface="+mn-ea"/>
+              <a:cs typeface="+mn-cs"/>
+            </a:defRPr>
+          </a:pPr>
+          <a:endParaRPr lang="en-US"/>
+        </a:p>
+      </c:txPr>
+    </c:legend>
+    <c:plotVisOnly val="1"/>
+    <c:dispBlanksAs val="gap"/>
+    <c:showDLblsOverMax val="0"/>
+  </c:chart>
+  <c:spPr>
+    <a:noFill/>
+    <a:ln>
+      <a:noFill/>
+    </a:ln>
+    <a:effectLst/>
+  </c:spPr>
+  <c:txPr>
+    <a:bodyPr/>
+    <a:lstStyle/>
+    <a:p>
+      <a:pPr>
+        <a:defRPr/>
+      </a:pPr>
+      <a:endParaRPr lang="en-US"/>
+    </a:p>
+  </c:txPr>
+  <c:externalData r:id="rId3">
+    <c:autoUpdate val="0"/>
+  </c:externalData>
+</c:chartSpace>
+</file>
+
+<file path=ppt/charts/chart13.xml><?xml version="1.0" encoding="utf-8"?>
+<c:chartSpace xmlns:c="http://schemas.openxmlformats.org/drawingml/2006/chart" xmlns:a="http://schemas.openxmlformats.org/drawingml/2006/main" xmlns:r="http://schemas.openxmlformats.org/officeDocument/2006/relationships">
+  <c:date1904 val="0"/>
+  <c:lang val="en-US"/>
+  <c:roundedCorners val="0"/>
+  <mc:AlternateContent xmlns:mc="http://schemas.openxmlformats.org/markup-compatibility/2006">
+    <mc:Choice xmlns:c14="http://schemas.microsoft.com/office/drawing/2007/8/2/chart" Requires="c14">
+      <c14:style val="102"/>
+    </mc:Choice>
+    <mc:Fallback>
+      <c:style val="2"/>
+    </mc:Fallback>
+  </mc:AlternateContent>
+  <c:chart>
+    <c:autoTitleDeleted val="0"/>
+    <c:plotArea>
+      <c:layout>
+        <c:manualLayout>
+          <c:layoutTarget val="inner"/>
+          <c:xMode val="edge"/>
+          <c:yMode val="edge"/>
+          <c:x val="0.0461339054983166"/>
+          <c:y val="0.284335083114611"/>
+          <c:w val="0.937472669321127"/>
+          <c:h val="0.637525010460649"/>
+        </c:manualLayout>
+      </c:layout>
+      <c:barChart>
+        <c:barDir val="col"/>
+        <c:grouping val="clustered"/>
+        <c:varyColors val="0"/>
+        <c:ser>
+          <c:idx val="1"/>
+          <c:order val="0"/>
+          <c:tx>
+            <c:strRef>
+              <c:f>Sheet2!$B$2</c:f>
+              <c:strCache>
+                <c:ptCount val="1"/>
+                <c:pt idx="0">
+                  <c:v>England Premier League</c:v>
+                </c:pt>
+              </c:strCache>
+            </c:strRef>
+          </c:tx>
+          <c:spPr>
+            <a:solidFill>
+              <a:schemeClr val="accent4"/>
+            </a:solidFill>
+            <a:ln>
+              <a:noFill/>
+            </a:ln>
+            <a:effectLst/>
+          </c:spPr>
+          <c:invertIfNegative val="0"/>
+          <c:cat>
+            <c:strRef>
+              <c:f>Sheet2!$A$2:$A$8</c:f>
+              <c:strCache>
+                <c:ptCount val="7"/>
+                <c:pt idx="0">
+                  <c:v>2009/2010</c:v>
+                </c:pt>
+                <c:pt idx="1">
+                  <c:v>2010/2011</c:v>
+                </c:pt>
+                <c:pt idx="2">
+                  <c:v>2011/2012</c:v>
+                </c:pt>
+                <c:pt idx="3">
+                  <c:v>2012/2013</c:v>
+                </c:pt>
+                <c:pt idx="4">
+                  <c:v>2013/2014</c:v>
+                </c:pt>
+                <c:pt idx="5">
+                  <c:v>2014/2015</c:v>
+                </c:pt>
+                <c:pt idx="6">
+                  <c:v>2015/2016</c:v>
+                </c:pt>
+              </c:strCache>
+            </c:strRef>
+          </c:cat>
+          <c:val>
+            <c:numRef>
+              <c:f>Sheet2!$E$2:$E$8</c:f>
+              <c:numCache>
+                <c:formatCode>0.0000</c:formatCode>
+                <c:ptCount val="7"/>
+                <c:pt idx="0">
+                  <c:v>-0.194444444444444</c:v>
+                </c:pt>
+                <c:pt idx="1">
+                  <c:v>-0.336727272727273</c:v>
+                </c:pt>
+                <c:pt idx="2">
+                  <c:v>0.0925555555555555</c:v>
+                </c:pt>
+                <c:pt idx="3">
+                  <c:v>-0.197809523809524</c:v>
+                </c:pt>
+                <c:pt idx="4">
+                  <c:v>-0.00239130434782608</c:v>
+                </c:pt>
+                <c:pt idx="5">
+                  <c:v>0.0665833333333332</c:v>
+                </c:pt>
+                <c:pt idx="6">
+                  <c:v>-0.0955855855855856</c:v>
+                </c:pt>
+              </c:numCache>
+            </c:numRef>
+          </c:val>
+        </c:ser>
+        <c:ser>
+          <c:idx val="0"/>
+          <c:order val="1"/>
+          <c:tx>
+            <c:strRef>
+              <c:f>Sheet2!$B$9</c:f>
+              <c:strCache>
+                <c:ptCount val="1"/>
+                <c:pt idx="0">
+                  <c:v>France Ligue 1</c:v>
+                </c:pt>
+              </c:strCache>
+            </c:strRef>
+          </c:tx>
+          <c:spPr>
+            <a:solidFill>
+              <a:schemeClr val="accent2"/>
+            </a:solidFill>
+            <a:ln>
+              <a:noFill/>
+            </a:ln>
+            <a:effectLst/>
+          </c:spPr>
+          <c:invertIfNegative val="0"/>
+          <c:val>
+            <c:numRef>
+              <c:f>Sheet2!$E$9:$E$15</c:f>
+              <c:numCache>
+                <c:formatCode>0.0000</c:formatCode>
+                <c:ptCount val="7"/>
+                <c:pt idx="0">
+                  <c:v>-0.107865168539326</c:v>
+                </c:pt>
+                <c:pt idx="1">
+                  <c:v>-0.196571428571429</c:v>
+                </c:pt>
+                <c:pt idx="2">
+                  <c:v>0.00717391304347825</c:v>
+                </c:pt>
+                <c:pt idx="3">
+                  <c:v>-0.141111111111111</c:v>
+                </c:pt>
+                <c:pt idx="4">
+                  <c:v>-0.152017543859649</c:v>
+                </c:pt>
+                <c:pt idx="5">
+                  <c:v>-0.0925925925925925</c:v>
+                </c:pt>
+                <c:pt idx="6">
+                  <c:v>-0.118849557522124</c:v>
+                </c:pt>
+              </c:numCache>
+            </c:numRef>
+          </c:val>
+        </c:ser>
+        <c:ser>
+          <c:idx val="2"/>
+          <c:order val="2"/>
+          <c:tx>
+            <c:strRef>
+              <c:f>Sheet2!$B$16</c:f>
+              <c:strCache>
+                <c:ptCount val="1"/>
+                <c:pt idx="0">
+                  <c:v>Germany 1. Bundesliga</c:v>
+                </c:pt>
+              </c:strCache>
+            </c:strRef>
+          </c:tx>
+          <c:spPr>
+            <a:solidFill>
+              <a:schemeClr val="accent6"/>
+            </a:solidFill>
+            <a:ln>
+              <a:noFill/>
+            </a:ln>
+            <a:effectLst/>
+          </c:spPr>
+          <c:invertIfNegative val="0"/>
+          <c:val>
+            <c:numRef>
+              <c:f>Sheet2!$E$16:$E$22</c:f>
+              <c:numCache>
+                <c:formatCode>0.0000</c:formatCode>
+                <c:ptCount val="7"/>
+                <c:pt idx="0">
+                  <c:v>0.112183908045977</c:v>
+                </c:pt>
+                <c:pt idx="1">
+                  <c:v>-0.263820224719101</c:v>
+                </c:pt>
+                <c:pt idx="2">
+                  <c:v>-0.0527777777777778</c:v>
+                </c:pt>
+                <c:pt idx="3">
+                  <c:v>-0.165263157894737</c:v>
+                </c:pt>
+                <c:pt idx="4">
+                  <c:v>-0.0578640776699029</c:v>
+                </c:pt>
+                <c:pt idx="5">
+                  <c:v>-0.0455</c:v>
+                </c:pt>
+                <c:pt idx="6">
+                  <c:v>-0.0302597402597402</c:v>
+                </c:pt>
+              </c:numCache>
+            </c:numRef>
+          </c:val>
+        </c:ser>
+        <c:ser>
+          <c:idx val="3"/>
+          <c:order val="3"/>
+          <c:tx>
+            <c:strRef>
+              <c:f>Sheet2!$B$23</c:f>
+              <c:strCache>
+                <c:ptCount val="1"/>
+                <c:pt idx="0">
+                  <c:v>Italy Serie A</c:v>
+                </c:pt>
+              </c:strCache>
+            </c:strRef>
+          </c:tx>
+          <c:spPr>
+            <a:solidFill>
+              <a:schemeClr val="accent2">
+                <a:lumMod val="60000"/>
+              </a:schemeClr>
+            </a:solidFill>
+            <a:ln>
+              <a:noFill/>
+            </a:ln>
+            <a:effectLst/>
+          </c:spPr>
+          <c:invertIfNegative val="0"/>
+          <c:val>
+            <c:numRef>
+              <c:f>Sheet2!$E$23:$E$29</c:f>
+              <c:numCache>
+                <c:formatCode>0.0000</c:formatCode>
+                <c:ptCount val="7"/>
+                <c:pt idx="0">
+                  <c:v>-0.372222222222222</c:v>
+                </c:pt>
+                <c:pt idx="1">
+                  <c:v>-0.123490566037736</c:v>
+                </c:pt>
+                <c:pt idx="2">
+                  <c:v>-0.120208333333333</c:v>
+                </c:pt>
+                <c:pt idx="3">
+                  <c:v>-0.182735042735043</c:v>
+                </c:pt>
+                <c:pt idx="4">
+                  <c:v>-0.0331868131868132</c:v>
+                </c:pt>
+                <c:pt idx="5">
+                  <c:v>0.039809523809524</c:v>
+                </c:pt>
+                <c:pt idx="6">
+                  <c:v>-0.0612765957446809</c:v>
+                </c:pt>
+              </c:numCache>
+            </c:numRef>
+          </c:val>
+        </c:ser>
+        <c:ser>
+          <c:idx val="4"/>
+          <c:order val="4"/>
+          <c:tx>
+            <c:strRef>
+              <c:f>Sheet2!$B$30</c:f>
+              <c:strCache>
+                <c:ptCount val="1"/>
+                <c:pt idx="0">
+                  <c:v>Portugal Liga ZON Sagres</c:v>
+                </c:pt>
+              </c:strCache>
+            </c:strRef>
+          </c:tx>
+          <c:spPr>
+            <a:solidFill>
+              <a:schemeClr val="accent4">
+                <a:lumMod val="60000"/>
+              </a:schemeClr>
+            </a:solidFill>
+            <a:ln>
+              <a:noFill/>
+            </a:ln>
+            <a:effectLst/>
+          </c:spPr>
+          <c:invertIfNegative val="0"/>
+          <c:val>
+            <c:numRef>
+              <c:f>Sheet2!$E$30:$E$36</c:f>
+              <c:numCache>
+                <c:formatCode>0.0000</c:formatCode>
+                <c:ptCount val="7"/>
+                <c:pt idx="0">
+                  <c:v>-0.023015873015873</c:v>
+                </c:pt>
+                <c:pt idx="1">
+                  <c:v>-0.0154054054054054</c:v>
+                </c:pt>
+                <c:pt idx="2">
+                  <c:v>0.19015873015873</c:v>
+                </c:pt>
+                <c:pt idx="3">
+                  <c:v>-0.195</c:v>
+                </c:pt>
+                <c:pt idx="4">
+                  <c:v>0.115625</c:v>
+                </c:pt>
+                <c:pt idx="5">
+                  <c:v>-0.132539682539683</c:v>
+                </c:pt>
+                <c:pt idx="6">
+                  <c:v>0.036265060240964</c:v>
+                </c:pt>
+              </c:numCache>
+            </c:numRef>
+          </c:val>
+        </c:ser>
+        <c:ser>
+          <c:idx val="5"/>
+          <c:order val="5"/>
+          <c:tx>
+            <c:strRef>
+              <c:f>Sheet2!$B$37</c:f>
+              <c:strCache>
+                <c:ptCount val="1"/>
+                <c:pt idx="0">
+                  <c:v>Scotland Premier League</c:v>
+                </c:pt>
+              </c:strCache>
+            </c:strRef>
+          </c:tx>
+          <c:spPr>
+            <a:solidFill>
+              <a:schemeClr val="accent6">
+                <a:lumMod val="60000"/>
+              </a:schemeClr>
+            </a:solidFill>
+            <a:ln>
+              <a:noFill/>
+            </a:ln>
+            <a:effectLst/>
+          </c:spPr>
+          <c:invertIfNegative val="0"/>
+          <c:val>
+            <c:numRef>
+              <c:f>Sheet2!$E$37:$E$43</c:f>
+              <c:numCache>
+                <c:formatCode>0.0000</c:formatCode>
+                <c:ptCount val="7"/>
+                <c:pt idx="0">
+                  <c:v>-0.0573333333333333</c:v>
+                </c:pt>
+                <c:pt idx="1">
+                  <c:v>-0.0148936170212767</c:v>
+                </c:pt>
+                <c:pt idx="2">
+                  <c:v>-0.0225961538461538</c:v>
+                </c:pt>
+                <c:pt idx="3">
+                  <c:v>-0.0832467532467532</c:v>
+                </c:pt>
+                <c:pt idx="4">
+                  <c:v>-0.0473611111111111</c:v>
+                </c:pt>
+                <c:pt idx="5">
+                  <c:v>-0.0426829268292683</c:v>
+                </c:pt>
+                <c:pt idx="6">
+                  <c:v>0.0311428571428571</c:v>
+                </c:pt>
+              </c:numCache>
+            </c:numRef>
+          </c:val>
+        </c:ser>
+        <c:ser>
+          <c:idx val="6"/>
+          <c:order val="6"/>
+          <c:tx>
+            <c:strRef>
+              <c:f>Sheet2!$B$44</c:f>
+              <c:strCache>
+                <c:ptCount val="1"/>
+                <c:pt idx="0">
+                  <c:v>Spain LIGA BBVA</c:v>
+                </c:pt>
+              </c:strCache>
+            </c:strRef>
+          </c:tx>
+          <c:spPr>
+            <a:solidFill>
+              <a:schemeClr val="accent2">
+                <a:lumMod val="80000"/>
+                <a:lumOff val="20000"/>
+              </a:schemeClr>
+            </a:solidFill>
+            <a:ln>
+              <a:noFill/>
+            </a:ln>
+            <a:effectLst/>
+          </c:spPr>
+          <c:invertIfNegative val="0"/>
+          <c:val>
+            <c:numRef>
+              <c:f>Sheet2!$E$44:$E$50</c:f>
+              <c:numCache>
+                <c:formatCode>0.0000</c:formatCode>
+                <c:ptCount val="7"/>
+                <c:pt idx="0">
+                  <c:v>-0.0544871794871795</c:v>
+                </c:pt>
+                <c:pt idx="1">
+                  <c:v>0.02</c:v>
+                </c:pt>
+                <c:pt idx="2">
+                  <c:v>-0.214148936170213</c:v>
+                </c:pt>
+                <c:pt idx="3">
+                  <c:v>-0.0395121951219512</c:v>
+                </c:pt>
+                <c:pt idx="4">
+                  <c:v>0.161836734693878</c:v>
+                </c:pt>
+                <c:pt idx="5">
+                  <c:v>-0.154725274725275</c:v>
+                </c:pt>
+              </c:numCache>
+            </c:numRef>
+          </c:val>
+        </c:ser>
+        <c:dLbls>
+          <c:showLegendKey val="0"/>
+          <c:showVal val="0"/>
+          <c:showCatName val="0"/>
+          <c:showSerName val="0"/>
+          <c:showPercent val="0"/>
+          <c:showBubbleSize val="0"/>
+        </c:dLbls>
+        <c:gapWidth val="219"/>
+        <c:overlap val="-27"/>
+        <c:axId val="-59312464"/>
+        <c:axId val="-59310688"/>
+      </c:barChart>
+      <c:catAx>
+        <c:axId val="-59312464"/>
+        <c:scaling>
+          <c:orientation val="minMax"/>
+        </c:scaling>
+        <c:delete val="0"/>
+        <c:axPos val="b"/>
+        <c:numFmt formatCode="General" sourceLinked="1"/>
+        <c:majorTickMark val="none"/>
+        <c:minorTickMark val="none"/>
+        <c:tickLblPos val="low"/>
+        <c:spPr>
+          <a:noFill/>
+          <a:ln w="9525" cap="flat" cmpd="sng" algn="ctr">
+            <a:solidFill>
+              <a:schemeClr val="tx1">
+                <a:lumMod val="15000"/>
+                <a:lumOff val="85000"/>
+              </a:schemeClr>
+            </a:solidFill>
+            <a:round/>
+          </a:ln>
+          <a:effectLst/>
+        </c:spPr>
+        <c:txPr>
+          <a:bodyPr rot="-60000000" spcFirstLastPara="1" vertOverflow="ellipsis" vert="horz" wrap="square" anchor="ctr" anchorCtr="0"/>
+          <a:lstStyle/>
+          <a:p>
+            <a:pPr>
+              <a:defRPr sz="1600" b="0" i="0" u="none" strike="noStrike" kern="1200" baseline="0">
+                <a:solidFill>
+                  <a:schemeClr val="tx1">
+                    <a:lumMod val="65000"/>
+                    <a:lumOff val="35000"/>
+                  </a:schemeClr>
+                </a:solidFill>
+                <a:latin typeface="+mn-lt"/>
+                <a:ea typeface="+mn-ea"/>
+                <a:cs typeface="+mn-cs"/>
+              </a:defRPr>
+            </a:pPr>
+            <a:endParaRPr lang="en-US"/>
+          </a:p>
+        </c:txPr>
+        <c:crossAx val="-59310688"/>
+        <c:crosses val="autoZero"/>
+        <c:auto val="1"/>
+        <c:lblAlgn val="ctr"/>
+        <c:lblOffset val="100"/>
+        <c:noMultiLvlLbl val="0"/>
+      </c:catAx>
+      <c:valAx>
+        <c:axId val="-59310688"/>
+        <c:scaling>
+          <c:orientation val="minMax"/>
+        </c:scaling>
+        <c:delete val="0"/>
+        <c:axPos val="l"/>
+        <c:majorGridlines>
+          <c:spPr>
+            <a:ln w="9525" cap="flat" cmpd="sng" algn="ctr">
+              <a:solidFill>
+                <a:schemeClr val="tx1">
+                  <a:lumMod val="15000"/>
+                  <a:lumOff val="85000"/>
+                </a:schemeClr>
+              </a:solidFill>
+              <a:round/>
+            </a:ln>
+            <a:effectLst/>
+          </c:spPr>
+        </c:majorGridlines>
+        <c:numFmt formatCode="0.0000" sourceLinked="0"/>
+        <c:majorTickMark val="none"/>
+        <c:minorTickMark val="none"/>
+        <c:tickLblPos val="nextTo"/>
+        <c:spPr>
+          <a:noFill/>
+          <a:ln>
+            <a:noFill/>
+          </a:ln>
+          <a:effectLst/>
+        </c:spPr>
+        <c:txPr>
+          <a:bodyPr rot="-60000000" spcFirstLastPara="1" vertOverflow="ellipsis" vert="horz" wrap="square" anchor="ctr" anchorCtr="1"/>
+          <a:lstStyle/>
+          <a:p>
+            <a:pPr>
+              <a:defRPr sz="900" b="0" i="0" u="none" strike="noStrike" kern="1200" baseline="0">
+                <a:solidFill>
+                  <a:schemeClr val="tx1">
+                    <a:lumMod val="65000"/>
+                    <a:lumOff val="35000"/>
+                  </a:schemeClr>
+                </a:solidFill>
+                <a:latin typeface="+mn-lt"/>
+                <a:ea typeface="+mn-ea"/>
+                <a:cs typeface="+mn-cs"/>
+              </a:defRPr>
+            </a:pPr>
+            <a:endParaRPr lang="en-US"/>
+          </a:p>
+        </c:txPr>
+        <c:crossAx val="-59312464"/>
+        <c:crosses val="autoZero"/>
+        <c:crossBetween val="between"/>
+      </c:valAx>
+      <c:spPr>
+        <a:noFill/>
+        <a:ln>
+          <a:noFill/>
+        </a:ln>
+        <a:effectLst/>
+      </c:spPr>
+    </c:plotArea>
+    <c:legend>
+      <c:legendPos val="t"/>
+      <c:layout>
+        <c:manualLayout>
+          <c:xMode val="edge"/>
+          <c:yMode val="edge"/>
+          <c:x val="0.0433760844775531"/>
+          <c:y val="0.0"/>
+          <c:w val="0.907539047054768"/>
+          <c:h val="0.202002976273994"/>
+        </c:manualLayout>
+      </c:layout>
+      <c:overlay val="0"/>
+      <c:spPr>
+        <a:noFill/>
+        <a:ln>
+          <a:noFill/>
+        </a:ln>
+        <a:effectLst/>
+      </c:spPr>
+      <c:txPr>
+        <a:bodyPr rot="0" spcFirstLastPara="1" vertOverflow="ellipsis" vert="horz" wrap="square" anchor="ctr" anchorCtr="1"/>
+        <a:lstStyle/>
+        <a:p>
+          <a:pPr algn="just">
+            <a:defRPr sz="1400" b="0" i="0" u="none" strike="noStrike" kern="1200" baseline="0">
               <a:solidFill>
                 <a:schemeClr val="tx1">
                   <a:lumMod val="65000"/>
@@ -6628,6 +7277,7 @@
     </c:plotArea>
     <c:legend>
       <c:legendPos val="b"/>
+      <c:layout/>
       <c:overlay val="0"/>
       <c:spPr>
         <a:noFill/>
@@ -7017,6 +7667,7 @@
     </c:plotArea>
     <c:legend>
       <c:legendPos val="b"/>
+      <c:layout/>
       <c:overlay val="0"/>
       <c:spPr>
         <a:noFill/>
@@ -9354,6 +10005,43 @@
 </cs:colorStyle>
 </file>
 
+<file path=ppt/charts/colors13.xml><?xml version="1.0" encoding="utf-8"?>
+<cs:colorStyle xmlns:cs="http://schemas.microsoft.com/office/drawing/2012/chartStyle" xmlns:a="http://schemas.openxmlformats.org/drawingml/2006/main" meth="cycle" id="12">
+  <a:schemeClr val="accent2"/>
+  <a:schemeClr val="accent4"/>
+  <a:schemeClr val="accent6"/>
+  <cs:variation/>
+  <cs:variation>
+    <a:lumMod val="60000"/>
+  </cs:variation>
+  <cs:variation>
+    <a:lumMod val="80000"/>
+    <a:lumOff val="20000"/>
+  </cs:variation>
+  <cs:variation>
+    <a:lumMod val="80000"/>
+  </cs:variation>
+  <cs:variation>
+    <a:lumMod val="60000"/>
+    <a:lumOff val="40000"/>
+  </cs:variation>
+  <cs:variation>
+    <a:lumMod val="50000"/>
+  </cs:variation>
+  <cs:variation>
+    <a:lumMod val="70000"/>
+    <a:lumOff val="30000"/>
+  </cs:variation>
+  <cs:variation>
+    <a:lumMod val="70000"/>
+  </cs:variation>
+  <cs:variation>
+    <a:lumMod val="50000"/>
+    <a:lumOff val="50000"/>
+  </cs:variation>
+</cs:colorStyle>
+</file>
+
 <file path=ppt/charts/colors2.xml><?xml version="1.0" encoding="utf-8"?>
 <cs:colorStyle xmlns:cs="http://schemas.microsoft.com/office/drawing/2012/chartStyle" xmlns:a="http://schemas.openxmlformats.org/drawingml/2006/main" meth="cycle" id="12">
   <a:schemeClr val="accent2"/>
@@ -11688,6 +12376,509 @@
         <a:round/>
       </a:ln>
     </cs:spPr>
+    <cs:defRPr sz="900" kern="1200"/>
+  </cs:valueAxis>
+  <cs:wall>
+    <cs:lnRef idx="0"/>
+    <cs:fillRef idx="0"/>
+    <cs:effectRef idx="0"/>
+    <cs:fontRef idx="minor">
+      <a:schemeClr val="tx1"/>
+    </cs:fontRef>
+    <cs:spPr>
+      <a:noFill/>
+      <a:ln>
+        <a:noFill/>
+      </a:ln>
+    </cs:spPr>
+  </cs:wall>
+</cs:chartStyle>
+</file>
+
+<file path=ppt/charts/style13.xml><?xml version="1.0" encoding="utf-8"?>
+<cs:chartStyle xmlns:cs="http://schemas.microsoft.com/office/drawing/2012/chartStyle" xmlns:a="http://schemas.openxmlformats.org/drawingml/2006/main" id="201">
+  <cs:axisTitle>
+    <cs:lnRef idx="0"/>
+    <cs:fillRef idx="0"/>
+    <cs:effectRef idx="0"/>
+    <cs:fontRef idx="minor">
+      <a:schemeClr val="tx1">
+        <a:lumMod val="65000"/>
+        <a:lumOff val="35000"/>
+      </a:schemeClr>
+    </cs:fontRef>
+    <cs:defRPr sz="1000" kern="1200"/>
+  </cs:axisTitle>
+  <cs:categoryAxis>
+    <cs:lnRef idx="0"/>
+    <cs:fillRef idx="0"/>
+    <cs:effectRef idx="0"/>
+    <cs:fontRef idx="minor">
+      <a:schemeClr val="tx1">
+        <a:lumMod val="65000"/>
+        <a:lumOff val="35000"/>
+      </a:schemeClr>
+    </cs:fontRef>
+    <cs:spPr>
+      <a:ln w="9525" cap="flat" cmpd="sng" algn="ctr">
+        <a:solidFill>
+          <a:schemeClr val="tx1">
+            <a:lumMod val="15000"/>
+            <a:lumOff val="85000"/>
+          </a:schemeClr>
+        </a:solidFill>
+        <a:round/>
+      </a:ln>
+    </cs:spPr>
+    <cs:defRPr sz="900" kern="1200"/>
+  </cs:categoryAxis>
+  <cs:chartArea mods="allowNoFillOverride allowNoLineOverride">
+    <cs:lnRef idx="0"/>
+    <cs:fillRef idx="0"/>
+    <cs:effectRef idx="0"/>
+    <cs:fontRef idx="minor">
+      <a:schemeClr val="tx1"/>
+    </cs:fontRef>
+    <cs:spPr>
+      <a:solidFill>
+        <a:schemeClr val="bg1"/>
+      </a:solidFill>
+      <a:ln w="9525" cap="flat" cmpd="sng" algn="ctr">
+        <a:solidFill>
+          <a:schemeClr val="tx1">
+            <a:lumMod val="15000"/>
+            <a:lumOff val="85000"/>
+          </a:schemeClr>
+        </a:solidFill>
+        <a:round/>
+      </a:ln>
+    </cs:spPr>
+    <cs:defRPr sz="1000" kern="1200"/>
+  </cs:chartArea>
+  <cs:dataLabel>
+    <cs:lnRef idx="0"/>
+    <cs:fillRef idx="0"/>
+    <cs:effectRef idx="0"/>
+    <cs:fontRef idx="minor">
+      <a:schemeClr val="tx1">
+        <a:lumMod val="75000"/>
+        <a:lumOff val="25000"/>
+      </a:schemeClr>
+    </cs:fontRef>
+    <cs:defRPr sz="900" kern="1200"/>
+  </cs:dataLabel>
+  <cs:dataLabelCallout>
+    <cs:lnRef idx="0"/>
+    <cs:fillRef idx="0"/>
+    <cs:effectRef idx="0"/>
+    <cs:fontRef idx="minor">
+      <a:schemeClr val="dk1">
+        <a:lumMod val="65000"/>
+        <a:lumOff val="35000"/>
+      </a:schemeClr>
+    </cs:fontRef>
+    <cs:spPr>
+      <a:solidFill>
+        <a:schemeClr val="lt1"/>
+      </a:solidFill>
+      <a:ln>
+        <a:solidFill>
+          <a:schemeClr val="dk1">
+            <a:lumMod val="25000"/>
+            <a:lumOff val="75000"/>
+          </a:schemeClr>
+        </a:solidFill>
+      </a:ln>
+    </cs:spPr>
+    <cs:defRPr sz="900" kern="1200"/>
+    <cs:bodyPr rot="0" spcFirstLastPara="1" vertOverflow="clip" horzOverflow="clip" vert="horz" wrap="square" lIns="36576" tIns="18288" rIns="36576" bIns="18288" anchor="ctr" anchorCtr="1">
+      <a:spAutoFit/>
+    </cs:bodyPr>
+  </cs:dataLabelCallout>
+  <cs:dataPoint>
+    <cs:lnRef idx="0"/>
+    <cs:fillRef idx="1">
+      <cs:styleClr val="auto"/>
+    </cs:fillRef>
+    <cs:effectRef idx="0"/>
+    <cs:fontRef idx="minor">
+      <a:schemeClr val="tx1"/>
+    </cs:fontRef>
+  </cs:dataPoint>
+  <cs:dataPoint3D>
+    <cs:lnRef idx="0"/>
+    <cs:fillRef idx="1">
+      <cs:styleClr val="auto"/>
+    </cs:fillRef>
+    <cs:effectRef idx="0"/>
+    <cs:fontRef idx="minor">
+      <a:schemeClr val="tx1"/>
+    </cs:fontRef>
+  </cs:dataPoint3D>
+  <cs:dataPointLine>
+    <cs:lnRef idx="0">
+      <cs:styleClr val="auto"/>
+    </cs:lnRef>
+    <cs:fillRef idx="1"/>
+    <cs:effectRef idx="0"/>
+    <cs:fontRef idx="minor">
+      <a:schemeClr val="tx1"/>
+    </cs:fontRef>
+    <cs:spPr>
+      <a:ln w="28575" cap="rnd">
+        <a:solidFill>
+          <a:schemeClr val="phClr"/>
+        </a:solidFill>
+        <a:round/>
+      </a:ln>
+    </cs:spPr>
+  </cs:dataPointLine>
+  <cs:dataPointMarker>
+    <cs:lnRef idx="0">
+      <cs:styleClr val="auto"/>
+    </cs:lnRef>
+    <cs:fillRef idx="1">
+      <cs:styleClr val="auto"/>
+    </cs:fillRef>
+    <cs:effectRef idx="0"/>
+    <cs:fontRef idx="minor">
+      <a:schemeClr val="tx1"/>
+    </cs:fontRef>
+    <cs:spPr>
+      <a:ln w="9525">
+        <a:solidFill>
+          <a:schemeClr val="phClr"/>
+        </a:solidFill>
+      </a:ln>
+    </cs:spPr>
+  </cs:dataPointMarker>
+  <cs:dataPointMarkerLayout symbol="circle" size="5"/>
+  <cs:dataPointWireframe>
+    <cs:lnRef idx="0">
+      <cs:styleClr val="auto"/>
+    </cs:lnRef>
+    <cs:fillRef idx="1"/>
+    <cs:effectRef idx="0"/>
+    <cs:fontRef idx="minor">
+      <a:schemeClr val="tx1"/>
+    </cs:fontRef>
+    <cs:spPr>
+      <a:ln w="9525" cap="rnd">
+        <a:solidFill>
+          <a:schemeClr val="phClr"/>
+        </a:solidFill>
+        <a:round/>
+      </a:ln>
+    </cs:spPr>
+  </cs:dataPointWireframe>
+  <cs:dataTable>
+    <cs:lnRef idx="0"/>
+    <cs:fillRef idx="0"/>
+    <cs:effectRef idx="0"/>
+    <cs:fontRef idx="minor">
+      <a:schemeClr val="tx1">
+        <a:lumMod val="65000"/>
+        <a:lumOff val="35000"/>
+      </a:schemeClr>
+    </cs:fontRef>
+    <cs:spPr>
+      <a:noFill/>
+      <a:ln w="9525" cap="flat" cmpd="sng" algn="ctr">
+        <a:solidFill>
+          <a:schemeClr val="tx1">
+            <a:lumMod val="15000"/>
+            <a:lumOff val="85000"/>
+          </a:schemeClr>
+        </a:solidFill>
+        <a:round/>
+      </a:ln>
+    </cs:spPr>
+    <cs:defRPr sz="900" kern="1200"/>
+  </cs:dataTable>
+  <cs:downBar>
+    <cs:lnRef idx="0"/>
+    <cs:fillRef idx="0"/>
+    <cs:effectRef idx="0"/>
+    <cs:fontRef idx="minor">
+      <a:schemeClr val="dk1"/>
+    </cs:fontRef>
+    <cs:spPr>
+      <a:solidFill>
+        <a:schemeClr val="dk1">
+          <a:lumMod val="65000"/>
+          <a:lumOff val="35000"/>
+        </a:schemeClr>
+      </a:solidFill>
+      <a:ln w="9525">
+        <a:solidFill>
+          <a:schemeClr val="tx1">
+            <a:lumMod val="65000"/>
+            <a:lumOff val="35000"/>
+          </a:schemeClr>
+        </a:solidFill>
+      </a:ln>
+    </cs:spPr>
+  </cs:downBar>
+  <cs:dropLine>
+    <cs:lnRef idx="0"/>
+    <cs:fillRef idx="0"/>
+    <cs:effectRef idx="0"/>
+    <cs:fontRef idx="minor">
+      <a:schemeClr val="tx1"/>
+    </cs:fontRef>
+    <cs:spPr>
+      <a:ln w="9525" cap="flat" cmpd="sng" algn="ctr">
+        <a:solidFill>
+          <a:schemeClr val="tx1">
+            <a:lumMod val="35000"/>
+            <a:lumOff val="65000"/>
+          </a:schemeClr>
+        </a:solidFill>
+        <a:round/>
+      </a:ln>
+    </cs:spPr>
+  </cs:dropLine>
+  <cs:errorBar>
+    <cs:lnRef idx="0"/>
+    <cs:fillRef idx="0"/>
+    <cs:effectRef idx="0"/>
+    <cs:fontRef idx="minor">
+      <a:schemeClr val="tx1"/>
+    </cs:fontRef>
+    <cs:spPr>
+      <a:ln w="9525" cap="flat" cmpd="sng" algn="ctr">
+        <a:solidFill>
+          <a:schemeClr val="tx1">
+            <a:lumMod val="65000"/>
+            <a:lumOff val="35000"/>
+          </a:schemeClr>
+        </a:solidFill>
+        <a:round/>
+      </a:ln>
+    </cs:spPr>
+  </cs:errorBar>
+  <cs:floor>
+    <cs:lnRef idx="0"/>
+    <cs:fillRef idx="0"/>
+    <cs:effectRef idx="0"/>
+    <cs:fontRef idx="minor">
+      <a:schemeClr val="tx1"/>
+    </cs:fontRef>
+    <cs:spPr>
+      <a:noFill/>
+      <a:ln>
+        <a:noFill/>
+      </a:ln>
+    </cs:spPr>
+  </cs:floor>
+  <cs:gridlineMajor>
+    <cs:lnRef idx="0"/>
+    <cs:fillRef idx="0"/>
+    <cs:effectRef idx="0"/>
+    <cs:fontRef idx="minor">
+      <a:schemeClr val="tx1"/>
+    </cs:fontRef>
+    <cs:spPr>
+      <a:ln w="9525" cap="flat" cmpd="sng" algn="ctr">
+        <a:solidFill>
+          <a:schemeClr val="tx1">
+            <a:lumMod val="15000"/>
+            <a:lumOff val="85000"/>
+          </a:schemeClr>
+        </a:solidFill>
+        <a:round/>
+      </a:ln>
+    </cs:spPr>
+  </cs:gridlineMajor>
+  <cs:gridlineMinor>
+    <cs:lnRef idx="0"/>
+    <cs:fillRef idx="0"/>
+    <cs:effectRef idx="0"/>
+    <cs:fontRef idx="minor">
+      <a:schemeClr val="tx1"/>
+    </cs:fontRef>
+    <cs:spPr>
+      <a:ln w="9525" cap="flat" cmpd="sng" algn="ctr">
+        <a:solidFill>
+          <a:schemeClr val="tx1">
+            <a:lumMod val="5000"/>
+            <a:lumOff val="95000"/>
+          </a:schemeClr>
+        </a:solidFill>
+        <a:round/>
+      </a:ln>
+    </cs:spPr>
+  </cs:gridlineMinor>
+  <cs:hiLoLine>
+    <cs:lnRef idx="0"/>
+    <cs:fillRef idx="0"/>
+    <cs:effectRef idx="0"/>
+    <cs:fontRef idx="minor">
+      <a:schemeClr val="tx1"/>
+    </cs:fontRef>
+    <cs:spPr>
+      <a:ln w="9525" cap="flat" cmpd="sng" algn="ctr">
+        <a:solidFill>
+          <a:schemeClr val="tx1">
+            <a:lumMod val="75000"/>
+            <a:lumOff val="25000"/>
+          </a:schemeClr>
+        </a:solidFill>
+        <a:round/>
+      </a:ln>
+    </cs:spPr>
+  </cs:hiLoLine>
+  <cs:leaderLine>
+    <cs:lnRef idx="0"/>
+    <cs:fillRef idx="0"/>
+    <cs:effectRef idx="0"/>
+    <cs:fontRef idx="minor">
+      <a:schemeClr val="tx1"/>
+    </cs:fontRef>
+    <cs:spPr>
+      <a:ln w="9525" cap="flat" cmpd="sng" algn="ctr">
+        <a:solidFill>
+          <a:schemeClr val="tx1">
+            <a:lumMod val="35000"/>
+            <a:lumOff val="65000"/>
+          </a:schemeClr>
+        </a:solidFill>
+        <a:round/>
+      </a:ln>
+    </cs:spPr>
+  </cs:leaderLine>
+  <cs:legend>
+    <cs:lnRef idx="0"/>
+    <cs:fillRef idx="0"/>
+    <cs:effectRef idx="0"/>
+    <cs:fontRef idx="minor">
+      <a:schemeClr val="tx1">
+        <a:lumMod val="65000"/>
+        <a:lumOff val="35000"/>
+      </a:schemeClr>
+    </cs:fontRef>
+    <cs:defRPr sz="900" kern="1200"/>
+  </cs:legend>
+  <cs:plotArea mods="allowNoFillOverride allowNoLineOverride">
+    <cs:lnRef idx="0"/>
+    <cs:fillRef idx="0"/>
+    <cs:effectRef idx="0"/>
+    <cs:fontRef idx="minor">
+      <a:schemeClr val="tx1"/>
+    </cs:fontRef>
+  </cs:plotArea>
+  <cs:plotArea3D mods="allowNoFillOverride allowNoLineOverride">
+    <cs:lnRef idx="0"/>
+    <cs:fillRef idx="0"/>
+    <cs:effectRef idx="0"/>
+    <cs:fontRef idx="minor">
+      <a:schemeClr val="tx1"/>
+    </cs:fontRef>
+  </cs:plotArea3D>
+  <cs:seriesAxis>
+    <cs:lnRef idx="0"/>
+    <cs:fillRef idx="0"/>
+    <cs:effectRef idx="0"/>
+    <cs:fontRef idx="minor">
+      <a:schemeClr val="tx1">
+        <a:lumMod val="65000"/>
+        <a:lumOff val="35000"/>
+      </a:schemeClr>
+    </cs:fontRef>
+    <cs:defRPr sz="900" kern="1200"/>
+  </cs:seriesAxis>
+  <cs:seriesLine>
+    <cs:lnRef idx="0"/>
+    <cs:fillRef idx="0"/>
+    <cs:effectRef idx="0"/>
+    <cs:fontRef idx="minor">
+      <a:schemeClr val="tx1"/>
+    </cs:fontRef>
+    <cs:spPr>
+      <a:ln w="9525" cap="flat" cmpd="sng" algn="ctr">
+        <a:solidFill>
+          <a:schemeClr val="tx1">
+            <a:lumMod val="35000"/>
+            <a:lumOff val="65000"/>
+          </a:schemeClr>
+        </a:solidFill>
+        <a:round/>
+      </a:ln>
+    </cs:spPr>
+  </cs:seriesLine>
+  <cs:title>
+    <cs:lnRef idx="0"/>
+    <cs:fillRef idx="0"/>
+    <cs:effectRef idx="0"/>
+    <cs:fontRef idx="minor">
+      <a:schemeClr val="tx1">
+        <a:lumMod val="65000"/>
+        <a:lumOff val="35000"/>
+      </a:schemeClr>
+    </cs:fontRef>
+    <cs:defRPr sz="1400" b="0" kern="1200" spc="0" baseline="0"/>
+  </cs:title>
+  <cs:trendline>
+    <cs:lnRef idx="0">
+      <cs:styleClr val="auto"/>
+    </cs:lnRef>
+    <cs:fillRef idx="0"/>
+    <cs:effectRef idx="0"/>
+    <cs:fontRef idx="minor">
+      <a:schemeClr val="tx1"/>
+    </cs:fontRef>
+    <cs:spPr>
+      <a:ln w="19050" cap="rnd">
+        <a:solidFill>
+          <a:schemeClr val="phClr"/>
+        </a:solidFill>
+        <a:prstDash val="sysDot"/>
+      </a:ln>
+    </cs:spPr>
+  </cs:trendline>
+  <cs:trendlineLabel>
+    <cs:lnRef idx="0"/>
+    <cs:fillRef idx="0"/>
+    <cs:effectRef idx="0"/>
+    <cs:fontRef idx="minor">
+      <a:schemeClr val="tx1">
+        <a:lumMod val="65000"/>
+        <a:lumOff val="35000"/>
+      </a:schemeClr>
+    </cs:fontRef>
+    <cs:defRPr sz="900" kern="1200"/>
+  </cs:trendlineLabel>
+  <cs:upBar>
+    <cs:lnRef idx="0"/>
+    <cs:fillRef idx="0"/>
+    <cs:effectRef idx="0"/>
+    <cs:fontRef idx="minor">
+      <a:schemeClr val="dk1"/>
+    </cs:fontRef>
+    <cs:spPr>
+      <a:solidFill>
+        <a:schemeClr val="lt1"/>
+      </a:solidFill>
+      <a:ln w="9525">
+        <a:solidFill>
+          <a:schemeClr val="tx1">
+            <a:lumMod val="15000"/>
+            <a:lumOff val="85000"/>
+          </a:schemeClr>
+        </a:solidFill>
+      </a:ln>
+    </cs:spPr>
+  </cs:upBar>
+  <cs:valueAxis>
+    <cs:lnRef idx="0"/>
+    <cs:fillRef idx="0"/>
+    <cs:effectRef idx="0"/>
+    <cs:fontRef idx="minor">
+      <a:schemeClr val="tx1">
+        <a:lumMod val="65000"/>
+        <a:lumOff val="35000"/>
+      </a:schemeClr>
+    </cs:fontRef>
     <cs:defRPr sz="900" kern="1200"/>
   </cs:valueAxis>
   <cs:wall>
@@ -31387,6 +32578,160 @@
           <a:p>
             <a:r>
               <a:rPr lang="en-US" dirty="0" smtClean="0"/>
+              <a:t>Profit Percentage </a:t>
+            </a:r>
+            <a:endParaRPr lang="en-US" dirty="0"/>
+          </a:p>
+        </p:txBody>
+      </p:sp>
+      <p:graphicFrame>
+        <p:nvGraphicFramePr>
+          <p:cNvPr id="4" name="Chart 3"/>
+          <p:cNvGraphicFramePr>
+            <a:graphicFrameLocks/>
+          </p:cNvGraphicFramePr>
+          <p:nvPr>
+            <p:extLst>
+              <p:ext uri="{D42A27DB-BD31-4B8C-83A1-F6EECF244321}">
+                <p14:modId xmlns:p14="http://schemas.microsoft.com/office/powerpoint/2010/main" val="2109042015"/>
+              </p:ext>
+            </p:extLst>
+          </p:nvPr>
+        </p:nvGraphicFramePr>
+        <p:xfrm>
+          <a:off x="360948" y="1900988"/>
+          <a:ext cx="11598442" cy="4668253"/>
+        </p:xfrm>
+        <a:graphic>
+          <a:graphicData uri="http://schemas.openxmlformats.org/drawingml/2006/chart">
+            <c:chart xmlns:c="http://schemas.openxmlformats.org/drawingml/2006/chart" xmlns:r="http://schemas.openxmlformats.org/officeDocument/2006/relationships" r:id="rId2"/>
+          </a:graphicData>
+        </a:graphic>
+      </p:graphicFrame>
+    </p:spTree>
+    <p:extLst>
+      <p:ext uri="{BB962C8B-B14F-4D97-AF65-F5344CB8AC3E}">
+        <p14:creationId xmlns:p14="http://schemas.microsoft.com/office/powerpoint/2010/main" val="1626027360"/>
+      </p:ext>
+    </p:extLst>
+  </p:cSld>
+  <p:clrMapOvr>
+    <a:masterClrMapping/>
+  </p:clrMapOvr>
+</p:sld>
+</file>
+
+<file path=ppt/slides/slide18.xml><?xml version="1.0" encoding="utf-8"?>
+<p:sld xmlns:a="http://schemas.openxmlformats.org/drawingml/2006/main" xmlns:r="http://schemas.openxmlformats.org/officeDocument/2006/relationships" xmlns:p="http://schemas.openxmlformats.org/presentationml/2006/main">
+  <p:cSld>
+    <p:spTree>
+      <p:nvGrpSpPr>
+        <p:cNvPr id="1" name=""/>
+        <p:cNvGrpSpPr/>
+        <p:nvPr/>
+      </p:nvGrpSpPr>
+      <p:grpSpPr>
+        <a:xfrm>
+          <a:off x="0" y="0"/>
+          <a:ext cx="0" cy="0"/>
+          <a:chOff x="0" y="0"/>
+          <a:chExt cx="0" cy="0"/>
+        </a:xfrm>
+      </p:grpSpPr>
+      <p:sp>
+        <p:nvSpPr>
+          <p:cNvPr id="2" name="Title 1"/>
+          <p:cNvSpPr>
+            <a:spLocks noGrp="1"/>
+          </p:cNvSpPr>
+          <p:nvPr>
+            <p:ph type="title"/>
+          </p:nvPr>
+        </p:nvSpPr>
+        <p:spPr/>
+        <p:txBody>
+          <a:bodyPr/>
+          <a:lstStyle/>
+          <a:p>
+            <a:r>
+              <a:rPr lang="en-US" dirty="0" smtClean="0"/>
+              <a:t>Conclusion</a:t>
+            </a:r>
+            <a:endParaRPr lang="en-US" dirty="0"/>
+          </a:p>
+        </p:txBody>
+      </p:sp>
+      <p:sp>
+        <p:nvSpPr>
+          <p:cNvPr id="6" name="Content Placeholder 5"/>
+          <p:cNvSpPr>
+            <a:spLocks noGrp="1"/>
+          </p:cNvSpPr>
+          <p:nvPr>
+            <p:ph idx="1"/>
+          </p:nvPr>
+        </p:nvSpPr>
+        <p:spPr>
+          <a:xfrm>
+            <a:off x="685800" y="2194560"/>
+            <a:ext cx="10820400" cy="4024125"/>
+          </a:xfrm>
+        </p:spPr>
+        <p:txBody>
+          <a:bodyPr/>
+          <a:lstStyle/>
+          <a:p>
+            <a:endParaRPr lang="en-US" dirty="0"/>
+          </a:p>
+        </p:txBody>
+      </p:sp>
+    </p:spTree>
+    <p:extLst>
+      <p:ext uri="{BB962C8B-B14F-4D97-AF65-F5344CB8AC3E}">
+        <p14:creationId xmlns:p14="http://schemas.microsoft.com/office/powerpoint/2010/main" val="1975458663"/>
+      </p:ext>
+    </p:extLst>
+  </p:cSld>
+  <p:clrMapOvr>
+    <a:masterClrMapping/>
+  </p:clrMapOvr>
+</p:sld>
+</file>
+
+<file path=ppt/slides/slide19.xml><?xml version="1.0" encoding="utf-8"?>
+<p:sld xmlns:a="http://schemas.openxmlformats.org/drawingml/2006/main" xmlns:r="http://schemas.openxmlformats.org/officeDocument/2006/relationships" xmlns:p="http://schemas.openxmlformats.org/presentationml/2006/main">
+  <p:cSld>
+    <p:spTree>
+      <p:nvGrpSpPr>
+        <p:cNvPr id="1" name=""/>
+        <p:cNvGrpSpPr/>
+        <p:nvPr/>
+      </p:nvGrpSpPr>
+      <p:grpSpPr>
+        <a:xfrm>
+          <a:off x="0" y="0"/>
+          <a:ext cx="0" cy="0"/>
+          <a:chOff x="0" y="0"/>
+          <a:chExt cx="0" cy="0"/>
+        </a:xfrm>
+      </p:grpSpPr>
+      <p:sp>
+        <p:nvSpPr>
+          <p:cNvPr id="2" name="Title 1"/>
+          <p:cNvSpPr>
+            <a:spLocks noGrp="1"/>
+          </p:cNvSpPr>
+          <p:nvPr>
+            <p:ph type="title"/>
+          </p:nvPr>
+        </p:nvSpPr>
+        <p:spPr/>
+        <p:txBody>
+          <a:bodyPr/>
+          <a:lstStyle/>
+          <a:p>
+            <a:r>
+              <a:rPr lang="en-US" dirty="0" smtClean="0"/>
               <a:t>Look at the next match</a:t>
             </a:r>
             <a:r>

--- a/TODO/spa_presentation.pptx
+++ b/TODO/spa_presentation.pptx
@@ -5,7 +5,7 @@
     <p:sldMasterId id="2147483713" r:id="rId1"/>
   </p:sldMasterIdLst>
   <p:notesMasterIdLst>
-    <p:notesMasterId r:id="rId21"/>
+    <p:notesMasterId r:id="rId20"/>
   </p:notesMasterIdLst>
   <p:sldIdLst>
     <p:sldId id="256" r:id="rId2"/>
@@ -26,7 +26,6 @@
     <p:sldId id="272" r:id="rId17"/>
     <p:sldId id="274" r:id="rId18"/>
     <p:sldId id="273" r:id="rId19"/>
-    <p:sldId id="263" r:id="rId20"/>
   </p:sldIdLst>
   <p:sldSz cx="12192000" cy="6858000"/>
   <p:notesSz cx="6858000" cy="9144000"/>
@@ -173,6 +172,7 @@
           </a:p>
         </c:rich>
       </c:tx>
+      <c:layout/>
       <c:overlay val="0"/>
       <c:spPr>
         <a:noFill/>
@@ -546,11 +546,11 @@
         </c:dLbls>
         <c:gapWidth val="219"/>
         <c:overlap val="-27"/>
-        <c:axId val="-63458272"/>
-        <c:axId val="-63455952"/>
+        <c:axId val="38289568"/>
+        <c:axId val="38291344"/>
       </c:barChart>
       <c:catAx>
-        <c:axId val="-63458272"/>
+        <c:axId val="38289568"/>
         <c:scaling>
           <c:orientation val="minMax"/>
         </c:scaling>
@@ -593,7 +593,7 @@
             <a:endParaRPr lang="en-US"/>
           </a:p>
         </c:txPr>
-        <c:crossAx val="-63455952"/>
+        <c:crossAx val="38291344"/>
         <c:crosses val="autoZero"/>
         <c:auto val="1"/>
         <c:lblAlgn val="ctr"/>
@@ -601,7 +601,7 @@
         <c:noMultiLvlLbl val="0"/>
       </c:catAx>
       <c:valAx>
-        <c:axId val="-63455952"/>
+        <c:axId val="38291344"/>
         <c:scaling>
           <c:orientation val="minMax"/>
         </c:scaling>
@@ -652,7 +652,7 @@
             <a:endParaRPr lang="en-US"/>
           </a:p>
         </c:txPr>
-        <c:crossAx val="-63458272"/>
+        <c:crossAx val="38289568"/>
         <c:crosses val="autoZero"/>
         <c:crossBetween val="between"/>
       </c:valAx>
@@ -937,7 +937,7 @@
                   <c:v>4.55</c:v>
                 </c:pt>
                 <c:pt idx="3">
-                  <c:v>6.819999999999999</c:v>
+                  <c:v>6.819999999999998</c:v>
                 </c:pt>
                 <c:pt idx="4">
                   <c:v>6.7</c:v>
@@ -1009,7 +1009,7 @@
                   <c:v>-4.5</c:v>
                 </c:pt>
                 <c:pt idx="27">
-                  <c:v>-4.859999999999999</c:v>
+                  <c:v>-4.859999999999998</c:v>
                 </c:pt>
                 <c:pt idx="28">
                   <c:v>-5.3</c:v>
@@ -1217,7 +1217,7 @@
                   <c:v>-0.82</c:v>
                 </c:pt>
                 <c:pt idx="5">
-                  <c:v>8.229999999999998</c:v>
+                  <c:v>8.23</c:v>
                 </c:pt>
                 <c:pt idx="6">
                   <c:v>7.28</c:v>
@@ -1289,7 +1289,7 @@
                   <c:v>-6.1</c:v>
                 </c:pt>
                 <c:pt idx="29">
-                  <c:v>-6.859999999999999</c:v>
+                  <c:v>-6.859999999999998</c:v>
                 </c:pt>
                 <c:pt idx="30">
                   <c:v>-8.46</c:v>
@@ -1592,11 +1592,11 @@
           <c:showBubbleSize val="0"/>
         </c:dLbls>
         <c:smooth val="0"/>
-        <c:axId val="-63235040"/>
-        <c:axId val="-63232288"/>
+        <c:axId val="38402000"/>
+        <c:axId val="38404752"/>
       </c:lineChart>
       <c:catAx>
-        <c:axId val="-63235040"/>
+        <c:axId val="38402000"/>
         <c:scaling>
           <c:orientation val="minMax"/>
         </c:scaling>
@@ -1639,7 +1639,7 @@
             <a:endParaRPr lang="en-US"/>
           </a:p>
         </c:txPr>
-        <c:crossAx val="-63232288"/>
+        <c:crossAx val="38404752"/>
         <c:crosses val="autoZero"/>
         <c:auto val="1"/>
         <c:lblAlgn val="ctr"/>
@@ -1647,7 +1647,7 @@
         <c:noMultiLvlLbl val="0"/>
       </c:catAx>
       <c:valAx>
-        <c:axId val="-63232288"/>
+        <c:axId val="38404752"/>
         <c:scaling>
           <c:orientation val="minMax"/>
         </c:scaling>
@@ -1704,7 +1704,7 @@
             <a:endParaRPr lang="en-US"/>
           </a:p>
         </c:txPr>
-        <c:crossAx val="-63235040"/>
+        <c:crossAx val="38402000"/>
         <c:crosses val="autoZero"/>
         <c:crossBetween val="between"/>
       </c:valAx>
@@ -2084,10 +2084,10 @@
                   <c:v>5.46</c:v>
                 </c:pt>
                 <c:pt idx="36">
-                  <c:v>7.159999999999999</c:v>
+                  <c:v>7.159999999999998</c:v>
                 </c:pt>
                 <c:pt idx="37">
-                  <c:v>6.659999999999999</c:v>
+                  <c:v>6.659999999999998</c:v>
                 </c:pt>
               </c:numCache>
             </c:numRef>
@@ -2313,13 +2313,13 @@
                   <c:v>-1.65</c:v>
                 </c:pt>
                 <c:pt idx="21">
-                  <c:v>-4.649999999999999</c:v>
+                  <c:v>-4.649999999999998</c:v>
                 </c:pt>
                 <c:pt idx="22">
-                  <c:v>-4.649999999999999</c:v>
+                  <c:v>-4.649999999999998</c:v>
                 </c:pt>
                 <c:pt idx="23">
-                  <c:v>-5.649999999999999</c:v>
+                  <c:v>-5.649999999999998</c:v>
                 </c:pt>
                 <c:pt idx="24">
                   <c:v>-5.4</c:v>
@@ -2640,11 +2640,11 @@
           <c:showBubbleSize val="0"/>
         </c:dLbls>
         <c:smooth val="0"/>
-        <c:axId val="-64714432"/>
-        <c:axId val="-64712112"/>
+        <c:axId val="53515920"/>
+        <c:axId val="53518672"/>
       </c:lineChart>
       <c:catAx>
-        <c:axId val="-64714432"/>
+        <c:axId val="53515920"/>
         <c:scaling>
           <c:orientation val="minMax"/>
         </c:scaling>
@@ -2687,7 +2687,7 @@
             <a:endParaRPr lang="en-US"/>
           </a:p>
         </c:txPr>
-        <c:crossAx val="-64712112"/>
+        <c:crossAx val="53518672"/>
         <c:crosses val="autoZero"/>
         <c:auto val="1"/>
         <c:lblAlgn val="ctr"/>
@@ -2695,7 +2695,7 @@
         <c:noMultiLvlLbl val="0"/>
       </c:catAx>
       <c:valAx>
-        <c:axId val="-64712112"/>
+        <c:axId val="53518672"/>
         <c:scaling>
           <c:orientation val="minMax"/>
         </c:scaling>
@@ -2752,7 +2752,7 @@
             <a:endParaRPr lang="en-US"/>
           </a:p>
         </c:txPr>
-        <c:crossAx val="-64714432"/>
+        <c:crossAx val="53515920"/>
         <c:crosses val="autoZero"/>
         <c:crossBetween val="between"/>
       </c:valAx>
@@ -3069,7 +3069,7 @@
                   <c:v>5.76</c:v>
                 </c:pt>
                 <c:pt idx="12">
-                  <c:v>5.66</c:v>
+                  <c:v>5.659999999999999</c:v>
                 </c:pt>
                 <c:pt idx="13">
                   <c:v>3.85</c:v>
@@ -3102,7 +3102,7 @@
                   <c:v>-2.69</c:v>
                 </c:pt>
                 <c:pt idx="23">
-                  <c:v>-5.69</c:v>
+                  <c:v>-5.689999999999999</c:v>
                 </c:pt>
                 <c:pt idx="24">
                   <c:v>-2.39</c:v>
@@ -3117,7 +3117,7 @@
                   <c:v>-7.39</c:v>
                 </c:pt>
                 <c:pt idx="28">
-                  <c:v>-7.19</c:v>
+                  <c:v>-7.189999999999999</c:v>
                 </c:pt>
                 <c:pt idx="29">
                   <c:v>-7.95</c:v>
@@ -3138,7 +3138,7 @@
                   <c:v>1.62</c:v>
                 </c:pt>
                 <c:pt idx="35">
-                  <c:v>4.66</c:v>
+                  <c:v>4.659999999999999</c:v>
                 </c:pt>
                 <c:pt idx="36">
                   <c:v>3.28</c:v>
@@ -3331,7 +3331,7 @@
                   <c:v>6.98</c:v>
                 </c:pt>
                 <c:pt idx="8">
-                  <c:v>8.24</c:v>
+                  <c:v>8.239999999999998</c:v>
                 </c:pt>
                 <c:pt idx="9">
                   <c:v>8.28</c:v>
@@ -3751,7 +3751,7 @@
                   <c:v>4.42</c:v>
                 </c:pt>
                 <c:pt idx="10">
-                  <c:v>4.82</c:v>
+                  <c:v>4.819999999999999</c:v>
                 </c:pt>
                 <c:pt idx="11">
                   <c:v>7.22</c:v>
@@ -3766,7 +3766,7 @@
                   <c:v>8.19</c:v>
                 </c:pt>
                 <c:pt idx="15">
-                  <c:v>4.36</c:v>
+                  <c:v>4.359999999999999</c:v>
                 </c:pt>
                 <c:pt idx="16">
                   <c:v>5.23</c:v>
@@ -3878,7 +3878,7 @@
                   <c:v>-6.26</c:v>
                 </c:pt>
                 <c:pt idx="6">
-                  <c:v>-5.36</c:v>
+                  <c:v>-5.359999999999999</c:v>
                 </c:pt>
                 <c:pt idx="7">
                   <c:v>-5.08</c:v>
@@ -4062,7 +4062,7 @@
                   <c:v>-4.44</c:v>
                 </c:pt>
                 <c:pt idx="17">
-                  <c:v>-8.24</c:v>
+                  <c:v>-8.239999999999998</c:v>
                 </c:pt>
                 <c:pt idx="18">
                   <c:v>-9.34</c:v>
@@ -4138,11 +4138,11 @@
           <c:showBubbleSize val="0"/>
         </c:dLbls>
         <c:smooth val="0"/>
-        <c:axId val="-99313024"/>
-        <c:axId val="-99310272"/>
+        <c:axId val="53661840"/>
+        <c:axId val="53664592"/>
       </c:lineChart>
       <c:catAx>
-        <c:axId val="-99313024"/>
+        <c:axId val="53661840"/>
         <c:scaling>
           <c:orientation val="minMax"/>
         </c:scaling>
@@ -4185,7 +4185,7 @@
             <a:endParaRPr lang="en-US"/>
           </a:p>
         </c:txPr>
-        <c:crossAx val="-99310272"/>
+        <c:crossAx val="53664592"/>
         <c:crosses val="autoZero"/>
         <c:auto val="1"/>
         <c:lblAlgn val="ctr"/>
@@ -4193,7 +4193,7 @@
         <c:noMultiLvlLbl val="0"/>
       </c:catAx>
       <c:valAx>
-        <c:axId val="-99310272"/>
+        <c:axId val="53664592"/>
         <c:scaling>
           <c:orientation val="minMax"/>
         </c:scaling>
@@ -4250,7 +4250,7 @@
             <a:endParaRPr lang="en-US"/>
           </a:p>
         </c:txPr>
-        <c:crossAx val="-99313024"/>
+        <c:crossAx val="53661840"/>
         <c:crosses val="autoZero"/>
         <c:crossBetween val="between"/>
       </c:valAx>
@@ -4786,11 +4786,11 @@
         </c:dLbls>
         <c:gapWidth val="219"/>
         <c:overlap val="-27"/>
-        <c:axId val="-59312464"/>
-        <c:axId val="-59310688"/>
+        <c:axId val="53683104"/>
+        <c:axId val="53685856"/>
       </c:barChart>
       <c:catAx>
-        <c:axId val="-59312464"/>
+        <c:axId val="53683104"/>
         <c:scaling>
           <c:orientation val="minMax"/>
         </c:scaling>
@@ -4833,7 +4833,7 @@
             <a:endParaRPr lang="en-US"/>
           </a:p>
         </c:txPr>
-        <c:crossAx val="-59310688"/>
+        <c:crossAx val="53685856"/>
         <c:crosses val="autoZero"/>
         <c:auto val="1"/>
         <c:lblAlgn val="ctr"/>
@@ -4841,7 +4841,7 @@
         <c:noMultiLvlLbl val="0"/>
       </c:catAx>
       <c:valAx>
-        <c:axId val="-59310688"/>
+        <c:axId val="53685856"/>
         <c:scaling>
           <c:orientation val="minMax"/>
         </c:scaling>
@@ -4892,7 +4892,7 @@
             <a:endParaRPr lang="en-US"/>
           </a:p>
         </c:txPr>
-        <c:crossAx val="-59312464"/>
+        <c:crossAx val="53683104"/>
         <c:crosses val="autoZero"/>
         <c:crossBetween val="between"/>
       </c:valAx>
@@ -5012,6 +5012,7 @@
           </a:p>
         </c:rich>
       </c:tx>
+      <c:layout/>
       <c:overlay val="0"/>
       <c:spPr>
         <a:noFill/>
@@ -5385,11 +5386,11 @@
         </c:dLbls>
         <c:gapWidth val="219"/>
         <c:overlap val="-27"/>
-        <c:axId val="-63442912"/>
-        <c:axId val="-63440160"/>
+        <c:axId val="-32850432"/>
+        <c:axId val="-32847328"/>
       </c:barChart>
       <c:catAx>
-        <c:axId val="-63442912"/>
+        <c:axId val="-32850432"/>
         <c:scaling>
           <c:orientation val="minMax"/>
         </c:scaling>
@@ -5432,7 +5433,7 @@
             <a:endParaRPr lang="en-US"/>
           </a:p>
         </c:txPr>
-        <c:crossAx val="-63440160"/>
+        <c:crossAx val="-32847328"/>
         <c:crosses val="autoZero"/>
         <c:auto val="1"/>
         <c:lblAlgn val="ctr"/>
@@ -5440,7 +5441,7 @@
         <c:noMultiLvlLbl val="0"/>
       </c:catAx>
       <c:valAx>
-        <c:axId val="-63440160"/>
+        <c:axId val="-32847328"/>
         <c:scaling>
           <c:orientation val="minMax"/>
         </c:scaling>
@@ -5491,7 +5492,7 @@
             <a:endParaRPr lang="en-US"/>
           </a:p>
         </c:txPr>
-        <c:crossAx val="-63442912"/>
+        <c:crossAx val="-32850432"/>
         <c:crosses val="autoZero"/>
         <c:crossBetween val="between"/>
       </c:valAx>
@@ -5570,6 +5571,7 @@
           </a:p>
         </c:rich>
       </c:tx>
+      <c:layout/>
       <c:overlay val="0"/>
       <c:spPr>
         <a:noFill/>
@@ -5943,11 +5945,11 @@
         </c:dLbls>
         <c:gapWidth val="219"/>
         <c:overlap val="-27"/>
-        <c:axId val="-63415392"/>
-        <c:axId val="-63412640"/>
+        <c:axId val="52708128"/>
+        <c:axId val="52710448"/>
       </c:barChart>
       <c:catAx>
-        <c:axId val="-63415392"/>
+        <c:axId val="52708128"/>
         <c:scaling>
           <c:orientation val="minMax"/>
         </c:scaling>
@@ -5990,7 +5992,7 @@
             <a:endParaRPr lang="en-US"/>
           </a:p>
         </c:txPr>
-        <c:crossAx val="-63412640"/>
+        <c:crossAx val="52710448"/>
         <c:crosses val="autoZero"/>
         <c:auto val="1"/>
         <c:lblAlgn val="ctr"/>
@@ -5998,7 +6000,7 @@
         <c:noMultiLvlLbl val="0"/>
       </c:catAx>
       <c:valAx>
-        <c:axId val="-63412640"/>
+        <c:axId val="52710448"/>
         <c:scaling>
           <c:orientation val="minMax"/>
         </c:scaling>
@@ -6049,7 +6051,7 @@
             <a:endParaRPr lang="en-US"/>
           </a:p>
         </c:txPr>
-        <c:crossAx val="-63415392"/>
+        <c:crossAx val="52708128"/>
         <c:crosses val="autoZero"/>
         <c:crossBetween val="between"/>
       </c:valAx>
@@ -6063,6 +6065,7 @@
     </c:plotArea>
     <c:legend>
       <c:legendPos val="t"/>
+      <c:layout/>
       <c:overlay val="0"/>
       <c:spPr>
         <a:noFill/>
@@ -6393,11 +6396,11 @@
         </c:dLbls>
         <c:gapWidth val="219"/>
         <c:overlap val="-27"/>
-        <c:axId val="-63393152"/>
-        <c:axId val="-63390160"/>
+        <c:axId val="38940496"/>
+        <c:axId val="38943760"/>
       </c:barChart>
       <c:catAx>
-        <c:axId val="-63393152"/>
+        <c:axId val="38940496"/>
         <c:scaling>
           <c:orientation val="minMax"/>
         </c:scaling>
@@ -6406,7 +6409,7 @@
         <c:majorTickMark val="none"/>
         <c:minorTickMark val="none"/>
         <c:tickLblPos val="nextTo"/>
-        <c:crossAx val="-63390160"/>
+        <c:crossAx val="38943760"/>
         <c:crosses val="autoZero"/>
         <c:auto val="1"/>
         <c:lblAlgn val="ctr"/>
@@ -6414,7 +6417,7 @@
         <c:noMultiLvlLbl val="0"/>
       </c:catAx>
       <c:valAx>
-        <c:axId val="-63390160"/>
+        <c:axId val="38943760"/>
         <c:scaling>
           <c:orientation val="minMax"/>
           <c:max val="0.6"/>
@@ -6466,7 +6469,7 @@
             <a:endParaRPr lang="en-US"/>
           </a:p>
         </c:txPr>
-        <c:crossAx val="-63393152"/>
+        <c:crossAx val="38940496"/>
         <c:crosses val="autoZero"/>
         <c:crossBetween val="between"/>
       </c:valAx>
@@ -6823,11 +6826,11 @@
         </c:dLbls>
         <c:gapWidth val="219"/>
         <c:overlap val="-27"/>
-        <c:axId val="-63358688"/>
-        <c:axId val="-63355424"/>
+        <c:axId val="38971856"/>
+        <c:axId val="38975120"/>
       </c:barChart>
       <c:catAx>
-        <c:axId val="-63358688"/>
+        <c:axId val="38971856"/>
         <c:scaling>
           <c:orientation val="minMax"/>
         </c:scaling>
@@ -6869,7 +6872,7 @@
             <a:endParaRPr lang="en-US"/>
           </a:p>
         </c:txPr>
-        <c:crossAx val="-63355424"/>
+        <c:crossAx val="38975120"/>
         <c:crosses val="autoZero"/>
         <c:auto val="1"/>
         <c:lblAlgn val="ctr"/>
@@ -6877,7 +6880,7 @@
         <c:noMultiLvlLbl val="0"/>
       </c:catAx>
       <c:valAx>
-        <c:axId val="-63355424"/>
+        <c:axId val="38975120"/>
         <c:scaling>
           <c:orientation val="minMax"/>
         </c:scaling>
@@ -6928,7 +6931,7 @@
             <a:endParaRPr lang="en-US"/>
           </a:p>
         </c:txPr>
-        <c:crossAx val="-63358688"/>
+        <c:crossAx val="38971856"/>
         <c:crosses val="autoZero"/>
         <c:crossBetween val="between"/>
       </c:valAx>
@@ -7129,7 +7132,7 @@
                   <c:v>94.436521766471</c:v>
                 </c:pt>
                 <c:pt idx="3">
-                  <c:v>46.30703128724319</c:v>
+                  <c:v>46.30703128724318</c:v>
                 </c:pt>
                 <c:pt idx="4">
                   <c:v>17.03002005892695</c:v>
@@ -7157,11 +7160,11 @@
         </c:dLbls>
         <c:gapWidth val="219"/>
         <c:overlap val="-27"/>
-        <c:axId val="-99500768"/>
-        <c:axId val="-99498448"/>
+        <c:axId val="52747600"/>
+        <c:axId val="52750352"/>
       </c:barChart>
       <c:catAx>
-        <c:axId val="-99500768"/>
+        <c:axId val="52747600"/>
         <c:scaling>
           <c:orientation val="minMax"/>
         </c:scaling>
@@ -7204,7 +7207,7 @@
             <a:endParaRPr lang="en-US"/>
           </a:p>
         </c:txPr>
-        <c:crossAx val="-99498448"/>
+        <c:crossAx val="52750352"/>
         <c:crosses val="autoZero"/>
         <c:auto val="1"/>
         <c:lblAlgn val="ctr"/>
@@ -7212,7 +7215,7 @@
         <c:noMultiLvlLbl val="0"/>
       </c:catAx>
       <c:valAx>
-        <c:axId val="-99498448"/>
+        <c:axId val="52750352"/>
         <c:scaling>
           <c:orientation val="minMax"/>
         </c:scaling>
@@ -7263,7 +7266,7 @@
             <a:endParaRPr lang="en-US"/>
           </a:p>
         </c:txPr>
-        <c:crossAx val="-99500768"/>
+        <c:crossAx val="52747600"/>
         <c:crosses val="autoZero"/>
         <c:crossBetween val="between"/>
       </c:valAx>
@@ -7516,7 +7519,7 @@
                   <c:v>139.0719678394247</c:v>
                 </c:pt>
                 <c:pt idx="2">
-                  <c:v>76.8555611744189</c:v>
+                  <c:v>76.85556117441888</c:v>
                 </c:pt>
                 <c:pt idx="3">
                   <c:v>28.31520674847013</c:v>
@@ -7547,11 +7550,11 @@
         </c:dLbls>
         <c:gapWidth val="219"/>
         <c:overlap val="-27"/>
-        <c:axId val="-99467120"/>
-        <c:axId val="-99464800"/>
+        <c:axId val="53482624"/>
+        <c:axId val="53484832"/>
       </c:barChart>
       <c:catAx>
-        <c:axId val="-99467120"/>
+        <c:axId val="53482624"/>
         <c:scaling>
           <c:orientation val="minMax"/>
         </c:scaling>
@@ -7594,7 +7597,7 @@
             <a:endParaRPr lang="en-US"/>
           </a:p>
         </c:txPr>
-        <c:crossAx val="-99464800"/>
+        <c:crossAx val="53484832"/>
         <c:crosses val="autoZero"/>
         <c:auto val="1"/>
         <c:lblAlgn val="ctr"/>
@@ -7602,7 +7605,7 @@
         <c:noMultiLvlLbl val="0"/>
       </c:catAx>
       <c:valAx>
-        <c:axId val="-99464800"/>
+        <c:axId val="53484832"/>
         <c:scaling>
           <c:orientation val="minMax"/>
         </c:scaling>
@@ -7653,7 +7656,7 @@
             <a:endParaRPr lang="en-US"/>
           </a:p>
         </c:txPr>
-        <c:crossAx val="-99467120"/>
+        <c:crossAx val="53482624"/>
         <c:crosses val="autoZero"/>
         <c:crossBetween val="between"/>
       </c:valAx>
@@ -8284,7 +8287,7 @@
                   <c:v>-11.22</c:v>
                 </c:pt>
                 <c:pt idx="18">
-                  <c:v>-7.619999999999999</c:v>
+                  <c:v>-7.619999999999998</c:v>
                 </c:pt>
                 <c:pt idx="19">
                   <c:v>-10.96</c:v>
@@ -8620,11 +8623,11 @@
           <c:showBubbleSize val="0"/>
         </c:dLbls>
         <c:smooth val="0"/>
-        <c:axId val="-63295792"/>
-        <c:axId val="-63293040"/>
+        <c:axId val="53492672"/>
+        <c:axId val="53494992"/>
       </c:lineChart>
       <c:catAx>
-        <c:axId val="-63295792"/>
+        <c:axId val="53492672"/>
         <c:scaling>
           <c:orientation val="minMax"/>
         </c:scaling>
@@ -8667,7 +8670,7 @@
             <a:endParaRPr lang="en-US"/>
           </a:p>
         </c:txPr>
-        <c:crossAx val="-63293040"/>
+        <c:crossAx val="53494992"/>
         <c:crosses val="autoZero"/>
         <c:auto val="1"/>
         <c:lblAlgn val="ctr"/>
@@ -8675,7 +8678,7 @@
         <c:noMultiLvlLbl val="0"/>
       </c:catAx>
       <c:valAx>
-        <c:axId val="-63293040"/>
+        <c:axId val="53494992"/>
         <c:scaling>
           <c:orientation val="minMax"/>
         </c:scaling>
@@ -8731,7 +8734,7 @@
             <a:endParaRPr lang="en-US"/>
           </a:p>
         </c:txPr>
-        <c:crossAx val="-63295792"/>
+        <c:crossAx val="53492672"/>
         <c:crosses val="autoZero"/>
         <c:crossBetween val="between"/>
       </c:valAx>
@@ -9667,11 +9670,11 @@
           <c:showBubbleSize val="0"/>
         </c:dLbls>
         <c:smooth val="0"/>
-        <c:axId val="-63266784"/>
-        <c:axId val="-63264032"/>
+        <c:axId val="38370592"/>
+        <c:axId val="38373344"/>
       </c:lineChart>
       <c:catAx>
-        <c:axId val="-63266784"/>
+        <c:axId val="38370592"/>
         <c:scaling>
           <c:orientation val="minMax"/>
         </c:scaling>
@@ -9714,7 +9717,7 @@
             <a:endParaRPr lang="en-US"/>
           </a:p>
         </c:txPr>
-        <c:crossAx val="-63264032"/>
+        <c:crossAx val="38373344"/>
         <c:crosses val="autoZero"/>
         <c:auto val="1"/>
         <c:lblAlgn val="ctr"/>
@@ -9722,7 +9725,7 @@
         <c:noMultiLvlLbl val="0"/>
       </c:catAx>
       <c:valAx>
-        <c:axId val="-63264032"/>
+        <c:axId val="38373344"/>
         <c:scaling>
           <c:orientation val="minMax"/>
         </c:scaling>
@@ -9779,7 +9782,7 @@
             <a:endParaRPr lang="en-US"/>
           </a:p>
         </c:txPr>
-        <c:crossAx val="-63266784"/>
+        <c:crossAx val="38370592"/>
         <c:crosses val="autoZero"/>
         <c:crossBetween val="between"/>
       </c:valAx>
@@ -22884,7 +22887,7 @@
           <a:p>
             <a:fld id="{2CF913E4-21D6-454A-9B7B-BE459B1334D7}" type="datetimeFigureOut">
               <a:rPr lang="en-US" smtClean="0"/>
-              <a:t>3/22/17</a:t>
+              <a:t>3/23/17</a:t>
             </a:fld>
             <a:endParaRPr lang="en-US"/>
           </a:p>
@@ -25346,6 +25349,114 @@
 </p:notes>
 </file>
 
+<file path=ppt/notesSlides/notesSlide9.xml><?xml version="1.0" encoding="utf-8"?>
+<p:notes xmlns:a="http://schemas.openxmlformats.org/drawingml/2006/main" xmlns:r="http://schemas.openxmlformats.org/officeDocument/2006/relationships" xmlns:p="http://schemas.openxmlformats.org/presentationml/2006/main">
+  <p:cSld>
+    <p:spTree>
+      <p:nvGrpSpPr>
+        <p:cNvPr id="1" name=""/>
+        <p:cNvGrpSpPr/>
+        <p:nvPr/>
+      </p:nvGrpSpPr>
+      <p:grpSpPr>
+        <a:xfrm>
+          <a:off x="0" y="0"/>
+          <a:ext cx="0" cy="0"/>
+          <a:chOff x="0" y="0"/>
+          <a:chExt cx="0" cy="0"/>
+        </a:xfrm>
+      </p:grpSpPr>
+      <p:sp>
+        <p:nvSpPr>
+          <p:cNvPr id="2" name="Slide Image Placeholder 1"/>
+          <p:cNvSpPr>
+            <a:spLocks noGrp="1" noRot="1" noChangeAspect="1"/>
+          </p:cNvSpPr>
+          <p:nvPr>
+            <p:ph type="sldImg"/>
+          </p:nvPr>
+        </p:nvSpPr>
+        <p:spPr/>
+      </p:sp>
+      <p:sp>
+        <p:nvSpPr>
+          <p:cNvPr id="3" name="Notes Placeholder 2"/>
+          <p:cNvSpPr>
+            <a:spLocks noGrp="1"/>
+          </p:cNvSpPr>
+          <p:nvPr>
+            <p:ph type="body" idx="1"/>
+          </p:nvPr>
+        </p:nvSpPr>
+        <p:spPr/>
+        <p:txBody>
+          <a:bodyPr/>
+          <a:lstStyle/>
+          <a:p>
+            <a:r>
+              <a:rPr lang="en-US" dirty="0" smtClean="0"/>
+              <a:t>Ulmer </a:t>
+            </a:r>
+            <a:r>
+              <a:rPr lang="en-US" dirty="0" smtClean="0">
+                <a:sym typeface="Wingdings"/>
+              </a:rPr>
+              <a:t> page 4 , fig 6</a:t>
+            </a:r>
+          </a:p>
+          <a:p>
+            <a:r>
+              <a:rPr lang="en-US" dirty="0" err="1" smtClean="0">
+                <a:sym typeface="Wingdings"/>
+              </a:rPr>
+              <a:t>Ekfre</a:t>
+            </a:r>
+            <a:r>
+              <a:rPr lang="en-US" dirty="0" smtClean="0">
+                <a:sym typeface="Wingdings"/>
+              </a:rPr>
+              <a:t>  page 17, fig 6</a:t>
+            </a:r>
+            <a:endParaRPr lang="en-US" dirty="0"/>
+          </a:p>
+        </p:txBody>
+      </p:sp>
+      <p:sp>
+        <p:nvSpPr>
+          <p:cNvPr id="4" name="Slide Number Placeholder 3"/>
+          <p:cNvSpPr>
+            <a:spLocks noGrp="1"/>
+          </p:cNvSpPr>
+          <p:nvPr>
+            <p:ph type="sldNum" sz="quarter" idx="10"/>
+          </p:nvPr>
+        </p:nvSpPr>
+        <p:spPr/>
+        <p:txBody>
+          <a:bodyPr/>
+          <a:lstStyle/>
+          <a:p>
+            <a:fld id="{E6C22B83-ABD6-0F43-B818-DC95DF684F80}" type="slidenum">
+              <a:rPr lang="en-US" smtClean="0"/>
+              <a:t>18</a:t>
+            </a:fld>
+            <a:endParaRPr lang="en-US"/>
+          </a:p>
+        </p:txBody>
+      </p:sp>
+    </p:spTree>
+    <p:extLst>
+      <p:ext uri="{BB962C8B-B14F-4D97-AF65-F5344CB8AC3E}">
+        <p14:creationId xmlns:p14="http://schemas.microsoft.com/office/powerpoint/2010/main" val="962997976"/>
+      </p:ext>
+    </p:extLst>
+  </p:cSld>
+  <p:clrMapOvr>
+    <a:masterClrMapping/>
+  </p:clrMapOvr>
+</p:notes>
+</file>
+
 <file path=ppt/slideLayouts/slideLayout1.xml><?xml version="1.0" encoding="utf-8"?>
 <p:sldLayout xmlns:a="http://schemas.openxmlformats.org/drawingml/2006/main" xmlns:r="http://schemas.openxmlformats.org/officeDocument/2006/relationships" xmlns:p="http://schemas.openxmlformats.org/presentationml/2006/main" type="title" preserve="1">
   <p:cSld name="Title Slide">
@@ -25516,7 +25627,7 @@
           <a:p>
             <a:fld id="{E244C58A-5871-1749-BADD-ABDAF70FC583}" type="datetimeFigureOut">
               <a:rPr lang="en-US" smtClean="0"/>
-              <a:t>3/22/17</a:t>
+              <a:t>3/23/17</a:t>
             </a:fld>
             <a:endParaRPr lang="en-US"/>
           </a:p>
@@ -25778,7 +25889,7 @@
           <a:p>
             <a:fld id="{E244C58A-5871-1749-BADD-ABDAF70FC583}" type="datetimeFigureOut">
               <a:rPr lang="en-US" smtClean="0"/>
-              <a:t>3/22/17</a:t>
+              <a:t>3/23/17</a:t>
             </a:fld>
             <a:endParaRPr lang="en-US"/>
           </a:p>
@@ -26004,7 +26115,7 @@
           <a:p>
             <a:fld id="{E244C58A-5871-1749-BADD-ABDAF70FC583}" type="datetimeFigureOut">
               <a:rPr lang="en-US" smtClean="0"/>
-              <a:t>3/22/17</a:t>
+              <a:t>3/23/17</a:t>
             </a:fld>
             <a:endParaRPr lang="en-US"/>
           </a:p>
@@ -26309,7 +26420,7 @@
           <a:p>
             <a:fld id="{E244C58A-5871-1749-BADD-ABDAF70FC583}" type="datetimeFigureOut">
               <a:rPr lang="en-US" smtClean="0"/>
-              <a:t>3/22/17</a:t>
+              <a:t>3/23/17</a:t>
             </a:fld>
             <a:endParaRPr lang="en-US"/>
           </a:p>
@@ -26777,7 +26888,7 @@
           <a:p>
             <a:fld id="{E244C58A-5871-1749-BADD-ABDAF70FC583}" type="datetimeFigureOut">
               <a:rPr lang="en-US" smtClean="0"/>
-              <a:t>3/22/17</a:t>
+              <a:t>3/23/17</a:t>
             </a:fld>
             <a:endParaRPr lang="en-US"/>
           </a:p>
@@ -27319,7 +27430,7 @@
           <a:p>
             <a:fld id="{E244C58A-5871-1749-BADD-ABDAF70FC583}" type="datetimeFigureOut">
               <a:rPr lang="en-US" smtClean="0"/>
-              <a:t>3/22/17</a:t>
+              <a:t>3/23/17</a:t>
             </a:fld>
             <a:endParaRPr lang="en-US"/>
           </a:p>
@@ -28088,7 +28199,7 @@
           <a:p>
             <a:fld id="{E244C58A-5871-1749-BADD-ABDAF70FC583}" type="datetimeFigureOut">
               <a:rPr lang="en-US" smtClean="0"/>
-              <a:t>3/22/17</a:t>
+              <a:t>3/23/17</a:t>
             </a:fld>
             <a:endParaRPr lang="en-US"/>
           </a:p>
@@ -28258,7 +28369,7 @@
           <a:p>
             <a:fld id="{E244C58A-5871-1749-BADD-ABDAF70FC583}" type="datetimeFigureOut">
               <a:rPr lang="en-US" smtClean="0"/>
-              <a:t>3/22/17</a:t>
+              <a:t>3/23/17</a:t>
             </a:fld>
             <a:endParaRPr lang="en-US"/>
           </a:p>
@@ -28476,7 +28587,7 @@
           <a:p>
             <a:fld id="{E244C58A-5871-1749-BADD-ABDAF70FC583}" type="datetimeFigureOut">
               <a:rPr lang="en-US" smtClean="0"/>
-              <a:t>3/22/17</a:t>
+              <a:t>3/23/17</a:t>
             </a:fld>
             <a:endParaRPr lang="en-US"/>
           </a:p>
@@ -28651,7 +28762,7 @@
           <a:p>
             <a:fld id="{E244C58A-5871-1749-BADD-ABDAF70FC583}" type="datetimeFigureOut">
               <a:rPr lang="en-US" smtClean="0"/>
-              <a:t>3/22/17</a:t>
+              <a:t>3/23/17</a:t>
             </a:fld>
             <a:endParaRPr lang="en-US"/>
           </a:p>
@@ -28935,7 +29046,7 @@
           <a:p>
             <a:fld id="{E244C58A-5871-1749-BADD-ABDAF70FC583}" type="datetimeFigureOut">
               <a:rPr lang="en-US" smtClean="0"/>
-              <a:t>3/22/17</a:t>
+              <a:t>3/23/17</a:t>
             </a:fld>
             <a:endParaRPr lang="en-US"/>
           </a:p>
@@ -29172,7 +29283,7 @@
           <a:p>
             <a:fld id="{E244C58A-5871-1749-BADD-ABDAF70FC583}" type="datetimeFigureOut">
               <a:rPr lang="en-US" smtClean="0"/>
-              <a:t>3/22/17</a:t>
+              <a:t>3/23/17</a:t>
             </a:fld>
             <a:endParaRPr lang="en-US"/>
           </a:p>
@@ -29546,7 +29657,7 @@
           <a:p>
             <a:fld id="{E244C58A-5871-1749-BADD-ABDAF70FC583}" type="datetimeFigureOut">
               <a:rPr lang="en-US" smtClean="0"/>
-              <a:t>3/22/17</a:t>
+              <a:t>3/23/17</a:t>
             </a:fld>
             <a:endParaRPr lang="en-US"/>
           </a:p>
@@ -29659,7 +29770,7 @@
           <a:p>
             <a:fld id="{E244C58A-5871-1749-BADD-ABDAF70FC583}" type="datetimeFigureOut">
               <a:rPr lang="en-US" smtClean="0"/>
-              <a:t>3/22/17</a:t>
+              <a:t>3/23/17</a:t>
             </a:fld>
             <a:endParaRPr lang="en-US"/>
           </a:p>
@@ -29749,7 +29860,7 @@
           <a:p>
             <a:fld id="{E244C58A-5871-1749-BADD-ABDAF70FC583}" type="datetimeFigureOut">
               <a:rPr lang="en-US" smtClean="0"/>
-              <a:t>3/22/17</a:t>
+              <a:t>3/23/17</a:t>
             </a:fld>
             <a:endParaRPr lang="en-US"/>
           </a:p>
@@ -29993,7 +30104,7 @@
           <a:p>
             <a:fld id="{E244C58A-5871-1749-BADD-ABDAF70FC583}" type="datetimeFigureOut">
               <a:rPr lang="en-US" smtClean="0"/>
-              <a:t>3/22/17</a:t>
+              <a:t>3/23/17</a:t>
             </a:fld>
             <a:endParaRPr lang="en-US"/>
           </a:p>
@@ -30245,7 +30356,7 @@
           <a:p>
             <a:fld id="{E244C58A-5871-1749-BADD-ABDAF70FC583}" type="datetimeFigureOut">
               <a:rPr lang="en-US" smtClean="0"/>
-              <a:t>3/22/17</a:t>
+              <a:t>3/23/17</a:t>
             </a:fld>
             <a:endParaRPr lang="en-US"/>
           </a:p>
@@ -30483,7 +30594,7 @@
           <a:p>
             <a:fld id="{E244C58A-5871-1749-BADD-ABDAF70FC583}" type="datetimeFigureOut">
               <a:rPr lang="en-US" smtClean="0"/>
-              <a:t>3/22/17</a:t>
+              <a:t>3/23/17</a:t>
             </a:fld>
             <a:endParaRPr lang="en-US"/>
           </a:p>
@@ -32351,11 +32462,7 @@
             </a:r>
             <a:r>
               <a:rPr lang="en-US" dirty="0" smtClean="0"/>
-              <a:t> A: Money </a:t>
-            </a:r>
-            <a:r>
-              <a:rPr lang="en-US" dirty="0" smtClean="0"/>
-              <a:t>Loss</a:t>
+              <a:t> A: Money Loss</a:t>
             </a:r>
             <a:endParaRPr lang="en-US" dirty="0"/>
           </a:p>
@@ -32503,6 +32610,10 @@
           <a:bodyPr/>
           <a:lstStyle/>
           <a:p>
+            <a:r>
+              <a:rPr lang="en-US" dirty="0" smtClean="0"/>
+              <a:t>Comparing leagues </a:t>
+            </a:r>
             <a:endParaRPr lang="en-US" dirty="0"/>
           </a:p>
         </p:txBody>
@@ -32578,7 +32689,11 @@
           <a:p>
             <a:r>
               <a:rPr lang="en-US" dirty="0" smtClean="0"/>
-              <a:t>Profit Percentage </a:t>
+              <a:t>Bet 4: Profit </a:t>
+            </a:r>
+            <a:r>
+              <a:rPr lang="en-US" dirty="0" smtClean="0"/>
+              <a:t>Percentage </a:t>
             </a:r>
             <a:endParaRPr lang="en-US" dirty="0"/>
           </a:p>
@@ -32681,6 +32796,62 @@
           <a:bodyPr/>
           <a:lstStyle/>
           <a:p>
+            <a:r>
+              <a:rPr lang="en-US" dirty="0" smtClean="0"/>
+              <a:t>Leverage the predictions in different way take us profit only in few situations</a:t>
+            </a:r>
+          </a:p>
+          <a:p>
+            <a:r>
+              <a:rPr lang="en-US" dirty="0" smtClean="0"/>
+              <a:t>We thought that historic data were enough for good predictions, but actually it seems we need more information difficult to acces</a:t>
+            </a:r>
+            <a:r>
+              <a:rPr lang="en-US" dirty="0" smtClean="0"/>
+              <a:t>s (e.g. player level injury, psychological situations,</a:t>
+            </a:r>
+            <a:r>
+              <a:rPr lang="mr-IN" dirty="0" smtClean="0"/>
+              <a:t>…</a:t>
+            </a:r>
+            <a:r>
+              <a:rPr lang="en-US" dirty="0" smtClean="0"/>
+              <a:t>)</a:t>
+            </a:r>
+            <a:endParaRPr lang="en-US" dirty="0" smtClean="0"/>
+          </a:p>
+          <a:p>
+            <a:r>
+              <a:rPr lang="en-US" dirty="0" smtClean="0"/>
+              <a:t>However, the </a:t>
+            </a:r>
+            <a:r>
+              <a:rPr lang="en-US" b="1" dirty="0" smtClean="0"/>
+              <a:t>prediction </a:t>
+            </a:r>
+            <a:r>
+              <a:rPr lang="en-US" b="1" dirty="0"/>
+              <a:t>accuracy</a:t>
+            </a:r>
+            <a:r>
+              <a:rPr lang="en-US" dirty="0"/>
+              <a:t> is as good as that one reached by Ulmer and Fernandez in “Predicting soccer match results in the English Premier League</a:t>
+            </a:r>
+            <a:r>
+              <a:rPr lang="en-US" dirty="0" smtClean="0"/>
+              <a:t>”, and by </a:t>
+            </a:r>
+            <a:r>
+              <a:rPr lang="en-US" dirty="0" err="1" smtClean="0"/>
+              <a:t>Ekefre</a:t>
+            </a:r>
+            <a:r>
+              <a:rPr lang="en-US" dirty="0" smtClean="0"/>
+              <a:t> in “A comparison of methods for predicting football match”</a:t>
+            </a:r>
+            <a:endParaRPr lang="en-US" dirty="0"/>
+          </a:p>
+          <a:p>
             <a:endParaRPr lang="en-US" dirty="0"/>
           </a:p>
         </p:txBody>
@@ -32695,99 +32866,6 @@
   <p:clrMapOvr>
     <a:masterClrMapping/>
   </p:clrMapOvr>
-</p:sld>
-</file>
-
-<file path=ppt/slides/slide19.xml><?xml version="1.0" encoding="utf-8"?>
-<p:sld xmlns:a="http://schemas.openxmlformats.org/drawingml/2006/main" xmlns:r="http://schemas.openxmlformats.org/officeDocument/2006/relationships" xmlns:p="http://schemas.openxmlformats.org/presentationml/2006/main">
-  <p:cSld>
-    <p:spTree>
-      <p:nvGrpSpPr>
-        <p:cNvPr id="1" name=""/>
-        <p:cNvGrpSpPr/>
-        <p:nvPr/>
-      </p:nvGrpSpPr>
-      <p:grpSpPr>
-        <a:xfrm>
-          <a:off x="0" y="0"/>
-          <a:ext cx="0" cy="0"/>
-          <a:chOff x="0" y="0"/>
-          <a:chExt cx="0" cy="0"/>
-        </a:xfrm>
-      </p:grpSpPr>
-      <p:sp>
-        <p:nvSpPr>
-          <p:cNvPr id="2" name="Title 1"/>
-          <p:cNvSpPr>
-            <a:spLocks noGrp="1"/>
-          </p:cNvSpPr>
-          <p:nvPr>
-            <p:ph type="title"/>
-          </p:nvPr>
-        </p:nvSpPr>
-        <p:spPr/>
-        <p:txBody>
-          <a:bodyPr/>
-          <a:lstStyle/>
-          <a:p>
-            <a:r>
-              <a:rPr lang="en-US" dirty="0" smtClean="0"/>
-              <a:t>Look at the next match</a:t>
-            </a:r>
-            <a:r>
-              <a:rPr lang="mr-IN" dirty="0" smtClean="0"/>
-              <a:t>…</a:t>
-            </a:r>
-            <a:endParaRPr lang="en-US" dirty="0"/>
-          </a:p>
-        </p:txBody>
-      </p:sp>
-      <p:pic>
-        <p:nvPicPr>
-          <p:cNvPr id="4" name="Content Placeholder 3"/>
-          <p:cNvPicPr>
-            <a:picLocks noGrp="1" noChangeAspect="1"/>
-          </p:cNvPicPr>
-          <p:nvPr>
-            <p:ph idx="1"/>
-          </p:nvPr>
-        </p:nvPicPr>
-        <p:blipFill>
-          <a:blip r:embed="rId2">
-            <a:extLst>
-              <a:ext uri="{28A0092B-C50C-407E-A947-70E740481C1C}">
-                <a14:useLocalDpi xmlns:a14="http://schemas.microsoft.com/office/drawing/2010/main" val="0"/>
-              </a:ext>
-            </a:extLst>
-          </a:blip>
-          <a:stretch>
-            <a:fillRect/>
-          </a:stretch>
-        </p:blipFill>
-        <p:spPr>
-          <a:xfrm>
-            <a:off x="2984418" y="2193925"/>
-            <a:ext cx="6223164" cy="4024313"/>
-          </a:xfrm>
-        </p:spPr>
-      </p:pic>
-    </p:spTree>
-    <p:extLst>
-      <p:ext uri="{BB962C8B-B14F-4D97-AF65-F5344CB8AC3E}">
-        <p14:creationId xmlns:p14="http://schemas.microsoft.com/office/powerpoint/2010/main" val="489163557"/>
-      </p:ext>
-    </p:extLst>
-  </p:cSld>
-  <p:clrMapOvr>
-    <a:masterClrMapping/>
-  </p:clrMapOvr>
-  <p:timing>
-    <p:tnLst>
-      <p:par>
-        <p:cTn id="1" dur="indefinite" restart="never" nodeType="tmRoot"/>
-      </p:par>
-    </p:tnLst>
-  </p:timing>
 </p:sld>
 </file>
 
@@ -33490,26 +33568,13 @@
             </a:r>
             <a:r>
               <a:rPr lang="en-AU" dirty="0" smtClean="0"/>
-              <a:t>: combination of previous match statistics performed by teams.</a:t>
-            </a:r>
-          </a:p>
-          <a:p>
-            <a:pPr marL="914400" lvl="1" indent="-457200">
-              <a:buFont typeface="+mj-lt"/>
-              <a:buAutoNum type="arabicPeriod"/>
-            </a:pPr>
-            <a:r>
-              <a:rPr lang="en-AU" i="1" u="sng" dirty="0" err="1" smtClean="0"/>
-              <a:t>Kekko</a:t>
-            </a:r>
-            <a:r>
-              <a:rPr lang="en-AU" i="1" u="sng" dirty="0" smtClean="0"/>
-              <a:t> input</a:t>
+              <a:t>: combination of previous match statistics performed by teams</a:t>
             </a:r>
             <a:r>
               <a:rPr lang="en-AU" dirty="0" smtClean="0"/>
-              <a:t>: features an human uses to gather information before placing a bet.</a:t>
-            </a:r>
+              <a:t>.</a:t>
+            </a:r>
+            <a:endParaRPr lang="en-AU" dirty="0" smtClean="0"/>
           </a:p>
           <a:p>
             <a:pPr marL="914400" lvl="1" indent="-457200">
@@ -33727,8 +33792,8 @@
           </a:p>
         </p:txBody>
       </p:sp>
-      <mc:AlternateContent xmlns:mc="http://schemas.openxmlformats.org/markup-compatibility/2006" xmlns:a14="http://schemas.microsoft.com/office/drawing/2010/main">
-        <mc:Choice Requires="a14">
+      <mc:AlternateContent xmlns:mc="http://schemas.openxmlformats.org/markup-compatibility/2006">
+        <mc:Choice xmlns:a14="http://schemas.microsoft.com/office/drawing/2010/main" Requires="a14">
           <p:sp>
             <p:nvSpPr>
               <p:cNvPr id="3" name="Content Placeholder 2"/>
@@ -33746,8 +33811,25 @@
               <a:p>
                 <a:r>
                   <a:rPr lang="en-US" dirty="0" smtClean="0"/>
-                  <a:t>5 input types</a:t>
+                  <a:t>3</a:t>
                 </a:r>
+                <a:r>
+                  <a:rPr lang="en-US" dirty="0" smtClean="0"/>
+                  <a:t> </a:t>
+                </a:r>
+                <a:r>
+                  <a:rPr lang="en-US" dirty="0" smtClean="0"/>
+                  <a:t>input </a:t>
+                </a:r>
+                <a:r>
+                  <a:rPr lang="en-US" dirty="0" smtClean="0"/>
+                  <a:t>types + 1 for </a:t>
+                </a:r>
+                <a:r>
+                  <a:rPr lang="en-US" dirty="0" err="1" smtClean="0"/>
+                  <a:t>poisson</a:t>
+                </a:r>
+                <a:endParaRPr lang="en-US" dirty="0" smtClean="0"/>
               </a:p>
               <a:p>
                 <a:r>
@@ -33818,6 +33900,15 @@
                             <a:cs typeface="Cambria Math" charset="0"/>
                             <a:sym typeface="Wingdings"/>
                           </a:rPr>
+                          <m:t>(</m:t>
+                        </m:r>
+                        <m:r>
+                          <a:rPr lang="it-IT" b="0" i="1" smtClean="0">
+                            <a:latin typeface="Cambria Math" charset="0"/>
+                            <a:ea typeface="Cambria Math" charset="0"/>
+                            <a:cs typeface="Cambria Math" charset="0"/>
+                            <a:sym typeface="Wingdings"/>
+                          </a:rPr>
                           <m:t>3</m:t>
                         </m:r>
                         <m:r>
@@ -33848,7 +33939,16 @@
                                 <a:cs typeface="Cambria Math" charset="0"/>
                                 <a:sym typeface="Wingdings"/>
                               </a:rPr>
-                              <m:t>3+2</m:t>
+                              <m:t>1</m:t>
+                            </m:r>
+                            <m:r>
+                              <a:rPr lang="it-IT" b="0" i="1" smtClean="0">
+                                <a:latin typeface="Cambria Math" charset="0"/>
+                                <a:ea typeface="Cambria Math" charset="0"/>
+                                <a:cs typeface="Cambria Math" charset="0"/>
+                                <a:sym typeface="Wingdings"/>
+                              </a:rPr>
+                              <m:t>+2</m:t>
                             </m:r>
                             <m:r>
                               <a:rPr lang="it-IT" i="1">
@@ -33879,19 +33979,32 @@
                         <a:cs typeface="Cambria Math" charset="0"/>
                         <a:sym typeface="Wingdings"/>
                       </a:rPr>
-                      <m:t>+1)=275</m:t>
+                      <m:t>+1)=</m:t>
+                    </m:r>
+                    <m:r>
+                      <a:rPr lang="it-IT" b="0" i="1" smtClean="0">
+                        <a:latin typeface="Cambria Math" charset="0"/>
+                        <a:ea typeface="Cambria Math" charset="0"/>
+                        <a:cs typeface="Cambria Math" charset="0"/>
+                        <a:sym typeface="Wingdings"/>
+                      </a:rPr>
+                      <m:t>308</m:t>
                     </m:r>
                   </m:oMath>
                 </a14:m>
                 <a:r>
                   <a:rPr lang="en-US" dirty="0" smtClean="0"/>
-                  <a:t> possible settings</a:t>
+                  <a:t> possible </a:t>
+                </a:r>
+                <a:r>
+                  <a:rPr lang="en-US" dirty="0" smtClean="0"/>
+                  <a:t>settings</a:t>
                 </a:r>
               </a:p>
             </p:txBody>
           </p:sp>
         </mc:Choice>
-        <mc:Fallback xmlns="">
+        <mc:Fallback>
           <p:sp>
             <p:nvSpPr>
               <p:cNvPr id="3" name="Content Placeholder 2"/>
